--- a/Rapport/Diapo_ihm_pepper.pptx
+++ b/Rapport/Diapo_ihm_pepper.pptx
@@ -5,10 +5,10 @@
     <p:sldMasterId id="2147483648" r:id="rId1"/>
   </p:sldMasterIdLst>
   <p:notesMasterIdLst>
-    <p:notesMasterId r:id="rId15"/>
+    <p:notesMasterId r:id="rId18"/>
   </p:notesMasterIdLst>
   <p:handoutMasterIdLst>
-    <p:handoutMasterId r:id="rId16"/>
+    <p:handoutMasterId r:id="rId19"/>
   </p:handoutMasterIdLst>
   <p:sldIdLst>
     <p:sldId id="256" r:id="rId2"/>
@@ -22,8 +22,11 @@
     <p:sldId id="267" r:id="rId10"/>
     <p:sldId id="268" r:id="rId11"/>
     <p:sldId id="269" r:id="rId12"/>
-    <p:sldId id="261" r:id="rId13"/>
-    <p:sldId id="263" r:id="rId14"/>
+    <p:sldId id="270" r:id="rId13"/>
+    <p:sldId id="271" r:id="rId14"/>
+    <p:sldId id="272" r:id="rId15"/>
+    <p:sldId id="274" r:id="rId16"/>
+    <p:sldId id="273" r:id="rId17"/>
   </p:sldIdLst>
   <p:sldSz cx="12192000" cy="6858000"/>
   <p:notesSz cx="6858000" cy="9144000"/>
@@ -132,6 +135,883 @@
 
 <file path=ppt/revisionInfo.xml><?xml version="1.0" encoding="utf-8"?>
 <p1510:revInfo xmlns:a="http://schemas.openxmlformats.org/drawingml/2006/main" xmlns:r="http://schemas.openxmlformats.org/officeDocument/2006/relationships" xmlns:p1510="http://schemas.microsoft.com/office/powerpoint/2015/10/main"/>
+</file>
+
+<file path=ppt/charts/chart1.xml><?xml version="1.0" encoding="utf-8"?>
+<c:chartSpace xmlns:c="http://schemas.openxmlformats.org/drawingml/2006/chart" xmlns:a="http://schemas.openxmlformats.org/drawingml/2006/main" xmlns:r="http://schemas.openxmlformats.org/officeDocument/2006/relationships" xmlns:c16r2="http://schemas.microsoft.com/office/drawing/2015/06/chart">
+  <c:date1904 val="0"/>
+  <c:lang val="fr-FR"/>
+  <c:roundedCorners val="0"/>
+  <mc:AlternateContent xmlns:mc="http://schemas.openxmlformats.org/markup-compatibility/2006">
+    <mc:Choice xmlns:c14="http://schemas.microsoft.com/office/drawing/2007/8/2/chart" Requires="c14">
+      <c14:style val="102"/>
+    </mc:Choice>
+    <mc:Fallback>
+      <c:style val="2"/>
+    </mc:Fallback>
+  </mc:AlternateContent>
+  <c:chart>
+    <c:autoTitleDeleted val="1"/>
+    <c:plotArea>
+      <c:layout/>
+      <c:pieChart>
+        <c:varyColors val="1"/>
+        <c:ser>
+          <c:idx val="0"/>
+          <c:order val="0"/>
+          <c:tx>
+            <c:strRef>
+              <c:f>Feuil1!$B$1</c:f>
+              <c:strCache>
+                <c:ptCount val="1"/>
+                <c:pt idx="0">
+                  <c:v>Ventes</c:v>
+                </c:pt>
+              </c:strCache>
+            </c:strRef>
+          </c:tx>
+          <c:dPt>
+            <c:idx val="0"/>
+            <c:bubble3D val="0"/>
+            <c:spPr>
+              <a:solidFill>
+                <a:schemeClr val="accent1"/>
+              </a:solidFill>
+              <a:ln>
+                <a:noFill/>
+              </a:ln>
+              <a:effectLst/>
+              <a:scene3d>
+                <a:camera prst="orthographicFront"/>
+                <a:lightRig rig="brightRoom" dir="t"/>
+              </a:scene3d>
+              <a:sp3d prstMaterial="flat">
+                <a:bevelT w="50800" h="101600" prst="angle"/>
+                <a:contourClr>
+                  <a:srgbClr val="000000"/>
+                </a:contourClr>
+              </a:sp3d>
+            </c:spPr>
+          </c:dPt>
+          <c:dPt>
+            <c:idx val="1"/>
+            <c:bubble3D val="0"/>
+            <c:spPr>
+              <a:solidFill>
+                <a:schemeClr val="accent2"/>
+              </a:solidFill>
+              <a:ln>
+                <a:noFill/>
+              </a:ln>
+              <a:effectLst/>
+              <a:scene3d>
+                <a:camera prst="orthographicFront"/>
+                <a:lightRig rig="brightRoom" dir="t"/>
+              </a:scene3d>
+              <a:sp3d prstMaterial="flat">
+                <a:bevelT w="50800" h="101600" prst="angle"/>
+                <a:contourClr>
+                  <a:srgbClr val="000000"/>
+                </a:contourClr>
+              </a:sp3d>
+            </c:spPr>
+          </c:dPt>
+          <c:dPt>
+            <c:idx val="2"/>
+            <c:bubble3D val="0"/>
+            <c:spPr>
+              <a:solidFill>
+                <a:schemeClr val="accent3"/>
+              </a:solidFill>
+              <a:ln>
+                <a:noFill/>
+              </a:ln>
+              <a:effectLst/>
+              <a:scene3d>
+                <a:camera prst="orthographicFront"/>
+                <a:lightRig rig="brightRoom" dir="t"/>
+              </a:scene3d>
+              <a:sp3d prstMaterial="flat">
+                <a:bevelT w="50800" h="101600" prst="angle"/>
+                <a:contourClr>
+                  <a:srgbClr val="000000"/>
+                </a:contourClr>
+              </a:sp3d>
+            </c:spPr>
+          </c:dPt>
+          <c:dPt>
+            <c:idx val="3"/>
+            <c:bubble3D val="0"/>
+            <c:spPr>
+              <a:solidFill>
+                <a:schemeClr val="accent4"/>
+              </a:solidFill>
+              <a:ln>
+                <a:noFill/>
+              </a:ln>
+              <a:effectLst/>
+              <a:scene3d>
+                <a:camera prst="orthographicFront"/>
+                <a:lightRig rig="brightRoom" dir="t"/>
+              </a:scene3d>
+              <a:sp3d prstMaterial="flat">
+                <a:bevelT w="50800" h="101600" prst="angle"/>
+                <a:contourClr>
+                  <a:srgbClr val="000000"/>
+                </a:contourClr>
+              </a:sp3d>
+            </c:spPr>
+          </c:dPt>
+          <c:dLbls>
+            <c:spPr>
+              <a:noFill/>
+              <a:ln>
+                <a:noFill/>
+              </a:ln>
+              <a:effectLst/>
+            </c:spPr>
+            <c:txPr>
+              <a:bodyPr rot="0" spcFirstLastPara="1" vertOverflow="ellipsis" vert="horz" wrap="square" lIns="38100" tIns="19050" rIns="38100" bIns="19050" anchor="ctr" anchorCtr="1">
+                <a:spAutoFit/>
+              </a:bodyPr>
+              <a:lstStyle/>
+              <a:p>
+                <a:pPr>
+                  <a:defRPr sz="1197" b="1" i="0" u="none" strike="noStrike" kern="1200" baseline="0">
+                    <a:solidFill>
+                      <a:schemeClr val="lt1"/>
+                    </a:solidFill>
+                    <a:latin typeface="+mn-lt"/>
+                    <a:ea typeface="+mn-ea"/>
+                    <a:cs typeface="+mn-cs"/>
+                  </a:defRPr>
+                </a:pPr>
+                <a:endParaRPr lang="fr-FR"/>
+              </a:p>
+            </c:txPr>
+            <c:dLblPos val="inEnd"/>
+            <c:showLegendKey val="0"/>
+            <c:showVal val="0"/>
+            <c:showCatName val="0"/>
+            <c:showSerName val="0"/>
+            <c:showPercent val="1"/>
+            <c:showBubbleSize val="0"/>
+            <c:showLeaderLines val="1"/>
+            <c:leaderLines>
+              <c:spPr>
+                <a:ln w="9525" cap="flat" cmpd="sng" algn="ctr">
+                  <a:solidFill>
+                    <a:schemeClr val="tx1">
+                      <a:lumMod val="35000"/>
+                      <a:lumOff val="65000"/>
+                    </a:schemeClr>
+                  </a:solidFill>
+                  <a:round/>
+                </a:ln>
+                <a:effectLst/>
+              </c:spPr>
+            </c:leaderLines>
+            <c:extLst>
+              <c:ext xmlns:c15="http://schemas.microsoft.com/office/drawing/2012/chart" uri="{CE6537A1-D6FC-4f65-9D91-7224C49458BB}"/>
+            </c:extLst>
+          </c:dLbls>
+          <c:cat>
+            <c:strRef>
+              <c:f>Feuil1!$A$2:$A$5</c:f>
+              <c:strCache>
+                <c:ptCount val="4"/>
+                <c:pt idx="0">
+                  <c:v>Réunions</c:v>
+                </c:pt>
+                <c:pt idx="1">
+                  <c:v>Dévelopement</c:v>
+                </c:pt>
+                <c:pt idx="2">
+                  <c:v>Tests</c:v>
+                </c:pt>
+                <c:pt idx="3">
+                  <c:v>Rapport</c:v>
+                </c:pt>
+              </c:strCache>
+            </c:strRef>
+          </c:cat>
+          <c:val>
+            <c:numRef>
+              <c:f>Feuil1!$B$2:$B$5</c:f>
+              <c:numCache>
+                <c:formatCode>General</c:formatCode>
+                <c:ptCount val="4"/>
+                <c:pt idx="0">
+                  <c:v>8</c:v>
+                </c:pt>
+                <c:pt idx="1">
+                  <c:v>50</c:v>
+                </c:pt>
+                <c:pt idx="2">
+                  <c:v>40</c:v>
+                </c:pt>
+                <c:pt idx="3">
+                  <c:v>5</c:v>
+                </c:pt>
+              </c:numCache>
+            </c:numRef>
+          </c:val>
+          <c:extLst>
+            <c:ext xmlns:c16="http://schemas.microsoft.com/office/drawing/2014/chart" uri="{C3380CC4-5D6E-409C-BE32-E72D297353CC}">
+              <c16:uniqueId val="{00000000-3815-4D45-A25C-8F848B449E59}"/>
+            </c:ext>
+          </c:extLst>
+        </c:ser>
+        <c:dLbls>
+          <c:dLblPos val="inEnd"/>
+          <c:showLegendKey val="0"/>
+          <c:showVal val="0"/>
+          <c:showCatName val="0"/>
+          <c:showSerName val="0"/>
+          <c:showPercent val="1"/>
+          <c:showBubbleSize val="0"/>
+          <c:showLeaderLines val="1"/>
+        </c:dLbls>
+        <c:firstSliceAng val="0"/>
+      </c:pieChart>
+      <c:spPr>
+        <a:noFill/>
+        <a:ln>
+          <a:noFill/>
+        </a:ln>
+        <a:effectLst/>
+      </c:spPr>
+    </c:plotArea>
+    <c:legend>
+      <c:legendPos val="t"/>
+      <c:layout>
+        <c:manualLayout>
+          <c:xMode val="edge"/>
+          <c:yMode val="edge"/>
+          <c:x val="7.9607668278082869E-2"/>
+          <c:y val="6.0509554140127389E-2"/>
+          <c:w val="0.6653772724057373"/>
+          <c:h val="6.5171773910426806E-2"/>
+        </c:manualLayout>
+      </c:layout>
+      <c:overlay val="0"/>
+      <c:spPr>
+        <a:noFill/>
+        <a:ln>
+          <a:noFill/>
+        </a:ln>
+        <a:effectLst/>
+      </c:spPr>
+      <c:txPr>
+        <a:bodyPr rot="0" spcFirstLastPara="1" vertOverflow="ellipsis" vert="horz" wrap="square" anchor="ctr" anchorCtr="1"/>
+        <a:lstStyle/>
+        <a:p>
+          <a:pPr>
+            <a:defRPr sz="1197" b="0" i="0" u="none" strike="noStrike" kern="1200" baseline="0">
+              <a:solidFill>
+                <a:schemeClr val="tx1">
+                  <a:lumMod val="65000"/>
+                  <a:lumOff val="35000"/>
+                </a:schemeClr>
+              </a:solidFill>
+              <a:latin typeface="+mn-lt"/>
+              <a:ea typeface="+mn-ea"/>
+              <a:cs typeface="+mn-cs"/>
+            </a:defRPr>
+          </a:pPr>
+          <a:endParaRPr lang="fr-FR"/>
+        </a:p>
+      </c:txPr>
+    </c:legend>
+    <c:plotVisOnly val="1"/>
+    <c:dispBlanksAs val="gap"/>
+    <c:extLst>
+      <c:ext xmlns:c16r3="http://schemas.microsoft.com/office/drawing/2017/03/chart" uri="{56B9EC1D-385E-4148-901F-78D8002777C0}">
+        <c16r3:dataDisplayOptions16>
+          <c16r3:dispNaAsBlank val="1"/>
+        </c16r3:dataDisplayOptions16>
+      </c:ext>
+    </c:extLst>
+    <c:showDLblsOverMax val="0"/>
+  </c:chart>
+  <c:spPr>
+    <a:noFill/>
+    <a:ln>
+      <a:noFill/>
+    </a:ln>
+    <a:effectLst/>
+  </c:spPr>
+  <c:txPr>
+    <a:bodyPr/>
+    <a:lstStyle/>
+    <a:p>
+      <a:pPr>
+        <a:defRPr/>
+      </a:pPr>
+      <a:endParaRPr lang="fr-FR"/>
+    </a:p>
+  </c:txPr>
+  <c:externalData r:id="rId3">
+    <c:autoUpdate val="0"/>
+  </c:externalData>
+</c:chartSpace>
+</file>
+
+<file path=ppt/charts/colors1.xml><?xml version="1.0" encoding="utf-8"?>
+<cs:colorStyle xmlns:cs="http://schemas.microsoft.com/office/drawing/2012/chartStyle" xmlns:a="http://schemas.openxmlformats.org/drawingml/2006/main" meth="cycle" id="10">
+  <a:schemeClr val="accent1"/>
+  <a:schemeClr val="accent2"/>
+  <a:schemeClr val="accent3"/>
+  <a:schemeClr val="accent4"/>
+  <a:schemeClr val="accent5"/>
+  <a:schemeClr val="accent6"/>
+  <cs:variation/>
+  <cs:variation>
+    <a:lumMod val="60000"/>
+  </cs:variation>
+  <cs:variation>
+    <a:lumMod val="80000"/>
+    <a:lumOff val="20000"/>
+  </cs:variation>
+  <cs:variation>
+    <a:lumMod val="80000"/>
+  </cs:variation>
+  <cs:variation>
+    <a:lumMod val="60000"/>
+    <a:lumOff val="40000"/>
+  </cs:variation>
+  <cs:variation>
+    <a:lumMod val="50000"/>
+  </cs:variation>
+  <cs:variation>
+    <a:lumMod val="70000"/>
+    <a:lumOff val="30000"/>
+  </cs:variation>
+  <cs:variation>
+    <a:lumMod val="70000"/>
+  </cs:variation>
+  <cs:variation>
+    <a:lumMod val="50000"/>
+    <a:lumOff val="50000"/>
+  </cs:variation>
+</cs:colorStyle>
+</file>
+
+<file path=ppt/charts/style1.xml><?xml version="1.0" encoding="utf-8"?>
+<cs:chartStyle xmlns:cs="http://schemas.microsoft.com/office/drawing/2012/chartStyle" xmlns:a="http://schemas.openxmlformats.org/drawingml/2006/main" id="258">
+  <cs:axisTitle>
+    <cs:lnRef idx="0"/>
+    <cs:fillRef idx="0"/>
+    <cs:effectRef idx="0"/>
+    <cs:fontRef idx="minor">
+      <a:schemeClr val="tx1">
+        <a:lumMod val="65000"/>
+        <a:lumOff val="35000"/>
+      </a:schemeClr>
+    </cs:fontRef>
+    <cs:defRPr sz="1197" kern="1200"/>
+  </cs:axisTitle>
+  <cs:categoryAxis>
+    <cs:lnRef idx="0"/>
+    <cs:fillRef idx="0"/>
+    <cs:effectRef idx="0"/>
+    <cs:fontRef idx="minor">
+      <a:schemeClr val="tx1">
+        <a:lumMod val="65000"/>
+        <a:lumOff val="35000"/>
+      </a:schemeClr>
+    </cs:fontRef>
+    <cs:defRPr sz="1197" kern="1200"/>
+  </cs:categoryAxis>
+  <cs:chartArea mods="allowNoFillOverride allowNoLineOverride">
+    <cs:lnRef idx="0"/>
+    <cs:fillRef idx="0"/>
+    <cs:effectRef idx="0"/>
+    <cs:fontRef idx="minor">
+      <a:schemeClr val="tx1"/>
+    </cs:fontRef>
+    <cs:spPr>
+      <a:solidFill>
+        <a:schemeClr val="bg1"/>
+      </a:solidFill>
+      <a:ln w="9525" cap="flat" cmpd="sng" algn="ctr">
+        <a:solidFill>
+          <a:schemeClr val="tx1">
+            <a:lumMod val="15000"/>
+            <a:lumOff val="85000"/>
+          </a:schemeClr>
+        </a:solidFill>
+        <a:round/>
+      </a:ln>
+    </cs:spPr>
+    <cs:defRPr sz="1197" kern="1200"/>
+  </cs:chartArea>
+  <cs:dataLabel>
+    <cs:lnRef idx="0"/>
+    <cs:fillRef idx="0"/>
+    <cs:effectRef idx="0"/>
+    <cs:fontRef idx="minor">
+      <a:schemeClr val="lt1"/>
+    </cs:fontRef>
+    <cs:defRPr sz="1197" b="1" kern="1200"/>
+  </cs:dataLabel>
+  <cs:dataLabelCallout>
+    <cs:lnRef idx="0"/>
+    <cs:fillRef idx="0"/>
+    <cs:effectRef idx="0"/>
+    <cs:fontRef idx="minor">
+      <a:schemeClr val="dk1">
+        <a:lumMod val="65000"/>
+        <a:lumOff val="35000"/>
+      </a:schemeClr>
+    </cs:fontRef>
+    <cs:spPr>
+      <a:solidFill>
+        <a:schemeClr val="lt1"/>
+      </a:solidFill>
+      <a:ln>
+        <a:solidFill>
+          <a:schemeClr val="dk1">
+            <a:lumMod val="25000"/>
+            <a:lumOff val="75000"/>
+          </a:schemeClr>
+        </a:solidFill>
+      </a:ln>
+    </cs:spPr>
+    <cs:defRPr sz="1197" kern="1200"/>
+    <cs:bodyPr rot="0" spcFirstLastPara="1" vertOverflow="clip" horzOverflow="clip" vert="horz" wrap="square" lIns="36576" tIns="18288" rIns="36576" bIns="18288" anchor="ctr" anchorCtr="1">
+      <a:spAutoFit/>
+    </cs:bodyPr>
+  </cs:dataLabelCallout>
+  <cs:dataPoint>
+    <cs:lnRef idx="0"/>
+    <cs:fillRef idx="0">
+      <cs:styleClr val="auto"/>
+    </cs:fillRef>
+    <cs:effectRef idx="0"/>
+    <cs:fontRef idx="minor">
+      <a:schemeClr val="tx1"/>
+    </cs:fontRef>
+    <cs:spPr>
+      <a:solidFill>
+        <a:schemeClr val="phClr"/>
+      </a:solidFill>
+      <a:scene3d>
+        <a:camera prst="orthographicFront"/>
+        <a:lightRig rig="brightRoom" dir="t"/>
+      </a:scene3d>
+      <a:sp3d prstMaterial="flat">
+        <a:bevelT w="50800" h="101600" prst="angle"/>
+        <a:contourClr>
+          <a:srgbClr val="000000"/>
+        </a:contourClr>
+      </a:sp3d>
+    </cs:spPr>
+  </cs:dataPoint>
+  <cs:dataPoint3D>
+    <cs:lnRef idx="0"/>
+    <cs:fillRef idx="0">
+      <cs:styleClr val="auto"/>
+    </cs:fillRef>
+    <cs:effectRef idx="0"/>
+    <cs:fontRef idx="minor">
+      <a:schemeClr val="tx1"/>
+    </cs:fontRef>
+    <cs:spPr>
+      <a:solidFill>
+        <a:schemeClr val="phClr"/>
+      </a:solidFill>
+      <a:ln w="19050">
+        <a:solidFill>
+          <a:schemeClr val="lt1"/>
+        </a:solidFill>
+      </a:ln>
+    </cs:spPr>
+  </cs:dataPoint3D>
+  <cs:dataPointLine>
+    <cs:lnRef idx="0">
+      <cs:styleClr val="auto"/>
+    </cs:lnRef>
+    <cs:fillRef idx="0"/>
+    <cs:effectRef idx="0"/>
+    <cs:fontRef idx="minor">
+      <a:schemeClr val="tx1"/>
+    </cs:fontRef>
+    <cs:spPr>
+      <a:ln w="28575" cap="rnd">
+        <a:solidFill>
+          <a:schemeClr val="phClr"/>
+        </a:solidFill>
+        <a:round/>
+      </a:ln>
+    </cs:spPr>
+  </cs:dataPointLine>
+  <cs:dataPointMarker>
+    <cs:lnRef idx="0"/>
+    <cs:fillRef idx="0">
+      <cs:styleClr val="auto"/>
+    </cs:fillRef>
+    <cs:effectRef idx="0"/>
+    <cs:fontRef idx="minor">
+      <a:schemeClr val="tx1"/>
+    </cs:fontRef>
+    <cs:spPr>
+      <a:solidFill>
+        <a:schemeClr val="phClr"/>
+      </a:solidFill>
+      <a:ln w="9525">
+        <a:solidFill>
+          <a:schemeClr val="lt1"/>
+        </a:solidFill>
+      </a:ln>
+    </cs:spPr>
+  </cs:dataPointMarker>
+  <cs:dataPointMarkerLayout symbol="circle" size="6"/>
+  <cs:dataPointWireframe>
+    <cs:lnRef idx="0">
+      <cs:styleClr val="auto"/>
+    </cs:lnRef>
+    <cs:fillRef idx="0"/>
+    <cs:effectRef idx="0"/>
+    <cs:fontRef idx="minor">
+      <a:schemeClr val="tx1"/>
+    </cs:fontRef>
+    <cs:spPr>
+      <a:ln w="9525" cap="rnd">
+        <a:solidFill>
+          <a:schemeClr val="phClr"/>
+        </a:solidFill>
+        <a:round/>
+      </a:ln>
+    </cs:spPr>
+  </cs:dataPointWireframe>
+  <cs:dataTable>
+    <cs:lnRef idx="0"/>
+    <cs:fillRef idx="0"/>
+    <cs:effectRef idx="0"/>
+    <cs:fontRef idx="minor">
+      <a:schemeClr val="tx1">
+        <a:lumMod val="65000"/>
+        <a:lumOff val="35000"/>
+      </a:schemeClr>
+    </cs:fontRef>
+    <cs:spPr>
+      <a:noFill/>
+      <a:ln w="9525" cap="flat" cmpd="sng" algn="ctr">
+        <a:solidFill>
+          <a:schemeClr val="tx1">
+            <a:lumMod val="15000"/>
+            <a:lumOff val="85000"/>
+          </a:schemeClr>
+        </a:solidFill>
+        <a:round/>
+      </a:ln>
+    </cs:spPr>
+    <cs:defRPr sz="1197" kern="1200"/>
+  </cs:dataTable>
+  <cs:downBar>
+    <cs:lnRef idx="0"/>
+    <cs:fillRef idx="0"/>
+    <cs:effectRef idx="0"/>
+    <cs:fontRef idx="minor">
+      <a:schemeClr val="tx1"/>
+    </cs:fontRef>
+    <cs:spPr>
+      <a:solidFill>
+        <a:schemeClr val="dk1">
+          <a:lumMod val="75000"/>
+          <a:lumOff val="25000"/>
+        </a:schemeClr>
+      </a:solidFill>
+      <a:ln w="9525" cap="flat" cmpd="sng" algn="ctr">
+        <a:solidFill>
+          <a:schemeClr val="tx1">
+            <a:lumMod val="65000"/>
+            <a:lumOff val="35000"/>
+          </a:schemeClr>
+        </a:solidFill>
+        <a:round/>
+      </a:ln>
+    </cs:spPr>
+  </cs:downBar>
+  <cs:dropLine>
+    <cs:lnRef idx="0"/>
+    <cs:fillRef idx="0"/>
+    <cs:effectRef idx="0"/>
+    <cs:fontRef idx="minor">
+      <a:schemeClr val="tx1"/>
+    </cs:fontRef>
+    <cs:spPr>
+      <a:ln w="9525" cap="flat" cmpd="sng" algn="ctr">
+        <a:solidFill>
+          <a:schemeClr val="tx1">
+            <a:lumMod val="35000"/>
+            <a:lumOff val="65000"/>
+          </a:schemeClr>
+        </a:solidFill>
+        <a:round/>
+      </a:ln>
+    </cs:spPr>
+  </cs:dropLine>
+  <cs:errorBar>
+    <cs:lnRef idx="0"/>
+    <cs:fillRef idx="0"/>
+    <cs:effectRef idx="0"/>
+    <cs:fontRef idx="minor">
+      <a:schemeClr val="tx1"/>
+    </cs:fontRef>
+    <cs:spPr>
+      <a:ln w="9525" cap="flat" cmpd="sng" algn="ctr">
+        <a:solidFill>
+          <a:schemeClr val="tx1">
+            <a:lumMod val="65000"/>
+            <a:lumOff val="35000"/>
+          </a:schemeClr>
+        </a:solidFill>
+        <a:round/>
+      </a:ln>
+    </cs:spPr>
+  </cs:errorBar>
+  <cs:floor>
+    <cs:lnRef idx="0"/>
+    <cs:fillRef idx="0"/>
+    <cs:effectRef idx="0"/>
+    <cs:fontRef idx="minor">
+      <a:schemeClr val="tx1"/>
+    </cs:fontRef>
+    <cs:spPr>
+      <a:noFill/>
+      <a:ln>
+        <a:noFill/>
+      </a:ln>
+    </cs:spPr>
+  </cs:floor>
+  <cs:gridlineMajor>
+    <cs:lnRef idx="0"/>
+    <cs:fillRef idx="0"/>
+    <cs:effectRef idx="0"/>
+    <cs:fontRef idx="minor">
+      <a:schemeClr val="tx1"/>
+    </cs:fontRef>
+    <cs:spPr>
+      <a:ln w="9525" cap="flat" cmpd="sng" algn="ctr">
+        <a:solidFill>
+          <a:schemeClr val="tx1">
+            <a:lumMod val="15000"/>
+            <a:lumOff val="85000"/>
+          </a:schemeClr>
+        </a:solidFill>
+        <a:round/>
+      </a:ln>
+    </cs:spPr>
+  </cs:gridlineMajor>
+  <cs:gridlineMinor>
+    <cs:lnRef idx="0"/>
+    <cs:fillRef idx="0"/>
+    <cs:effectRef idx="0"/>
+    <cs:fontRef idx="minor">
+      <a:schemeClr val="tx1"/>
+    </cs:fontRef>
+    <cs:spPr>
+      <a:ln w="9525" cap="flat" cmpd="sng" algn="ctr">
+        <a:solidFill>
+          <a:schemeClr val="tx1">
+            <a:lumMod val="5000"/>
+            <a:lumOff val="95000"/>
+          </a:schemeClr>
+        </a:solidFill>
+        <a:round/>
+      </a:ln>
+    </cs:spPr>
+  </cs:gridlineMinor>
+  <cs:hiLoLine>
+    <cs:lnRef idx="0"/>
+    <cs:fillRef idx="0"/>
+    <cs:effectRef idx="0"/>
+    <cs:fontRef idx="minor">
+      <a:schemeClr val="tx1"/>
+    </cs:fontRef>
+    <cs:spPr>
+      <a:ln w="9525" cap="flat" cmpd="sng" algn="ctr">
+        <a:solidFill>
+          <a:schemeClr val="tx1">
+            <a:lumMod val="50000"/>
+            <a:lumOff val="50000"/>
+          </a:schemeClr>
+        </a:solidFill>
+        <a:round/>
+      </a:ln>
+    </cs:spPr>
+  </cs:hiLoLine>
+  <cs:leaderLine>
+    <cs:lnRef idx="0"/>
+    <cs:fillRef idx="0"/>
+    <cs:effectRef idx="0"/>
+    <cs:fontRef idx="minor">
+      <a:schemeClr val="tx1"/>
+    </cs:fontRef>
+    <cs:spPr>
+      <a:ln w="9525" cap="flat" cmpd="sng" algn="ctr">
+        <a:solidFill>
+          <a:schemeClr val="tx1">
+            <a:lumMod val="35000"/>
+            <a:lumOff val="65000"/>
+          </a:schemeClr>
+        </a:solidFill>
+        <a:round/>
+      </a:ln>
+    </cs:spPr>
+  </cs:leaderLine>
+  <cs:legend>
+    <cs:lnRef idx="0"/>
+    <cs:fillRef idx="0"/>
+    <cs:effectRef idx="0"/>
+    <cs:fontRef idx="minor">
+      <a:schemeClr val="tx1">
+        <a:lumMod val="65000"/>
+        <a:lumOff val="35000"/>
+      </a:schemeClr>
+    </cs:fontRef>
+    <cs:defRPr sz="1197" kern="1200"/>
+  </cs:legend>
+  <cs:plotArea mods="allowNoFillOverride allowNoLineOverride">
+    <cs:lnRef idx="0"/>
+    <cs:fillRef idx="0"/>
+    <cs:effectRef idx="0"/>
+    <cs:fontRef idx="minor">
+      <a:schemeClr val="tx1"/>
+    </cs:fontRef>
+  </cs:plotArea>
+  <cs:plotArea3D mods="allowNoFillOverride allowNoLineOverride">
+    <cs:lnRef idx="0"/>
+    <cs:fillRef idx="0"/>
+    <cs:effectRef idx="0"/>
+    <cs:fontRef idx="minor">
+      <a:schemeClr val="tx1"/>
+    </cs:fontRef>
+  </cs:plotArea3D>
+  <cs:seriesAxis>
+    <cs:lnRef idx="0"/>
+    <cs:fillRef idx="0"/>
+    <cs:effectRef idx="0"/>
+    <cs:fontRef idx="minor">
+      <a:schemeClr val="tx1">
+        <a:lumMod val="65000"/>
+        <a:lumOff val="35000"/>
+      </a:schemeClr>
+    </cs:fontRef>
+    <cs:defRPr sz="1197" kern="1200"/>
+  </cs:seriesAxis>
+  <cs:seriesLine>
+    <cs:lnRef idx="0"/>
+    <cs:fillRef idx="0"/>
+    <cs:effectRef idx="0"/>
+    <cs:fontRef idx="minor">
+      <a:schemeClr val="tx1"/>
+    </cs:fontRef>
+    <cs:spPr>
+      <a:ln w="9525" cap="flat" cmpd="sng" algn="ctr">
+        <a:solidFill>
+          <a:schemeClr val="tx1">
+            <a:lumMod val="35000"/>
+            <a:lumOff val="65000"/>
+          </a:schemeClr>
+        </a:solidFill>
+        <a:round/>
+      </a:ln>
+    </cs:spPr>
+  </cs:seriesLine>
+  <cs:title>
+    <cs:lnRef idx="0"/>
+    <cs:fillRef idx="0"/>
+    <cs:effectRef idx="0"/>
+    <cs:fontRef idx="minor">
+      <a:schemeClr val="tx1">
+        <a:lumMod val="65000"/>
+        <a:lumOff val="35000"/>
+      </a:schemeClr>
+    </cs:fontRef>
+    <cs:defRPr sz="1862" b="1" i="0" kern="1200" cap="all" spc="50" baseline="0"/>
+  </cs:title>
+  <cs:trendline>
+    <cs:lnRef idx="0">
+      <cs:styleClr val="auto"/>
+    </cs:lnRef>
+    <cs:fillRef idx="0"/>
+    <cs:effectRef idx="0"/>
+    <cs:fontRef idx="minor">
+      <a:schemeClr val="tx1"/>
+    </cs:fontRef>
+    <cs:spPr>
+      <a:ln w="19050" cap="rnd">
+        <a:solidFill>
+          <a:schemeClr val="phClr"/>
+        </a:solidFill>
+        <a:prstDash val="sysDash"/>
+      </a:ln>
+    </cs:spPr>
+  </cs:trendline>
+  <cs:trendlineLabel>
+    <cs:lnRef idx="0"/>
+    <cs:fillRef idx="0"/>
+    <cs:effectRef idx="0"/>
+    <cs:fontRef idx="minor">
+      <a:schemeClr val="tx1">
+        <a:lumMod val="65000"/>
+        <a:lumOff val="35000"/>
+      </a:schemeClr>
+    </cs:fontRef>
+    <cs:defRPr sz="1197" kern="1200"/>
+  </cs:trendlineLabel>
+  <cs:upBar>
+    <cs:lnRef idx="0"/>
+    <cs:fillRef idx="0"/>
+    <cs:effectRef idx="0"/>
+    <cs:fontRef idx="minor">
+      <a:schemeClr val="tx1"/>
+    </cs:fontRef>
+    <cs:spPr>
+      <a:solidFill>
+        <a:schemeClr val="lt1"/>
+      </a:solidFill>
+      <a:ln w="9525" cap="flat" cmpd="sng" algn="ctr">
+        <a:solidFill>
+          <a:schemeClr val="tx1">
+            <a:lumMod val="65000"/>
+            <a:lumOff val="35000"/>
+          </a:schemeClr>
+        </a:solidFill>
+        <a:round/>
+      </a:ln>
+    </cs:spPr>
+  </cs:upBar>
+  <cs:valueAxis>
+    <cs:lnRef idx="0"/>
+    <cs:fillRef idx="0"/>
+    <cs:effectRef idx="0"/>
+    <cs:fontRef idx="minor">
+      <a:schemeClr val="tx1">
+        <a:lumMod val="65000"/>
+        <a:lumOff val="35000"/>
+      </a:schemeClr>
+    </cs:fontRef>
+    <cs:defRPr sz="1197" kern="1200"/>
+  </cs:valueAxis>
+  <cs:wall>
+    <cs:lnRef idx="0"/>
+    <cs:fillRef idx="0"/>
+    <cs:effectRef idx="0"/>
+    <cs:fontRef idx="minor">
+      <a:schemeClr val="tx1"/>
+    </cs:fontRef>
+    <cs:spPr>
+      <a:noFill/>
+      <a:ln>
+        <a:noFill/>
+      </a:ln>
+    </cs:spPr>
+  </cs:wall>
+</cs:chartStyle>
 </file>
 
 <file path=ppt/handoutMasters/handoutMaster1.xml><?xml version="1.0" encoding="utf-8"?>
@@ -4266,7 +5146,7 @@
           <a:p>
             <a:r>
               <a:rPr lang="fr-FR" dirty="0"/>
-              <a:t>Récupération de la réponse à partir question posée</a:t>
+              <a:t>Tablette</a:t>
             </a:r>
           </a:p>
         </p:txBody>
@@ -4406,7 +5286,7 @@
           <p:cNvPr id="2" name="Titre 1">
             <a:extLst>
               <a:ext uri="{FF2B5EF4-FFF2-40B4-BE49-F238E27FC236}">
-                <a16:creationId xmlns:a16="http://schemas.microsoft.com/office/drawing/2014/main" id="{6DEF1692-4404-48A3-977E-C6959B8D7471}"/>
+                <a16:creationId xmlns:a16="http://schemas.microsoft.com/office/drawing/2014/main" id="{6CA294AB-36EE-442C-977C-ACC9BCD37340}"/>
               </a:ext>
             </a:extLst>
           </p:cNvPr>
@@ -4424,168 +5304,115 @@
           <a:p>
             <a:r>
               <a:rPr lang="fr-FR" dirty="0"/>
-              <a:t>Plan</a:t>
-            </a:r>
-          </a:p>
-        </p:txBody>
-      </p:sp>
-      <p:sp>
-        <p:nvSpPr>
-          <p:cNvPr id="3" name="Espace réservé du contenu 2">
-            <a:extLst>
-              <a:ext uri="{FF2B5EF4-FFF2-40B4-BE49-F238E27FC236}">
-                <a16:creationId xmlns:a16="http://schemas.microsoft.com/office/drawing/2014/main" id="{EAE431DF-8BB9-472F-BA44-28028320630F}"/>
-              </a:ext>
-            </a:extLst>
-          </p:cNvPr>
-          <p:cNvSpPr>
-            <a:spLocks noGrp="1"/>
-          </p:cNvSpPr>
-          <p:nvPr>
-            <p:ph idx="1"/>
-          </p:nvPr>
-        </p:nvSpPr>
-        <p:spPr/>
-        <p:txBody>
-          <a:bodyPr>
-            <a:normAutofit fontScale="62500" lnSpcReduction="20000"/>
-          </a:bodyPr>
-          <a:lstStyle/>
-          <a:p>
-            <a:r>
-              <a:rPr lang="fr-FR" dirty="0"/>
-              <a:t>1 présentation de l’équipe</a:t>
-            </a:r>
-          </a:p>
-          <a:p>
-            <a:r>
-              <a:rPr lang="fr-FR" dirty="0"/>
-              <a:t>2 Présentation de l’épreuve</a:t>
-            </a:r>
-          </a:p>
-          <a:p>
-            <a:r>
-              <a:rPr lang="fr-FR" dirty="0"/>
-              <a:t>3 cheminement de la réflexion (</a:t>
-            </a:r>
-            <a:r>
-              <a:rPr lang="fr-FR" dirty="0" err="1"/>
-              <a:t>Qichat</a:t>
-            </a:r>
-            <a:r>
-              <a:rPr lang="fr-FR" dirty="0"/>
-              <a:t> python apprentissage</a:t>
-            </a:r>
-          </a:p>
-          <a:p>
-            <a:r>
-              <a:rPr lang="fr-FR" dirty="0"/>
-              <a:t>4 Organisation générale de l’équipe </a:t>
-            </a:r>
-            <a:r>
-              <a:rPr lang="fr-FR" dirty="0" err="1"/>
-              <a:t>github</a:t>
-            </a:r>
-            <a:r>
-              <a:rPr lang="fr-FR" dirty="0"/>
-              <a:t> </a:t>
-            </a:r>
-            <a:r>
-              <a:rPr lang="fr-FR" dirty="0" err="1"/>
-              <a:t>trello</a:t>
-            </a:r>
+              <a:t>Phase de Test</a:t>
+            </a:r>
+          </a:p>
+        </p:txBody>
+      </p:sp>
+      <p:sp>
+        <p:nvSpPr>
+          <p:cNvPr id="3" name="Espace réservé du texte 2">
+            <a:extLst>
+              <a:ext uri="{FF2B5EF4-FFF2-40B4-BE49-F238E27FC236}">
+                <a16:creationId xmlns:a16="http://schemas.microsoft.com/office/drawing/2014/main" id="{C29F7321-27E5-4F26-A662-54F5D5FBFC88}"/>
+              </a:ext>
+            </a:extLst>
+          </p:cNvPr>
+          <p:cNvSpPr>
+            <a:spLocks noGrp="1"/>
+          </p:cNvSpPr>
+          <p:nvPr>
+            <p:ph type="body" idx="1"/>
+          </p:nvPr>
+        </p:nvSpPr>
+        <p:spPr/>
+        <p:txBody>
+          <a:bodyPr/>
+          <a:lstStyle/>
+          <a:p>
+            <a:endParaRPr lang="fr-FR"/>
+          </a:p>
+        </p:txBody>
+      </p:sp>
+      <p:sp>
+        <p:nvSpPr>
+          <p:cNvPr id="4" name="Espace réservé du contenu 3">
+            <a:extLst>
+              <a:ext uri="{FF2B5EF4-FFF2-40B4-BE49-F238E27FC236}">
+                <a16:creationId xmlns:a16="http://schemas.microsoft.com/office/drawing/2014/main" id="{1A1E2842-46BE-4FF8-89CB-BDFBD11FE6DA}"/>
+              </a:ext>
+            </a:extLst>
+          </p:cNvPr>
+          <p:cNvSpPr>
+            <a:spLocks noGrp="1"/>
+          </p:cNvSpPr>
+          <p:nvPr>
+            <p:ph sz="half" idx="2"/>
+          </p:nvPr>
+        </p:nvSpPr>
+        <p:spPr/>
+        <p:txBody>
+          <a:bodyPr/>
+          <a:lstStyle/>
+          <a:p>
             <a:endParaRPr lang="fr-FR" dirty="0"/>
           </a:p>
-          <a:p>
-            <a:r>
-              <a:rPr lang="fr-FR" dirty="0"/>
-              <a:t>5 </a:t>
-            </a:r>
-            <a:r>
-              <a:rPr lang="fr-FR" dirty="0">
-                <a:highlight>
-                  <a:srgbClr val="FFFF00"/>
-                </a:highlight>
-              </a:rPr>
-              <a:t>Vidéo Présentation Robot</a:t>
-            </a:r>
-          </a:p>
-          <a:p>
-            <a:r>
-              <a:rPr lang="fr-FR" u="sng" dirty="0"/>
-              <a:t>6 Approche par mots clefs</a:t>
-            </a:r>
-          </a:p>
-          <a:p>
-            <a:r>
-              <a:rPr lang="fr-FR" u="sng" dirty="0"/>
-              <a:t>7 Approche dynamique</a:t>
-            </a:r>
-          </a:p>
-          <a:p>
-            <a:r>
-              <a:rPr lang="fr-FR" u="sng" dirty="0"/>
-              <a:t>8 Récupération de la réponse à partir question posée</a:t>
-            </a:r>
-          </a:p>
-          <a:p>
-            <a:r>
-              <a:rPr lang="fr-FR" u="sng" dirty="0"/>
-              <a:t>9 Tablette </a:t>
-            </a:r>
-            <a:r>
-              <a:rPr lang="fr-FR" u="sng" dirty="0">
-                <a:highlight>
-                  <a:srgbClr val="FFFF00"/>
-                </a:highlight>
-              </a:rPr>
-              <a:t>Photo/Vidéo</a:t>
-            </a:r>
-          </a:p>
-          <a:p>
-            <a:r>
-              <a:rPr lang="fr-FR" u="sng" dirty="0"/>
-              <a:t>10 Phase de test </a:t>
-            </a:r>
-            <a:r>
-              <a:rPr lang="fr-FR" u="sng" dirty="0">
-                <a:highlight>
-                  <a:srgbClr val="FFFF00"/>
-                </a:highlight>
-              </a:rPr>
-              <a:t>Vidéo test</a:t>
-            </a:r>
-          </a:p>
-          <a:p>
-            <a:r>
-              <a:rPr lang="fr-FR" u="sng" dirty="0"/>
-              <a:t>11 Bilan personnel</a:t>
-            </a:r>
-          </a:p>
-          <a:p>
-            <a:r>
-              <a:rPr lang="fr-FR" dirty="0"/>
-              <a:t>12 Bilan groupe</a:t>
-            </a:r>
-          </a:p>
-          <a:p>
-            <a:r>
-              <a:rPr lang="fr-FR" dirty="0"/>
-              <a:t>Conclusion / Ouverture</a:t>
-            </a:r>
-          </a:p>
-          <a:p>
-            <a:endParaRPr lang="fr-FR" dirty="0"/>
-          </a:p>
-          <a:p>
-            <a:endParaRPr lang="fr-FR" dirty="0"/>
+        </p:txBody>
+      </p:sp>
+      <p:sp>
+        <p:nvSpPr>
+          <p:cNvPr id="5" name="Espace réservé du texte 4">
+            <a:extLst>
+              <a:ext uri="{FF2B5EF4-FFF2-40B4-BE49-F238E27FC236}">
+                <a16:creationId xmlns:a16="http://schemas.microsoft.com/office/drawing/2014/main" id="{8D52A8DD-5C61-4098-A25C-CF45E7F9BE7A}"/>
+              </a:ext>
+            </a:extLst>
+          </p:cNvPr>
+          <p:cNvSpPr>
+            <a:spLocks noGrp="1"/>
+          </p:cNvSpPr>
+          <p:nvPr>
+            <p:ph type="body" sz="quarter" idx="3"/>
+          </p:nvPr>
+        </p:nvSpPr>
+        <p:spPr/>
+        <p:txBody>
+          <a:bodyPr/>
+          <a:lstStyle/>
+          <a:p>
+            <a:endParaRPr lang="fr-FR"/>
+          </a:p>
+        </p:txBody>
+      </p:sp>
+      <p:sp>
+        <p:nvSpPr>
+          <p:cNvPr id="6" name="Espace réservé du contenu 5">
+            <a:extLst>
+              <a:ext uri="{FF2B5EF4-FFF2-40B4-BE49-F238E27FC236}">
+                <a16:creationId xmlns:a16="http://schemas.microsoft.com/office/drawing/2014/main" id="{03859EAB-83D4-46B5-8E9A-528FDBFACB4C}"/>
+              </a:ext>
+            </a:extLst>
+          </p:cNvPr>
+          <p:cNvSpPr>
+            <a:spLocks noGrp="1"/>
+          </p:cNvSpPr>
+          <p:nvPr>
+            <p:ph sz="quarter" idx="4"/>
+          </p:nvPr>
+        </p:nvSpPr>
+        <p:spPr/>
+        <p:txBody>
+          <a:bodyPr/>
+          <a:lstStyle/>
+          <a:p>
+            <a:endParaRPr lang="fr-FR"/>
           </a:p>
         </p:txBody>
       </p:sp>
     </p:spTree>
     <p:extLst>
       <p:ext uri="{BB962C8B-B14F-4D97-AF65-F5344CB8AC3E}">
-        <p14:creationId xmlns:p14="http://schemas.microsoft.com/office/powerpoint/2010/main" val="2505263917"/>
+        <p14:creationId xmlns:p14="http://schemas.microsoft.com/office/powerpoint/2010/main" val="2720028614"/>
       </p:ext>
     </p:extLst>
   </p:cSld>
@@ -4617,7 +5444,7 @@
           <p:cNvPr id="2" name="Titre 1">
             <a:extLst>
               <a:ext uri="{FF2B5EF4-FFF2-40B4-BE49-F238E27FC236}">
-                <a16:creationId xmlns:a16="http://schemas.microsoft.com/office/drawing/2014/main" id="{1FB5D695-32DD-4BF4-99F6-43AE22A732FB}"/>
+                <a16:creationId xmlns:a16="http://schemas.microsoft.com/office/drawing/2014/main" id="{6CA294AB-36EE-442C-977C-ACC9BCD37340}"/>
               </a:ext>
             </a:extLst>
           </p:cNvPr>
@@ -4635,73 +5462,38 @@
           <a:p>
             <a:r>
               <a:rPr lang="fr-FR" dirty="0"/>
-              <a:t>Présentation de l’équipe</a:t>
-            </a:r>
-            <a:endParaRPr lang="fr-FR" sz="2400" dirty="0"/>
-          </a:p>
-        </p:txBody>
-      </p:sp>
-      <p:sp>
-        <p:nvSpPr>
-          <p:cNvPr id="3" name="Espace réservé du contenu 2">
-            <a:extLst>
-              <a:ext uri="{FF2B5EF4-FFF2-40B4-BE49-F238E27FC236}">
-                <a16:creationId xmlns:a16="http://schemas.microsoft.com/office/drawing/2014/main" id="{D4EE6864-28AD-47D3-8EFF-43FE3B835D58}"/>
-              </a:ext>
-            </a:extLst>
-          </p:cNvPr>
-          <p:cNvSpPr>
-            <a:spLocks noGrp="1"/>
-          </p:cNvSpPr>
-          <p:nvPr>
-            <p:ph sz="half" idx="1"/>
-          </p:nvPr>
-        </p:nvSpPr>
-        <p:spPr/>
-        <p:txBody>
-          <a:bodyPr/>
-          <a:lstStyle/>
-          <a:p>
-            <a:r>
-              <a:rPr lang="fr-FR" dirty="0"/>
-              <a:t>Equipe de 7 étudiants</a:t>
-            </a:r>
-          </a:p>
-          <a:p>
-            <a:r>
-              <a:rPr lang="fr-FR" dirty="0"/>
-              <a:t>Séparation en duos</a:t>
-            </a:r>
-          </a:p>
-          <a:p>
-            <a:r>
-              <a:rPr lang="fr-FR" dirty="0"/>
-              <a:t>Lundi : </a:t>
-            </a:r>
-          </a:p>
-          <a:p>
-            <a:pPr lvl="1"/>
-            <a:r>
-              <a:rPr lang="fr-FR" dirty="0"/>
-              <a:t>Compte rendu de la semaine passée</a:t>
-            </a:r>
-          </a:p>
-          <a:p>
-            <a:pPr lvl="1"/>
-            <a:r>
-              <a:rPr lang="fr-FR" dirty="0"/>
-              <a:t>Répartition des taches de la semaine à venir</a:t>
-            </a:r>
-          </a:p>
-          <a:p>
-            <a:pPr>
-              <a:buFont typeface="Wingdings" panose="05000000000000000000" pitchFamily="2" charset="2"/>
-              <a:buChar char="Ø"/>
-            </a:pPr>
-            <a:r>
-              <a:rPr lang="fr-FR" dirty="0"/>
-              <a:t> Mise en situation équipe d’ingénieur de développements</a:t>
-            </a:r>
+              <a:t>Bilan </a:t>
+            </a:r>
+            <a:r>
+              <a:rPr lang="fr-FR" dirty="0" err="1"/>
+              <a:t>personel</a:t>
+            </a:r>
+            <a:endParaRPr lang="fr-FR" dirty="0"/>
+          </a:p>
+        </p:txBody>
+      </p:sp>
+      <p:sp>
+        <p:nvSpPr>
+          <p:cNvPr id="3" name="Espace réservé du texte 2">
+            <a:extLst>
+              <a:ext uri="{FF2B5EF4-FFF2-40B4-BE49-F238E27FC236}">
+                <a16:creationId xmlns:a16="http://schemas.microsoft.com/office/drawing/2014/main" id="{C29F7321-27E5-4F26-A662-54F5D5FBFC88}"/>
+              </a:ext>
+            </a:extLst>
+          </p:cNvPr>
+          <p:cNvSpPr>
+            <a:spLocks noGrp="1"/>
+          </p:cNvSpPr>
+          <p:nvPr>
+            <p:ph type="body" idx="1"/>
+          </p:nvPr>
+        </p:nvSpPr>
+        <p:spPr/>
+        <p:txBody>
+          <a:bodyPr/>
+          <a:lstStyle/>
+          <a:p>
+            <a:endParaRPr lang="fr-FR"/>
           </a:p>
         </p:txBody>
       </p:sp>
@@ -4710,7 +5502,7 @@
           <p:cNvPr id="4" name="Espace réservé du contenu 3">
             <a:extLst>
               <a:ext uri="{FF2B5EF4-FFF2-40B4-BE49-F238E27FC236}">
-                <a16:creationId xmlns:a16="http://schemas.microsoft.com/office/drawing/2014/main" id="{6D28EC7D-3293-40B8-AA35-EA329E239A7D}"/>
+                <a16:creationId xmlns:a16="http://schemas.microsoft.com/office/drawing/2014/main" id="{1A1E2842-46BE-4FF8-89CB-BDFBD11FE6DA}"/>
               </a:ext>
             </a:extLst>
           </p:cNvPr>
@@ -4727,13 +5519,649 @@
           <a:lstStyle/>
           <a:p>
             <a:endParaRPr lang="fr-FR" dirty="0"/>
+          </a:p>
+        </p:txBody>
+      </p:sp>
+      <p:sp>
+        <p:nvSpPr>
+          <p:cNvPr id="5" name="Espace réservé du texte 4">
+            <a:extLst>
+              <a:ext uri="{FF2B5EF4-FFF2-40B4-BE49-F238E27FC236}">
+                <a16:creationId xmlns:a16="http://schemas.microsoft.com/office/drawing/2014/main" id="{8D52A8DD-5C61-4098-A25C-CF45E7F9BE7A}"/>
+              </a:ext>
+            </a:extLst>
+          </p:cNvPr>
+          <p:cNvSpPr>
+            <a:spLocks noGrp="1"/>
+          </p:cNvSpPr>
+          <p:nvPr>
+            <p:ph type="body" sz="quarter" idx="3"/>
+          </p:nvPr>
+        </p:nvSpPr>
+        <p:spPr/>
+        <p:txBody>
+          <a:bodyPr/>
+          <a:lstStyle/>
+          <a:p>
+            <a:endParaRPr lang="fr-FR" dirty="0"/>
+          </a:p>
+        </p:txBody>
+      </p:sp>
+      <p:sp>
+        <p:nvSpPr>
+          <p:cNvPr id="6" name="Espace réservé du contenu 5">
+            <a:extLst>
+              <a:ext uri="{FF2B5EF4-FFF2-40B4-BE49-F238E27FC236}">
+                <a16:creationId xmlns:a16="http://schemas.microsoft.com/office/drawing/2014/main" id="{03859EAB-83D4-46B5-8E9A-528FDBFACB4C}"/>
+              </a:ext>
+            </a:extLst>
+          </p:cNvPr>
+          <p:cNvSpPr>
+            <a:spLocks noGrp="1"/>
+          </p:cNvSpPr>
+          <p:nvPr>
+            <p:ph sz="quarter" idx="4"/>
+          </p:nvPr>
+        </p:nvSpPr>
+        <p:spPr/>
+        <p:txBody>
+          <a:bodyPr/>
+          <a:lstStyle/>
+          <a:p>
+            <a:endParaRPr lang="fr-FR"/>
           </a:p>
         </p:txBody>
       </p:sp>
     </p:spTree>
     <p:extLst>
       <p:ext uri="{BB962C8B-B14F-4D97-AF65-F5344CB8AC3E}">
-        <p14:creationId xmlns:p14="http://schemas.microsoft.com/office/powerpoint/2010/main" val="3060425222"/>
+        <p14:creationId xmlns:p14="http://schemas.microsoft.com/office/powerpoint/2010/main" val="511420779"/>
+      </p:ext>
+    </p:extLst>
+  </p:cSld>
+  <p:clrMapOvr>
+    <a:masterClrMapping/>
+  </p:clrMapOvr>
+</p:sld>
+</file>
+
+<file path=ppt/slides/slide14.xml><?xml version="1.0" encoding="utf-8"?>
+<p:sld xmlns:a="http://schemas.openxmlformats.org/drawingml/2006/main" xmlns:r="http://schemas.openxmlformats.org/officeDocument/2006/relationships" xmlns:p="http://schemas.openxmlformats.org/presentationml/2006/main">
+  <p:cSld>
+    <p:spTree>
+      <p:nvGrpSpPr>
+        <p:cNvPr id="1" name=""/>
+        <p:cNvGrpSpPr/>
+        <p:nvPr/>
+      </p:nvGrpSpPr>
+      <p:grpSpPr>
+        <a:xfrm>
+          <a:off x="0" y="0"/>
+          <a:ext cx="0" cy="0"/>
+          <a:chOff x="0" y="0"/>
+          <a:chExt cx="0" cy="0"/>
+        </a:xfrm>
+      </p:grpSpPr>
+      <p:sp>
+        <p:nvSpPr>
+          <p:cNvPr id="2" name="Titre 1">
+            <a:extLst>
+              <a:ext uri="{FF2B5EF4-FFF2-40B4-BE49-F238E27FC236}">
+                <a16:creationId xmlns:a16="http://schemas.microsoft.com/office/drawing/2014/main" id="{6CA294AB-36EE-442C-977C-ACC9BCD37340}"/>
+              </a:ext>
+            </a:extLst>
+          </p:cNvPr>
+          <p:cNvSpPr>
+            <a:spLocks noGrp="1"/>
+          </p:cNvSpPr>
+          <p:nvPr>
+            <p:ph type="title"/>
+          </p:nvPr>
+        </p:nvSpPr>
+        <p:spPr/>
+        <p:txBody>
+          <a:bodyPr/>
+          <a:lstStyle/>
+          <a:p>
+            <a:r>
+              <a:rPr lang="fr-FR" dirty="0"/>
+              <a:t>Bilan de groupe</a:t>
+            </a:r>
+          </a:p>
+        </p:txBody>
+      </p:sp>
+      <p:sp>
+        <p:nvSpPr>
+          <p:cNvPr id="3" name="Espace réservé du texte 2">
+            <a:extLst>
+              <a:ext uri="{FF2B5EF4-FFF2-40B4-BE49-F238E27FC236}">
+                <a16:creationId xmlns:a16="http://schemas.microsoft.com/office/drawing/2014/main" id="{C29F7321-27E5-4F26-A662-54F5D5FBFC88}"/>
+              </a:ext>
+            </a:extLst>
+          </p:cNvPr>
+          <p:cNvSpPr>
+            <a:spLocks noGrp="1"/>
+          </p:cNvSpPr>
+          <p:nvPr>
+            <p:ph type="body" idx="1"/>
+          </p:nvPr>
+        </p:nvSpPr>
+        <p:spPr/>
+        <p:txBody>
+          <a:bodyPr/>
+          <a:lstStyle/>
+          <a:p>
+            <a:r>
+              <a:rPr lang="fr-FR" dirty="0"/>
+              <a:t>Mise en situation équipe d’ingénieur de développements</a:t>
+            </a:r>
+          </a:p>
+        </p:txBody>
+      </p:sp>
+      <p:sp>
+        <p:nvSpPr>
+          <p:cNvPr id="4" name="Espace réservé du contenu 3">
+            <a:extLst>
+              <a:ext uri="{FF2B5EF4-FFF2-40B4-BE49-F238E27FC236}">
+                <a16:creationId xmlns:a16="http://schemas.microsoft.com/office/drawing/2014/main" id="{1A1E2842-46BE-4FF8-89CB-BDFBD11FE6DA}"/>
+              </a:ext>
+            </a:extLst>
+          </p:cNvPr>
+          <p:cNvSpPr>
+            <a:spLocks noGrp="1"/>
+          </p:cNvSpPr>
+          <p:nvPr>
+            <p:ph sz="half" idx="2"/>
+          </p:nvPr>
+        </p:nvSpPr>
+        <p:spPr/>
+        <p:txBody>
+          <a:bodyPr/>
+          <a:lstStyle/>
+          <a:p>
+            <a:r>
+              <a:rPr lang="fr-FR" dirty="0"/>
+              <a:t>Lundi : </a:t>
+            </a:r>
+          </a:p>
+          <a:p>
+            <a:pPr lvl="1"/>
+            <a:r>
+              <a:rPr lang="fr-FR" dirty="0"/>
+              <a:t>Compte rendu de la semaine passée</a:t>
+            </a:r>
+          </a:p>
+          <a:p>
+            <a:pPr lvl="1"/>
+            <a:r>
+              <a:rPr lang="fr-FR" dirty="0"/>
+              <a:t>Répartition des taches de la semaine à venir</a:t>
+            </a:r>
+          </a:p>
+          <a:p>
+            <a:r>
+              <a:rPr lang="fr-FR" dirty="0"/>
+              <a:t>Bonne entente et répartition des taches</a:t>
+            </a:r>
+          </a:p>
+        </p:txBody>
+      </p:sp>
+      <p:sp>
+        <p:nvSpPr>
+          <p:cNvPr id="5" name="Espace réservé du texte 4">
+            <a:extLst>
+              <a:ext uri="{FF2B5EF4-FFF2-40B4-BE49-F238E27FC236}">
+                <a16:creationId xmlns:a16="http://schemas.microsoft.com/office/drawing/2014/main" id="{8D52A8DD-5C61-4098-A25C-CF45E7F9BE7A}"/>
+              </a:ext>
+            </a:extLst>
+          </p:cNvPr>
+          <p:cNvSpPr>
+            <a:spLocks noGrp="1"/>
+          </p:cNvSpPr>
+          <p:nvPr>
+            <p:ph type="body" sz="quarter" idx="3"/>
+          </p:nvPr>
+        </p:nvSpPr>
+        <p:spPr/>
+        <p:txBody>
+          <a:bodyPr/>
+          <a:lstStyle/>
+          <a:p>
+            <a:r>
+              <a:rPr lang="fr-FR" dirty="0"/>
+              <a:t>Répartition du temps de travail</a:t>
+            </a:r>
+          </a:p>
+        </p:txBody>
+      </p:sp>
+      <p:graphicFrame>
+        <p:nvGraphicFramePr>
+          <p:cNvPr id="17" name="Espace réservé du contenu 16">
+            <a:extLst>
+              <a:ext uri="{FF2B5EF4-FFF2-40B4-BE49-F238E27FC236}">
+                <a16:creationId xmlns:a16="http://schemas.microsoft.com/office/drawing/2014/main" id="{BFEB7FF6-4568-4721-8025-E7738259AAAD}"/>
+              </a:ext>
+            </a:extLst>
+          </p:cNvPr>
+          <p:cNvGraphicFramePr>
+            <a:graphicFrameLocks noGrp="1"/>
+          </p:cNvGraphicFramePr>
+          <p:nvPr>
+            <p:ph sz="quarter" idx="4"/>
+            <p:extLst>
+              <p:ext uri="{D42A27DB-BD31-4B8C-83A1-F6EECF244321}">
+                <p14:modId xmlns:p14="http://schemas.microsoft.com/office/powerpoint/2010/main" val="2190791011"/>
+              </p:ext>
+            </p:extLst>
+          </p:nvPr>
+        </p:nvGraphicFramePr>
+        <p:xfrm>
+          <a:off x="6529551" y="2505075"/>
+          <a:ext cx="5357813" cy="3987800"/>
+        </p:xfrm>
+        <a:graphic>
+          <a:graphicData uri="http://schemas.openxmlformats.org/drawingml/2006/chart">
+            <c:chart xmlns:c="http://schemas.openxmlformats.org/drawingml/2006/chart" xmlns:r="http://schemas.openxmlformats.org/officeDocument/2006/relationships" r:id="rId2"/>
+          </a:graphicData>
+        </a:graphic>
+      </p:graphicFrame>
+    </p:spTree>
+    <p:extLst>
+      <p:ext uri="{BB962C8B-B14F-4D97-AF65-F5344CB8AC3E}">
+        <p14:creationId xmlns:p14="http://schemas.microsoft.com/office/powerpoint/2010/main" val="2894810776"/>
+      </p:ext>
+    </p:extLst>
+  </p:cSld>
+  <p:clrMapOvr>
+    <a:masterClrMapping/>
+  </p:clrMapOvr>
+</p:sld>
+</file>
+
+<file path=ppt/slides/slide15.xml><?xml version="1.0" encoding="utf-8"?>
+<p:sld xmlns:a="http://schemas.openxmlformats.org/drawingml/2006/main" xmlns:r="http://schemas.openxmlformats.org/officeDocument/2006/relationships" xmlns:p="http://schemas.openxmlformats.org/presentationml/2006/main">
+  <p:cSld>
+    <p:spTree>
+      <p:nvGrpSpPr>
+        <p:cNvPr id="1" name=""/>
+        <p:cNvGrpSpPr/>
+        <p:nvPr/>
+      </p:nvGrpSpPr>
+      <p:grpSpPr>
+        <a:xfrm>
+          <a:off x="0" y="0"/>
+          <a:ext cx="0" cy="0"/>
+          <a:chOff x="0" y="0"/>
+          <a:chExt cx="0" cy="0"/>
+        </a:xfrm>
+      </p:grpSpPr>
+      <p:sp>
+        <p:nvSpPr>
+          <p:cNvPr id="2" name="Titre 1">
+            <a:extLst>
+              <a:ext uri="{FF2B5EF4-FFF2-40B4-BE49-F238E27FC236}">
+                <a16:creationId xmlns:a16="http://schemas.microsoft.com/office/drawing/2014/main" id="{6CA294AB-36EE-442C-977C-ACC9BCD37340}"/>
+              </a:ext>
+            </a:extLst>
+          </p:cNvPr>
+          <p:cNvSpPr>
+            <a:spLocks noGrp="1"/>
+          </p:cNvSpPr>
+          <p:nvPr>
+            <p:ph type="title"/>
+          </p:nvPr>
+        </p:nvSpPr>
+        <p:spPr/>
+        <p:txBody>
+          <a:bodyPr/>
+          <a:lstStyle/>
+          <a:p>
+            <a:r>
+              <a:rPr lang="fr-FR" dirty="0"/>
+              <a:t>Conclusion</a:t>
+            </a:r>
+          </a:p>
+        </p:txBody>
+      </p:sp>
+      <p:sp>
+        <p:nvSpPr>
+          <p:cNvPr id="4" name="Espace réservé du contenu 3">
+            <a:extLst>
+              <a:ext uri="{FF2B5EF4-FFF2-40B4-BE49-F238E27FC236}">
+                <a16:creationId xmlns:a16="http://schemas.microsoft.com/office/drawing/2014/main" id="{1A1E2842-46BE-4FF8-89CB-BDFBD11FE6DA}"/>
+              </a:ext>
+            </a:extLst>
+          </p:cNvPr>
+          <p:cNvSpPr>
+            <a:spLocks noGrp="1"/>
+          </p:cNvSpPr>
+          <p:nvPr>
+            <p:ph sz="half" idx="2"/>
+          </p:nvPr>
+        </p:nvSpPr>
+        <p:spPr>
+          <a:xfrm>
+            <a:off x="839788" y="1690688"/>
+            <a:ext cx="5157787" cy="4498975"/>
+          </a:xfrm>
+        </p:spPr>
+        <p:txBody>
+          <a:bodyPr>
+            <a:normAutofit lnSpcReduction="10000"/>
+          </a:bodyPr>
+          <a:lstStyle/>
+          <a:p>
+            <a:r>
+              <a:rPr lang="fr-FR" dirty="0"/>
+              <a:t>Résultats satisfaisants :</a:t>
+            </a:r>
+          </a:p>
+          <a:p>
+            <a:pPr lvl="1"/>
+            <a:r>
+              <a:rPr lang="fr-FR" dirty="0"/>
+              <a:t>XXX% d’erreur sur tests Approche par mots clefs (1h de test)</a:t>
+            </a:r>
+          </a:p>
+          <a:p>
+            <a:pPr lvl="1"/>
+            <a:r>
+              <a:rPr lang="fr-FR" dirty="0"/>
+              <a:t>XXX</a:t>
+            </a:r>
+          </a:p>
+          <a:p>
+            <a:r>
+              <a:rPr lang="fr-FR" dirty="0"/>
+              <a:t>Réponse au cahier des charges :</a:t>
+            </a:r>
+          </a:p>
+          <a:p>
+            <a:pPr lvl="1"/>
+            <a:r>
+              <a:rPr lang="fr-FR" dirty="0"/>
+              <a:t>Test de « speech recognition »</a:t>
+            </a:r>
+          </a:p>
+          <a:p>
+            <a:r>
+              <a:rPr lang="fr-FR" dirty="0"/>
+              <a:t>Améliorations possibles:</a:t>
+            </a:r>
+          </a:p>
+          <a:p>
+            <a:pPr lvl="1"/>
+            <a:r>
+              <a:rPr lang="fr-FR" dirty="0"/>
+              <a:t>Automatisation du fichier .top</a:t>
+            </a:r>
+          </a:p>
+          <a:p>
+            <a:pPr lvl="1"/>
+            <a:r>
+              <a:rPr lang="fr-FR" dirty="0"/>
+              <a:t>Agrandir la base de données de la grammaire</a:t>
+            </a:r>
+          </a:p>
+          <a:p>
+            <a:pPr lvl="1"/>
+            <a:r>
+              <a:rPr lang="fr-FR" dirty="0"/>
+              <a:t>Implémenter la reconnaissance visuelle</a:t>
+            </a:r>
+          </a:p>
+          <a:p>
+            <a:endParaRPr lang="fr-FR" dirty="0"/>
+          </a:p>
+        </p:txBody>
+      </p:sp>
+      <p:sp>
+        <p:nvSpPr>
+          <p:cNvPr id="6" name="Espace réservé du contenu 5">
+            <a:extLst>
+              <a:ext uri="{FF2B5EF4-FFF2-40B4-BE49-F238E27FC236}">
+                <a16:creationId xmlns:a16="http://schemas.microsoft.com/office/drawing/2014/main" id="{03859EAB-83D4-46B5-8E9A-528FDBFACB4C}"/>
+              </a:ext>
+            </a:extLst>
+          </p:cNvPr>
+          <p:cNvSpPr>
+            <a:spLocks noGrp="1"/>
+          </p:cNvSpPr>
+          <p:nvPr>
+            <p:ph sz="quarter" idx="4"/>
+          </p:nvPr>
+        </p:nvSpPr>
+        <p:spPr>
+          <a:xfrm>
+            <a:off x="6172200" y="1690688"/>
+            <a:ext cx="5183188" cy="4498975"/>
+          </a:xfrm>
+        </p:spPr>
+        <p:txBody>
+          <a:bodyPr>
+            <a:normAutofit lnSpcReduction="10000"/>
+          </a:bodyPr>
+          <a:lstStyle/>
+          <a:p>
+            <a:endParaRPr lang="fr-FR" dirty="0"/>
+          </a:p>
+        </p:txBody>
+      </p:sp>
+    </p:spTree>
+    <p:extLst>
+      <p:ext uri="{BB962C8B-B14F-4D97-AF65-F5344CB8AC3E}">
+        <p14:creationId xmlns:p14="http://schemas.microsoft.com/office/powerpoint/2010/main" val="2992047838"/>
+      </p:ext>
+    </p:extLst>
+  </p:cSld>
+  <p:clrMapOvr>
+    <a:masterClrMapping/>
+  </p:clrMapOvr>
+</p:sld>
+</file>
+
+<file path=ppt/slides/slide16.xml><?xml version="1.0" encoding="utf-8"?>
+<p:sld xmlns:a="http://schemas.openxmlformats.org/drawingml/2006/main" xmlns:r="http://schemas.openxmlformats.org/officeDocument/2006/relationships" xmlns:p="http://schemas.openxmlformats.org/presentationml/2006/main">
+  <p:cSld>
+    <p:spTree>
+      <p:nvGrpSpPr>
+        <p:cNvPr id="1" name=""/>
+        <p:cNvGrpSpPr/>
+        <p:nvPr/>
+      </p:nvGrpSpPr>
+      <p:grpSpPr>
+        <a:xfrm>
+          <a:off x="0" y="0"/>
+          <a:ext cx="0" cy="0"/>
+          <a:chOff x="0" y="0"/>
+          <a:chExt cx="0" cy="0"/>
+        </a:xfrm>
+      </p:grpSpPr>
+      <p:sp>
+        <p:nvSpPr>
+          <p:cNvPr id="2" name="Titre 1">
+            <a:extLst>
+              <a:ext uri="{FF2B5EF4-FFF2-40B4-BE49-F238E27FC236}">
+                <a16:creationId xmlns:a16="http://schemas.microsoft.com/office/drawing/2014/main" id="{6DEF1692-4404-48A3-977E-C6959B8D7471}"/>
+              </a:ext>
+            </a:extLst>
+          </p:cNvPr>
+          <p:cNvSpPr>
+            <a:spLocks noGrp="1"/>
+          </p:cNvSpPr>
+          <p:nvPr>
+            <p:ph type="title"/>
+          </p:nvPr>
+        </p:nvSpPr>
+        <p:spPr/>
+        <p:txBody>
+          <a:bodyPr/>
+          <a:lstStyle/>
+          <a:p>
+            <a:r>
+              <a:rPr lang="fr-FR" dirty="0"/>
+              <a:t>Conclusion</a:t>
+            </a:r>
+          </a:p>
+        </p:txBody>
+      </p:sp>
+      <p:sp>
+        <p:nvSpPr>
+          <p:cNvPr id="3" name="Espace réservé du contenu 2">
+            <a:extLst>
+              <a:ext uri="{FF2B5EF4-FFF2-40B4-BE49-F238E27FC236}">
+                <a16:creationId xmlns:a16="http://schemas.microsoft.com/office/drawing/2014/main" id="{EAE431DF-8BB9-472F-BA44-28028320630F}"/>
+              </a:ext>
+            </a:extLst>
+          </p:cNvPr>
+          <p:cNvSpPr>
+            <a:spLocks noGrp="1"/>
+          </p:cNvSpPr>
+          <p:nvPr>
+            <p:ph idx="1"/>
+          </p:nvPr>
+        </p:nvSpPr>
+        <p:spPr/>
+        <p:txBody>
+          <a:bodyPr>
+            <a:normAutofit fontScale="62500" lnSpcReduction="20000"/>
+          </a:bodyPr>
+          <a:lstStyle/>
+          <a:p>
+            <a:r>
+              <a:rPr lang="fr-FR" dirty="0"/>
+              <a:t>1 présentation de l’équipe</a:t>
+            </a:r>
+          </a:p>
+          <a:p>
+            <a:r>
+              <a:rPr lang="fr-FR" dirty="0"/>
+              <a:t>2 Présentation de l’épreuve</a:t>
+            </a:r>
+          </a:p>
+          <a:p>
+            <a:r>
+              <a:rPr lang="fr-FR" dirty="0"/>
+              <a:t>3 cheminement de la réflexion (</a:t>
+            </a:r>
+            <a:r>
+              <a:rPr lang="fr-FR" dirty="0" err="1"/>
+              <a:t>Qichat</a:t>
+            </a:r>
+            <a:r>
+              <a:rPr lang="fr-FR" dirty="0"/>
+              <a:t> python apprentissage</a:t>
+            </a:r>
+          </a:p>
+          <a:p>
+            <a:r>
+              <a:rPr lang="fr-FR" dirty="0"/>
+              <a:t>4 Organisation générale de l’équipe </a:t>
+            </a:r>
+            <a:r>
+              <a:rPr lang="fr-FR" dirty="0" err="1"/>
+              <a:t>github</a:t>
+            </a:r>
+            <a:r>
+              <a:rPr lang="fr-FR" dirty="0"/>
+              <a:t> </a:t>
+            </a:r>
+            <a:r>
+              <a:rPr lang="fr-FR" dirty="0" err="1"/>
+              <a:t>trello</a:t>
+            </a:r>
+            <a:endParaRPr lang="fr-FR" dirty="0"/>
+          </a:p>
+          <a:p>
+            <a:r>
+              <a:rPr lang="fr-FR" dirty="0"/>
+              <a:t>5 </a:t>
+            </a:r>
+            <a:r>
+              <a:rPr lang="fr-FR" dirty="0">
+                <a:highlight>
+                  <a:srgbClr val="FFFF00"/>
+                </a:highlight>
+              </a:rPr>
+              <a:t>Vidéo Présentation Robot</a:t>
+            </a:r>
+          </a:p>
+          <a:p>
+            <a:r>
+              <a:rPr lang="fr-FR" u="sng" dirty="0"/>
+              <a:t>6 Approche par mots clefs</a:t>
+            </a:r>
+          </a:p>
+          <a:p>
+            <a:r>
+              <a:rPr lang="fr-FR" u="sng" dirty="0"/>
+              <a:t>7 Approche dynamique</a:t>
+            </a:r>
+          </a:p>
+          <a:p>
+            <a:r>
+              <a:rPr lang="fr-FR" u="sng" dirty="0"/>
+              <a:t>8 Récupération de la réponse à partir question posée</a:t>
+            </a:r>
+          </a:p>
+          <a:p>
+            <a:r>
+              <a:rPr lang="fr-FR" u="sng" dirty="0"/>
+              <a:t>9 Tablette </a:t>
+            </a:r>
+            <a:r>
+              <a:rPr lang="fr-FR" u="sng" dirty="0">
+                <a:highlight>
+                  <a:srgbClr val="FFFF00"/>
+                </a:highlight>
+              </a:rPr>
+              <a:t>Photo/Vidéo</a:t>
+            </a:r>
+          </a:p>
+          <a:p>
+            <a:r>
+              <a:rPr lang="fr-FR" u="sng" dirty="0"/>
+              <a:t>10 Phase de test </a:t>
+            </a:r>
+            <a:r>
+              <a:rPr lang="fr-FR" u="sng" dirty="0">
+                <a:highlight>
+                  <a:srgbClr val="FFFF00"/>
+                </a:highlight>
+              </a:rPr>
+              <a:t>Vidéo test</a:t>
+            </a:r>
+          </a:p>
+          <a:p>
+            <a:r>
+              <a:rPr lang="fr-FR" u="sng" dirty="0"/>
+              <a:t>11 Bilan personnel</a:t>
+            </a:r>
+          </a:p>
+          <a:p>
+            <a:r>
+              <a:rPr lang="fr-FR" dirty="0"/>
+              <a:t>12 Bilan groupe</a:t>
+            </a:r>
+          </a:p>
+          <a:p>
+            <a:r>
+              <a:rPr lang="fr-FR" dirty="0"/>
+              <a:t>Conclusion / Ouverture</a:t>
+            </a:r>
+          </a:p>
+          <a:p>
+            <a:endParaRPr lang="fr-FR" dirty="0"/>
+          </a:p>
+          <a:p>
+            <a:endParaRPr lang="fr-FR" dirty="0"/>
+          </a:p>
+        </p:txBody>
+      </p:sp>
+    </p:spTree>
+    <p:extLst>
+      <p:ext uri="{BB962C8B-B14F-4D97-AF65-F5344CB8AC3E}">
+        <p14:creationId xmlns:p14="http://schemas.microsoft.com/office/powerpoint/2010/main" val="953167703"/>
       </p:ext>
     </p:extLst>
   </p:cSld>

--- a/Rapport/Diapo_ihm_pepper.pptx
+++ b/Rapport/Diapo_ihm_pepper.pptx
@@ -5,10 +5,10 @@
     <p:sldMasterId id="2147483648" r:id="rId1"/>
   </p:sldMasterIdLst>
   <p:notesMasterIdLst>
-    <p:notesMasterId r:id="rId18"/>
+    <p:notesMasterId r:id="rId24"/>
   </p:notesMasterIdLst>
   <p:handoutMasterIdLst>
-    <p:handoutMasterId r:id="rId19"/>
+    <p:handoutMasterId r:id="rId25"/>
   </p:handoutMasterIdLst>
   <p:sldIdLst>
     <p:sldId id="256" r:id="rId2"/>
@@ -24,9 +24,15 @@
     <p:sldId id="269" r:id="rId12"/>
     <p:sldId id="270" r:id="rId13"/>
     <p:sldId id="271" r:id="rId14"/>
-    <p:sldId id="272" r:id="rId15"/>
-    <p:sldId id="274" r:id="rId16"/>
-    <p:sldId id="273" r:id="rId17"/>
+    <p:sldId id="275" r:id="rId15"/>
+    <p:sldId id="276" r:id="rId16"/>
+    <p:sldId id="277" r:id="rId17"/>
+    <p:sldId id="278" r:id="rId18"/>
+    <p:sldId id="279" r:id="rId19"/>
+    <p:sldId id="280" r:id="rId20"/>
+    <p:sldId id="272" r:id="rId21"/>
+    <p:sldId id="274" r:id="rId22"/>
+    <p:sldId id="273" r:id="rId23"/>
   </p:sldIdLst>
   <p:sldSz cx="12192000" cy="6858000"/>
   <p:notesSz cx="6858000" cy="9144000"/>
@@ -138,6 +144,1852 @@
 </file>
 
 <file path=ppt/charts/chart1.xml><?xml version="1.0" encoding="utf-8"?>
+<c:chartSpace xmlns:c="http://schemas.openxmlformats.org/drawingml/2006/chart" xmlns:a="http://schemas.openxmlformats.org/drawingml/2006/main" xmlns:r="http://schemas.openxmlformats.org/officeDocument/2006/relationships" xmlns:c16r2="http://schemas.microsoft.com/office/drawing/2015/06/chart">
+  <c:date1904 val="0"/>
+  <c:lang val="fr-FR"/>
+  <c:roundedCorners val="0"/>
+  <mc:AlternateContent xmlns:mc="http://schemas.openxmlformats.org/markup-compatibility/2006">
+    <mc:Choice xmlns:c14="http://schemas.microsoft.com/office/drawing/2007/8/2/chart" Requires="c14">
+      <c14:style val="102"/>
+    </mc:Choice>
+    <mc:Fallback>
+      <c:style val="2"/>
+    </mc:Fallback>
+  </mc:AlternateContent>
+  <c:chart>
+    <c:title>
+      <c:overlay val="0"/>
+      <c:spPr>
+        <a:noFill/>
+        <a:ln>
+          <a:noFill/>
+        </a:ln>
+        <a:effectLst/>
+      </c:spPr>
+      <c:txPr>
+        <a:bodyPr rot="0" spcFirstLastPara="1" vertOverflow="ellipsis" vert="horz" wrap="square" anchor="ctr" anchorCtr="1"/>
+        <a:lstStyle/>
+        <a:p>
+          <a:pPr>
+            <a:defRPr sz="1862" b="0" i="0" u="none" strike="noStrike" kern="1200" spc="0" baseline="0">
+              <a:solidFill>
+                <a:schemeClr val="tx1">
+                  <a:lumMod val="65000"/>
+                  <a:lumOff val="35000"/>
+                </a:schemeClr>
+              </a:solidFill>
+              <a:latin typeface="+mn-lt"/>
+              <a:ea typeface="+mn-ea"/>
+              <a:cs typeface="+mn-cs"/>
+            </a:defRPr>
+          </a:pPr>
+          <a:endParaRPr lang="fr-FR"/>
+        </a:p>
+      </c:txPr>
+    </c:title>
+    <c:autoTitleDeleted val="0"/>
+    <c:plotArea>
+      <c:layout/>
+      <c:pieChart>
+        <c:varyColors val="1"/>
+        <c:ser>
+          <c:idx val="0"/>
+          <c:order val="0"/>
+          <c:tx>
+            <c:strRef>
+              <c:f>Feuil1!$B$1</c:f>
+              <c:strCache>
+                <c:ptCount val="1"/>
+                <c:pt idx="0">
+                  <c:v>Ventes</c:v>
+                </c:pt>
+              </c:strCache>
+            </c:strRef>
+          </c:tx>
+          <c:dPt>
+            <c:idx val="0"/>
+            <c:bubble3D val="0"/>
+            <c:spPr>
+              <a:solidFill>
+                <a:schemeClr val="accent1"/>
+              </a:solidFill>
+              <a:ln w="19050">
+                <a:solidFill>
+                  <a:schemeClr val="lt1"/>
+                </a:solidFill>
+              </a:ln>
+              <a:effectLst/>
+            </c:spPr>
+          </c:dPt>
+          <c:dPt>
+            <c:idx val="1"/>
+            <c:bubble3D val="0"/>
+            <c:spPr>
+              <a:solidFill>
+                <a:schemeClr val="accent2"/>
+              </a:solidFill>
+              <a:ln w="19050">
+                <a:solidFill>
+                  <a:schemeClr val="lt1"/>
+                </a:solidFill>
+              </a:ln>
+              <a:effectLst/>
+            </c:spPr>
+          </c:dPt>
+          <c:dPt>
+            <c:idx val="2"/>
+            <c:bubble3D val="0"/>
+            <c:spPr>
+              <a:solidFill>
+                <a:schemeClr val="accent3"/>
+              </a:solidFill>
+              <a:ln w="19050">
+                <a:solidFill>
+                  <a:schemeClr val="lt1"/>
+                </a:solidFill>
+              </a:ln>
+              <a:effectLst/>
+            </c:spPr>
+          </c:dPt>
+          <c:dPt>
+            <c:idx val="3"/>
+            <c:bubble3D val="0"/>
+            <c:explosion val="4"/>
+            <c:spPr>
+              <a:solidFill>
+                <a:schemeClr val="accent4"/>
+              </a:solidFill>
+              <a:ln w="19050">
+                <a:solidFill>
+                  <a:schemeClr val="lt1"/>
+                </a:solidFill>
+              </a:ln>
+              <a:effectLst/>
+            </c:spPr>
+            <c:extLst>
+              <c:ext xmlns:c16="http://schemas.microsoft.com/office/drawing/2014/chart" uri="{C3380CC4-5D6E-409C-BE32-E72D297353CC}">
+                <c16:uniqueId val="{00000001-F8A5-4FC6-BC5E-6064798AA75A}"/>
+              </c:ext>
+            </c:extLst>
+          </c:dPt>
+          <c:cat>
+            <c:strRef>
+              <c:f>Feuil1!$A$2:$A$5</c:f>
+              <c:strCache>
+                <c:ptCount val="4"/>
+                <c:pt idx="0">
+                  <c:v>1er trim.</c:v>
+                </c:pt>
+                <c:pt idx="1">
+                  <c:v>2e trim.</c:v>
+                </c:pt>
+                <c:pt idx="2">
+                  <c:v>3e trim.</c:v>
+                </c:pt>
+                <c:pt idx="3">
+                  <c:v>4e trim.</c:v>
+                </c:pt>
+              </c:strCache>
+            </c:strRef>
+          </c:cat>
+          <c:val>
+            <c:numRef>
+              <c:f>Feuil1!$B$2:$B$5</c:f>
+              <c:numCache>
+                <c:formatCode>General</c:formatCode>
+                <c:ptCount val="4"/>
+                <c:pt idx="0">
+                  <c:v>8.1999999999999993</c:v>
+                </c:pt>
+                <c:pt idx="1">
+                  <c:v>3.2</c:v>
+                </c:pt>
+                <c:pt idx="2">
+                  <c:v>1.4</c:v>
+                </c:pt>
+                <c:pt idx="3">
+                  <c:v>1.2</c:v>
+                </c:pt>
+              </c:numCache>
+            </c:numRef>
+          </c:val>
+          <c:extLst>
+            <c:ext xmlns:c16="http://schemas.microsoft.com/office/drawing/2014/chart" uri="{C3380CC4-5D6E-409C-BE32-E72D297353CC}">
+              <c16:uniqueId val="{00000000-F8A5-4FC6-BC5E-6064798AA75A}"/>
+            </c:ext>
+          </c:extLst>
+        </c:ser>
+        <c:dLbls>
+          <c:showLegendKey val="0"/>
+          <c:showVal val="0"/>
+          <c:showCatName val="0"/>
+          <c:showSerName val="0"/>
+          <c:showPercent val="0"/>
+          <c:showBubbleSize val="0"/>
+          <c:showLeaderLines val="1"/>
+        </c:dLbls>
+        <c:firstSliceAng val="0"/>
+      </c:pieChart>
+      <c:spPr>
+        <a:noFill/>
+        <a:ln>
+          <a:noFill/>
+        </a:ln>
+        <a:effectLst/>
+      </c:spPr>
+    </c:plotArea>
+    <c:legend>
+      <c:legendPos val="b"/>
+      <c:overlay val="0"/>
+      <c:spPr>
+        <a:noFill/>
+        <a:ln>
+          <a:noFill/>
+        </a:ln>
+        <a:effectLst/>
+      </c:spPr>
+      <c:txPr>
+        <a:bodyPr rot="0" spcFirstLastPara="1" vertOverflow="ellipsis" vert="horz" wrap="square" anchor="ctr" anchorCtr="1"/>
+        <a:lstStyle/>
+        <a:p>
+          <a:pPr>
+            <a:defRPr sz="1197" b="0" i="0" u="none" strike="noStrike" kern="1200" baseline="0">
+              <a:solidFill>
+                <a:schemeClr val="tx1">
+                  <a:lumMod val="65000"/>
+                  <a:lumOff val="35000"/>
+                </a:schemeClr>
+              </a:solidFill>
+              <a:latin typeface="+mn-lt"/>
+              <a:ea typeface="+mn-ea"/>
+              <a:cs typeface="+mn-cs"/>
+            </a:defRPr>
+          </a:pPr>
+          <a:endParaRPr lang="fr-FR"/>
+        </a:p>
+      </c:txPr>
+    </c:legend>
+    <c:plotVisOnly val="1"/>
+    <c:dispBlanksAs val="gap"/>
+    <c:extLst>
+      <c:ext xmlns:c16r3="http://schemas.microsoft.com/office/drawing/2017/03/chart" uri="{56B9EC1D-385E-4148-901F-78D8002777C0}">
+        <c16r3:dataDisplayOptions16>
+          <c16r3:dispNaAsBlank val="1"/>
+        </c16r3:dataDisplayOptions16>
+      </c:ext>
+    </c:extLst>
+    <c:showDLblsOverMax val="0"/>
+  </c:chart>
+  <c:spPr>
+    <a:noFill/>
+    <a:ln>
+      <a:noFill/>
+    </a:ln>
+    <a:effectLst/>
+  </c:spPr>
+  <c:txPr>
+    <a:bodyPr/>
+    <a:lstStyle/>
+    <a:p>
+      <a:pPr>
+        <a:defRPr/>
+      </a:pPr>
+      <a:endParaRPr lang="fr-FR"/>
+    </a:p>
+  </c:txPr>
+  <c:externalData r:id="rId3">
+    <c:autoUpdate val="0"/>
+  </c:externalData>
+</c:chartSpace>
+</file>
+
+<file path=ppt/charts/chart2.xml><?xml version="1.0" encoding="utf-8"?>
+<c:chartSpace xmlns:c="http://schemas.openxmlformats.org/drawingml/2006/chart" xmlns:a="http://schemas.openxmlformats.org/drawingml/2006/main" xmlns:r="http://schemas.openxmlformats.org/officeDocument/2006/relationships" xmlns:c16r2="http://schemas.microsoft.com/office/drawing/2015/06/chart">
+  <c:date1904 val="0"/>
+  <c:lang val="fr-FR"/>
+  <c:roundedCorners val="0"/>
+  <mc:AlternateContent xmlns:mc="http://schemas.openxmlformats.org/markup-compatibility/2006">
+    <mc:Choice xmlns:c14="http://schemas.microsoft.com/office/drawing/2007/8/2/chart" Requires="c14">
+      <c14:style val="102"/>
+    </mc:Choice>
+    <mc:Fallback>
+      <c:style val="2"/>
+    </mc:Fallback>
+  </mc:AlternateContent>
+  <c:chart>
+    <c:title>
+      <c:overlay val="0"/>
+      <c:spPr>
+        <a:noFill/>
+        <a:ln>
+          <a:noFill/>
+        </a:ln>
+        <a:effectLst/>
+      </c:spPr>
+      <c:txPr>
+        <a:bodyPr rot="0" spcFirstLastPara="1" vertOverflow="ellipsis" vert="horz" wrap="square" anchor="ctr" anchorCtr="1"/>
+        <a:lstStyle/>
+        <a:p>
+          <a:pPr>
+            <a:defRPr sz="1862" b="0" i="0" u="none" strike="noStrike" kern="1200" spc="0" baseline="0">
+              <a:solidFill>
+                <a:schemeClr val="tx1">
+                  <a:lumMod val="65000"/>
+                  <a:lumOff val="35000"/>
+                </a:schemeClr>
+              </a:solidFill>
+              <a:latin typeface="+mn-lt"/>
+              <a:ea typeface="+mn-ea"/>
+              <a:cs typeface="+mn-cs"/>
+            </a:defRPr>
+          </a:pPr>
+          <a:endParaRPr lang="fr-FR"/>
+        </a:p>
+      </c:txPr>
+    </c:title>
+    <c:autoTitleDeleted val="0"/>
+    <c:plotArea>
+      <c:layout/>
+      <c:pieChart>
+        <c:varyColors val="1"/>
+        <c:ser>
+          <c:idx val="0"/>
+          <c:order val="0"/>
+          <c:tx>
+            <c:strRef>
+              <c:f>Feuil1!$B$1</c:f>
+              <c:strCache>
+                <c:ptCount val="1"/>
+                <c:pt idx="0">
+                  <c:v>Ventes</c:v>
+                </c:pt>
+              </c:strCache>
+            </c:strRef>
+          </c:tx>
+          <c:dPt>
+            <c:idx val="0"/>
+            <c:bubble3D val="0"/>
+            <c:spPr>
+              <a:solidFill>
+                <a:schemeClr val="accent1"/>
+              </a:solidFill>
+              <a:ln w="19050">
+                <a:solidFill>
+                  <a:schemeClr val="lt1"/>
+                </a:solidFill>
+              </a:ln>
+              <a:effectLst/>
+            </c:spPr>
+          </c:dPt>
+          <c:dPt>
+            <c:idx val="1"/>
+            <c:bubble3D val="0"/>
+            <c:spPr>
+              <a:solidFill>
+                <a:schemeClr val="accent2"/>
+              </a:solidFill>
+              <a:ln w="19050">
+                <a:solidFill>
+                  <a:schemeClr val="lt1"/>
+                </a:solidFill>
+              </a:ln>
+              <a:effectLst/>
+            </c:spPr>
+          </c:dPt>
+          <c:dPt>
+            <c:idx val="2"/>
+            <c:bubble3D val="0"/>
+            <c:spPr>
+              <a:solidFill>
+                <a:schemeClr val="accent3"/>
+              </a:solidFill>
+              <a:ln w="19050">
+                <a:solidFill>
+                  <a:schemeClr val="lt1"/>
+                </a:solidFill>
+              </a:ln>
+              <a:effectLst/>
+            </c:spPr>
+          </c:dPt>
+          <c:dPt>
+            <c:idx val="3"/>
+            <c:bubble3D val="0"/>
+            <c:explosion val="4"/>
+            <c:spPr>
+              <a:solidFill>
+                <a:schemeClr val="accent4"/>
+              </a:solidFill>
+              <a:ln w="19050">
+                <a:solidFill>
+                  <a:schemeClr val="lt1"/>
+                </a:solidFill>
+              </a:ln>
+              <a:effectLst/>
+            </c:spPr>
+            <c:extLst>
+              <c:ext xmlns:c16="http://schemas.microsoft.com/office/drawing/2014/chart" uri="{C3380CC4-5D6E-409C-BE32-E72D297353CC}">
+                <c16:uniqueId val="{00000001-F8A5-4FC6-BC5E-6064798AA75A}"/>
+              </c:ext>
+            </c:extLst>
+          </c:dPt>
+          <c:cat>
+            <c:strRef>
+              <c:f>Feuil1!$A$2:$A$5</c:f>
+              <c:strCache>
+                <c:ptCount val="4"/>
+                <c:pt idx="0">
+                  <c:v>1er trim.</c:v>
+                </c:pt>
+                <c:pt idx="1">
+                  <c:v>2e trim.</c:v>
+                </c:pt>
+                <c:pt idx="2">
+                  <c:v>3e trim.</c:v>
+                </c:pt>
+                <c:pt idx="3">
+                  <c:v>4e trim.</c:v>
+                </c:pt>
+              </c:strCache>
+            </c:strRef>
+          </c:cat>
+          <c:val>
+            <c:numRef>
+              <c:f>Feuil1!$B$2:$B$5</c:f>
+              <c:numCache>
+                <c:formatCode>General</c:formatCode>
+                <c:ptCount val="4"/>
+                <c:pt idx="0">
+                  <c:v>8.1999999999999993</c:v>
+                </c:pt>
+                <c:pt idx="1">
+                  <c:v>3.2</c:v>
+                </c:pt>
+                <c:pt idx="2">
+                  <c:v>1.4</c:v>
+                </c:pt>
+                <c:pt idx="3">
+                  <c:v>1.2</c:v>
+                </c:pt>
+              </c:numCache>
+            </c:numRef>
+          </c:val>
+          <c:extLst>
+            <c:ext xmlns:c16="http://schemas.microsoft.com/office/drawing/2014/chart" uri="{C3380CC4-5D6E-409C-BE32-E72D297353CC}">
+              <c16:uniqueId val="{00000000-F8A5-4FC6-BC5E-6064798AA75A}"/>
+            </c:ext>
+          </c:extLst>
+        </c:ser>
+        <c:dLbls>
+          <c:showLegendKey val="0"/>
+          <c:showVal val="0"/>
+          <c:showCatName val="0"/>
+          <c:showSerName val="0"/>
+          <c:showPercent val="0"/>
+          <c:showBubbleSize val="0"/>
+          <c:showLeaderLines val="1"/>
+        </c:dLbls>
+        <c:firstSliceAng val="0"/>
+      </c:pieChart>
+      <c:spPr>
+        <a:noFill/>
+        <a:ln>
+          <a:noFill/>
+        </a:ln>
+        <a:effectLst/>
+      </c:spPr>
+    </c:plotArea>
+    <c:legend>
+      <c:legendPos val="b"/>
+      <c:overlay val="0"/>
+      <c:spPr>
+        <a:noFill/>
+        <a:ln>
+          <a:noFill/>
+        </a:ln>
+        <a:effectLst/>
+      </c:spPr>
+      <c:txPr>
+        <a:bodyPr rot="0" spcFirstLastPara="1" vertOverflow="ellipsis" vert="horz" wrap="square" anchor="ctr" anchorCtr="1"/>
+        <a:lstStyle/>
+        <a:p>
+          <a:pPr>
+            <a:defRPr sz="1197" b="0" i="0" u="none" strike="noStrike" kern="1200" baseline="0">
+              <a:solidFill>
+                <a:schemeClr val="tx1">
+                  <a:lumMod val="65000"/>
+                  <a:lumOff val="35000"/>
+                </a:schemeClr>
+              </a:solidFill>
+              <a:latin typeface="+mn-lt"/>
+              <a:ea typeface="+mn-ea"/>
+              <a:cs typeface="+mn-cs"/>
+            </a:defRPr>
+          </a:pPr>
+          <a:endParaRPr lang="fr-FR"/>
+        </a:p>
+      </c:txPr>
+    </c:legend>
+    <c:plotVisOnly val="1"/>
+    <c:dispBlanksAs val="gap"/>
+    <c:extLst>
+      <c:ext xmlns:c16r3="http://schemas.microsoft.com/office/drawing/2017/03/chart" uri="{56B9EC1D-385E-4148-901F-78D8002777C0}">
+        <c16r3:dataDisplayOptions16>
+          <c16r3:dispNaAsBlank val="1"/>
+        </c16r3:dataDisplayOptions16>
+      </c:ext>
+    </c:extLst>
+    <c:showDLblsOverMax val="0"/>
+  </c:chart>
+  <c:spPr>
+    <a:noFill/>
+    <a:ln>
+      <a:noFill/>
+    </a:ln>
+    <a:effectLst/>
+  </c:spPr>
+  <c:txPr>
+    <a:bodyPr/>
+    <a:lstStyle/>
+    <a:p>
+      <a:pPr>
+        <a:defRPr/>
+      </a:pPr>
+      <a:endParaRPr lang="fr-FR"/>
+    </a:p>
+  </c:txPr>
+  <c:externalData r:id="rId3">
+    <c:autoUpdate val="0"/>
+  </c:externalData>
+</c:chartSpace>
+</file>
+
+<file path=ppt/charts/chart3.xml><?xml version="1.0" encoding="utf-8"?>
+<c:chartSpace xmlns:c="http://schemas.openxmlformats.org/drawingml/2006/chart" xmlns:a="http://schemas.openxmlformats.org/drawingml/2006/main" xmlns:r="http://schemas.openxmlformats.org/officeDocument/2006/relationships" xmlns:c16r2="http://schemas.microsoft.com/office/drawing/2015/06/chart">
+  <c:date1904 val="0"/>
+  <c:lang val="fr-FR"/>
+  <c:roundedCorners val="0"/>
+  <mc:AlternateContent xmlns:mc="http://schemas.openxmlformats.org/markup-compatibility/2006">
+    <mc:Choice xmlns:c14="http://schemas.microsoft.com/office/drawing/2007/8/2/chart" Requires="c14">
+      <c14:style val="102"/>
+    </mc:Choice>
+    <mc:Fallback>
+      <c:style val="2"/>
+    </mc:Fallback>
+  </mc:AlternateContent>
+  <c:chart>
+    <c:title>
+      <c:overlay val="0"/>
+      <c:spPr>
+        <a:noFill/>
+        <a:ln>
+          <a:noFill/>
+        </a:ln>
+        <a:effectLst/>
+      </c:spPr>
+      <c:txPr>
+        <a:bodyPr rot="0" spcFirstLastPara="1" vertOverflow="ellipsis" vert="horz" wrap="square" anchor="ctr" anchorCtr="1"/>
+        <a:lstStyle/>
+        <a:p>
+          <a:pPr>
+            <a:defRPr sz="1862" b="0" i="0" u="none" strike="noStrike" kern="1200" spc="0" baseline="0">
+              <a:solidFill>
+                <a:schemeClr val="tx1">
+                  <a:lumMod val="65000"/>
+                  <a:lumOff val="35000"/>
+                </a:schemeClr>
+              </a:solidFill>
+              <a:latin typeface="+mn-lt"/>
+              <a:ea typeface="+mn-ea"/>
+              <a:cs typeface="+mn-cs"/>
+            </a:defRPr>
+          </a:pPr>
+          <a:endParaRPr lang="fr-FR"/>
+        </a:p>
+      </c:txPr>
+    </c:title>
+    <c:autoTitleDeleted val="0"/>
+    <c:plotArea>
+      <c:layout/>
+      <c:pieChart>
+        <c:varyColors val="1"/>
+        <c:ser>
+          <c:idx val="0"/>
+          <c:order val="0"/>
+          <c:tx>
+            <c:strRef>
+              <c:f>Feuil1!$B$1</c:f>
+              <c:strCache>
+                <c:ptCount val="1"/>
+                <c:pt idx="0">
+                  <c:v>Ventes</c:v>
+                </c:pt>
+              </c:strCache>
+            </c:strRef>
+          </c:tx>
+          <c:dPt>
+            <c:idx val="0"/>
+            <c:bubble3D val="0"/>
+            <c:spPr>
+              <a:solidFill>
+                <a:schemeClr val="accent1"/>
+              </a:solidFill>
+              <a:ln w="19050">
+                <a:solidFill>
+                  <a:schemeClr val="lt1"/>
+                </a:solidFill>
+              </a:ln>
+              <a:effectLst/>
+            </c:spPr>
+          </c:dPt>
+          <c:dPt>
+            <c:idx val="1"/>
+            <c:bubble3D val="0"/>
+            <c:spPr>
+              <a:solidFill>
+                <a:schemeClr val="accent2"/>
+              </a:solidFill>
+              <a:ln w="19050">
+                <a:solidFill>
+                  <a:schemeClr val="lt1"/>
+                </a:solidFill>
+              </a:ln>
+              <a:effectLst/>
+            </c:spPr>
+          </c:dPt>
+          <c:dPt>
+            <c:idx val="2"/>
+            <c:bubble3D val="0"/>
+            <c:spPr>
+              <a:solidFill>
+                <a:schemeClr val="accent3"/>
+              </a:solidFill>
+              <a:ln w="19050">
+                <a:solidFill>
+                  <a:schemeClr val="lt1"/>
+                </a:solidFill>
+              </a:ln>
+              <a:effectLst/>
+            </c:spPr>
+          </c:dPt>
+          <c:dPt>
+            <c:idx val="3"/>
+            <c:bubble3D val="0"/>
+            <c:explosion val="4"/>
+            <c:spPr>
+              <a:solidFill>
+                <a:schemeClr val="accent4"/>
+              </a:solidFill>
+              <a:ln w="19050">
+                <a:solidFill>
+                  <a:schemeClr val="lt1"/>
+                </a:solidFill>
+              </a:ln>
+              <a:effectLst/>
+            </c:spPr>
+            <c:extLst>
+              <c:ext xmlns:c16="http://schemas.microsoft.com/office/drawing/2014/chart" uri="{C3380CC4-5D6E-409C-BE32-E72D297353CC}">
+                <c16:uniqueId val="{00000001-F8A5-4FC6-BC5E-6064798AA75A}"/>
+              </c:ext>
+            </c:extLst>
+          </c:dPt>
+          <c:cat>
+            <c:strRef>
+              <c:f>Feuil1!$A$2:$A$5</c:f>
+              <c:strCache>
+                <c:ptCount val="4"/>
+                <c:pt idx="0">
+                  <c:v>1er trim.</c:v>
+                </c:pt>
+                <c:pt idx="1">
+                  <c:v>2e trim.</c:v>
+                </c:pt>
+                <c:pt idx="2">
+                  <c:v>3e trim.</c:v>
+                </c:pt>
+                <c:pt idx="3">
+                  <c:v>4e trim.</c:v>
+                </c:pt>
+              </c:strCache>
+            </c:strRef>
+          </c:cat>
+          <c:val>
+            <c:numRef>
+              <c:f>Feuil1!$B$2:$B$5</c:f>
+              <c:numCache>
+                <c:formatCode>General</c:formatCode>
+                <c:ptCount val="4"/>
+                <c:pt idx="0">
+                  <c:v>8.1999999999999993</c:v>
+                </c:pt>
+                <c:pt idx="1">
+                  <c:v>3.2</c:v>
+                </c:pt>
+                <c:pt idx="2">
+                  <c:v>1.4</c:v>
+                </c:pt>
+                <c:pt idx="3">
+                  <c:v>1.2</c:v>
+                </c:pt>
+              </c:numCache>
+            </c:numRef>
+          </c:val>
+          <c:extLst>
+            <c:ext xmlns:c16="http://schemas.microsoft.com/office/drawing/2014/chart" uri="{C3380CC4-5D6E-409C-BE32-E72D297353CC}">
+              <c16:uniqueId val="{00000000-F8A5-4FC6-BC5E-6064798AA75A}"/>
+            </c:ext>
+          </c:extLst>
+        </c:ser>
+        <c:dLbls>
+          <c:showLegendKey val="0"/>
+          <c:showVal val="0"/>
+          <c:showCatName val="0"/>
+          <c:showSerName val="0"/>
+          <c:showPercent val="0"/>
+          <c:showBubbleSize val="0"/>
+          <c:showLeaderLines val="1"/>
+        </c:dLbls>
+        <c:firstSliceAng val="0"/>
+      </c:pieChart>
+      <c:spPr>
+        <a:noFill/>
+        <a:ln>
+          <a:noFill/>
+        </a:ln>
+        <a:effectLst/>
+      </c:spPr>
+    </c:plotArea>
+    <c:legend>
+      <c:legendPos val="b"/>
+      <c:overlay val="0"/>
+      <c:spPr>
+        <a:noFill/>
+        <a:ln>
+          <a:noFill/>
+        </a:ln>
+        <a:effectLst/>
+      </c:spPr>
+      <c:txPr>
+        <a:bodyPr rot="0" spcFirstLastPara="1" vertOverflow="ellipsis" vert="horz" wrap="square" anchor="ctr" anchorCtr="1"/>
+        <a:lstStyle/>
+        <a:p>
+          <a:pPr>
+            <a:defRPr sz="1197" b="0" i="0" u="none" strike="noStrike" kern="1200" baseline="0">
+              <a:solidFill>
+                <a:schemeClr val="tx1">
+                  <a:lumMod val="65000"/>
+                  <a:lumOff val="35000"/>
+                </a:schemeClr>
+              </a:solidFill>
+              <a:latin typeface="+mn-lt"/>
+              <a:ea typeface="+mn-ea"/>
+              <a:cs typeface="+mn-cs"/>
+            </a:defRPr>
+          </a:pPr>
+          <a:endParaRPr lang="fr-FR"/>
+        </a:p>
+      </c:txPr>
+    </c:legend>
+    <c:plotVisOnly val="1"/>
+    <c:dispBlanksAs val="gap"/>
+    <c:extLst>
+      <c:ext xmlns:c16r3="http://schemas.microsoft.com/office/drawing/2017/03/chart" uri="{56B9EC1D-385E-4148-901F-78D8002777C0}">
+        <c16r3:dataDisplayOptions16>
+          <c16r3:dispNaAsBlank val="1"/>
+        </c16r3:dataDisplayOptions16>
+      </c:ext>
+    </c:extLst>
+    <c:showDLblsOverMax val="0"/>
+  </c:chart>
+  <c:spPr>
+    <a:noFill/>
+    <a:ln>
+      <a:noFill/>
+    </a:ln>
+    <a:effectLst/>
+  </c:spPr>
+  <c:txPr>
+    <a:bodyPr/>
+    <a:lstStyle/>
+    <a:p>
+      <a:pPr>
+        <a:defRPr/>
+      </a:pPr>
+      <a:endParaRPr lang="fr-FR"/>
+    </a:p>
+  </c:txPr>
+  <c:externalData r:id="rId3">
+    <c:autoUpdate val="0"/>
+  </c:externalData>
+</c:chartSpace>
+</file>
+
+<file path=ppt/charts/chart4.xml><?xml version="1.0" encoding="utf-8"?>
+<c:chartSpace xmlns:c="http://schemas.openxmlformats.org/drawingml/2006/chart" xmlns:a="http://schemas.openxmlformats.org/drawingml/2006/main" xmlns:r="http://schemas.openxmlformats.org/officeDocument/2006/relationships" xmlns:c16r2="http://schemas.microsoft.com/office/drawing/2015/06/chart">
+  <c:date1904 val="0"/>
+  <c:lang val="fr-FR"/>
+  <c:roundedCorners val="0"/>
+  <mc:AlternateContent xmlns:mc="http://schemas.openxmlformats.org/markup-compatibility/2006">
+    <mc:Choice xmlns:c14="http://schemas.microsoft.com/office/drawing/2007/8/2/chart" Requires="c14">
+      <c14:style val="102"/>
+    </mc:Choice>
+    <mc:Fallback>
+      <c:style val="2"/>
+    </mc:Fallback>
+  </mc:AlternateContent>
+  <c:chart>
+    <c:title>
+      <c:overlay val="0"/>
+      <c:spPr>
+        <a:noFill/>
+        <a:ln>
+          <a:noFill/>
+        </a:ln>
+        <a:effectLst/>
+      </c:spPr>
+      <c:txPr>
+        <a:bodyPr rot="0" spcFirstLastPara="1" vertOverflow="ellipsis" vert="horz" wrap="square" anchor="ctr" anchorCtr="1"/>
+        <a:lstStyle/>
+        <a:p>
+          <a:pPr>
+            <a:defRPr sz="1862" b="0" i="0" u="none" strike="noStrike" kern="1200" spc="0" baseline="0">
+              <a:solidFill>
+                <a:schemeClr val="tx1">
+                  <a:lumMod val="65000"/>
+                  <a:lumOff val="35000"/>
+                </a:schemeClr>
+              </a:solidFill>
+              <a:latin typeface="+mn-lt"/>
+              <a:ea typeface="+mn-ea"/>
+              <a:cs typeface="+mn-cs"/>
+            </a:defRPr>
+          </a:pPr>
+          <a:endParaRPr lang="fr-FR"/>
+        </a:p>
+      </c:txPr>
+    </c:title>
+    <c:autoTitleDeleted val="0"/>
+    <c:plotArea>
+      <c:layout/>
+      <c:pieChart>
+        <c:varyColors val="1"/>
+        <c:ser>
+          <c:idx val="0"/>
+          <c:order val="0"/>
+          <c:tx>
+            <c:strRef>
+              <c:f>Feuil1!$B$1</c:f>
+              <c:strCache>
+                <c:ptCount val="1"/>
+                <c:pt idx="0">
+                  <c:v>Ventes</c:v>
+                </c:pt>
+              </c:strCache>
+            </c:strRef>
+          </c:tx>
+          <c:dPt>
+            <c:idx val="0"/>
+            <c:bubble3D val="0"/>
+            <c:spPr>
+              <a:solidFill>
+                <a:schemeClr val="accent1"/>
+              </a:solidFill>
+              <a:ln w="19050">
+                <a:solidFill>
+                  <a:schemeClr val="lt1"/>
+                </a:solidFill>
+              </a:ln>
+              <a:effectLst/>
+            </c:spPr>
+          </c:dPt>
+          <c:dPt>
+            <c:idx val="1"/>
+            <c:bubble3D val="0"/>
+            <c:spPr>
+              <a:solidFill>
+                <a:schemeClr val="accent2"/>
+              </a:solidFill>
+              <a:ln w="19050">
+                <a:solidFill>
+                  <a:schemeClr val="lt1"/>
+                </a:solidFill>
+              </a:ln>
+              <a:effectLst/>
+            </c:spPr>
+          </c:dPt>
+          <c:dPt>
+            <c:idx val="2"/>
+            <c:bubble3D val="0"/>
+            <c:spPr>
+              <a:solidFill>
+                <a:schemeClr val="accent3"/>
+              </a:solidFill>
+              <a:ln w="19050">
+                <a:solidFill>
+                  <a:schemeClr val="lt1"/>
+                </a:solidFill>
+              </a:ln>
+              <a:effectLst/>
+            </c:spPr>
+          </c:dPt>
+          <c:dPt>
+            <c:idx val="3"/>
+            <c:bubble3D val="0"/>
+            <c:explosion val="4"/>
+            <c:spPr>
+              <a:solidFill>
+                <a:schemeClr val="accent4"/>
+              </a:solidFill>
+              <a:ln w="19050">
+                <a:solidFill>
+                  <a:schemeClr val="lt1"/>
+                </a:solidFill>
+              </a:ln>
+              <a:effectLst/>
+            </c:spPr>
+            <c:extLst>
+              <c:ext xmlns:c16="http://schemas.microsoft.com/office/drawing/2014/chart" uri="{C3380CC4-5D6E-409C-BE32-E72D297353CC}">
+                <c16:uniqueId val="{00000001-F8A5-4FC6-BC5E-6064798AA75A}"/>
+              </c:ext>
+            </c:extLst>
+          </c:dPt>
+          <c:cat>
+            <c:strRef>
+              <c:f>Feuil1!$A$2:$A$5</c:f>
+              <c:strCache>
+                <c:ptCount val="4"/>
+                <c:pt idx="0">
+                  <c:v>1er trim.</c:v>
+                </c:pt>
+                <c:pt idx="1">
+                  <c:v>2e trim.</c:v>
+                </c:pt>
+                <c:pt idx="2">
+                  <c:v>3e trim.</c:v>
+                </c:pt>
+                <c:pt idx="3">
+                  <c:v>4e trim.</c:v>
+                </c:pt>
+              </c:strCache>
+            </c:strRef>
+          </c:cat>
+          <c:val>
+            <c:numRef>
+              <c:f>Feuil1!$B$2:$B$5</c:f>
+              <c:numCache>
+                <c:formatCode>General</c:formatCode>
+                <c:ptCount val="4"/>
+                <c:pt idx="0">
+                  <c:v>8.1999999999999993</c:v>
+                </c:pt>
+                <c:pt idx="1">
+                  <c:v>3.2</c:v>
+                </c:pt>
+                <c:pt idx="2">
+                  <c:v>1.4</c:v>
+                </c:pt>
+                <c:pt idx="3">
+                  <c:v>1.2</c:v>
+                </c:pt>
+              </c:numCache>
+            </c:numRef>
+          </c:val>
+          <c:extLst>
+            <c:ext xmlns:c16="http://schemas.microsoft.com/office/drawing/2014/chart" uri="{C3380CC4-5D6E-409C-BE32-E72D297353CC}">
+              <c16:uniqueId val="{00000000-F8A5-4FC6-BC5E-6064798AA75A}"/>
+            </c:ext>
+          </c:extLst>
+        </c:ser>
+        <c:dLbls>
+          <c:showLegendKey val="0"/>
+          <c:showVal val="0"/>
+          <c:showCatName val="0"/>
+          <c:showSerName val="0"/>
+          <c:showPercent val="0"/>
+          <c:showBubbleSize val="0"/>
+          <c:showLeaderLines val="1"/>
+        </c:dLbls>
+        <c:firstSliceAng val="0"/>
+      </c:pieChart>
+      <c:spPr>
+        <a:noFill/>
+        <a:ln>
+          <a:noFill/>
+        </a:ln>
+        <a:effectLst/>
+      </c:spPr>
+    </c:plotArea>
+    <c:legend>
+      <c:legendPos val="b"/>
+      <c:overlay val="0"/>
+      <c:spPr>
+        <a:noFill/>
+        <a:ln>
+          <a:noFill/>
+        </a:ln>
+        <a:effectLst/>
+      </c:spPr>
+      <c:txPr>
+        <a:bodyPr rot="0" spcFirstLastPara="1" vertOverflow="ellipsis" vert="horz" wrap="square" anchor="ctr" anchorCtr="1"/>
+        <a:lstStyle/>
+        <a:p>
+          <a:pPr>
+            <a:defRPr sz="1197" b="0" i="0" u="none" strike="noStrike" kern="1200" baseline="0">
+              <a:solidFill>
+                <a:schemeClr val="tx1">
+                  <a:lumMod val="65000"/>
+                  <a:lumOff val="35000"/>
+                </a:schemeClr>
+              </a:solidFill>
+              <a:latin typeface="+mn-lt"/>
+              <a:ea typeface="+mn-ea"/>
+              <a:cs typeface="+mn-cs"/>
+            </a:defRPr>
+          </a:pPr>
+          <a:endParaRPr lang="fr-FR"/>
+        </a:p>
+      </c:txPr>
+    </c:legend>
+    <c:plotVisOnly val="1"/>
+    <c:dispBlanksAs val="gap"/>
+    <c:extLst>
+      <c:ext xmlns:c16r3="http://schemas.microsoft.com/office/drawing/2017/03/chart" uri="{56B9EC1D-385E-4148-901F-78D8002777C0}">
+        <c16r3:dataDisplayOptions16>
+          <c16r3:dispNaAsBlank val="1"/>
+        </c16r3:dataDisplayOptions16>
+      </c:ext>
+    </c:extLst>
+    <c:showDLblsOverMax val="0"/>
+  </c:chart>
+  <c:spPr>
+    <a:noFill/>
+    <a:ln>
+      <a:noFill/>
+    </a:ln>
+    <a:effectLst/>
+  </c:spPr>
+  <c:txPr>
+    <a:bodyPr/>
+    <a:lstStyle/>
+    <a:p>
+      <a:pPr>
+        <a:defRPr/>
+      </a:pPr>
+      <a:endParaRPr lang="fr-FR"/>
+    </a:p>
+  </c:txPr>
+  <c:externalData r:id="rId3">
+    <c:autoUpdate val="0"/>
+  </c:externalData>
+</c:chartSpace>
+</file>
+
+<file path=ppt/charts/chart5.xml><?xml version="1.0" encoding="utf-8"?>
+<c:chartSpace xmlns:c="http://schemas.openxmlformats.org/drawingml/2006/chart" xmlns:a="http://schemas.openxmlformats.org/drawingml/2006/main" xmlns:r="http://schemas.openxmlformats.org/officeDocument/2006/relationships" xmlns:c16r2="http://schemas.microsoft.com/office/drawing/2015/06/chart">
+  <c:date1904 val="0"/>
+  <c:lang val="fr-FR"/>
+  <c:roundedCorners val="0"/>
+  <mc:AlternateContent xmlns:mc="http://schemas.openxmlformats.org/markup-compatibility/2006">
+    <mc:Choice xmlns:c14="http://schemas.microsoft.com/office/drawing/2007/8/2/chart" Requires="c14">
+      <c14:style val="102"/>
+    </mc:Choice>
+    <mc:Fallback>
+      <c:style val="2"/>
+    </mc:Fallback>
+  </mc:AlternateContent>
+  <c:chart>
+    <c:title>
+      <c:overlay val="0"/>
+      <c:spPr>
+        <a:noFill/>
+        <a:ln>
+          <a:noFill/>
+        </a:ln>
+        <a:effectLst/>
+      </c:spPr>
+      <c:txPr>
+        <a:bodyPr rot="0" spcFirstLastPara="1" vertOverflow="ellipsis" vert="horz" wrap="square" anchor="ctr" anchorCtr="1"/>
+        <a:lstStyle/>
+        <a:p>
+          <a:pPr>
+            <a:defRPr sz="1862" b="0" i="0" u="none" strike="noStrike" kern="1200" spc="0" baseline="0">
+              <a:solidFill>
+                <a:schemeClr val="tx1">
+                  <a:lumMod val="65000"/>
+                  <a:lumOff val="35000"/>
+                </a:schemeClr>
+              </a:solidFill>
+              <a:latin typeface="+mn-lt"/>
+              <a:ea typeface="+mn-ea"/>
+              <a:cs typeface="+mn-cs"/>
+            </a:defRPr>
+          </a:pPr>
+          <a:endParaRPr lang="fr-FR"/>
+        </a:p>
+      </c:txPr>
+    </c:title>
+    <c:autoTitleDeleted val="0"/>
+    <c:plotArea>
+      <c:layout/>
+      <c:pieChart>
+        <c:varyColors val="1"/>
+        <c:ser>
+          <c:idx val="0"/>
+          <c:order val="0"/>
+          <c:tx>
+            <c:strRef>
+              <c:f>Feuil1!$B$1</c:f>
+              <c:strCache>
+                <c:ptCount val="1"/>
+                <c:pt idx="0">
+                  <c:v>Ventes</c:v>
+                </c:pt>
+              </c:strCache>
+            </c:strRef>
+          </c:tx>
+          <c:dPt>
+            <c:idx val="0"/>
+            <c:bubble3D val="0"/>
+            <c:spPr>
+              <a:solidFill>
+                <a:schemeClr val="accent1"/>
+              </a:solidFill>
+              <a:ln w="19050">
+                <a:solidFill>
+                  <a:schemeClr val="lt1"/>
+                </a:solidFill>
+              </a:ln>
+              <a:effectLst/>
+            </c:spPr>
+          </c:dPt>
+          <c:dPt>
+            <c:idx val="1"/>
+            <c:bubble3D val="0"/>
+            <c:spPr>
+              <a:solidFill>
+                <a:schemeClr val="accent2"/>
+              </a:solidFill>
+              <a:ln w="19050">
+                <a:solidFill>
+                  <a:schemeClr val="lt1"/>
+                </a:solidFill>
+              </a:ln>
+              <a:effectLst/>
+            </c:spPr>
+          </c:dPt>
+          <c:dPt>
+            <c:idx val="2"/>
+            <c:bubble3D val="0"/>
+            <c:spPr>
+              <a:solidFill>
+                <a:schemeClr val="accent3"/>
+              </a:solidFill>
+              <a:ln w="19050">
+                <a:solidFill>
+                  <a:schemeClr val="lt1"/>
+                </a:solidFill>
+              </a:ln>
+              <a:effectLst/>
+            </c:spPr>
+          </c:dPt>
+          <c:dPt>
+            <c:idx val="3"/>
+            <c:bubble3D val="0"/>
+            <c:explosion val="4"/>
+            <c:spPr>
+              <a:solidFill>
+                <a:schemeClr val="accent4"/>
+              </a:solidFill>
+              <a:ln w="19050">
+                <a:solidFill>
+                  <a:schemeClr val="lt1"/>
+                </a:solidFill>
+              </a:ln>
+              <a:effectLst/>
+            </c:spPr>
+            <c:extLst>
+              <c:ext xmlns:c16="http://schemas.microsoft.com/office/drawing/2014/chart" uri="{C3380CC4-5D6E-409C-BE32-E72D297353CC}">
+                <c16:uniqueId val="{00000001-F8A5-4FC6-BC5E-6064798AA75A}"/>
+              </c:ext>
+            </c:extLst>
+          </c:dPt>
+          <c:cat>
+            <c:strRef>
+              <c:f>Feuil1!$A$2:$A$5</c:f>
+              <c:strCache>
+                <c:ptCount val="4"/>
+                <c:pt idx="0">
+                  <c:v>1er trim.</c:v>
+                </c:pt>
+                <c:pt idx="1">
+                  <c:v>2e trim.</c:v>
+                </c:pt>
+                <c:pt idx="2">
+                  <c:v>3e trim.</c:v>
+                </c:pt>
+                <c:pt idx="3">
+                  <c:v>4e trim.</c:v>
+                </c:pt>
+              </c:strCache>
+            </c:strRef>
+          </c:cat>
+          <c:val>
+            <c:numRef>
+              <c:f>Feuil1!$B$2:$B$5</c:f>
+              <c:numCache>
+                <c:formatCode>General</c:formatCode>
+                <c:ptCount val="4"/>
+                <c:pt idx="0">
+                  <c:v>8.1999999999999993</c:v>
+                </c:pt>
+                <c:pt idx="1">
+                  <c:v>3.2</c:v>
+                </c:pt>
+                <c:pt idx="2">
+                  <c:v>1.4</c:v>
+                </c:pt>
+                <c:pt idx="3">
+                  <c:v>1.2</c:v>
+                </c:pt>
+              </c:numCache>
+            </c:numRef>
+          </c:val>
+          <c:extLst>
+            <c:ext xmlns:c16="http://schemas.microsoft.com/office/drawing/2014/chart" uri="{C3380CC4-5D6E-409C-BE32-E72D297353CC}">
+              <c16:uniqueId val="{00000000-F8A5-4FC6-BC5E-6064798AA75A}"/>
+            </c:ext>
+          </c:extLst>
+        </c:ser>
+        <c:dLbls>
+          <c:showLegendKey val="0"/>
+          <c:showVal val="0"/>
+          <c:showCatName val="0"/>
+          <c:showSerName val="0"/>
+          <c:showPercent val="0"/>
+          <c:showBubbleSize val="0"/>
+          <c:showLeaderLines val="1"/>
+        </c:dLbls>
+        <c:firstSliceAng val="0"/>
+      </c:pieChart>
+      <c:spPr>
+        <a:noFill/>
+        <a:ln>
+          <a:noFill/>
+        </a:ln>
+        <a:effectLst/>
+      </c:spPr>
+    </c:plotArea>
+    <c:legend>
+      <c:legendPos val="b"/>
+      <c:overlay val="0"/>
+      <c:spPr>
+        <a:noFill/>
+        <a:ln>
+          <a:noFill/>
+        </a:ln>
+        <a:effectLst/>
+      </c:spPr>
+      <c:txPr>
+        <a:bodyPr rot="0" spcFirstLastPara="1" vertOverflow="ellipsis" vert="horz" wrap="square" anchor="ctr" anchorCtr="1"/>
+        <a:lstStyle/>
+        <a:p>
+          <a:pPr>
+            <a:defRPr sz="1197" b="0" i="0" u="none" strike="noStrike" kern="1200" baseline="0">
+              <a:solidFill>
+                <a:schemeClr val="tx1">
+                  <a:lumMod val="65000"/>
+                  <a:lumOff val="35000"/>
+                </a:schemeClr>
+              </a:solidFill>
+              <a:latin typeface="+mn-lt"/>
+              <a:ea typeface="+mn-ea"/>
+              <a:cs typeface="+mn-cs"/>
+            </a:defRPr>
+          </a:pPr>
+          <a:endParaRPr lang="fr-FR"/>
+        </a:p>
+      </c:txPr>
+    </c:legend>
+    <c:plotVisOnly val="1"/>
+    <c:dispBlanksAs val="gap"/>
+    <c:extLst>
+      <c:ext xmlns:c16r3="http://schemas.microsoft.com/office/drawing/2017/03/chart" uri="{56B9EC1D-385E-4148-901F-78D8002777C0}">
+        <c16r3:dataDisplayOptions16>
+          <c16r3:dispNaAsBlank val="1"/>
+        </c16r3:dataDisplayOptions16>
+      </c:ext>
+    </c:extLst>
+    <c:showDLblsOverMax val="0"/>
+  </c:chart>
+  <c:spPr>
+    <a:noFill/>
+    <a:ln>
+      <a:noFill/>
+    </a:ln>
+    <a:effectLst/>
+  </c:spPr>
+  <c:txPr>
+    <a:bodyPr/>
+    <a:lstStyle/>
+    <a:p>
+      <a:pPr>
+        <a:defRPr/>
+      </a:pPr>
+      <a:endParaRPr lang="fr-FR"/>
+    </a:p>
+  </c:txPr>
+  <c:externalData r:id="rId3">
+    <c:autoUpdate val="0"/>
+  </c:externalData>
+</c:chartSpace>
+</file>
+
+<file path=ppt/charts/chart6.xml><?xml version="1.0" encoding="utf-8"?>
+<c:chartSpace xmlns:c="http://schemas.openxmlformats.org/drawingml/2006/chart" xmlns:a="http://schemas.openxmlformats.org/drawingml/2006/main" xmlns:r="http://schemas.openxmlformats.org/officeDocument/2006/relationships" xmlns:c16r2="http://schemas.microsoft.com/office/drawing/2015/06/chart">
+  <c:date1904 val="0"/>
+  <c:lang val="fr-FR"/>
+  <c:roundedCorners val="0"/>
+  <mc:AlternateContent xmlns:mc="http://schemas.openxmlformats.org/markup-compatibility/2006">
+    <mc:Choice xmlns:c14="http://schemas.microsoft.com/office/drawing/2007/8/2/chart" Requires="c14">
+      <c14:style val="102"/>
+    </mc:Choice>
+    <mc:Fallback>
+      <c:style val="2"/>
+    </mc:Fallback>
+  </mc:AlternateContent>
+  <c:chart>
+    <c:autoTitleDeleted val="1"/>
+    <c:plotArea>
+      <c:layout>
+        <c:manualLayout>
+          <c:layoutTarget val="inner"/>
+          <c:xMode val="edge"/>
+          <c:yMode val="edge"/>
+          <c:x val="0.27487043031996966"/>
+          <c:y val="8.272297546509283E-2"/>
+          <c:w val="0.68352685708485439"/>
+          <c:h val="0.7675902346721627"/>
+        </c:manualLayout>
+      </c:layout>
+      <c:pieChart>
+        <c:varyColors val="1"/>
+        <c:ser>
+          <c:idx val="0"/>
+          <c:order val="0"/>
+          <c:tx>
+            <c:strRef>
+              <c:f>Feuil1!$B$1</c:f>
+              <c:strCache>
+                <c:ptCount val="1"/>
+                <c:pt idx="0">
+                  <c:v> temps</c:v>
+                </c:pt>
+              </c:strCache>
+            </c:strRef>
+          </c:tx>
+          <c:dPt>
+            <c:idx val="0"/>
+            <c:bubble3D val="0"/>
+            <c:spPr>
+              <a:solidFill>
+                <a:schemeClr val="accent1"/>
+              </a:solidFill>
+              <a:ln w="19050">
+                <a:solidFill>
+                  <a:schemeClr val="lt1"/>
+                </a:solidFill>
+              </a:ln>
+              <a:effectLst/>
+            </c:spPr>
+          </c:dPt>
+          <c:dPt>
+            <c:idx val="1"/>
+            <c:bubble3D val="0"/>
+            <c:spPr>
+              <a:solidFill>
+                <a:schemeClr val="accent2"/>
+              </a:solidFill>
+              <a:ln w="19050">
+                <a:solidFill>
+                  <a:schemeClr val="lt1"/>
+                </a:solidFill>
+              </a:ln>
+              <a:effectLst/>
+            </c:spPr>
+          </c:dPt>
+          <c:dPt>
+            <c:idx val="2"/>
+            <c:bubble3D val="0"/>
+            <c:spPr>
+              <a:solidFill>
+                <a:schemeClr val="accent3"/>
+              </a:solidFill>
+              <a:ln w="19050">
+                <a:solidFill>
+                  <a:schemeClr val="lt1"/>
+                </a:solidFill>
+              </a:ln>
+              <a:effectLst/>
+            </c:spPr>
+          </c:dPt>
+          <c:dPt>
+            <c:idx val="3"/>
+            <c:bubble3D val="0"/>
+            <c:spPr>
+              <a:solidFill>
+                <a:schemeClr val="accent4"/>
+              </a:solidFill>
+              <a:ln w="19050">
+                <a:solidFill>
+                  <a:schemeClr val="lt1"/>
+                </a:solidFill>
+              </a:ln>
+              <a:effectLst/>
+            </c:spPr>
+          </c:dPt>
+          <c:dPt>
+            <c:idx val="4"/>
+            <c:bubble3D val="0"/>
+            <c:spPr>
+              <a:solidFill>
+                <a:schemeClr val="accent5"/>
+              </a:solidFill>
+              <a:ln w="19050">
+                <a:solidFill>
+                  <a:schemeClr val="lt1"/>
+                </a:solidFill>
+              </a:ln>
+              <a:effectLst/>
+            </c:spPr>
+          </c:dPt>
+          <c:dPt>
+            <c:idx val="5"/>
+            <c:bubble3D val="0"/>
+            <c:spPr>
+              <a:solidFill>
+                <a:schemeClr val="accent6"/>
+              </a:solidFill>
+              <a:ln w="19050">
+                <a:solidFill>
+                  <a:schemeClr val="lt1"/>
+                </a:solidFill>
+              </a:ln>
+              <a:effectLst/>
+            </c:spPr>
+          </c:dPt>
+          <c:cat>
+            <c:strRef>
+              <c:f>Feuil1!$A$2:$A$7</c:f>
+              <c:strCache>
+                <c:ptCount val="6"/>
+                <c:pt idx="0">
+                  <c:v>Prise en main</c:v>
+                </c:pt>
+                <c:pt idx="1">
+                  <c:v>Exploration</c:v>
+                </c:pt>
+                <c:pt idx="2">
+                  <c:v>Github</c:v>
+                </c:pt>
+                <c:pt idx="3">
+                  <c:v>Tablette</c:v>
+                </c:pt>
+                <c:pt idx="4">
+                  <c:v>mouvement</c:v>
+                </c:pt>
+                <c:pt idx="5">
+                  <c:v>présentation</c:v>
+                </c:pt>
+              </c:strCache>
+            </c:strRef>
+          </c:cat>
+          <c:val>
+            <c:numRef>
+              <c:f>Feuil1!$B$2:$B$7</c:f>
+              <c:numCache>
+                <c:formatCode>General</c:formatCode>
+                <c:ptCount val="6"/>
+                <c:pt idx="0">
+                  <c:v>20</c:v>
+                </c:pt>
+                <c:pt idx="1">
+                  <c:v>5</c:v>
+                </c:pt>
+                <c:pt idx="2">
+                  <c:v>2</c:v>
+                </c:pt>
+                <c:pt idx="3">
+                  <c:v>55</c:v>
+                </c:pt>
+                <c:pt idx="4">
+                  <c:v>10</c:v>
+                </c:pt>
+                <c:pt idx="5">
+                  <c:v>8</c:v>
+                </c:pt>
+              </c:numCache>
+            </c:numRef>
+          </c:val>
+          <c:extLst>
+            <c:ext xmlns:c16="http://schemas.microsoft.com/office/drawing/2014/chart" uri="{C3380CC4-5D6E-409C-BE32-E72D297353CC}">
+              <c16:uniqueId val="{00000000-2674-4FB7-8611-1BC80EBC2CBF}"/>
+            </c:ext>
+          </c:extLst>
+        </c:ser>
+        <c:dLbls>
+          <c:showLegendKey val="0"/>
+          <c:showVal val="0"/>
+          <c:showCatName val="0"/>
+          <c:showSerName val="0"/>
+          <c:showPercent val="0"/>
+          <c:showBubbleSize val="0"/>
+          <c:showLeaderLines val="1"/>
+        </c:dLbls>
+        <c:firstSliceAng val="0"/>
+      </c:pieChart>
+      <c:spPr>
+        <a:noFill/>
+        <a:ln>
+          <a:noFill/>
+        </a:ln>
+        <a:effectLst/>
+      </c:spPr>
+    </c:plotArea>
+    <c:legend>
+      <c:legendPos val="b"/>
+      <c:layout>
+        <c:manualLayout>
+          <c:xMode val="edge"/>
+          <c:yMode val="edge"/>
+          <c:x val="2.0230875104374744E-2"/>
+          <c:y val="0.1023596403070412"/>
+          <c:w val="0.30577477774676243"/>
+          <c:h val="0.71151366489649992"/>
+        </c:manualLayout>
+      </c:layout>
+      <c:overlay val="0"/>
+      <c:spPr>
+        <a:noFill/>
+        <a:ln>
+          <a:noFill/>
+        </a:ln>
+        <a:effectLst/>
+      </c:spPr>
+      <c:txPr>
+        <a:bodyPr rot="0" spcFirstLastPara="1" vertOverflow="ellipsis" vert="horz" wrap="square" anchor="ctr" anchorCtr="1"/>
+        <a:lstStyle/>
+        <a:p>
+          <a:pPr>
+            <a:defRPr sz="1197" b="0" i="0" u="none" strike="noStrike" kern="1200" baseline="0">
+              <a:solidFill>
+                <a:schemeClr val="tx1">
+                  <a:lumMod val="65000"/>
+                  <a:lumOff val="35000"/>
+                </a:schemeClr>
+              </a:solidFill>
+              <a:latin typeface="+mn-lt"/>
+              <a:ea typeface="+mn-ea"/>
+              <a:cs typeface="+mn-cs"/>
+            </a:defRPr>
+          </a:pPr>
+          <a:endParaRPr lang="fr-FR"/>
+        </a:p>
+      </c:txPr>
+    </c:legend>
+    <c:plotVisOnly val="1"/>
+    <c:dispBlanksAs val="gap"/>
+    <c:extLst>
+      <c:ext xmlns:c16r3="http://schemas.microsoft.com/office/drawing/2017/03/chart" uri="{56B9EC1D-385E-4148-901F-78D8002777C0}">
+        <c16r3:dataDisplayOptions16>
+          <c16r3:dispNaAsBlank val="1"/>
+        </c16r3:dataDisplayOptions16>
+      </c:ext>
+    </c:extLst>
+    <c:showDLblsOverMax val="0"/>
+  </c:chart>
+  <c:spPr>
+    <a:noFill/>
+    <a:ln>
+      <a:noFill/>
+    </a:ln>
+    <a:effectLst/>
+  </c:spPr>
+  <c:txPr>
+    <a:bodyPr/>
+    <a:lstStyle/>
+    <a:p>
+      <a:pPr>
+        <a:defRPr/>
+      </a:pPr>
+      <a:endParaRPr lang="fr-FR"/>
+    </a:p>
+  </c:txPr>
+  <c:externalData r:id="rId3">
+    <c:autoUpdate val="0"/>
+  </c:externalData>
+</c:chartSpace>
+</file>
+
+<file path=ppt/charts/chart7.xml><?xml version="1.0" encoding="utf-8"?>
+<c:chartSpace xmlns:c="http://schemas.openxmlformats.org/drawingml/2006/chart" xmlns:a="http://schemas.openxmlformats.org/drawingml/2006/main" xmlns:r="http://schemas.openxmlformats.org/officeDocument/2006/relationships" xmlns:c16r2="http://schemas.microsoft.com/office/drawing/2015/06/chart">
+  <c:date1904 val="0"/>
+  <c:lang val="fr-FR"/>
+  <c:roundedCorners val="0"/>
+  <mc:AlternateContent xmlns:mc="http://schemas.openxmlformats.org/markup-compatibility/2006">
+    <mc:Choice xmlns:c14="http://schemas.microsoft.com/office/drawing/2007/8/2/chart" Requires="c14">
+      <c14:style val="102"/>
+    </mc:Choice>
+    <mc:Fallback>
+      <c:style val="2"/>
+    </mc:Fallback>
+  </mc:AlternateContent>
+  <c:chart>
+    <c:title>
+      <c:overlay val="0"/>
+      <c:spPr>
+        <a:noFill/>
+        <a:ln>
+          <a:noFill/>
+        </a:ln>
+        <a:effectLst/>
+      </c:spPr>
+      <c:txPr>
+        <a:bodyPr rot="0" spcFirstLastPara="1" vertOverflow="ellipsis" vert="horz" wrap="square" anchor="ctr" anchorCtr="1"/>
+        <a:lstStyle/>
+        <a:p>
+          <a:pPr>
+            <a:defRPr sz="1862" b="0" i="0" u="none" strike="noStrike" kern="1200" spc="0" baseline="0">
+              <a:solidFill>
+                <a:schemeClr val="tx1">
+                  <a:lumMod val="65000"/>
+                  <a:lumOff val="35000"/>
+                </a:schemeClr>
+              </a:solidFill>
+              <a:latin typeface="+mn-lt"/>
+              <a:ea typeface="+mn-ea"/>
+              <a:cs typeface="+mn-cs"/>
+            </a:defRPr>
+          </a:pPr>
+          <a:endParaRPr lang="fr-FR"/>
+        </a:p>
+      </c:txPr>
+    </c:title>
+    <c:autoTitleDeleted val="0"/>
+    <c:plotArea>
+      <c:layout/>
+      <c:pieChart>
+        <c:varyColors val="1"/>
+        <c:ser>
+          <c:idx val="0"/>
+          <c:order val="0"/>
+          <c:tx>
+            <c:strRef>
+              <c:f>Feuil1!$B$1</c:f>
+              <c:strCache>
+                <c:ptCount val="1"/>
+                <c:pt idx="0">
+                  <c:v>Ventes</c:v>
+                </c:pt>
+              </c:strCache>
+            </c:strRef>
+          </c:tx>
+          <c:dPt>
+            <c:idx val="0"/>
+            <c:bubble3D val="0"/>
+            <c:spPr>
+              <a:solidFill>
+                <a:schemeClr val="accent1"/>
+              </a:solidFill>
+              <a:ln w="19050">
+                <a:solidFill>
+                  <a:schemeClr val="lt1"/>
+                </a:solidFill>
+              </a:ln>
+              <a:effectLst/>
+            </c:spPr>
+          </c:dPt>
+          <c:dPt>
+            <c:idx val="1"/>
+            <c:bubble3D val="0"/>
+            <c:spPr>
+              <a:solidFill>
+                <a:schemeClr val="accent2"/>
+              </a:solidFill>
+              <a:ln w="19050">
+                <a:solidFill>
+                  <a:schemeClr val="lt1"/>
+                </a:solidFill>
+              </a:ln>
+              <a:effectLst/>
+            </c:spPr>
+          </c:dPt>
+          <c:dPt>
+            <c:idx val="2"/>
+            <c:bubble3D val="0"/>
+            <c:spPr>
+              <a:solidFill>
+                <a:schemeClr val="accent3"/>
+              </a:solidFill>
+              <a:ln w="19050">
+                <a:solidFill>
+                  <a:schemeClr val="lt1"/>
+                </a:solidFill>
+              </a:ln>
+              <a:effectLst/>
+            </c:spPr>
+          </c:dPt>
+          <c:dPt>
+            <c:idx val="3"/>
+            <c:bubble3D val="0"/>
+            <c:explosion val="4"/>
+            <c:spPr>
+              <a:solidFill>
+                <a:schemeClr val="accent4"/>
+              </a:solidFill>
+              <a:ln w="19050">
+                <a:solidFill>
+                  <a:schemeClr val="lt1"/>
+                </a:solidFill>
+              </a:ln>
+              <a:effectLst/>
+            </c:spPr>
+            <c:extLst>
+              <c:ext xmlns:c16="http://schemas.microsoft.com/office/drawing/2014/chart" uri="{C3380CC4-5D6E-409C-BE32-E72D297353CC}">
+                <c16:uniqueId val="{00000001-F8A5-4FC6-BC5E-6064798AA75A}"/>
+              </c:ext>
+            </c:extLst>
+          </c:dPt>
+          <c:cat>
+            <c:strRef>
+              <c:f>Feuil1!$A$2:$A$5</c:f>
+              <c:strCache>
+                <c:ptCount val="4"/>
+                <c:pt idx="0">
+                  <c:v>1er trim.</c:v>
+                </c:pt>
+                <c:pt idx="1">
+                  <c:v>2e trim.</c:v>
+                </c:pt>
+                <c:pt idx="2">
+                  <c:v>3e trim.</c:v>
+                </c:pt>
+                <c:pt idx="3">
+                  <c:v>4e trim.</c:v>
+                </c:pt>
+              </c:strCache>
+            </c:strRef>
+          </c:cat>
+          <c:val>
+            <c:numRef>
+              <c:f>Feuil1!$B$2:$B$5</c:f>
+              <c:numCache>
+                <c:formatCode>General</c:formatCode>
+                <c:ptCount val="4"/>
+                <c:pt idx="0">
+                  <c:v>8.1999999999999993</c:v>
+                </c:pt>
+                <c:pt idx="1">
+                  <c:v>3.2</c:v>
+                </c:pt>
+                <c:pt idx="2">
+                  <c:v>1.4</c:v>
+                </c:pt>
+                <c:pt idx="3">
+                  <c:v>1.2</c:v>
+                </c:pt>
+              </c:numCache>
+            </c:numRef>
+          </c:val>
+          <c:extLst>
+            <c:ext xmlns:c16="http://schemas.microsoft.com/office/drawing/2014/chart" uri="{C3380CC4-5D6E-409C-BE32-E72D297353CC}">
+              <c16:uniqueId val="{00000000-F8A5-4FC6-BC5E-6064798AA75A}"/>
+            </c:ext>
+          </c:extLst>
+        </c:ser>
+        <c:dLbls>
+          <c:showLegendKey val="0"/>
+          <c:showVal val="0"/>
+          <c:showCatName val="0"/>
+          <c:showSerName val="0"/>
+          <c:showPercent val="0"/>
+          <c:showBubbleSize val="0"/>
+          <c:showLeaderLines val="1"/>
+        </c:dLbls>
+        <c:firstSliceAng val="0"/>
+      </c:pieChart>
+      <c:spPr>
+        <a:noFill/>
+        <a:ln>
+          <a:noFill/>
+        </a:ln>
+        <a:effectLst/>
+      </c:spPr>
+    </c:plotArea>
+    <c:legend>
+      <c:legendPos val="b"/>
+      <c:overlay val="0"/>
+      <c:spPr>
+        <a:noFill/>
+        <a:ln>
+          <a:noFill/>
+        </a:ln>
+        <a:effectLst/>
+      </c:spPr>
+      <c:txPr>
+        <a:bodyPr rot="0" spcFirstLastPara="1" vertOverflow="ellipsis" vert="horz" wrap="square" anchor="ctr" anchorCtr="1"/>
+        <a:lstStyle/>
+        <a:p>
+          <a:pPr>
+            <a:defRPr sz="1197" b="0" i="0" u="none" strike="noStrike" kern="1200" baseline="0">
+              <a:solidFill>
+                <a:schemeClr val="tx1">
+                  <a:lumMod val="65000"/>
+                  <a:lumOff val="35000"/>
+                </a:schemeClr>
+              </a:solidFill>
+              <a:latin typeface="+mn-lt"/>
+              <a:ea typeface="+mn-ea"/>
+              <a:cs typeface="+mn-cs"/>
+            </a:defRPr>
+          </a:pPr>
+          <a:endParaRPr lang="fr-FR"/>
+        </a:p>
+      </c:txPr>
+    </c:legend>
+    <c:plotVisOnly val="1"/>
+    <c:dispBlanksAs val="gap"/>
+    <c:extLst>
+      <c:ext xmlns:c16r3="http://schemas.microsoft.com/office/drawing/2017/03/chart" uri="{56B9EC1D-385E-4148-901F-78D8002777C0}">
+        <c16r3:dataDisplayOptions16>
+          <c16r3:dispNaAsBlank val="1"/>
+        </c16r3:dataDisplayOptions16>
+      </c:ext>
+    </c:extLst>
+    <c:showDLblsOverMax val="0"/>
+  </c:chart>
+  <c:spPr>
+    <a:noFill/>
+    <a:ln>
+      <a:noFill/>
+    </a:ln>
+    <a:effectLst/>
+  </c:spPr>
+  <c:txPr>
+    <a:bodyPr/>
+    <a:lstStyle/>
+    <a:p>
+      <a:pPr>
+        <a:defRPr/>
+      </a:pPr>
+      <a:endParaRPr lang="fr-FR"/>
+    </a:p>
+  </c:txPr>
+  <c:externalData r:id="rId3">
+    <c:autoUpdate val="0"/>
+  </c:externalData>
+</c:chartSpace>
+</file>
+
+<file path=ppt/charts/chart8.xml><?xml version="1.0" encoding="utf-8"?>
 <c:chartSpace xmlns:c="http://schemas.openxmlformats.org/drawingml/2006/chart" xmlns:a="http://schemas.openxmlformats.org/drawingml/2006/main" xmlns:r="http://schemas.openxmlformats.org/officeDocument/2006/relationships" xmlns:c16r2="http://schemas.microsoft.com/office/drawing/2015/06/chart">
   <c:date1904 val="0"/>
   <c:lang val="fr-FR"/>
@@ -497,7 +2349,3920 @@
 </cs:colorStyle>
 </file>
 
+<file path=ppt/charts/colors2.xml><?xml version="1.0" encoding="utf-8"?>
+<cs:colorStyle xmlns:cs="http://schemas.microsoft.com/office/drawing/2012/chartStyle" xmlns:a="http://schemas.openxmlformats.org/drawingml/2006/main" meth="cycle" id="10">
+  <a:schemeClr val="accent1"/>
+  <a:schemeClr val="accent2"/>
+  <a:schemeClr val="accent3"/>
+  <a:schemeClr val="accent4"/>
+  <a:schemeClr val="accent5"/>
+  <a:schemeClr val="accent6"/>
+  <cs:variation/>
+  <cs:variation>
+    <a:lumMod val="60000"/>
+  </cs:variation>
+  <cs:variation>
+    <a:lumMod val="80000"/>
+    <a:lumOff val="20000"/>
+  </cs:variation>
+  <cs:variation>
+    <a:lumMod val="80000"/>
+  </cs:variation>
+  <cs:variation>
+    <a:lumMod val="60000"/>
+    <a:lumOff val="40000"/>
+  </cs:variation>
+  <cs:variation>
+    <a:lumMod val="50000"/>
+  </cs:variation>
+  <cs:variation>
+    <a:lumMod val="70000"/>
+    <a:lumOff val="30000"/>
+  </cs:variation>
+  <cs:variation>
+    <a:lumMod val="70000"/>
+  </cs:variation>
+  <cs:variation>
+    <a:lumMod val="50000"/>
+    <a:lumOff val="50000"/>
+  </cs:variation>
+</cs:colorStyle>
+</file>
+
+<file path=ppt/charts/colors3.xml><?xml version="1.0" encoding="utf-8"?>
+<cs:colorStyle xmlns:cs="http://schemas.microsoft.com/office/drawing/2012/chartStyle" xmlns:a="http://schemas.openxmlformats.org/drawingml/2006/main" meth="cycle" id="10">
+  <a:schemeClr val="accent1"/>
+  <a:schemeClr val="accent2"/>
+  <a:schemeClr val="accent3"/>
+  <a:schemeClr val="accent4"/>
+  <a:schemeClr val="accent5"/>
+  <a:schemeClr val="accent6"/>
+  <cs:variation/>
+  <cs:variation>
+    <a:lumMod val="60000"/>
+  </cs:variation>
+  <cs:variation>
+    <a:lumMod val="80000"/>
+    <a:lumOff val="20000"/>
+  </cs:variation>
+  <cs:variation>
+    <a:lumMod val="80000"/>
+  </cs:variation>
+  <cs:variation>
+    <a:lumMod val="60000"/>
+    <a:lumOff val="40000"/>
+  </cs:variation>
+  <cs:variation>
+    <a:lumMod val="50000"/>
+  </cs:variation>
+  <cs:variation>
+    <a:lumMod val="70000"/>
+    <a:lumOff val="30000"/>
+  </cs:variation>
+  <cs:variation>
+    <a:lumMod val="70000"/>
+  </cs:variation>
+  <cs:variation>
+    <a:lumMod val="50000"/>
+    <a:lumOff val="50000"/>
+  </cs:variation>
+</cs:colorStyle>
+</file>
+
+<file path=ppt/charts/colors4.xml><?xml version="1.0" encoding="utf-8"?>
+<cs:colorStyle xmlns:cs="http://schemas.microsoft.com/office/drawing/2012/chartStyle" xmlns:a="http://schemas.openxmlformats.org/drawingml/2006/main" meth="cycle" id="10">
+  <a:schemeClr val="accent1"/>
+  <a:schemeClr val="accent2"/>
+  <a:schemeClr val="accent3"/>
+  <a:schemeClr val="accent4"/>
+  <a:schemeClr val="accent5"/>
+  <a:schemeClr val="accent6"/>
+  <cs:variation/>
+  <cs:variation>
+    <a:lumMod val="60000"/>
+  </cs:variation>
+  <cs:variation>
+    <a:lumMod val="80000"/>
+    <a:lumOff val="20000"/>
+  </cs:variation>
+  <cs:variation>
+    <a:lumMod val="80000"/>
+  </cs:variation>
+  <cs:variation>
+    <a:lumMod val="60000"/>
+    <a:lumOff val="40000"/>
+  </cs:variation>
+  <cs:variation>
+    <a:lumMod val="50000"/>
+  </cs:variation>
+  <cs:variation>
+    <a:lumMod val="70000"/>
+    <a:lumOff val="30000"/>
+  </cs:variation>
+  <cs:variation>
+    <a:lumMod val="70000"/>
+  </cs:variation>
+  <cs:variation>
+    <a:lumMod val="50000"/>
+    <a:lumOff val="50000"/>
+  </cs:variation>
+</cs:colorStyle>
+</file>
+
+<file path=ppt/charts/colors5.xml><?xml version="1.0" encoding="utf-8"?>
+<cs:colorStyle xmlns:cs="http://schemas.microsoft.com/office/drawing/2012/chartStyle" xmlns:a="http://schemas.openxmlformats.org/drawingml/2006/main" meth="cycle" id="10">
+  <a:schemeClr val="accent1"/>
+  <a:schemeClr val="accent2"/>
+  <a:schemeClr val="accent3"/>
+  <a:schemeClr val="accent4"/>
+  <a:schemeClr val="accent5"/>
+  <a:schemeClr val="accent6"/>
+  <cs:variation/>
+  <cs:variation>
+    <a:lumMod val="60000"/>
+  </cs:variation>
+  <cs:variation>
+    <a:lumMod val="80000"/>
+    <a:lumOff val="20000"/>
+  </cs:variation>
+  <cs:variation>
+    <a:lumMod val="80000"/>
+  </cs:variation>
+  <cs:variation>
+    <a:lumMod val="60000"/>
+    <a:lumOff val="40000"/>
+  </cs:variation>
+  <cs:variation>
+    <a:lumMod val="50000"/>
+  </cs:variation>
+  <cs:variation>
+    <a:lumMod val="70000"/>
+    <a:lumOff val="30000"/>
+  </cs:variation>
+  <cs:variation>
+    <a:lumMod val="70000"/>
+  </cs:variation>
+  <cs:variation>
+    <a:lumMod val="50000"/>
+    <a:lumOff val="50000"/>
+  </cs:variation>
+</cs:colorStyle>
+</file>
+
+<file path=ppt/charts/colors6.xml><?xml version="1.0" encoding="utf-8"?>
+<cs:colorStyle xmlns:cs="http://schemas.microsoft.com/office/drawing/2012/chartStyle" xmlns:a="http://schemas.openxmlformats.org/drawingml/2006/main" meth="cycle" id="10">
+  <a:schemeClr val="accent1"/>
+  <a:schemeClr val="accent2"/>
+  <a:schemeClr val="accent3"/>
+  <a:schemeClr val="accent4"/>
+  <a:schemeClr val="accent5"/>
+  <a:schemeClr val="accent6"/>
+  <cs:variation/>
+  <cs:variation>
+    <a:lumMod val="60000"/>
+  </cs:variation>
+  <cs:variation>
+    <a:lumMod val="80000"/>
+    <a:lumOff val="20000"/>
+  </cs:variation>
+  <cs:variation>
+    <a:lumMod val="80000"/>
+  </cs:variation>
+  <cs:variation>
+    <a:lumMod val="60000"/>
+    <a:lumOff val="40000"/>
+  </cs:variation>
+  <cs:variation>
+    <a:lumMod val="50000"/>
+  </cs:variation>
+  <cs:variation>
+    <a:lumMod val="70000"/>
+    <a:lumOff val="30000"/>
+  </cs:variation>
+  <cs:variation>
+    <a:lumMod val="70000"/>
+  </cs:variation>
+  <cs:variation>
+    <a:lumMod val="50000"/>
+    <a:lumOff val="50000"/>
+  </cs:variation>
+</cs:colorStyle>
+</file>
+
+<file path=ppt/charts/colors7.xml><?xml version="1.0" encoding="utf-8"?>
+<cs:colorStyle xmlns:cs="http://schemas.microsoft.com/office/drawing/2012/chartStyle" xmlns:a="http://schemas.openxmlformats.org/drawingml/2006/main" meth="cycle" id="10">
+  <a:schemeClr val="accent1"/>
+  <a:schemeClr val="accent2"/>
+  <a:schemeClr val="accent3"/>
+  <a:schemeClr val="accent4"/>
+  <a:schemeClr val="accent5"/>
+  <a:schemeClr val="accent6"/>
+  <cs:variation/>
+  <cs:variation>
+    <a:lumMod val="60000"/>
+  </cs:variation>
+  <cs:variation>
+    <a:lumMod val="80000"/>
+    <a:lumOff val="20000"/>
+  </cs:variation>
+  <cs:variation>
+    <a:lumMod val="80000"/>
+  </cs:variation>
+  <cs:variation>
+    <a:lumMod val="60000"/>
+    <a:lumOff val="40000"/>
+  </cs:variation>
+  <cs:variation>
+    <a:lumMod val="50000"/>
+  </cs:variation>
+  <cs:variation>
+    <a:lumMod val="70000"/>
+    <a:lumOff val="30000"/>
+  </cs:variation>
+  <cs:variation>
+    <a:lumMod val="70000"/>
+  </cs:variation>
+  <cs:variation>
+    <a:lumMod val="50000"/>
+    <a:lumOff val="50000"/>
+  </cs:variation>
+</cs:colorStyle>
+</file>
+
+<file path=ppt/charts/colors8.xml><?xml version="1.0" encoding="utf-8"?>
+<cs:colorStyle xmlns:cs="http://schemas.microsoft.com/office/drawing/2012/chartStyle" xmlns:a="http://schemas.openxmlformats.org/drawingml/2006/main" meth="cycle" id="10">
+  <a:schemeClr val="accent1"/>
+  <a:schemeClr val="accent2"/>
+  <a:schemeClr val="accent3"/>
+  <a:schemeClr val="accent4"/>
+  <a:schemeClr val="accent5"/>
+  <a:schemeClr val="accent6"/>
+  <cs:variation/>
+  <cs:variation>
+    <a:lumMod val="60000"/>
+  </cs:variation>
+  <cs:variation>
+    <a:lumMod val="80000"/>
+    <a:lumOff val="20000"/>
+  </cs:variation>
+  <cs:variation>
+    <a:lumMod val="80000"/>
+  </cs:variation>
+  <cs:variation>
+    <a:lumMod val="60000"/>
+    <a:lumOff val="40000"/>
+  </cs:variation>
+  <cs:variation>
+    <a:lumMod val="50000"/>
+  </cs:variation>
+  <cs:variation>
+    <a:lumMod val="70000"/>
+    <a:lumOff val="30000"/>
+  </cs:variation>
+  <cs:variation>
+    <a:lumMod val="70000"/>
+  </cs:variation>
+  <cs:variation>
+    <a:lumMod val="50000"/>
+    <a:lumOff val="50000"/>
+  </cs:variation>
+</cs:colorStyle>
+</file>
+
 <file path=ppt/charts/style1.xml><?xml version="1.0" encoding="utf-8"?>
+<cs:chartStyle xmlns:cs="http://schemas.microsoft.com/office/drawing/2012/chartStyle" xmlns:a="http://schemas.openxmlformats.org/drawingml/2006/main" id="251">
+  <cs:axisTitle>
+    <cs:lnRef idx="0"/>
+    <cs:fillRef idx="0"/>
+    <cs:effectRef idx="0"/>
+    <cs:fontRef idx="minor">
+      <a:schemeClr val="tx1">
+        <a:lumMod val="65000"/>
+        <a:lumOff val="35000"/>
+      </a:schemeClr>
+    </cs:fontRef>
+    <cs:defRPr sz="1330" kern="1200"/>
+  </cs:axisTitle>
+  <cs:categoryAxis>
+    <cs:lnRef idx="0"/>
+    <cs:fillRef idx="0"/>
+    <cs:effectRef idx="0"/>
+    <cs:fontRef idx="minor">
+      <a:schemeClr val="tx1">
+        <a:lumMod val="65000"/>
+        <a:lumOff val="35000"/>
+      </a:schemeClr>
+    </cs:fontRef>
+    <cs:spPr>
+      <a:ln w="9525" cap="flat" cmpd="sng" algn="ctr">
+        <a:solidFill>
+          <a:schemeClr val="tx1">
+            <a:lumMod val="15000"/>
+            <a:lumOff val="85000"/>
+          </a:schemeClr>
+        </a:solidFill>
+        <a:round/>
+      </a:ln>
+    </cs:spPr>
+    <cs:defRPr sz="1197" kern="1200"/>
+  </cs:categoryAxis>
+  <cs:chartArea mods="allowNoFillOverride allowNoLineOverride">
+    <cs:lnRef idx="0"/>
+    <cs:fillRef idx="0"/>
+    <cs:effectRef idx="0"/>
+    <cs:fontRef idx="minor">
+      <a:schemeClr val="tx1"/>
+    </cs:fontRef>
+    <cs:spPr>
+      <a:solidFill>
+        <a:schemeClr val="bg1"/>
+      </a:solidFill>
+      <a:ln w="9525" cap="flat" cmpd="sng" algn="ctr">
+        <a:solidFill>
+          <a:schemeClr val="tx1">
+            <a:lumMod val="15000"/>
+            <a:lumOff val="85000"/>
+          </a:schemeClr>
+        </a:solidFill>
+        <a:round/>
+      </a:ln>
+    </cs:spPr>
+    <cs:defRPr sz="1197" kern="1200"/>
+  </cs:chartArea>
+  <cs:dataLabel>
+    <cs:lnRef idx="0"/>
+    <cs:fillRef idx="0"/>
+    <cs:effectRef idx="0"/>
+    <cs:fontRef idx="minor">
+      <a:schemeClr val="tx1">
+        <a:lumMod val="75000"/>
+        <a:lumOff val="25000"/>
+      </a:schemeClr>
+    </cs:fontRef>
+    <cs:defRPr sz="1197" kern="1200"/>
+  </cs:dataLabel>
+  <cs:dataLabelCallout>
+    <cs:lnRef idx="0"/>
+    <cs:fillRef idx="0"/>
+    <cs:effectRef idx="0"/>
+    <cs:fontRef idx="minor">
+      <a:schemeClr val="dk1">
+        <a:lumMod val="65000"/>
+        <a:lumOff val="35000"/>
+      </a:schemeClr>
+    </cs:fontRef>
+    <cs:spPr>
+      <a:solidFill>
+        <a:schemeClr val="lt1"/>
+      </a:solidFill>
+      <a:ln>
+        <a:solidFill>
+          <a:schemeClr val="dk1">
+            <a:lumMod val="25000"/>
+            <a:lumOff val="75000"/>
+          </a:schemeClr>
+        </a:solidFill>
+      </a:ln>
+    </cs:spPr>
+    <cs:defRPr sz="1197" kern="1200"/>
+    <cs:bodyPr rot="0" spcFirstLastPara="1" vertOverflow="clip" horzOverflow="clip" vert="horz" wrap="square" lIns="36576" tIns="18288" rIns="36576" bIns="18288" anchor="ctr" anchorCtr="1">
+      <a:spAutoFit/>
+    </cs:bodyPr>
+  </cs:dataLabelCallout>
+  <cs:dataPoint>
+    <cs:lnRef idx="0"/>
+    <cs:fillRef idx="1">
+      <cs:styleClr val="auto"/>
+    </cs:fillRef>
+    <cs:effectRef idx="0"/>
+    <cs:fontRef idx="minor">
+      <a:schemeClr val="tx1"/>
+    </cs:fontRef>
+    <cs:spPr>
+      <a:ln w="19050">
+        <a:solidFill>
+          <a:schemeClr val="lt1"/>
+        </a:solidFill>
+      </a:ln>
+    </cs:spPr>
+  </cs:dataPoint>
+  <cs:dataPoint3D>
+    <cs:lnRef idx="0"/>
+    <cs:fillRef idx="1">
+      <cs:styleClr val="auto"/>
+    </cs:fillRef>
+    <cs:effectRef idx="0"/>
+    <cs:fontRef idx="minor">
+      <a:schemeClr val="tx1"/>
+    </cs:fontRef>
+    <cs:spPr>
+      <a:ln w="25400">
+        <a:solidFill>
+          <a:schemeClr val="lt1"/>
+        </a:solidFill>
+      </a:ln>
+    </cs:spPr>
+  </cs:dataPoint3D>
+  <cs:dataPointLine>
+    <cs:lnRef idx="0">
+      <cs:styleClr val="auto"/>
+    </cs:lnRef>
+    <cs:fillRef idx="0"/>
+    <cs:effectRef idx="0"/>
+    <cs:fontRef idx="minor">
+      <a:schemeClr val="tx1"/>
+    </cs:fontRef>
+    <cs:spPr>
+      <a:ln w="28575" cap="rnd">
+        <a:solidFill>
+          <a:schemeClr val="phClr"/>
+        </a:solidFill>
+        <a:round/>
+      </a:ln>
+    </cs:spPr>
+  </cs:dataPointLine>
+  <cs:dataPointMarker>
+    <cs:lnRef idx="0">
+      <cs:styleClr val="auto"/>
+    </cs:lnRef>
+    <cs:fillRef idx="1">
+      <cs:styleClr val="auto"/>
+    </cs:fillRef>
+    <cs:effectRef idx="0"/>
+    <cs:fontRef idx="minor">
+      <a:schemeClr val="tx1"/>
+    </cs:fontRef>
+    <cs:spPr>
+      <a:ln w="9525">
+        <a:solidFill>
+          <a:schemeClr val="phClr"/>
+        </a:solidFill>
+      </a:ln>
+    </cs:spPr>
+  </cs:dataPointMarker>
+  <cs:dataPointMarkerLayout symbol="circle" size="5"/>
+  <cs:dataPointWireframe>
+    <cs:lnRef idx="0">
+      <cs:styleClr val="auto"/>
+    </cs:lnRef>
+    <cs:fillRef idx="0"/>
+    <cs:effectRef idx="0"/>
+    <cs:fontRef idx="minor">
+      <a:schemeClr val="tx1"/>
+    </cs:fontRef>
+    <cs:spPr>
+      <a:ln w="9525" cap="rnd">
+        <a:solidFill>
+          <a:schemeClr val="phClr"/>
+        </a:solidFill>
+        <a:round/>
+      </a:ln>
+    </cs:spPr>
+  </cs:dataPointWireframe>
+  <cs:dataTable>
+    <cs:lnRef idx="0"/>
+    <cs:fillRef idx="0"/>
+    <cs:effectRef idx="0"/>
+    <cs:fontRef idx="minor">
+      <a:schemeClr val="tx1">
+        <a:lumMod val="65000"/>
+        <a:lumOff val="35000"/>
+      </a:schemeClr>
+    </cs:fontRef>
+    <cs:spPr>
+      <a:noFill/>
+      <a:ln w="9525" cap="flat" cmpd="sng" algn="ctr">
+        <a:solidFill>
+          <a:schemeClr val="tx1">
+            <a:lumMod val="15000"/>
+            <a:lumOff val="85000"/>
+          </a:schemeClr>
+        </a:solidFill>
+        <a:round/>
+      </a:ln>
+    </cs:spPr>
+    <cs:defRPr sz="1197" kern="1200"/>
+  </cs:dataTable>
+  <cs:downBar>
+    <cs:lnRef idx="0"/>
+    <cs:fillRef idx="0"/>
+    <cs:effectRef idx="0"/>
+    <cs:fontRef idx="minor">
+      <a:schemeClr val="tx1"/>
+    </cs:fontRef>
+    <cs:spPr>
+      <a:solidFill>
+        <a:schemeClr val="dk1">
+          <a:lumMod val="75000"/>
+          <a:lumOff val="25000"/>
+        </a:schemeClr>
+      </a:solidFill>
+      <a:ln w="9525" cap="flat" cmpd="sng" algn="ctr">
+        <a:solidFill>
+          <a:schemeClr val="tx1">
+            <a:lumMod val="65000"/>
+            <a:lumOff val="35000"/>
+          </a:schemeClr>
+        </a:solidFill>
+        <a:round/>
+      </a:ln>
+    </cs:spPr>
+  </cs:downBar>
+  <cs:dropLine>
+    <cs:lnRef idx="0"/>
+    <cs:fillRef idx="0"/>
+    <cs:effectRef idx="0"/>
+    <cs:fontRef idx="minor">
+      <a:schemeClr val="tx1"/>
+    </cs:fontRef>
+    <cs:spPr>
+      <a:ln w="9525" cap="flat" cmpd="sng" algn="ctr">
+        <a:solidFill>
+          <a:schemeClr val="tx1">
+            <a:lumMod val="35000"/>
+            <a:lumOff val="65000"/>
+          </a:schemeClr>
+        </a:solidFill>
+        <a:round/>
+      </a:ln>
+    </cs:spPr>
+  </cs:dropLine>
+  <cs:errorBar>
+    <cs:lnRef idx="0"/>
+    <cs:fillRef idx="0"/>
+    <cs:effectRef idx="0"/>
+    <cs:fontRef idx="minor">
+      <a:schemeClr val="tx1"/>
+    </cs:fontRef>
+    <cs:spPr>
+      <a:ln w="9525" cap="flat" cmpd="sng" algn="ctr">
+        <a:solidFill>
+          <a:schemeClr val="tx1">
+            <a:lumMod val="65000"/>
+            <a:lumOff val="35000"/>
+          </a:schemeClr>
+        </a:solidFill>
+        <a:round/>
+      </a:ln>
+    </cs:spPr>
+  </cs:errorBar>
+  <cs:floor>
+    <cs:lnRef idx="0"/>
+    <cs:fillRef idx="0"/>
+    <cs:effectRef idx="0"/>
+    <cs:fontRef idx="minor">
+      <a:schemeClr val="tx1"/>
+    </cs:fontRef>
+    <cs:spPr>
+      <a:noFill/>
+      <a:ln>
+        <a:noFill/>
+      </a:ln>
+    </cs:spPr>
+  </cs:floor>
+  <cs:gridlineMajor>
+    <cs:lnRef idx="0"/>
+    <cs:fillRef idx="0"/>
+    <cs:effectRef idx="0"/>
+    <cs:fontRef idx="minor">
+      <a:schemeClr val="tx1"/>
+    </cs:fontRef>
+    <cs:spPr>
+      <a:ln w="9525" cap="flat" cmpd="sng" algn="ctr">
+        <a:solidFill>
+          <a:schemeClr val="tx1">
+            <a:lumMod val="15000"/>
+            <a:lumOff val="85000"/>
+          </a:schemeClr>
+        </a:solidFill>
+        <a:round/>
+      </a:ln>
+    </cs:spPr>
+  </cs:gridlineMajor>
+  <cs:gridlineMinor>
+    <cs:lnRef idx="0"/>
+    <cs:fillRef idx="0"/>
+    <cs:effectRef idx="0"/>
+    <cs:fontRef idx="minor">
+      <a:schemeClr val="tx1"/>
+    </cs:fontRef>
+    <cs:spPr>
+      <a:ln w="9525" cap="flat" cmpd="sng" algn="ctr">
+        <a:solidFill>
+          <a:schemeClr val="tx1">
+            <a:lumMod val="5000"/>
+            <a:lumOff val="95000"/>
+          </a:schemeClr>
+        </a:solidFill>
+        <a:round/>
+      </a:ln>
+    </cs:spPr>
+  </cs:gridlineMinor>
+  <cs:hiLoLine>
+    <cs:lnRef idx="0"/>
+    <cs:fillRef idx="0"/>
+    <cs:effectRef idx="0"/>
+    <cs:fontRef idx="minor">
+      <a:schemeClr val="tx1"/>
+    </cs:fontRef>
+    <cs:spPr>
+      <a:ln w="9525" cap="flat" cmpd="sng" algn="ctr">
+        <a:solidFill>
+          <a:schemeClr val="tx1">
+            <a:lumMod val="50000"/>
+            <a:lumOff val="50000"/>
+          </a:schemeClr>
+        </a:solidFill>
+        <a:round/>
+      </a:ln>
+    </cs:spPr>
+  </cs:hiLoLine>
+  <cs:leaderLine>
+    <cs:lnRef idx="0"/>
+    <cs:fillRef idx="0"/>
+    <cs:effectRef idx="0"/>
+    <cs:fontRef idx="minor">
+      <a:schemeClr val="tx1"/>
+    </cs:fontRef>
+    <cs:spPr>
+      <a:ln w="9525" cap="flat" cmpd="sng" algn="ctr">
+        <a:solidFill>
+          <a:schemeClr val="tx1">
+            <a:lumMod val="35000"/>
+            <a:lumOff val="65000"/>
+          </a:schemeClr>
+        </a:solidFill>
+        <a:round/>
+      </a:ln>
+    </cs:spPr>
+  </cs:leaderLine>
+  <cs:legend>
+    <cs:lnRef idx="0"/>
+    <cs:fillRef idx="0"/>
+    <cs:effectRef idx="0"/>
+    <cs:fontRef idx="minor">
+      <a:schemeClr val="tx1">
+        <a:lumMod val="65000"/>
+        <a:lumOff val="35000"/>
+      </a:schemeClr>
+    </cs:fontRef>
+    <cs:defRPr sz="1197" kern="1200"/>
+  </cs:legend>
+  <cs:plotArea mods="allowNoFillOverride allowNoLineOverride">
+    <cs:lnRef idx="0"/>
+    <cs:fillRef idx="0"/>
+    <cs:effectRef idx="0"/>
+    <cs:fontRef idx="minor">
+      <a:schemeClr val="tx1"/>
+    </cs:fontRef>
+  </cs:plotArea>
+  <cs:plotArea3D mods="allowNoFillOverride allowNoLineOverride">
+    <cs:lnRef idx="0"/>
+    <cs:fillRef idx="0"/>
+    <cs:effectRef idx="0"/>
+    <cs:fontRef idx="minor">
+      <a:schemeClr val="tx1"/>
+    </cs:fontRef>
+  </cs:plotArea3D>
+  <cs:seriesAxis>
+    <cs:lnRef idx="0"/>
+    <cs:fillRef idx="0"/>
+    <cs:effectRef idx="0"/>
+    <cs:fontRef idx="minor">
+      <a:schemeClr val="tx1">
+        <a:lumMod val="65000"/>
+        <a:lumOff val="35000"/>
+      </a:schemeClr>
+    </cs:fontRef>
+    <cs:defRPr sz="1197" kern="1200"/>
+  </cs:seriesAxis>
+  <cs:seriesLine>
+    <cs:lnRef idx="0"/>
+    <cs:fillRef idx="0"/>
+    <cs:effectRef idx="0"/>
+    <cs:fontRef idx="minor">
+      <a:schemeClr val="tx1"/>
+    </cs:fontRef>
+    <cs:spPr>
+      <a:ln w="9525" cap="flat" cmpd="sng" algn="ctr">
+        <a:solidFill>
+          <a:schemeClr val="tx1">
+            <a:lumMod val="35000"/>
+            <a:lumOff val="65000"/>
+          </a:schemeClr>
+        </a:solidFill>
+        <a:round/>
+      </a:ln>
+    </cs:spPr>
+  </cs:seriesLine>
+  <cs:title>
+    <cs:lnRef idx="0"/>
+    <cs:fillRef idx="0"/>
+    <cs:effectRef idx="0"/>
+    <cs:fontRef idx="minor">
+      <a:schemeClr val="tx1">
+        <a:lumMod val="65000"/>
+        <a:lumOff val="35000"/>
+      </a:schemeClr>
+    </cs:fontRef>
+    <cs:defRPr sz="1862" b="0" kern="1200" spc="0" baseline="0"/>
+  </cs:title>
+  <cs:trendline>
+    <cs:lnRef idx="0">
+      <cs:styleClr val="auto"/>
+    </cs:lnRef>
+    <cs:fillRef idx="0"/>
+    <cs:effectRef idx="0"/>
+    <cs:fontRef idx="minor">
+      <a:schemeClr val="tx1"/>
+    </cs:fontRef>
+    <cs:spPr>
+      <a:ln w="19050" cap="rnd">
+        <a:solidFill>
+          <a:schemeClr val="phClr"/>
+        </a:solidFill>
+        <a:prstDash val="sysDot"/>
+      </a:ln>
+    </cs:spPr>
+  </cs:trendline>
+  <cs:trendlineLabel>
+    <cs:lnRef idx="0"/>
+    <cs:fillRef idx="0"/>
+    <cs:effectRef idx="0"/>
+    <cs:fontRef idx="minor">
+      <a:schemeClr val="tx1">
+        <a:lumMod val="65000"/>
+        <a:lumOff val="35000"/>
+      </a:schemeClr>
+    </cs:fontRef>
+    <cs:defRPr sz="1197" kern="1200"/>
+  </cs:trendlineLabel>
+  <cs:upBar>
+    <cs:lnRef idx="0"/>
+    <cs:fillRef idx="0"/>
+    <cs:effectRef idx="0"/>
+    <cs:fontRef idx="minor">
+      <a:schemeClr val="tx1"/>
+    </cs:fontRef>
+    <cs:spPr>
+      <a:solidFill>
+        <a:schemeClr val="lt1"/>
+      </a:solidFill>
+      <a:ln w="9525" cap="flat" cmpd="sng" algn="ctr">
+        <a:solidFill>
+          <a:schemeClr val="tx1">
+            <a:lumMod val="65000"/>
+            <a:lumOff val="35000"/>
+          </a:schemeClr>
+        </a:solidFill>
+        <a:round/>
+      </a:ln>
+    </cs:spPr>
+  </cs:upBar>
+  <cs:valueAxis>
+    <cs:lnRef idx="0"/>
+    <cs:fillRef idx="0"/>
+    <cs:effectRef idx="0"/>
+    <cs:fontRef idx="minor">
+      <a:schemeClr val="tx1">
+        <a:lumMod val="65000"/>
+        <a:lumOff val="35000"/>
+      </a:schemeClr>
+    </cs:fontRef>
+    <cs:defRPr sz="1197" kern="1200"/>
+  </cs:valueAxis>
+  <cs:wall>
+    <cs:lnRef idx="0"/>
+    <cs:fillRef idx="0"/>
+    <cs:effectRef idx="0"/>
+    <cs:fontRef idx="minor">
+      <a:schemeClr val="tx1"/>
+    </cs:fontRef>
+    <cs:spPr>
+      <a:noFill/>
+      <a:ln>
+        <a:noFill/>
+      </a:ln>
+    </cs:spPr>
+  </cs:wall>
+</cs:chartStyle>
+</file>
+
+<file path=ppt/charts/style2.xml><?xml version="1.0" encoding="utf-8"?>
+<cs:chartStyle xmlns:cs="http://schemas.microsoft.com/office/drawing/2012/chartStyle" xmlns:a="http://schemas.openxmlformats.org/drawingml/2006/main" id="251">
+  <cs:axisTitle>
+    <cs:lnRef idx="0"/>
+    <cs:fillRef idx="0"/>
+    <cs:effectRef idx="0"/>
+    <cs:fontRef idx="minor">
+      <a:schemeClr val="tx1">
+        <a:lumMod val="65000"/>
+        <a:lumOff val="35000"/>
+      </a:schemeClr>
+    </cs:fontRef>
+    <cs:defRPr sz="1330" kern="1200"/>
+  </cs:axisTitle>
+  <cs:categoryAxis>
+    <cs:lnRef idx="0"/>
+    <cs:fillRef idx="0"/>
+    <cs:effectRef idx="0"/>
+    <cs:fontRef idx="minor">
+      <a:schemeClr val="tx1">
+        <a:lumMod val="65000"/>
+        <a:lumOff val="35000"/>
+      </a:schemeClr>
+    </cs:fontRef>
+    <cs:spPr>
+      <a:ln w="9525" cap="flat" cmpd="sng" algn="ctr">
+        <a:solidFill>
+          <a:schemeClr val="tx1">
+            <a:lumMod val="15000"/>
+            <a:lumOff val="85000"/>
+          </a:schemeClr>
+        </a:solidFill>
+        <a:round/>
+      </a:ln>
+    </cs:spPr>
+    <cs:defRPr sz="1197" kern="1200"/>
+  </cs:categoryAxis>
+  <cs:chartArea mods="allowNoFillOverride allowNoLineOverride">
+    <cs:lnRef idx="0"/>
+    <cs:fillRef idx="0"/>
+    <cs:effectRef idx="0"/>
+    <cs:fontRef idx="minor">
+      <a:schemeClr val="tx1"/>
+    </cs:fontRef>
+    <cs:spPr>
+      <a:solidFill>
+        <a:schemeClr val="bg1"/>
+      </a:solidFill>
+      <a:ln w="9525" cap="flat" cmpd="sng" algn="ctr">
+        <a:solidFill>
+          <a:schemeClr val="tx1">
+            <a:lumMod val="15000"/>
+            <a:lumOff val="85000"/>
+          </a:schemeClr>
+        </a:solidFill>
+        <a:round/>
+      </a:ln>
+    </cs:spPr>
+    <cs:defRPr sz="1197" kern="1200"/>
+  </cs:chartArea>
+  <cs:dataLabel>
+    <cs:lnRef idx="0"/>
+    <cs:fillRef idx="0"/>
+    <cs:effectRef idx="0"/>
+    <cs:fontRef idx="minor">
+      <a:schemeClr val="tx1">
+        <a:lumMod val="75000"/>
+        <a:lumOff val="25000"/>
+      </a:schemeClr>
+    </cs:fontRef>
+    <cs:defRPr sz="1197" kern="1200"/>
+  </cs:dataLabel>
+  <cs:dataLabelCallout>
+    <cs:lnRef idx="0"/>
+    <cs:fillRef idx="0"/>
+    <cs:effectRef idx="0"/>
+    <cs:fontRef idx="minor">
+      <a:schemeClr val="dk1">
+        <a:lumMod val="65000"/>
+        <a:lumOff val="35000"/>
+      </a:schemeClr>
+    </cs:fontRef>
+    <cs:spPr>
+      <a:solidFill>
+        <a:schemeClr val="lt1"/>
+      </a:solidFill>
+      <a:ln>
+        <a:solidFill>
+          <a:schemeClr val="dk1">
+            <a:lumMod val="25000"/>
+            <a:lumOff val="75000"/>
+          </a:schemeClr>
+        </a:solidFill>
+      </a:ln>
+    </cs:spPr>
+    <cs:defRPr sz="1197" kern="1200"/>
+    <cs:bodyPr rot="0" spcFirstLastPara="1" vertOverflow="clip" horzOverflow="clip" vert="horz" wrap="square" lIns="36576" tIns="18288" rIns="36576" bIns="18288" anchor="ctr" anchorCtr="1">
+      <a:spAutoFit/>
+    </cs:bodyPr>
+  </cs:dataLabelCallout>
+  <cs:dataPoint>
+    <cs:lnRef idx="0"/>
+    <cs:fillRef idx="1">
+      <cs:styleClr val="auto"/>
+    </cs:fillRef>
+    <cs:effectRef idx="0"/>
+    <cs:fontRef idx="minor">
+      <a:schemeClr val="tx1"/>
+    </cs:fontRef>
+    <cs:spPr>
+      <a:ln w="19050">
+        <a:solidFill>
+          <a:schemeClr val="lt1"/>
+        </a:solidFill>
+      </a:ln>
+    </cs:spPr>
+  </cs:dataPoint>
+  <cs:dataPoint3D>
+    <cs:lnRef idx="0"/>
+    <cs:fillRef idx="1">
+      <cs:styleClr val="auto"/>
+    </cs:fillRef>
+    <cs:effectRef idx="0"/>
+    <cs:fontRef idx="minor">
+      <a:schemeClr val="tx1"/>
+    </cs:fontRef>
+    <cs:spPr>
+      <a:ln w="25400">
+        <a:solidFill>
+          <a:schemeClr val="lt1"/>
+        </a:solidFill>
+      </a:ln>
+    </cs:spPr>
+  </cs:dataPoint3D>
+  <cs:dataPointLine>
+    <cs:lnRef idx="0">
+      <cs:styleClr val="auto"/>
+    </cs:lnRef>
+    <cs:fillRef idx="0"/>
+    <cs:effectRef idx="0"/>
+    <cs:fontRef idx="minor">
+      <a:schemeClr val="tx1"/>
+    </cs:fontRef>
+    <cs:spPr>
+      <a:ln w="28575" cap="rnd">
+        <a:solidFill>
+          <a:schemeClr val="phClr"/>
+        </a:solidFill>
+        <a:round/>
+      </a:ln>
+    </cs:spPr>
+  </cs:dataPointLine>
+  <cs:dataPointMarker>
+    <cs:lnRef idx="0">
+      <cs:styleClr val="auto"/>
+    </cs:lnRef>
+    <cs:fillRef idx="1">
+      <cs:styleClr val="auto"/>
+    </cs:fillRef>
+    <cs:effectRef idx="0"/>
+    <cs:fontRef idx="minor">
+      <a:schemeClr val="tx1"/>
+    </cs:fontRef>
+    <cs:spPr>
+      <a:ln w="9525">
+        <a:solidFill>
+          <a:schemeClr val="phClr"/>
+        </a:solidFill>
+      </a:ln>
+    </cs:spPr>
+  </cs:dataPointMarker>
+  <cs:dataPointMarkerLayout symbol="circle" size="5"/>
+  <cs:dataPointWireframe>
+    <cs:lnRef idx="0">
+      <cs:styleClr val="auto"/>
+    </cs:lnRef>
+    <cs:fillRef idx="0"/>
+    <cs:effectRef idx="0"/>
+    <cs:fontRef idx="minor">
+      <a:schemeClr val="tx1"/>
+    </cs:fontRef>
+    <cs:spPr>
+      <a:ln w="9525" cap="rnd">
+        <a:solidFill>
+          <a:schemeClr val="phClr"/>
+        </a:solidFill>
+        <a:round/>
+      </a:ln>
+    </cs:spPr>
+  </cs:dataPointWireframe>
+  <cs:dataTable>
+    <cs:lnRef idx="0"/>
+    <cs:fillRef idx="0"/>
+    <cs:effectRef idx="0"/>
+    <cs:fontRef idx="minor">
+      <a:schemeClr val="tx1">
+        <a:lumMod val="65000"/>
+        <a:lumOff val="35000"/>
+      </a:schemeClr>
+    </cs:fontRef>
+    <cs:spPr>
+      <a:noFill/>
+      <a:ln w="9525" cap="flat" cmpd="sng" algn="ctr">
+        <a:solidFill>
+          <a:schemeClr val="tx1">
+            <a:lumMod val="15000"/>
+            <a:lumOff val="85000"/>
+          </a:schemeClr>
+        </a:solidFill>
+        <a:round/>
+      </a:ln>
+    </cs:spPr>
+    <cs:defRPr sz="1197" kern="1200"/>
+  </cs:dataTable>
+  <cs:downBar>
+    <cs:lnRef idx="0"/>
+    <cs:fillRef idx="0"/>
+    <cs:effectRef idx="0"/>
+    <cs:fontRef idx="minor">
+      <a:schemeClr val="tx1"/>
+    </cs:fontRef>
+    <cs:spPr>
+      <a:solidFill>
+        <a:schemeClr val="dk1">
+          <a:lumMod val="75000"/>
+          <a:lumOff val="25000"/>
+        </a:schemeClr>
+      </a:solidFill>
+      <a:ln w="9525" cap="flat" cmpd="sng" algn="ctr">
+        <a:solidFill>
+          <a:schemeClr val="tx1">
+            <a:lumMod val="65000"/>
+            <a:lumOff val="35000"/>
+          </a:schemeClr>
+        </a:solidFill>
+        <a:round/>
+      </a:ln>
+    </cs:spPr>
+  </cs:downBar>
+  <cs:dropLine>
+    <cs:lnRef idx="0"/>
+    <cs:fillRef idx="0"/>
+    <cs:effectRef idx="0"/>
+    <cs:fontRef idx="minor">
+      <a:schemeClr val="tx1"/>
+    </cs:fontRef>
+    <cs:spPr>
+      <a:ln w="9525" cap="flat" cmpd="sng" algn="ctr">
+        <a:solidFill>
+          <a:schemeClr val="tx1">
+            <a:lumMod val="35000"/>
+            <a:lumOff val="65000"/>
+          </a:schemeClr>
+        </a:solidFill>
+        <a:round/>
+      </a:ln>
+    </cs:spPr>
+  </cs:dropLine>
+  <cs:errorBar>
+    <cs:lnRef idx="0"/>
+    <cs:fillRef idx="0"/>
+    <cs:effectRef idx="0"/>
+    <cs:fontRef idx="minor">
+      <a:schemeClr val="tx1"/>
+    </cs:fontRef>
+    <cs:spPr>
+      <a:ln w="9525" cap="flat" cmpd="sng" algn="ctr">
+        <a:solidFill>
+          <a:schemeClr val="tx1">
+            <a:lumMod val="65000"/>
+            <a:lumOff val="35000"/>
+          </a:schemeClr>
+        </a:solidFill>
+        <a:round/>
+      </a:ln>
+    </cs:spPr>
+  </cs:errorBar>
+  <cs:floor>
+    <cs:lnRef idx="0"/>
+    <cs:fillRef idx="0"/>
+    <cs:effectRef idx="0"/>
+    <cs:fontRef idx="minor">
+      <a:schemeClr val="tx1"/>
+    </cs:fontRef>
+    <cs:spPr>
+      <a:noFill/>
+      <a:ln>
+        <a:noFill/>
+      </a:ln>
+    </cs:spPr>
+  </cs:floor>
+  <cs:gridlineMajor>
+    <cs:lnRef idx="0"/>
+    <cs:fillRef idx="0"/>
+    <cs:effectRef idx="0"/>
+    <cs:fontRef idx="minor">
+      <a:schemeClr val="tx1"/>
+    </cs:fontRef>
+    <cs:spPr>
+      <a:ln w="9525" cap="flat" cmpd="sng" algn="ctr">
+        <a:solidFill>
+          <a:schemeClr val="tx1">
+            <a:lumMod val="15000"/>
+            <a:lumOff val="85000"/>
+          </a:schemeClr>
+        </a:solidFill>
+        <a:round/>
+      </a:ln>
+    </cs:spPr>
+  </cs:gridlineMajor>
+  <cs:gridlineMinor>
+    <cs:lnRef idx="0"/>
+    <cs:fillRef idx="0"/>
+    <cs:effectRef idx="0"/>
+    <cs:fontRef idx="minor">
+      <a:schemeClr val="tx1"/>
+    </cs:fontRef>
+    <cs:spPr>
+      <a:ln w="9525" cap="flat" cmpd="sng" algn="ctr">
+        <a:solidFill>
+          <a:schemeClr val="tx1">
+            <a:lumMod val="5000"/>
+            <a:lumOff val="95000"/>
+          </a:schemeClr>
+        </a:solidFill>
+        <a:round/>
+      </a:ln>
+    </cs:spPr>
+  </cs:gridlineMinor>
+  <cs:hiLoLine>
+    <cs:lnRef idx="0"/>
+    <cs:fillRef idx="0"/>
+    <cs:effectRef idx="0"/>
+    <cs:fontRef idx="minor">
+      <a:schemeClr val="tx1"/>
+    </cs:fontRef>
+    <cs:spPr>
+      <a:ln w="9525" cap="flat" cmpd="sng" algn="ctr">
+        <a:solidFill>
+          <a:schemeClr val="tx1">
+            <a:lumMod val="50000"/>
+            <a:lumOff val="50000"/>
+          </a:schemeClr>
+        </a:solidFill>
+        <a:round/>
+      </a:ln>
+    </cs:spPr>
+  </cs:hiLoLine>
+  <cs:leaderLine>
+    <cs:lnRef idx="0"/>
+    <cs:fillRef idx="0"/>
+    <cs:effectRef idx="0"/>
+    <cs:fontRef idx="minor">
+      <a:schemeClr val="tx1"/>
+    </cs:fontRef>
+    <cs:spPr>
+      <a:ln w="9525" cap="flat" cmpd="sng" algn="ctr">
+        <a:solidFill>
+          <a:schemeClr val="tx1">
+            <a:lumMod val="35000"/>
+            <a:lumOff val="65000"/>
+          </a:schemeClr>
+        </a:solidFill>
+        <a:round/>
+      </a:ln>
+    </cs:spPr>
+  </cs:leaderLine>
+  <cs:legend>
+    <cs:lnRef idx="0"/>
+    <cs:fillRef idx="0"/>
+    <cs:effectRef idx="0"/>
+    <cs:fontRef idx="minor">
+      <a:schemeClr val="tx1">
+        <a:lumMod val="65000"/>
+        <a:lumOff val="35000"/>
+      </a:schemeClr>
+    </cs:fontRef>
+    <cs:defRPr sz="1197" kern="1200"/>
+  </cs:legend>
+  <cs:plotArea mods="allowNoFillOverride allowNoLineOverride">
+    <cs:lnRef idx="0"/>
+    <cs:fillRef idx="0"/>
+    <cs:effectRef idx="0"/>
+    <cs:fontRef idx="minor">
+      <a:schemeClr val="tx1"/>
+    </cs:fontRef>
+  </cs:plotArea>
+  <cs:plotArea3D mods="allowNoFillOverride allowNoLineOverride">
+    <cs:lnRef idx="0"/>
+    <cs:fillRef idx="0"/>
+    <cs:effectRef idx="0"/>
+    <cs:fontRef idx="minor">
+      <a:schemeClr val="tx1"/>
+    </cs:fontRef>
+  </cs:plotArea3D>
+  <cs:seriesAxis>
+    <cs:lnRef idx="0"/>
+    <cs:fillRef idx="0"/>
+    <cs:effectRef idx="0"/>
+    <cs:fontRef idx="minor">
+      <a:schemeClr val="tx1">
+        <a:lumMod val="65000"/>
+        <a:lumOff val="35000"/>
+      </a:schemeClr>
+    </cs:fontRef>
+    <cs:defRPr sz="1197" kern="1200"/>
+  </cs:seriesAxis>
+  <cs:seriesLine>
+    <cs:lnRef idx="0"/>
+    <cs:fillRef idx="0"/>
+    <cs:effectRef idx="0"/>
+    <cs:fontRef idx="minor">
+      <a:schemeClr val="tx1"/>
+    </cs:fontRef>
+    <cs:spPr>
+      <a:ln w="9525" cap="flat" cmpd="sng" algn="ctr">
+        <a:solidFill>
+          <a:schemeClr val="tx1">
+            <a:lumMod val="35000"/>
+            <a:lumOff val="65000"/>
+          </a:schemeClr>
+        </a:solidFill>
+        <a:round/>
+      </a:ln>
+    </cs:spPr>
+  </cs:seriesLine>
+  <cs:title>
+    <cs:lnRef idx="0"/>
+    <cs:fillRef idx="0"/>
+    <cs:effectRef idx="0"/>
+    <cs:fontRef idx="minor">
+      <a:schemeClr val="tx1">
+        <a:lumMod val="65000"/>
+        <a:lumOff val="35000"/>
+      </a:schemeClr>
+    </cs:fontRef>
+    <cs:defRPr sz="1862" b="0" kern="1200" spc="0" baseline="0"/>
+  </cs:title>
+  <cs:trendline>
+    <cs:lnRef idx="0">
+      <cs:styleClr val="auto"/>
+    </cs:lnRef>
+    <cs:fillRef idx="0"/>
+    <cs:effectRef idx="0"/>
+    <cs:fontRef idx="minor">
+      <a:schemeClr val="tx1"/>
+    </cs:fontRef>
+    <cs:spPr>
+      <a:ln w="19050" cap="rnd">
+        <a:solidFill>
+          <a:schemeClr val="phClr"/>
+        </a:solidFill>
+        <a:prstDash val="sysDot"/>
+      </a:ln>
+    </cs:spPr>
+  </cs:trendline>
+  <cs:trendlineLabel>
+    <cs:lnRef idx="0"/>
+    <cs:fillRef idx="0"/>
+    <cs:effectRef idx="0"/>
+    <cs:fontRef idx="minor">
+      <a:schemeClr val="tx1">
+        <a:lumMod val="65000"/>
+        <a:lumOff val="35000"/>
+      </a:schemeClr>
+    </cs:fontRef>
+    <cs:defRPr sz="1197" kern="1200"/>
+  </cs:trendlineLabel>
+  <cs:upBar>
+    <cs:lnRef idx="0"/>
+    <cs:fillRef idx="0"/>
+    <cs:effectRef idx="0"/>
+    <cs:fontRef idx="minor">
+      <a:schemeClr val="tx1"/>
+    </cs:fontRef>
+    <cs:spPr>
+      <a:solidFill>
+        <a:schemeClr val="lt1"/>
+      </a:solidFill>
+      <a:ln w="9525" cap="flat" cmpd="sng" algn="ctr">
+        <a:solidFill>
+          <a:schemeClr val="tx1">
+            <a:lumMod val="65000"/>
+            <a:lumOff val="35000"/>
+          </a:schemeClr>
+        </a:solidFill>
+        <a:round/>
+      </a:ln>
+    </cs:spPr>
+  </cs:upBar>
+  <cs:valueAxis>
+    <cs:lnRef idx="0"/>
+    <cs:fillRef idx="0"/>
+    <cs:effectRef idx="0"/>
+    <cs:fontRef idx="minor">
+      <a:schemeClr val="tx1">
+        <a:lumMod val="65000"/>
+        <a:lumOff val="35000"/>
+      </a:schemeClr>
+    </cs:fontRef>
+    <cs:defRPr sz="1197" kern="1200"/>
+  </cs:valueAxis>
+  <cs:wall>
+    <cs:lnRef idx="0"/>
+    <cs:fillRef idx="0"/>
+    <cs:effectRef idx="0"/>
+    <cs:fontRef idx="minor">
+      <a:schemeClr val="tx1"/>
+    </cs:fontRef>
+    <cs:spPr>
+      <a:noFill/>
+      <a:ln>
+        <a:noFill/>
+      </a:ln>
+    </cs:spPr>
+  </cs:wall>
+</cs:chartStyle>
+</file>
+
+<file path=ppt/charts/style3.xml><?xml version="1.0" encoding="utf-8"?>
+<cs:chartStyle xmlns:cs="http://schemas.microsoft.com/office/drawing/2012/chartStyle" xmlns:a="http://schemas.openxmlformats.org/drawingml/2006/main" id="251">
+  <cs:axisTitle>
+    <cs:lnRef idx="0"/>
+    <cs:fillRef idx="0"/>
+    <cs:effectRef idx="0"/>
+    <cs:fontRef idx="minor">
+      <a:schemeClr val="tx1">
+        <a:lumMod val="65000"/>
+        <a:lumOff val="35000"/>
+      </a:schemeClr>
+    </cs:fontRef>
+    <cs:defRPr sz="1330" kern="1200"/>
+  </cs:axisTitle>
+  <cs:categoryAxis>
+    <cs:lnRef idx="0"/>
+    <cs:fillRef idx="0"/>
+    <cs:effectRef idx="0"/>
+    <cs:fontRef idx="minor">
+      <a:schemeClr val="tx1">
+        <a:lumMod val="65000"/>
+        <a:lumOff val="35000"/>
+      </a:schemeClr>
+    </cs:fontRef>
+    <cs:spPr>
+      <a:ln w="9525" cap="flat" cmpd="sng" algn="ctr">
+        <a:solidFill>
+          <a:schemeClr val="tx1">
+            <a:lumMod val="15000"/>
+            <a:lumOff val="85000"/>
+          </a:schemeClr>
+        </a:solidFill>
+        <a:round/>
+      </a:ln>
+    </cs:spPr>
+    <cs:defRPr sz="1197" kern="1200"/>
+  </cs:categoryAxis>
+  <cs:chartArea mods="allowNoFillOverride allowNoLineOverride">
+    <cs:lnRef idx="0"/>
+    <cs:fillRef idx="0"/>
+    <cs:effectRef idx="0"/>
+    <cs:fontRef idx="minor">
+      <a:schemeClr val="tx1"/>
+    </cs:fontRef>
+    <cs:spPr>
+      <a:solidFill>
+        <a:schemeClr val="bg1"/>
+      </a:solidFill>
+      <a:ln w="9525" cap="flat" cmpd="sng" algn="ctr">
+        <a:solidFill>
+          <a:schemeClr val="tx1">
+            <a:lumMod val="15000"/>
+            <a:lumOff val="85000"/>
+          </a:schemeClr>
+        </a:solidFill>
+        <a:round/>
+      </a:ln>
+    </cs:spPr>
+    <cs:defRPr sz="1197" kern="1200"/>
+  </cs:chartArea>
+  <cs:dataLabel>
+    <cs:lnRef idx="0"/>
+    <cs:fillRef idx="0"/>
+    <cs:effectRef idx="0"/>
+    <cs:fontRef idx="minor">
+      <a:schemeClr val="tx1">
+        <a:lumMod val="75000"/>
+        <a:lumOff val="25000"/>
+      </a:schemeClr>
+    </cs:fontRef>
+    <cs:defRPr sz="1197" kern="1200"/>
+  </cs:dataLabel>
+  <cs:dataLabelCallout>
+    <cs:lnRef idx="0"/>
+    <cs:fillRef idx="0"/>
+    <cs:effectRef idx="0"/>
+    <cs:fontRef idx="minor">
+      <a:schemeClr val="dk1">
+        <a:lumMod val="65000"/>
+        <a:lumOff val="35000"/>
+      </a:schemeClr>
+    </cs:fontRef>
+    <cs:spPr>
+      <a:solidFill>
+        <a:schemeClr val="lt1"/>
+      </a:solidFill>
+      <a:ln>
+        <a:solidFill>
+          <a:schemeClr val="dk1">
+            <a:lumMod val="25000"/>
+            <a:lumOff val="75000"/>
+          </a:schemeClr>
+        </a:solidFill>
+      </a:ln>
+    </cs:spPr>
+    <cs:defRPr sz="1197" kern="1200"/>
+    <cs:bodyPr rot="0" spcFirstLastPara="1" vertOverflow="clip" horzOverflow="clip" vert="horz" wrap="square" lIns="36576" tIns="18288" rIns="36576" bIns="18288" anchor="ctr" anchorCtr="1">
+      <a:spAutoFit/>
+    </cs:bodyPr>
+  </cs:dataLabelCallout>
+  <cs:dataPoint>
+    <cs:lnRef idx="0"/>
+    <cs:fillRef idx="1">
+      <cs:styleClr val="auto"/>
+    </cs:fillRef>
+    <cs:effectRef idx="0"/>
+    <cs:fontRef idx="minor">
+      <a:schemeClr val="tx1"/>
+    </cs:fontRef>
+    <cs:spPr>
+      <a:ln w="19050">
+        <a:solidFill>
+          <a:schemeClr val="lt1"/>
+        </a:solidFill>
+      </a:ln>
+    </cs:spPr>
+  </cs:dataPoint>
+  <cs:dataPoint3D>
+    <cs:lnRef idx="0"/>
+    <cs:fillRef idx="1">
+      <cs:styleClr val="auto"/>
+    </cs:fillRef>
+    <cs:effectRef idx="0"/>
+    <cs:fontRef idx="minor">
+      <a:schemeClr val="tx1"/>
+    </cs:fontRef>
+    <cs:spPr>
+      <a:ln w="25400">
+        <a:solidFill>
+          <a:schemeClr val="lt1"/>
+        </a:solidFill>
+      </a:ln>
+    </cs:spPr>
+  </cs:dataPoint3D>
+  <cs:dataPointLine>
+    <cs:lnRef idx="0">
+      <cs:styleClr val="auto"/>
+    </cs:lnRef>
+    <cs:fillRef idx="0"/>
+    <cs:effectRef idx="0"/>
+    <cs:fontRef idx="minor">
+      <a:schemeClr val="tx1"/>
+    </cs:fontRef>
+    <cs:spPr>
+      <a:ln w="28575" cap="rnd">
+        <a:solidFill>
+          <a:schemeClr val="phClr"/>
+        </a:solidFill>
+        <a:round/>
+      </a:ln>
+    </cs:spPr>
+  </cs:dataPointLine>
+  <cs:dataPointMarker>
+    <cs:lnRef idx="0">
+      <cs:styleClr val="auto"/>
+    </cs:lnRef>
+    <cs:fillRef idx="1">
+      <cs:styleClr val="auto"/>
+    </cs:fillRef>
+    <cs:effectRef idx="0"/>
+    <cs:fontRef idx="minor">
+      <a:schemeClr val="tx1"/>
+    </cs:fontRef>
+    <cs:spPr>
+      <a:ln w="9525">
+        <a:solidFill>
+          <a:schemeClr val="phClr"/>
+        </a:solidFill>
+      </a:ln>
+    </cs:spPr>
+  </cs:dataPointMarker>
+  <cs:dataPointMarkerLayout symbol="circle" size="5"/>
+  <cs:dataPointWireframe>
+    <cs:lnRef idx="0">
+      <cs:styleClr val="auto"/>
+    </cs:lnRef>
+    <cs:fillRef idx="0"/>
+    <cs:effectRef idx="0"/>
+    <cs:fontRef idx="minor">
+      <a:schemeClr val="tx1"/>
+    </cs:fontRef>
+    <cs:spPr>
+      <a:ln w="9525" cap="rnd">
+        <a:solidFill>
+          <a:schemeClr val="phClr"/>
+        </a:solidFill>
+        <a:round/>
+      </a:ln>
+    </cs:spPr>
+  </cs:dataPointWireframe>
+  <cs:dataTable>
+    <cs:lnRef idx="0"/>
+    <cs:fillRef idx="0"/>
+    <cs:effectRef idx="0"/>
+    <cs:fontRef idx="minor">
+      <a:schemeClr val="tx1">
+        <a:lumMod val="65000"/>
+        <a:lumOff val="35000"/>
+      </a:schemeClr>
+    </cs:fontRef>
+    <cs:spPr>
+      <a:noFill/>
+      <a:ln w="9525" cap="flat" cmpd="sng" algn="ctr">
+        <a:solidFill>
+          <a:schemeClr val="tx1">
+            <a:lumMod val="15000"/>
+            <a:lumOff val="85000"/>
+          </a:schemeClr>
+        </a:solidFill>
+        <a:round/>
+      </a:ln>
+    </cs:spPr>
+    <cs:defRPr sz="1197" kern="1200"/>
+  </cs:dataTable>
+  <cs:downBar>
+    <cs:lnRef idx="0"/>
+    <cs:fillRef idx="0"/>
+    <cs:effectRef idx="0"/>
+    <cs:fontRef idx="minor">
+      <a:schemeClr val="tx1"/>
+    </cs:fontRef>
+    <cs:spPr>
+      <a:solidFill>
+        <a:schemeClr val="dk1">
+          <a:lumMod val="75000"/>
+          <a:lumOff val="25000"/>
+        </a:schemeClr>
+      </a:solidFill>
+      <a:ln w="9525" cap="flat" cmpd="sng" algn="ctr">
+        <a:solidFill>
+          <a:schemeClr val="tx1">
+            <a:lumMod val="65000"/>
+            <a:lumOff val="35000"/>
+          </a:schemeClr>
+        </a:solidFill>
+        <a:round/>
+      </a:ln>
+    </cs:spPr>
+  </cs:downBar>
+  <cs:dropLine>
+    <cs:lnRef idx="0"/>
+    <cs:fillRef idx="0"/>
+    <cs:effectRef idx="0"/>
+    <cs:fontRef idx="minor">
+      <a:schemeClr val="tx1"/>
+    </cs:fontRef>
+    <cs:spPr>
+      <a:ln w="9525" cap="flat" cmpd="sng" algn="ctr">
+        <a:solidFill>
+          <a:schemeClr val="tx1">
+            <a:lumMod val="35000"/>
+            <a:lumOff val="65000"/>
+          </a:schemeClr>
+        </a:solidFill>
+        <a:round/>
+      </a:ln>
+    </cs:spPr>
+  </cs:dropLine>
+  <cs:errorBar>
+    <cs:lnRef idx="0"/>
+    <cs:fillRef idx="0"/>
+    <cs:effectRef idx="0"/>
+    <cs:fontRef idx="minor">
+      <a:schemeClr val="tx1"/>
+    </cs:fontRef>
+    <cs:spPr>
+      <a:ln w="9525" cap="flat" cmpd="sng" algn="ctr">
+        <a:solidFill>
+          <a:schemeClr val="tx1">
+            <a:lumMod val="65000"/>
+            <a:lumOff val="35000"/>
+          </a:schemeClr>
+        </a:solidFill>
+        <a:round/>
+      </a:ln>
+    </cs:spPr>
+  </cs:errorBar>
+  <cs:floor>
+    <cs:lnRef idx="0"/>
+    <cs:fillRef idx="0"/>
+    <cs:effectRef idx="0"/>
+    <cs:fontRef idx="minor">
+      <a:schemeClr val="tx1"/>
+    </cs:fontRef>
+    <cs:spPr>
+      <a:noFill/>
+      <a:ln>
+        <a:noFill/>
+      </a:ln>
+    </cs:spPr>
+  </cs:floor>
+  <cs:gridlineMajor>
+    <cs:lnRef idx="0"/>
+    <cs:fillRef idx="0"/>
+    <cs:effectRef idx="0"/>
+    <cs:fontRef idx="minor">
+      <a:schemeClr val="tx1"/>
+    </cs:fontRef>
+    <cs:spPr>
+      <a:ln w="9525" cap="flat" cmpd="sng" algn="ctr">
+        <a:solidFill>
+          <a:schemeClr val="tx1">
+            <a:lumMod val="15000"/>
+            <a:lumOff val="85000"/>
+          </a:schemeClr>
+        </a:solidFill>
+        <a:round/>
+      </a:ln>
+    </cs:spPr>
+  </cs:gridlineMajor>
+  <cs:gridlineMinor>
+    <cs:lnRef idx="0"/>
+    <cs:fillRef idx="0"/>
+    <cs:effectRef idx="0"/>
+    <cs:fontRef idx="minor">
+      <a:schemeClr val="tx1"/>
+    </cs:fontRef>
+    <cs:spPr>
+      <a:ln w="9525" cap="flat" cmpd="sng" algn="ctr">
+        <a:solidFill>
+          <a:schemeClr val="tx1">
+            <a:lumMod val="5000"/>
+            <a:lumOff val="95000"/>
+          </a:schemeClr>
+        </a:solidFill>
+        <a:round/>
+      </a:ln>
+    </cs:spPr>
+  </cs:gridlineMinor>
+  <cs:hiLoLine>
+    <cs:lnRef idx="0"/>
+    <cs:fillRef idx="0"/>
+    <cs:effectRef idx="0"/>
+    <cs:fontRef idx="minor">
+      <a:schemeClr val="tx1"/>
+    </cs:fontRef>
+    <cs:spPr>
+      <a:ln w="9525" cap="flat" cmpd="sng" algn="ctr">
+        <a:solidFill>
+          <a:schemeClr val="tx1">
+            <a:lumMod val="50000"/>
+            <a:lumOff val="50000"/>
+          </a:schemeClr>
+        </a:solidFill>
+        <a:round/>
+      </a:ln>
+    </cs:spPr>
+  </cs:hiLoLine>
+  <cs:leaderLine>
+    <cs:lnRef idx="0"/>
+    <cs:fillRef idx="0"/>
+    <cs:effectRef idx="0"/>
+    <cs:fontRef idx="minor">
+      <a:schemeClr val="tx1"/>
+    </cs:fontRef>
+    <cs:spPr>
+      <a:ln w="9525" cap="flat" cmpd="sng" algn="ctr">
+        <a:solidFill>
+          <a:schemeClr val="tx1">
+            <a:lumMod val="35000"/>
+            <a:lumOff val="65000"/>
+          </a:schemeClr>
+        </a:solidFill>
+        <a:round/>
+      </a:ln>
+    </cs:spPr>
+  </cs:leaderLine>
+  <cs:legend>
+    <cs:lnRef idx="0"/>
+    <cs:fillRef idx="0"/>
+    <cs:effectRef idx="0"/>
+    <cs:fontRef idx="minor">
+      <a:schemeClr val="tx1">
+        <a:lumMod val="65000"/>
+        <a:lumOff val="35000"/>
+      </a:schemeClr>
+    </cs:fontRef>
+    <cs:defRPr sz="1197" kern="1200"/>
+  </cs:legend>
+  <cs:plotArea mods="allowNoFillOverride allowNoLineOverride">
+    <cs:lnRef idx="0"/>
+    <cs:fillRef idx="0"/>
+    <cs:effectRef idx="0"/>
+    <cs:fontRef idx="minor">
+      <a:schemeClr val="tx1"/>
+    </cs:fontRef>
+  </cs:plotArea>
+  <cs:plotArea3D mods="allowNoFillOverride allowNoLineOverride">
+    <cs:lnRef idx="0"/>
+    <cs:fillRef idx="0"/>
+    <cs:effectRef idx="0"/>
+    <cs:fontRef idx="minor">
+      <a:schemeClr val="tx1"/>
+    </cs:fontRef>
+  </cs:plotArea3D>
+  <cs:seriesAxis>
+    <cs:lnRef idx="0"/>
+    <cs:fillRef idx="0"/>
+    <cs:effectRef idx="0"/>
+    <cs:fontRef idx="minor">
+      <a:schemeClr val="tx1">
+        <a:lumMod val="65000"/>
+        <a:lumOff val="35000"/>
+      </a:schemeClr>
+    </cs:fontRef>
+    <cs:defRPr sz="1197" kern="1200"/>
+  </cs:seriesAxis>
+  <cs:seriesLine>
+    <cs:lnRef idx="0"/>
+    <cs:fillRef idx="0"/>
+    <cs:effectRef idx="0"/>
+    <cs:fontRef idx="minor">
+      <a:schemeClr val="tx1"/>
+    </cs:fontRef>
+    <cs:spPr>
+      <a:ln w="9525" cap="flat" cmpd="sng" algn="ctr">
+        <a:solidFill>
+          <a:schemeClr val="tx1">
+            <a:lumMod val="35000"/>
+            <a:lumOff val="65000"/>
+          </a:schemeClr>
+        </a:solidFill>
+        <a:round/>
+      </a:ln>
+    </cs:spPr>
+  </cs:seriesLine>
+  <cs:title>
+    <cs:lnRef idx="0"/>
+    <cs:fillRef idx="0"/>
+    <cs:effectRef idx="0"/>
+    <cs:fontRef idx="minor">
+      <a:schemeClr val="tx1">
+        <a:lumMod val="65000"/>
+        <a:lumOff val="35000"/>
+      </a:schemeClr>
+    </cs:fontRef>
+    <cs:defRPr sz="1862" b="0" kern="1200" spc="0" baseline="0"/>
+  </cs:title>
+  <cs:trendline>
+    <cs:lnRef idx="0">
+      <cs:styleClr val="auto"/>
+    </cs:lnRef>
+    <cs:fillRef idx="0"/>
+    <cs:effectRef idx="0"/>
+    <cs:fontRef idx="minor">
+      <a:schemeClr val="tx1"/>
+    </cs:fontRef>
+    <cs:spPr>
+      <a:ln w="19050" cap="rnd">
+        <a:solidFill>
+          <a:schemeClr val="phClr"/>
+        </a:solidFill>
+        <a:prstDash val="sysDot"/>
+      </a:ln>
+    </cs:spPr>
+  </cs:trendline>
+  <cs:trendlineLabel>
+    <cs:lnRef idx="0"/>
+    <cs:fillRef idx="0"/>
+    <cs:effectRef idx="0"/>
+    <cs:fontRef idx="minor">
+      <a:schemeClr val="tx1">
+        <a:lumMod val="65000"/>
+        <a:lumOff val="35000"/>
+      </a:schemeClr>
+    </cs:fontRef>
+    <cs:defRPr sz="1197" kern="1200"/>
+  </cs:trendlineLabel>
+  <cs:upBar>
+    <cs:lnRef idx="0"/>
+    <cs:fillRef idx="0"/>
+    <cs:effectRef idx="0"/>
+    <cs:fontRef idx="minor">
+      <a:schemeClr val="tx1"/>
+    </cs:fontRef>
+    <cs:spPr>
+      <a:solidFill>
+        <a:schemeClr val="lt1"/>
+      </a:solidFill>
+      <a:ln w="9525" cap="flat" cmpd="sng" algn="ctr">
+        <a:solidFill>
+          <a:schemeClr val="tx1">
+            <a:lumMod val="65000"/>
+            <a:lumOff val="35000"/>
+          </a:schemeClr>
+        </a:solidFill>
+        <a:round/>
+      </a:ln>
+    </cs:spPr>
+  </cs:upBar>
+  <cs:valueAxis>
+    <cs:lnRef idx="0"/>
+    <cs:fillRef idx="0"/>
+    <cs:effectRef idx="0"/>
+    <cs:fontRef idx="minor">
+      <a:schemeClr val="tx1">
+        <a:lumMod val="65000"/>
+        <a:lumOff val="35000"/>
+      </a:schemeClr>
+    </cs:fontRef>
+    <cs:defRPr sz="1197" kern="1200"/>
+  </cs:valueAxis>
+  <cs:wall>
+    <cs:lnRef idx="0"/>
+    <cs:fillRef idx="0"/>
+    <cs:effectRef idx="0"/>
+    <cs:fontRef idx="minor">
+      <a:schemeClr val="tx1"/>
+    </cs:fontRef>
+    <cs:spPr>
+      <a:noFill/>
+      <a:ln>
+        <a:noFill/>
+      </a:ln>
+    </cs:spPr>
+  </cs:wall>
+</cs:chartStyle>
+</file>
+
+<file path=ppt/charts/style4.xml><?xml version="1.0" encoding="utf-8"?>
+<cs:chartStyle xmlns:cs="http://schemas.microsoft.com/office/drawing/2012/chartStyle" xmlns:a="http://schemas.openxmlformats.org/drawingml/2006/main" id="251">
+  <cs:axisTitle>
+    <cs:lnRef idx="0"/>
+    <cs:fillRef idx="0"/>
+    <cs:effectRef idx="0"/>
+    <cs:fontRef idx="minor">
+      <a:schemeClr val="tx1">
+        <a:lumMod val="65000"/>
+        <a:lumOff val="35000"/>
+      </a:schemeClr>
+    </cs:fontRef>
+    <cs:defRPr sz="1330" kern="1200"/>
+  </cs:axisTitle>
+  <cs:categoryAxis>
+    <cs:lnRef idx="0"/>
+    <cs:fillRef idx="0"/>
+    <cs:effectRef idx="0"/>
+    <cs:fontRef idx="minor">
+      <a:schemeClr val="tx1">
+        <a:lumMod val="65000"/>
+        <a:lumOff val="35000"/>
+      </a:schemeClr>
+    </cs:fontRef>
+    <cs:spPr>
+      <a:ln w="9525" cap="flat" cmpd="sng" algn="ctr">
+        <a:solidFill>
+          <a:schemeClr val="tx1">
+            <a:lumMod val="15000"/>
+            <a:lumOff val="85000"/>
+          </a:schemeClr>
+        </a:solidFill>
+        <a:round/>
+      </a:ln>
+    </cs:spPr>
+    <cs:defRPr sz="1197" kern="1200"/>
+  </cs:categoryAxis>
+  <cs:chartArea mods="allowNoFillOverride allowNoLineOverride">
+    <cs:lnRef idx="0"/>
+    <cs:fillRef idx="0"/>
+    <cs:effectRef idx="0"/>
+    <cs:fontRef idx="minor">
+      <a:schemeClr val="tx1"/>
+    </cs:fontRef>
+    <cs:spPr>
+      <a:solidFill>
+        <a:schemeClr val="bg1"/>
+      </a:solidFill>
+      <a:ln w="9525" cap="flat" cmpd="sng" algn="ctr">
+        <a:solidFill>
+          <a:schemeClr val="tx1">
+            <a:lumMod val="15000"/>
+            <a:lumOff val="85000"/>
+          </a:schemeClr>
+        </a:solidFill>
+        <a:round/>
+      </a:ln>
+    </cs:spPr>
+    <cs:defRPr sz="1197" kern="1200"/>
+  </cs:chartArea>
+  <cs:dataLabel>
+    <cs:lnRef idx="0"/>
+    <cs:fillRef idx="0"/>
+    <cs:effectRef idx="0"/>
+    <cs:fontRef idx="minor">
+      <a:schemeClr val="tx1">
+        <a:lumMod val="75000"/>
+        <a:lumOff val="25000"/>
+      </a:schemeClr>
+    </cs:fontRef>
+    <cs:defRPr sz="1197" kern="1200"/>
+  </cs:dataLabel>
+  <cs:dataLabelCallout>
+    <cs:lnRef idx="0"/>
+    <cs:fillRef idx="0"/>
+    <cs:effectRef idx="0"/>
+    <cs:fontRef idx="minor">
+      <a:schemeClr val="dk1">
+        <a:lumMod val="65000"/>
+        <a:lumOff val="35000"/>
+      </a:schemeClr>
+    </cs:fontRef>
+    <cs:spPr>
+      <a:solidFill>
+        <a:schemeClr val="lt1"/>
+      </a:solidFill>
+      <a:ln>
+        <a:solidFill>
+          <a:schemeClr val="dk1">
+            <a:lumMod val="25000"/>
+            <a:lumOff val="75000"/>
+          </a:schemeClr>
+        </a:solidFill>
+      </a:ln>
+    </cs:spPr>
+    <cs:defRPr sz="1197" kern="1200"/>
+    <cs:bodyPr rot="0" spcFirstLastPara="1" vertOverflow="clip" horzOverflow="clip" vert="horz" wrap="square" lIns="36576" tIns="18288" rIns="36576" bIns="18288" anchor="ctr" anchorCtr="1">
+      <a:spAutoFit/>
+    </cs:bodyPr>
+  </cs:dataLabelCallout>
+  <cs:dataPoint>
+    <cs:lnRef idx="0"/>
+    <cs:fillRef idx="1">
+      <cs:styleClr val="auto"/>
+    </cs:fillRef>
+    <cs:effectRef idx="0"/>
+    <cs:fontRef idx="minor">
+      <a:schemeClr val="tx1"/>
+    </cs:fontRef>
+    <cs:spPr>
+      <a:ln w="19050">
+        <a:solidFill>
+          <a:schemeClr val="lt1"/>
+        </a:solidFill>
+      </a:ln>
+    </cs:spPr>
+  </cs:dataPoint>
+  <cs:dataPoint3D>
+    <cs:lnRef idx="0"/>
+    <cs:fillRef idx="1">
+      <cs:styleClr val="auto"/>
+    </cs:fillRef>
+    <cs:effectRef idx="0"/>
+    <cs:fontRef idx="minor">
+      <a:schemeClr val="tx1"/>
+    </cs:fontRef>
+    <cs:spPr>
+      <a:ln w="25400">
+        <a:solidFill>
+          <a:schemeClr val="lt1"/>
+        </a:solidFill>
+      </a:ln>
+    </cs:spPr>
+  </cs:dataPoint3D>
+  <cs:dataPointLine>
+    <cs:lnRef idx="0">
+      <cs:styleClr val="auto"/>
+    </cs:lnRef>
+    <cs:fillRef idx="0"/>
+    <cs:effectRef idx="0"/>
+    <cs:fontRef idx="minor">
+      <a:schemeClr val="tx1"/>
+    </cs:fontRef>
+    <cs:spPr>
+      <a:ln w="28575" cap="rnd">
+        <a:solidFill>
+          <a:schemeClr val="phClr"/>
+        </a:solidFill>
+        <a:round/>
+      </a:ln>
+    </cs:spPr>
+  </cs:dataPointLine>
+  <cs:dataPointMarker>
+    <cs:lnRef idx="0">
+      <cs:styleClr val="auto"/>
+    </cs:lnRef>
+    <cs:fillRef idx="1">
+      <cs:styleClr val="auto"/>
+    </cs:fillRef>
+    <cs:effectRef idx="0"/>
+    <cs:fontRef idx="minor">
+      <a:schemeClr val="tx1"/>
+    </cs:fontRef>
+    <cs:spPr>
+      <a:ln w="9525">
+        <a:solidFill>
+          <a:schemeClr val="phClr"/>
+        </a:solidFill>
+      </a:ln>
+    </cs:spPr>
+  </cs:dataPointMarker>
+  <cs:dataPointMarkerLayout symbol="circle" size="5"/>
+  <cs:dataPointWireframe>
+    <cs:lnRef idx="0">
+      <cs:styleClr val="auto"/>
+    </cs:lnRef>
+    <cs:fillRef idx="0"/>
+    <cs:effectRef idx="0"/>
+    <cs:fontRef idx="minor">
+      <a:schemeClr val="tx1"/>
+    </cs:fontRef>
+    <cs:spPr>
+      <a:ln w="9525" cap="rnd">
+        <a:solidFill>
+          <a:schemeClr val="phClr"/>
+        </a:solidFill>
+        <a:round/>
+      </a:ln>
+    </cs:spPr>
+  </cs:dataPointWireframe>
+  <cs:dataTable>
+    <cs:lnRef idx="0"/>
+    <cs:fillRef idx="0"/>
+    <cs:effectRef idx="0"/>
+    <cs:fontRef idx="minor">
+      <a:schemeClr val="tx1">
+        <a:lumMod val="65000"/>
+        <a:lumOff val="35000"/>
+      </a:schemeClr>
+    </cs:fontRef>
+    <cs:spPr>
+      <a:noFill/>
+      <a:ln w="9525" cap="flat" cmpd="sng" algn="ctr">
+        <a:solidFill>
+          <a:schemeClr val="tx1">
+            <a:lumMod val="15000"/>
+            <a:lumOff val="85000"/>
+          </a:schemeClr>
+        </a:solidFill>
+        <a:round/>
+      </a:ln>
+    </cs:spPr>
+    <cs:defRPr sz="1197" kern="1200"/>
+  </cs:dataTable>
+  <cs:downBar>
+    <cs:lnRef idx="0"/>
+    <cs:fillRef idx="0"/>
+    <cs:effectRef idx="0"/>
+    <cs:fontRef idx="minor">
+      <a:schemeClr val="tx1"/>
+    </cs:fontRef>
+    <cs:spPr>
+      <a:solidFill>
+        <a:schemeClr val="dk1">
+          <a:lumMod val="75000"/>
+          <a:lumOff val="25000"/>
+        </a:schemeClr>
+      </a:solidFill>
+      <a:ln w="9525" cap="flat" cmpd="sng" algn="ctr">
+        <a:solidFill>
+          <a:schemeClr val="tx1">
+            <a:lumMod val="65000"/>
+            <a:lumOff val="35000"/>
+          </a:schemeClr>
+        </a:solidFill>
+        <a:round/>
+      </a:ln>
+    </cs:spPr>
+  </cs:downBar>
+  <cs:dropLine>
+    <cs:lnRef idx="0"/>
+    <cs:fillRef idx="0"/>
+    <cs:effectRef idx="0"/>
+    <cs:fontRef idx="minor">
+      <a:schemeClr val="tx1"/>
+    </cs:fontRef>
+    <cs:spPr>
+      <a:ln w="9525" cap="flat" cmpd="sng" algn="ctr">
+        <a:solidFill>
+          <a:schemeClr val="tx1">
+            <a:lumMod val="35000"/>
+            <a:lumOff val="65000"/>
+          </a:schemeClr>
+        </a:solidFill>
+        <a:round/>
+      </a:ln>
+    </cs:spPr>
+  </cs:dropLine>
+  <cs:errorBar>
+    <cs:lnRef idx="0"/>
+    <cs:fillRef idx="0"/>
+    <cs:effectRef idx="0"/>
+    <cs:fontRef idx="minor">
+      <a:schemeClr val="tx1"/>
+    </cs:fontRef>
+    <cs:spPr>
+      <a:ln w="9525" cap="flat" cmpd="sng" algn="ctr">
+        <a:solidFill>
+          <a:schemeClr val="tx1">
+            <a:lumMod val="65000"/>
+            <a:lumOff val="35000"/>
+          </a:schemeClr>
+        </a:solidFill>
+        <a:round/>
+      </a:ln>
+    </cs:spPr>
+  </cs:errorBar>
+  <cs:floor>
+    <cs:lnRef idx="0"/>
+    <cs:fillRef idx="0"/>
+    <cs:effectRef idx="0"/>
+    <cs:fontRef idx="minor">
+      <a:schemeClr val="tx1"/>
+    </cs:fontRef>
+    <cs:spPr>
+      <a:noFill/>
+      <a:ln>
+        <a:noFill/>
+      </a:ln>
+    </cs:spPr>
+  </cs:floor>
+  <cs:gridlineMajor>
+    <cs:lnRef idx="0"/>
+    <cs:fillRef idx="0"/>
+    <cs:effectRef idx="0"/>
+    <cs:fontRef idx="minor">
+      <a:schemeClr val="tx1"/>
+    </cs:fontRef>
+    <cs:spPr>
+      <a:ln w="9525" cap="flat" cmpd="sng" algn="ctr">
+        <a:solidFill>
+          <a:schemeClr val="tx1">
+            <a:lumMod val="15000"/>
+            <a:lumOff val="85000"/>
+          </a:schemeClr>
+        </a:solidFill>
+        <a:round/>
+      </a:ln>
+    </cs:spPr>
+  </cs:gridlineMajor>
+  <cs:gridlineMinor>
+    <cs:lnRef idx="0"/>
+    <cs:fillRef idx="0"/>
+    <cs:effectRef idx="0"/>
+    <cs:fontRef idx="minor">
+      <a:schemeClr val="tx1"/>
+    </cs:fontRef>
+    <cs:spPr>
+      <a:ln w="9525" cap="flat" cmpd="sng" algn="ctr">
+        <a:solidFill>
+          <a:schemeClr val="tx1">
+            <a:lumMod val="5000"/>
+            <a:lumOff val="95000"/>
+          </a:schemeClr>
+        </a:solidFill>
+        <a:round/>
+      </a:ln>
+    </cs:spPr>
+  </cs:gridlineMinor>
+  <cs:hiLoLine>
+    <cs:lnRef idx="0"/>
+    <cs:fillRef idx="0"/>
+    <cs:effectRef idx="0"/>
+    <cs:fontRef idx="minor">
+      <a:schemeClr val="tx1"/>
+    </cs:fontRef>
+    <cs:spPr>
+      <a:ln w="9525" cap="flat" cmpd="sng" algn="ctr">
+        <a:solidFill>
+          <a:schemeClr val="tx1">
+            <a:lumMod val="50000"/>
+            <a:lumOff val="50000"/>
+          </a:schemeClr>
+        </a:solidFill>
+        <a:round/>
+      </a:ln>
+    </cs:spPr>
+  </cs:hiLoLine>
+  <cs:leaderLine>
+    <cs:lnRef idx="0"/>
+    <cs:fillRef idx="0"/>
+    <cs:effectRef idx="0"/>
+    <cs:fontRef idx="minor">
+      <a:schemeClr val="tx1"/>
+    </cs:fontRef>
+    <cs:spPr>
+      <a:ln w="9525" cap="flat" cmpd="sng" algn="ctr">
+        <a:solidFill>
+          <a:schemeClr val="tx1">
+            <a:lumMod val="35000"/>
+            <a:lumOff val="65000"/>
+          </a:schemeClr>
+        </a:solidFill>
+        <a:round/>
+      </a:ln>
+    </cs:spPr>
+  </cs:leaderLine>
+  <cs:legend>
+    <cs:lnRef idx="0"/>
+    <cs:fillRef idx="0"/>
+    <cs:effectRef idx="0"/>
+    <cs:fontRef idx="minor">
+      <a:schemeClr val="tx1">
+        <a:lumMod val="65000"/>
+        <a:lumOff val="35000"/>
+      </a:schemeClr>
+    </cs:fontRef>
+    <cs:defRPr sz="1197" kern="1200"/>
+  </cs:legend>
+  <cs:plotArea mods="allowNoFillOverride allowNoLineOverride">
+    <cs:lnRef idx="0"/>
+    <cs:fillRef idx="0"/>
+    <cs:effectRef idx="0"/>
+    <cs:fontRef idx="minor">
+      <a:schemeClr val="tx1"/>
+    </cs:fontRef>
+  </cs:plotArea>
+  <cs:plotArea3D mods="allowNoFillOverride allowNoLineOverride">
+    <cs:lnRef idx="0"/>
+    <cs:fillRef idx="0"/>
+    <cs:effectRef idx="0"/>
+    <cs:fontRef idx="minor">
+      <a:schemeClr val="tx1"/>
+    </cs:fontRef>
+  </cs:plotArea3D>
+  <cs:seriesAxis>
+    <cs:lnRef idx="0"/>
+    <cs:fillRef idx="0"/>
+    <cs:effectRef idx="0"/>
+    <cs:fontRef idx="minor">
+      <a:schemeClr val="tx1">
+        <a:lumMod val="65000"/>
+        <a:lumOff val="35000"/>
+      </a:schemeClr>
+    </cs:fontRef>
+    <cs:defRPr sz="1197" kern="1200"/>
+  </cs:seriesAxis>
+  <cs:seriesLine>
+    <cs:lnRef idx="0"/>
+    <cs:fillRef idx="0"/>
+    <cs:effectRef idx="0"/>
+    <cs:fontRef idx="minor">
+      <a:schemeClr val="tx1"/>
+    </cs:fontRef>
+    <cs:spPr>
+      <a:ln w="9525" cap="flat" cmpd="sng" algn="ctr">
+        <a:solidFill>
+          <a:schemeClr val="tx1">
+            <a:lumMod val="35000"/>
+            <a:lumOff val="65000"/>
+          </a:schemeClr>
+        </a:solidFill>
+        <a:round/>
+      </a:ln>
+    </cs:spPr>
+  </cs:seriesLine>
+  <cs:title>
+    <cs:lnRef idx="0"/>
+    <cs:fillRef idx="0"/>
+    <cs:effectRef idx="0"/>
+    <cs:fontRef idx="minor">
+      <a:schemeClr val="tx1">
+        <a:lumMod val="65000"/>
+        <a:lumOff val="35000"/>
+      </a:schemeClr>
+    </cs:fontRef>
+    <cs:defRPr sz="1862" b="0" kern="1200" spc="0" baseline="0"/>
+  </cs:title>
+  <cs:trendline>
+    <cs:lnRef idx="0">
+      <cs:styleClr val="auto"/>
+    </cs:lnRef>
+    <cs:fillRef idx="0"/>
+    <cs:effectRef idx="0"/>
+    <cs:fontRef idx="minor">
+      <a:schemeClr val="tx1"/>
+    </cs:fontRef>
+    <cs:spPr>
+      <a:ln w="19050" cap="rnd">
+        <a:solidFill>
+          <a:schemeClr val="phClr"/>
+        </a:solidFill>
+        <a:prstDash val="sysDot"/>
+      </a:ln>
+    </cs:spPr>
+  </cs:trendline>
+  <cs:trendlineLabel>
+    <cs:lnRef idx="0"/>
+    <cs:fillRef idx="0"/>
+    <cs:effectRef idx="0"/>
+    <cs:fontRef idx="minor">
+      <a:schemeClr val="tx1">
+        <a:lumMod val="65000"/>
+        <a:lumOff val="35000"/>
+      </a:schemeClr>
+    </cs:fontRef>
+    <cs:defRPr sz="1197" kern="1200"/>
+  </cs:trendlineLabel>
+  <cs:upBar>
+    <cs:lnRef idx="0"/>
+    <cs:fillRef idx="0"/>
+    <cs:effectRef idx="0"/>
+    <cs:fontRef idx="minor">
+      <a:schemeClr val="tx1"/>
+    </cs:fontRef>
+    <cs:spPr>
+      <a:solidFill>
+        <a:schemeClr val="lt1"/>
+      </a:solidFill>
+      <a:ln w="9525" cap="flat" cmpd="sng" algn="ctr">
+        <a:solidFill>
+          <a:schemeClr val="tx1">
+            <a:lumMod val="65000"/>
+            <a:lumOff val="35000"/>
+          </a:schemeClr>
+        </a:solidFill>
+        <a:round/>
+      </a:ln>
+    </cs:spPr>
+  </cs:upBar>
+  <cs:valueAxis>
+    <cs:lnRef idx="0"/>
+    <cs:fillRef idx="0"/>
+    <cs:effectRef idx="0"/>
+    <cs:fontRef idx="minor">
+      <a:schemeClr val="tx1">
+        <a:lumMod val="65000"/>
+        <a:lumOff val="35000"/>
+      </a:schemeClr>
+    </cs:fontRef>
+    <cs:defRPr sz="1197" kern="1200"/>
+  </cs:valueAxis>
+  <cs:wall>
+    <cs:lnRef idx="0"/>
+    <cs:fillRef idx="0"/>
+    <cs:effectRef idx="0"/>
+    <cs:fontRef idx="minor">
+      <a:schemeClr val="tx1"/>
+    </cs:fontRef>
+    <cs:spPr>
+      <a:noFill/>
+      <a:ln>
+        <a:noFill/>
+      </a:ln>
+    </cs:spPr>
+  </cs:wall>
+</cs:chartStyle>
+</file>
+
+<file path=ppt/charts/style5.xml><?xml version="1.0" encoding="utf-8"?>
+<cs:chartStyle xmlns:cs="http://schemas.microsoft.com/office/drawing/2012/chartStyle" xmlns:a="http://schemas.openxmlformats.org/drawingml/2006/main" id="251">
+  <cs:axisTitle>
+    <cs:lnRef idx="0"/>
+    <cs:fillRef idx="0"/>
+    <cs:effectRef idx="0"/>
+    <cs:fontRef idx="minor">
+      <a:schemeClr val="tx1">
+        <a:lumMod val="65000"/>
+        <a:lumOff val="35000"/>
+      </a:schemeClr>
+    </cs:fontRef>
+    <cs:defRPr sz="1330" kern="1200"/>
+  </cs:axisTitle>
+  <cs:categoryAxis>
+    <cs:lnRef idx="0"/>
+    <cs:fillRef idx="0"/>
+    <cs:effectRef idx="0"/>
+    <cs:fontRef idx="minor">
+      <a:schemeClr val="tx1">
+        <a:lumMod val="65000"/>
+        <a:lumOff val="35000"/>
+      </a:schemeClr>
+    </cs:fontRef>
+    <cs:spPr>
+      <a:ln w="9525" cap="flat" cmpd="sng" algn="ctr">
+        <a:solidFill>
+          <a:schemeClr val="tx1">
+            <a:lumMod val="15000"/>
+            <a:lumOff val="85000"/>
+          </a:schemeClr>
+        </a:solidFill>
+        <a:round/>
+      </a:ln>
+    </cs:spPr>
+    <cs:defRPr sz="1197" kern="1200"/>
+  </cs:categoryAxis>
+  <cs:chartArea mods="allowNoFillOverride allowNoLineOverride">
+    <cs:lnRef idx="0"/>
+    <cs:fillRef idx="0"/>
+    <cs:effectRef idx="0"/>
+    <cs:fontRef idx="minor">
+      <a:schemeClr val="tx1"/>
+    </cs:fontRef>
+    <cs:spPr>
+      <a:solidFill>
+        <a:schemeClr val="bg1"/>
+      </a:solidFill>
+      <a:ln w="9525" cap="flat" cmpd="sng" algn="ctr">
+        <a:solidFill>
+          <a:schemeClr val="tx1">
+            <a:lumMod val="15000"/>
+            <a:lumOff val="85000"/>
+          </a:schemeClr>
+        </a:solidFill>
+        <a:round/>
+      </a:ln>
+    </cs:spPr>
+    <cs:defRPr sz="1197" kern="1200"/>
+  </cs:chartArea>
+  <cs:dataLabel>
+    <cs:lnRef idx="0"/>
+    <cs:fillRef idx="0"/>
+    <cs:effectRef idx="0"/>
+    <cs:fontRef idx="minor">
+      <a:schemeClr val="tx1">
+        <a:lumMod val="75000"/>
+        <a:lumOff val="25000"/>
+      </a:schemeClr>
+    </cs:fontRef>
+    <cs:defRPr sz="1197" kern="1200"/>
+  </cs:dataLabel>
+  <cs:dataLabelCallout>
+    <cs:lnRef idx="0"/>
+    <cs:fillRef idx="0"/>
+    <cs:effectRef idx="0"/>
+    <cs:fontRef idx="minor">
+      <a:schemeClr val="dk1">
+        <a:lumMod val="65000"/>
+        <a:lumOff val="35000"/>
+      </a:schemeClr>
+    </cs:fontRef>
+    <cs:spPr>
+      <a:solidFill>
+        <a:schemeClr val="lt1"/>
+      </a:solidFill>
+      <a:ln>
+        <a:solidFill>
+          <a:schemeClr val="dk1">
+            <a:lumMod val="25000"/>
+            <a:lumOff val="75000"/>
+          </a:schemeClr>
+        </a:solidFill>
+      </a:ln>
+    </cs:spPr>
+    <cs:defRPr sz="1197" kern="1200"/>
+    <cs:bodyPr rot="0" spcFirstLastPara="1" vertOverflow="clip" horzOverflow="clip" vert="horz" wrap="square" lIns="36576" tIns="18288" rIns="36576" bIns="18288" anchor="ctr" anchorCtr="1">
+      <a:spAutoFit/>
+    </cs:bodyPr>
+  </cs:dataLabelCallout>
+  <cs:dataPoint>
+    <cs:lnRef idx="0"/>
+    <cs:fillRef idx="1">
+      <cs:styleClr val="auto"/>
+    </cs:fillRef>
+    <cs:effectRef idx="0"/>
+    <cs:fontRef idx="minor">
+      <a:schemeClr val="tx1"/>
+    </cs:fontRef>
+    <cs:spPr>
+      <a:ln w="19050">
+        <a:solidFill>
+          <a:schemeClr val="lt1"/>
+        </a:solidFill>
+      </a:ln>
+    </cs:spPr>
+  </cs:dataPoint>
+  <cs:dataPoint3D>
+    <cs:lnRef idx="0"/>
+    <cs:fillRef idx="1">
+      <cs:styleClr val="auto"/>
+    </cs:fillRef>
+    <cs:effectRef idx="0"/>
+    <cs:fontRef idx="minor">
+      <a:schemeClr val="tx1"/>
+    </cs:fontRef>
+    <cs:spPr>
+      <a:ln w="25400">
+        <a:solidFill>
+          <a:schemeClr val="lt1"/>
+        </a:solidFill>
+      </a:ln>
+    </cs:spPr>
+  </cs:dataPoint3D>
+  <cs:dataPointLine>
+    <cs:lnRef idx="0">
+      <cs:styleClr val="auto"/>
+    </cs:lnRef>
+    <cs:fillRef idx="0"/>
+    <cs:effectRef idx="0"/>
+    <cs:fontRef idx="minor">
+      <a:schemeClr val="tx1"/>
+    </cs:fontRef>
+    <cs:spPr>
+      <a:ln w="28575" cap="rnd">
+        <a:solidFill>
+          <a:schemeClr val="phClr"/>
+        </a:solidFill>
+        <a:round/>
+      </a:ln>
+    </cs:spPr>
+  </cs:dataPointLine>
+  <cs:dataPointMarker>
+    <cs:lnRef idx="0">
+      <cs:styleClr val="auto"/>
+    </cs:lnRef>
+    <cs:fillRef idx="1">
+      <cs:styleClr val="auto"/>
+    </cs:fillRef>
+    <cs:effectRef idx="0"/>
+    <cs:fontRef idx="minor">
+      <a:schemeClr val="tx1"/>
+    </cs:fontRef>
+    <cs:spPr>
+      <a:ln w="9525">
+        <a:solidFill>
+          <a:schemeClr val="phClr"/>
+        </a:solidFill>
+      </a:ln>
+    </cs:spPr>
+  </cs:dataPointMarker>
+  <cs:dataPointMarkerLayout symbol="circle" size="5"/>
+  <cs:dataPointWireframe>
+    <cs:lnRef idx="0">
+      <cs:styleClr val="auto"/>
+    </cs:lnRef>
+    <cs:fillRef idx="0"/>
+    <cs:effectRef idx="0"/>
+    <cs:fontRef idx="minor">
+      <a:schemeClr val="tx1"/>
+    </cs:fontRef>
+    <cs:spPr>
+      <a:ln w="9525" cap="rnd">
+        <a:solidFill>
+          <a:schemeClr val="phClr"/>
+        </a:solidFill>
+        <a:round/>
+      </a:ln>
+    </cs:spPr>
+  </cs:dataPointWireframe>
+  <cs:dataTable>
+    <cs:lnRef idx="0"/>
+    <cs:fillRef idx="0"/>
+    <cs:effectRef idx="0"/>
+    <cs:fontRef idx="minor">
+      <a:schemeClr val="tx1">
+        <a:lumMod val="65000"/>
+        <a:lumOff val="35000"/>
+      </a:schemeClr>
+    </cs:fontRef>
+    <cs:spPr>
+      <a:noFill/>
+      <a:ln w="9525" cap="flat" cmpd="sng" algn="ctr">
+        <a:solidFill>
+          <a:schemeClr val="tx1">
+            <a:lumMod val="15000"/>
+            <a:lumOff val="85000"/>
+          </a:schemeClr>
+        </a:solidFill>
+        <a:round/>
+      </a:ln>
+    </cs:spPr>
+    <cs:defRPr sz="1197" kern="1200"/>
+  </cs:dataTable>
+  <cs:downBar>
+    <cs:lnRef idx="0"/>
+    <cs:fillRef idx="0"/>
+    <cs:effectRef idx="0"/>
+    <cs:fontRef idx="minor">
+      <a:schemeClr val="tx1"/>
+    </cs:fontRef>
+    <cs:spPr>
+      <a:solidFill>
+        <a:schemeClr val="dk1">
+          <a:lumMod val="75000"/>
+          <a:lumOff val="25000"/>
+        </a:schemeClr>
+      </a:solidFill>
+      <a:ln w="9525" cap="flat" cmpd="sng" algn="ctr">
+        <a:solidFill>
+          <a:schemeClr val="tx1">
+            <a:lumMod val="65000"/>
+            <a:lumOff val="35000"/>
+          </a:schemeClr>
+        </a:solidFill>
+        <a:round/>
+      </a:ln>
+    </cs:spPr>
+  </cs:downBar>
+  <cs:dropLine>
+    <cs:lnRef idx="0"/>
+    <cs:fillRef idx="0"/>
+    <cs:effectRef idx="0"/>
+    <cs:fontRef idx="minor">
+      <a:schemeClr val="tx1"/>
+    </cs:fontRef>
+    <cs:spPr>
+      <a:ln w="9525" cap="flat" cmpd="sng" algn="ctr">
+        <a:solidFill>
+          <a:schemeClr val="tx1">
+            <a:lumMod val="35000"/>
+            <a:lumOff val="65000"/>
+          </a:schemeClr>
+        </a:solidFill>
+        <a:round/>
+      </a:ln>
+    </cs:spPr>
+  </cs:dropLine>
+  <cs:errorBar>
+    <cs:lnRef idx="0"/>
+    <cs:fillRef idx="0"/>
+    <cs:effectRef idx="0"/>
+    <cs:fontRef idx="minor">
+      <a:schemeClr val="tx1"/>
+    </cs:fontRef>
+    <cs:spPr>
+      <a:ln w="9525" cap="flat" cmpd="sng" algn="ctr">
+        <a:solidFill>
+          <a:schemeClr val="tx1">
+            <a:lumMod val="65000"/>
+            <a:lumOff val="35000"/>
+          </a:schemeClr>
+        </a:solidFill>
+        <a:round/>
+      </a:ln>
+    </cs:spPr>
+  </cs:errorBar>
+  <cs:floor>
+    <cs:lnRef idx="0"/>
+    <cs:fillRef idx="0"/>
+    <cs:effectRef idx="0"/>
+    <cs:fontRef idx="minor">
+      <a:schemeClr val="tx1"/>
+    </cs:fontRef>
+    <cs:spPr>
+      <a:noFill/>
+      <a:ln>
+        <a:noFill/>
+      </a:ln>
+    </cs:spPr>
+  </cs:floor>
+  <cs:gridlineMajor>
+    <cs:lnRef idx="0"/>
+    <cs:fillRef idx="0"/>
+    <cs:effectRef idx="0"/>
+    <cs:fontRef idx="minor">
+      <a:schemeClr val="tx1"/>
+    </cs:fontRef>
+    <cs:spPr>
+      <a:ln w="9525" cap="flat" cmpd="sng" algn="ctr">
+        <a:solidFill>
+          <a:schemeClr val="tx1">
+            <a:lumMod val="15000"/>
+            <a:lumOff val="85000"/>
+          </a:schemeClr>
+        </a:solidFill>
+        <a:round/>
+      </a:ln>
+    </cs:spPr>
+  </cs:gridlineMajor>
+  <cs:gridlineMinor>
+    <cs:lnRef idx="0"/>
+    <cs:fillRef idx="0"/>
+    <cs:effectRef idx="0"/>
+    <cs:fontRef idx="minor">
+      <a:schemeClr val="tx1"/>
+    </cs:fontRef>
+    <cs:spPr>
+      <a:ln w="9525" cap="flat" cmpd="sng" algn="ctr">
+        <a:solidFill>
+          <a:schemeClr val="tx1">
+            <a:lumMod val="5000"/>
+            <a:lumOff val="95000"/>
+          </a:schemeClr>
+        </a:solidFill>
+        <a:round/>
+      </a:ln>
+    </cs:spPr>
+  </cs:gridlineMinor>
+  <cs:hiLoLine>
+    <cs:lnRef idx="0"/>
+    <cs:fillRef idx="0"/>
+    <cs:effectRef idx="0"/>
+    <cs:fontRef idx="minor">
+      <a:schemeClr val="tx1"/>
+    </cs:fontRef>
+    <cs:spPr>
+      <a:ln w="9525" cap="flat" cmpd="sng" algn="ctr">
+        <a:solidFill>
+          <a:schemeClr val="tx1">
+            <a:lumMod val="50000"/>
+            <a:lumOff val="50000"/>
+          </a:schemeClr>
+        </a:solidFill>
+        <a:round/>
+      </a:ln>
+    </cs:spPr>
+  </cs:hiLoLine>
+  <cs:leaderLine>
+    <cs:lnRef idx="0"/>
+    <cs:fillRef idx="0"/>
+    <cs:effectRef idx="0"/>
+    <cs:fontRef idx="minor">
+      <a:schemeClr val="tx1"/>
+    </cs:fontRef>
+    <cs:spPr>
+      <a:ln w="9525" cap="flat" cmpd="sng" algn="ctr">
+        <a:solidFill>
+          <a:schemeClr val="tx1">
+            <a:lumMod val="35000"/>
+            <a:lumOff val="65000"/>
+          </a:schemeClr>
+        </a:solidFill>
+        <a:round/>
+      </a:ln>
+    </cs:spPr>
+  </cs:leaderLine>
+  <cs:legend>
+    <cs:lnRef idx="0"/>
+    <cs:fillRef idx="0"/>
+    <cs:effectRef idx="0"/>
+    <cs:fontRef idx="minor">
+      <a:schemeClr val="tx1">
+        <a:lumMod val="65000"/>
+        <a:lumOff val="35000"/>
+      </a:schemeClr>
+    </cs:fontRef>
+    <cs:defRPr sz="1197" kern="1200"/>
+  </cs:legend>
+  <cs:plotArea mods="allowNoFillOverride allowNoLineOverride">
+    <cs:lnRef idx="0"/>
+    <cs:fillRef idx="0"/>
+    <cs:effectRef idx="0"/>
+    <cs:fontRef idx="minor">
+      <a:schemeClr val="tx1"/>
+    </cs:fontRef>
+  </cs:plotArea>
+  <cs:plotArea3D mods="allowNoFillOverride allowNoLineOverride">
+    <cs:lnRef idx="0"/>
+    <cs:fillRef idx="0"/>
+    <cs:effectRef idx="0"/>
+    <cs:fontRef idx="minor">
+      <a:schemeClr val="tx1"/>
+    </cs:fontRef>
+  </cs:plotArea3D>
+  <cs:seriesAxis>
+    <cs:lnRef idx="0"/>
+    <cs:fillRef idx="0"/>
+    <cs:effectRef idx="0"/>
+    <cs:fontRef idx="minor">
+      <a:schemeClr val="tx1">
+        <a:lumMod val="65000"/>
+        <a:lumOff val="35000"/>
+      </a:schemeClr>
+    </cs:fontRef>
+    <cs:defRPr sz="1197" kern="1200"/>
+  </cs:seriesAxis>
+  <cs:seriesLine>
+    <cs:lnRef idx="0"/>
+    <cs:fillRef idx="0"/>
+    <cs:effectRef idx="0"/>
+    <cs:fontRef idx="minor">
+      <a:schemeClr val="tx1"/>
+    </cs:fontRef>
+    <cs:spPr>
+      <a:ln w="9525" cap="flat" cmpd="sng" algn="ctr">
+        <a:solidFill>
+          <a:schemeClr val="tx1">
+            <a:lumMod val="35000"/>
+            <a:lumOff val="65000"/>
+          </a:schemeClr>
+        </a:solidFill>
+        <a:round/>
+      </a:ln>
+    </cs:spPr>
+  </cs:seriesLine>
+  <cs:title>
+    <cs:lnRef idx="0"/>
+    <cs:fillRef idx="0"/>
+    <cs:effectRef idx="0"/>
+    <cs:fontRef idx="minor">
+      <a:schemeClr val="tx1">
+        <a:lumMod val="65000"/>
+        <a:lumOff val="35000"/>
+      </a:schemeClr>
+    </cs:fontRef>
+    <cs:defRPr sz="1862" b="0" kern="1200" spc="0" baseline="0"/>
+  </cs:title>
+  <cs:trendline>
+    <cs:lnRef idx="0">
+      <cs:styleClr val="auto"/>
+    </cs:lnRef>
+    <cs:fillRef idx="0"/>
+    <cs:effectRef idx="0"/>
+    <cs:fontRef idx="minor">
+      <a:schemeClr val="tx1"/>
+    </cs:fontRef>
+    <cs:spPr>
+      <a:ln w="19050" cap="rnd">
+        <a:solidFill>
+          <a:schemeClr val="phClr"/>
+        </a:solidFill>
+        <a:prstDash val="sysDot"/>
+      </a:ln>
+    </cs:spPr>
+  </cs:trendline>
+  <cs:trendlineLabel>
+    <cs:lnRef idx="0"/>
+    <cs:fillRef idx="0"/>
+    <cs:effectRef idx="0"/>
+    <cs:fontRef idx="minor">
+      <a:schemeClr val="tx1">
+        <a:lumMod val="65000"/>
+        <a:lumOff val="35000"/>
+      </a:schemeClr>
+    </cs:fontRef>
+    <cs:defRPr sz="1197" kern="1200"/>
+  </cs:trendlineLabel>
+  <cs:upBar>
+    <cs:lnRef idx="0"/>
+    <cs:fillRef idx="0"/>
+    <cs:effectRef idx="0"/>
+    <cs:fontRef idx="minor">
+      <a:schemeClr val="tx1"/>
+    </cs:fontRef>
+    <cs:spPr>
+      <a:solidFill>
+        <a:schemeClr val="lt1"/>
+      </a:solidFill>
+      <a:ln w="9525" cap="flat" cmpd="sng" algn="ctr">
+        <a:solidFill>
+          <a:schemeClr val="tx1">
+            <a:lumMod val="65000"/>
+            <a:lumOff val="35000"/>
+          </a:schemeClr>
+        </a:solidFill>
+        <a:round/>
+      </a:ln>
+    </cs:spPr>
+  </cs:upBar>
+  <cs:valueAxis>
+    <cs:lnRef idx="0"/>
+    <cs:fillRef idx="0"/>
+    <cs:effectRef idx="0"/>
+    <cs:fontRef idx="minor">
+      <a:schemeClr val="tx1">
+        <a:lumMod val="65000"/>
+        <a:lumOff val="35000"/>
+      </a:schemeClr>
+    </cs:fontRef>
+    <cs:defRPr sz="1197" kern="1200"/>
+  </cs:valueAxis>
+  <cs:wall>
+    <cs:lnRef idx="0"/>
+    <cs:fillRef idx="0"/>
+    <cs:effectRef idx="0"/>
+    <cs:fontRef idx="minor">
+      <a:schemeClr val="tx1"/>
+    </cs:fontRef>
+    <cs:spPr>
+      <a:noFill/>
+      <a:ln>
+        <a:noFill/>
+      </a:ln>
+    </cs:spPr>
+  </cs:wall>
+</cs:chartStyle>
+</file>
+
+<file path=ppt/charts/style6.xml><?xml version="1.0" encoding="utf-8"?>
+<cs:chartStyle xmlns:cs="http://schemas.microsoft.com/office/drawing/2012/chartStyle" xmlns:a="http://schemas.openxmlformats.org/drawingml/2006/main" id="251">
+  <cs:axisTitle>
+    <cs:lnRef idx="0"/>
+    <cs:fillRef idx="0"/>
+    <cs:effectRef idx="0"/>
+    <cs:fontRef idx="minor">
+      <a:schemeClr val="tx1">
+        <a:lumMod val="65000"/>
+        <a:lumOff val="35000"/>
+      </a:schemeClr>
+    </cs:fontRef>
+    <cs:defRPr sz="1330" kern="1200"/>
+  </cs:axisTitle>
+  <cs:categoryAxis>
+    <cs:lnRef idx="0"/>
+    <cs:fillRef idx="0"/>
+    <cs:effectRef idx="0"/>
+    <cs:fontRef idx="minor">
+      <a:schemeClr val="tx1">
+        <a:lumMod val="65000"/>
+        <a:lumOff val="35000"/>
+      </a:schemeClr>
+    </cs:fontRef>
+    <cs:spPr>
+      <a:ln w="9525" cap="flat" cmpd="sng" algn="ctr">
+        <a:solidFill>
+          <a:schemeClr val="tx1">
+            <a:lumMod val="15000"/>
+            <a:lumOff val="85000"/>
+          </a:schemeClr>
+        </a:solidFill>
+        <a:round/>
+      </a:ln>
+    </cs:spPr>
+    <cs:defRPr sz="1197" kern="1200"/>
+  </cs:categoryAxis>
+  <cs:chartArea mods="allowNoFillOverride allowNoLineOverride">
+    <cs:lnRef idx="0"/>
+    <cs:fillRef idx="0"/>
+    <cs:effectRef idx="0"/>
+    <cs:fontRef idx="minor">
+      <a:schemeClr val="tx1"/>
+    </cs:fontRef>
+    <cs:spPr>
+      <a:solidFill>
+        <a:schemeClr val="bg1"/>
+      </a:solidFill>
+      <a:ln w="9525" cap="flat" cmpd="sng" algn="ctr">
+        <a:solidFill>
+          <a:schemeClr val="tx1">
+            <a:lumMod val="15000"/>
+            <a:lumOff val="85000"/>
+          </a:schemeClr>
+        </a:solidFill>
+        <a:round/>
+      </a:ln>
+    </cs:spPr>
+    <cs:defRPr sz="1197" kern="1200"/>
+  </cs:chartArea>
+  <cs:dataLabel>
+    <cs:lnRef idx="0"/>
+    <cs:fillRef idx="0"/>
+    <cs:effectRef idx="0"/>
+    <cs:fontRef idx="minor">
+      <a:schemeClr val="tx1">
+        <a:lumMod val="75000"/>
+        <a:lumOff val="25000"/>
+      </a:schemeClr>
+    </cs:fontRef>
+    <cs:defRPr sz="1197" kern="1200"/>
+  </cs:dataLabel>
+  <cs:dataLabelCallout>
+    <cs:lnRef idx="0"/>
+    <cs:fillRef idx="0"/>
+    <cs:effectRef idx="0"/>
+    <cs:fontRef idx="minor">
+      <a:schemeClr val="dk1">
+        <a:lumMod val="65000"/>
+        <a:lumOff val="35000"/>
+      </a:schemeClr>
+    </cs:fontRef>
+    <cs:spPr>
+      <a:solidFill>
+        <a:schemeClr val="lt1"/>
+      </a:solidFill>
+      <a:ln>
+        <a:solidFill>
+          <a:schemeClr val="dk1">
+            <a:lumMod val="25000"/>
+            <a:lumOff val="75000"/>
+          </a:schemeClr>
+        </a:solidFill>
+      </a:ln>
+    </cs:spPr>
+    <cs:defRPr sz="1197" kern="1200"/>
+    <cs:bodyPr rot="0" spcFirstLastPara="1" vertOverflow="clip" horzOverflow="clip" vert="horz" wrap="square" lIns="36576" tIns="18288" rIns="36576" bIns="18288" anchor="ctr" anchorCtr="1">
+      <a:spAutoFit/>
+    </cs:bodyPr>
+  </cs:dataLabelCallout>
+  <cs:dataPoint>
+    <cs:lnRef idx="0"/>
+    <cs:fillRef idx="1">
+      <cs:styleClr val="auto"/>
+    </cs:fillRef>
+    <cs:effectRef idx="0"/>
+    <cs:fontRef idx="minor">
+      <a:schemeClr val="tx1"/>
+    </cs:fontRef>
+    <cs:spPr>
+      <a:ln w="19050">
+        <a:solidFill>
+          <a:schemeClr val="lt1"/>
+        </a:solidFill>
+      </a:ln>
+    </cs:spPr>
+  </cs:dataPoint>
+  <cs:dataPoint3D>
+    <cs:lnRef idx="0"/>
+    <cs:fillRef idx="1">
+      <cs:styleClr val="auto"/>
+    </cs:fillRef>
+    <cs:effectRef idx="0"/>
+    <cs:fontRef idx="minor">
+      <a:schemeClr val="tx1"/>
+    </cs:fontRef>
+    <cs:spPr>
+      <a:ln w="25400">
+        <a:solidFill>
+          <a:schemeClr val="lt1"/>
+        </a:solidFill>
+      </a:ln>
+    </cs:spPr>
+  </cs:dataPoint3D>
+  <cs:dataPointLine>
+    <cs:lnRef idx="0">
+      <cs:styleClr val="auto"/>
+    </cs:lnRef>
+    <cs:fillRef idx="0"/>
+    <cs:effectRef idx="0"/>
+    <cs:fontRef idx="minor">
+      <a:schemeClr val="tx1"/>
+    </cs:fontRef>
+    <cs:spPr>
+      <a:ln w="28575" cap="rnd">
+        <a:solidFill>
+          <a:schemeClr val="phClr"/>
+        </a:solidFill>
+        <a:round/>
+      </a:ln>
+    </cs:spPr>
+  </cs:dataPointLine>
+  <cs:dataPointMarker>
+    <cs:lnRef idx="0">
+      <cs:styleClr val="auto"/>
+    </cs:lnRef>
+    <cs:fillRef idx="1">
+      <cs:styleClr val="auto"/>
+    </cs:fillRef>
+    <cs:effectRef idx="0"/>
+    <cs:fontRef idx="minor">
+      <a:schemeClr val="tx1"/>
+    </cs:fontRef>
+    <cs:spPr>
+      <a:ln w="9525">
+        <a:solidFill>
+          <a:schemeClr val="phClr"/>
+        </a:solidFill>
+      </a:ln>
+    </cs:spPr>
+  </cs:dataPointMarker>
+  <cs:dataPointMarkerLayout symbol="circle" size="5"/>
+  <cs:dataPointWireframe>
+    <cs:lnRef idx="0">
+      <cs:styleClr val="auto"/>
+    </cs:lnRef>
+    <cs:fillRef idx="0"/>
+    <cs:effectRef idx="0"/>
+    <cs:fontRef idx="minor">
+      <a:schemeClr val="tx1"/>
+    </cs:fontRef>
+    <cs:spPr>
+      <a:ln w="9525" cap="rnd">
+        <a:solidFill>
+          <a:schemeClr val="phClr"/>
+        </a:solidFill>
+        <a:round/>
+      </a:ln>
+    </cs:spPr>
+  </cs:dataPointWireframe>
+  <cs:dataTable>
+    <cs:lnRef idx="0"/>
+    <cs:fillRef idx="0"/>
+    <cs:effectRef idx="0"/>
+    <cs:fontRef idx="minor">
+      <a:schemeClr val="tx1">
+        <a:lumMod val="65000"/>
+        <a:lumOff val="35000"/>
+      </a:schemeClr>
+    </cs:fontRef>
+    <cs:spPr>
+      <a:noFill/>
+      <a:ln w="9525" cap="flat" cmpd="sng" algn="ctr">
+        <a:solidFill>
+          <a:schemeClr val="tx1">
+            <a:lumMod val="15000"/>
+            <a:lumOff val="85000"/>
+          </a:schemeClr>
+        </a:solidFill>
+        <a:round/>
+      </a:ln>
+    </cs:spPr>
+    <cs:defRPr sz="1197" kern="1200"/>
+  </cs:dataTable>
+  <cs:downBar>
+    <cs:lnRef idx="0"/>
+    <cs:fillRef idx="0"/>
+    <cs:effectRef idx="0"/>
+    <cs:fontRef idx="minor">
+      <a:schemeClr val="tx1"/>
+    </cs:fontRef>
+    <cs:spPr>
+      <a:solidFill>
+        <a:schemeClr val="dk1">
+          <a:lumMod val="75000"/>
+          <a:lumOff val="25000"/>
+        </a:schemeClr>
+      </a:solidFill>
+      <a:ln w="9525" cap="flat" cmpd="sng" algn="ctr">
+        <a:solidFill>
+          <a:schemeClr val="tx1">
+            <a:lumMod val="65000"/>
+            <a:lumOff val="35000"/>
+          </a:schemeClr>
+        </a:solidFill>
+        <a:round/>
+      </a:ln>
+    </cs:spPr>
+  </cs:downBar>
+  <cs:dropLine>
+    <cs:lnRef idx="0"/>
+    <cs:fillRef idx="0"/>
+    <cs:effectRef idx="0"/>
+    <cs:fontRef idx="minor">
+      <a:schemeClr val="tx1"/>
+    </cs:fontRef>
+    <cs:spPr>
+      <a:ln w="9525" cap="flat" cmpd="sng" algn="ctr">
+        <a:solidFill>
+          <a:schemeClr val="tx1">
+            <a:lumMod val="35000"/>
+            <a:lumOff val="65000"/>
+          </a:schemeClr>
+        </a:solidFill>
+        <a:round/>
+      </a:ln>
+    </cs:spPr>
+  </cs:dropLine>
+  <cs:errorBar>
+    <cs:lnRef idx="0"/>
+    <cs:fillRef idx="0"/>
+    <cs:effectRef idx="0"/>
+    <cs:fontRef idx="minor">
+      <a:schemeClr val="tx1"/>
+    </cs:fontRef>
+    <cs:spPr>
+      <a:ln w="9525" cap="flat" cmpd="sng" algn="ctr">
+        <a:solidFill>
+          <a:schemeClr val="tx1">
+            <a:lumMod val="65000"/>
+            <a:lumOff val="35000"/>
+          </a:schemeClr>
+        </a:solidFill>
+        <a:round/>
+      </a:ln>
+    </cs:spPr>
+  </cs:errorBar>
+  <cs:floor>
+    <cs:lnRef idx="0"/>
+    <cs:fillRef idx="0"/>
+    <cs:effectRef idx="0"/>
+    <cs:fontRef idx="minor">
+      <a:schemeClr val="tx1"/>
+    </cs:fontRef>
+    <cs:spPr>
+      <a:noFill/>
+      <a:ln>
+        <a:noFill/>
+      </a:ln>
+    </cs:spPr>
+  </cs:floor>
+  <cs:gridlineMajor>
+    <cs:lnRef idx="0"/>
+    <cs:fillRef idx="0"/>
+    <cs:effectRef idx="0"/>
+    <cs:fontRef idx="minor">
+      <a:schemeClr val="tx1"/>
+    </cs:fontRef>
+    <cs:spPr>
+      <a:ln w="9525" cap="flat" cmpd="sng" algn="ctr">
+        <a:solidFill>
+          <a:schemeClr val="tx1">
+            <a:lumMod val="15000"/>
+            <a:lumOff val="85000"/>
+          </a:schemeClr>
+        </a:solidFill>
+        <a:round/>
+      </a:ln>
+    </cs:spPr>
+  </cs:gridlineMajor>
+  <cs:gridlineMinor>
+    <cs:lnRef idx="0"/>
+    <cs:fillRef idx="0"/>
+    <cs:effectRef idx="0"/>
+    <cs:fontRef idx="minor">
+      <a:schemeClr val="tx1"/>
+    </cs:fontRef>
+    <cs:spPr>
+      <a:ln w="9525" cap="flat" cmpd="sng" algn="ctr">
+        <a:solidFill>
+          <a:schemeClr val="tx1">
+            <a:lumMod val="5000"/>
+            <a:lumOff val="95000"/>
+          </a:schemeClr>
+        </a:solidFill>
+        <a:round/>
+      </a:ln>
+    </cs:spPr>
+  </cs:gridlineMinor>
+  <cs:hiLoLine>
+    <cs:lnRef idx="0"/>
+    <cs:fillRef idx="0"/>
+    <cs:effectRef idx="0"/>
+    <cs:fontRef idx="minor">
+      <a:schemeClr val="tx1"/>
+    </cs:fontRef>
+    <cs:spPr>
+      <a:ln w="9525" cap="flat" cmpd="sng" algn="ctr">
+        <a:solidFill>
+          <a:schemeClr val="tx1">
+            <a:lumMod val="50000"/>
+            <a:lumOff val="50000"/>
+          </a:schemeClr>
+        </a:solidFill>
+        <a:round/>
+      </a:ln>
+    </cs:spPr>
+  </cs:hiLoLine>
+  <cs:leaderLine>
+    <cs:lnRef idx="0"/>
+    <cs:fillRef idx="0"/>
+    <cs:effectRef idx="0"/>
+    <cs:fontRef idx="minor">
+      <a:schemeClr val="tx1"/>
+    </cs:fontRef>
+    <cs:spPr>
+      <a:ln w="9525" cap="flat" cmpd="sng" algn="ctr">
+        <a:solidFill>
+          <a:schemeClr val="tx1">
+            <a:lumMod val="35000"/>
+            <a:lumOff val="65000"/>
+          </a:schemeClr>
+        </a:solidFill>
+        <a:round/>
+      </a:ln>
+    </cs:spPr>
+  </cs:leaderLine>
+  <cs:legend>
+    <cs:lnRef idx="0"/>
+    <cs:fillRef idx="0"/>
+    <cs:effectRef idx="0"/>
+    <cs:fontRef idx="minor">
+      <a:schemeClr val="tx1">
+        <a:lumMod val="65000"/>
+        <a:lumOff val="35000"/>
+      </a:schemeClr>
+    </cs:fontRef>
+    <cs:defRPr sz="1197" kern="1200"/>
+  </cs:legend>
+  <cs:plotArea mods="allowNoFillOverride allowNoLineOverride">
+    <cs:lnRef idx="0"/>
+    <cs:fillRef idx="0"/>
+    <cs:effectRef idx="0"/>
+    <cs:fontRef idx="minor">
+      <a:schemeClr val="tx1"/>
+    </cs:fontRef>
+  </cs:plotArea>
+  <cs:plotArea3D mods="allowNoFillOverride allowNoLineOverride">
+    <cs:lnRef idx="0"/>
+    <cs:fillRef idx="0"/>
+    <cs:effectRef idx="0"/>
+    <cs:fontRef idx="minor">
+      <a:schemeClr val="tx1"/>
+    </cs:fontRef>
+  </cs:plotArea3D>
+  <cs:seriesAxis>
+    <cs:lnRef idx="0"/>
+    <cs:fillRef idx="0"/>
+    <cs:effectRef idx="0"/>
+    <cs:fontRef idx="minor">
+      <a:schemeClr val="tx1">
+        <a:lumMod val="65000"/>
+        <a:lumOff val="35000"/>
+      </a:schemeClr>
+    </cs:fontRef>
+    <cs:defRPr sz="1197" kern="1200"/>
+  </cs:seriesAxis>
+  <cs:seriesLine>
+    <cs:lnRef idx="0"/>
+    <cs:fillRef idx="0"/>
+    <cs:effectRef idx="0"/>
+    <cs:fontRef idx="minor">
+      <a:schemeClr val="tx1"/>
+    </cs:fontRef>
+    <cs:spPr>
+      <a:ln w="9525" cap="flat" cmpd="sng" algn="ctr">
+        <a:solidFill>
+          <a:schemeClr val="tx1">
+            <a:lumMod val="35000"/>
+            <a:lumOff val="65000"/>
+          </a:schemeClr>
+        </a:solidFill>
+        <a:round/>
+      </a:ln>
+    </cs:spPr>
+  </cs:seriesLine>
+  <cs:title>
+    <cs:lnRef idx="0"/>
+    <cs:fillRef idx="0"/>
+    <cs:effectRef idx="0"/>
+    <cs:fontRef idx="minor">
+      <a:schemeClr val="tx1">
+        <a:lumMod val="65000"/>
+        <a:lumOff val="35000"/>
+      </a:schemeClr>
+    </cs:fontRef>
+    <cs:defRPr sz="1862" b="0" kern="1200" spc="0" baseline="0"/>
+  </cs:title>
+  <cs:trendline>
+    <cs:lnRef idx="0">
+      <cs:styleClr val="auto"/>
+    </cs:lnRef>
+    <cs:fillRef idx="0"/>
+    <cs:effectRef idx="0"/>
+    <cs:fontRef idx="minor">
+      <a:schemeClr val="tx1"/>
+    </cs:fontRef>
+    <cs:spPr>
+      <a:ln w="19050" cap="rnd">
+        <a:solidFill>
+          <a:schemeClr val="phClr"/>
+        </a:solidFill>
+        <a:prstDash val="sysDot"/>
+      </a:ln>
+    </cs:spPr>
+  </cs:trendline>
+  <cs:trendlineLabel>
+    <cs:lnRef idx="0"/>
+    <cs:fillRef idx="0"/>
+    <cs:effectRef idx="0"/>
+    <cs:fontRef idx="minor">
+      <a:schemeClr val="tx1">
+        <a:lumMod val="65000"/>
+        <a:lumOff val="35000"/>
+      </a:schemeClr>
+    </cs:fontRef>
+    <cs:defRPr sz="1197" kern="1200"/>
+  </cs:trendlineLabel>
+  <cs:upBar>
+    <cs:lnRef idx="0"/>
+    <cs:fillRef idx="0"/>
+    <cs:effectRef idx="0"/>
+    <cs:fontRef idx="minor">
+      <a:schemeClr val="tx1"/>
+    </cs:fontRef>
+    <cs:spPr>
+      <a:solidFill>
+        <a:schemeClr val="lt1"/>
+      </a:solidFill>
+      <a:ln w="9525" cap="flat" cmpd="sng" algn="ctr">
+        <a:solidFill>
+          <a:schemeClr val="tx1">
+            <a:lumMod val="65000"/>
+            <a:lumOff val="35000"/>
+          </a:schemeClr>
+        </a:solidFill>
+        <a:round/>
+      </a:ln>
+    </cs:spPr>
+  </cs:upBar>
+  <cs:valueAxis>
+    <cs:lnRef idx="0"/>
+    <cs:fillRef idx="0"/>
+    <cs:effectRef idx="0"/>
+    <cs:fontRef idx="minor">
+      <a:schemeClr val="tx1">
+        <a:lumMod val="65000"/>
+        <a:lumOff val="35000"/>
+      </a:schemeClr>
+    </cs:fontRef>
+    <cs:defRPr sz="1197" kern="1200"/>
+  </cs:valueAxis>
+  <cs:wall>
+    <cs:lnRef idx="0"/>
+    <cs:fillRef idx="0"/>
+    <cs:effectRef idx="0"/>
+    <cs:fontRef idx="minor">
+      <a:schemeClr val="tx1"/>
+    </cs:fontRef>
+    <cs:spPr>
+      <a:noFill/>
+      <a:ln>
+        <a:noFill/>
+      </a:ln>
+    </cs:spPr>
+  </cs:wall>
+</cs:chartStyle>
+</file>
+
+<file path=ppt/charts/style7.xml><?xml version="1.0" encoding="utf-8"?>
+<cs:chartStyle xmlns:cs="http://schemas.microsoft.com/office/drawing/2012/chartStyle" xmlns:a="http://schemas.openxmlformats.org/drawingml/2006/main" id="251">
+  <cs:axisTitle>
+    <cs:lnRef idx="0"/>
+    <cs:fillRef idx="0"/>
+    <cs:effectRef idx="0"/>
+    <cs:fontRef idx="minor">
+      <a:schemeClr val="tx1">
+        <a:lumMod val="65000"/>
+        <a:lumOff val="35000"/>
+      </a:schemeClr>
+    </cs:fontRef>
+    <cs:defRPr sz="1330" kern="1200"/>
+  </cs:axisTitle>
+  <cs:categoryAxis>
+    <cs:lnRef idx="0"/>
+    <cs:fillRef idx="0"/>
+    <cs:effectRef idx="0"/>
+    <cs:fontRef idx="minor">
+      <a:schemeClr val="tx1">
+        <a:lumMod val="65000"/>
+        <a:lumOff val="35000"/>
+      </a:schemeClr>
+    </cs:fontRef>
+    <cs:spPr>
+      <a:ln w="9525" cap="flat" cmpd="sng" algn="ctr">
+        <a:solidFill>
+          <a:schemeClr val="tx1">
+            <a:lumMod val="15000"/>
+            <a:lumOff val="85000"/>
+          </a:schemeClr>
+        </a:solidFill>
+        <a:round/>
+      </a:ln>
+    </cs:spPr>
+    <cs:defRPr sz="1197" kern="1200"/>
+  </cs:categoryAxis>
+  <cs:chartArea mods="allowNoFillOverride allowNoLineOverride">
+    <cs:lnRef idx="0"/>
+    <cs:fillRef idx="0"/>
+    <cs:effectRef idx="0"/>
+    <cs:fontRef idx="minor">
+      <a:schemeClr val="tx1"/>
+    </cs:fontRef>
+    <cs:spPr>
+      <a:solidFill>
+        <a:schemeClr val="bg1"/>
+      </a:solidFill>
+      <a:ln w="9525" cap="flat" cmpd="sng" algn="ctr">
+        <a:solidFill>
+          <a:schemeClr val="tx1">
+            <a:lumMod val="15000"/>
+            <a:lumOff val="85000"/>
+          </a:schemeClr>
+        </a:solidFill>
+        <a:round/>
+      </a:ln>
+    </cs:spPr>
+    <cs:defRPr sz="1197" kern="1200"/>
+  </cs:chartArea>
+  <cs:dataLabel>
+    <cs:lnRef idx="0"/>
+    <cs:fillRef idx="0"/>
+    <cs:effectRef idx="0"/>
+    <cs:fontRef idx="minor">
+      <a:schemeClr val="tx1">
+        <a:lumMod val="75000"/>
+        <a:lumOff val="25000"/>
+      </a:schemeClr>
+    </cs:fontRef>
+    <cs:defRPr sz="1197" kern="1200"/>
+  </cs:dataLabel>
+  <cs:dataLabelCallout>
+    <cs:lnRef idx="0"/>
+    <cs:fillRef idx="0"/>
+    <cs:effectRef idx="0"/>
+    <cs:fontRef idx="minor">
+      <a:schemeClr val="dk1">
+        <a:lumMod val="65000"/>
+        <a:lumOff val="35000"/>
+      </a:schemeClr>
+    </cs:fontRef>
+    <cs:spPr>
+      <a:solidFill>
+        <a:schemeClr val="lt1"/>
+      </a:solidFill>
+      <a:ln>
+        <a:solidFill>
+          <a:schemeClr val="dk1">
+            <a:lumMod val="25000"/>
+            <a:lumOff val="75000"/>
+          </a:schemeClr>
+        </a:solidFill>
+      </a:ln>
+    </cs:spPr>
+    <cs:defRPr sz="1197" kern="1200"/>
+    <cs:bodyPr rot="0" spcFirstLastPara="1" vertOverflow="clip" horzOverflow="clip" vert="horz" wrap="square" lIns="36576" tIns="18288" rIns="36576" bIns="18288" anchor="ctr" anchorCtr="1">
+      <a:spAutoFit/>
+    </cs:bodyPr>
+  </cs:dataLabelCallout>
+  <cs:dataPoint>
+    <cs:lnRef idx="0"/>
+    <cs:fillRef idx="1">
+      <cs:styleClr val="auto"/>
+    </cs:fillRef>
+    <cs:effectRef idx="0"/>
+    <cs:fontRef idx="minor">
+      <a:schemeClr val="tx1"/>
+    </cs:fontRef>
+    <cs:spPr>
+      <a:ln w="19050">
+        <a:solidFill>
+          <a:schemeClr val="lt1"/>
+        </a:solidFill>
+      </a:ln>
+    </cs:spPr>
+  </cs:dataPoint>
+  <cs:dataPoint3D>
+    <cs:lnRef idx="0"/>
+    <cs:fillRef idx="1">
+      <cs:styleClr val="auto"/>
+    </cs:fillRef>
+    <cs:effectRef idx="0"/>
+    <cs:fontRef idx="minor">
+      <a:schemeClr val="tx1"/>
+    </cs:fontRef>
+    <cs:spPr>
+      <a:ln w="25400">
+        <a:solidFill>
+          <a:schemeClr val="lt1"/>
+        </a:solidFill>
+      </a:ln>
+    </cs:spPr>
+  </cs:dataPoint3D>
+  <cs:dataPointLine>
+    <cs:lnRef idx="0">
+      <cs:styleClr val="auto"/>
+    </cs:lnRef>
+    <cs:fillRef idx="0"/>
+    <cs:effectRef idx="0"/>
+    <cs:fontRef idx="minor">
+      <a:schemeClr val="tx1"/>
+    </cs:fontRef>
+    <cs:spPr>
+      <a:ln w="28575" cap="rnd">
+        <a:solidFill>
+          <a:schemeClr val="phClr"/>
+        </a:solidFill>
+        <a:round/>
+      </a:ln>
+    </cs:spPr>
+  </cs:dataPointLine>
+  <cs:dataPointMarker>
+    <cs:lnRef idx="0">
+      <cs:styleClr val="auto"/>
+    </cs:lnRef>
+    <cs:fillRef idx="1">
+      <cs:styleClr val="auto"/>
+    </cs:fillRef>
+    <cs:effectRef idx="0"/>
+    <cs:fontRef idx="minor">
+      <a:schemeClr val="tx1"/>
+    </cs:fontRef>
+    <cs:spPr>
+      <a:ln w="9525">
+        <a:solidFill>
+          <a:schemeClr val="phClr"/>
+        </a:solidFill>
+      </a:ln>
+    </cs:spPr>
+  </cs:dataPointMarker>
+  <cs:dataPointMarkerLayout symbol="circle" size="5"/>
+  <cs:dataPointWireframe>
+    <cs:lnRef idx="0">
+      <cs:styleClr val="auto"/>
+    </cs:lnRef>
+    <cs:fillRef idx="0"/>
+    <cs:effectRef idx="0"/>
+    <cs:fontRef idx="minor">
+      <a:schemeClr val="tx1"/>
+    </cs:fontRef>
+    <cs:spPr>
+      <a:ln w="9525" cap="rnd">
+        <a:solidFill>
+          <a:schemeClr val="phClr"/>
+        </a:solidFill>
+        <a:round/>
+      </a:ln>
+    </cs:spPr>
+  </cs:dataPointWireframe>
+  <cs:dataTable>
+    <cs:lnRef idx="0"/>
+    <cs:fillRef idx="0"/>
+    <cs:effectRef idx="0"/>
+    <cs:fontRef idx="minor">
+      <a:schemeClr val="tx1">
+        <a:lumMod val="65000"/>
+        <a:lumOff val="35000"/>
+      </a:schemeClr>
+    </cs:fontRef>
+    <cs:spPr>
+      <a:noFill/>
+      <a:ln w="9525" cap="flat" cmpd="sng" algn="ctr">
+        <a:solidFill>
+          <a:schemeClr val="tx1">
+            <a:lumMod val="15000"/>
+            <a:lumOff val="85000"/>
+          </a:schemeClr>
+        </a:solidFill>
+        <a:round/>
+      </a:ln>
+    </cs:spPr>
+    <cs:defRPr sz="1197" kern="1200"/>
+  </cs:dataTable>
+  <cs:downBar>
+    <cs:lnRef idx="0"/>
+    <cs:fillRef idx="0"/>
+    <cs:effectRef idx="0"/>
+    <cs:fontRef idx="minor">
+      <a:schemeClr val="tx1"/>
+    </cs:fontRef>
+    <cs:spPr>
+      <a:solidFill>
+        <a:schemeClr val="dk1">
+          <a:lumMod val="75000"/>
+          <a:lumOff val="25000"/>
+        </a:schemeClr>
+      </a:solidFill>
+      <a:ln w="9525" cap="flat" cmpd="sng" algn="ctr">
+        <a:solidFill>
+          <a:schemeClr val="tx1">
+            <a:lumMod val="65000"/>
+            <a:lumOff val="35000"/>
+          </a:schemeClr>
+        </a:solidFill>
+        <a:round/>
+      </a:ln>
+    </cs:spPr>
+  </cs:downBar>
+  <cs:dropLine>
+    <cs:lnRef idx="0"/>
+    <cs:fillRef idx="0"/>
+    <cs:effectRef idx="0"/>
+    <cs:fontRef idx="minor">
+      <a:schemeClr val="tx1"/>
+    </cs:fontRef>
+    <cs:spPr>
+      <a:ln w="9525" cap="flat" cmpd="sng" algn="ctr">
+        <a:solidFill>
+          <a:schemeClr val="tx1">
+            <a:lumMod val="35000"/>
+            <a:lumOff val="65000"/>
+          </a:schemeClr>
+        </a:solidFill>
+        <a:round/>
+      </a:ln>
+    </cs:spPr>
+  </cs:dropLine>
+  <cs:errorBar>
+    <cs:lnRef idx="0"/>
+    <cs:fillRef idx="0"/>
+    <cs:effectRef idx="0"/>
+    <cs:fontRef idx="minor">
+      <a:schemeClr val="tx1"/>
+    </cs:fontRef>
+    <cs:spPr>
+      <a:ln w="9525" cap="flat" cmpd="sng" algn="ctr">
+        <a:solidFill>
+          <a:schemeClr val="tx1">
+            <a:lumMod val="65000"/>
+            <a:lumOff val="35000"/>
+          </a:schemeClr>
+        </a:solidFill>
+        <a:round/>
+      </a:ln>
+    </cs:spPr>
+  </cs:errorBar>
+  <cs:floor>
+    <cs:lnRef idx="0"/>
+    <cs:fillRef idx="0"/>
+    <cs:effectRef idx="0"/>
+    <cs:fontRef idx="minor">
+      <a:schemeClr val="tx1"/>
+    </cs:fontRef>
+    <cs:spPr>
+      <a:noFill/>
+      <a:ln>
+        <a:noFill/>
+      </a:ln>
+    </cs:spPr>
+  </cs:floor>
+  <cs:gridlineMajor>
+    <cs:lnRef idx="0"/>
+    <cs:fillRef idx="0"/>
+    <cs:effectRef idx="0"/>
+    <cs:fontRef idx="minor">
+      <a:schemeClr val="tx1"/>
+    </cs:fontRef>
+    <cs:spPr>
+      <a:ln w="9525" cap="flat" cmpd="sng" algn="ctr">
+        <a:solidFill>
+          <a:schemeClr val="tx1">
+            <a:lumMod val="15000"/>
+            <a:lumOff val="85000"/>
+          </a:schemeClr>
+        </a:solidFill>
+        <a:round/>
+      </a:ln>
+    </cs:spPr>
+  </cs:gridlineMajor>
+  <cs:gridlineMinor>
+    <cs:lnRef idx="0"/>
+    <cs:fillRef idx="0"/>
+    <cs:effectRef idx="0"/>
+    <cs:fontRef idx="minor">
+      <a:schemeClr val="tx1"/>
+    </cs:fontRef>
+    <cs:spPr>
+      <a:ln w="9525" cap="flat" cmpd="sng" algn="ctr">
+        <a:solidFill>
+          <a:schemeClr val="tx1">
+            <a:lumMod val="5000"/>
+            <a:lumOff val="95000"/>
+          </a:schemeClr>
+        </a:solidFill>
+        <a:round/>
+      </a:ln>
+    </cs:spPr>
+  </cs:gridlineMinor>
+  <cs:hiLoLine>
+    <cs:lnRef idx="0"/>
+    <cs:fillRef idx="0"/>
+    <cs:effectRef idx="0"/>
+    <cs:fontRef idx="minor">
+      <a:schemeClr val="tx1"/>
+    </cs:fontRef>
+    <cs:spPr>
+      <a:ln w="9525" cap="flat" cmpd="sng" algn="ctr">
+        <a:solidFill>
+          <a:schemeClr val="tx1">
+            <a:lumMod val="50000"/>
+            <a:lumOff val="50000"/>
+          </a:schemeClr>
+        </a:solidFill>
+        <a:round/>
+      </a:ln>
+    </cs:spPr>
+  </cs:hiLoLine>
+  <cs:leaderLine>
+    <cs:lnRef idx="0"/>
+    <cs:fillRef idx="0"/>
+    <cs:effectRef idx="0"/>
+    <cs:fontRef idx="minor">
+      <a:schemeClr val="tx1"/>
+    </cs:fontRef>
+    <cs:spPr>
+      <a:ln w="9525" cap="flat" cmpd="sng" algn="ctr">
+        <a:solidFill>
+          <a:schemeClr val="tx1">
+            <a:lumMod val="35000"/>
+            <a:lumOff val="65000"/>
+          </a:schemeClr>
+        </a:solidFill>
+        <a:round/>
+      </a:ln>
+    </cs:spPr>
+  </cs:leaderLine>
+  <cs:legend>
+    <cs:lnRef idx="0"/>
+    <cs:fillRef idx="0"/>
+    <cs:effectRef idx="0"/>
+    <cs:fontRef idx="minor">
+      <a:schemeClr val="tx1">
+        <a:lumMod val="65000"/>
+        <a:lumOff val="35000"/>
+      </a:schemeClr>
+    </cs:fontRef>
+    <cs:defRPr sz="1197" kern="1200"/>
+  </cs:legend>
+  <cs:plotArea mods="allowNoFillOverride allowNoLineOverride">
+    <cs:lnRef idx="0"/>
+    <cs:fillRef idx="0"/>
+    <cs:effectRef idx="0"/>
+    <cs:fontRef idx="minor">
+      <a:schemeClr val="tx1"/>
+    </cs:fontRef>
+  </cs:plotArea>
+  <cs:plotArea3D mods="allowNoFillOverride allowNoLineOverride">
+    <cs:lnRef idx="0"/>
+    <cs:fillRef idx="0"/>
+    <cs:effectRef idx="0"/>
+    <cs:fontRef idx="minor">
+      <a:schemeClr val="tx1"/>
+    </cs:fontRef>
+  </cs:plotArea3D>
+  <cs:seriesAxis>
+    <cs:lnRef idx="0"/>
+    <cs:fillRef idx="0"/>
+    <cs:effectRef idx="0"/>
+    <cs:fontRef idx="minor">
+      <a:schemeClr val="tx1">
+        <a:lumMod val="65000"/>
+        <a:lumOff val="35000"/>
+      </a:schemeClr>
+    </cs:fontRef>
+    <cs:defRPr sz="1197" kern="1200"/>
+  </cs:seriesAxis>
+  <cs:seriesLine>
+    <cs:lnRef idx="0"/>
+    <cs:fillRef idx="0"/>
+    <cs:effectRef idx="0"/>
+    <cs:fontRef idx="minor">
+      <a:schemeClr val="tx1"/>
+    </cs:fontRef>
+    <cs:spPr>
+      <a:ln w="9525" cap="flat" cmpd="sng" algn="ctr">
+        <a:solidFill>
+          <a:schemeClr val="tx1">
+            <a:lumMod val="35000"/>
+            <a:lumOff val="65000"/>
+          </a:schemeClr>
+        </a:solidFill>
+        <a:round/>
+      </a:ln>
+    </cs:spPr>
+  </cs:seriesLine>
+  <cs:title>
+    <cs:lnRef idx="0"/>
+    <cs:fillRef idx="0"/>
+    <cs:effectRef idx="0"/>
+    <cs:fontRef idx="minor">
+      <a:schemeClr val="tx1">
+        <a:lumMod val="65000"/>
+        <a:lumOff val="35000"/>
+      </a:schemeClr>
+    </cs:fontRef>
+    <cs:defRPr sz="1862" b="0" kern="1200" spc="0" baseline="0"/>
+  </cs:title>
+  <cs:trendline>
+    <cs:lnRef idx="0">
+      <cs:styleClr val="auto"/>
+    </cs:lnRef>
+    <cs:fillRef idx="0"/>
+    <cs:effectRef idx="0"/>
+    <cs:fontRef idx="minor">
+      <a:schemeClr val="tx1"/>
+    </cs:fontRef>
+    <cs:spPr>
+      <a:ln w="19050" cap="rnd">
+        <a:solidFill>
+          <a:schemeClr val="phClr"/>
+        </a:solidFill>
+        <a:prstDash val="sysDot"/>
+      </a:ln>
+    </cs:spPr>
+  </cs:trendline>
+  <cs:trendlineLabel>
+    <cs:lnRef idx="0"/>
+    <cs:fillRef idx="0"/>
+    <cs:effectRef idx="0"/>
+    <cs:fontRef idx="minor">
+      <a:schemeClr val="tx1">
+        <a:lumMod val="65000"/>
+        <a:lumOff val="35000"/>
+      </a:schemeClr>
+    </cs:fontRef>
+    <cs:defRPr sz="1197" kern="1200"/>
+  </cs:trendlineLabel>
+  <cs:upBar>
+    <cs:lnRef idx="0"/>
+    <cs:fillRef idx="0"/>
+    <cs:effectRef idx="0"/>
+    <cs:fontRef idx="minor">
+      <a:schemeClr val="tx1"/>
+    </cs:fontRef>
+    <cs:spPr>
+      <a:solidFill>
+        <a:schemeClr val="lt1"/>
+      </a:solidFill>
+      <a:ln w="9525" cap="flat" cmpd="sng" algn="ctr">
+        <a:solidFill>
+          <a:schemeClr val="tx1">
+            <a:lumMod val="65000"/>
+            <a:lumOff val="35000"/>
+          </a:schemeClr>
+        </a:solidFill>
+        <a:round/>
+      </a:ln>
+    </cs:spPr>
+  </cs:upBar>
+  <cs:valueAxis>
+    <cs:lnRef idx="0"/>
+    <cs:fillRef idx="0"/>
+    <cs:effectRef idx="0"/>
+    <cs:fontRef idx="minor">
+      <a:schemeClr val="tx1">
+        <a:lumMod val="65000"/>
+        <a:lumOff val="35000"/>
+      </a:schemeClr>
+    </cs:fontRef>
+    <cs:defRPr sz="1197" kern="1200"/>
+  </cs:valueAxis>
+  <cs:wall>
+    <cs:lnRef idx="0"/>
+    <cs:fillRef idx="0"/>
+    <cs:effectRef idx="0"/>
+    <cs:fontRef idx="minor">
+      <a:schemeClr val="tx1"/>
+    </cs:fontRef>
+    <cs:spPr>
+      <a:noFill/>
+      <a:ln>
+        <a:noFill/>
+      </a:ln>
+    </cs:spPr>
+  </cs:wall>
+</cs:chartStyle>
+</file>
+
+<file path=ppt/charts/style8.xml><?xml version="1.0" encoding="utf-8"?>
 <cs:chartStyle xmlns:cs="http://schemas.microsoft.com/office/drawing/2012/chartStyle" xmlns:a="http://schemas.openxmlformats.org/drawingml/2006/main" id="258">
   <cs:axisTitle>
     <cs:lnRef idx="0"/>
@@ -4921,7 +10686,7 @@
           <a:p>
             <a:r>
               <a:rPr lang="fr-FR" dirty="0"/>
-              <a:t>Antoine PORTE</a:t>
+              <a:t>Antoine PORTÉ</a:t>
             </a:r>
           </a:p>
           <a:p>
@@ -5462,13 +11227,8 @@
           <a:p>
             <a:r>
               <a:rPr lang="fr-FR" dirty="0"/>
-              <a:t>Bilan </a:t>
-            </a:r>
-            <a:r>
-              <a:rPr lang="fr-FR" dirty="0" err="1"/>
-              <a:t>personel</a:t>
-            </a:r>
-            <a:endParaRPr lang="fr-FR" dirty="0"/>
+              <a:t>Bilan personnel – Guillaume BERTHELON </a:t>
+            </a:r>
           </a:p>
         </p:txBody>
       </p:sp>
@@ -5488,12 +11248,20 @@
             <p:ph type="body" idx="1"/>
           </p:nvPr>
         </p:nvSpPr>
-        <p:spPr/>
+        <p:spPr>
+          <a:xfrm>
+            <a:off x="293251" y="1574499"/>
+            <a:ext cx="3143633" cy="518620"/>
+          </a:xfrm>
+        </p:spPr>
         <p:txBody>
           <a:bodyPr/>
           <a:lstStyle/>
           <a:p>
-            <a:endParaRPr lang="fr-FR"/>
+            <a:r>
+              <a:rPr lang="fr-FR" dirty="0"/>
+              <a:t>Tâches principales </a:t>
+            </a:r>
           </a:p>
         </p:txBody>
       </p:sp>
@@ -5513,7 +11281,12 @@
             <p:ph sz="half" idx="2"/>
           </p:nvPr>
         </p:nvSpPr>
-        <p:spPr/>
+        <p:spPr>
+          <a:xfrm>
+            <a:off x="293251" y="2107242"/>
+            <a:ext cx="3631168" cy="3684588"/>
+          </a:xfrm>
+        </p:spPr>
         <p:txBody>
           <a:bodyPr/>
           <a:lstStyle/>
@@ -5538,40 +11311,54 @@
             <p:ph type="body" sz="quarter" idx="3"/>
           </p:nvPr>
         </p:nvSpPr>
-        <p:spPr/>
+        <p:spPr>
+          <a:xfrm>
+            <a:off x="4026776" y="1269207"/>
+            <a:ext cx="4138448" cy="823912"/>
+          </a:xfrm>
+        </p:spPr>
         <p:txBody>
           <a:bodyPr/>
           <a:lstStyle/>
           <a:p>
-            <a:endParaRPr lang="fr-FR" dirty="0"/>
+            <a:r>
+              <a:rPr lang="fr-FR" dirty="0"/>
+              <a:t>Répartition du temps de travail</a:t>
+            </a:r>
           </a:p>
         </p:txBody>
       </p:sp>
-      <p:sp>
-        <p:nvSpPr>
-          <p:cNvPr id="6" name="Espace réservé du contenu 5">
-            <a:extLst>
-              <a:ext uri="{FF2B5EF4-FFF2-40B4-BE49-F238E27FC236}">
-                <a16:creationId xmlns:a16="http://schemas.microsoft.com/office/drawing/2014/main" id="{03859EAB-83D4-46B5-8E9A-528FDBFACB4C}"/>
-              </a:ext>
-            </a:extLst>
-          </p:cNvPr>
-          <p:cNvSpPr>
-            <a:spLocks noGrp="1"/>
-          </p:cNvSpPr>
+      <p:graphicFrame>
+        <p:nvGraphicFramePr>
+          <p:cNvPr id="11" name="Espace réservé du contenu 10">
+            <a:extLst>
+              <a:ext uri="{FF2B5EF4-FFF2-40B4-BE49-F238E27FC236}">
+                <a16:creationId xmlns:a16="http://schemas.microsoft.com/office/drawing/2014/main" id="{280206B7-FEB6-4209-81ED-4CFF05EEC113}"/>
+              </a:ext>
+            </a:extLst>
+          </p:cNvPr>
+          <p:cNvGraphicFramePr>
+            <a:graphicFrameLocks noGrp="1"/>
+          </p:cNvGraphicFramePr>
           <p:nvPr>
             <p:ph sz="quarter" idx="4"/>
-          </p:nvPr>
-        </p:nvSpPr>
-        <p:spPr/>
-        <p:txBody>
-          <a:bodyPr/>
-          <a:lstStyle/>
-          <a:p>
-            <a:endParaRPr lang="fr-FR"/>
-          </a:p>
-        </p:txBody>
-      </p:sp>
+            <p:extLst>
+              <p:ext uri="{D42A27DB-BD31-4B8C-83A1-F6EECF244321}">
+                <p14:modId xmlns:p14="http://schemas.microsoft.com/office/powerpoint/2010/main" val="359520863"/>
+              </p:ext>
+            </p:extLst>
+          </p:nvPr>
+        </p:nvGraphicFramePr>
+        <p:xfrm>
+          <a:off x="3924419" y="2093119"/>
+          <a:ext cx="3981450" cy="3684587"/>
+        </p:xfrm>
+        <a:graphic>
+          <a:graphicData uri="http://schemas.openxmlformats.org/drawingml/2006/chart">
+            <c:chart xmlns:c="http://schemas.openxmlformats.org/drawingml/2006/chart" xmlns:r="http://schemas.openxmlformats.org/officeDocument/2006/relationships" r:id="rId2"/>
+          </a:graphicData>
+        </a:graphic>
+      </p:graphicFrame>
     </p:spTree>
     <p:extLst>
       <p:ext uri="{BB962C8B-B14F-4D97-AF65-F5344CB8AC3E}">
@@ -5625,7 +11412,7 @@
           <a:p>
             <a:r>
               <a:rPr lang="fr-FR" dirty="0"/>
-              <a:t>Bilan de groupe</a:t>
+              <a:t>Bilan personnel – Antoine D’AURE</a:t>
             </a:r>
           </a:p>
         </p:txBody>
@@ -5646,14 +11433,19 @@
             <p:ph type="body" idx="1"/>
           </p:nvPr>
         </p:nvSpPr>
-        <p:spPr/>
+        <p:spPr>
+          <a:xfrm>
+            <a:off x="293251" y="1574499"/>
+            <a:ext cx="3143633" cy="518620"/>
+          </a:xfrm>
+        </p:spPr>
         <p:txBody>
           <a:bodyPr/>
           <a:lstStyle/>
           <a:p>
             <a:r>
               <a:rPr lang="fr-FR" dirty="0"/>
-              <a:t>Mise en situation équipe d’ingénieur de développements</a:t>
+              <a:t>Tâches principales </a:t>
             </a:r>
           </a:p>
         </p:txBody>
@@ -5674,35 +11466,17 @@
             <p:ph sz="half" idx="2"/>
           </p:nvPr>
         </p:nvSpPr>
-        <p:spPr/>
+        <p:spPr>
+          <a:xfrm>
+            <a:off x="293251" y="2107242"/>
+            <a:ext cx="3631168" cy="3684588"/>
+          </a:xfrm>
+        </p:spPr>
         <p:txBody>
           <a:bodyPr/>
           <a:lstStyle/>
           <a:p>
-            <a:r>
-              <a:rPr lang="fr-FR" dirty="0"/>
-              <a:t>Lundi : </a:t>
-            </a:r>
-          </a:p>
-          <a:p>
-            <a:pPr lvl="1"/>
-            <a:r>
-              <a:rPr lang="fr-FR" dirty="0"/>
-              <a:t>Compte rendu de la semaine passée</a:t>
-            </a:r>
-          </a:p>
-          <a:p>
-            <a:pPr lvl="1"/>
-            <a:r>
-              <a:rPr lang="fr-FR" dirty="0"/>
-              <a:t>Répartition des taches de la semaine à venir</a:t>
-            </a:r>
-          </a:p>
-          <a:p>
-            <a:r>
-              <a:rPr lang="fr-FR" dirty="0"/>
-              <a:t>Bonne entente et répartition des taches</a:t>
-            </a:r>
+            <a:endParaRPr lang="fr-FR" dirty="0"/>
           </a:p>
         </p:txBody>
       </p:sp>
@@ -5722,7 +11496,12 @@
             <p:ph type="body" sz="quarter" idx="3"/>
           </p:nvPr>
         </p:nvSpPr>
-        <p:spPr/>
+        <p:spPr>
+          <a:xfrm>
+            <a:off x="4026776" y="1269207"/>
+            <a:ext cx="4138448" cy="823912"/>
+          </a:xfrm>
+        </p:spPr>
         <p:txBody>
           <a:bodyPr/>
           <a:lstStyle/>
@@ -5736,10 +11515,10 @@
       </p:sp>
       <p:graphicFrame>
         <p:nvGraphicFramePr>
-          <p:cNvPr id="17" name="Espace réservé du contenu 16">
-            <a:extLst>
-              <a:ext uri="{FF2B5EF4-FFF2-40B4-BE49-F238E27FC236}">
-                <a16:creationId xmlns:a16="http://schemas.microsoft.com/office/drawing/2014/main" id="{BFEB7FF6-4568-4721-8025-E7738259AAAD}"/>
+          <p:cNvPr id="11" name="Espace réservé du contenu 10">
+            <a:extLst>
+              <a:ext uri="{FF2B5EF4-FFF2-40B4-BE49-F238E27FC236}">
+                <a16:creationId xmlns:a16="http://schemas.microsoft.com/office/drawing/2014/main" id="{280206B7-FEB6-4209-81ED-4CFF05EEC113}"/>
               </a:ext>
             </a:extLst>
           </p:cNvPr>
@@ -5748,16 +11527,11 @@
           </p:cNvGraphicFramePr>
           <p:nvPr>
             <p:ph sz="quarter" idx="4"/>
-            <p:extLst>
-              <p:ext uri="{D42A27DB-BD31-4B8C-83A1-F6EECF244321}">
-                <p14:modId xmlns:p14="http://schemas.microsoft.com/office/powerpoint/2010/main" val="2190791011"/>
-              </p:ext>
-            </p:extLst>
           </p:nvPr>
         </p:nvGraphicFramePr>
         <p:xfrm>
-          <a:off x="6529551" y="2505075"/>
-          <a:ext cx="5357813" cy="3987800"/>
+          <a:off x="3924419" y="2093119"/>
+          <a:ext cx="3981450" cy="3684587"/>
         </p:xfrm>
         <a:graphic>
           <a:graphicData uri="http://schemas.openxmlformats.org/drawingml/2006/chart">
@@ -5768,7 +11542,7 @@
     </p:spTree>
     <p:extLst>
       <p:ext uri="{BB962C8B-B14F-4D97-AF65-F5344CB8AC3E}">
-        <p14:creationId xmlns:p14="http://schemas.microsoft.com/office/powerpoint/2010/main" val="2894810776"/>
+        <p14:creationId xmlns:p14="http://schemas.microsoft.com/office/powerpoint/2010/main" val="3790482036"/>
       </p:ext>
     </p:extLst>
   </p:cSld>
@@ -5818,7 +11592,40 @@
           <a:p>
             <a:r>
               <a:rPr lang="fr-FR" dirty="0"/>
-              <a:t>Conclusion</a:t>
+              <a:t>Bilan personnel – Alexis Maire</a:t>
+            </a:r>
+          </a:p>
+        </p:txBody>
+      </p:sp>
+      <p:sp>
+        <p:nvSpPr>
+          <p:cNvPr id="3" name="Espace réservé du texte 2">
+            <a:extLst>
+              <a:ext uri="{FF2B5EF4-FFF2-40B4-BE49-F238E27FC236}">
+                <a16:creationId xmlns:a16="http://schemas.microsoft.com/office/drawing/2014/main" id="{C29F7321-27E5-4F26-A662-54F5D5FBFC88}"/>
+              </a:ext>
+            </a:extLst>
+          </p:cNvPr>
+          <p:cNvSpPr>
+            <a:spLocks noGrp="1"/>
+          </p:cNvSpPr>
+          <p:nvPr>
+            <p:ph type="body" idx="1"/>
+          </p:nvPr>
+        </p:nvSpPr>
+        <p:spPr>
+          <a:xfrm>
+            <a:off x="293251" y="1574499"/>
+            <a:ext cx="3143633" cy="518620"/>
+          </a:xfrm>
+        </p:spPr>
+        <p:txBody>
+          <a:bodyPr/>
+          <a:lstStyle/>
+          <a:p>
+            <a:r>
+              <a:rPr lang="fr-FR" dirty="0"/>
+              <a:t>Tâches principales </a:t>
             </a:r>
           </a:p>
         </p:txBody>
@@ -5841,75 +11648,13 @@
         </p:nvSpPr>
         <p:spPr>
           <a:xfrm>
-            <a:off x="839788" y="1690688"/>
-            <a:ext cx="5157787" cy="4498975"/>
+            <a:off x="293251" y="2107242"/>
+            <a:ext cx="3631168" cy="3684588"/>
           </a:xfrm>
         </p:spPr>
         <p:txBody>
-          <a:bodyPr>
-            <a:normAutofit lnSpcReduction="10000"/>
-          </a:bodyPr>
+          <a:bodyPr/>
           <a:lstStyle/>
-          <a:p>
-            <a:r>
-              <a:rPr lang="fr-FR" dirty="0"/>
-              <a:t>Résultats satisfaisants :</a:t>
-            </a:r>
-          </a:p>
-          <a:p>
-            <a:pPr lvl="1"/>
-            <a:r>
-              <a:rPr lang="fr-FR" dirty="0"/>
-              <a:t>XXX% d’erreur sur tests Approche par mots clefs (1h de test)</a:t>
-            </a:r>
-          </a:p>
-          <a:p>
-            <a:pPr lvl="1"/>
-            <a:r>
-              <a:rPr lang="fr-FR" dirty="0"/>
-              <a:t>XXX</a:t>
-            </a:r>
-          </a:p>
-          <a:p>
-            <a:r>
-              <a:rPr lang="fr-FR" dirty="0"/>
-              <a:t>Réponse au cahier des charges :</a:t>
-            </a:r>
-          </a:p>
-          <a:p>
-            <a:pPr lvl="1"/>
-            <a:r>
-              <a:rPr lang="fr-FR" dirty="0"/>
-              <a:t>Test de « speech recognition »</a:t>
-            </a:r>
-          </a:p>
-          <a:p>
-            <a:r>
-              <a:rPr lang="fr-FR" dirty="0"/>
-              <a:t>Améliorations possibles:</a:t>
-            </a:r>
-          </a:p>
-          <a:p>
-            <a:pPr lvl="1"/>
-            <a:r>
-              <a:rPr lang="fr-FR" dirty="0"/>
-              <a:t>Automatisation du fichier .top</a:t>
-            </a:r>
-          </a:p>
-          <a:p>
-            <a:pPr lvl="1"/>
-            <a:r>
-              <a:rPr lang="fr-FR" dirty="0"/>
-              <a:t>Agrandir la base de données de la grammaire</a:t>
-            </a:r>
-          </a:p>
-          <a:p>
-            <a:pPr lvl="1"/>
-            <a:r>
-              <a:rPr lang="fr-FR" dirty="0"/>
-              <a:t>Implémenter la reconnaissance visuelle</a:t>
-            </a:r>
-          </a:p>
           <a:p>
             <a:endParaRPr lang="fr-FR" dirty="0"/>
           </a:p>
@@ -5917,10 +11662,10 @@
       </p:sp>
       <p:sp>
         <p:nvSpPr>
-          <p:cNvPr id="6" name="Espace réservé du contenu 5">
-            <a:extLst>
-              <a:ext uri="{FF2B5EF4-FFF2-40B4-BE49-F238E27FC236}">
-                <a16:creationId xmlns:a16="http://schemas.microsoft.com/office/drawing/2014/main" id="{03859EAB-83D4-46B5-8E9A-528FDBFACB4C}"/>
+          <p:cNvPr id="5" name="Espace réservé du texte 4">
+            <a:extLst>
+              <a:ext uri="{FF2B5EF4-FFF2-40B4-BE49-F238E27FC236}">
+                <a16:creationId xmlns:a16="http://schemas.microsoft.com/office/drawing/2014/main" id="{8D52A8DD-5C61-4098-A25C-CF45E7F9BE7A}"/>
               </a:ext>
             </a:extLst>
           </p:cNvPr>
@@ -5928,29 +11673,56 @@
             <a:spLocks noGrp="1"/>
           </p:cNvSpPr>
           <p:nvPr>
-            <p:ph sz="quarter" idx="4"/>
+            <p:ph type="body" sz="quarter" idx="3"/>
           </p:nvPr>
         </p:nvSpPr>
         <p:spPr>
           <a:xfrm>
-            <a:off x="6172200" y="1690688"/>
-            <a:ext cx="5183188" cy="4498975"/>
+            <a:off x="4026776" y="1269207"/>
+            <a:ext cx="4138448" cy="823912"/>
           </a:xfrm>
         </p:spPr>
         <p:txBody>
-          <a:bodyPr>
-            <a:normAutofit lnSpcReduction="10000"/>
-          </a:bodyPr>
+          <a:bodyPr/>
           <a:lstStyle/>
           <a:p>
-            <a:endParaRPr lang="fr-FR" dirty="0"/>
+            <a:r>
+              <a:rPr lang="fr-FR" dirty="0"/>
+              <a:t>Répartition du temps de travail</a:t>
+            </a:r>
           </a:p>
         </p:txBody>
       </p:sp>
+      <p:graphicFrame>
+        <p:nvGraphicFramePr>
+          <p:cNvPr id="11" name="Espace réservé du contenu 10">
+            <a:extLst>
+              <a:ext uri="{FF2B5EF4-FFF2-40B4-BE49-F238E27FC236}">
+                <a16:creationId xmlns:a16="http://schemas.microsoft.com/office/drawing/2014/main" id="{280206B7-FEB6-4209-81ED-4CFF05EEC113}"/>
+              </a:ext>
+            </a:extLst>
+          </p:cNvPr>
+          <p:cNvGraphicFramePr>
+            <a:graphicFrameLocks noGrp="1"/>
+          </p:cNvGraphicFramePr>
+          <p:nvPr>
+            <p:ph sz="quarter" idx="4"/>
+          </p:nvPr>
+        </p:nvGraphicFramePr>
+        <p:xfrm>
+          <a:off x="3924419" y="2093119"/>
+          <a:ext cx="3981450" cy="3684587"/>
+        </p:xfrm>
+        <a:graphic>
+          <a:graphicData uri="http://schemas.openxmlformats.org/drawingml/2006/chart">
+            <c:chart xmlns:c="http://schemas.openxmlformats.org/drawingml/2006/chart" xmlns:r="http://schemas.openxmlformats.org/officeDocument/2006/relationships" r:id="rId2"/>
+          </a:graphicData>
+        </a:graphic>
+      </p:graphicFrame>
     </p:spTree>
     <p:extLst>
       <p:ext uri="{BB962C8B-B14F-4D97-AF65-F5344CB8AC3E}">
-        <p14:creationId xmlns:p14="http://schemas.microsoft.com/office/powerpoint/2010/main" val="2992047838"/>
+        <p14:creationId xmlns:p14="http://schemas.microsoft.com/office/powerpoint/2010/main" val="2317817543"/>
       </p:ext>
     </p:extLst>
   </p:cSld>
@@ -5982,7 +11754,7 @@
           <p:cNvPr id="2" name="Titre 1">
             <a:extLst>
               <a:ext uri="{FF2B5EF4-FFF2-40B4-BE49-F238E27FC236}">
-                <a16:creationId xmlns:a16="http://schemas.microsoft.com/office/drawing/2014/main" id="{6DEF1692-4404-48A3-977E-C6959B8D7471}"/>
+                <a16:creationId xmlns:a16="http://schemas.microsoft.com/office/drawing/2014/main" id="{6CA294AB-36EE-442C-977C-ACC9BCD37340}"/>
               </a:ext>
             </a:extLst>
           </p:cNvPr>
@@ -6000,17 +11772,17 @@
           <a:p>
             <a:r>
               <a:rPr lang="fr-FR" dirty="0"/>
-              <a:t>Conclusion</a:t>
+              <a:t>Bilan personnel – Timothée OLIVES</a:t>
             </a:r>
           </a:p>
         </p:txBody>
       </p:sp>
       <p:sp>
         <p:nvSpPr>
-          <p:cNvPr id="3" name="Espace réservé du contenu 2">
-            <a:extLst>
-              <a:ext uri="{FF2B5EF4-FFF2-40B4-BE49-F238E27FC236}">
-                <a16:creationId xmlns:a16="http://schemas.microsoft.com/office/drawing/2014/main" id="{EAE431DF-8BB9-472F-BA44-28028320630F}"/>
+          <p:cNvPr id="3" name="Espace réservé du texte 2">
+            <a:extLst>
+              <a:ext uri="{FF2B5EF4-FFF2-40B4-BE49-F238E27FC236}">
+                <a16:creationId xmlns:a16="http://schemas.microsoft.com/office/drawing/2014/main" id="{C29F7321-27E5-4F26-A662-54F5D5FBFC88}"/>
               </a:ext>
             </a:extLst>
           </p:cNvPr>
@@ -6018,150 +11790,715 @@
             <a:spLocks noGrp="1"/>
           </p:cNvSpPr>
           <p:nvPr>
-            <p:ph idx="1"/>
+            <p:ph type="body" idx="1"/>
+          </p:nvPr>
+        </p:nvSpPr>
+        <p:spPr>
+          <a:xfrm>
+            <a:off x="293251" y="1574499"/>
+            <a:ext cx="3143633" cy="518620"/>
+          </a:xfrm>
+        </p:spPr>
+        <p:txBody>
+          <a:bodyPr/>
+          <a:lstStyle/>
+          <a:p>
+            <a:r>
+              <a:rPr lang="fr-FR" dirty="0"/>
+              <a:t>Tâches principales </a:t>
+            </a:r>
+          </a:p>
+        </p:txBody>
+      </p:sp>
+      <p:sp>
+        <p:nvSpPr>
+          <p:cNvPr id="4" name="Espace réservé du contenu 3">
+            <a:extLst>
+              <a:ext uri="{FF2B5EF4-FFF2-40B4-BE49-F238E27FC236}">
+                <a16:creationId xmlns:a16="http://schemas.microsoft.com/office/drawing/2014/main" id="{1A1E2842-46BE-4FF8-89CB-BDFBD11FE6DA}"/>
+              </a:ext>
+            </a:extLst>
+          </p:cNvPr>
+          <p:cNvSpPr>
+            <a:spLocks noGrp="1"/>
+          </p:cNvSpPr>
+          <p:nvPr>
+            <p:ph sz="half" idx="2"/>
+          </p:nvPr>
+        </p:nvSpPr>
+        <p:spPr>
+          <a:xfrm>
+            <a:off x="293251" y="2107242"/>
+            <a:ext cx="3631168" cy="3684588"/>
+          </a:xfrm>
+        </p:spPr>
+        <p:txBody>
+          <a:bodyPr/>
+          <a:lstStyle/>
+          <a:p>
+            <a:endParaRPr lang="fr-FR" dirty="0"/>
+          </a:p>
+        </p:txBody>
+      </p:sp>
+      <p:sp>
+        <p:nvSpPr>
+          <p:cNvPr id="5" name="Espace réservé du texte 4">
+            <a:extLst>
+              <a:ext uri="{FF2B5EF4-FFF2-40B4-BE49-F238E27FC236}">
+                <a16:creationId xmlns:a16="http://schemas.microsoft.com/office/drawing/2014/main" id="{8D52A8DD-5C61-4098-A25C-CF45E7F9BE7A}"/>
+              </a:ext>
+            </a:extLst>
+          </p:cNvPr>
+          <p:cNvSpPr>
+            <a:spLocks noGrp="1"/>
+          </p:cNvSpPr>
+          <p:nvPr>
+            <p:ph type="body" sz="quarter" idx="3"/>
+          </p:nvPr>
+        </p:nvSpPr>
+        <p:spPr>
+          <a:xfrm>
+            <a:off x="4026776" y="1269207"/>
+            <a:ext cx="4138448" cy="823912"/>
+          </a:xfrm>
+        </p:spPr>
+        <p:txBody>
+          <a:bodyPr/>
+          <a:lstStyle/>
+          <a:p>
+            <a:r>
+              <a:rPr lang="fr-FR" dirty="0"/>
+              <a:t>Répartition du temps de travail</a:t>
+            </a:r>
+          </a:p>
+        </p:txBody>
+      </p:sp>
+      <p:graphicFrame>
+        <p:nvGraphicFramePr>
+          <p:cNvPr id="11" name="Espace réservé du contenu 10">
+            <a:extLst>
+              <a:ext uri="{FF2B5EF4-FFF2-40B4-BE49-F238E27FC236}">
+                <a16:creationId xmlns:a16="http://schemas.microsoft.com/office/drawing/2014/main" id="{280206B7-FEB6-4209-81ED-4CFF05EEC113}"/>
+              </a:ext>
+            </a:extLst>
+          </p:cNvPr>
+          <p:cNvGraphicFramePr>
+            <a:graphicFrameLocks noGrp="1"/>
+          </p:cNvGraphicFramePr>
+          <p:nvPr>
+            <p:ph sz="quarter" idx="4"/>
+          </p:nvPr>
+        </p:nvGraphicFramePr>
+        <p:xfrm>
+          <a:off x="3924419" y="2093119"/>
+          <a:ext cx="3981450" cy="3684587"/>
+        </p:xfrm>
+        <a:graphic>
+          <a:graphicData uri="http://schemas.openxmlformats.org/drawingml/2006/chart">
+            <c:chart xmlns:c="http://schemas.openxmlformats.org/drawingml/2006/chart" xmlns:r="http://schemas.openxmlformats.org/officeDocument/2006/relationships" r:id="rId2"/>
+          </a:graphicData>
+        </a:graphic>
+      </p:graphicFrame>
+    </p:spTree>
+    <p:extLst>
+      <p:ext uri="{BB962C8B-B14F-4D97-AF65-F5344CB8AC3E}">
+        <p14:creationId xmlns:p14="http://schemas.microsoft.com/office/powerpoint/2010/main" val="2001634516"/>
+      </p:ext>
+    </p:extLst>
+  </p:cSld>
+  <p:clrMapOvr>
+    <a:masterClrMapping/>
+  </p:clrMapOvr>
+</p:sld>
+</file>
+
+<file path=ppt/slides/slide17.xml><?xml version="1.0" encoding="utf-8"?>
+<p:sld xmlns:a="http://schemas.openxmlformats.org/drawingml/2006/main" xmlns:r="http://schemas.openxmlformats.org/officeDocument/2006/relationships" xmlns:p="http://schemas.openxmlformats.org/presentationml/2006/main">
+  <p:cSld>
+    <p:spTree>
+      <p:nvGrpSpPr>
+        <p:cNvPr id="1" name=""/>
+        <p:cNvGrpSpPr/>
+        <p:nvPr/>
+      </p:nvGrpSpPr>
+      <p:grpSpPr>
+        <a:xfrm>
+          <a:off x="0" y="0"/>
+          <a:ext cx="0" cy="0"/>
+          <a:chOff x="0" y="0"/>
+          <a:chExt cx="0" cy="0"/>
+        </a:xfrm>
+      </p:grpSpPr>
+      <p:sp>
+        <p:nvSpPr>
+          <p:cNvPr id="2" name="Titre 1">
+            <a:extLst>
+              <a:ext uri="{FF2B5EF4-FFF2-40B4-BE49-F238E27FC236}">
+                <a16:creationId xmlns:a16="http://schemas.microsoft.com/office/drawing/2014/main" id="{6CA294AB-36EE-442C-977C-ACC9BCD37340}"/>
+              </a:ext>
+            </a:extLst>
+          </p:cNvPr>
+          <p:cNvSpPr>
+            <a:spLocks noGrp="1"/>
+          </p:cNvSpPr>
+          <p:nvPr>
+            <p:ph type="title"/>
           </p:nvPr>
         </p:nvSpPr>
         <p:spPr/>
         <p:txBody>
-          <a:bodyPr>
-            <a:normAutofit fontScale="62500" lnSpcReduction="20000"/>
-          </a:bodyPr>
+          <a:bodyPr/>
           <a:lstStyle/>
           <a:p>
             <a:r>
               <a:rPr lang="fr-FR" dirty="0"/>
-              <a:t>1 présentation de l’équipe</a:t>
-            </a:r>
-          </a:p>
-          <a:p>
-            <a:r>
-              <a:rPr lang="fr-FR" dirty="0"/>
-              <a:t>2 Présentation de l’épreuve</a:t>
-            </a:r>
-          </a:p>
-          <a:p>
-            <a:r>
-              <a:rPr lang="fr-FR" dirty="0"/>
-              <a:t>3 cheminement de la réflexion (</a:t>
-            </a:r>
-            <a:r>
-              <a:rPr lang="fr-FR" dirty="0" err="1"/>
-              <a:t>Qichat</a:t>
-            </a:r>
-            <a:r>
-              <a:rPr lang="fr-FR" dirty="0"/>
-              <a:t> python apprentissage</a:t>
-            </a:r>
-          </a:p>
-          <a:p>
-            <a:r>
-              <a:rPr lang="fr-FR" dirty="0"/>
-              <a:t>4 Organisation générale de l’équipe </a:t>
-            </a:r>
-            <a:r>
-              <a:rPr lang="fr-FR" dirty="0" err="1"/>
-              <a:t>github</a:t>
-            </a:r>
-            <a:r>
-              <a:rPr lang="fr-FR" dirty="0"/>
-              <a:t> </a:t>
-            </a:r>
-            <a:r>
-              <a:rPr lang="fr-FR" dirty="0" err="1"/>
-              <a:t>trello</a:t>
-            </a:r>
-            <a:endParaRPr lang="fr-FR" dirty="0"/>
-          </a:p>
-          <a:p>
-            <a:r>
-              <a:rPr lang="fr-FR" dirty="0"/>
-              <a:t>5 </a:t>
-            </a:r>
-            <a:r>
-              <a:rPr lang="fr-FR" dirty="0">
-                <a:highlight>
-                  <a:srgbClr val="FFFF00"/>
-                </a:highlight>
-              </a:rPr>
-              <a:t>Vidéo Présentation Robot</a:t>
-            </a:r>
-          </a:p>
-          <a:p>
-            <a:r>
-              <a:rPr lang="fr-FR" u="sng" dirty="0"/>
-              <a:t>6 Approche par mots clefs</a:t>
-            </a:r>
-          </a:p>
-          <a:p>
-            <a:r>
-              <a:rPr lang="fr-FR" u="sng" dirty="0"/>
-              <a:t>7 Approche dynamique</a:t>
-            </a:r>
-          </a:p>
-          <a:p>
-            <a:r>
-              <a:rPr lang="fr-FR" u="sng" dirty="0"/>
-              <a:t>8 Récupération de la réponse à partir question posée</a:t>
-            </a:r>
-          </a:p>
-          <a:p>
-            <a:r>
-              <a:rPr lang="fr-FR" u="sng" dirty="0"/>
-              <a:t>9 Tablette </a:t>
-            </a:r>
-            <a:r>
-              <a:rPr lang="fr-FR" u="sng" dirty="0">
-                <a:highlight>
-                  <a:srgbClr val="FFFF00"/>
-                </a:highlight>
-              </a:rPr>
-              <a:t>Photo/Vidéo</a:t>
-            </a:r>
-          </a:p>
-          <a:p>
-            <a:r>
-              <a:rPr lang="fr-FR" u="sng" dirty="0"/>
-              <a:t>10 Phase de test </a:t>
-            </a:r>
-            <a:r>
-              <a:rPr lang="fr-FR" u="sng" dirty="0">
-                <a:highlight>
-                  <a:srgbClr val="FFFF00"/>
-                </a:highlight>
-              </a:rPr>
-              <a:t>Vidéo test</a:t>
-            </a:r>
-          </a:p>
-          <a:p>
-            <a:r>
-              <a:rPr lang="fr-FR" u="sng" dirty="0"/>
-              <a:t>11 Bilan personnel</a:t>
-            </a:r>
-          </a:p>
-          <a:p>
-            <a:r>
-              <a:rPr lang="fr-FR" dirty="0"/>
-              <a:t>12 Bilan groupe</a:t>
-            </a:r>
-          </a:p>
-          <a:p>
-            <a:r>
-              <a:rPr lang="fr-FR" dirty="0"/>
-              <a:t>Conclusion / Ouverture</a:t>
-            </a:r>
-          </a:p>
-          <a:p>
-            <a:endParaRPr lang="fr-FR" dirty="0"/>
-          </a:p>
-          <a:p>
-            <a:endParaRPr lang="fr-FR" dirty="0"/>
+              <a:t>Bilan personnel – Tristan PARISELLE</a:t>
+            </a:r>
           </a:p>
         </p:txBody>
       </p:sp>
+      <p:sp>
+        <p:nvSpPr>
+          <p:cNvPr id="3" name="Espace réservé du texte 2">
+            <a:extLst>
+              <a:ext uri="{FF2B5EF4-FFF2-40B4-BE49-F238E27FC236}">
+                <a16:creationId xmlns:a16="http://schemas.microsoft.com/office/drawing/2014/main" id="{C29F7321-27E5-4F26-A662-54F5D5FBFC88}"/>
+              </a:ext>
+            </a:extLst>
+          </p:cNvPr>
+          <p:cNvSpPr>
+            <a:spLocks noGrp="1"/>
+          </p:cNvSpPr>
+          <p:nvPr>
+            <p:ph type="body" idx="1"/>
+          </p:nvPr>
+        </p:nvSpPr>
+        <p:spPr>
+          <a:xfrm>
+            <a:off x="293251" y="1574499"/>
+            <a:ext cx="3143633" cy="518620"/>
+          </a:xfrm>
+        </p:spPr>
+        <p:txBody>
+          <a:bodyPr/>
+          <a:lstStyle/>
+          <a:p>
+            <a:r>
+              <a:rPr lang="fr-FR" dirty="0"/>
+              <a:t>Tâches principales </a:t>
+            </a:r>
+          </a:p>
+        </p:txBody>
+      </p:sp>
+      <p:sp>
+        <p:nvSpPr>
+          <p:cNvPr id="4" name="Espace réservé du contenu 3">
+            <a:extLst>
+              <a:ext uri="{FF2B5EF4-FFF2-40B4-BE49-F238E27FC236}">
+                <a16:creationId xmlns:a16="http://schemas.microsoft.com/office/drawing/2014/main" id="{1A1E2842-46BE-4FF8-89CB-BDFBD11FE6DA}"/>
+              </a:ext>
+            </a:extLst>
+          </p:cNvPr>
+          <p:cNvSpPr>
+            <a:spLocks noGrp="1"/>
+          </p:cNvSpPr>
+          <p:nvPr>
+            <p:ph sz="half" idx="2"/>
+          </p:nvPr>
+        </p:nvSpPr>
+        <p:spPr>
+          <a:xfrm>
+            <a:off x="293251" y="2107242"/>
+            <a:ext cx="3631168" cy="3684588"/>
+          </a:xfrm>
+        </p:spPr>
+        <p:txBody>
+          <a:bodyPr/>
+          <a:lstStyle/>
+          <a:p>
+            <a:endParaRPr lang="fr-FR" dirty="0"/>
+          </a:p>
+        </p:txBody>
+      </p:sp>
+      <p:sp>
+        <p:nvSpPr>
+          <p:cNvPr id="5" name="Espace réservé du texte 4">
+            <a:extLst>
+              <a:ext uri="{FF2B5EF4-FFF2-40B4-BE49-F238E27FC236}">
+                <a16:creationId xmlns:a16="http://schemas.microsoft.com/office/drawing/2014/main" id="{8D52A8DD-5C61-4098-A25C-CF45E7F9BE7A}"/>
+              </a:ext>
+            </a:extLst>
+          </p:cNvPr>
+          <p:cNvSpPr>
+            <a:spLocks noGrp="1"/>
+          </p:cNvSpPr>
+          <p:nvPr>
+            <p:ph type="body" sz="quarter" idx="3"/>
+          </p:nvPr>
+        </p:nvSpPr>
+        <p:spPr>
+          <a:xfrm>
+            <a:off x="4026776" y="1269207"/>
+            <a:ext cx="4138448" cy="823912"/>
+          </a:xfrm>
+        </p:spPr>
+        <p:txBody>
+          <a:bodyPr/>
+          <a:lstStyle/>
+          <a:p>
+            <a:r>
+              <a:rPr lang="fr-FR" dirty="0"/>
+              <a:t>Répartition du temps de travail</a:t>
+            </a:r>
+          </a:p>
+        </p:txBody>
+      </p:sp>
+      <p:graphicFrame>
+        <p:nvGraphicFramePr>
+          <p:cNvPr id="11" name="Espace réservé du contenu 10">
+            <a:extLst>
+              <a:ext uri="{FF2B5EF4-FFF2-40B4-BE49-F238E27FC236}">
+                <a16:creationId xmlns:a16="http://schemas.microsoft.com/office/drawing/2014/main" id="{280206B7-FEB6-4209-81ED-4CFF05EEC113}"/>
+              </a:ext>
+            </a:extLst>
+          </p:cNvPr>
+          <p:cNvGraphicFramePr>
+            <a:graphicFrameLocks noGrp="1"/>
+          </p:cNvGraphicFramePr>
+          <p:nvPr>
+            <p:ph sz="quarter" idx="4"/>
+          </p:nvPr>
+        </p:nvGraphicFramePr>
+        <p:xfrm>
+          <a:off x="3924419" y="2093119"/>
+          <a:ext cx="3981450" cy="3684587"/>
+        </p:xfrm>
+        <a:graphic>
+          <a:graphicData uri="http://schemas.openxmlformats.org/drawingml/2006/chart">
+            <c:chart xmlns:c="http://schemas.openxmlformats.org/drawingml/2006/chart" xmlns:r="http://schemas.openxmlformats.org/officeDocument/2006/relationships" r:id="rId2"/>
+          </a:graphicData>
+        </a:graphic>
+      </p:graphicFrame>
     </p:spTree>
     <p:extLst>
       <p:ext uri="{BB962C8B-B14F-4D97-AF65-F5344CB8AC3E}">
-        <p14:creationId xmlns:p14="http://schemas.microsoft.com/office/powerpoint/2010/main" val="953167703"/>
+        <p14:creationId xmlns:p14="http://schemas.microsoft.com/office/powerpoint/2010/main" val="1102940249"/>
+      </p:ext>
+    </p:extLst>
+  </p:cSld>
+  <p:clrMapOvr>
+    <a:masterClrMapping/>
+  </p:clrMapOvr>
+</p:sld>
+</file>
+
+<file path=ppt/slides/slide18.xml><?xml version="1.0" encoding="utf-8"?>
+<p:sld xmlns:a="http://schemas.openxmlformats.org/drawingml/2006/main" xmlns:r="http://schemas.openxmlformats.org/officeDocument/2006/relationships" xmlns:p="http://schemas.openxmlformats.org/presentationml/2006/main">
+  <p:cSld>
+    <p:spTree>
+      <p:nvGrpSpPr>
+        <p:cNvPr id="1" name=""/>
+        <p:cNvGrpSpPr/>
+        <p:nvPr/>
+      </p:nvGrpSpPr>
+      <p:grpSpPr>
+        <a:xfrm>
+          <a:off x="0" y="0"/>
+          <a:ext cx="0" cy="0"/>
+          <a:chOff x="0" y="0"/>
+          <a:chExt cx="0" cy="0"/>
+        </a:xfrm>
+      </p:grpSpPr>
+      <p:sp>
+        <p:nvSpPr>
+          <p:cNvPr id="2" name="Titre 1">
+            <a:extLst>
+              <a:ext uri="{FF2B5EF4-FFF2-40B4-BE49-F238E27FC236}">
+                <a16:creationId xmlns:a16="http://schemas.microsoft.com/office/drawing/2014/main" id="{6CA294AB-36EE-442C-977C-ACC9BCD37340}"/>
+              </a:ext>
+            </a:extLst>
+          </p:cNvPr>
+          <p:cNvSpPr>
+            <a:spLocks noGrp="1"/>
+          </p:cNvSpPr>
+          <p:nvPr>
+            <p:ph type="title"/>
+          </p:nvPr>
+        </p:nvSpPr>
+        <p:spPr/>
+        <p:txBody>
+          <a:bodyPr/>
+          <a:lstStyle/>
+          <a:p>
+            <a:r>
+              <a:rPr lang="fr-FR" dirty="0"/>
+              <a:t>Bilan personnel – Antoine PORTÉ</a:t>
+            </a:r>
+          </a:p>
+        </p:txBody>
+      </p:sp>
+      <p:sp>
+        <p:nvSpPr>
+          <p:cNvPr id="3" name="Espace réservé du texte 2">
+            <a:extLst>
+              <a:ext uri="{FF2B5EF4-FFF2-40B4-BE49-F238E27FC236}">
+                <a16:creationId xmlns:a16="http://schemas.microsoft.com/office/drawing/2014/main" id="{C29F7321-27E5-4F26-A662-54F5D5FBFC88}"/>
+              </a:ext>
+            </a:extLst>
+          </p:cNvPr>
+          <p:cNvSpPr>
+            <a:spLocks noGrp="1"/>
+          </p:cNvSpPr>
+          <p:nvPr>
+            <p:ph type="body" idx="1"/>
+          </p:nvPr>
+        </p:nvSpPr>
+        <p:spPr>
+          <a:xfrm>
+            <a:off x="293251" y="1574499"/>
+            <a:ext cx="3143633" cy="518620"/>
+          </a:xfrm>
+        </p:spPr>
+        <p:txBody>
+          <a:bodyPr/>
+          <a:lstStyle/>
+          <a:p>
+            <a:r>
+              <a:rPr lang="fr-FR" dirty="0"/>
+              <a:t>Tâches principales </a:t>
+            </a:r>
+          </a:p>
+        </p:txBody>
+      </p:sp>
+      <p:sp>
+        <p:nvSpPr>
+          <p:cNvPr id="4" name="Espace réservé du contenu 3">
+            <a:extLst>
+              <a:ext uri="{FF2B5EF4-FFF2-40B4-BE49-F238E27FC236}">
+                <a16:creationId xmlns:a16="http://schemas.microsoft.com/office/drawing/2014/main" id="{1A1E2842-46BE-4FF8-89CB-BDFBD11FE6DA}"/>
+              </a:ext>
+            </a:extLst>
+          </p:cNvPr>
+          <p:cNvSpPr>
+            <a:spLocks noGrp="1"/>
+          </p:cNvSpPr>
+          <p:nvPr>
+            <p:ph sz="half" idx="2"/>
+          </p:nvPr>
+        </p:nvSpPr>
+        <p:spPr>
+          <a:xfrm>
+            <a:off x="293251" y="2107242"/>
+            <a:ext cx="3631168" cy="3684588"/>
+          </a:xfrm>
+        </p:spPr>
+        <p:txBody>
+          <a:bodyPr>
+            <a:normAutofit/>
+          </a:bodyPr>
+          <a:lstStyle/>
+          <a:p>
+            <a:r>
+              <a:rPr lang="fr-FR" sz="2000" dirty="0"/>
+              <a:t>Prise en main de l’environnement</a:t>
+            </a:r>
+          </a:p>
+          <a:p>
+            <a:r>
+              <a:rPr lang="fr-FR" sz="2000" dirty="0"/>
+              <a:t>Exploration de l’ensemble de questions</a:t>
+            </a:r>
+          </a:p>
+          <a:p>
+            <a:r>
+              <a:rPr lang="fr-FR" sz="2000" dirty="0"/>
+              <a:t>Création </a:t>
+            </a:r>
+            <a:r>
+              <a:rPr lang="fr-FR" sz="2000" dirty="0" err="1"/>
+              <a:t>Github</a:t>
+            </a:r>
+            <a:endParaRPr lang="fr-FR" sz="2000" dirty="0"/>
+          </a:p>
+          <a:p>
+            <a:r>
+              <a:rPr lang="fr-FR" sz="2000" dirty="0"/>
+              <a:t>Tablette</a:t>
+            </a:r>
+          </a:p>
+          <a:p>
+            <a:r>
+              <a:rPr lang="fr-FR" sz="2000" dirty="0"/>
+              <a:t>Mouvement du robot en fonction du son</a:t>
+            </a:r>
+          </a:p>
+          <a:p>
+            <a:r>
+              <a:rPr lang="fr-FR" sz="2000" dirty="0"/>
+              <a:t>Présentation </a:t>
+            </a:r>
+            <a:r>
+              <a:rPr lang="fr-FR" sz="2000" dirty="0" err="1"/>
+              <a:t>finalle</a:t>
+            </a:r>
+            <a:endParaRPr lang="fr-FR" sz="2000" dirty="0"/>
+          </a:p>
+          <a:p>
+            <a:pPr marL="0" indent="0">
+              <a:buNone/>
+            </a:pPr>
+            <a:endParaRPr lang="fr-FR" sz="2000" dirty="0"/>
+          </a:p>
+        </p:txBody>
+      </p:sp>
+      <p:sp>
+        <p:nvSpPr>
+          <p:cNvPr id="5" name="Espace réservé du texte 4">
+            <a:extLst>
+              <a:ext uri="{FF2B5EF4-FFF2-40B4-BE49-F238E27FC236}">
+                <a16:creationId xmlns:a16="http://schemas.microsoft.com/office/drawing/2014/main" id="{8D52A8DD-5C61-4098-A25C-CF45E7F9BE7A}"/>
+              </a:ext>
+            </a:extLst>
+          </p:cNvPr>
+          <p:cNvSpPr>
+            <a:spLocks noGrp="1"/>
+          </p:cNvSpPr>
+          <p:nvPr>
+            <p:ph type="body" sz="quarter" idx="3"/>
+          </p:nvPr>
+        </p:nvSpPr>
+        <p:spPr>
+          <a:xfrm>
+            <a:off x="4026776" y="1269207"/>
+            <a:ext cx="4138448" cy="823912"/>
+          </a:xfrm>
+        </p:spPr>
+        <p:txBody>
+          <a:bodyPr/>
+          <a:lstStyle/>
+          <a:p>
+            <a:r>
+              <a:rPr lang="fr-FR" dirty="0"/>
+              <a:t>Répartition du temps de travail</a:t>
+            </a:r>
+          </a:p>
+        </p:txBody>
+      </p:sp>
+      <p:graphicFrame>
+        <p:nvGraphicFramePr>
+          <p:cNvPr id="9" name="Espace réservé du contenu 8">
+            <a:extLst>
+              <a:ext uri="{FF2B5EF4-FFF2-40B4-BE49-F238E27FC236}">
+                <a16:creationId xmlns:a16="http://schemas.microsoft.com/office/drawing/2014/main" id="{210E9348-331A-4D28-A85F-25FDC197CB73}"/>
+              </a:ext>
+            </a:extLst>
+          </p:cNvPr>
+          <p:cNvGraphicFramePr>
+            <a:graphicFrameLocks noGrp="1"/>
+          </p:cNvGraphicFramePr>
+          <p:nvPr>
+            <p:ph sz="quarter" idx="4"/>
+            <p:extLst>
+              <p:ext uri="{D42A27DB-BD31-4B8C-83A1-F6EECF244321}">
+                <p14:modId xmlns:p14="http://schemas.microsoft.com/office/powerpoint/2010/main" val="2108739031"/>
+              </p:ext>
+            </p:extLst>
+          </p:nvPr>
+        </p:nvGraphicFramePr>
+        <p:xfrm>
+          <a:off x="3533503" y="2263393"/>
+          <a:ext cx="4137735" cy="3684587"/>
+        </p:xfrm>
+        <a:graphic>
+          <a:graphicData uri="http://schemas.openxmlformats.org/drawingml/2006/chart">
+            <c:chart xmlns:c="http://schemas.openxmlformats.org/drawingml/2006/chart" xmlns:r="http://schemas.openxmlformats.org/officeDocument/2006/relationships" r:id="rId2"/>
+          </a:graphicData>
+        </a:graphic>
+      </p:graphicFrame>
+    </p:spTree>
+    <p:extLst>
+      <p:ext uri="{BB962C8B-B14F-4D97-AF65-F5344CB8AC3E}">
+        <p14:creationId xmlns:p14="http://schemas.microsoft.com/office/powerpoint/2010/main" val="848313315"/>
+      </p:ext>
+    </p:extLst>
+  </p:cSld>
+  <p:clrMapOvr>
+    <a:masterClrMapping/>
+  </p:clrMapOvr>
+</p:sld>
+</file>
+
+<file path=ppt/slides/slide19.xml><?xml version="1.0" encoding="utf-8"?>
+<p:sld xmlns:a="http://schemas.openxmlformats.org/drawingml/2006/main" xmlns:r="http://schemas.openxmlformats.org/officeDocument/2006/relationships" xmlns:p="http://schemas.openxmlformats.org/presentationml/2006/main">
+  <p:cSld>
+    <p:spTree>
+      <p:nvGrpSpPr>
+        <p:cNvPr id="1" name=""/>
+        <p:cNvGrpSpPr/>
+        <p:nvPr/>
+      </p:nvGrpSpPr>
+      <p:grpSpPr>
+        <a:xfrm>
+          <a:off x="0" y="0"/>
+          <a:ext cx="0" cy="0"/>
+          <a:chOff x="0" y="0"/>
+          <a:chExt cx="0" cy="0"/>
+        </a:xfrm>
+      </p:grpSpPr>
+      <p:sp>
+        <p:nvSpPr>
+          <p:cNvPr id="2" name="Titre 1">
+            <a:extLst>
+              <a:ext uri="{FF2B5EF4-FFF2-40B4-BE49-F238E27FC236}">
+                <a16:creationId xmlns:a16="http://schemas.microsoft.com/office/drawing/2014/main" id="{6CA294AB-36EE-442C-977C-ACC9BCD37340}"/>
+              </a:ext>
+            </a:extLst>
+          </p:cNvPr>
+          <p:cNvSpPr>
+            <a:spLocks noGrp="1"/>
+          </p:cNvSpPr>
+          <p:nvPr>
+            <p:ph type="title"/>
+          </p:nvPr>
+        </p:nvSpPr>
+        <p:spPr/>
+        <p:txBody>
+          <a:bodyPr/>
+          <a:lstStyle/>
+          <a:p>
+            <a:r>
+              <a:rPr lang="fr-FR" dirty="0"/>
+              <a:t>Bilan personnel – Aurélien SAUNIER</a:t>
+            </a:r>
+          </a:p>
+        </p:txBody>
+      </p:sp>
+      <p:sp>
+        <p:nvSpPr>
+          <p:cNvPr id="3" name="Espace réservé du texte 2">
+            <a:extLst>
+              <a:ext uri="{FF2B5EF4-FFF2-40B4-BE49-F238E27FC236}">
+                <a16:creationId xmlns:a16="http://schemas.microsoft.com/office/drawing/2014/main" id="{C29F7321-27E5-4F26-A662-54F5D5FBFC88}"/>
+              </a:ext>
+            </a:extLst>
+          </p:cNvPr>
+          <p:cNvSpPr>
+            <a:spLocks noGrp="1"/>
+          </p:cNvSpPr>
+          <p:nvPr>
+            <p:ph type="body" idx="1"/>
+          </p:nvPr>
+        </p:nvSpPr>
+        <p:spPr>
+          <a:xfrm>
+            <a:off x="293251" y="1574499"/>
+            <a:ext cx="3143633" cy="518620"/>
+          </a:xfrm>
+        </p:spPr>
+        <p:txBody>
+          <a:bodyPr/>
+          <a:lstStyle/>
+          <a:p>
+            <a:r>
+              <a:rPr lang="fr-FR" dirty="0"/>
+              <a:t>Tâches principales </a:t>
+            </a:r>
+          </a:p>
+        </p:txBody>
+      </p:sp>
+      <p:sp>
+        <p:nvSpPr>
+          <p:cNvPr id="4" name="Espace réservé du contenu 3">
+            <a:extLst>
+              <a:ext uri="{FF2B5EF4-FFF2-40B4-BE49-F238E27FC236}">
+                <a16:creationId xmlns:a16="http://schemas.microsoft.com/office/drawing/2014/main" id="{1A1E2842-46BE-4FF8-89CB-BDFBD11FE6DA}"/>
+              </a:ext>
+            </a:extLst>
+          </p:cNvPr>
+          <p:cNvSpPr>
+            <a:spLocks noGrp="1"/>
+          </p:cNvSpPr>
+          <p:nvPr>
+            <p:ph sz="half" idx="2"/>
+          </p:nvPr>
+        </p:nvSpPr>
+        <p:spPr>
+          <a:xfrm>
+            <a:off x="293251" y="2107242"/>
+            <a:ext cx="3631168" cy="3684588"/>
+          </a:xfrm>
+        </p:spPr>
+        <p:txBody>
+          <a:bodyPr/>
+          <a:lstStyle/>
+          <a:p>
+            <a:endParaRPr lang="fr-FR" dirty="0"/>
+          </a:p>
+        </p:txBody>
+      </p:sp>
+      <p:sp>
+        <p:nvSpPr>
+          <p:cNvPr id="5" name="Espace réservé du texte 4">
+            <a:extLst>
+              <a:ext uri="{FF2B5EF4-FFF2-40B4-BE49-F238E27FC236}">
+                <a16:creationId xmlns:a16="http://schemas.microsoft.com/office/drawing/2014/main" id="{8D52A8DD-5C61-4098-A25C-CF45E7F9BE7A}"/>
+              </a:ext>
+            </a:extLst>
+          </p:cNvPr>
+          <p:cNvSpPr>
+            <a:spLocks noGrp="1"/>
+          </p:cNvSpPr>
+          <p:nvPr>
+            <p:ph type="body" sz="quarter" idx="3"/>
+          </p:nvPr>
+        </p:nvSpPr>
+        <p:spPr>
+          <a:xfrm>
+            <a:off x="4026776" y="1269207"/>
+            <a:ext cx="4138448" cy="823912"/>
+          </a:xfrm>
+        </p:spPr>
+        <p:txBody>
+          <a:bodyPr/>
+          <a:lstStyle/>
+          <a:p>
+            <a:r>
+              <a:rPr lang="fr-FR" dirty="0"/>
+              <a:t>Répartition du temps de travail</a:t>
+            </a:r>
+          </a:p>
+        </p:txBody>
+      </p:sp>
+      <p:graphicFrame>
+        <p:nvGraphicFramePr>
+          <p:cNvPr id="11" name="Espace réservé du contenu 10">
+            <a:extLst>
+              <a:ext uri="{FF2B5EF4-FFF2-40B4-BE49-F238E27FC236}">
+                <a16:creationId xmlns:a16="http://schemas.microsoft.com/office/drawing/2014/main" id="{280206B7-FEB6-4209-81ED-4CFF05EEC113}"/>
+              </a:ext>
+            </a:extLst>
+          </p:cNvPr>
+          <p:cNvGraphicFramePr>
+            <a:graphicFrameLocks noGrp="1"/>
+          </p:cNvGraphicFramePr>
+          <p:nvPr>
+            <p:ph sz="quarter" idx="4"/>
+          </p:nvPr>
+        </p:nvGraphicFramePr>
+        <p:xfrm>
+          <a:off x="3924419" y="2093119"/>
+          <a:ext cx="3981450" cy="3684587"/>
+        </p:xfrm>
+        <a:graphic>
+          <a:graphicData uri="http://schemas.openxmlformats.org/drawingml/2006/chart">
+            <c:chart xmlns:c="http://schemas.openxmlformats.org/drawingml/2006/chart" xmlns:r="http://schemas.openxmlformats.org/officeDocument/2006/relationships" r:id="rId2"/>
+          </a:graphicData>
+        </a:graphic>
+      </p:graphicFrame>
+    </p:spTree>
+    <p:extLst>
+      <p:ext uri="{BB962C8B-B14F-4D97-AF65-F5344CB8AC3E}">
+        <p14:creationId xmlns:p14="http://schemas.microsoft.com/office/powerpoint/2010/main" val="3762136781"/>
       </p:ext>
     </p:extLst>
   </p:cSld>
@@ -6349,6 +12686,592 @@
     <p:extLst>
       <p:ext uri="{BB962C8B-B14F-4D97-AF65-F5344CB8AC3E}">
         <p14:creationId xmlns:p14="http://schemas.microsoft.com/office/powerpoint/2010/main" val="1265946537"/>
+      </p:ext>
+    </p:extLst>
+  </p:cSld>
+  <p:clrMapOvr>
+    <a:masterClrMapping/>
+  </p:clrMapOvr>
+</p:sld>
+</file>
+
+<file path=ppt/slides/slide20.xml><?xml version="1.0" encoding="utf-8"?>
+<p:sld xmlns:a="http://schemas.openxmlformats.org/drawingml/2006/main" xmlns:r="http://schemas.openxmlformats.org/officeDocument/2006/relationships" xmlns:p="http://schemas.openxmlformats.org/presentationml/2006/main">
+  <p:cSld>
+    <p:spTree>
+      <p:nvGrpSpPr>
+        <p:cNvPr id="1" name=""/>
+        <p:cNvGrpSpPr/>
+        <p:nvPr/>
+      </p:nvGrpSpPr>
+      <p:grpSpPr>
+        <a:xfrm>
+          <a:off x="0" y="0"/>
+          <a:ext cx="0" cy="0"/>
+          <a:chOff x="0" y="0"/>
+          <a:chExt cx="0" cy="0"/>
+        </a:xfrm>
+      </p:grpSpPr>
+      <p:sp>
+        <p:nvSpPr>
+          <p:cNvPr id="2" name="Titre 1">
+            <a:extLst>
+              <a:ext uri="{FF2B5EF4-FFF2-40B4-BE49-F238E27FC236}">
+                <a16:creationId xmlns:a16="http://schemas.microsoft.com/office/drawing/2014/main" id="{6CA294AB-36EE-442C-977C-ACC9BCD37340}"/>
+              </a:ext>
+            </a:extLst>
+          </p:cNvPr>
+          <p:cNvSpPr>
+            <a:spLocks noGrp="1"/>
+          </p:cNvSpPr>
+          <p:nvPr>
+            <p:ph type="title"/>
+          </p:nvPr>
+        </p:nvSpPr>
+        <p:spPr/>
+        <p:txBody>
+          <a:bodyPr/>
+          <a:lstStyle/>
+          <a:p>
+            <a:r>
+              <a:rPr lang="fr-FR" dirty="0"/>
+              <a:t>Bilan de groupe</a:t>
+            </a:r>
+          </a:p>
+        </p:txBody>
+      </p:sp>
+      <p:sp>
+        <p:nvSpPr>
+          <p:cNvPr id="3" name="Espace réservé du texte 2">
+            <a:extLst>
+              <a:ext uri="{FF2B5EF4-FFF2-40B4-BE49-F238E27FC236}">
+                <a16:creationId xmlns:a16="http://schemas.microsoft.com/office/drawing/2014/main" id="{C29F7321-27E5-4F26-A662-54F5D5FBFC88}"/>
+              </a:ext>
+            </a:extLst>
+          </p:cNvPr>
+          <p:cNvSpPr>
+            <a:spLocks noGrp="1"/>
+          </p:cNvSpPr>
+          <p:nvPr>
+            <p:ph type="body" idx="1"/>
+          </p:nvPr>
+        </p:nvSpPr>
+        <p:spPr/>
+        <p:txBody>
+          <a:bodyPr/>
+          <a:lstStyle/>
+          <a:p>
+            <a:r>
+              <a:rPr lang="fr-FR" dirty="0"/>
+              <a:t>Mise en situation équipe d’ingénieur de développements</a:t>
+            </a:r>
+          </a:p>
+        </p:txBody>
+      </p:sp>
+      <p:sp>
+        <p:nvSpPr>
+          <p:cNvPr id="4" name="Espace réservé du contenu 3">
+            <a:extLst>
+              <a:ext uri="{FF2B5EF4-FFF2-40B4-BE49-F238E27FC236}">
+                <a16:creationId xmlns:a16="http://schemas.microsoft.com/office/drawing/2014/main" id="{1A1E2842-46BE-4FF8-89CB-BDFBD11FE6DA}"/>
+              </a:ext>
+            </a:extLst>
+          </p:cNvPr>
+          <p:cNvSpPr>
+            <a:spLocks noGrp="1"/>
+          </p:cNvSpPr>
+          <p:nvPr>
+            <p:ph sz="half" idx="2"/>
+          </p:nvPr>
+        </p:nvSpPr>
+        <p:spPr/>
+        <p:txBody>
+          <a:bodyPr/>
+          <a:lstStyle/>
+          <a:p>
+            <a:r>
+              <a:rPr lang="fr-FR" dirty="0"/>
+              <a:t>Lundi : </a:t>
+            </a:r>
+          </a:p>
+          <a:p>
+            <a:pPr lvl="1"/>
+            <a:r>
+              <a:rPr lang="fr-FR" dirty="0"/>
+              <a:t>Compte rendu de la semaine passée</a:t>
+            </a:r>
+          </a:p>
+          <a:p>
+            <a:pPr lvl="1"/>
+            <a:r>
+              <a:rPr lang="fr-FR" dirty="0"/>
+              <a:t>Répartition des taches de la semaine à venir</a:t>
+            </a:r>
+          </a:p>
+          <a:p>
+            <a:r>
+              <a:rPr lang="fr-FR" dirty="0"/>
+              <a:t>Bonne entente et répartition des taches</a:t>
+            </a:r>
+          </a:p>
+        </p:txBody>
+      </p:sp>
+      <p:sp>
+        <p:nvSpPr>
+          <p:cNvPr id="5" name="Espace réservé du texte 4">
+            <a:extLst>
+              <a:ext uri="{FF2B5EF4-FFF2-40B4-BE49-F238E27FC236}">
+                <a16:creationId xmlns:a16="http://schemas.microsoft.com/office/drawing/2014/main" id="{8D52A8DD-5C61-4098-A25C-CF45E7F9BE7A}"/>
+              </a:ext>
+            </a:extLst>
+          </p:cNvPr>
+          <p:cNvSpPr>
+            <a:spLocks noGrp="1"/>
+          </p:cNvSpPr>
+          <p:nvPr>
+            <p:ph type="body" sz="quarter" idx="3"/>
+          </p:nvPr>
+        </p:nvSpPr>
+        <p:spPr/>
+        <p:txBody>
+          <a:bodyPr/>
+          <a:lstStyle/>
+          <a:p>
+            <a:r>
+              <a:rPr lang="fr-FR" dirty="0"/>
+              <a:t>Répartition du temps de travail</a:t>
+            </a:r>
+          </a:p>
+        </p:txBody>
+      </p:sp>
+      <p:graphicFrame>
+        <p:nvGraphicFramePr>
+          <p:cNvPr id="17" name="Espace réservé du contenu 16">
+            <a:extLst>
+              <a:ext uri="{FF2B5EF4-FFF2-40B4-BE49-F238E27FC236}">
+                <a16:creationId xmlns:a16="http://schemas.microsoft.com/office/drawing/2014/main" id="{BFEB7FF6-4568-4721-8025-E7738259AAAD}"/>
+              </a:ext>
+            </a:extLst>
+          </p:cNvPr>
+          <p:cNvGraphicFramePr>
+            <a:graphicFrameLocks noGrp="1"/>
+          </p:cNvGraphicFramePr>
+          <p:nvPr>
+            <p:ph sz="quarter" idx="4"/>
+            <p:extLst>
+              <p:ext uri="{D42A27DB-BD31-4B8C-83A1-F6EECF244321}">
+                <p14:modId xmlns:p14="http://schemas.microsoft.com/office/powerpoint/2010/main" val="2190791011"/>
+              </p:ext>
+            </p:extLst>
+          </p:nvPr>
+        </p:nvGraphicFramePr>
+        <p:xfrm>
+          <a:off x="6529551" y="2505075"/>
+          <a:ext cx="5357813" cy="3987800"/>
+        </p:xfrm>
+        <a:graphic>
+          <a:graphicData uri="http://schemas.openxmlformats.org/drawingml/2006/chart">
+            <c:chart xmlns:c="http://schemas.openxmlformats.org/drawingml/2006/chart" xmlns:r="http://schemas.openxmlformats.org/officeDocument/2006/relationships" r:id="rId2"/>
+          </a:graphicData>
+        </a:graphic>
+      </p:graphicFrame>
+    </p:spTree>
+    <p:extLst>
+      <p:ext uri="{BB962C8B-B14F-4D97-AF65-F5344CB8AC3E}">
+        <p14:creationId xmlns:p14="http://schemas.microsoft.com/office/powerpoint/2010/main" val="2894810776"/>
+      </p:ext>
+    </p:extLst>
+  </p:cSld>
+  <p:clrMapOvr>
+    <a:masterClrMapping/>
+  </p:clrMapOvr>
+</p:sld>
+</file>
+
+<file path=ppt/slides/slide21.xml><?xml version="1.0" encoding="utf-8"?>
+<p:sld xmlns:a="http://schemas.openxmlformats.org/drawingml/2006/main" xmlns:r="http://schemas.openxmlformats.org/officeDocument/2006/relationships" xmlns:p="http://schemas.openxmlformats.org/presentationml/2006/main">
+  <p:cSld>
+    <p:spTree>
+      <p:nvGrpSpPr>
+        <p:cNvPr id="1" name=""/>
+        <p:cNvGrpSpPr/>
+        <p:nvPr/>
+      </p:nvGrpSpPr>
+      <p:grpSpPr>
+        <a:xfrm>
+          <a:off x="0" y="0"/>
+          <a:ext cx="0" cy="0"/>
+          <a:chOff x="0" y="0"/>
+          <a:chExt cx="0" cy="0"/>
+        </a:xfrm>
+      </p:grpSpPr>
+      <p:sp>
+        <p:nvSpPr>
+          <p:cNvPr id="2" name="Titre 1">
+            <a:extLst>
+              <a:ext uri="{FF2B5EF4-FFF2-40B4-BE49-F238E27FC236}">
+                <a16:creationId xmlns:a16="http://schemas.microsoft.com/office/drawing/2014/main" id="{6CA294AB-36EE-442C-977C-ACC9BCD37340}"/>
+              </a:ext>
+            </a:extLst>
+          </p:cNvPr>
+          <p:cNvSpPr>
+            <a:spLocks noGrp="1"/>
+          </p:cNvSpPr>
+          <p:nvPr>
+            <p:ph type="title"/>
+          </p:nvPr>
+        </p:nvSpPr>
+        <p:spPr/>
+        <p:txBody>
+          <a:bodyPr/>
+          <a:lstStyle/>
+          <a:p>
+            <a:r>
+              <a:rPr lang="fr-FR" dirty="0"/>
+              <a:t>Conclusion</a:t>
+            </a:r>
+          </a:p>
+        </p:txBody>
+      </p:sp>
+      <p:sp>
+        <p:nvSpPr>
+          <p:cNvPr id="4" name="Espace réservé du contenu 3">
+            <a:extLst>
+              <a:ext uri="{FF2B5EF4-FFF2-40B4-BE49-F238E27FC236}">
+                <a16:creationId xmlns:a16="http://schemas.microsoft.com/office/drawing/2014/main" id="{1A1E2842-46BE-4FF8-89CB-BDFBD11FE6DA}"/>
+              </a:ext>
+            </a:extLst>
+          </p:cNvPr>
+          <p:cNvSpPr>
+            <a:spLocks noGrp="1"/>
+          </p:cNvSpPr>
+          <p:nvPr>
+            <p:ph sz="half" idx="2"/>
+          </p:nvPr>
+        </p:nvSpPr>
+        <p:spPr>
+          <a:xfrm>
+            <a:off x="839788" y="1690688"/>
+            <a:ext cx="5157787" cy="4498975"/>
+          </a:xfrm>
+        </p:spPr>
+        <p:txBody>
+          <a:bodyPr>
+            <a:normAutofit lnSpcReduction="10000"/>
+          </a:bodyPr>
+          <a:lstStyle/>
+          <a:p>
+            <a:r>
+              <a:rPr lang="fr-FR" dirty="0"/>
+              <a:t>Résultats satisfaisants :</a:t>
+            </a:r>
+          </a:p>
+          <a:p>
+            <a:pPr lvl="1"/>
+            <a:r>
+              <a:rPr lang="fr-FR" dirty="0"/>
+              <a:t>XXX% d’erreur sur tests Approche par mots clefs (1h de test)</a:t>
+            </a:r>
+          </a:p>
+          <a:p>
+            <a:pPr lvl="1"/>
+            <a:r>
+              <a:rPr lang="fr-FR" dirty="0"/>
+              <a:t>XXX</a:t>
+            </a:r>
+          </a:p>
+          <a:p>
+            <a:r>
+              <a:rPr lang="fr-FR" dirty="0"/>
+              <a:t>Réponse au cahier des charges :</a:t>
+            </a:r>
+          </a:p>
+          <a:p>
+            <a:pPr lvl="1"/>
+            <a:r>
+              <a:rPr lang="fr-FR" dirty="0"/>
+              <a:t>Test de « speech recognition »</a:t>
+            </a:r>
+          </a:p>
+          <a:p>
+            <a:r>
+              <a:rPr lang="fr-FR" dirty="0"/>
+              <a:t>Améliorations possibles:</a:t>
+            </a:r>
+          </a:p>
+          <a:p>
+            <a:pPr lvl="1"/>
+            <a:r>
+              <a:rPr lang="fr-FR" dirty="0"/>
+              <a:t>Automatisation du fichier .top</a:t>
+            </a:r>
+          </a:p>
+          <a:p>
+            <a:pPr lvl="1"/>
+            <a:r>
+              <a:rPr lang="fr-FR" dirty="0"/>
+              <a:t>Agrandir la base de données de la grammaire</a:t>
+            </a:r>
+          </a:p>
+          <a:p>
+            <a:pPr lvl="1"/>
+            <a:r>
+              <a:rPr lang="fr-FR" dirty="0"/>
+              <a:t>Implémenter la reconnaissance visuelle</a:t>
+            </a:r>
+          </a:p>
+          <a:p>
+            <a:endParaRPr lang="fr-FR" dirty="0"/>
+          </a:p>
+        </p:txBody>
+      </p:sp>
+      <p:sp>
+        <p:nvSpPr>
+          <p:cNvPr id="6" name="Espace réservé du contenu 5">
+            <a:extLst>
+              <a:ext uri="{FF2B5EF4-FFF2-40B4-BE49-F238E27FC236}">
+                <a16:creationId xmlns:a16="http://schemas.microsoft.com/office/drawing/2014/main" id="{03859EAB-83D4-46B5-8E9A-528FDBFACB4C}"/>
+              </a:ext>
+            </a:extLst>
+          </p:cNvPr>
+          <p:cNvSpPr>
+            <a:spLocks noGrp="1"/>
+          </p:cNvSpPr>
+          <p:nvPr>
+            <p:ph sz="quarter" idx="4"/>
+          </p:nvPr>
+        </p:nvSpPr>
+        <p:spPr>
+          <a:xfrm>
+            <a:off x="6172200" y="1690688"/>
+            <a:ext cx="5183188" cy="4498975"/>
+          </a:xfrm>
+        </p:spPr>
+        <p:txBody>
+          <a:bodyPr>
+            <a:normAutofit lnSpcReduction="10000"/>
+          </a:bodyPr>
+          <a:lstStyle/>
+          <a:p>
+            <a:endParaRPr lang="fr-FR" dirty="0"/>
+          </a:p>
+        </p:txBody>
+      </p:sp>
+    </p:spTree>
+    <p:extLst>
+      <p:ext uri="{BB962C8B-B14F-4D97-AF65-F5344CB8AC3E}">
+        <p14:creationId xmlns:p14="http://schemas.microsoft.com/office/powerpoint/2010/main" val="2992047838"/>
+      </p:ext>
+    </p:extLst>
+  </p:cSld>
+  <p:clrMapOvr>
+    <a:masterClrMapping/>
+  </p:clrMapOvr>
+</p:sld>
+</file>
+
+<file path=ppt/slides/slide22.xml><?xml version="1.0" encoding="utf-8"?>
+<p:sld xmlns:a="http://schemas.openxmlformats.org/drawingml/2006/main" xmlns:r="http://schemas.openxmlformats.org/officeDocument/2006/relationships" xmlns:p="http://schemas.openxmlformats.org/presentationml/2006/main">
+  <p:cSld>
+    <p:spTree>
+      <p:nvGrpSpPr>
+        <p:cNvPr id="1" name=""/>
+        <p:cNvGrpSpPr/>
+        <p:nvPr/>
+      </p:nvGrpSpPr>
+      <p:grpSpPr>
+        <a:xfrm>
+          <a:off x="0" y="0"/>
+          <a:ext cx="0" cy="0"/>
+          <a:chOff x="0" y="0"/>
+          <a:chExt cx="0" cy="0"/>
+        </a:xfrm>
+      </p:grpSpPr>
+      <p:sp>
+        <p:nvSpPr>
+          <p:cNvPr id="2" name="Titre 1">
+            <a:extLst>
+              <a:ext uri="{FF2B5EF4-FFF2-40B4-BE49-F238E27FC236}">
+                <a16:creationId xmlns:a16="http://schemas.microsoft.com/office/drawing/2014/main" id="{6DEF1692-4404-48A3-977E-C6959B8D7471}"/>
+              </a:ext>
+            </a:extLst>
+          </p:cNvPr>
+          <p:cNvSpPr>
+            <a:spLocks noGrp="1"/>
+          </p:cNvSpPr>
+          <p:nvPr>
+            <p:ph type="title"/>
+          </p:nvPr>
+        </p:nvSpPr>
+        <p:spPr/>
+        <p:txBody>
+          <a:bodyPr/>
+          <a:lstStyle/>
+          <a:p>
+            <a:r>
+              <a:rPr lang="fr-FR" dirty="0"/>
+              <a:t>Conclusion</a:t>
+            </a:r>
+          </a:p>
+        </p:txBody>
+      </p:sp>
+      <p:sp>
+        <p:nvSpPr>
+          <p:cNvPr id="3" name="Espace réservé du contenu 2">
+            <a:extLst>
+              <a:ext uri="{FF2B5EF4-FFF2-40B4-BE49-F238E27FC236}">
+                <a16:creationId xmlns:a16="http://schemas.microsoft.com/office/drawing/2014/main" id="{EAE431DF-8BB9-472F-BA44-28028320630F}"/>
+              </a:ext>
+            </a:extLst>
+          </p:cNvPr>
+          <p:cNvSpPr>
+            <a:spLocks noGrp="1"/>
+          </p:cNvSpPr>
+          <p:nvPr>
+            <p:ph idx="1"/>
+          </p:nvPr>
+        </p:nvSpPr>
+        <p:spPr/>
+        <p:txBody>
+          <a:bodyPr>
+            <a:normAutofit fontScale="62500" lnSpcReduction="20000"/>
+          </a:bodyPr>
+          <a:lstStyle/>
+          <a:p>
+            <a:r>
+              <a:rPr lang="fr-FR" dirty="0"/>
+              <a:t>1 présentation de l’équipe</a:t>
+            </a:r>
+          </a:p>
+          <a:p>
+            <a:r>
+              <a:rPr lang="fr-FR" dirty="0"/>
+              <a:t>2 Présentation de l’épreuve</a:t>
+            </a:r>
+          </a:p>
+          <a:p>
+            <a:r>
+              <a:rPr lang="fr-FR" dirty="0"/>
+              <a:t>3 cheminement de la réflexion (</a:t>
+            </a:r>
+            <a:r>
+              <a:rPr lang="fr-FR" dirty="0" err="1"/>
+              <a:t>Qichat</a:t>
+            </a:r>
+            <a:r>
+              <a:rPr lang="fr-FR" dirty="0"/>
+              <a:t> python apprentissage</a:t>
+            </a:r>
+          </a:p>
+          <a:p>
+            <a:r>
+              <a:rPr lang="fr-FR" dirty="0"/>
+              <a:t>4 Organisation générale de l’équipe </a:t>
+            </a:r>
+            <a:r>
+              <a:rPr lang="fr-FR" dirty="0" err="1"/>
+              <a:t>github</a:t>
+            </a:r>
+            <a:r>
+              <a:rPr lang="fr-FR" dirty="0"/>
+              <a:t> </a:t>
+            </a:r>
+            <a:r>
+              <a:rPr lang="fr-FR" dirty="0" err="1"/>
+              <a:t>trello</a:t>
+            </a:r>
+            <a:endParaRPr lang="fr-FR" dirty="0"/>
+          </a:p>
+          <a:p>
+            <a:r>
+              <a:rPr lang="fr-FR" dirty="0"/>
+              <a:t>5 </a:t>
+            </a:r>
+            <a:r>
+              <a:rPr lang="fr-FR" dirty="0">
+                <a:highlight>
+                  <a:srgbClr val="FFFF00"/>
+                </a:highlight>
+              </a:rPr>
+              <a:t>Vidéo Présentation Robot</a:t>
+            </a:r>
+          </a:p>
+          <a:p>
+            <a:r>
+              <a:rPr lang="fr-FR" u="sng" dirty="0"/>
+              <a:t>6 Approche par mots clefs</a:t>
+            </a:r>
+          </a:p>
+          <a:p>
+            <a:r>
+              <a:rPr lang="fr-FR" u="sng" dirty="0"/>
+              <a:t>7 Approche dynamique</a:t>
+            </a:r>
+          </a:p>
+          <a:p>
+            <a:r>
+              <a:rPr lang="fr-FR" u="sng" dirty="0"/>
+              <a:t>8 Récupération de la réponse à partir question posée</a:t>
+            </a:r>
+          </a:p>
+          <a:p>
+            <a:r>
+              <a:rPr lang="fr-FR" u="sng" dirty="0"/>
+              <a:t>9 Tablette </a:t>
+            </a:r>
+            <a:r>
+              <a:rPr lang="fr-FR" u="sng" dirty="0">
+                <a:highlight>
+                  <a:srgbClr val="FFFF00"/>
+                </a:highlight>
+              </a:rPr>
+              <a:t>Photo/Vidéo</a:t>
+            </a:r>
+          </a:p>
+          <a:p>
+            <a:r>
+              <a:rPr lang="fr-FR" u="sng" dirty="0"/>
+              <a:t>10 Phase de test </a:t>
+            </a:r>
+            <a:r>
+              <a:rPr lang="fr-FR" u="sng" dirty="0">
+                <a:highlight>
+                  <a:srgbClr val="FFFF00"/>
+                </a:highlight>
+              </a:rPr>
+              <a:t>Vidéo test</a:t>
+            </a:r>
+          </a:p>
+          <a:p>
+            <a:r>
+              <a:rPr lang="fr-FR" u="sng" dirty="0"/>
+              <a:t>11 Bilan personnel</a:t>
+            </a:r>
+          </a:p>
+          <a:p>
+            <a:r>
+              <a:rPr lang="fr-FR" dirty="0"/>
+              <a:t>12 Bilan groupe</a:t>
+            </a:r>
+          </a:p>
+          <a:p>
+            <a:r>
+              <a:rPr lang="fr-FR" dirty="0"/>
+              <a:t>Conclusion / Ouverture</a:t>
+            </a:r>
+          </a:p>
+          <a:p>
+            <a:endParaRPr lang="fr-FR" dirty="0"/>
+          </a:p>
+          <a:p>
+            <a:endParaRPr lang="fr-FR" dirty="0"/>
+          </a:p>
+        </p:txBody>
+      </p:sp>
+    </p:spTree>
+    <p:extLst>
+      <p:ext uri="{BB962C8B-B14F-4D97-AF65-F5344CB8AC3E}">
+        <p14:creationId xmlns:p14="http://schemas.microsoft.com/office/powerpoint/2010/main" val="953167703"/>
       </p:ext>
     </p:extLst>
   </p:cSld>

--- a/Rapport/Diapo_ihm_pepper.pptx
+++ b/Rapport/Diapo_ihm_pepper.pptx
@@ -5,10 +5,10 @@
     <p:sldMasterId id="2147483648" r:id="rId1"/>
   </p:sldMasterIdLst>
   <p:notesMasterIdLst>
-    <p:notesMasterId r:id="rId24"/>
+    <p:notesMasterId r:id="rId25"/>
   </p:notesMasterIdLst>
   <p:handoutMasterIdLst>
-    <p:handoutMasterId r:id="rId25"/>
+    <p:handoutMasterId r:id="rId26"/>
   </p:handoutMasterIdLst>
   <p:sldIdLst>
     <p:sldId id="256" r:id="rId2"/>
@@ -23,16 +23,17 @@
     <p:sldId id="268" r:id="rId11"/>
     <p:sldId id="269" r:id="rId12"/>
     <p:sldId id="270" r:id="rId13"/>
-    <p:sldId id="271" r:id="rId14"/>
-    <p:sldId id="275" r:id="rId15"/>
-    <p:sldId id="276" r:id="rId16"/>
-    <p:sldId id="277" r:id="rId17"/>
-    <p:sldId id="278" r:id="rId18"/>
-    <p:sldId id="279" r:id="rId19"/>
-    <p:sldId id="280" r:id="rId20"/>
-    <p:sldId id="272" r:id="rId21"/>
-    <p:sldId id="274" r:id="rId22"/>
-    <p:sldId id="273" r:id="rId23"/>
+    <p:sldId id="281" r:id="rId14"/>
+    <p:sldId id="271" r:id="rId15"/>
+    <p:sldId id="275" r:id="rId16"/>
+    <p:sldId id="276" r:id="rId17"/>
+    <p:sldId id="277" r:id="rId18"/>
+    <p:sldId id="278" r:id="rId19"/>
+    <p:sldId id="279" r:id="rId20"/>
+    <p:sldId id="280" r:id="rId21"/>
+    <p:sldId id="272" r:id="rId22"/>
+    <p:sldId id="274" r:id="rId23"/>
+    <p:sldId id="273" r:id="rId24"/>
   </p:sldIdLst>
   <p:sldSz cx="12192000" cy="6858000"/>
   <p:notesSz cx="6858000" cy="9144000"/>
@@ -137,10 +138,6 @@
     </p:ext>
   </p:extLst>
 </p:presentation>
-</file>
-
-<file path=ppt/revisionInfo.xml><?xml version="1.0" encoding="utf-8"?>
-<p1510:revInfo xmlns:a="http://schemas.openxmlformats.org/drawingml/2006/main" xmlns:r="http://schemas.openxmlformats.org/officeDocument/2006/relationships" xmlns:p1510="http://schemas.microsoft.com/office/powerpoint/2015/10/main"/>
 </file>
 
 <file path=ppt/charts/chart1.xml><?xml version="1.0" encoding="utf-8"?>
@@ -220,6 +217,11 @@
               </a:ln>
               <a:effectLst/>
             </c:spPr>
+            <c:extLst>
+              <c:ext xmlns:c16="http://schemas.microsoft.com/office/drawing/2014/chart" uri="{C3380CC4-5D6E-409C-BE32-E72D297353CC}">
+                <c16:uniqueId val="{00000001-18E0-4A73-A3E1-0E2B33876AB2}"/>
+              </c:ext>
+            </c:extLst>
           </c:dPt>
           <c:dPt>
             <c:idx val="1"/>
@@ -235,6 +237,11 @@
               </a:ln>
               <a:effectLst/>
             </c:spPr>
+            <c:extLst>
+              <c:ext xmlns:c16="http://schemas.microsoft.com/office/drawing/2014/chart" uri="{C3380CC4-5D6E-409C-BE32-E72D297353CC}">
+                <c16:uniqueId val="{00000003-18E0-4A73-A3E1-0E2B33876AB2}"/>
+              </c:ext>
+            </c:extLst>
           </c:dPt>
           <c:dPt>
             <c:idx val="2"/>
@@ -250,6 +257,11 @@
               </a:ln>
               <a:effectLst/>
             </c:spPr>
+            <c:extLst>
+              <c:ext xmlns:c16="http://schemas.microsoft.com/office/drawing/2014/chart" uri="{C3380CC4-5D6E-409C-BE32-E72D297353CC}">
+                <c16:uniqueId val="{00000005-18E0-4A73-A3E1-0E2B33876AB2}"/>
+              </c:ext>
+            </c:extLst>
           </c:dPt>
           <c:dPt>
             <c:idx val="3"/>
@@ -480,6 +492,11 @@
               </a:ln>
               <a:effectLst/>
             </c:spPr>
+            <c:extLst>
+              <c:ext xmlns:c16="http://schemas.microsoft.com/office/drawing/2014/chart" uri="{C3380CC4-5D6E-409C-BE32-E72D297353CC}">
+                <c16:uniqueId val="{00000001-0511-4154-8769-F8F348D8A77C}"/>
+              </c:ext>
+            </c:extLst>
           </c:dPt>
           <c:dPt>
             <c:idx val="1"/>
@@ -495,6 +512,11 @@
               </a:ln>
               <a:effectLst/>
             </c:spPr>
+            <c:extLst>
+              <c:ext xmlns:c16="http://schemas.microsoft.com/office/drawing/2014/chart" uri="{C3380CC4-5D6E-409C-BE32-E72D297353CC}">
+                <c16:uniqueId val="{00000003-0511-4154-8769-F8F348D8A77C}"/>
+              </c:ext>
+            </c:extLst>
           </c:dPt>
           <c:dPt>
             <c:idx val="2"/>
@@ -510,6 +532,11 @@
               </a:ln>
               <a:effectLst/>
             </c:spPr>
+            <c:extLst>
+              <c:ext xmlns:c16="http://schemas.microsoft.com/office/drawing/2014/chart" uri="{C3380CC4-5D6E-409C-BE32-E72D297353CC}">
+                <c16:uniqueId val="{00000005-0511-4154-8769-F8F348D8A77C}"/>
+              </c:ext>
+            </c:extLst>
           </c:dPt>
           <c:dPt>
             <c:idx val="3"/>
@@ -740,6 +767,11 @@
               </a:ln>
               <a:effectLst/>
             </c:spPr>
+            <c:extLst>
+              <c:ext xmlns:c16="http://schemas.microsoft.com/office/drawing/2014/chart" uri="{C3380CC4-5D6E-409C-BE32-E72D297353CC}">
+                <c16:uniqueId val="{00000001-37FE-4FB7-BFCC-4B2ED4D701B5}"/>
+              </c:ext>
+            </c:extLst>
           </c:dPt>
           <c:dPt>
             <c:idx val="1"/>
@@ -755,6 +787,11 @@
               </a:ln>
               <a:effectLst/>
             </c:spPr>
+            <c:extLst>
+              <c:ext xmlns:c16="http://schemas.microsoft.com/office/drawing/2014/chart" uri="{C3380CC4-5D6E-409C-BE32-E72D297353CC}">
+                <c16:uniqueId val="{00000003-37FE-4FB7-BFCC-4B2ED4D701B5}"/>
+              </c:ext>
+            </c:extLst>
           </c:dPt>
           <c:dPt>
             <c:idx val="2"/>
@@ -770,6 +807,11 @@
               </a:ln>
               <a:effectLst/>
             </c:spPr>
+            <c:extLst>
+              <c:ext xmlns:c16="http://schemas.microsoft.com/office/drawing/2014/chart" uri="{C3380CC4-5D6E-409C-BE32-E72D297353CC}">
+                <c16:uniqueId val="{00000005-37FE-4FB7-BFCC-4B2ED4D701B5}"/>
+              </c:ext>
+            </c:extLst>
           </c:dPt>
           <c:dPt>
             <c:idx val="3"/>
@@ -1000,6 +1042,11 @@
               </a:ln>
               <a:effectLst/>
             </c:spPr>
+            <c:extLst>
+              <c:ext xmlns:c16="http://schemas.microsoft.com/office/drawing/2014/chart" uri="{C3380CC4-5D6E-409C-BE32-E72D297353CC}">
+                <c16:uniqueId val="{00000001-B132-40A4-9C9E-0BECD53C83BF}"/>
+              </c:ext>
+            </c:extLst>
           </c:dPt>
           <c:dPt>
             <c:idx val="1"/>
@@ -1015,6 +1062,11 @@
               </a:ln>
               <a:effectLst/>
             </c:spPr>
+            <c:extLst>
+              <c:ext xmlns:c16="http://schemas.microsoft.com/office/drawing/2014/chart" uri="{C3380CC4-5D6E-409C-BE32-E72D297353CC}">
+                <c16:uniqueId val="{00000003-B132-40A4-9C9E-0BECD53C83BF}"/>
+              </c:ext>
+            </c:extLst>
           </c:dPt>
           <c:dPt>
             <c:idx val="2"/>
@@ -1030,6 +1082,11 @@
               </a:ln>
               <a:effectLst/>
             </c:spPr>
+            <c:extLst>
+              <c:ext xmlns:c16="http://schemas.microsoft.com/office/drawing/2014/chart" uri="{C3380CC4-5D6E-409C-BE32-E72D297353CC}">
+                <c16:uniqueId val="{00000005-B132-40A4-9C9E-0BECD53C83BF}"/>
+              </c:ext>
+            </c:extLst>
           </c:dPt>
           <c:dPt>
             <c:idx val="3"/>
@@ -1260,6 +1317,11 @@
               </a:ln>
               <a:effectLst/>
             </c:spPr>
+            <c:extLst>
+              <c:ext xmlns:c16="http://schemas.microsoft.com/office/drawing/2014/chart" uri="{C3380CC4-5D6E-409C-BE32-E72D297353CC}">
+                <c16:uniqueId val="{00000001-1B0D-4F69-ACA9-E564DB3137AC}"/>
+              </c:ext>
+            </c:extLst>
           </c:dPt>
           <c:dPt>
             <c:idx val="1"/>
@@ -1275,6 +1337,11 @@
               </a:ln>
               <a:effectLst/>
             </c:spPr>
+            <c:extLst>
+              <c:ext xmlns:c16="http://schemas.microsoft.com/office/drawing/2014/chart" uri="{C3380CC4-5D6E-409C-BE32-E72D297353CC}">
+                <c16:uniqueId val="{00000003-1B0D-4F69-ACA9-E564DB3137AC}"/>
+              </c:ext>
+            </c:extLst>
           </c:dPt>
           <c:dPt>
             <c:idx val="2"/>
@@ -1290,6 +1357,11 @@
               </a:ln>
               <a:effectLst/>
             </c:spPr>
+            <c:extLst>
+              <c:ext xmlns:c16="http://schemas.microsoft.com/office/drawing/2014/chart" uri="{C3380CC4-5D6E-409C-BE32-E72D297353CC}">
+                <c16:uniqueId val="{00000005-1B0D-4F69-ACA9-E564DB3137AC}"/>
+              </c:ext>
+            </c:extLst>
           </c:dPt>
           <c:dPt>
             <c:idx val="3"/>
@@ -1500,6 +1572,11 @@
               </a:ln>
               <a:effectLst/>
             </c:spPr>
+            <c:extLst>
+              <c:ext xmlns:c16="http://schemas.microsoft.com/office/drawing/2014/chart" uri="{C3380CC4-5D6E-409C-BE32-E72D297353CC}">
+                <c16:uniqueId val="{00000001-1F24-4F4A-A905-6804C1C12B60}"/>
+              </c:ext>
+            </c:extLst>
           </c:dPt>
           <c:dPt>
             <c:idx val="1"/>
@@ -1515,6 +1592,11 @@
               </a:ln>
               <a:effectLst/>
             </c:spPr>
+            <c:extLst>
+              <c:ext xmlns:c16="http://schemas.microsoft.com/office/drawing/2014/chart" uri="{C3380CC4-5D6E-409C-BE32-E72D297353CC}">
+                <c16:uniqueId val="{00000003-1F24-4F4A-A905-6804C1C12B60}"/>
+              </c:ext>
+            </c:extLst>
           </c:dPt>
           <c:dPt>
             <c:idx val="2"/>
@@ -1530,6 +1612,11 @@
               </a:ln>
               <a:effectLst/>
             </c:spPr>
+            <c:extLst>
+              <c:ext xmlns:c16="http://schemas.microsoft.com/office/drawing/2014/chart" uri="{C3380CC4-5D6E-409C-BE32-E72D297353CC}">
+                <c16:uniqueId val="{00000005-1F24-4F4A-A905-6804C1C12B60}"/>
+              </c:ext>
+            </c:extLst>
           </c:dPt>
           <c:dPt>
             <c:idx val="3"/>
@@ -1545,6 +1632,11 @@
               </a:ln>
               <a:effectLst/>
             </c:spPr>
+            <c:extLst>
+              <c:ext xmlns:c16="http://schemas.microsoft.com/office/drawing/2014/chart" uri="{C3380CC4-5D6E-409C-BE32-E72D297353CC}">
+                <c16:uniqueId val="{00000007-1F24-4F4A-A905-6804C1C12B60}"/>
+              </c:ext>
+            </c:extLst>
           </c:dPt>
           <c:dPt>
             <c:idx val="4"/>
@@ -1560,6 +1652,11 @@
               </a:ln>
               <a:effectLst/>
             </c:spPr>
+            <c:extLst>
+              <c:ext xmlns:c16="http://schemas.microsoft.com/office/drawing/2014/chart" uri="{C3380CC4-5D6E-409C-BE32-E72D297353CC}">
+                <c16:uniqueId val="{00000009-1F24-4F4A-A905-6804C1C12B60}"/>
+              </c:ext>
+            </c:extLst>
           </c:dPt>
           <c:dPt>
             <c:idx val="5"/>
@@ -1575,6 +1672,11 @@
               </a:ln>
               <a:effectLst/>
             </c:spPr>
+            <c:extLst>
+              <c:ext xmlns:c16="http://schemas.microsoft.com/office/drawing/2014/chart" uri="{C3380CC4-5D6E-409C-BE32-E72D297353CC}">
+                <c16:uniqueId val="{0000000B-1F24-4F4A-A905-6804C1C12B60}"/>
+              </c:ext>
+            </c:extLst>
           </c:dPt>
           <c:cat>
             <c:strRef>
@@ -1743,37 +1845,7 @@
     </mc:Fallback>
   </mc:AlternateContent>
   <c:chart>
-    <c:title>
-      <c:overlay val="0"/>
-      <c:spPr>
-        <a:noFill/>
-        <a:ln>
-          <a:noFill/>
-        </a:ln>
-        <a:effectLst/>
-      </c:spPr>
-      <c:txPr>
-        <a:bodyPr rot="0" spcFirstLastPara="1" vertOverflow="ellipsis" vert="horz" wrap="square" anchor="ctr" anchorCtr="1"/>
-        <a:lstStyle/>
-        <a:p>
-          <a:pPr>
-            <a:defRPr sz="1862" b="0" i="0" u="none" strike="noStrike" kern="1200" spc="0" baseline="0">
-              <a:solidFill>
-                <a:schemeClr val="tx1">
-                  <a:lumMod val="65000"/>
-                  <a:lumOff val="35000"/>
-                </a:schemeClr>
-              </a:solidFill>
-              <a:latin typeface="+mn-lt"/>
-              <a:ea typeface="+mn-ea"/>
-              <a:cs typeface="+mn-cs"/>
-            </a:defRPr>
-          </a:pPr>
-          <a:endParaRPr lang="fr-FR"/>
-        </a:p>
-      </c:txPr>
-    </c:title>
-    <c:autoTitleDeleted val="0"/>
+    <c:autoTitleDeleted val="1"/>
     <c:plotArea>
       <c:layout/>
       <c:pieChart>
@@ -1787,7 +1859,7 @@
               <c:strCache>
                 <c:ptCount val="1"/>
                 <c:pt idx="0">
-                  <c:v>Ventes</c:v>
+                  <c:v>Colonne1</c:v>
                 </c:pt>
               </c:strCache>
             </c:strRef>
@@ -1806,6 +1878,11 @@
               </a:ln>
               <a:effectLst/>
             </c:spPr>
+            <c:extLst>
+              <c:ext xmlns:c16="http://schemas.microsoft.com/office/drawing/2014/chart" uri="{C3380CC4-5D6E-409C-BE32-E72D297353CC}">
+                <c16:uniqueId val="{00000001-171C-4987-B850-CF517AFE4E3D}"/>
+              </c:ext>
+            </c:extLst>
           </c:dPt>
           <c:dPt>
             <c:idx val="1"/>
@@ -1821,6 +1898,11 @@
               </a:ln>
               <a:effectLst/>
             </c:spPr>
+            <c:extLst>
+              <c:ext xmlns:c16="http://schemas.microsoft.com/office/drawing/2014/chart" uri="{C3380CC4-5D6E-409C-BE32-E72D297353CC}">
+                <c16:uniqueId val="{00000003-171C-4987-B850-CF517AFE4E3D}"/>
+              </c:ext>
+            </c:extLst>
           </c:dPt>
           <c:dPt>
             <c:idx val="2"/>
@@ -1836,6 +1918,11 @@
               </a:ln>
               <a:effectLst/>
             </c:spPr>
+            <c:extLst>
+              <c:ext xmlns:c16="http://schemas.microsoft.com/office/drawing/2014/chart" uri="{C3380CC4-5D6E-409C-BE32-E72D297353CC}">
+                <c16:uniqueId val="{00000005-171C-4987-B850-CF517AFE4E3D}"/>
+              </c:ext>
+            </c:extLst>
           </c:dPt>
           <c:dPt>
             <c:idx val="3"/>
@@ -1864,16 +1951,16 @@
               <c:strCache>
                 <c:ptCount val="4"/>
                 <c:pt idx="0">
-                  <c:v>1er trim.</c:v>
+                  <c:v>Prise en main</c:v>
                 </c:pt>
                 <c:pt idx="1">
-                  <c:v>2e trim.</c:v>
+                  <c:v>CSV</c:v>
                 </c:pt>
                 <c:pt idx="2">
-                  <c:v>3e trim.</c:v>
+                  <c:v>Classe de test</c:v>
                 </c:pt>
                 <c:pt idx="3">
-                  <c:v>4e trim.</c:v>
+                  <c:v>Test</c:v>
                 </c:pt>
               </c:strCache>
             </c:strRef>
@@ -1885,16 +1972,16 @@
                 <c:formatCode>General</c:formatCode>
                 <c:ptCount val="4"/>
                 <c:pt idx="0">
-                  <c:v>8.1999999999999993</c:v>
+                  <c:v>0.2</c:v>
                 </c:pt>
                 <c:pt idx="1">
-                  <c:v>3.2</c:v>
+                  <c:v>0.2</c:v>
                 </c:pt>
                 <c:pt idx="2">
-                  <c:v>1.4</c:v>
+                  <c:v>0.5</c:v>
                 </c:pt>
                 <c:pt idx="3">
-                  <c:v>1.2</c:v>
+                  <c:v>0.1</c:v>
                 </c:pt>
               </c:numCache>
             </c:numRef>
@@ -2044,6 +2131,11 @@
                 </a:contourClr>
               </a:sp3d>
             </c:spPr>
+            <c:extLst>
+              <c:ext xmlns:c16="http://schemas.microsoft.com/office/drawing/2014/chart" uri="{C3380CC4-5D6E-409C-BE32-E72D297353CC}">
+                <c16:uniqueId val="{00000001-5725-43AE-AECB-78D7949DE719}"/>
+              </c:ext>
+            </c:extLst>
           </c:dPt>
           <c:dPt>
             <c:idx val="1"/>
@@ -2067,6 +2159,11 @@
                 </a:contourClr>
               </a:sp3d>
             </c:spPr>
+            <c:extLst>
+              <c:ext xmlns:c16="http://schemas.microsoft.com/office/drawing/2014/chart" uri="{C3380CC4-5D6E-409C-BE32-E72D297353CC}">
+                <c16:uniqueId val="{00000003-5725-43AE-AECB-78D7949DE719}"/>
+              </c:ext>
+            </c:extLst>
           </c:dPt>
           <c:dPt>
             <c:idx val="2"/>
@@ -2090,6 +2187,11 @@
                 </a:contourClr>
               </a:sp3d>
             </c:spPr>
+            <c:extLst>
+              <c:ext xmlns:c16="http://schemas.microsoft.com/office/drawing/2014/chart" uri="{C3380CC4-5D6E-409C-BE32-E72D297353CC}">
+                <c16:uniqueId val="{00000005-5725-43AE-AECB-78D7949DE719}"/>
+              </c:ext>
+            </c:extLst>
           </c:dPt>
           <c:dPt>
             <c:idx val="3"/>
@@ -2113,6 +2215,11 @@
                 </a:contourClr>
               </a:sp3d>
             </c:spPr>
+            <c:extLst>
+              <c:ext xmlns:c16="http://schemas.microsoft.com/office/drawing/2014/chart" uri="{C3380CC4-5D6E-409C-BE32-E72D297353CC}">
+                <c16:uniqueId val="{00000007-5725-43AE-AECB-78D7949DE719}"/>
+              </c:ext>
+            </c:extLst>
           </c:dPt>
           <c:dLbls>
             <c:spPr>
@@ -11069,83 +11176,8 @@
           <a:p>
             <a:r>
               <a:rPr lang="fr-FR" dirty="0"/>
-              <a:t>Phase de Test</a:t>
-            </a:r>
-          </a:p>
-        </p:txBody>
-      </p:sp>
-      <p:sp>
-        <p:nvSpPr>
-          <p:cNvPr id="3" name="Espace réservé du texte 2">
-            <a:extLst>
-              <a:ext uri="{FF2B5EF4-FFF2-40B4-BE49-F238E27FC236}">
-                <a16:creationId xmlns:a16="http://schemas.microsoft.com/office/drawing/2014/main" id="{C29F7321-27E5-4F26-A662-54F5D5FBFC88}"/>
-              </a:ext>
-            </a:extLst>
-          </p:cNvPr>
-          <p:cNvSpPr>
-            <a:spLocks noGrp="1"/>
-          </p:cNvSpPr>
-          <p:nvPr>
-            <p:ph type="body" idx="1"/>
-          </p:nvPr>
-        </p:nvSpPr>
-        <p:spPr/>
-        <p:txBody>
-          <a:bodyPr/>
-          <a:lstStyle/>
-          <a:p>
-            <a:endParaRPr lang="fr-FR"/>
-          </a:p>
-        </p:txBody>
-      </p:sp>
-      <p:sp>
-        <p:nvSpPr>
-          <p:cNvPr id="4" name="Espace réservé du contenu 3">
-            <a:extLst>
-              <a:ext uri="{FF2B5EF4-FFF2-40B4-BE49-F238E27FC236}">
-                <a16:creationId xmlns:a16="http://schemas.microsoft.com/office/drawing/2014/main" id="{1A1E2842-46BE-4FF8-89CB-BDFBD11FE6DA}"/>
-              </a:ext>
-            </a:extLst>
-          </p:cNvPr>
-          <p:cNvSpPr>
-            <a:spLocks noGrp="1"/>
-          </p:cNvSpPr>
-          <p:nvPr>
-            <p:ph sz="half" idx="2"/>
-          </p:nvPr>
-        </p:nvSpPr>
-        <p:spPr/>
-        <p:txBody>
-          <a:bodyPr/>
-          <a:lstStyle/>
-          <a:p>
-            <a:endParaRPr lang="fr-FR" dirty="0"/>
-          </a:p>
-        </p:txBody>
-      </p:sp>
-      <p:sp>
-        <p:nvSpPr>
-          <p:cNvPr id="5" name="Espace réservé du texte 4">
-            <a:extLst>
-              <a:ext uri="{FF2B5EF4-FFF2-40B4-BE49-F238E27FC236}">
-                <a16:creationId xmlns:a16="http://schemas.microsoft.com/office/drawing/2014/main" id="{8D52A8DD-5C61-4098-A25C-CF45E7F9BE7A}"/>
-              </a:ext>
-            </a:extLst>
-          </p:cNvPr>
-          <p:cNvSpPr>
-            <a:spLocks noGrp="1"/>
-          </p:cNvSpPr>
-          <p:nvPr>
-            <p:ph type="body" sz="quarter" idx="3"/>
-          </p:nvPr>
-        </p:nvSpPr>
-        <p:spPr/>
-        <p:txBody>
-          <a:bodyPr/>
-          <a:lstStyle/>
-          <a:p>
-            <a:endParaRPr lang="fr-FR"/>
+              <a:t>Phase de Test – Phase préparatoire </a:t>
+            </a:r>
           </a:p>
         </p:txBody>
       </p:sp>
@@ -11165,12 +11197,74 @@
             <p:ph sz="quarter" idx="4"/>
           </p:nvPr>
         </p:nvSpPr>
-        <p:spPr/>
+        <p:spPr>
+          <a:xfrm>
+            <a:off x="836612" y="1690688"/>
+            <a:ext cx="7565266" cy="4028660"/>
+          </a:xfrm>
+        </p:spPr>
         <p:txBody>
-          <a:bodyPr/>
+          <a:bodyPr>
+            <a:normAutofit/>
+          </a:bodyPr>
           <a:lstStyle/>
           <a:p>
-            <a:endParaRPr lang="fr-FR"/>
+            <a:pPr marL="0" indent="0">
+              <a:buNone/>
+            </a:pPr>
+            <a:r>
+              <a:rPr lang="fr-FR" sz="2400" dirty="0"/>
+              <a:t>Chargement d’un fichier .top de test généré par une des deux approches</a:t>
+            </a:r>
+          </a:p>
+          <a:p>
+            <a:pPr marL="0" indent="0">
+              <a:buNone/>
+            </a:pPr>
+            <a:endParaRPr lang="fr-FR" sz="2400" dirty="0"/>
+          </a:p>
+          <a:p>
+            <a:pPr>
+              <a:buFontTx/>
+              <a:buChar char="-"/>
+            </a:pPr>
+            <a:r>
+              <a:rPr lang="fr-FR" sz="2400" dirty="0"/>
+              <a:t>Ensemble des questions enregistrées dans un fichier .txt</a:t>
+            </a:r>
+          </a:p>
+          <a:p>
+            <a:pPr>
+              <a:buFontTx/>
+              <a:buChar char="-"/>
+            </a:pPr>
+            <a:endParaRPr lang="fr-FR" sz="2400" dirty="0"/>
+          </a:p>
+          <a:p>
+            <a:pPr>
+              <a:buFontTx/>
+              <a:buChar char="-"/>
+            </a:pPr>
+            <a:r>
+              <a:rPr lang="fr-FR" sz="2400" dirty="0"/>
+              <a:t>Appel au logiciel balcon pour poser la question </a:t>
+            </a:r>
+          </a:p>
+          <a:p>
+            <a:pPr>
+              <a:buFontTx/>
+              <a:buChar char="-"/>
+            </a:pPr>
+            <a:endParaRPr lang="fr-FR" sz="2400" dirty="0"/>
+          </a:p>
+          <a:p>
+            <a:pPr marL="0" indent="0">
+              <a:buNone/>
+            </a:pPr>
+            <a:r>
+              <a:rPr lang="fr-FR" sz="2400" dirty="0"/>
+              <a:t>Connexion au Pepper </a:t>
+            </a:r>
           </a:p>
         </p:txBody>
       </p:sp>
@@ -11227,17 +11321,17 @@
           <a:p>
             <a:r>
               <a:rPr lang="fr-FR" dirty="0"/>
-              <a:t>Bilan personnel – Guillaume BERTHELON </a:t>
+              <a:t>Phase de Test – Algorithme </a:t>
             </a:r>
           </a:p>
         </p:txBody>
       </p:sp>
       <p:sp>
         <p:nvSpPr>
-          <p:cNvPr id="3" name="Espace réservé du texte 2">
+          <p:cNvPr id="6" name="Espace réservé du contenu 5">
             <a:extLst>
               <a:ext uri="{FF2B5EF4-FFF2-40B4-BE49-F238E27FC236}">
-                <a16:creationId xmlns:a16="http://schemas.microsoft.com/office/drawing/2014/main" id="{C29F7321-27E5-4F26-A662-54F5D5FBFC88}"/>
+                <a16:creationId xmlns:a16="http://schemas.microsoft.com/office/drawing/2014/main" id="{03859EAB-83D4-46B5-8E9A-528FDBFACB4C}"/>
               </a:ext>
             </a:extLst>
           </p:cNvPr>
@@ -11245,124 +11339,71 @@
             <a:spLocks noGrp="1"/>
           </p:cNvSpPr>
           <p:nvPr>
-            <p:ph type="body" idx="1"/>
+            <p:ph sz="quarter" idx="4"/>
           </p:nvPr>
         </p:nvSpPr>
         <p:spPr>
           <a:xfrm>
-            <a:off x="293251" y="1574499"/>
-            <a:ext cx="3143633" cy="518620"/>
+            <a:off x="836612" y="1417983"/>
+            <a:ext cx="7565266" cy="4028660"/>
           </a:xfrm>
         </p:spPr>
         <p:txBody>
-          <a:bodyPr/>
+          <a:bodyPr>
+            <a:normAutofit/>
+          </a:bodyPr>
           <a:lstStyle/>
           <a:p>
-            <a:r>
-              <a:rPr lang="fr-FR" dirty="0"/>
-              <a:t>Tâches principales </a:t>
+            <a:pPr marL="0" indent="0">
+              <a:buNone/>
+            </a:pPr>
+            <a:endParaRPr lang="fr-FR" sz="2400" u="sng" dirty="0"/>
+          </a:p>
+          <a:p>
+            <a:pPr marL="0" indent="0">
+              <a:buNone/>
+            </a:pPr>
+            <a:r>
+              <a:rPr lang="fr-FR" sz="2400" u="sng" dirty="0"/>
+              <a:t>Lancement de la question </a:t>
+            </a:r>
+          </a:p>
+          <a:p>
+            <a:pPr marL="0" indent="0">
+              <a:buNone/>
+            </a:pPr>
+            <a:endParaRPr lang="fr-FR" sz="2400" u="sng" dirty="0"/>
+          </a:p>
+          <a:p>
+            <a:r>
+              <a:rPr lang="fr-FR" sz="2400" dirty="0"/>
+              <a:t>Utilisation des évènements pour récupérer la réponse </a:t>
+            </a:r>
+          </a:p>
+          <a:p>
+            <a:r>
+              <a:rPr lang="fr-FR" sz="2400" dirty="0"/>
+              <a:t>Comparaison de la réponse avec notre script de génération automatique de réponse</a:t>
+            </a:r>
+          </a:p>
+          <a:p>
+            <a:r>
+              <a:rPr lang="fr-FR" sz="2400" dirty="0"/>
+              <a:t>Enregistrement des résultats et affichage sur la tablette </a:t>
+            </a:r>
+          </a:p>
+          <a:p>
+            <a:r>
+              <a:rPr lang="fr-FR" sz="2400" dirty="0"/>
+              <a:t>Temporisation faible entre chaque question (&lt; 3s)</a:t>
             </a:r>
           </a:p>
         </p:txBody>
       </p:sp>
-      <p:sp>
-        <p:nvSpPr>
-          <p:cNvPr id="4" name="Espace réservé du contenu 3">
-            <a:extLst>
-              <a:ext uri="{FF2B5EF4-FFF2-40B4-BE49-F238E27FC236}">
-                <a16:creationId xmlns:a16="http://schemas.microsoft.com/office/drawing/2014/main" id="{1A1E2842-46BE-4FF8-89CB-BDFBD11FE6DA}"/>
-              </a:ext>
-            </a:extLst>
-          </p:cNvPr>
-          <p:cNvSpPr>
-            <a:spLocks noGrp="1"/>
-          </p:cNvSpPr>
-          <p:nvPr>
-            <p:ph sz="half" idx="2"/>
-          </p:nvPr>
-        </p:nvSpPr>
-        <p:spPr>
-          <a:xfrm>
-            <a:off x="293251" y="2107242"/>
-            <a:ext cx="3631168" cy="3684588"/>
-          </a:xfrm>
-        </p:spPr>
-        <p:txBody>
-          <a:bodyPr/>
-          <a:lstStyle/>
-          <a:p>
-            <a:endParaRPr lang="fr-FR" dirty="0"/>
-          </a:p>
-        </p:txBody>
-      </p:sp>
-      <p:sp>
-        <p:nvSpPr>
-          <p:cNvPr id="5" name="Espace réservé du texte 4">
-            <a:extLst>
-              <a:ext uri="{FF2B5EF4-FFF2-40B4-BE49-F238E27FC236}">
-                <a16:creationId xmlns:a16="http://schemas.microsoft.com/office/drawing/2014/main" id="{8D52A8DD-5C61-4098-A25C-CF45E7F9BE7A}"/>
-              </a:ext>
-            </a:extLst>
-          </p:cNvPr>
-          <p:cNvSpPr>
-            <a:spLocks noGrp="1"/>
-          </p:cNvSpPr>
-          <p:nvPr>
-            <p:ph type="body" sz="quarter" idx="3"/>
-          </p:nvPr>
-        </p:nvSpPr>
-        <p:spPr>
-          <a:xfrm>
-            <a:off x="4026776" y="1269207"/>
-            <a:ext cx="4138448" cy="823912"/>
-          </a:xfrm>
-        </p:spPr>
-        <p:txBody>
-          <a:bodyPr/>
-          <a:lstStyle/>
-          <a:p>
-            <a:r>
-              <a:rPr lang="fr-FR" dirty="0"/>
-              <a:t>Répartition du temps de travail</a:t>
-            </a:r>
-          </a:p>
-        </p:txBody>
-      </p:sp>
-      <p:graphicFrame>
-        <p:nvGraphicFramePr>
-          <p:cNvPr id="11" name="Espace réservé du contenu 10">
-            <a:extLst>
-              <a:ext uri="{FF2B5EF4-FFF2-40B4-BE49-F238E27FC236}">
-                <a16:creationId xmlns:a16="http://schemas.microsoft.com/office/drawing/2014/main" id="{280206B7-FEB6-4209-81ED-4CFF05EEC113}"/>
-              </a:ext>
-            </a:extLst>
-          </p:cNvPr>
-          <p:cNvGraphicFramePr>
-            <a:graphicFrameLocks noGrp="1"/>
-          </p:cNvGraphicFramePr>
-          <p:nvPr>
-            <p:ph sz="quarter" idx="4"/>
-            <p:extLst>
-              <p:ext uri="{D42A27DB-BD31-4B8C-83A1-F6EECF244321}">
-                <p14:modId xmlns:p14="http://schemas.microsoft.com/office/powerpoint/2010/main" val="359520863"/>
-              </p:ext>
-            </p:extLst>
-          </p:nvPr>
-        </p:nvGraphicFramePr>
-        <p:xfrm>
-          <a:off x="3924419" y="2093119"/>
-          <a:ext cx="3981450" cy="3684587"/>
-        </p:xfrm>
-        <a:graphic>
-          <a:graphicData uri="http://schemas.openxmlformats.org/drawingml/2006/chart">
-            <c:chart xmlns:c="http://schemas.openxmlformats.org/drawingml/2006/chart" xmlns:r="http://schemas.openxmlformats.org/officeDocument/2006/relationships" r:id="rId2"/>
-          </a:graphicData>
-        </a:graphic>
-      </p:graphicFrame>
     </p:spTree>
     <p:extLst>
       <p:ext uri="{BB962C8B-B14F-4D97-AF65-F5344CB8AC3E}">
-        <p14:creationId xmlns:p14="http://schemas.microsoft.com/office/powerpoint/2010/main" val="511420779"/>
+        <p14:creationId xmlns:p14="http://schemas.microsoft.com/office/powerpoint/2010/main" val="3514142406"/>
       </p:ext>
     </p:extLst>
   </p:cSld>
@@ -11412,7 +11453,7 @@
           <a:p>
             <a:r>
               <a:rPr lang="fr-FR" dirty="0"/>
-              <a:t>Bilan personnel – Antoine D’AURE</a:t>
+              <a:t>Bilan personnel – Guillaume BERTHELON </a:t>
             </a:r>
           </a:p>
         </p:txBody>
@@ -11527,6 +11568,11 @@
           </p:cNvGraphicFramePr>
           <p:nvPr>
             <p:ph sz="quarter" idx="4"/>
+            <p:extLst>
+              <p:ext uri="{D42A27DB-BD31-4B8C-83A1-F6EECF244321}">
+                <p14:modId xmlns:p14="http://schemas.microsoft.com/office/powerpoint/2010/main" val="359520863"/>
+              </p:ext>
+            </p:extLst>
           </p:nvPr>
         </p:nvGraphicFramePr>
         <p:xfrm>
@@ -11542,7 +11588,7 @@
     </p:spTree>
     <p:extLst>
       <p:ext uri="{BB962C8B-B14F-4D97-AF65-F5344CB8AC3E}">
-        <p14:creationId xmlns:p14="http://schemas.microsoft.com/office/powerpoint/2010/main" val="3790482036"/>
+        <p14:creationId xmlns:p14="http://schemas.microsoft.com/office/powerpoint/2010/main" val="511420779"/>
       </p:ext>
     </p:extLst>
   </p:cSld>
@@ -11592,7 +11638,7 @@
           <a:p>
             <a:r>
               <a:rPr lang="fr-FR" dirty="0"/>
-              <a:t>Bilan personnel – Alexis Maire</a:t>
+              <a:t>Bilan personnel – Antoine D’AURE</a:t>
             </a:r>
           </a:p>
         </p:txBody>
@@ -11722,7 +11768,7 @@
     </p:spTree>
     <p:extLst>
       <p:ext uri="{BB962C8B-B14F-4D97-AF65-F5344CB8AC3E}">
-        <p14:creationId xmlns:p14="http://schemas.microsoft.com/office/powerpoint/2010/main" val="2317817543"/>
+        <p14:creationId xmlns:p14="http://schemas.microsoft.com/office/powerpoint/2010/main" val="3790482036"/>
       </p:ext>
     </p:extLst>
   </p:cSld>
@@ -11772,7 +11818,7 @@
           <a:p>
             <a:r>
               <a:rPr lang="fr-FR" dirty="0"/>
-              <a:t>Bilan personnel – Timothée OLIVES</a:t>
+              <a:t>Bilan personnel – Alexis Maire</a:t>
             </a:r>
           </a:p>
         </p:txBody>
@@ -11902,7 +11948,7 @@
     </p:spTree>
     <p:extLst>
       <p:ext uri="{BB962C8B-B14F-4D97-AF65-F5344CB8AC3E}">
-        <p14:creationId xmlns:p14="http://schemas.microsoft.com/office/powerpoint/2010/main" val="2001634516"/>
+        <p14:creationId xmlns:p14="http://schemas.microsoft.com/office/powerpoint/2010/main" val="2317817543"/>
       </p:ext>
     </p:extLst>
   </p:cSld>
@@ -11952,7 +11998,7 @@
           <a:p>
             <a:r>
               <a:rPr lang="fr-FR" dirty="0"/>
-              <a:t>Bilan personnel – Tristan PARISELLE</a:t>
+              <a:t>Bilan personnel – Timothée OLIVES</a:t>
             </a:r>
           </a:p>
         </p:txBody>
@@ -12082,7 +12128,7 @@
     </p:spTree>
     <p:extLst>
       <p:ext uri="{BB962C8B-B14F-4D97-AF65-F5344CB8AC3E}">
-        <p14:creationId xmlns:p14="http://schemas.microsoft.com/office/powerpoint/2010/main" val="1102940249"/>
+        <p14:creationId xmlns:p14="http://schemas.microsoft.com/office/powerpoint/2010/main" val="2001634516"/>
       </p:ext>
     </p:extLst>
   </p:cSld>
@@ -12132,7 +12178,7 @@
           <a:p>
             <a:r>
               <a:rPr lang="fr-FR" dirty="0"/>
-              <a:t>Bilan personnel – Antoine PORTÉ</a:t>
+              <a:t>Bilan personnel – Tristan PARISELLE</a:t>
             </a:r>
           </a:p>
         </p:txBody>
@@ -12193,61 +12239,10 @@
           </a:xfrm>
         </p:spPr>
         <p:txBody>
-          <a:bodyPr>
-            <a:normAutofit/>
-          </a:bodyPr>
+          <a:bodyPr/>
           <a:lstStyle/>
           <a:p>
-            <a:r>
-              <a:rPr lang="fr-FR" sz="2000" dirty="0"/>
-              <a:t>Prise en main de l’environnement</a:t>
-            </a:r>
-          </a:p>
-          <a:p>
-            <a:r>
-              <a:rPr lang="fr-FR" sz="2000" dirty="0"/>
-              <a:t>Exploration de l’ensemble de questions</a:t>
-            </a:r>
-          </a:p>
-          <a:p>
-            <a:r>
-              <a:rPr lang="fr-FR" sz="2000" dirty="0"/>
-              <a:t>Création </a:t>
-            </a:r>
-            <a:r>
-              <a:rPr lang="fr-FR" sz="2000" dirty="0" err="1"/>
-              <a:t>Github</a:t>
-            </a:r>
-            <a:endParaRPr lang="fr-FR" sz="2000" dirty="0"/>
-          </a:p>
-          <a:p>
-            <a:r>
-              <a:rPr lang="fr-FR" sz="2000" dirty="0"/>
-              <a:t>Tablette</a:t>
-            </a:r>
-          </a:p>
-          <a:p>
-            <a:r>
-              <a:rPr lang="fr-FR" sz="2000" dirty="0"/>
-              <a:t>Mouvement du robot en fonction du son</a:t>
-            </a:r>
-          </a:p>
-          <a:p>
-            <a:r>
-              <a:rPr lang="fr-FR" sz="2000" dirty="0"/>
-              <a:t>Présentation </a:t>
-            </a:r>
-            <a:r>
-              <a:rPr lang="fr-FR" sz="2000" dirty="0" err="1"/>
-              <a:t>finalle</a:t>
-            </a:r>
-            <a:endParaRPr lang="fr-FR" sz="2000" dirty="0"/>
-          </a:p>
-          <a:p>
-            <a:pPr marL="0" indent="0">
-              <a:buNone/>
-            </a:pPr>
-            <a:endParaRPr lang="fr-FR" sz="2000" dirty="0"/>
+            <a:endParaRPr lang="fr-FR" dirty="0"/>
           </a:p>
         </p:txBody>
       </p:sp>
@@ -12286,10 +12281,10 @@
       </p:sp>
       <p:graphicFrame>
         <p:nvGraphicFramePr>
-          <p:cNvPr id="9" name="Espace réservé du contenu 8">
+          <p:cNvPr id="11" name="Espace réservé du contenu 10">
             <a:extLst>
               <a:ext uri="{FF2B5EF4-FFF2-40B4-BE49-F238E27FC236}">
-                <a16:creationId xmlns:a16="http://schemas.microsoft.com/office/drawing/2014/main" id="{210E9348-331A-4D28-A85F-25FDC197CB73}"/>
+                <a16:creationId xmlns:a16="http://schemas.microsoft.com/office/drawing/2014/main" id="{280206B7-FEB6-4209-81ED-4CFF05EEC113}"/>
               </a:ext>
             </a:extLst>
           </p:cNvPr>
@@ -12298,16 +12293,11 @@
           </p:cNvGraphicFramePr>
           <p:nvPr>
             <p:ph sz="quarter" idx="4"/>
-            <p:extLst>
-              <p:ext uri="{D42A27DB-BD31-4B8C-83A1-F6EECF244321}">
-                <p14:modId xmlns:p14="http://schemas.microsoft.com/office/powerpoint/2010/main" val="2108739031"/>
-              </p:ext>
-            </p:extLst>
           </p:nvPr>
         </p:nvGraphicFramePr>
         <p:xfrm>
-          <a:off x="3533503" y="2263393"/>
-          <a:ext cx="4137735" cy="3684587"/>
+          <a:off x="3924419" y="2093119"/>
+          <a:ext cx="3981450" cy="3684587"/>
         </p:xfrm>
         <a:graphic>
           <a:graphicData uri="http://schemas.openxmlformats.org/drawingml/2006/chart">
@@ -12318,7 +12308,7 @@
     </p:spTree>
     <p:extLst>
       <p:ext uri="{BB962C8B-B14F-4D97-AF65-F5344CB8AC3E}">
-        <p14:creationId xmlns:p14="http://schemas.microsoft.com/office/powerpoint/2010/main" val="848313315"/>
+        <p14:creationId xmlns:p14="http://schemas.microsoft.com/office/powerpoint/2010/main" val="1102940249"/>
       </p:ext>
     </p:extLst>
   </p:cSld>
@@ -12368,7 +12358,7 @@
           <a:p>
             <a:r>
               <a:rPr lang="fr-FR" dirty="0"/>
-              <a:t>Bilan personnel – Aurélien SAUNIER</a:t>
+              <a:t>Bilan personnel – Antoine PORTÉ</a:t>
             </a:r>
           </a:p>
         </p:txBody>
@@ -12429,10 +12419,61 @@
           </a:xfrm>
         </p:spPr>
         <p:txBody>
-          <a:bodyPr/>
+          <a:bodyPr>
+            <a:normAutofit/>
+          </a:bodyPr>
           <a:lstStyle/>
           <a:p>
-            <a:endParaRPr lang="fr-FR" dirty="0"/>
+            <a:r>
+              <a:rPr lang="fr-FR" sz="2000" dirty="0"/>
+              <a:t>Prise en main de l’environnement</a:t>
+            </a:r>
+          </a:p>
+          <a:p>
+            <a:r>
+              <a:rPr lang="fr-FR" sz="2000" dirty="0"/>
+              <a:t>Exploration de l’ensemble de questions</a:t>
+            </a:r>
+          </a:p>
+          <a:p>
+            <a:r>
+              <a:rPr lang="fr-FR" sz="2000" dirty="0"/>
+              <a:t>Création </a:t>
+            </a:r>
+            <a:r>
+              <a:rPr lang="fr-FR" sz="2000" dirty="0" err="1"/>
+              <a:t>Github</a:t>
+            </a:r>
+            <a:endParaRPr lang="fr-FR" sz="2000" dirty="0"/>
+          </a:p>
+          <a:p>
+            <a:r>
+              <a:rPr lang="fr-FR" sz="2000" dirty="0"/>
+              <a:t>Tablette</a:t>
+            </a:r>
+          </a:p>
+          <a:p>
+            <a:r>
+              <a:rPr lang="fr-FR" sz="2000" dirty="0"/>
+              <a:t>Mouvement du robot en fonction du son</a:t>
+            </a:r>
+          </a:p>
+          <a:p>
+            <a:r>
+              <a:rPr lang="fr-FR" sz="2000" dirty="0"/>
+              <a:t>Présentation </a:t>
+            </a:r>
+            <a:r>
+              <a:rPr lang="fr-FR" sz="2000" dirty="0" err="1"/>
+              <a:t>finalle</a:t>
+            </a:r>
+            <a:endParaRPr lang="fr-FR" sz="2000" dirty="0"/>
+          </a:p>
+          <a:p>
+            <a:pPr marL="0" indent="0">
+              <a:buNone/>
+            </a:pPr>
+            <a:endParaRPr lang="fr-FR" sz="2000" dirty="0"/>
           </a:p>
         </p:txBody>
       </p:sp>
@@ -12471,10 +12512,10 @@
       </p:sp>
       <p:graphicFrame>
         <p:nvGraphicFramePr>
-          <p:cNvPr id="11" name="Espace réservé du contenu 10">
+          <p:cNvPr id="9" name="Espace réservé du contenu 8">
             <a:extLst>
               <a:ext uri="{FF2B5EF4-FFF2-40B4-BE49-F238E27FC236}">
-                <a16:creationId xmlns:a16="http://schemas.microsoft.com/office/drawing/2014/main" id="{280206B7-FEB6-4209-81ED-4CFF05EEC113}"/>
+                <a16:creationId xmlns:a16="http://schemas.microsoft.com/office/drawing/2014/main" id="{210E9348-331A-4D28-A85F-25FDC197CB73}"/>
               </a:ext>
             </a:extLst>
           </p:cNvPr>
@@ -12483,11 +12524,16 @@
           </p:cNvGraphicFramePr>
           <p:nvPr>
             <p:ph sz="quarter" idx="4"/>
+            <p:extLst>
+              <p:ext uri="{D42A27DB-BD31-4B8C-83A1-F6EECF244321}">
+                <p14:modId xmlns:p14="http://schemas.microsoft.com/office/powerpoint/2010/main" val="2108739031"/>
+              </p:ext>
+            </p:extLst>
           </p:nvPr>
         </p:nvGraphicFramePr>
         <p:xfrm>
-          <a:off x="3924419" y="2093119"/>
-          <a:ext cx="3981450" cy="3684587"/>
+          <a:off x="3533503" y="2263393"/>
+          <a:ext cx="4137735" cy="3684587"/>
         </p:xfrm>
         <a:graphic>
           <a:graphicData uri="http://schemas.openxmlformats.org/drawingml/2006/chart">
@@ -12498,7 +12544,7 @@
     </p:spTree>
     <p:extLst>
       <p:ext uri="{BB962C8B-B14F-4D97-AF65-F5344CB8AC3E}">
-        <p14:creationId xmlns:p14="http://schemas.microsoft.com/office/powerpoint/2010/main" val="3762136781"/>
+        <p14:creationId xmlns:p14="http://schemas.microsoft.com/office/powerpoint/2010/main" val="848313315"/>
       </p:ext>
     </p:extLst>
   </p:cSld>
@@ -12735,7 +12781,7 @@
           <a:p>
             <a:r>
               <a:rPr lang="fr-FR" dirty="0"/>
-              <a:t>Bilan de groupe</a:t>
+              <a:t>Bilan personnel – Aurélien SAUNIER</a:t>
             </a:r>
           </a:p>
         </p:txBody>
@@ -12756,14 +12802,19 @@
             <p:ph type="body" idx="1"/>
           </p:nvPr>
         </p:nvSpPr>
-        <p:spPr/>
+        <p:spPr>
+          <a:xfrm>
+            <a:off x="293251" y="1574499"/>
+            <a:ext cx="3143633" cy="518620"/>
+          </a:xfrm>
+        </p:spPr>
         <p:txBody>
           <a:bodyPr/>
           <a:lstStyle/>
           <a:p>
             <a:r>
               <a:rPr lang="fr-FR" dirty="0"/>
-              <a:t>Mise en situation équipe d’ingénieur de développements</a:t>
+              <a:t>Tâches principales </a:t>
             </a:r>
           </a:p>
         </p:txBody>
@@ -12784,35 +12835,65 @@
             <p:ph sz="half" idx="2"/>
           </p:nvPr>
         </p:nvSpPr>
-        <p:spPr/>
+        <p:spPr>
+          <a:xfrm>
+            <a:off x="293250" y="2093119"/>
+            <a:ext cx="3733525" cy="3684588"/>
+          </a:xfrm>
+        </p:spPr>
         <p:txBody>
-          <a:bodyPr/>
+          <a:bodyPr>
+            <a:normAutofit/>
+          </a:bodyPr>
           <a:lstStyle/>
           <a:p>
             <a:r>
-              <a:rPr lang="fr-FR" dirty="0"/>
-              <a:t>Lundi : </a:t>
-            </a:r>
-          </a:p>
-          <a:p>
-            <a:pPr lvl="1"/>
-            <a:r>
-              <a:rPr lang="fr-FR" dirty="0"/>
-              <a:t>Compte rendu de la semaine passée</a:t>
-            </a:r>
-          </a:p>
-          <a:p>
-            <a:pPr lvl="1"/>
-            <a:r>
-              <a:rPr lang="fr-FR" dirty="0"/>
-              <a:t>Répartition des taches de la semaine à venir</a:t>
-            </a:r>
-          </a:p>
-          <a:p>
-            <a:r>
-              <a:rPr lang="fr-FR" dirty="0"/>
-              <a:t>Bonne entente et répartition des taches</a:t>
-            </a:r>
+              <a:rPr lang="fr-FR" sz="1800" dirty="0"/>
+              <a:t>Prise en main de l’environnement et notamment du fonctionnement des  évènements </a:t>
+            </a:r>
+          </a:p>
+          <a:p>
+            <a:pPr marL="0" indent="0">
+              <a:buNone/>
+            </a:pPr>
+            <a:endParaRPr lang="fr-FR" sz="1800" dirty="0"/>
+          </a:p>
+          <a:p>
+            <a:r>
+              <a:rPr lang="fr-FR" sz="1800" dirty="0"/>
+              <a:t>Développement du parseur CSV et des classes utilisées </a:t>
+            </a:r>
+          </a:p>
+          <a:p>
+            <a:pPr marL="0" indent="0">
+              <a:buNone/>
+            </a:pPr>
+            <a:endParaRPr lang="fr-FR" sz="1800" dirty="0"/>
+          </a:p>
+          <a:p>
+            <a:r>
+              <a:rPr lang="fr-FR" sz="1800" dirty="0"/>
+              <a:t>Mise en place de la classe </a:t>
+            </a:r>
+            <a:r>
+              <a:rPr lang="fr-FR" sz="1800"/>
+              <a:t>de test</a:t>
+            </a:r>
+          </a:p>
+          <a:p>
+            <a:pPr marL="0" indent="0">
+              <a:buNone/>
+            </a:pPr>
+            <a:endParaRPr lang="fr-FR" sz="1800" dirty="0"/>
+          </a:p>
+          <a:p>
+            <a:r>
+              <a:rPr lang="fr-FR" sz="1800" dirty="0"/>
+              <a:t>Test et récupération des résultats</a:t>
+            </a:r>
+          </a:p>
+          <a:p>
+            <a:endParaRPr lang="fr-FR" dirty="0"/>
           </a:p>
         </p:txBody>
       </p:sp>
@@ -12832,7 +12913,12 @@
             <p:ph type="body" sz="quarter" idx="3"/>
           </p:nvPr>
         </p:nvSpPr>
-        <p:spPr/>
+        <p:spPr>
+          <a:xfrm>
+            <a:off x="4026776" y="1269207"/>
+            <a:ext cx="4138448" cy="823912"/>
+          </a:xfrm>
+        </p:spPr>
         <p:txBody>
           <a:bodyPr/>
           <a:lstStyle/>
@@ -12846,10 +12932,10 @@
       </p:sp>
       <p:graphicFrame>
         <p:nvGraphicFramePr>
-          <p:cNvPr id="17" name="Espace réservé du contenu 16">
+          <p:cNvPr id="11" name="Espace réservé du contenu 10">
             <a:extLst>
               <a:ext uri="{FF2B5EF4-FFF2-40B4-BE49-F238E27FC236}">
-                <a16:creationId xmlns:a16="http://schemas.microsoft.com/office/drawing/2014/main" id="{BFEB7FF6-4568-4721-8025-E7738259AAAD}"/>
+                <a16:creationId xmlns:a16="http://schemas.microsoft.com/office/drawing/2014/main" id="{280206B7-FEB6-4209-81ED-4CFF05EEC113}"/>
               </a:ext>
             </a:extLst>
           </p:cNvPr>
@@ -12860,14 +12946,14 @@
             <p:ph sz="quarter" idx="4"/>
             <p:extLst>
               <p:ext uri="{D42A27DB-BD31-4B8C-83A1-F6EECF244321}">
-                <p14:modId xmlns:p14="http://schemas.microsoft.com/office/powerpoint/2010/main" val="2190791011"/>
+                <p14:modId xmlns:p14="http://schemas.microsoft.com/office/powerpoint/2010/main" val="2250247060"/>
               </p:ext>
             </p:extLst>
           </p:nvPr>
         </p:nvGraphicFramePr>
         <p:xfrm>
-          <a:off x="6529551" y="2505075"/>
-          <a:ext cx="5357813" cy="3987800"/>
+          <a:off x="3924419" y="2093119"/>
+          <a:ext cx="3981450" cy="3684587"/>
         </p:xfrm>
         <a:graphic>
           <a:graphicData uri="http://schemas.openxmlformats.org/drawingml/2006/chart">
@@ -12878,7 +12964,7 @@
     </p:spTree>
     <p:extLst>
       <p:ext uri="{BB962C8B-B14F-4D97-AF65-F5344CB8AC3E}">
-        <p14:creationId xmlns:p14="http://schemas.microsoft.com/office/powerpoint/2010/main" val="2894810776"/>
+        <p14:creationId xmlns:p14="http://schemas.microsoft.com/office/powerpoint/2010/main" val="3762136781"/>
       </p:ext>
     </p:extLst>
   </p:cSld>
@@ -12928,7 +13014,35 @@
           <a:p>
             <a:r>
               <a:rPr lang="fr-FR" dirty="0"/>
-              <a:t>Conclusion</a:t>
+              <a:t>Bilan de groupe</a:t>
+            </a:r>
+          </a:p>
+        </p:txBody>
+      </p:sp>
+      <p:sp>
+        <p:nvSpPr>
+          <p:cNvPr id="3" name="Espace réservé du texte 2">
+            <a:extLst>
+              <a:ext uri="{FF2B5EF4-FFF2-40B4-BE49-F238E27FC236}">
+                <a16:creationId xmlns:a16="http://schemas.microsoft.com/office/drawing/2014/main" id="{C29F7321-27E5-4F26-A662-54F5D5FBFC88}"/>
+              </a:ext>
+            </a:extLst>
+          </p:cNvPr>
+          <p:cNvSpPr>
+            <a:spLocks noGrp="1"/>
+          </p:cNvSpPr>
+          <p:nvPr>
+            <p:ph type="body" idx="1"/>
+          </p:nvPr>
+        </p:nvSpPr>
+        <p:spPr/>
+        <p:txBody>
+          <a:bodyPr/>
+          <a:lstStyle/>
+          <a:p>
+            <a:r>
+              <a:rPr lang="fr-FR" dirty="0"/>
+              <a:t>Mise en situation équipe d’ingénieur de développements</a:t>
             </a:r>
           </a:p>
         </p:txBody>
@@ -12949,6 +13063,171 @@
             <p:ph sz="half" idx="2"/>
           </p:nvPr>
         </p:nvSpPr>
+        <p:spPr/>
+        <p:txBody>
+          <a:bodyPr/>
+          <a:lstStyle/>
+          <a:p>
+            <a:r>
+              <a:rPr lang="fr-FR" dirty="0"/>
+              <a:t>Lundi : </a:t>
+            </a:r>
+          </a:p>
+          <a:p>
+            <a:pPr lvl="1"/>
+            <a:r>
+              <a:rPr lang="fr-FR" dirty="0"/>
+              <a:t>Compte rendu de la semaine passée</a:t>
+            </a:r>
+          </a:p>
+          <a:p>
+            <a:pPr lvl="1"/>
+            <a:r>
+              <a:rPr lang="fr-FR" dirty="0"/>
+              <a:t>Répartition des taches de la semaine à venir</a:t>
+            </a:r>
+          </a:p>
+          <a:p>
+            <a:r>
+              <a:rPr lang="fr-FR" dirty="0"/>
+              <a:t>Bonne entente et répartition des taches</a:t>
+            </a:r>
+          </a:p>
+        </p:txBody>
+      </p:sp>
+      <p:sp>
+        <p:nvSpPr>
+          <p:cNvPr id="5" name="Espace réservé du texte 4">
+            <a:extLst>
+              <a:ext uri="{FF2B5EF4-FFF2-40B4-BE49-F238E27FC236}">
+                <a16:creationId xmlns:a16="http://schemas.microsoft.com/office/drawing/2014/main" id="{8D52A8DD-5C61-4098-A25C-CF45E7F9BE7A}"/>
+              </a:ext>
+            </a:extLst>
+          </p:cNvPr>
+          <p:cNvSpPr>
+            <a:spLocks noGrp="1"/>
+          </p:cNvSpPr>
+          <p:nvPr>
+            <p:ph type="body" sz="quarter" idx="3"/>
+          </p:nvPr>
+        </p:nvSpPr>
+        <p:spPr/>
+        <p:txBody>
+          <a:bodyPr/>
+          <a:lstStyle/>
+          <a:p>
+            <a:r>
+              <a:rPr lang="fr-FR" dirty="0"/>
+              <a:t>Répartition du temps de travail</a:t>
+            </a:r>
+          </a:p>
+        </p:txBody>
+      </p:sp>
+      <p:graphicFrame>
+        <p:nvGraphicFramePr>
+          <p:cNvPr id="17" name="Espace réservé du contenu 16">
+            <a:extLst>
+              <a:ext uri="{FF2B5EF4-FFF2-40B4-BE49-F238E27FC236}">
+                <a16:creationId xmlns:a16="http://schemas.microsoft.com/office/drawing/2014/main" id="{BFEB7FF6-4568-4721-8025-E7738259AAAD}"/>
+              </a:ext>
+            </a:extLst>
+          </p:cNvPr>
+          <p:cNvGraphicFramePr>
+            <a:graphicFrameLocks noGrp="1"/>
+          </p:cNvGraphicFramePr>
+          <p:nvPr>
+            <p:ph sz="quarter" idx="4"/>
+            <p:extLst>
+              <p:ext uri="{D42A27DB-BD31-4B8C-83A1-F6EECF244321}">
+                <p14:modId xmlns:p14="http://schemas.microsoft.com/office/powerpoint/2010/main" val="2190791011"/>
+              </p:ext>
+            </p:extLst>
+          </p:nvPr>
+        </p:nvGraphicFramePr>
+        <p:xfrm>
+          <a:off x="6529551" y="2505075"/>
+          <a:ext cx="5357813" cy="3987800"/>
+        </p:xfrm>
+        <a:graphic>
+          <a:graphicData uri="http://schemas.openxmlformats.org/drawingml/2006/chart">
+            <c:chart xmlns:c="http://schemas.openxmlformats.org/drawingml/2006/chart" xmlns:r="http://schemas.openxmlformats.org/officeDocument/2006/relationships" r:id="rId2"/>
+          </a:graphicData>
+        </a:graphic>
+      </p:graphicFrame>
+    </p:spTree>
+    <p:extLst>
+      <p:ext uri="{BB962C8B-B14F-4D97-AF65-F5344CB8AC3E}">
+        <p14:creationId xmlns:p14="http://schemas.microsoft.com/office/powerpoint/2010/main" val="2894810776"/>
+      </p:ext>
+    </p:extLst>
+  </p:cSld>
+  <p:clrMapOvr>
+    <a:masterClrMapping/>
+  </p:clrMapOvr>
+</p:sld>
+</file>
+
+<file path=ppt/slides/slide22.xml><?xml version="1.0" encoding="utf-8"?>
+<p:sld xmlns:a="http://schemas.openxmlformats.org/drawingml/2006/main" xmlns:r="http://schemas.openxmlformats.org/officeDocument/2006/relationships" xmlns:p="http://schemas.openxmlformats.org/presentationml/2006/main">
+  <p:cSld>
+    <p:spTree>
+      <p:nvGrpSpPr>
+        <p:cNvPr id="1" name=""/>
+        <p:cNvGrpSpPr/>
+        <p:nvPr/>
+      </p:nvGrpSpPr>
+      <p:grpSpPr>
+        <a:xfrm>
+          <a:off x="0" y="0"/>
+          <a:ext cx="0" cy="0"/>
+          <a:chOff x="0" y="0"/>
+          <a:chExt cx="0" cy="0"/>
+        </a:xfrm>
+      </p:grpSpPr>
+      <p:sp>
+        <p:nvSpPr>
+          <p:cNvPr id="2" name="Titre 1">
+            <a:extLst>
+              <a:ext uri="{FF2B5EF4-FFF2-40B4-BE49-F238E27FC236}">
+                <a16:creationId xmlns:a16="http://schemas.microsoft.com/office/drawing/2014/main" id="{6CA294AB-36EE-442C-977C-ACC9BCD37340}"/>
+              </a:ext>
+            </a:extLst>
+          </p:cNvPr>
+          <p:cNvSpPr>
+            <a:spLocks noGrp="1"/>
+          </p:cNvSpPr>
+          <p:nvPr>
+            <p:ph type="title"/>
+          </p:nvPr>
+        </p:nvSpPr>
+        <p:spPr/>
+        <p:txBody>
+          <a:bodyPr/>
+          <a:lstStyle/>
+          <a:p>
+            <a:r>
+              <a:rPr lang="fr-FR" dirty="0"/>
+              <a:t>Conclusion</a:t>
+            </a:r>
+          </a:p>
+        </p:txBody>
+      </p:sp>
+      <p:sp>
+        <p:nvSpPr>
+          <p:cNvPr id="4" name="Espace réservé du contenu 3">
+            <a:extLst>
+              <a:ext uri="{FF2B5EF4-FFF2-40B4-BE49-F238E27FC236}">
+                <a16:creationId xmlns:a16="http://schemas.microsoft.com/office/drawing/2014/main" id="{1A1E2842-46BE-4FF8-89CB-BDFBD11FE6DA}"/>
+              </a:ext>
+            </a:extLst>
+          </p:cNvPr>
+          <p:cNvSpPr>
+            <a:spLocks noGrp="1"/>
+          </p:cNvSpPr>
+          <p:nvPr>
+            <p:ph sz="half" idx="2"/>
+          </p:nvPr>
+        </p:nvSpPr>
         <p:spPr>
           <a:xfrm>
             <a:off x="839788" y="1690688"/>
@@ -13049,7 +13328,7 @@
         </p:spPr>
         <p:txBody>
           <a:bodyPr>
-            <a:normAutofit lnSpcReduction="10000"/>
+            <a:normAutofit/>
           </a:bodyPr>
           <a:lstStyle/>
           <a:p>
@@ -13070,7 +13349,7 @@
 </p:sld>
 </file>
 
-<file path=ppt/slides/slide22.xml><?xml version="1.0" encoding="utf-8"?>
+<file path=ppt/slides/slide23.xml><?xml version="1.0" encoding="utf-8"?>
 <p:sld xmlns:a="http://schemas.openxmlformats.org/drawingml/2006/main" xmlns:r="http://schemas.openxmlformats.org/officeDocument/2006/relationships" xmlns:p="http://schemas.openxmlformats.org/presentationml/2006/main">
   <p:cSld>
     <p:spTree>

--- a/Rapport/Diapo_ihm_pepper.pptx
+++ b/Rapport/Diapo_ihm_pepper.pptx
@@ -5,10 +5,10 @@
     <p:sldMasterId id="2147483648" r:id="rId1"/>
   </p:sldMasterIdLst>
   <p:notesMasterIdLst>
-    <p:notesMasterId r:id="rId28"/>
+    <p:notesMasterId r:id="rId27"/>
   </p:notesMasterIdLst>
   <p:handoutMasterIdLst>
-    <p:handoutMasterId r:id="rId29"/>
+    <p:handoutMasterId r:id="rId28"/>
   </p:handoutMasterIdLst>
   <p:sldIdLst>
     <p:sldId id="256" r:id="rId2"/>
@@ -36,7 +36,6 @@
     <p:sldId id="280" r:id="rId24"/>
     <p:sldId id="272" r:id="rId25"/>
     <p:sldId id="274" r:id="rId26"/>
-    <p:sldId id="273" r:id="rId27"/>
   </p:sldIdLst>
   <p:sldSz cx="12192000" cy="6858000"/>
   <p:notesSz cx="6858000" cy="9144000"/>
@@ -141,6 +140,10 @@
     </p:ext>
   </p:extLst>
 </p:presentation>
+</file>
+
+<file path=ppt/revisionInfo.xml><?xml version="1.0" encoding="utf-8"?>
+<p1510:revInfo xmlns:a="http://schemas.openxmlformats.org/drawingml/2006/main" xmlns:r="http://schemas.openxmlformats.org/officeDocument/2006/relationships" xmlns:p1510="http://schemas.microsoft.com/office/powerpoint/2015/10/main"/>
 </file>
 
 <file path=ppt/charts/chart1.xml><?xml version="1.0" encoding="utf-8"?>
@@ -12137,7 +12140,7 @@
         <p:spPr>
           <a:xfrm>
             <a:off x="836612" y="1417983"/>
-            <a:ext cx="7565266" cy="4028660"/>
+            <a:ext cx="7565266" cy="4668492"/>
           </a:xfrm>
         </p:spPr>
         <p:txBody>
@@ -12189,6 +12192,15 @@
               <a:rPr lang="fr-FR" sz="2400" dirty="0"/>
               <a:t>Temporisation faible entre chaque question (&lt; 3s)</a:t>
             </a:r>
+          </a:p>
+          <a:p>
+            <a:r>
+              <a:rPr lang="fr-FR" sz="2400" dirty="0">
+                <a:hlinkClick r:id="rId2"/>
+              </a:rPr>
+              <a:t>Vidéo de Tests IHM Pepper</a:t>
+            </a:r>
+            <a:endParaRPr lang="fr-FR" sz="2400" dirty="0"/>
           </a:p>
         </p:txBody>
       </p:sp>
@@ -12823,99 +12835,130 @@
           </a:bodyPr>
           <a:lstStyle/>
           <a:p>
+            <a:pPr marL="514350" indent="-514350">
+              <a:buFont typeface="+mj-lt"/>
+              <a:buAutoNum type="arabicPeriod"/>
+            </a:pPr>
             <a:r>
               <a:rPr lang="fr-FR" dirty="0"/>
-              <a:t>1 présentation de l’équipe</a:t>
-            </a:r>
-          </a:p>
-          <a:p>
+              <a:t>Présentation de l’équipe</a:t>
+            </a:r>
+          </a:p>
+          <a:p>
+            <a:pPr marL="514350" indent="-514350">
+              <a:buFont typeface="+mj-lt"/>
+              <a:buAutoNum type="arabicPeriod"/>
+            </a:pPr>
             <a:r>
               <a:rPr lang="fr-FR" dirty="0"/>
-              <a:t>2 Présentation de l’épreuve</a:t>
-            </a:r>
-          </a:p>
-          <a:p>
+              <a:t>Présentation de l’épreuve</a:t>
+            </a:r>
+          </a:p>
+          <a:p>
+            <a:pPr marL="514350" indent="-514350">
+              <a:buFont typeface="+mj-lt"/>
+              <a:buAutoNum type="arabicPeriod"/>
+            </a:pPr>
             <a:r>
               <a:rPr lang="fr-FR" dirty="0"/>
-              <a:t>3 cheminement de la réflexion (</a:t>
-            </a:r>
-            <a:r>
-              <a:rPr lang="fr-FR" dirty="0" err="1"/>
-              <a:t>Qichat</a:t>
-            </a:r>
+              <a:t>Cheminement de la réflexion</a:t>
+            </a:r>
+          </a:p>
+          <a:p>
+            <a:pPr marL="514350" indent="-514350">
+              <a:buFont typeface="+mj-lt"/>
+              <a:buAutoNum type="arabicPeriod"/>
+            </a:pPr>
             <a:r>
               <a:rPr lang="fr-FR" dirty="0"/>
-              <a:t> python apprentissage</a:t>
-            </a:r>
-          </a:p>
-          <a:p>
+              <a:t>Organisation générale de l’équipe</a:t>
+            </a:r>
+          </a:p>
+          <a:p>
+            <a:pPr marL="514350" indent="-514350">
+              <a:buFont typeface="+mj-lt"/>
+              <a:buAutoNum type="arabicPeriod"/>
+            </a:pPr>
             <a:r>
               <a:rPr lang="fr-FR" dirty="0"/>
-              <a:t>4 Organisation générale de l’équipe </a:t>
-            </a:r>
-            <a:r>
-              <a:rPr lang="fr-FR" dirty="0" err="1"/>
-              <a:t>github</a:t>
-            </a:r>
+              <a:t>Vidéo Présentation Robot</a:t>
+            </a:r>
+          </a:p>
+          <a:p>
+            <a:pPr marL="514350" indent="-514350">
+              <a:buFont typeface="+mj-lt"/>
+              <a:buAutoNum type="arabicPeriod"/>
+            </a:pPr>
             <a:r>
               <a:rPr lang="fr-FR" dirty="0"/>
-              <a:t> </a:t>
-            </a:r>
-            <a:r>
-              <a:rPr lang="fr-FR" dirty="0" err="1"/>
-              <a:t>trello</a:t>
-            </a:r>
-            <a:endParaRPr lang="fr-FR" dirty="0"/>
-          </a:p>
-          <a:p>
+              <a:t>Approche par mots clefs</a:t>
+            </a:r>
+          </a:p>
+          <a:p>
+            <a:pPr marL="514350" indent="-514350">
+              <a:buFont typeface="+mj-lt"/>
+              <a:buAutoNum type="arabicPeriod"/>
+            </a:pPr>
             <a:r>
               <a:rPr lang="fr-FR" dirty="0"/>
-              <a:t>5 Vidéo Présentation Robot</a:t>
-            </a:r>
-          </a:p>
-          <a:p>
-            <a:r>
-              <a:rPr lang="fr-FR" u="sng" dirty="0"/>
-              <a:t>6 Approche par mots clefs</a:t>
-            </a:r>
-          </a:p>
-          <a:p>
-            <a:r>
-              <a:rPr lang="fr-FR" u="sng" dirty="0"/>
-              <a:t>7 Approche dynamique</a:t>
-            </a:r>
-          </a:p>
-          <a:p>
-            <a:r>
-              <a:rPr lang="fr-FR" u="sng" dirty="0"/>
-              <a:t>8 Récupération de la réponse à partir question posée</a:t>
-            </a:r>
-          </a:p>
-          <a:p>
-            <a:r>
-              <a:rPr lang="fr-FR" u="sng" dirty="0"/>
-              <a:t>9 Tablette Photo/Vidéo</a:t>
-            </a:r>
-          </a:p>
-          <a:p>
-            <a:r>
-              <a:rPr lang="fr-FR" u="sng" dirty="0"/>
-              <a:t>10 Phase de test Vidéo test</a:t>
-            </a:r>
-          </a:p>
-          <a:p>
-            <a:r>
-              <a:rPr lang="fr-FR" u="sng" dirty="0"/>
-              <a:t>11 Bilan personnel</a:t>
-            </a:r>
-          </a:p>
-          <a:p>
+              <a:t>Approche dynamique</a:t>
+            </a:r>
+          </a:p>
+          <a:p>
+            <a:pPr marL="514350" indent="-514350">
+              <a:buFont typeface="+mj-lt"/>
+              <a:buAutoNum type="arabicPeriod"/>
+            </a:pPr>
             <a:r>
               <a:rPr lang="fr-FR" dirty="0"/>
-              <a:t>12 Bilan groupe</a:t>
-            </a:r>
-          </a:p>
-          <a:p>
+              <a:t>Récupération de la réponse à partir question posée</a:t>
+            </a:r>
+          </a:p>
+          <a:p>
+            <a:pPr marL="514350" indent="-514350">
+              <a:buFont typeface="+mj-lt"/>
+              <a:buAutoNum type="arabicPeriod"/>
+            </a:pPr>
+            <a:r>
+              <a:rPr lang="fr-FR" dirty="0"/>
+              <a:t>Tablette</a:t>
+            </a:r>
+          </a:p>
+          <a:p>
+            <a:pPr marL="514350" indent="-514350">
+              <a:buFont typeface="+mj-lt"/>
+              <a:buAutoNum type="arabicPeriod"/>
+            </a:pPr>
+            <a:r>
+              <a:rPr lang="fr-FR" dirty="0"/>
+              <a:t>Phase de test</a:t>
+            </a:r>
+          </a:p>
+          <a:p>
+            <a:pPr marL="514350" indent="-514350">
+              <a:buFont typeface="+mj-lt"/>
+              <a:buAutoNum type="arabicPeriod"/>
+            </a:pPr>
+            <a:r>
+              <a:rPr lang="fr-FR" dirty="0"/>
+              <a:t>Bilan personnel</a:t>
+            </a:r>
+          </a:p>
+          <a:p>
+            <a:pPr marL="514350" indent="-514350">
+              <a:buFont typeface="+mj-lt"/>
+              <a:buAutoNum type="arabicPeriod"/>
+            </a:pPr>
+            <a:r>
+              <a:rPr lang="fr-FR" dirty="0"/>
+              <a:t>Bilan groupe</a:t>
+            </a:r>
+          </a:p>
+          <a:p>
+            <a:pPr marL="514350" indent="-514350">
+              <a:buFont typeface="+mj-lt"/>
+              <a:buAutoNum type="arabicPeriod"/>
+            </a:pPr>
             <a:r>
               <a:rPr lang="fr-FR" dirty="0"/>
               <a:t>Conclusion / Ouverture</a:t>
@@ -14146,217 +14189,6 @@
 </p:sld>
 </file>
 
-<file path=ppt/slides/slide26.xml><?xml version="1.0" encoding="utf-8"?>
-<p:sld xmlns:a="http://schemas.openxmlformats.org/drawingml/2006/main" xmlns:r="http://schemas.openxmlformats.org/officeDocument/2006/relationships" xmlns:p="http://schemas.openxmlformats.org/presentationml/2006/main">
-  <p:cSld>
-    <p:spTree>
-      <p:nvGrpSpPr>
-        <p:cNvPr id="1" name=""/>
-        <p:cNvGrpSpPr/>
-        <p:nvPr/>
-      </p:nvGrpSpPr>
-      <p:grpSpPr>
-        <a:xfrm>
-          <a:off x="0" y="0"/>
-          <a:ext cx="0" cy="0"/>
-          <a:chOff x="0" y="0"/>
-          <a:chExt cx="0" cy="0"/>
-        </a:xfrm>
-      </p:grpSpPr>
-      <p:sp>
-        <p:nvSpPr>
-          <p:cNvPr id="2" name="Titre 1">
-            <a:extLst>
-              <a:ext uri="{FF2B5EF4-FFF2-40B4-BE49-F238E27FC236}">
-                <a16:creationId xmlns:a16="http://schemas.microsoft.com/office/drawing/2014/main" id="{6DEF1692-4404-48A3-977E-C6959B8D7471}"/>
-              </a:ext>
-            </a:extLst>
-          </p:cNvPr>
-          <p:cNvSpPr>
-            <a:spLocks noGrp="1"/>
-          </p:cNvSpPr>
-          <p:nvPr>
-            <p:ph type="title"/>
-          </p:nvPr>
-        </p:nvSpPr>
-        <p:spPr/>
-        <p:txBody>
-          <a:bodyPr/>
-          <a:lstStyle/>
-          <a:p>
-            <a:r>
-              <a:rPr lang="fr-FR" dirty="0"/>
-              <a:t>Conclusion</a:t>
-            </a:r>
-          </a:p>
-        </p:txBody>
-      </p:sp>
-      <p:sp>
-        <p:nvSpPr>
-          <p:cNvPr id="3" name="Espace réservé du contenu 2">
-            <a:extLst>
-              <a:ext uri="{FF2B5EF4-FFF2-40B4-BE49-F238E27FC236}">
-                <a16:creationId xmlns:a16="http://schemas.microsoft.com/office/drawing/2014/main" id="{EAE431DF-8BB9-472F-BA44-28028320630F}"/>
-              </a:ext>
-            </a:extLst>
-          </p:cNvPr>
-          <p:cNvSpPr>
-            <a:spLocks noGrp="1"/>
-          </p:cNvSpPr>
-          <p:nvPr>
-            <p:ph idx="1"/>
-          </p:nvPr>
-        </p:nvSpPr>
-        <p:spPr/>
-        <p:txBody>
-          <a:bodyPr>
-            <a:normAutofit fontScale="62500" lnSpcReduction="20000"/>
-          </a:bodyPr>
-          <a:lstStyle/>
-          <a:p>
-            <a:r>
-              <a:rPr lang="fr-FR" dirty="0"/>
-              <a:t>1 présentation de l’équipe</a:t>
-            </a:r>
-          </a:p>
-          <a:p>
-            <a:r>
-              <a:rPr lang="fr-FR" dirty="0"/>
-              <a:t>2 Présentation de l’épreuve</a:t>
-            </a:r>
-          </a:p>
-          <a:p>
-            <a:r>
-              <a:rPr lang="fr-FR" dirty="0"/>
-              <a:t>3 cheminement de la réflexion (</a:t>
-            </a:r>
-            <a:r>
-              <a:rPr lang="fr-FR" dirty="0" err="1"/>
-              <a:t>Qichat</a:t>
-            </a:r>
-            <a:r>
-              <a:rPr lang="fr-FR" dirty="0"/>
-              <a:t> python apprentissage</a:t>
-            </a:r>
-          </a:p>
-          <a:p>
-            <a:r>
-              <a:rPr lang="fr-FR" dirty="0"/>
-              <a:t>4 Organisation générale de l’équipe </a:t>
-            </a:r>
-            <a:r>
-              <a:rPr lang="fr-FR" dirty="0" err="1"/>
-              <a:t>github</a:t>
-            </a:r>
-            <a:r>
-              <a:rPr lang="fr-FR" dirty="0"/>
-              <a:t> </a:t>
-            </a:r>
-            <a:r>
-              <a:rPr lang="fr-FR" dirty="0" err="1"/>
-              <a:t>trello</a:t>
-            </a:r>
-            <a:endParaRPr lang="fr-FR" dirty="0"/>
-          </a:p>
-          <a:p>
-            <a:r>
-              <a:rPr lang="fr-FR" dirty="0"/>
-              <a:t>5 </a:t>
-            </a:r>
-            <a:r>
-              <a:rPr lang="fr-FR" dirty="0">
-                <a:highlight>
-                  <a:srgbClr val="FFFF00"/>
-                </a:highlight>
-              </a:rPr>
-              <a:t>Vidéo Présentation Robot</a:t>
-            </a:r>
-          </a:p>
-          <a:p>
-            <a:r>
-              <a:rPr lang="fr-FR" u="sng" dirty="0"/>
-              <a:t>6 Approche par mots clefs</a:t>
-            </a:r>
-          </a:p>
-          <a:p>
-            <a:r>
-              <a:rPr lang="fr-FR" u="sng" dirty="0"/>
-              <a:t>7 Approche dynamique</a:t>
-            </a:r>
-          </a:p>
-          <a:p>
-            <a:r>
-              <a:rPr lang="fr-FR" u="sng" dirty="0"/>
-              <a:t>8 Récupération de la réponse à partir question posée</a:t>
-            </a:r>
-          </a:p>
-          <a:p>
-            <a:r>
-              <a:rPr lang="fr-FR" u="sng" dirty="0"/>
-              <a:t>9 Tablette </a:t>
-            </a:r>
-            <a:r>
-              <a:rPr lang="fr-FR" u="sng" dirty="0">
-                <a:highlight>
-                  <a:srgbClr val="FFFF00"/>
-                </a:highlight>
-              </a:rPr>
-              <a:t>Photo/Vidéo</a:t>
-            </a:r>
-          </a:p>
-          <a:p>
-            <a:r>
-              <a:rPr lang="fr-FR" u="sng" dirty="0"/>
-              <a:t>10 Phase de test </a:t>
-            </a:r>
-            <a:r>
-              <a:rPr lang="fr-FR" u="sng" dirty="0">
-                <a:highlight>
-                  <a:srgbClr val="FFFF00"/>
-                </a:highlight>
-              </a:rPr>
-              <a:t>Vidéo test</a:t>
-            </a:r>
-          </a:p>
-          <a:p>
-            <a:r>
-              <a:rPr lang="fr-FR" u="sng" dirty="0"/>
-              <a:t>11 Bilan personnel</a:t>
-            </a:r>
-          </a:p>
-          <a:p>
-            <a:r>
-              <a:rPr lang="fr-FR" dirty="0"/>
-              <a:t>12 Bilan groupe</a:t>
-            </a:r>
-          </a:p>
-          <a:p>
-            <a:r>
-              <a:rPr lang="fr-FR" dirty="0"/>
-              <a:t>Conclusion / Ouverture</a:t>
-            </a:r>
-          </a:p>
-          <a:p>
-            <a:endParaRPr lang="fr-FR" dirty="0"/>
-          </a:p>
-          <a:p>
-            <a:endParaRPr lang="fr-FR" dirty="0"/>
-          </a:p>
-        </p:txBody>
-      </p:sp>
-    </p:spTree>
-    <p:extLst>
-      <p:ext uri="{BB962C8B-B14F-4D97-AF65-F5344CB8AC3E}">
-        <p14:creationId xmlns:p14="http://schemas.microsoft.com/office/powerpoint/2010/main" val="953167703"/>
-      </p:ext>
-    </p:extLst>
-  </p:cSld>
-  <p:clrMapOvr>
-    <a:masterClrMapping/>
-  </p:clrMapOvr>
-</p:sld>
-</file>
-
 <file path=ppt/slides/slide3.xml><?xml version="1.0" encoding="utf-8"?>
 <p:sld xmlns:a="http://schemas.openxmlformats.org/drawingml/2006/main" xmlns:r="http://schemas.openxmlformats.org/officeDocument/2006/relationships" xmlns:p="http://schemas.openxmlformats.org/presentationml/2006/main">
   <p:cSld>
@@ -14421,7 +14253,7 @@
         </p:nvSpPr>
         <p:spPr>
           <a:xfrm>
-            <a:off x="838200" y="1825625"/>
+            <a:off x="838200" y="1690688"/>
             <a:ext cx="5181600" cy="1896143"/>
           </a:xfrm>
         </p:spPr>
@@ -14445,45 +14277,73 @@
           </a:p>
         </p:txBody>
       </p:sp>
-      <p:sp>
-        <p:nvSpPr>
-          <p:cNvPr id="4" name="Espace réservé du contenu 3">
-            <a:extLst>
-              <a:ext uri="{FF2B5EF4-FFF2-40B4-BE49-F238E27FC236}">
-                <a16:creationId xmlns:a16="http://schemas.microsoft.com/office/drawing/2014/main" id="{6D28EC7D-3293-40B8-AA35-EA329E239A7D}"/>
-              </a:ext>
-            </a:extLst>
-          </p:cNvPr>
-          <p:cNvSpPr>
-            <a:spLocks noGrp="1"/>
-          </p:cNvSpPr>
+      <p:pic>
+        <p:nvPicPr>
+          <p:cNvPr id="8" name="Espace réservé du contenu 7">
+            <a:extLst>
+              <a:ext uri="{FF2B5EF4-FFF2-40B4-BE49-F238E27FC236}">
+                <a16:creationId xmlns:a16="http://schemas.microsoft.com/office/drawing/2014/main" id="{FEB65B5E-361F-401B-ABE7-6BB1A4D7E877}"/>
+              </a:ext>
+            </a:extLst>
+          </p:cNvPr>
+          <p:cNvPicPr>
+            <a:picLocks noGrp="1" noChangeAspect="1"/>
+          </p:cNvPicPr>
           <p:nvPr>
             <p:ph sz="half" idx="2"/>
           </p:nvPr>
-        </p:nvSpPr>
+        </p:nvPicPr>
+        <p:blipFill rotWithShape="1">
+          <a:blip r:embed="rId2">
+            <a:extLst>
+              <a:ext uri="{28A0092B-C50C-407E-A947-70E740481C1C}">
+                <a14:useLocalDpi xmlns:a14="http://schemas.microsoft.com/office/drawing/2010/main" val="0"/>
+              </a:ext>
+            </a:extLst>
+          </a:blip>
+          <a:srcRect l="4963" t="2288" r="-368"/>
+          <a:stretch/>
+        </p:blipFill>
         <p:spPr>
           <a:xfrm>
-            <a:off x="2145632" y="3689683"/>
-            <a:ext cx="8971547" cy="2634081"/>
+            <a:off x="2676527" y="3273483"/>
+            <a:ext cx="4267198" cy="3277821"/>
           </a:xfrm>
+          <a:prstGeom prst="snip2DiagRect">
+            <a:avLst/>
+          </a:prstGeom>
+          <a:solidFill>
+            <a:srgbClr val="FFFFFF">
+              <a:shade val="85000"/>
+            </a:srgbClr>
+          </a:solidFill>
+          <a:ln w="88900" cap="sq">
+            <a:solidFill>
+              <a:srgbClr val="FFFFFF"/>
+            </a:solidFill>
+            <a:miter lim="800000"/>
+          </a:ln>
+          <a:effectLst>
+            <a:outerShdw blurRad="88900" algn="tl" rotWithShape="0">
+              <a:srgbClr val="000000">
+                <a:alpha val="45000"/>
+              </a:srgbClr>
+            </a:outerShdw>
+          </a:effectLst>
+          <a:scene3d>
+            <a:camera prst="orthographicFront"/>
+            <a:lightRig rig="twoPt" dir="t">
+              <a:rot lat="0" lon="0" rev="7200000"/>
+            </a:lightRig>
+          </a:scene3d>
+          <a:sp3d>
+            <a:bevelT w="25400" h="19050"/>
+            <a:contourClr>
+              <a:srgbClr val="FFFFFF"/>
+            </a:contourClr>
+          </a:sp3d>
         </p:spPr>
-        <p:txBody>
-          <a:bodyPr>
-            <a:normAutofit/>
-          </a:bodyPr>
-          <a:lstStyle/>
-          <a:p>
-            <a:r>
-              <a:rPr lang="fr-FR" sz="6600" dirty="0">
-                <a:highlight>
-                  <a:srgbClr val="FFFF00"/>
-                </a:highlight>
-              </a:rPr>
-              <a:t>PHOTO</a:t>
-            </a:r>
-          </a:p>
-        </p:txBody>
-      </p:sp>
+      </p:pic>
     </p:spTree>
     <p:extLst>
       <p:ext uri="{BB962C8B-B14F-4D97-AF65-F5344CB8AC3E}">
@@ -15027,13 +14887,31 @@
           <a:lstStyle/>
           <a:p>
             <a:r>
-              <a:rPr lang="fr-FR" sz="4000" dirty="0">
-                <a:highlight>
-                  <a:srgbClr val="FFFF00"/>
-                </a:highlight>
+              <a:rPr lang="fr-FR" sz="4000" u="sng" dirty="0">
+                <a:solidFill>
+                  <a:srgbClr val="0070C0"/>
+                </a:solidFill>
+                <a:hlinkClick r:id="rId2"/>
               </a:rPr>
-              <a:t>VIDEO</a:t>
-            </a:r>
+              <a:t>IHM Pepper - </a:t>
+            </a:r>
+            <a:r>
+              <a:rPr lang="fr-FR" sz="4000" u="sng" dirty="0" err="1">
+                <a:solidFill>
+                  <a:srgbClr val="0070C0"/>
+                </a:solidFill>
+                <a:hlinkClick r:id="rId2"/>
+              </a:rPr>
+              <a:t>RoboCup@Home</a:t>
+            </a:r>
+            <a:endParaRPr lang="fr-FR" sz="4000" u="sng" dirty="0">
+              <a:solidFill>
+                <a:srgbClr val="0070C0"/>
+              </a:solidFill>
+              <a:highlight>
+                <a:srgbClr val="FFFF00"/>
+              </a:highlight>
+            </a:endParaRPr>
           </a:p>
         </p:txBody>
       </p:sp>

--- a/Rapport/Diapo_ihm_pepper.pptx
+++ b/Rapport/Diapo_ihm_pepper.pptx
@@ -5,17 +5,17 @@
     <p:sldMasterId id="2147483648" r:id="rId1"/>
   </p:sldMasterIdLst>
   <p:notesMasterIdLst>
-    <p:notesMasterId r:id="rId27"/>
+    <p:notesMasterId r:id="rId29"/>
   </p:notesMasterIdLst>
   <p:handoutMasterIdLst>
-    <p:handoutMasterId r:id="rId28"/>
+    <p:handoutMasterId r:id="rId30"/>
   </p:handoutMasterIdLst>
   <p:sldIdLst>
     <p:sldId id="256" r:id="rId2"/>
     <p:sldId id="258" r:id="rId3"/>
     <p:sldId id="260" r:id="rId4"/>
     <p:sldId id="262" r:id="rId5"/>
-    <p:sldId id="259" r:id="rId6"/>
+    <p:sldId id="286" r:id="rId6"/>
     <p:sldId id="264" r:id="rId7"/>
     <p:sldId id="265" r:id="rId8"/>
     <p:sldId id="282" r:id="rId9"/>
@@ -25,17 +25,19 @@
     <p:sldId id="267" r:id="rId13"/>
     <p:sldId id="268" r:id="rId14"/>
     <p:sldId id="269" r:id="rId15"/>
-    <p:sldId id="270" r:id="rId16"/>
-    <p:sldId id="281" r:id="rId17"/>
+    <p:sldId id="288" r:id="rId16"/>
+    <p:sldId id="287" r:id="rId17"/>
     <p:sldId id="271" r:id="rId18"/>
     <p:sldId id="275" r:id="rId19"/>
-    <p:sldId id="276" r:id="rId20"/>
+    <p:sldId id="289" r:id="rId20"/>
     <p:sldId id="277" r:id="rId21"/>
     <p:sldId id="278" r:id="rId22"/>
     <p:sldId id="279" r:id="rId23"/>
     <p:sldId id="280" r:id="rId24"/>
     <p:sldId id="272" r:id="rId25"/>
     <p:sldId id="274" r:id="rId26"/>
+    <p:sldId id="291" r:id="rId27"/>
+    <p:sldId id="290" r:id="rId28"/>
   </p:sldIdLst>
   <p:sldSz cx="12192000" cy="6858000"/>
   <p:notesSz cx="6858000" cy="9144000"/>
@@ -435,37 +437,7 @@
     </mc:Fallback>
   </mc:AlternateContent>
   <c:chart>
-    <c:title>
-      <c:overlay val="0"/>
-      <c:spPr>
-        <a:noFill/>
-        <a:ln>
-          <a:noFill/>
-        </a:ln>
-        <a:effectLst/>
-      </c:spPr>
-      <c:txPr>
-        <a:bodyPr rot="0" spcFirstLastPara="1" vertOverflow="ellipsis" vert="horz" wrap="square" anchor="ctr" anchorCtr="1"/>
-        <a:lstStyle/>
-        <a:p>
-          <a:pPr>
-            <a:defRPr sz="1862" b="0" i="0" u="none" strike="noStrike" kern="1200" spc="0" baseline="0">
-              <a:solidFill>
-                <a:schemeClr val="tx1">
-                  <a:lumMod val="65000"/>
-                  <a:lumOff val="35000"/>
-                </a:schemeClr>
-              </a:solidFill>
-              <a:latin typeface="+mn-lt"/>
-              <a:ea typeface="+mn-ea"/>
-              <a:cs typeface="+mn-cs"/>
-            </a:defRPr>
-          </a:pPr>
-          <a:endParaRPr lang="fr-FR"/>
-        </a:p>
-      </c:txPr>
-    </c:title>
-    <c:autoTitleDeleted val="0"/>
+    <c:autoTitleDeleted val="1"/>
     <c:plotArea>
       <c:layout/>
       <c:pieChart>
@@ -479,7 +451,7 @@
               <c:strCache>
                 <c:ptCount val="1"/>
                 <c:pt idx="0">
-                  <c:v>Ventes</c:v>
+                  <c:v>Colonne1</c:v>
                 </c:pt>
               </c:strCache>
             </c:strRef>
@@ -498,11 +470,6 @@
               </a:ln>
               <a:effectLst/>
             </c:spPr>
-            <c:extLst>
-              <c:ext xmlns:c16="http://schemas.microsoft.com/office/drawing/2014/chart" uri="{C3380CC4-5D6E-409C-BE32-E72D297353CC}">
-                <c16:uniqueId val="{00000001-0511-4154-8769-F8F348D8A77C}"/>
-              </c:ext>
-            </c:extLst>
           </c:dPt>
           <c:dPt>
             <c:idx val="1"/>
@@ -518,11 +485,6 @@
               </a:ln>
               <a:effectLst/>
             </c:spPr>
-            <c:extLst>
-              <c:ext xmlns:c16="http://schemas.microsoft.com/office/drawing/2014/chart" uri="{C3380CC4-5D6E-409C-BE32-E72D297353CC}">
-                <c16:uniqueId val="{00000003-0511-4154-8769-F8F348D8A77C}"/>
-              </c:ext>
-            </c:extLst>
           </c:dPt>
           <c:dPt>
             <c:idx val="2"/>
@@ -538,16 +500,10 @@
               </a:ln>
               <a:effectLst/>
             </c:spPr>
-            <c:extLst>
-              <c:ext xmlns:c16="http://schemas.microsoft.com/office/drawing/2014/chart" uri="{C3380CC4-5D6E-409C-BE32-E72D297353CC}">
-                <c16:uniqueId val="{00000005-0511-4154-8769-F8F348D8A77C}"/>
-              </c:ext>
-            </c:extLst>
           </c:dPt>
           <c:dPt>
             <c:idx val="3"/>
             <c:bubble3D val="0"/>
-            <c:explosion val="4"/>
             <c:spPr>
               <a:solidFill>
                 <a:schemeClr val="accent4"/>
@@ -559,56 +515,72 @@
               </a:ln>
               <a:effectLst/>
             </c:spPr>
-            <c:extLst>
-              <c:ext xmlns:c16="http://schemas.microsoft.com/office/drawing/2014/chart" uri="{C3380CC4-5D6E-409C-BE32-E72D297353CC}">
-                <c16:uniqueId val="{00000001-F8A5-4FC6-BC5E-6064798AA75A}"/>
-              </c:ext>
-            </c:extLst>
+          </c:dPt>
+          <c:dPt>
+            <c:idx val="4"/>
+            <c:bubble3D val="0"/>
+            <c:spPr>
+              <a:solidFill>
+                <a:schemeClr val="accent5"/>
+              </a:solidFill>
+              <a:ln w="19050">
+                <a:solidFill>
+                  <a:schemeClr val="lt1"/>
+                </a:solidFill>
+              </a:ln>
+              <a:effectLst/>
+            </c:spPr>
           </c:dPt>
           <c:cat>
             <c:strRef>
-              <c:f>Feuil1!$A$2:$A$5</c:f>
+              <c:f>Feuil1!$A$2:$A$6</c:f>
               <c:strCache>
-                <c:ptCount val="4"/>
+                <c:ptCount val="5"/>
                 <c:pt idx="0">
-                  <c:v>1er trim.</c:v>
+                  <c:v>Prise en main</c:v>
                 </c:pt>
                 <c:pt idx="1">
-                  <c:v>2e trim.</c:v>
+                  <c:v>Exploration des questions</c:v>
                 </c:pt>
                 <c:pt idx="2">
-                  <c:v>3e trim.</c:v>
+                  <c:v>Tests et analyse</c:v>
                 </c:pt>
                 <c:pt idx="3">
-                  <c:v>4e trim.</c:v>
+                  <c:v>Approche par mots clefs</c:v>
+                </c:pt>
+                <c:pt idx="4">
+                  <c:v>Présentation et montage vidéos</c:v>
                 </c:pt>
               </c:strCache>
             </c:strRef>
           </c:cat>
           <c:val>
             <c:numRef>
-              <c:f>Feuil1!$B$2:$B$5</c:f>
+              <c:f>Feuil1!$B$2:$B$6</c:f>
               <c:numCache>
                 <c:formatCode>General</c:formatCode>
-                <c:ptCount val="4"/>
+                <c:ptCount val="5"/>
                 <c:pt idx="0">
-                  <c:v>8.1999999999999993</c:v>
+                  <c:v>20</c:v>
                 </c:pt>
                 <c:pt idx="1">
-                  <c:v>3.2</c:v>
+                  <c:v>5</c:v>
                 </c:pt>
                 <c:pt idx="2">
-                  <c:v>1.4</c:v>
+                  <c:v>10</c:v>
                 </c:pt>
                 <c:pt idx="3">
-                  <c:v>1.2</c:v>
+                  <c:v>55</c:v>
+                </c:pt>
+                <c:pt idx="4">
+                  <c:v>10</c:v>
                 </c:pt>
               </c:numCache>
             </c:numRef>
           </c:val>
           <c:extLst>
             <c:ext xmlns:c16="http://schemas.microsoft.com/office/drawing/2014/chart" uri="{C3380CC4-5D6E-409C-BE32-E72D297353CC}">
-              <c16:uniqueId val="{00000000-F8A5-4FC6-BC5E-6064798AA75A}"/>
+              <c16:uniqueId val="{00000000-5860-4960-8A12-5867E088EE96}"/>
             </c:ext>
           </c:extLst>
         </c:ser>
@@ -710,39 +682,19 @@
     </mc:Fallback>
   </mc:AlternateContent>
   <c:chart>
-    <c:title>
-      <c:overlay val="0"/>
-      <c:spPr>
-        <a:noFill/>
-        <a:ln>
-          <a:noFill/>
-        </a:ln>
-        <a:effectLst/>
-      </c:spPr>
-      <c:txPr>
-        <a:bodyPr rot="0" spcFirstLastPara="1" vertOverflow="ellipsis" vert="horz" wrap="square" anchor="ctr" anchorCtr="1"/>
-        <a:lstStyle/>
-        <a:p>
-          <a:pPr>
-            <a:defRPr sz="1862" b="0" i="0" u="none" strike="noStrike" kern="1200" spc="0" baseline="0">
-              <a:solidFill>
-                <a:schemeClr val="tx1">
-                  <a:lumMod val="65000"/>
-                  <a:lumOff val="35000"/>
-                </a:schemeClr>
-              </a:solidFill>
-              <a:latin typeface="+mn-lt"/>
-              <a:ea typeface="+mn-ea"/>
-              <a:cs typeface="+mn-cs"/>
-            </a:defRPr>
-          </a:pPr>
-          <a:endParaRPr lang="fr-FR"/>
-        </a:p>
-      </c:txPr>
-    </c:title>
-    <c:autoTitleDeleted val="0"/>
+    <c:autoTitleDeleted val="1"/>
     <c:plotArea>
-      <c:layout/>
+      <c:layout>
+        <c:manualLayout>
+          <c:layoutTarget val="inner"/>
+          <c:xMode val="edge"/>
+          <c:yMode val="edge"/>
+          <c:x val="0.17745921711939117"/>
+          <c:y val="3.1021115799409811E-2"/>
+          <c:w val="0.64508181692599431"/>
+          <c:h val="0.69705532804626402"/>
+        </c:manualLayout>
+      </c:layout>
       <c:pieChart>
         <c:varyColors val="1"/>
         <c:ser>
@@ -764,7 +716,7 @@
             <c:bubble3D val="0"/>
             <c:spPr>
               <a:solidFill>
-                <a:schemeClr val="accent1"/>
+                <a:schemeClr val="accent6"/>
               </a:solidFill>
               <a:ln w="19050">
                 <a:solidFill>
@@ -784,7 +736,7 @@
             <c:bubble3D val="0"/>
             <c:spPr>
               <a:solidFill>
-                <a:schemeClr val="accent2"/>
+                <a:schemeClr val="accent5"/>
               </a:solidFill>
               <a:ln w="19050">
                 <a:solidFill>
@@ -804,7 +756,7 @@
             <c:bubble3D val="0"/>
             <c:spPr>
               <a:solidFill>
-                <a:schemeClr val="accent3"/>
+                <a:schemeClr val="accent4"/>
               </a:solidFill>
               <a:ln w="19050">
                 <a:solidFill>
@@ -825,7 +777,9 @@
             <c:explosion val="4"/>
             <c:spPr>
               <a:solidFill>
-                <a:schemeClr val="accent4"/>
+                <a:schemeClr val="accent6">
+                  <a:lumMod val="60000"/>
+                </a:schemeClr>
               </a:solidFill>
               <a:ln w="19050">
                 <a:solidFill>
@@ -840,43 +794,99 @@
               </c:ext>
             </c:extLst>
           </c:dPt>
+          <c:dPt>
+            <c:idx val="4"/>
+            <c:bubble3D val="0"/>
+            <c:spPr>
+              <a:solidFill>
+                <a:schemeClr val="accent5">
+                  <a:lumMod val="60000"/>
+                </a:schemeClr>
+              </a:solidFill>
+              <a:ln w="19050">
+                <a:solidFill>
+                  <a:schemeClr val="lt1"/>
+                </a:solidFill>
+              </a:ln>
+              <a:effectLst/>
+            </c:spPr>
+            <c:extLst>
+              <c:ext xmlns:c16="http://schemas.microsoft.com/office/drawing/2014/chart" uri="{C3380CC4-5D6E-409C-BE32-E72D297353CC}">
+                <c16:uniqueId val="{00000009-1801-4E5A-AE2B-1748E3A380A9}"/>
+              </c:ext>
+            </c:extLst>
+          </c:dPt>
+          <c:dPt>
+            <c:idx val="5"/>
+            <c:bubble3D val="0"/>
+            <c:spPr>
+              <a:solidFill>
+                <a:schemeClr val="accent4">
+                  <a:lumMod val="60000"/>
+                </a:schemeClr>
+              </a:solidFill>
+              <a:ln w="19050">
+                <a:solidFill>
+                  <a:schemeClr val="lt1"/>
+                </a:solidFill>
+              </a:ln>
+              <a:effectLst/>
+            </c:spPr>
+            <c:extLst>
+              <c:ext xmlns:c16="http://schemas.microsoft.com/office/drawing/2014/chart" uri="{C3380CC4-5D6E-409C-BE32-E72D297353CC}">
+                <c16:uniqueId val="{00000008-9735-406D-B950-116D2D703016}"/>
+              </c:ext>
+            </c:extLst>
+          </c:dPt>
           <c:cat>
             <c:strRef>
-              <c:f>Feuil1!$A$2:$A$5</c:f>
+              <c:f>Feuil1!$A$2:$A$7</c:f>
               <c:strCache>
-                <c:ptCount val="4"/>
+                <c:ptCount val="6"/>
                 <c:pt idx="0">
-                  <c:v>1er trim.</c:v>
+                  <c:v>Prise en main</c:v>
                 </c:pt>
                 <c:pt idx="1">
-                  <c:v>2e trim.</c:v>
+                  <c:v>Exploration</c:v>
                 </c:pt>
                 <c:pt idx="2">
-                  <c:v>3e trim.</c:v>
+                  <c:v>Presentation</c:v>
                 </c:pt>
                 <c:pt idx="3">
-                  <c:v>4e trim.</c:v>
+                  <c:v>Test</c:v>
+                </c:pt>
+                <c:pt idx="4">
+                  <c:v>Géneration</c:v>
+                </c:pt>
+                <c:pt idx="5">
+                  <c:v>Approche par mots clefs</c:v>
                 </c:pt>
               </c:strCache>
             </c:strRef>
           </c:cat>
           <c:val>
             <c:numRef>
-              <c:f>Feuil1!$B$2:$B$5</c:f>
+              <c:f>Feuil1!$B$2:$B$7</c:f>
               <c:numCache>
                 <c:formatCode>General</c:formatCode>
-                <c:ptCount val="4"/>
+                <c:ptCount val="6"/>
                 <c:pt idx="0">
-                  <c:v>8.1999999999999993</c:v>
+                  <c:v>20</c:v>
                 </c:pt>
                 <c:pt idx="1">
-                  <c:v>3.2</c:v>
+                  <c:v>5</c:v>
                 </c:pt>
                 <c:pt idx="2">
-                  <c:v>1.4</c:v>
+                  <c:v>5</c:v>
                 </c:pt>
                 <c:pt idx="3">
-                  <c:v>1.2</c:v>
+                  <c:v>15</c:v>
+                </c:pt>
+                <c:pt idx="4">
+                  <c:v>15</c:v>
+                </c:pt>
+                <c:pt idx="5">
+                  <c:v>40</c:v>
                 </c:pt>
               </c:numCache>
             </c:numRef>
@@ -2353,8 +2363,8 @@
         <c:manualLayout>
           <c:xMode val="edge"/>
           <c:yMode val="edge"/>
-          <c:x val="7.9607668278082869E-2"/>
-          <c:y val="6.0509554140127389E-2"/>
+          <c:x val="0.16494099364796794"/>
+          <c:y val="3.1847133757961783E-2"/>
           <c:w val="0.6653772724057373"/>
           <c:h val="6.5171773910426806E-2"/>
         </c:manualLayout>
@@ -2503,13 +2513,10 @@
 </file>
 
 <file path=ppt/charts/colors3.xml><?xml version="1.0" encoding="utf-8"?>
-<cs:colorStyle xmlns:cs="http://schemas.microsoft.com/office/drawing/2012/chartStyle" xmlns:a="http://schemas.openxmlformats.org/drawingml/2006/main" meth="cycle" id="10">
-  <a:schemeClr val="accent1"/>
-  <a:schemeClr val="accent2"/>
-  <a:schemeClr val="accent3"/>
+<cs:colorStyle xmlns:cs="http://schemas.microsoft.com/office/drawing/2012/chartStyle" xmlns:a="http://schemas.openxmlformats.org/drawingml/2006/main" meth="cycle" id="13">
+  <a:schemeClr val="accent6"/>
+  <a:schemeClr val="accent5"/>
   <a:schemeClr val="accent4"/>
-  <a:schemeClr val="accent5"/>
-  <a:schemeClr val="accent6"/>
   <cs:variation/>
   <cs:variation>
     <a:lumMod val="60000"/>
@@ -6986,7 +6993,7 @@
           <a:p>
             <a:fld id="{8FA2943A-AC94-4CEE-B91C-78448377FFF2}" type="datetimeFigureOut">
               <a:rPr lang="fr-FR" smtClean="0"/>
-              <a:t>23/01/2018</a:t>
+              <a:t>24/01/2018</a:t>
             </a:fld>
             <a:endParaRPr lang="fr-FR"/>
           </a:p>
@@ -7164,7 +7171,7 @@
           <a:p>
             <a:fld id="{D9721108-C943-4C15-AE31-2A8185D95072}" type="datetimeFigureOut">
               <a:rPr lang="fr-FR" smtClean="0"/>
-              <a:t>23/01/2018</a:t>
+              <a:t>24/01/2018</a:t>
             </a:fld>
             <a:endParaRPr lang="fr-FR"/>
           </a:p>
@@ -7579,7 +7586,7 @@
           <a:p>
             <a:fld id="{8ABDB50F-5E20-46B1-898B-E38AE27084AA}" type="datetime1">
               <a:rPr lang="fr-FR" smtClean="0"/>
-              <a:t>23/01/2018</a:t>
+              <a:t>24/01/2018</a:t>
             </a:fld>
             <a:endParaRPr lang="fr-FR" dirty="0"/>
           </a:p>
@@ -7782,7 +7789,7 @@
           <a:p>
             <a:fld id="{4B26983D-E402-4DCB-AA36-03D3CB1034A2}" type="datetime1">
               <a:rPr lang="fr-FR" smtClean="0"/>
-              <a:t>23/01/2018</a:t>
+              <a:t>24/01/2018</a:t>
             </a:fld>
             <a:endParaRPr lang="fr-FR"/>
           </a:p>
@@ -7990,7 +7997,7 @@
           <a:p>
             <a:fld id="{4AD15658-5B65-4810-BB16-3BD34FDF1F66}" type="datetime1">
               <a:rPr lang="fr-FR" smtClean="0"/>
-              <a:t>23/01/2018</a:t>
+              <a:t>24/01/2018</a:t>
             </a:fld>
             <a:endParaRPr lang="fr-FR"/>
           </a:p>
@@ -8193,7 +8200,7 @@
           <a:p>
             <a:fld id="{37F6CA29-535D-4F9F-AF6F-BF28D0F9816F}" type="datetime1">
               <a:rPr lang="fr-FR" smtClean="0"/>
-              <a:t>23/01/2018</a:t>
+              <a:t>24/01/2018</a:t>
             </a:fld>
             <a:endParaRPr lang="fr-FR"/>
           </a:p>
@@ -8482,7 +8489,7 @@
           <a:p>
             <a:fld id="{EBF6689F-C2F9-4641-93D5-0200ED5B19F8}" type="datetime1">
               <a:rPr lang="fr-FR" smtClean="0"/>
-              <a:t>23/01/2018</a:t>
+              <a:t>24/01/2018</a:t>
             </a:fld>
             <a:endParaRPr lang="fr-FR" dirty="0"/>
           </a:p>
@@ -8756,7 +8763,7 @@
           <a:p>
             <a:fld id="{C1979929-37D7-4D58-B9C4-8F09481CE4E7}" type="datetime1">
               <a:rPr lang="fr-FR" smtClean="0"/>
-              <a:t>23/01/2018</a:t>
+              <a:t>24/01/2018</a:t>
             </a:fld>
             <a:endParaRPr lang="fr-FR"/>
           </a:p>
@@ -9168,7 +9175,7 @@
           <a:p>
             <a:fld id="{E5EF3B0D-CAA7-414B-B213-06DC89E98969}" type="datetime1">
               <a:rPr lang="fr-FR" smtClean="0"/>
-              <a:t>23/01/2018</a:t>
+              <a:t>24/01/2018</a:t>
             </a:fld>
             <a:endParaRPr lang="fr-FR"/>
           </a:p>
@@ -9309,7 +9316,7 @@
           <a:p>
             <a:fld id="{D2AE3C65-A0EC-4E12-91BF-799CEA075C1C}" type="datetime1">
               <a:rPr lang="fr-FR" smtClean="0"/>
-              <a:t>23/01/2018</a:t>
+              <a:t>24/01/2018</a:t>
             </a:fld>
             <a:endParaRPr lang="fr-FR"/>
           </a:p>
@@ -9422,7 +9429,7 @@
           <a:p>
             <a:fld id="{701708BB-764F-4BD7-953C-E406FF495BE3}" type="datetime1">
               <a:rPr lang="fr-FR" smtClean="0"/>
-              <a:t>23/01/2018</a:t>
+              <a:t>24/01/2018</a:t>
             </a:fld>
             <a:endParaRPr lang="fr-FR"/>
           </a:p>
@@ -9733,7 +9740,7 @@
           <a:p>
             <a:fld id="{731A2BCF-88F8-47B6-B72C-6CA1FA79EEE0}" type="datetime1">
               <a:rPr lang="fr-FR" smtClean="0"/>
-              <a:t>23/01/2018</a:t>
+              <a:t>24/01/2018</a:t>
             </a:fld>
             <a:endParaRPr lang="fr-FR"/>
           </a:p>
@@ -10021,7 +10028,7 @@
           <a:p>
             <a:fld id="{8A95BCDA-3EC5-4B9C-900A-003E78D57111}" type="datetime1">
               <a:rPr lang="fr-FR" smtClean="0"/>
-              <a:t>23/01/2018</a:t>
+              <a:t>24/01/2018</a:t>
             </a:fld>
             <a:endParaRPr lang="fr-FR"/>
           </a:p>
@@ -10271,7 +10278,7 @@
           <a:p>
             <a:fld id="{A68FA89F-1E79-45D1-9AE3-043A28FCBB2C}" type="datetime1">
               <a:rPr lang="fr-FR" smtClean="0"/>
-              <a:t>23/01/2018</a:t>
+              <a:t>24/01/2018</a:t>
             </a:fld>
             <a:endParaRPr lang="fr-FR"/>
           </a:p>
@@ -11421,7 +11428,7 @@
           <a:p>
             <a:r>
               <a:rPr lang="fr-FR" sz="2000" dirty="0"/>
-              <a:t>Insérer le top dans Pepper</a:t>
+              <a:t>Insérer le fichier .top dans Pepper</a:t>
             </a:r>
           </a:p>
           <a:p>
@@ -11953,7 +11960,7 @@
           <p:cNvPr id="2" name="Titre 1">
             <a:extLst>
               <a:ext uri="{FF2B5EF4-FFF2-40B4-BE49-F238E27FC236}">
-                <a16:creationId xmlns:a16="http://schemas.microsoft.com/office/drawing/2014/main" id="{6CA294AB-36EE-442C-977C-ACC9BCD37340}"/>
+                <a16:creationId xmlns:a16="http://schemas.microsoft.com/office/drawing/2014/main" id="{8AAD7125-4480-47BD-9081-313359043913}"/>
               </a:ext>
             </a:extLst>
           </p:cNvPr>
@@ -11971,17 +11978,17 @@
           <a:p>
             <a:r>
               <a:rPr lang="fr-FR" dirty="0"/>
-              <a:t>Phase de Test – Phase préparatoire </a:t>
+              <a:t>Phase de test</a:t>
             </a:r>
           </a:p>
         </p:txBody>
       </p:sp>
       <p:sp>
         <p:nvSpPr>
-          <p:cNvPr id="6" name="Espace réservé du contenu 5">
-            <a:extLst>
-              <a:ext uri="{FF2B5EF4-FFF2-40B4-BE49-F238E27FC236}">
-                <a16:creationId xmlns:a16="http://schemas.microsoft.com/office/drawing/2014/main" id="{03859EAB-83D4-46B5-8E9A-528FDBFACB4C}"/>
+          <p:cNvPr id="3" name="Espace réservé du texte 2">
+            <a:extLst>
+              <a:ext uri="{FF2B5EF4-FFF2-40B4-BE49-F238E27FC236}">
+                <a16:creationId xmlns:a16="http://schemas.microsoft.com/office/drawing/2014/main" id="{69F57DF0-89D9-44E1-80CC-5E792B9375BD}"/>
               </a:ext>
             </a:extLst>
           </p:cNvPr>
@@ -11989,84 +11996,76 @@
             <a:spLocks noGrp="1"/>
           </p:cNvSpPr>
           <p:nvPr>
-            <p:ph sz="quarter" idx="4"/>
+            <p:ph type="body" idx="1"/>
           </p:nvPr>
         </p:nvSpPr>
-        <p:spPr>
-          <a:xfrm>
-            <a:off x="836612" y="1690688"/>
-            <a:ext cx="7565266" cy="4028660"/>
-          </a:xfrm>
-        </p:spPr>
+        <p:spPr/>
+        <p:txBody>
+          <a:bodyPr/>
+          <a:lstStyle/>
+          <a:p>
+            <a:r>
+              <a:rPr lang="fr-FR" dirty="0"/>
+              <a:t>Préparation du test</a:t>
+            </a:r>
+          </a:p>
+        </p:txBody>
+      </p:sp>
+      <p:sp>
+        <p:nvSpPr>
+          <p:cNvPr id="4" name="Espace réservé du contenu 3">
+            <a:extLst>
+              <a:ext uri="{FF2B5EF4-FFF2-40B4-BE49-F238E27FC236}">
+                <a16:creationId xmlns:a16="http://schemas.microsoft.com/office/drawing/2014/main" id="{47139C83-C9F1-4028-9252-3D37C0E4E3FA}"/>
+              </a:ext>
+            </a:extLst>
+          </p:cNvPr>
+          <p:cNvSpPr>
+            <a:spLocks noGrp="1"/>
+          </p:cNvSpPr>
+          <p:nvPr>
+            <p:ph sz="half" idx="2"/>
+          </p:nvPr>
+        </p:nvSpPr>
+        <p:spPr/>
         <p:txBody>
           <a:bodyPr>
             <a:normAutofit/>
           </a:bodyPr>
           <a:lstStyle/>
           <a:p>
-            <a:pPr marL="0" indent="0">
-              <a:buNone/>
-            </a:pPr>
             <a:r>
               <a:rPr lang="fr-FR" sz="2400" dirty="0"/>
-              <a:t>Chargement d’un fichier .top de test généré par une des deux approches</a:t>
-            </a:r>
-          </a:p>
-          <a:p>
-            <a:pPr marL="0" indent="0">
-              <a:buNone/>
-            </a:pPr>
-            <a:endParaRPr lang="fr-FR" sz="2400" dirty="0"/>
-          </a:p>
-          <a:p>
-            <a:pPr>
-              <a:buFontTx/>
-              <a:buChar char="-"/>
-            </a:pPr>
+              <a:t>Chargement d’un fichier .top de test généré par une des deux approches (mots clefs ou dynamique)</a:t>
+            </a:r>
+          </a:p>
+          <a:p>
             <a:r>
               <a:rPr lang="fr-FR" sz="2400" dirty="0"/>
               <a:t>Ensemble des questions enregistrées dans un fichier .txt</a:t>
             </a:r>
           </a:p>
           <a:p>
-            <a:pPr>
-              <a:buFontTx/>
-              <a:buChar char="-"/>
-            </a:pPr>
-            <a:endParaRPr lang="fr-FR" sz="2400" dirty="0"/>
-          </a:p>
-          <a:p>
-            <a:pPr>
-              <a:buFontTx/>
-              <a:buChar char="-"/>
-            </a:pPr>
             <a:r>
               <a:rPr lang="fr-FR" sz="2400" dirty="0"/>
               <a:t>Appel au logiciel balcon pour poser la question </a:t>
             </a:r>
           </a:p>
           <a:p>
-            <a:pPr>
-              <a:buFontTx/>
-              <a:buChar char="-"/>
-            </a:pPr>
-            <a:endParaRPr lang="fr-FR" sz="2400" dirty="0"/>
-          </a:p>
-          <a:p>
-            <a:pPr marL="0" indent="0">
-              <a:buNone/>
-            </a:pPr>
             <a:r>
               <a:rPr lang="fr-FR" sz="2400" dirty="0"/>
               <a:t>Connexion au Pepper </a:t>
             </a:r>
+          </a:p>
+          <a:p>
+            <a:endParaRPr lang="fr-FR" dirty="0"/>
           </a:p>
         </p:txBody>
       </p:sp>
     </p:spTree>
     <p:extLst>
       <p:ext uri="{BB962C8B-B14F-4D97-AF65-F5344CB8AC3E}">
-        <p14:creationId xmlns:p14="http://schemas.microsoft.com/office/powerpoint/2010/main" val="2720028614"/>
+        <p14:creationId xmlns:p14="http://schemas.microsoft.com/office/powerpoint/2010/main" val="3916396202"/>
       </p:ext>
     </p:extLst>
   </p:cSld>
@@ -12098,7 +12097,7 @@
           <p:cNvPr id="2" name="Titre 1">
             <a:extLst>
               <a:ext uri="{FF2B5EF4-FFF2-40B4-BE49-F238E27FC236}">
-                <a16:creationId xmlns:a16="http://schemas.microsoft.com/office/drawing/2014/main" id="{6CA294AB-36EE-442C-977C-ACC9BCD37340}"/>
+                <a16:creationId xmlns:a16="http://schemas.microsoft.com/office/drawing/2014/main" id="{41A9F6DE-760E-46B5-AA7F-6B21ECE88D72}"/>
               </a:ext>
             </a:extLst>
           </p:cNvPr>
@@ -12123,10 +12122,10 @@
       </p:sp>
       <p:sp>
         <p:nvSpPr>
-          <p:cNvPr id="6" name="Espace réservé du contenu 5">
-            <a:extLst>
-              <a:ext uri="{FF2B5EF4-FFF2-40B4-BE49-F238E27FC236}">
-                <a16:creationId xmlns:a16="http://schemas.microsoft.com/office/drawing/2014/main" id="{03859EAB-83D4-46B5-8E9A-528FDBFACB4C}"/>
+          <p:cNvPr id="3" name="Espace réservé du texte 2">
+            <a:extLst>
+              <a:ext uri="{FF2B5EF4-FFF2-40B4-BE49-F238E27FC236}">
+                <a16:creationId xmlns:a16="http://schemas.microsoft.com/office/drawing/2014/main" id="{F5314366-05C4-4A76-81FA-C8B251BAB1D0}"/>
               </a:ext>
             </a:extLst>
           </p:cNvPr>
@@ -12134,80 +12133,89 @@
             <a:spLocks noGrp="1"/>
           </p:cNvSpPr>
           <p:nvPr>
-            <p:ph sz="quarter" idx="4"/>
+            <p:ph type="body" idx="1"/>
           </p:nvPr>
         </p:nvSpPr>
-        <p:spPr>
-          <a:xfrm>
-            <a:off x="836612" y="1417983"/>
-            <a:ext cx="7565266" cy="4668492"/>
-          </a:xfrm>
-        </p:spPr>
+        <p:spPr/>
+        <p:txBody>
+          <a:bodyPr/>
+          <a:lstStyle/>
+          <a:p>
+            <a:r>
+              <a:rPr lang="fr-FR" dirty="0"/>
+              <a:t>Lancement de la question</a:t>
+            </a:r>
+          </a:p>
+        </p:txBody>
+      </p:sp>
+      <p:sp>
+        <p:nvSpPr>
+          <p:cNvPr id="4" name="Espace réservé du contenu 3">
+            <a:extLst>
+              <a:ext uri="{FF2B5EF4-FFF2-40B4-BE49-F238E27FC236}">
+                <a16:creationId xmlns:a16="http://schemas.microsoft.com/office/drawing/2014/main" id="{DF3241E0-D492-42A5-BD9E-8B204CD25259}"/>
+              </a:ext>
+            </a:extLst>
+          </p:cNvPr>
+          <p:cNvSpPr>
+            <a:spLocks noGrp="1"/>
+          </p:cNvSpPr>
+          <p:nvPr>
+            <p:ph sz="half" idx="2"/>
+          </p:nvPr>
+        </p:nvSpPr>
+        <p:spPr/>
         <p:txBody>
           <a:bodyPr>
             <a:normAutofit/>
           </a:bodyPr>
           <a:lstStyle/>
           <a:p>
-            <a:pPr marL="0" indent="0">
-              <a:buNone/>
+            <a:r>
+              <a:rPr lang="fr-FR" sz="2200" dirty="0"/>
+              <a:t>Utilisation des évènements pour récupérer la réponse </a:t>
+            </a:r>
+          </a:p>
+          <a:p>
+            <a:r>
+              <a:rPr lang="fr-FR" sz="2200" dirty="0"/>
+              <a:t>Comparaison de la réponse avec notre script de génération automatique de réponse</a:t>
+            </a:r>
+          </a:p>
+          <a:p>
+            <a:r>
+              <a:rPr lang="fr-FR" sz="2200" dirty="0"/>
+              <a:t>Enregistrement des résultats et affichage sur la tablette </a:t>
+            </a:r>
+          </a:p>
+          <a:p>
+            <a:r>
+              <a:rPr lang="fr-FR" sz="2200" dirty="0"/>
+              <a:t>Temporisation faible entre chaque question (&lt; 3s)</a:t>
+            </a:r>
+          </a:p>
+          <a:p>
+            <a:pPr lvl="1">
+              <a:buFont typeface="Wingdings" panose="05000000000000000000" pitchFamily="2" charset="2"/>
+              <a:buChar char="ü"/>
             </a:pPr>
-            <a:endParaRPr lang="fr-FR" sz="2400" u="sng" dirty="0"/>
-          </a:p>
-          <a:p>
-            <a:pPr marL="0" indent="0">
-              <a:buNone/>
-            </a:pPr>
-            <a:r>
-              <a:rPr lang="fr-FR" sz="2400" u="sng" dirty="0"/>
-              <a:t>Lancement de la question </a:t>
-            </a:r>
-          </a:p>
-          <a:p>
-            <a:pPr marL="0" indent="0">
-              <a:buNone/>
-            </a:pPr>
-            <a:endParaRPr lang="fr-FR" sz="2400" u="sng" dirty="0"/>
-          </a:p>
-          <a:p>
-            <a:r>
-              <a:rPr lang="fr-FR" sz="2400" dirty="0"/>
-              <a:t>Utilisation des évènements pour récupérer la réponse </a:t>
-            </a:r>
-          </a:p>
-          <a:p>
-            <a:r>
-              <a:rPr lang="fr-FR" sz="2400" dirty="0"/>
-              <a:t>Comparaison de la réponse avec notre script de génération automatique de réponse</a:t>
-            </a:r>
-          </a:p>
-          <a:p>
-            <a:r>
-              <a:rPr lang="fr-FR" sz="2400" dirty="0"/>
-              <a:t>Enregistrement des résultats et affichage sur la tablette </a:t>
-            </a:r>
-          </a:p>
-          <a:p>
-            <a:r>
-              <a:rPr lang="fr-FR" sz="2400" dirty="0"/>
-              <a:t>Temporisation faible entre chaque question (&lt; 3s)</a:t>
-            </a:r>
-          </a:p>
-          <a:p>
-            <a:r>
-              <a:rPr lang="fr-FR" sz="2400" dirty="0">
+            <a:r>
+              <a:rPr lang="fr-FR" sz="1800" dirty="0">
                 <a:hlinkClick r:id="rId2"/>
               </a:rPr>
               <a:t>Vidéo de Tests IHM Pepper</a:t>
             </a:r>
-            <a:endParaRPr lang="fr-FR" sz="2400" dirty="0"/>
+            <a:endParaRPr lang="fr-FR" sz="1800" dirty="0"/>
+          </a:p>
+          <a:p>
+            <a:endParaRPr lang="fr-FR" dirty="0"/>
           </a:p>
         </p:txBody>
       </p:sp>
     </p:spTree>
     <p:extLst>
       <p:ext uri="{BB962C8B-B14F-4D97-AF65-F5344CB8AC3E}">
-        <p14:creationId xmlns:p14="http://schemas.microsoft.com/office/powerpoint/2010/main" val="3514142406"/>
+        <p14:creationId xmlns:p14="http://schemas.microsoft.com/office/powerpoint/2010/main" val="554625126"/>
       </p:ext>
     </p:extLst>
   </p:cSld>
@@ -12503,8 +12511,56 @@
           </a:xfrm>
         </p:spPr>
         <p:txBody>
-          <a:bodyPr/>
+          <a:bodyPr>
+            <a:normAutofit/>
+          </a:bodyPr>
           <a:lstStyle/>
+          <a:p>
+            <a:r>
+              <a:rPr lang="fr-FR" sz="2000" dirty="0"/>
+              <a:t>Prise en main de l’environnement (</a:t>
+            </a:r>
+            <a:r>
+              <a:rPr lang="fr-FR" sz="2000" dirty="0" err="1"/>
+              <a:t>Qichat</a:t>
+            </a:r>
+            <a:r>
+              <a:rPr lang="fr-FR" sz="2000" dirty="0"/>
+              <a:t>, </a:t>
+            </a:r>
+            <a:r>
+              <a:rPr lang="fr-FR" sz="2000" dirty="0" err="1"/>
+              <a:t>naoqi</a:t>
+            </a:r>
+            <a:r>
+              <a:rPr lang="fr-FR" sz="2000" dirty="0"/>
+              <a:t>)</a:t>
+            </a:r>
+          </a:p>
+          <a:p>
+            <a:r>
+              <a:rPr lang="fr-FR" sz="2000" dirty="0"/>
+              <a:t>Exploration de l’ensembles des questions possibles</a:t>
+            </a:r>
+          </a:p>
+          <a:p>
+            <a:r>
+              <a:rPr lang="fr-FR" sz="2000" dirty="0"/>
+              <a:t>Approche par mots clefs (dont gestion tablette)</a:t>
+            </a:r>
+          </a:p>
+          <a:p>
+            <a:r>
+              <a:rPr lang="fr-FR" sz="2000" dirty="0"/>
+              <a:t>Test &amp; analyse</a:t>
+            </a:r>
+          </a:p>
+          <a:p>
+            <a:r>
+              <a:rPr lang="fr-FR" sz="2000" dirty="0"/>
+              <a:t>Présentation et montage vidéos</a:t>
+            </a:r>
+          </a:p>
           <a:p>
             <a:endParaRPr lang="fr-FR" dirty="0"/>
           </a:p>
@@ -12545,10 +12601,10 @@
       </p:sp>
       <p:graphicFrame>
         <p:nvGraphicFramePr>
-          <p:cNvPr id="11" name="Espace réservé du contenu 10">
-            <a:extLst>
-              <a:ext uri="{FF2B5EF4-FFF2-40B4-BE49-F238E27FC236}">
-                <a16:creationId xmlns:a16="http://schemas.microsoft.com/office/drawing/2014/main" id="{280206B7-FEB6-4209-81ED-4CFF05EEC113}"/>
+          <p:cNvPr id="10" name="Espace réservé du contenu 9">
+            <a:extLst>
+              <a:ext uri="{FF2B5EF4-FFF2-40B4-BE49-F238E27FC236}">
+                <a16:creationId xmlns:a16="http://schemas.microsoft.com/office/drawing/2014/main" id="{A0EB8D74-92A5-48C7-B915-962ACDA8ABEE}"/>
               </a:ext>
             </a:extLst>
           </p:cNvPr>
@@ -12557,11 +12613,16 @@
           </p:cNvGraphicFramePr>
           <p:nvPr>
             <p:ph sz="quarter" idx="4"/>
+            <p:extLst>
+              <p:ext uri="{D42A27DB-BD31-4B8C-83A1-F6EECF244321}">
+                <p14:modId xmlns:p14="http://schemas.microsoft.com/office/powerpoint/2010/main" val="3406832117"/>
+              </p:ext>
+            </p:extLst>
           </p:nvPr>
         </p:nvGraphicFramePr>
         <p:xfrm>
-          <a:off x="3924419" y="2093119"/>
-          <a:ext cx="3981450" cy="3684587"/>
+          <a:off x="3571281" y="2325035"/>
+          <a:ext cx="5049438" cy="3883349"/>
         </p:xfrm>
         <a:graphic>
           <a:graphicData uri="http://schemas.openxmlformats.org/drawingml/2006/chart">
@@ -12688,8 +12749,46 @@
           </a:xfrm>
         </p:spPr>
         <p:txBody>
-          <a:bodyPr/>
+          <a:bodyPr>
+            <a:normAutofit/>
+          </a:bodyPr>
           <a:lstStyle/>
+          <a:p>
+            <a:r>
+              <a:rPr lang="fr-FR" sz="2000" dirty="0"/>
+              <a:t>Prise en main de l’environnement</a:t>
+            </a:r>
+          </a:p>
+          <a:p>
+            <a:r>
+              <a:rPr lang="fr-FR" sz="2000" dirty="0"/>
+              <a:t>Exploration de l’ensemble de questions</a:t>
+            </a:r>
+          </a:p>
+          <a:p>
+            <a:r>
+              <a:rPr lang="fr-FR" sz="2000" dirty="0"/>
+              <a:t>Génération de l’ensemble des questions</a:t>
+            </a:r>
+          </a:p>
+          <a:p>
+            <a:r>
+              <a:rPr lang="fr-FR" sz="2000" dirty="0"/>
+              <a:t>Approche par mots clefs</a:t>
+            </a:r>
+          </a:p>
+          <a:p>
+            <a:r>
+              <a:rPr lang="fr-FR" sz="2000" dirty="0"/>
+              <a:t>Tests et analyse de résultats</a:t>
+            </a:r>
+          </a:p>
+          <a:p>
+            <a:r>
+              <a:rPr lang="fr-FR" sz="2000" dirty="0"/>
+              <a:t>Présentation finale</a:t>
+            </a:r>
+          </a:p>
           <a:p>
             <a:endParaRPr lang="fr-FR" dirty="0"/>
           </a:p>
@@ -12742,11 +12841,16 @@
           </p:cNvGraphicFramePr>
           <p:nvPr>
             <p:ph sz="quarter" idx="4"/>
+            <p:extLst>
+              <p:ext uri="{D42A27DB-BD31-4B8C-83A1-F6EECF244321}">
+                <p14:modId xmlns:p14="http://schemas.microsoft.com/office/powerpoint/2010/main" val="501633345"/>
+              </p:ext>
+            </p:extLst>
           </p:nvPr>
         </p:nvGraphicFramePr>
         <p:xfrm>
-          <a:off x="3924419" y="2093119"/>
-          <a:ext cx="3981450" cy="3684587"/>
+          <a:off x="3924418" y="2432370"/>
+          <a:ext cx="4472822" cy="3907470"/>
         </p:xfrm>
         <a:graphic>
           <a:graphicData uri="http://schemas.openxmlformats.org/drawingml/2006/chart">
@@ -12757,7 +12861,7 @@
     </p:spTree>
     <p:extLst>
       <p:ext uri="{BB962C8B-B14F-4D97-AF65-F5344CB8AC3E}">
-        <p14:creationId xmlns:p14="http://schemas.microsoft.com/office/powerpoint/2010/main" val="2317817543"/>
+        <p14:creationId xmlns:p14="http://schemas.microsoft.com/office/powerpoint/2010/main" val="281898874"/>
       </p:ext>
     </p:extLst>
   </p:cSld>
@@ -12828,7 +12932,12 @@
             <p:ph idx="1"/>
           </p:nvPr>
         </p:nvSpPr>
-        <p:spPr/>
+        <p:spPr>
+          <a:xfrm>
+            <a:off x="714375" y="1509713"/>
+            <a:ext cx="10515600" cy="4351338"/>
+          </a:xfrm>
+        </p:spPr>
         <p:txBody>
           <a:bodyPr>
             <a:normAutofit fontScale="62500" lnSpcReduction="20000"/>
@@ -13488,13 +13597,8 @@
           <a:p>
             <a:r>
               <a:rPr lang="fr-FR" sz="2000" dirty="0"/>
-              <a:t>Présentation </a:t>
-            </a:r>
-            <a:r>
-              <a:rPr lang="fr-FR" sz="2000" dirty="0" err="1"/>
-              <a:t>finalle</a:t>
-            </a:r>
-            <a:endParaRPr lang="fr-FR" sz="2000" dirty="0"/>
+              <a:t>Présentation finale</a:t>
+            </a:r>
           </a:p>
           <a:p>
             <a:pPr marL="0" indent="0">
@@ -13688,47 +13792,25 @@
           <a:lstStyle/>
           <a:p>
             <a:r>
-              <a:rPr lang="fr-FR" sz="1800" dirty="0"/>
+              <a:rPr lang="fr-FR" sz="2000" dirty="0"/>
               <a:t>Prise en main de l’environnement et notamment du fonctionnement des  évènements </a:t>
             </a:r>
           </a:p>
           <a:p>
-            <a:pPr marL="0" indent="0">
-              <a:buNone/>
-            </a:pPr>
-            <a:endParaRPr lang="fr-FR" sz="1800" dirty="0"/>
-          </a:p>
-          <a:p>
-            <a:r>
-              <a:rPr lang="fr-FR" sz="1800" dirty="0"/>
+            <a:r>
+              <a:rPr lang="fr-FR" sz="2000" dirty="0"/>
               <a:t>Développement du parseur CSV et des classes utilisées </a:t>
             </a:r>
           </a:p>
           <a:p>
-            <a:pPr marL="0" indent="0">
-              <a:buNone/>
-            </a:pPr>
-            <a:endParaRPr lang="fr-FR" sz="1800" dirty="0"/>
-          </a:p>
-          <a:p>
-            <a:r>
-              <a:rPr lang="fr-FR" sz="1800" dirty="0"/>
-              <a:t>Mise en place de la classe </a:t>
-            </a:r>
-            <a:r>
-              <a:rPr lang="fr-FR" sz="1800"/>
-              <a:t>de test</a:t>
-            </a:r>
-          </a:p>
-          <a:p>
-            <a:pPr marL="0" indent="0">
-              <a:buNone/>
-            </a:pPr>
-            <a:endParaRPr lang="fr-FR" sz="1800" dirty="0"/>
-          </a:p>
-          <a:p>
-            <a:r>
-              <a:rPr lang="fr-FR" sz="1800" dirty="0"/>
+            <a:r>
+              <a:rPr lang="fr-FR" sz="2000" dirty="0"/>
+              <a:t>Mise en place de la classe de test</a:t>
+            </a:r>
+          </a:p>
+          <a:p>
+            <a:r>
+              <a:rPr lang="fr-FR" sz="2000" dirty="0"/>
               <a:t>Test et récupération des résultats</a:t>
             </a:r>
           </a:p>
@@ -13951,7 +14033,12 @@
             <p:ph type="body" sz="quarter" idx="3"/>
           </p:nvPr>
         </p:nvSpPr>
-        <p:spPr/>
+        <p:spPr>
+          <a:xfrm>
+            <a:off x="6169024" y="1304450"/>
+            <a:ext cx="5183188" cy="823912"/>
+          </a:xfrm>
+        </p:spPr>
         <p:txBody>
           <a:bodyPr/>
           <a:lstStyle/>
@@ -13979,13 +14066,13 @@
             <p:ph sz="quarter" idx="4"/>
             <p:extLst>
               <p:ext uri="{D42A27DB-BD31-4B8C-83A1-F6EECF244321}">
-                <p14:modId xmlns:p14="http://schemas.microsoft.com/office/powerpoint/2010/main" val="2190791011"/>
+                <p14:modId xmlns:p14="http://schemas.microsoft.com/office/powerpoint/2010/main" val="2359721463"/>
               </p:ext>
             </p:extLst>
           </p:nvPr>
         </p:nvGraphicFramePr>
         <p:xfrm>
-          <a:off x="6529551" y="2505075"/>
+          <a:off x="5782791" y="2505075"/>
           <a:ext cx="5357813" cy="3987800"/>
         </p:xfrm>
         <a:graphic>
@@ -14076,32 +14163,12 @@
         </p:spPr>
         <p:txBody>
           <a:bodyPr>
-            <a:normAutofit lnSpcReduction="10000"/>
+            <a:normAutofit/>
           </a:bodyPr>
           <a:lstStyle/>
           <a:p>
             <a:r>
               <a:rPr lang="fr-FR" dirty="0"/>
-              <a:t>Résultats satisfaisants :</a:t>
-            </a:r>
-          </a:p>
-          <a:p>
-            <a:pPr lvl="1"/>
-            <a:r>
-              <a:rPr lang="fr-FR" dirty="0"/>
-              <a:t>XXX% d’erreur sur tests Approche par mots clefs (1h de test)</a:t>
-            </a:r>
-          </a:p>
-          <a:p>
-            <a:pPr lvl="1"/>
-            <a:r>
-              <a:rPr lang="fr-FR" dirty="0"/>
-              <a:t>XXX</a:t>
-            </a:r>
-          </a:p>
-          <a:p>
-            <a:r>
-              <a:rPr lang="fr-FR" dirty="0"/>
               <a:t>Réponse au cahier des charges :</a:t>
             </a:r>
           </a:p>
@@ -14113,34 +14180,172 @@
             </a:r>
           </a:p>
           <a:p>
+            <a:pPr lvl="1"/>
+            <a:endParaRPr lang="fr-FR" dirty="0"/>
+          </a:p>
+          <a:p>
             <a:r>
               <a:rPr lang="fr-FR" dirty="0"/>
-              <a:t>Améliorations possibles:</a:t>
+              <a:t>Résultats satisfaisants :</a:t>
             </a:r>
           </a:p>
           <a:p>
             <a:pPr lvl="1"/>
             <a:r>
               <a:rPr lang="fr-FR" dirty="0"/>
-              <a:t>Automatisation du fichier .top</a:t>
+              <a:t>10% d’erreur sur tests approche par mots clefs (1h de test/300 questions précises)</a:t>
             </a:r>
           </a:p>
           <a:p>
             <a:pPr lvl="1"/>
             <a:r>
               <a:rPr lang="fr-FR" dirty="0"/>
-              <a:t>Agrandir la base de données de la grammaire</a:t>
-            </a:r>
-          </a:p>
-          <a:p>
-            <a:pPr lvl="1"/>
+              <a:t>Très bon résultats avec voix synthétique (</a:t>
+            </a:r>
+            <a:r>
+              <a:rPr lang="fr-FR" dirty="0" err="1"/>
+              <a:t>Zira</a:t>
+            </a:r>
             <a:r>
               <a:rPr lang="fr-FR" dirty="0"/>
-              <a:t>Implémenter la reconnaissance visuelle</a:t>
+              <a:t>), plus complexe avec voix humaines</a:t>
             </a:r>
           </a:p>
           <a:p>
             <a:endParaRPr lang="fr-FR" dirty="0"/>
+          </a:p>
+        </p:txBody>
+      </p:sp>
+    </p:spTree>
+    <p:extLst>
+      <p:ext uri="{BB962C8B-B14F-4D97-AF65-F5344CB8AC3E}">
+        <p14:creationId xmlns:p14="http://schemas.microsoft.com/office/powerpoint/2010/main" val="2992047838"/>
+      </p:ext>
+    </p:extLst>
+  </p:cSld>
+  <p:clrMapOvr>
+    <a:masterClrMapping/>
+  </p:clrMapOvr>
+</p:sld>
+</file>
+
+<file path=ppt/slides/slide26.xml><?xml version="1.0" encoding="utf-8"?>
+<p:sld xmlns:a="http://schemas.openxmlformats.org/drawingml/2006/main" xmlns:r="http://schemas.openxmlformats.org/officeDocument/2006/relationships" xmlns:p="http://schemas.openxmlformats.org/presentationml/2006/main">
+  <p:cSld>
+    <p:spTree>
+      <p:nvGrpSpPr>
+        <p:cNvPr id="1" name=""/>
+        <p:cNvGrpSpPr/>
+        <p:nvPr/>
+      </p:nvGrpSpPr>
+      <p:grpSpPr>
+        <a:xfrm>
+          <a:off x="0" y="0"/>
+          <a:ext cx="0" cy="0"/>
+          <a:chOff x="0" y="0"/>
+          <a:chExt cx="0" cy="0"/>
+        </a:xfrm>
+      </p:grpSpPr>
+      <p:sp>
+        <p:nvSpPr>
+          <p:cNvPr id="2" name="Titre 1">
+            <a:extLst>
+              <a:ext uri="{FF2B5EF4-FFF2-40B4-BE49-F238E27FC236}">
+                <a16:creationId xmlns:a16="http://schemas.microsoft.com/office/drawing/2014/main" id="{98DF5D8C-8487-4A90-82EC-AE7F86B10B6F}"/>
+              </a:ext>
+            </a:extLst>
+          </p:cNvPr>
+          <p:cNvSpPr>
+            <a:spLocks noGrp="1"/>
+          </p:cNvSpPr>
+          <p:nvPr>
+            <p:ph type="title"/>
+          </p:nvPr>
+        </p:nvSpPr>
+        <p:spPr/>
+        <p:txBody>
+          <a:bodyPr/>
+          <a:lstStyle/>
+          <a:p>
+            <a:r>
+              <a:rPr lang="fr-FR" dirty="0"/>
+              <a:t>Conclusion</a:t>
+            </a:r>
+          </a:p>
+        </p:txBody>
+      </p:sp>
+      <p:sp>
+        <p:nvSpPr>
+          <p:cNvPr id="3" name="Espace réservé du texte 2">
+            <a:extLst>
+              <a:ext uri="{FF2B5EF4-FFF2-40B4-BE49-F238E27FC236}">
+                <a16:creationId xmlns:a16="http://schemas.microsoft.com/office/drawing/2014/main" id="{C7703875-A16A-4487-928B-D72496A946BE}"/>
+              </a:ext>
+            </a:extLst>
+          </p:cNvPr>
+          <p:cNvSpPr>
+            <a:spLocks noGrp="1"/>
+          </p:cNvSpPr>
+          <p:nvPr>
+            <p:ph type="body" idx="1"/>
+          </p:nvPr>
+        </p:nvSpPr>
+        <p:spPr/>
+        <p:txBody>
+          <a:bodyPr/>
+          <a:lstStyle/>
+          <a:p>
+            <a:endParaRPr lang="fr-FR"/>
+          </a:p>
+        </p:txBody>
+      </p:sp>
+      <p:sp>
+        <p:nvSpPr>
+          <p:cNvPr id="4" name="Espace réservé du contenu 3">
+            <a:extLst>
+              <a:ext uri="{FF2B5EF4-FFF2-40B4-BE49-F238E27FC236}">
+                <a16:creationId xmlns:a16="http://schemas.microsoft.com/office/drawing/2014/main" id="{089962BC-6FAB-4152-BB29-626AB218900B}"/>
+              </a:ext>
+            </a:extLst>
+          </p:cNvPr>
+          <p:cNvSpPr>
+            <a:spLocks noGrp="1"/>
+          </p:cNvSpPr>
+          <p:nvPr>
+            <p:ph sz="half" idx="2"/>
+          </p:nvPr>
+        </p:nvSpPr>
+        <p:spPr/>
+        <p:txBody>
+          <a:bodyPr/>
+          <a:lstStyle/>
+          <a:p>
+            <a:endParaRPr lang="fr-FR" dirty="0"/>
+          </a:p>
+        </p:txBody>
+      </p:sp>
+      <p:sp>
+        <p:nvSpPr>
+          <p:cNvPr id="5" name="Espace réservé du texte 4">
+            <a:extLst>
+              <a:ext uri="{FF2B5EF4-FFF2-40B4-BE49-F238E27FC236}">
+                <a16:creationId xmlns:a16="http://schemas.microsoft.com/office/drawing/2014/main" id="{D8939DE6-D971-46CA-9BCA-D9B89CC82572}"/>
+              </a:ext>
+            </a:extLst>
+          </p:cNvPr>
+          <p:cNvSpPr>
+            <a:spLocks noGrp="1"/>
+          </p:cNvSpPr>
+          <p:nvPr>
+            <p:ph type="body" sz="quarter" idx="3"/>
+          </p:nvPr>
+        </p:nvSpPr>
+        <p:spPr/>
+        <p:txBody>
+          <a:bodyPr/>
+          <a:lstStyle/>
+          <a:p>
+            <a:endParaRPr lang="fr-FR"/>
           </a:p>
         </p:txBody>
       </p:sp>
@@ -14149,7 +14354,7 @@
           <p:cNvPr id="6" name="Espace réservé du contenu 5">
             <a:extLst>
               <a:ext uri="{FF2B5EF4-FFF2-40B4-BE49-F238E27FC236}">
-                <a16:creationId xmlns:a16="http://schemas.microsoft.com/office/drawing/2014/main" id="{03859EAB-83D4-46B5-8E9A-528FDBFACB4C}"/>
+                <a16:creationId xmlns:a16="http://schemas.microsoft.com/office/drawing/2014/main" id="{8060250E-B8F3-45E5-8077-589155DB1C34}"/>
               </a:ext>
             </a:extLst>
           </p:cNvPr>
@@ -14160,10 +14365,93 @@
             <p:ph sz="quarter" idx="4"/>
           </p:nvPr>
         </p:nvSpPr>
+        <p:spPr/>
+        <p:txBody>
+          <a:bodyPr/>
+          <a:lstStyle/>
+          <a:p>
+            <a:endParaRPr lang="fr-FR"/>
+          </a:p>
+        </p:txBody>
+      </p:sp>
+    </p:spTree>
+    <p:extLst>
+      <p:ext uri="{BB962C8B-B14F-4D97-AF65-F5344CB8AC3E}">
+        <p14:creationId xmlns:p14="http://schemas.microsoft.com/office/powerpoint/2010/main" val="958481805"/>
+      </p:ext>
+    </p:extLst>
+  </p:cSld>
+  <p:clrMapOvr>
+    <a:masterClrMapping/>
+  </p:clrMapOvr>
+</p:sld>
+</file>
+
+<file path=ppt/slides/slide27.xml><?xml version="1.0" encoding="utf-8"?>
+<p:sld xmlns:a="http://schemas.openxmlformats.org/drawingml/2006/main" xmlns:r="http://schemas.openxmlformats.org/officeDocument/2006/relationships" xmlns:p="http://schemas.openxmlformats.org/presentationml/2006/main">
+  <p:cSld>
+    <p:spTree>
+      <p:nvGrpSpPr>
+        <p:cNvPr id="1" name=""/>
+        <p:cNvGrpSpPr/>
+        <p:nvPr/>
+      </p:nvGrpSpPr>
+      <p:grpSpPr>
+        <a:xfrm>
+          <a:off x="0" y="0"/>
+          <a:ext cx="0" cy="0"/>
+          <a:chOff x="0" y="0"/>
+          <a:chExt cx="0" cy="0"/>
+        </a:xfrm>
+      </p:grpSpPr>
+      <p:sp>
+        <p:nvSpPr>
+          <p:cNvPr id="2" name="Titre 1">
+            <a:extLst>
+              <a:ext uri="{FF2B5EF4-FFF2-40B4-BE49-F238E27FC236}">
+                <a16:creationId xmlns:a16="http://schemas.microsoft.com/office/drawing/2014/main" id="{6CA294AB-36EE-442C-977C-ACC9BCD37340}"/>
+              </a:ext>
+            </a:extLst>
+          </p:cNvPr>
+          <p:cNvSpPr>
+            <a:spLocks noGrp="1"/>
+          </p:cNvSpPr>
+          <p:nvPr>
+            <p:ph type="title"/>
+          </p:nvPr>
+        </p:nvSpPr>
+        <p:spPr/>
+        <p:txBody>
+          <a:bodyPr/>
+          <a:lstStyle/>
+          <a:p>
+            <a:r>
+              <a:rPr lang="fr-FR" dirty="0"/>
+              <a:t>Conclusion</a:t>
+            </a:r>
+          </a:p>
+        </p:txBody>
+      </p:sp>
+      <p:sp>
+        <p:nvSpPr>
+          <p:cNvPr id="4" name="Espace réservé du contenu 3">
+            <a:extLst>
+              <a:ext uri="{FF2B5EF4-FFF2-40B4-BE49-F238E27FC236}">
+                <a16:creationId xmlns:a16="http://schemas.microsoft.com/office/drawing/2014/main" id="{1A1E2842-46BE-4FF8-89CB-BDFBD11FE6DA}"/>
+              </a:ext>
+            </a:extLst>
+          </p:cNvPr>
+          <p:cNvSpPr>
+            <a:spLocks noGrp="1"/>
+          </p:cNvSpPr>
+          <p:nvPr>
+            <p:ph sz="half" idx="2"/>
+          </p:nvPr>
+        </p:nvSpPr>
         <p:spPr>
           <a:xfrm>
-            <a:off x="6172200" y="1690688"/>
-            <a:ext cx="5183188" cy="4498975"/>
+            <a:off x="839788" y="1690688"/>
+            <a:ext cx="5157787" cy="4498975"/>
           </a:xfrm>
         </p:spPr>
         <p:txBody>
@@ -14172,6 +14460,40 @@
           </a:bodyPr>
           <a:lstStyle/>
           <a:p>
+            <a:r>
+              <a:rPr lang="fr-FR" dirty="0"/>
+              <a:t>Améliorations possibles:</a:t>
+            </a:r>
+          </a:p>
+          <a:p>
+            <a:pPr lvl="1"/>
+            <a:r>
+              <a:rPr lang="fr-FR" dirty="0"/>
+              <a:t>Automatisation du fichier .top</a:t>
+            </a:r>
+          </a:p>
+          <a:p>
+            <a:pPr lvl="1"/>
+            <a:r>
+              <a:rPr lang="fr-FR" dirty="0"/>
+              <a:t>Agrandir la base de données de la grammaire</a:t>
+            </a:r>
+          </a:p>
+          <a:p>
+            <a:pPr lvl="1"/>
+            <a:r>
+              <a:rPr lang="fr-FR" dirty="0"/>
+              <a:t>Implémenter la reconnaissance visuelle</a:t>
+            </a:r>
+          </a:p>
+          <a:p>
+            <a:pPr lvl="1"/>
+            <a:r>
+              <a:rPr lang="fr-FR" dirty="0"/>
+              <a:t>Nouvelle approche via analyse de son (récupération fichier mp3)</a:t>
+            </a:r>
+          </a:p>
+          <a:p>
             <a:endParaRPr lang="fr-FR" dirty="0"/>
           </a:p>
         </p:txBody>
@@ -14179,7 +14501,7 @@
     </p:spTree>
     <p:extLst>
       <p:ext uri="{BB962C8B-B14F-4D97-AF65-F5344CB8AC3E}">
-        <p14:creationId xmlns:p14="http://schemas.microsoft.com/office/powerpoint/2010/main" val="2992047838"/>
+        <p14:creationId xmlns:p14="http://schemas.microsoft.com/office/powerpoint/2010/main" val="2495512862"/>
       </p:ext>
     </p:extLst>
   </p:cSld>
@@ -14519,7 +14841,7 @@
           <p:cNvPr id="2" name="Titre 1">
             <a:extLst>
               <a:ext uri="{FF2B5EF4-FFF2-40B4-BE49-F238E27FC236}">
-                <a16:creationId xmlns:a16="http://schemas.microsoft.com/office/drawing/2014/main" id="{1FB5D695-32DD-4BF4-99F6-43AE22A732FB}"/>
+                <a16:creationId xmlns:a16="http://schemas.microsoft.com/office/drawing/2014/main" id="{AAF7EC42-9230-4E85-B4BF-216F7D19FD90}"/>
               </a:ext>
             </a:extLst>
           </p:cNvPr>
@@ -14539,16 +14861,15 @@
               <a:rPr lang="fr-FR" dirty="0"/>
               <a:t>Cheminement de la réflexion</a:t>
             </a:r>
-            <a:endParaRPr lang="fr-FR" sz="2400" dirty="0"/>
           </a:p>
         </p:txBody>
       </p:sp>
       <p:sp>
         <p:nvSpPr>
-          <p:cNvPr id="3" name="Espace réservé du contenu 2">
-            <a:extLst>
-              <a:ext uri="{FF2B5EF4-FFF2-40B4-BE49-F238E27FC236}">
-                <a16:creationId xmlns:a16="http://schemas.microsoft.com/office/drawing/2014/main" id="{D4EE6864-28AD-47D3-8EFF-43FE3B835D58}"/>
+          <p:cNvPr id="3" name="Espace réservé du texte 2">
+            <a:extLst>
+              <a:ext uri="{FF2B5EF4-FFF2-40B4-BE49-F238E27FC236}">
+                <a16:creationId xmlns:a16="http://schemas.microsoft.com/office/drawing/2014/main" id="{72C04B7D-AB5C-487F-9B33-6E82BC10DE71}"/>
               </a:ext>
             </a:extLst>
           </p:cNvPr>
@@ -14556,7 +14877,7 @@
             <a:spLocks noGrp="1"/>
           </p:cNvSpPr>
           <p:nvPr>
-            <p:ph sz="half" idx="1"/>
+            <p:ph type="body" idx="1"/>
           </p:nvPr>
         </p:nvSpPr>
         <p:spPr/>
@@ -14566,80 +14887,8 @@
           <a:p>
             <a:r>
               <a:rPr lang="fr-FR" dirty="0"/>
-              <a:t>Mise en place globale :</a:t>
-            </a:r>
-          </a:p>
-          <a:p>
-            <a:pPr lvl="1"/>
-            <a:r>
-              <a:rPr lang="fr-FR" dirty="0"/>
-              <a:t>Compréhension du sujet et de l’épreuve</a:t>
-            </a:r>
-          </a:p>
-          <a:p>
-            <a:pPr lvl="1"/>
-            <a:r>
-              <a:rPr lang="fr-FR" dirty="0"/>
-              <a:t>Exploration de l’ensemble des questions</a:t>
-            </a:r>
-          </a:p>
-          <a:p>
-            <a:pPr lvl="1"/>
-            <a:r>
-              <a:rPr lang="fr-FR" dirty="0"/>
-              <a:t>Définition axes de travail</a:t>
-            </a:r>
-          </a:p>
-          <a:p>
-            <a:r>
-              <a:rPr lang="fr-FR" dirty="0"/>
-              <a:t>Mise en œuvre technique :</a:t>
-            </a:r>
-          </a:p>
-          <a:p>
-            <a:pPr lvl="1"/>
-            <a:r>
-              <a:rPr lang="fr-FR" dirty="0"/>
-              <a:t>Prise en main Hard/Software (</a:t>
-            </a:r>
-            <a:r>
-              <a:rPr lang="fr-FR" dirty="0" err="1"/>
-              <a:t>QiChat</a:t>
-            </a:r>
-            <a:r>
-              <a:rPr lang="fr-FR" dirty="0"/>
-              <a:t>, </a:t>
-            </a:r>
-            <a:r>
-              <a:rPr lang="fr-FR" dirty="0" err="1"/>
-              <a:t>Naoqi</a:t>
-            </a:r>
-            <a:r>
-              <a:rPr lang="fr-FR" dirty="0"/>
-              <a:t>, chorégraphe …)</a:t>
-            </a:r>
-          </a:p>
-          <a:p>
-            <a:pPr lvl="1"/>
-            <a:r>
-              <a:rPr lang="fr-FR" dirty="0"/>
-              <a:t>Compréhension logicielle des questions</a:t>
-            </a:r>
-          </a:p>
-          <a:p>
-            <a:pPr lvl="1"/>
-            <a:endParaRPr lang="fr-FR" dirty="0"/>
-          </a:p>
-          <a:p>
-            <a:pPr lvl="1"/>
-            <a:endParaRPr lang="fr-FR" dirty="0"/>
-          </a:p>
-          <a:p>
-            <a:pPr lvl="1"/>
-            <a:endParaRPr lang="fr-FR" dirty="0"/>
-          </a:p>
-          <a:p>
-            <a:endParaRPr lang="fr-FR" dirty="0"/>
+              <a:t>Mise en place globale</a:t>
+            </a:r>
           </a:p>
         </p:txBody>
       </p:sp>
@@ -14648,7 +14897,7 @@
           <p:cNvPr id="4" name="Espace réservé du contenu 3">
             <a:extLst>
               <a:ext uri="{FF2B5EF4-FFF2-40B4-BE49-F238E27FC236}">
-                <a16:creationId xmlns:a16="http://schemas.microsoft.com/office/drawing/2014/main" id="{6D28EC7D-3293-40B8-AA35-EA329E239A7D}"/>
+                <a16:creationId xmlns:a16="http://schemas.microsoft.com/office/drawing/2014/main" id="{8E489E3B-366A-4B11-9B87-AB6AFBB28A41}"/>
               </a:ext>
             </a:extLst>
           </p:cNvPr>
@@ -14659,10 +14908,124 @@
             <p:ph sz="half" idx="2"/>
           </p:nvPr>
         </p:nvSpPr>
-        <p:spPr/>
+        <p:spPr>
+          <a:xfrm>
+            <a:off x="839788" y="2505075"/>
+            <a:ext cx="5157787" cy="1171575"/>
+          </a:xfrm>
+        </p:spPr>
         <p:txBody>
           <a:bodyPr/>
           <a:lstStyle/>
+          <a:p>
+            <a:r>
+              <a:rPr lang="fr-FR" sz="2000" dirty="0"/>
+              <a:t>Compréhension du sujet et de l’épreuve</a:t>
+            </a:r>
+          </a:p>
+          <a:p>
+            <a:r>
+              <a:rPr lang="fr-FR" sz="2000" dirty="0"/>
+              <a:t>Exploration de l’ensemble des questions</a:t>
+            </a:r>
+          </a:p>
+          <a:p>
+            <a:r>
+              <a:rPr lang="fr-FR" sz="2000" dirty="0"/>
+              <a:t>Définition axes de travail</a:t>
+            </a:r>
+          </a:p>
+          <a:p>
+            <a:endParaRPr lang="fr-FR" dirty="0"/>
+          </a:p>
+        </p:txBody>
+      </p:sp>
+      <p:sp>
+        <p:nvSpPr>
+          <p:cNvPr id="5" name="Espace réservé du texte 4">
+            <a:extLst>
+              <a:ext uri="{FF2B5EF4-FFF2-40B4-BE49-F238E27FC236}">
+                <a16:creationId xmlns:a16="http://schemas.microsoft.com/office/drawing/2014/main" id="{03B550A6-B278-4781-A497-B8826896D93F}"/>
+              </a:ext>
+            </a:extLst>
+          </p:cNvPr>
+          <p:cNvSpPr>
+            <a:spLocks noGrp="1"/>
+          </p:cNvSpPr>
+          <p:nvPr>
+            <p:ph type="body" sz="quarter" idx="3"/>
+          </p:nvPr>
+        </p:nvSpPr>
+        <p:spPr>
+          <a:xfrm>
+            <a:off x="839788" y="3687763"/>
+            <a:ext cx="5183188" cy="823912"/>
+          </a:xfrm>
+        </p:spPr>
+        <p:txBody>
+          <a:bodyPr/>
+          <a:lstStyle/>
+          <a:p>
+            <a:r>
+              <a:rPr lang="fr-FR" dirty="0"/>
+              <a:t>Mise en œuvre technique</a:t>
+            </a:r>
+          </a:p>
+        </p:txBody>
+      </p:sp>
+      <p:sp>
+        <p:nvSpPr>
+          <p:cNvPr id="6" name="Espace réservé du contenu 5">
+            <a:extLst>
+              <a:ext uri="{FF2B5EF4-FFF2-40B4-BE49-F238E27FC236}">
+                <a16:creationId xmlns:a16="http://schemas.microsoft.com/office/drawing/2014/main" id="{9A3A969F-DE72-4BBA-A564-D1D8F3D805DD}"/>
+              </a:ext>
+            </a:extLst>
+          </p:cNvPr>
+          <p:cNvSpPr>
+            <a:spLocks noGrp="1"/>
+          </p:cNvSpPr>
+          <p:nvPr>
+            <p:ph sz="quarter" idx="4"/>
+          </p:nvPr>
+        </p:nvSpPr>
+        <p:spPr>
+          <a:xfrm>
+            <a:off x="814387" y="4591049"/>
+            <a:ext cx="5183188" cy="1171575"/>
+          </a:xfrm>
+        </p:spPr>
+        <p:txBody>
+          <a:bodyPr/>
+          <a:lstStyle/>
+          <a:p>
+            <a:r>
+              <a:rPr lang="fr-FR" sz="2000" dirty="0"/>
+              <a:t>Prise en main Hard/Software (</a:t>
+            </a:r>
+            <a:r>
+              <a:rPr lang="fr-FR" sz="2000" dirty="0" err="1"/>
+              <a:t>QiChat</a:t>
+            </a:r>
+            <a:r>
+              <a:rPr lang="fr-FR" sz="2000" dirty="0"/>
+              <a:t>, </a:t>
+            </a:r>
+            <a:r>
+              <a:rPr lang="fr-FR" sz="2000" dirty="0" err="1"/>
+              <a:t>Naoqi</a:t>
+            </a:r>
+            <a:r>
+              <a:rPr lang="fr-FR" sz="2000" dirty="0"/>
+              <a:t>, chorégraphe …)</a:t>
+            </a:r>
+          </a:p>
+          <a:p>
+            <a:r>
+              <a:rPr lang="fr-FR" sz="2000" dirty="0"/>
+              <a:t>Compréhension logicielle des questions</a:t>
+            </a:r>
+          </a:p>
           <a:p>
             <a:endParaRPr lang="fr-FR" dirty="0"/>
           </a:p>
@@ -14671,7 +15034,7 @@
     </p:spTree>
     <p:extLst>
       <p:ext uri="{BB962C8B-B14F-4D97-AF65-F5344CB8AC3E}">
-        <p14:creationId xmlns:p14="http://schemas.microsoft.com/office/powerpoint/2010/main" val="145974072"/>
+        <p14:creationId xmlns:p14="http://schemas.microsoft.com/office/powerpoint/2010/main" val="3100411552"/>
       </p:ext>
     </p:extLst>
   </p:cSld>

--- a/Rapport/Diapo_ihm_pepper.pptx
+++ b/Rapport/Diapo_ihm_pepper.pptx
@@ -5,10 +5,10 @@
     <p:sldMasterId id="2147483648" r:id="rId1"/>
   </p:sldMasterIdLst>
   <p:notesMasterIdLst>
-    <p:notesMasterId r:id="rId29"/>
+    <p:notesMasterId r:id="rId30"/>
   </p:notesMasterIdLst>
   <p:handoutMasterIdLst>
-    <p:handoutMasterId r:id="rId30"/>
+    <p:handoutMasterId r:id="rId31"/>
   </p:handoutMasterIdLst>
   <p:sldIdLst>
     <p:sldId id="256" r:id="rId2"/>
@@ -24,20 +24,21 @@
     <p:sldId id="285" r:id="rId12"/>
     <p:sldId id="267" r:id="rId13"/>
     <p:sldId id="268" r:id="rId14"/>
-    <p:sldId id="269" r:id="rId15"/>
-    <p:sldId id="288" r:id="rId16"/>
-    <p:sldId id="287" r:id="rId17"/>
-    <p:sldId id="271" r:id="rId18"/>
-    <p:sldId id="275" r:id="rId19"/>
-    <p:sldId id="289" r:id="rId20"/>
-    <p:sldId id="277" r:id="rId21"/>
-    <p:sldId id="278" r:id="rId22"/>
-    <p:sldId id="279" r:id="rId23"/>
-    <p:sldId id="280" r:id="rId24"/>
-    <p:sldId id="272" r:id="rId25"/>
-    <p:sldId id="274" r:id="rId26"/>
-    <p:sldId id="291" r:id="rId27"/>
-    <p:sldId id="290" r:id="rId28"/>
+    <p:sldId id="293" r:id="rId15"/>
+    <p:sldId id="292" r:id="rId16"/>
+    <p:sldId id="288" r:id="rId17"/>
+    <p:sldId id="287" r:id="rId18"/>
+    <p:sldId id="271" r:id="rId19"/>
+    <p:sldId id="275" r:id="rId20"/>
+    <p:sldId id="289" r:id="rId21"/>
+    <p:sldId id="277" r:id="rId22"/>
+    <p:sldId id="278" r:id="rId23"/>
+    <p:sldId id="279" r:id="rId24"/>
+    <p:sldId id="280" r:id="rId25"/>
+    <p:sldId id="272" r:id="rId26"/>
+    <p:sldId id="274" r:id="rId27"/>
+    <p:sldId id="291" r:id="rId28"/>
+    <p:sldId id="290" r:id="rId29"/>
   </p:sldIdLst>
   <p:sldSz cx="12192000" cy="6858000"/>
   <p:notesSz cx="6858000" cy="9144000"/>
@@ -144,14 +145,10 @@
 </p:presentation>
 </file>
 
-<file path=ppt/revisionInfo.xml><?xml version="1.0" encoding="utf-8"?>
-<p1510:revInfo xmlns:a="http://schemas.openxmlformats.org/drawingml/2006/main" xmlns:r="http://schemas.openxmlformats.org/officeDocument/2006/relationships" xmlns:p1510="http://schemas.microsoft.com/office/powerpoint/2015/10/main"/>
-</file>
-
 <file path=ppt/charts/chart1.xml><?xml version="1.0" encoding="utf-8"?>
 <c:chartSpace xmlns:c="http://schemas.openxmlformats.org/drawingml/2006/chart" xmlns:a="http://schemas.openxmlformats.org/drawingml/2006/main" xmlns:r="http://schemas.openxmlformats.org/officeDocument/2006/relationships" xmlns:c16r2="http://schemas.microsoft.com/office/drawing/2015/06/chart">
   <c:date1904 val="0"/>
-  <c:lang val="fr-FR"/>
+  <c:lang val="en-GB"/>
   <c:roundedCorners val="0"/>
   <mc:AlternateContent xmlns:mc="http://schemas.openxmlformats.org/markup-compatibility/2006">
     <mc:Choice xmlns:c14="http://schemas.microsoft.com/office/drawing/2007/8/2/chart" Requires="c14">
@@ -188,7 +185,7 @@
               <a:cs typeface="+mn-cs"/>
             </a:defRPr>
           </a:pPr>
-          <a:endParaRPr lang="fr-FR"/>
+          <a:endParaRPr lang="en-US"/>
         </a:p>
       </c:txPr>
     </c:title>
@@ -385,12 +382,13 @@
               <a:cs typeface="+mn-cs"/>
             </a:defRPr>
           </a:pPr>
-          <a:endParaRPr lang="fr-FR"/>
+          <a:endParaRPr lang="en-US"/>
         </a:p>
       </c:txPr>
     </c:legend>
     <c:plotVisOnly val="1"/>
     <c:dispBlanksAs val="gap"/>
+    <c:showDLblsOverMax val="0"/>
     <c:extLst>
       <c:ext xmlns:c16r3="http://schemas.microsoft.com/office/drawing/2017/03/chart" uri="{56B9EC1D-385E-4148-901F-78D8002777C0}">
         <c16r3:dataDisplayOptions16>
@@ -398,7 +396,6 @@
         </c16r3:dataDisplayOptions16>
       </c:ext>
     </c:extLst>
-    <c:showDLblsOverMax val="0"/>
   </c:chart>
   <c:spPr>
     <a:noFill/>
@@ -414,7 +411,7 @@
       <a:pPr>
         <a:defRPr/>
       </a:pPr>
-      <a:endParaRPr lang="fr-FR"/>
+      <a:endParaRPr lang="en-US"/>
     </a:p>
   </c:txPr>
   <c:externalData r:id="rId3">
@@ -426,7 +423,7 @@
 <file path=ppt/charts/chart2.xml><?xml version="1.0" encoding="utf-8"?>
 <c:chartSpace xmlns:c="http://schemas.openxmlformats.org/drawingml/2006/chart" xmlns:a="http://schemas.openxmlformats.org/drawingml/2006/main" xmlns:r="http://schemas.openxmlformats.org/officeDocument/2006/relationships" xmlns:c16r2="http://schemas.microsoft.com/office/drawing/2015/06/chart">
   <c:date1904 val="0"/>
-  <c:lang val="fr-FR"/>
+  <c:lang val="en-GB"/>
   <c:roundedCorners val="0"/>
   <mc:AlternateContent xmlns:mc="http://schemas.openxmlformats.org/markup-compatibility/2006">
     <mc:Choice xmlns:c14="http://schemas.microsoft.com/office/drawing/2007/8/2/chart" Requires="c14">
@@ -470,6 +467,11 @@
               </a:ln>
               <a:effectLst/>
             </c:spPr>
+            <c:extLst>
+              <c:ext xmlns:c16="http://schemas.microsoft.com/office/drawing/2014/chart" uri="{C3380CC4-5D6E-409C-BE32-E72D297353CC}">
+                <c16:uniqueId val="{00000001-8C84-4706-BBBD-C56B86C7EA7A}"/>
+              </c:ext>
+            </c:extLst>
           </c:dPt>
           <c:dPt>
             <c:idx val="1"/>
@@ -485,6 +487,11 @@
               </a:ln>
               <a:effectLst/>
             </c:spPr>
+            <c:extLst>
+              <c:ext xmlns:c16="http://schemas.microsoft.com/office/drawing/2014/chart" uri="{C3380CC4-5D6E-409C-BE32-E72D297353CC}">
+                <c16:uniqueId val="{00000003-8C84-4706-BBBD-C56B86C7EA7A}"/>
+              </c:ext>
+            </c:extLst>
           </c:dPt>
           <c:dPt>
             <c:idx val="2"/>
@@ -500,6 +507,11 @@
               </a:ln>
               <a:effectLst/>
             </c:spPr>
+            <c:extLst>
+              <c:ext xmlns:c16="http://schemas.microsoft.com/office/drawing/2014/chart" uri="{C3380CC4-5D6E-409C-BE32-E72D297353CC}">
+                <c16:uniqueId val="{00000005-8C84-4706-BBBD-C56B86C7EA7A}"/>
+              </c:ext>
+            </c:extLst>
           </c:dPt>
           <c:dPt>
             <c:idx val="3"/>
@@ -515,6 +527,11 @@
               </a:ln>
               <a:effectLst/>
             </c:spPr>
+            <c:extLst>
+              <c:ext xmlns:c16="http://schemas.microsoft.com/office/drawing/2014/chart" uri="{C3380CC4-5D6E-409C-BE32-E72D297353CC}">
+                <c16:uniqueId val="{00000007-8C84-4706-BBBD-C56B86C7EA7A}"/>
+              </c:ext>
+            </c:extLst>
           </c:dPt>
           <c:dPt>
             <c:idx val="4"/>
@@ -530,6 +547,11 @@
               </a:ln>
               <a:effectLst/>
             </c:spPr>
+            <c:extLst>
+              <c:ext xmlns:c16="http://schemas.microsoft.com/office/drawing/2014/chart" uri="{C3380CC4-5D6E-409C-BE32-E72D297353CC}">
+                <c16:uniqueId val="{00000009-8C84-4706-BBBD-C56B86C7EA7A}"/>
+              </c:ext>
+            </c:extLst>
           </c:dPt>
           <c:cat>
             <c:strRef>
@@ -630,12 +652,13 @@
               <a:cs typeface="+mn-cs"/>
             </a:defRPr>
           </a:pPr>
-          <a:endParaRPr lang="fr-FR"/>
+          <a:endParaRPr lang="en-US"/>
         </a:p>
       </c:txPr>
     </c:legend>
     <c:plotVisOnly val="1"/>
     <c:dispBlanksAs val="gap"/>
+    <c:showDLblsOverMax val="0"/>
     <c:extLst>
       <c:ext xmlns:c16r3="http://schemas.microsoft.com/office/drawing/2017/03/chart" uri="{56B9EC1D-385E-4148-901F-78D8002777C0}">
         <c16r3:dataDisplayOptions16>
@@ -643,7 +666,6 @@
         </c16r3:dataDisplayOptions16>
       </c:ext>
     </c:extLst>
-    <c:showDLblsOverMax val="0"/>
   </c:chart>
   <c:spPr>
     <a:noFill/>
@@ -659,7 +681,7 @@
       <a:pPr>
         <a:defRPr/>
       </a:pPr>
-      <a:endParaRPr lang="fr-FR"/>
+      <a:endParaRPr lang="en-US"/>
     </a:p>
   </c:txPr>
   <c:externalData r:id="rId3">
@@ -671,7 +693,7 @@
 <file path=ppt/charts/chart3.xml><?xml version="1.0" encoding="utf-8"?>
 <c:chartSpace xmlns:c="http://schemas.openxmlformats.org/drawingml/2006/chart" xmlns:a="http://schemas.openxmlformats.org/drawingml/2006/main" xmlns:r="http://schemas.openxmlformats.org/officeDocument/2006/relationships" xmlns:c16r2="http://schemas.microsoft.com/office/drawing/2015/06/chart">
   <c:date1904 val="0"/>
-  <c:lang val="fr-FR"/>
+  <c:lang val="en-GB"/>
   <c:roundedCorners val="0"/>
   <mc:AlternateContent xmlns:mc="http://schemas.openxmlformats.org/markup-compatibility/2006">
     <mc:Choice xmlns:c14="http://schemas.microsoft.com/office/drawing/2007/8/2/chart" Requires="c14">
@@ -943,12 +965,13 @@
               <a:cs typeface="+mn-cs"/>
             </a:defRPr>
           </a:pPr>
-          <a:endParaRPr lang="fr-FR"/>
+          <a:endParaRPr lang="en-US"/>
         </a:p>
       </c:txPr>
     </c:legend>
     <c:plotVisOnly val="1"/>
     <c:dispBlanksAs val="gap"/>
+    <c:showDLblsOverMax val="0"/>
     <c:extLst>
       <c:ext xmlns:c16r3="http://schemas.microsoft.com/office/drawing/2017/03/chart" uri="{56B9EC1D-385E-4148-901F-78D8002777C0}">
         <c16r3:dataDisplayOptions16>
@@ -956,7 +979,6 @@
         </c16r3:dataDisplayOptions16>
       </c:ext>
     </c:extLst>
-    <c:showDLblsOverMax val="0"/>
   </c:chart>
   <c:spPr>
     <a:noFill/>
@@ -972,7 +994,7 @@
       <a:pPr>
         <a:defRPr/>
       </a:pPr>
-      <a:endParaRPr lang="fr-FR"/>
+      <a:endParaRPr lang="en-US"/>
     </a:p>
   </c:txPr>
   <c:externalData r:id="rId3">
@@ -984,7 +1006,7 @@
 <file path=ppt/charts/chart4.xml><?xml version="1.0" encoding="utf-8"?>
 <c:chartSpace xmlns:c="http://schemas.openxmlformats.org/drawingml/2006/chart" xmlns:a="http://schemas.openxmlformats.org/drawingml/2006/main" xmlns:r="http://schemas.openxmlformats.org/officeDocument/2006/relationships" xmlns:c16r2="http://schemas.microsoft.com/office/drawing/2015/06/chart">
   <c:date1904 val="0"/>
-  <c:lang val="fr-FR"/>
+  <c:lang val="en-GB"/>
   <c:roundedCorners val="0"/>
   <mc:AlternateContent xmlns:mc="http://schemas.openxmlformats.org/markup-compatibility/2006">
     <mc:Choice xmlns:c14="http://schemas.microsoft.com/office/drawing/2007/8/2/chart" Requires="c14">
@@ -1021,7 +1043,7 @@
               <a:cs typeface="+mn-cs"/>
             </a:defRPr>
           </a:pPr>
-          <a:endParaRPr lang="fr-FR"/>
+          <a:endParaRPr lang="en-US"/>
         </a:p>
       </c:txPr>
     </c:title>
@@ -1218,12 +1240,13 @@
               <a:cs typeface="+mn-cs"/>
             </a:defRPr>
           </a:pPr>
-          <a:endParaRPr lang="fr-FR"/>
+          <a:endParaRPr lang="en-US"/>
         </a:p>
       </c:txPr>
     </c:legend>
     <c:plotVisOnly val="1"/>
     <c:dispBlanksAs val="gap"/>
+    <c:showDLblsOverMax val="0"/>
     <c:extLst>
       <c:ext xmlns:c16r3="http://schemas.microsoft.com/office/drawing/2017/03/chart" uri="{56B9EC1D-385E-4148-901F-78D8002777C0}">
         <c16r3:dataDisplayOptions16>
@@ -1231,7 +1254,6 @@
         </c16r3:dataDisplayOptions16>
       </c:ext>
     </c:extLst>
-    <c:showDLblsOverMax val="0"/>
   </c:chart>
   <c:spPr>
     <a:noFill/>
@@ -1247,7 +1269,7 @@
       <a:pPr>
         <a:defRPr/>
       </a:pPr>
-      <a:endParaRPr lang="fr-FR"/>
+      <a:endParaRPr lang="en-US"/>
     </a:p>
   </c:txPr>
   <c:externalData r:id="rId3">
@@ -1259,7 +1281,7 @@
 <file path=ppt/charts/chart5.xml><?xml version="1.0" encoding="utf-8"?>
 <c:chartSpace xmlns:c="http://schemas.openxmlformats.org/drawingml/2006/chart" xmlns:a="http://schemas.openxmlformats.org/drawingml/2006/main" xmlns:r="http://schemas.openxmlformats.org/officeDocument/2006/relationships" xmlns:c16r2="http://schemas.microsoft.com/office/drawing/2015/06/chart">
   <c:date1904 val="0"/>
-  <c:lang val="fr-FR"/>
+  <c:lang val="en-GB"/>
   <c:roundedCorners val="0"/>
   <mc:AlternateContent xmlns:mc="http://schemas.openxmlformats.org/markup-compatibility/2006">
     <mc:Choice xmlns:c14="http://schemas.microsoft.com/office/drawing/2007/8/2/chart" Requires="c14">
@@ -1296,7 +1318,7 @@
               <a:cs typeface="+mn-cs"/>
             </a:defRPr>
           </a:pPr>
-          <a:endParaRPr lang="fr-FR"/>
+          <a:endParaRPr lang="en-US"/>
         </a:p>
       </c:txPr>
     </c:title>
@@ -1493,12 +1515,13 @@
               <a:cs typeface="+mn-cs"/>
             </a:defRPr>
           </a:pPr>
-          <a:endParaRPr lang="fr-FR"/>
+          <a:endParaRPr lang="en-US"/>
         </a:p>
       </c:txPr>
     </c:legend>
     <c:plotVisOnly val="1"/>
     <c:dispBlanksAs val="gap"/>
+    <c:showDLblsOverMax val="0"/>
     <c:extLst>
       <c:ext xmlns:c16r3="http://schemas.microsoft.com/office/drawing/2017/03/chart" uri="{56B9EC1D-385E-4148-901F-78D8002777C0}">
         <c16r3:dataDisplayOptions16>
@@ -1506,7 +1529,6 @@
         </c16r3:dataDisplayOptions16>
       </c:ext>
     </c:extLst>
-    <c:showDLblsOverMax val="0"/>
   </c:chart>
   <c:spPr>
     <a:noFill/>
@@ -1522,7 +1544,7 @@
       <a:pPr>
         <a:defRPr/>
       </a:pPr>
-      <a:endParaRPr lang="fr-FR"/>
+      <a:endParaRPr lang="en-US"/>
     </a:p>
   </c:txPr>
   <c:externalData r:id="rId3">
@@ -1534,7 +1556,7 @@
 <file path=ppt/charts/chart6.xml><?xml version="1.0" encoding="utf-8"?>
 <c:chartSpace xmlns:c="http://schemas.openxmlformats.org/drawingml/2006/chart" xmlns:a="http://schemas.openxmlformats.org/drawingml/2006/main" xmlns:r="http://schemas.openxmlformats.org/officeDocument/2006/relationships" xmlns:c16r2="http://schemas.microsoft.com/office/drawing/2015/06/chart">
   <c:date1904 val="0"/>
-  <c:lang val="fr-FR"/>
+  <c:lang val="en-GB"/>
   <c:roundedCorners val="0"/>
   <mc:AlternateContent xmlns:mc="http://schemas.openxmlformats.org/markup-compatibility/2006">
     <mc:Choice xmlns:c14="http://schemas.microsoft.com/office/drawing/2007/8/2/chart" Requires="c14">
@@ -1809,12 +1831,13 @@
               <a:cs typeface="+mn-cs"/>
             </a:defRPr>
           </a:pPr>
-          <a:endParaRPr lang="fr-FR"/>
+          <a:endParaRPr lang="en-US"/>
         </a:p>
       </c:txPr>
     </c:legend>
     <c:plotVisOnly val="1"/>
     <c:dispBlanksAs val="gap"/>
+    <c:showDLblsOverMax val="0"/>
     <c:extLst>
       <c:ext xmlns:c16r3="http://schemas.microsoft.com/office/drawing/2017/03/chart" uri="{56B9EC1D-385E-4148-901F-78D8002777C0}">
         <c16r3:dataDisplayOptions16>
@@ -1822,7 +1845,6 @@
         </c16r3:dataDisplayOptions16>
       </c:ext>
     </c:extLst>
-    <c:showDLblsOverMax val="0"/>
   </c:chart>
   <c:spPr>
     <a:noFill/>
@@ -1838,7 +1860,7 @@
       <a:pPr>
         <a:defRPr/>
       </a:pPr>
-      <a:endParaRPr lang="fr-FR"/>
+      <a:endParaRPr lang="en-US"/>
     </a:p>
   </c:txPr>
   <c:externalData r:id="rId3">
@@ -1850,7 +1872,7 @@
 <file path=ppt/charts/chart7.xml><?xml version="1.0" encoding="utf-8"?>
 <c:chartSpace xmlns:c="http://schemas.openxmlformats.org/drawingml/2006/chart" xmlns:a="http://schemas.openxmlformats.org/drawingml/2006/main" xmlns:r="http://schemas.openxmlformats.org/officeDocument/2006/relationships" xmlns:c16r2="http://schemas.microsoft.com/office/drawing/2015/06/chart">
   <c:date1904 val="0"/>
-  <c:lang val="fr-FR"/>
+  <c:lang val="en-GB"/>
   <c:roundedCorners val="0"/>
   <mc:AlternateContent xmlns:mc="http://schemas.openxmlformats.org/markup-compatibility/2006">
     <mc:Choice xmlns:c14="http://schemas.microsoft.com/office/drawing/2007/8/2/chart" Requires="c14">
@@ -2054,12 +2076,13 @@
               <a:cs typeface="+mn-cs"/>
             </a:defRPr>
           </a:pPr>
-          <a:endParaRPr lang="fr-FR"/>
+          <a:endParaRPr lang="en-US"/>
         </a:p>
       </c:txPr>
     </c:legend>
     <c:plotVisOnly val="1"/>
     <c:dispBlanksAs val="gap"/>
+    <c:showDLblsOverMax val="0"/>
     <c:extLst>
       <c:ext xmlns:c16r3="http://schemas.microsoft.com/office/drawing/2017/03/chart" uri="{56B9EC1D-385E-4148-901F-78D8002777C0}">
         <c16r3:dataDisplayOptions16>
@@ -2067,7 +2090,6 @@
         </c16r3:dataDisplayOptions16>
       </c:ext>
     </c:extLst>
-    <c:showDLblsOverMax val="0"/>
   </c:chart>
   <c:spPr>
     <a:noFill/>
@@ -2083,7 +2105,7 @@
       <a:pPr>
         <a:defRPr/>
       </a:pPr>
-      <a:endParaRPr lang="fr-FR"/>
+      <a:endParaRPr lang="en-US"/>
     </a:p>
   </c:txPr>
   <c:externalData r:id="rId3">
@@ -2095,7 +2117,7 @@
 <file path=ppt/charts/chart8.xml><?xml version="1.0" encoding="utf-8"?>
 <c:chartSpace xmlns:c="http://schemas.openxmlformats.org/drawingml/2006/chart" xmlns:a="http://schemas.openxmlformats.org/drawingml/2006/main" xmlns:r="http://schemas.openxmlformats.org/officeDocument/2006/relationships" xmlns:c16r2="http://schemas.microsoft.com/office/drawing/2015/06/chart">
   <c:date1904 val="0"/>
-  <c:lang val="fr-FR"/>
+  <c:lang val="en-GB"/>
   <c:roundedCorners val="0"/>
   <mc:AlternateContent xmlns:mc="http://schemas.openxmlformats.org/markup-compatibility/2006">
     <mc:Choice xmlns:c14="http://schemas.microsoft.com/office/drawing/2007/8/2/chart" Requires="c14">
@@ -2261,7 +2283,7 @@
                     <a:cs typeface="+mn-cs"/>
                   </a:defRPr>
                 </a:pPr>
-                <a:endParaRPr lang="fr-FR"/>
+                <a:endParaRPr lang="en-US"/>
               </a:p>
             </c:txPr>
             <c:dLblPos val="inEnd"/>
@@ -2394,12 +2416,13 @@
               <a:cs typeface="+mn-cs"/>
             </a:defRPr>
           </a:pPr>
-          <a:endParaRPr lang="fr-FR"/>
+          <a:endParaRPr lang="en-US"/>
         </a:p>
       </c:txPr>
     </c:legend>
     <c:plotVisOnly val="1"/>
     <c:dispBlanksAs val="gap"/>
+    <c:showDLblsOverMax val="0"/>
     <c:extLst>
       <c:ext xmlns:c16r3="http://schemas.microsoft.com/office/drawing/2017/03/chart" uri="{56B9EC1D-385E-4148-901F-78D8002777C0}">
         <c16r3:dataDisplayOptions16>
@@ -2407,7 +2430,6 @@
         </c16r3:dataDisplayOptions16>
       </c:ext>
     </c:extLst>
-    <c:showDLblsOverMax val="0"/>
   </c:chart>
   <c:spPr>
     <a:noFill/>
@@ -2423,7 +2445,7 @@
       <a:pPr>
         <a:defRPr/>
       </a:pPr>
-      <a:endParaRPr lang="fr-FR"/>
+      <a:endParaRPr lang="en-US"/>
     </a:p>
   </c:txPr>
   <c:externalData r:id="rId3">
@@ -7071,7 +7093,7 @@
           <a:p>
             <a:fld id="{C273240A-0202-4293-800E-3F985BE687FE}" type="slidenum">
               <a:rPr lang="fr-FR" smtClean="0"/>
-              <a:t>‹N°›</a:t>
+              <a:t>‹#›</a:t>
             </a:fld>
             <a:endParaRPr lang="fr-FR"/>
           </a:p>
@@ -7329,7 +7351,7 @@
           <a:p>
             <a:fld id="{26714D28-E6EA-418A-9E1F-D357BF182CD3}" type="slidenum">
               <a:rPr lang="fr-FR" smtClean="0"/>
-              <a:t>‹N°›</a:t>
+              <a:t>‹#›</a:t>
             </a:fld>
             <a:endParaRPr lang="fr-FR"/>
           </a:p>
@@ -7645,7 +7667,7 @@
           <a:p>
             <a:fld id="{03C95890-7A8C-4486-8D4E-FE7596991133}" type="slidenum">
               <a:rPr lang="fr-FR" smtClean="0"/>
-              <a:t>‹N°›</a:t>
+              <a:t>‹#›</a:t>
             </a:fld>
             <a:endParaRPr lang="fr-FR" dirty="0"/>
           </a:p>
@@ -7843,7 +7865,7 @@
           <a:p>
             <a:fld id="{03C95890-7A8C-4486-8D4E-FE7596991133}" type="slidenum">
               <a:rPr lang="fr-FR" smtClean="0"/>
-              <a:t>‹N°›</a:t>
+              <a:t>‹#›</a:t>
             </a:fld>
             <a:endParaRPr lang="fr-FR"/>
           </a:p>
@@ -8051,7 +8073,7 @@
           <a:p>
             <a:fld id="{03C95890-7A8C-4486-8D4E-FE7596991133}" type="slidenum">
               <a:rPr lang="fr-FR" smtClean="0"/>
-              <a:t>‹N°›</a:t>
+              <a:t>‹#›</a:t>
             </a:fld>
             <a:endParaRPr lang="fr-FR"/>
           </a:p>
@@ -8263,7 +8285,7 @@
             <a:fld id="{03C95890-7A8C-4486-8D4E-FE7596991133}" type="slidenum">
               <a:rPr lang="fr-FR" smtClean="0"/>
               <a:pPr/>
-              <a:t>‹N°›</a:t>
+              <a:t>‹#›</a:t>
             </a:fld>
             <a:endParaRPr lang="fr-FR" dirty="0"/>
           </a:p>
@@ -8552,7 +8574,7 @@
             <a:fld id="{03C95890-7A8C-4486-8D4E-FE7596991133}" type="slidenum">
               <a:rPr lang="fr-FR" smtClean="0"/>
               <a:pPr/>
-              <a:t>‹N°›</a:t>
+              <a:t>‹#›</a:t>
             </a:fld>
             <a:endParaRPr lang="fr-FR" dirty="0"/>
           </a:p>
@@ -8817,7 +8839,7 @@
           <a:p>
             <a:fld id="{03C95890-7A8C-4486-8D4E-FE7596991133}" type="slidenum">
               <a:rPr lang="fr-FR" smtClean="0"/>
-              <a:t>‹N°›</a:t>
+              <a:t>‹#›</a:t>
             </a:fld>
             <a:endParaRPr lang="fr-FR"/>
           </a:p>
@@ -9229,7 +9251,7 @@
           <a:p>
             <a:fld id="{03C95890-7A8C-4486-8D4E-FE7596991133}" type="slidenum">
               <a:rPr lang="fr-FR" smtClean="0"/>
-              <a:t>‹N°›</a:t>
+              <a:t>‹#›</a:t>
             </a:fld>
             <a:endParaRPr lang="fr-FR"/>
           </a:p>
@@ -9370,7 +9392,7 @@
           <a:p>
             <a:fld id="{03C95890-7A8C-4486-8D4E-FE7596991133}" type="slidenum">
               <a:rPr lang="fr-FR" smtClean="0"/>
-              <a:t>‹N°›</a:t>
+              <a:t>‹#›</a:t>
             </a:fld>
             <a:endParaRPr lang="fr-FR"/>
           </a:p>
@@ -9483,7 +9505,7 @@
           <a:p>
             <a:fld id="{03C95890-7A8C-4486-8D4E-FE7596991133}" type="slidenum">
               <a:rPr lang="fr-FR" smtClean="0"/>
-              <a:t>‹N°›</a:t>
+              <a:t>‹#›</a:t>
             </a:fld>
             <a:endParaRPr lang="fr-FR"/>
           </a:p>
@@ -9794,7 +9816,7 @@
           <a:p>
             <a:fld id="{03C95890-7A8C-4486-8D4E-FE7596991133}" type="slidenum">
               <a:rPr lang="fr-FR" smtClean="0"/>
-              <a:t>‹N°›</a:t>
+              <a:t>‹#›</a:t>
             </a:fld>
             <a:endParaRPr lang="fr-FR"/>
           </a:p>
@@ -10082,7 +10104,7 @@
           <a:p>
             <a:fld id="{03C95890-7A8C-4486-8D4E-FE7596991133}" type="slidenum">
               <a:rPr lang="fr-FR" smtClean="0"/>
-              <a:t>‹N°›</a:t>
+              <a:t>‹#›</a:t>
             </a:fld>
             <a:endParaRPr lang="fr-FR"/>
           </a:p>
@@ -10368,7 +10390,7 @@
           <a:p>
             <a:fld id="{03C95890-7A8C-4486-8D4E-FE7596991133}" type="slidenum">
               <a:rPr lang="fr-FR" smtClean="0"/>
-              <a:t>‹N°›</a:t>
+              <a:t>‹#›</a:t>
             </a:fld>
             <a:endParaRPr lang="fr-FR"/>
           </a:p>
@@ -11841,94 +11863,82 @@
             <p:ph type="body" idx="1"/>
           </p:nvPr>
         </p:nvSpPr>
-        <p:spPr/>
+        <p:spPr>
+          <a:xfrm>
+            <a:off x="800478" y="1524000"/>
+            <a:ext cx="5157788" cy="1933495"/>
+          </a:xfrm>
+        </p:spPr>
         <p:txBody>
-          <a:bodyPr/>
+          <a:bodyPr>
+            <a:normAutofit/>
+          </a:bodyPr>
           <a:lstStyle/>
           <a:p>
-            <a:endParaRPr lang="fr-FR"/>
+            <a:r>
+              <a:rPr lang="fr-FR" sz="1800" dirty="0"/>
+              <a:t>Prise en main : </a:t>
+            </a:r>
+          </a:p>
+          <a:p>
+            <a:r>
+              <a:rPr lang="fr-FR" sz="1800" dirty="0"/>
+              <a:t>- affichage Image</a:t>
+            </a:r>
+          </a:p>
+          <a:p>
+            <a:r>
+              <a:rPr lang="fr-FR" sz="1800" dirty="0"/>
+              <a:t>- affichage page Web </a:t>
+            </a:r>
+            <a:endParaRPr lang="fr-FR" dirty="0"/>
+          </a:p>
+          <a:p>
+            <a:r>
+              <a:rPr lang="fr-FR" sz="1800" dirty="0"/>
+              <a:t>- fonctionnalités liées à un web service</a:t>
+            </a:r>
+            <a:endParaRPr lang="fr-FR" dirty="0"/>
+          </a:p>
+          <a:p>
+            <a:endParaRPr lang="fr-FR" dirty="0"/>
           </a:p>
         </p:txBody>
       </p:sp>
-      <p:sp>
-        <p:nvSpPr>
-          <p:cNvPr id="4" name="Espace réservé du contenu 3">
-            <a:extLst>
-              <a:ext uri="{FF2B5EF4-FFF2-40B4-BE49-F238E27FC236}">
-                <a16:creationId xmlns:a16="http://schemas.microsoft.com/office/drawing/2014/main" id="{1A1E2842-46BE-4FF8-89CB-BDFBD11FE6DA}"/>
-              </a:ext>
-            </a:extLst>
-          </p:cNvPr>
-          <p:cNvSpPr>
-            <a:spLocks noGrp="1"/>
-          </p:cNvSpPr>
-          <p:nvPr>
-            <p:ph sz="half" idx="2"/>
-          </p:nvPr>
-        </p:nvSpPr>
-        <p:spPr/>
-        <p:txBody>
-          <a:bodyPr/>
-          <a:lstStyle/>
-          <a:p>
-            <a:endParaRPr lang="fr-FR" dirty="0"/>
-          </a:p>
-        </p:txBody>
-      </p:sp>
-      <p:sp>
-        <p:nvSpPr>
-          <p:cNvPr id="5" name="Espace réservé du texte 4">
-            <a:extLst>
-              <a:ext uri="{FF2B5EF4-FFF2-40B4-BE49-F238E27FC236}">
-                <a16:creationId xmlns:a16="http://schemas.microsoft.com/office/drawing/2014/main" id="{8D52A8DD-5C61-4098-A25C-CF45E7F9BE7A}"/>
-              </a:ext>
-            </a:extLst>
-          </p:cNvPr>
-          <p:cNvSpPr>
-            <a:spLocks noGrp="1"/>
-          </p:cNvSpPr>
-          <p:nvPr>
-            <p:ph type="body" sz="quarter" idx="3"/>
-          </p:nvPr>
-        </p:nvSpPr>
-        <p:spPr/>
-        <p:txBody>
-          <a:bodyPr/>
-          <a:lstStyle/>
-          <a:p>
-            <a:endParaRPr lang="fr-FR"/>
-          </a:p>
-        </p:txBody>
-      </p:sp>
-      <p:sp>
-        <p:nvSpPr>
-          <p:cNvPr id="6" name="Espace réservé du contenu 5">
-            <a:extLst>
-              <a:ext uri="{FF2B5EF4-FFF2-40B4-BE49-F238E27FC236}">
-                <a16:creationId xmlns:a16="http://schemas.microsoft.com/office/drawing/2014/main" id="{03859EAB-83D4-46B5-8E9A-528FDBFACB4C}"/>
-              </a:ext>
-            </a:extLst>
-          </p:cNvPr>
-          <p:cNvSpPr>
-            <a:spLocks noGrp="1"/>
-          </p:cNvSpPr>
-          <p:nvPr>
-            <p:ph sz="quarter" idx="4"/>
-          </p:nvPr>
-        </p:nvSpPr>
-        <p:spPr/>
-        <p:txBody>
-          <a:bodyPr/>
-          <a:lstStyle/>
-          <a:p>
-            <a:endParaRPr lang="fr-FR"/>
-          </a:p>
-        </p:txBody>
-      </p:sp>
+      <p:pic>
+        <p:nvPicPr>
+          <p:cNvPr id="6" name="Image 7" descr="Une image contenant capture d’écran&#10;&#10;Description générée avec un niveau de confiance très élevé">
+            <a:extLst>
+              <a:ext uri="{FF2B5EF4-FFF2-40B4-BE49-F238E27FC236}">
+                <a16:creationId xmlns:a16="http://schemas.microsoft.com/office/drawing/2014/main" id="{DFFC4C40-7D8E-4990-8CDC-CDE3FAA31FBD}"/>
+              </a:ext>
+            </a:extLst>
+          </p:cNvPr>
+          <p:cNvPicPr>
+            <a:picLocks noChangeAspect="1"/>
+          </p:cNvPicPr>
+          <p:nvPr/>
+        </p:nvPicPr>
+        <p:blipFill>
+          <a:blip r:embed="rId2"/>
+          <a:stretch>
+            <a:fillRect/>
+          </a:stretch>
+        </p:blipFill>
+        <p:spPr>
+          <a:xfrm>
+            <a:off x="1553309" y="3009900"/>
+            <a:ext cx="5021509" cy="3152515"/>
+          </a:xfrm>
+          <a:prstGeom prst="rect">
+            <a:avLst/>
+          </a:prstGeom>
+        </p:spPr>
+      </p:pic>
     </p:spTree>
     <p:extLst>
       <p:ext uri="{BB962C8B-B14F-4D97-AF65-F5344CB8AC3E}">
-        <p14:creationId xmlns:p14="http://schemas.microsoft.com/office/powerpoint/2010/main" val="4106626373"/>
+        <p14:creationId xmlns:p14="http://schemas.microsoft.com/office/powerpoint/2010/main" val="3302725681"/>
       </p:ext>
     </p:extLst>
   </p:cSld>
@@ -11960,7 +11970,7 @@
           <p:cNvPr id="2" name="Titre 1">
             <a:extLst>
               <a:ext uri="{FF2B5EF4-FFF2-40B4-BE49-F238E27FC236}">
-                <a16:creationId xmlns:a16="http://schemas.microsoft.com/office/drawing/2014/main" id="{8AAD7125-4480-47BD-9081-313359043913}"/>
+                <a16:creationId xmlns:a16="http://schemas.microsoft.com/office/drawing/2014/main" id="{6CA294AB-36EE-442C-977C-ACC9BCD37340}"/>
               </a:ext>
             </a:extLst>
           </p:cNvPr>
@@ -11978,7 +11988,7 @@
           <a:p>
             <a:r>
               <a:rPr lang="fr-FR" dirty="0"/>
-              <a:t>Phase de test</a:t>
+              <a:t>Tablette</a:t>
             </a:r>
           </a:p>
         </p:txBody>
@@ -11988,7 +11998,7 @@
           <p:cNvPr id="3" name="Espace réservé du texte 2">
             <a:extLst>
               <a:ext uri="{FF2B5EF4-FFF2-40B4-BE49-F238E27FC236}">
-                <a16:creationId xmlns:a16="http://schemas.microsoft.com/office/drawing/2014/main" id="{69F57DF0-89D9-44E1-80CC-5E792B9375BD}"/>
+                <a16:creationId xmlns:a16="http://schemas.microsoft.com/office/drawing/2014/main" id="{C29F7321-27E5-4F26-A662-54F5D5FBFC88}"/>
               </a:ext>
             </a:extLst>
           </p:cNvPr>
@@ -11999,35 +12009,12 @@
             <p:ph type="body" idx="1"/>
           </p:nvPr>
         </p:nvSpPr>
-        <p:spPr/>
-        <p:txBody>
-          <a:bodyPr/>
-          <a:lstStyle/>
-          <a:p>
-            <a:r>
-              <a:rPr lang="fr-FR" dirty="0"/>
-              <a:t>Préparation du test</a:t>
-            </a:r>
-          </a:p>
-        </p:txBody>
-      </p:sp>
-      <p:sp>
-        <p:nvSpPr>
-          <p:cNvPr id="4" name="Espace réservé du contenu 3">
-            <a:extLst>
-              <a:ext uri="{FF2B5EF4-FFF2-40B4-BE49-F238E27FC236}">
-                <a16:creationId xmlns:a16="http://schemas.microsoft.com/office/drawing/2014/main" id="{47139C83-C9F1-4028-9252-3D37C0E4E3FA}"/>
-              </a:ext>
-            </a:extLst>
-          </p:cNvPr>
-          <p:cNvSpPr>
-            <a:spLocks noGrp="1"/>
-          </p:cNvSpPr>
-          <p:nvPr>
-            <p:ph sz="half" idx="2"/>
-          </p:nvPr>
-        </p:nvSpPr>
-        <p:spPr/>
+        <p:spPr>
+          <a:xfrm>
+            <a:off x="438357" y="1552575"/>
+            <a:ext cx="5157787" cy="1208763"/>
+          </a:xfrm>
+        </p:spPr>
         <p:txBody>
           <a:bodyPr>
             <a:normAutofit/>
@@ -12035,37 +12022,88 @@
           <a:lstStyle/>
           <a:p>
             <a:r>
-              <a:rPr lang="fr-FR" sz="2400" dirty="0"/>
-              <a:t>Chargement d’un fichier .top de test généré par une des deux approches (mots clefs ou dynamique)</a:t>
-            </a:r>
-          </a:p>
-          <a:p>
-            <a:r>
-              <a:rPr lang="fr-FR" sz="2400" dirty="0"/>
-              <a:t>Ensemble des questions enregistrées dans un fichier .txt</a:t>
-            </a:r>
-          </a:p>
-          <a:p>
-            <a:r>
-              <a:rPr lang="fr-FR" sz="2400" dirty="0"/>
-              <a:t>Appel au logiciel balcon pour poser la question </a:t>
-            </a:r>
-          </a:p>
-          <a:p>
-            <a:r>
-              <a:rPr lang="fr-FR" sz="2400" dirty="0"/>
-              <a:t>Connexion au Pepper </a:t>
-            </a:r>
-          </a:p>
-          <a:p>
-            <a:endParaRPr lang="fr-FR" dirty="0"/>
+              <a:rPr lang="fr-FR" sz="1800" dirty="0"/>
+              <a:t>Application pour projet : </a:t>
+            </a:r>
+          </a:p>
+          <a:p>
+            <a:r>
+              <a:rPr lang="fr-FR" sz="1800" dirty="0"/>
+              <a:t>- page sur l'historique de la discussion</a:t>
+            </a:r>
+          </a:p>
+          <a:p>
+            <a:r>
+              <a:rPr lang="fr-FR" sz="1800" dirty="0"/>
+              <a:t>- page pour les tests</a:t>
+            </a:r>
           </a:p>
         </p:txBody>
       </p:sp>
+      <p:pic>
+        <p:nvPicPr>
+          <p:cNvPr id="7" name="Image 7" descr="Une image contenant moniteur, équipement électronique, intérieur, écran&#10;&#10;Description générée avec un niveau de confiance très élevé">
+            <a:extLst>
+              <a:ext uri="{FF2B5EF4-FFF2-40B4-BE49-F238E27FC236}">
+                <a16:creationId xmlns:a16="http://schemas.microsoft.com/office/drawing/2014/main" id="{4E0A2CE6-056C-4472-ADDB-A567CE0E11EB}"/>
+              </a:ext>
+            </a:extLst>
+          </p:cNvPr>
+          <p:cNvPicPr>
+            <a:picLocks noChangeAspect="1"/>
+          </p:cNvPicPr>
+          <p:nvPr/>
+        </p:nvPicPr>
+        <p:blipFill>
+          <a:blip r:embed="rId2"/>
+          <a:stretch>
+            <a:fillRect/>
+          </a:stretch>
+        </p:blipFill>
+        <p:spPr>
+          <a:xfrm>
+            <a:off x="1963078" y="3124200"/>
+            <a:ext cx="3444155" cy="2701281"/>
+          </a:xfrm>
+          <a:prstGeom prst="rect">
+            <a:avLst/>
+          </a:prstGeom>
+        </p:spPr>
+      </p:pic>
+      <p:pic>
+        <p:nvPicPr>
+          <p:cNvPr id="9" name="Image 9" descr="Une image contenant animal&#10;&#10;Description générée avec un niveau de confiance élevé">
+            <a:extLst>
+              <a:ext uri="{FF2B5EF4-FFF2-40B4-BE49-F238E27FC236}">
+                <a16:creationId xmlns:a16="http://schemas.microsoft.com/office/drawing/2014/main" id="{C7EF41B7-DD81-48E5-8204-F8C30F89195B}"/>
+              </a:ext>
+            </a:extLst>
+          </p:cNvPr>
+          <p:cNvPicPr>
+            <a:picLocks noChangeAspect="1"/>
+          </p:cNvPicPr>
+          <p:nvPr/>
+        </p:nvPicPr>
+        <p:blipFill>
+          <a:blip r:embed="rId3"/>
+          <a:stretch>
+            <a:fillRect/>
+          </a:stretch>
+        </p:blipFill>
+        <p:spPr>
+          <a:xfrm>
+            <a:off x="4154863" y="247650"/>
+            <a:ext cx="4119323" cy="2434591"/>
+          </a:xfrm>
+          <a:prstGeom prst="rect">
+            <a:avLst/>
+          </a:prstGeom>
+        </p:spPr>
+      </p:pic>
     </p:spTree>
     <p:extLst>
       <p:ext uri="{BB962C8B-B14F-4D97-AF65-F5344CB8AC3E}">
-        <p14:creationId xmlns:p14="http://schemas.microsoft.com/office/powerpoint/2010/main" val="3916396202"/>
+        <p14:creationId xmlns:p14="http://schemas.microsoft.com/office/powerpoint/2010/main" val="4106626373"/>
       </p:ext>
     </p:extLst>
   </p:cSld>
@@ -12097,7 +12135,7 @@
           <p:cNvPr id="2" name="Titre 1">
             <a:extLst>
               <a:ext uri="{FF2B5EF4-FFF2-40B4-BE49-F238E27FC236}">
-                <a16:creationId xmlns:a16="http://schemas.microsoft.com/office/drawing/2014/main" id="{41A9F6DE-760E-46B5-AA7F-6B21ECE88D72}"/>
+                <a16:creationId xmlns:a16="http://schemas.microsoft.com/office/drawing/2014/main" id="{8AAD7125-4480-47BD-9081-313359043913}"/>
               </a:ext>
             </a:extLst>
           </p:cNvPr>
@@ -12115,7 +12153,7 @@
           <a:p>
             <a:r>
               <a:rPr lang="fr-FR" dirty="0"/>
-              <a:t>Phase de Test – Algorithme </a:t>
+              <a:t>Phase de test</a:t>
             </a:r>
           </a:p>
         </p:txBody>
@@ -12125,7 +12163,7 @@
           <p:cNvPr id="3" name="Espace réservé du texte 2">
             <a:extLst>
               <a:ext uri="{FF2B5EF4-FFF2-40B4-BE49-F238E27FC236}">
-                <a16:creationId xmlns:a16="http://schemas.microsoft.com/office/drawing/2014/main" id="{F5314366-05C4-4A76-81FA-C8B251BAB1D0}"/>
+                <a16:creationId xmlns:a16="http://schemas.microsoft.com/office/drawing/2014/main" id="{69F57DF0-89D9-44E1-80CC-5E792B9375BD}"/>
               </a:ext>
             </a:extLst>
           </p:cNvPr>
@@ -12143,7 +12181,7 @@
           <a:p>
             <a:r>
               <a:rPr lang="fr-FR" dirty="0"/>
-              <a:t>Lancement de la question</a:t>
+              <a:t>Préparation du test</a:t>
             </a:r>
           </a:p>
         </p:txBody>
@@ -12153,7 +12191,7 @@
           <p:cNvPr id="4" name="Espace réservé du contenu 3">
             <a:extLst>
               <a:ext uri="{FF2B5EF4-FFF2-40B4-BE49-F238E27FC236}">
-                <a16:creationId xmlns:a16="http://schemas.microsoft.com/office/drawing/2014/main" id="{DF3241E0-D492-42A5-BD9E-8B204CD25259}"/>
+                <a16:creationId xmlns:a16="http://schemas.microsoft.com/office/drawing/2014/main" id="{47139C83-C9F1-4028-9252-3D37C0E4E3FA}"/>
               </a:ext>
             </a:extLst>
           </p:cNvPr>
@@ -12172,40 +12210,27 @@
           <a:lstStyle/>
           <a:p>
             <a:r>
-              <a:rPr lang="fr-FR" sz="2200" dirty="0"/>
-              <a:t>Utilisation des évènements pour récupérer la réponse </a:t>
-            </a:r>
-          </a:p>
-          <a:p>
-            <a:r>
-              <a:rPr lang="fr-FR" sz="2200" dirty="0"/>
-              <a:t>Comparaison de la réponse avec notre script de génération automatique de réponse</a:t>
-            </a:r>
-          </a:p>
-          <a:p>
-            <a:r>
-              <a:rPr lang="fr-FR" sz="2200" dirty="0"/>
-              <a:t>Enregistrement des résultats et affichage sur la tablette </a:t>
-            </a:r>
-          </a:p>
-          <a:p>
-            <a:r>
-              <a:rPr lang="fr-FR" sz="2200" dirty="0"/>
-              <a:t>Temporisation faible entre chaque question (&lt; 3s)</a:t>
-            </a:r>
-          </a:p>
-          <a:p>
-            <a:pPr lvl="1">
-              <a:buFont typeface="Wingdings" panose="05000000000000000000" pitchFamily="2" charset="2"/>
-              <a:buChar char="ü"/>
-            </a:pPr>
-            <a:r>
-              <a:rPr lang="fr-FR" sz="1800" dirty="0">
-                <a:hlinkClick r:id="rId2"/>
-              </a:rPr>
-              <a:t>Vidéo de Tests IHM Pepper</a:t>
-            </a:r>
-            <a:endParaRPr lang="fr-FR" sz="1800" dirty="0"/>
+              <a:rPr lang="fr-FR" sz="2400" dirty="0"/>
+              <a:t>Chargement d’un fichier .top de test généré par une des deux approches (mots clefs ou dynamique)</a:t>
+            </a:r>
+          </a:p>
+          <a:p>
+            <a:r>
+              <a:rPr lang="fr-FR" sz="2400" dirty="0"/>
+              <a:t>Ensemble des questions enregistrées dans un fichier .txt</a:t>
+            </a:r>
+          </a:p>
+          <a:p>
+            <a:r>
+              <a:rPr lang="fr-FR" sz="2400" dirty="0"/>
+              <a:t>Appel au logiciel balcon pour poser la question </a:t>
+            </a:r>
+          </a:p>
+          <a:p>
+            <a:r>
+              <a:rPr lang="fr-FR" sz="2400" dirty="0"/>
+              <a:t>Connexion au Pepper </a:t>
+            </a:r>
           </a:p>
           <a:p>
             <a:endParaRPr lang="fr-FR" dirty="0"/>
@@ -12215,7 +12240,7 @@
     </p:spTree>
     <p:extLst>
       <p:ext uri="{BB962C8B-B14F-4D97-AF65-F5344CB8AC3E}">
-        <p14:creationId xmlns:p14="http://schemas.microsoft.com/office/powerpoint/2010/main" val="554625126"/>
+        <p14:creationId xmlns:p14="http://schemas.microsoft.com/office/powerpoint/2010/main" val="3916396202"/>
       </p:ext>
     </p:extLst>
   </p:cSld>
@@ -12247,7 +12272,7 @@
           <p:cNvPr id="2" name="Titre 1">
             <a:extLst>
               <a:ext uri="{FF2B5EF4-FFF2-40B4-BE49-F238E27FC236}">
-                <a16:creationId xmlns:a16="http://schemas.microsoft.com/office/drawing/2014/main" id="{6CA294AB-36EE-442C-977C-ACC9BCD37340}"/>
+                <a16:creationId xmlns:a16="http://schemas.microsoft.com/office/drawing/2014/main" id="{41A9F6DE-760E-46B5-AA7F-6B21ECE88D72}"/>
               </a:ext>
             </a:extLst>
           </p:cNvPr>
@@ -12265,7 +12290,7 @@
           <a:p>
             <a:r>
               <a:rPr lang="fr-FR" dirty="0"/>
-              <a:t>Bilan personnel – Guillaume BERTHELON </a:t>
+              <a:t>Phase de Test – Algorithme </a:t>
             </a:r>
           </a:p>
         </p:txBody>
@@ -12275,7 +12300,7 @@
           <p:cNvPr id="3" name="Espace réservé du texte 2">
             <a:extLst>
               <a:ext uri="{FF2B5EF4-FFF2-40B4-BE49-F238E27FC236}">
-                <a16:creationId xmlns:a16="http://schemas.microsoft.com/office/drawing/2014/main" id="{C29F7321-27E5-4F26-A662-54F5D5FBFC88}"/>
+                <a16:creationId xmlns:a16="http://schemas.microsoft.com/office/drawing/2014/main" id="{F5314366-05C4-4A76-81FA-C8B251BAB1D0}"/>
               </a:ext>
             </a:extLst>
           </p:cNvPr>
@@ -12286,19 +12311,14 @@
             <p:ph type="body" idx="1"/>
           </p:nvPr>
         </p:nvSpPr>
-        <p:spPr>
-          <a:xfrm>
-            <a:off x="293251" y="1574499"/>
-            <a:ext cx="3143633" cy="518620"/>
-          </a:xfrm>
-        </p:spPr>
+        <p:spPr/>
         <p:txBody>
           <a:bodyPr/>
           <a:lstStyle/>
           <a:p>
             <a:r>
               <a:rPr lang="fr-FR" dirty="0"/>
-              <a:t>Tâches principales </a:t>
+              <a:t>Lancement de la question</a:t>
             </a:r>
           </a:p>
         </p:txBody>
@@ -12308,7 +12328,7 @@
           <p:cNvPr id="4" name="Espace réservé du contenu 3">
             <a:extLst>
               <a:ext uri="{FF2B5EF4-FFF2-40B4-BE49-F238E27FC236}">
-                <a16:creationId xmlns:a16="http://schemas.microsoft.com/office/drawing/2014/main" id="{1A1E2842-46BE-4FF8-89CB-BDFBD11FE6DA}"/>
+                <a16:creationId xmlns:a16="http://schemas.microsoft.com/office/drawing/2014/main" id="{DF3241E0-D492-42A5-BD9E-8B204CD25259}"/>
               </a:ext>
             </a:extLst>
           </p:cNvPr>
@@ -12319,88 +12339,58 @@
             <p:ph sz="half" idx="2"/>
           </p:nvPr>
         </p:nvSpPr>
-        <p:spPr>
-          <a:xfrm>
-            <a:off x="293251" y="2107242"/>
-            <a:ext cx="3631168" cy="3684588"/>
-          </a:xfrm>
-        </p:spPr>
+        <p:spPr/>
         <p:txBody>
-          <a:bodyPr/>
+          <a:bodyPr>
+            <a:normAutofit/>
+          </a:bodyPr>
           <a:lstStyle/>
+          <a:p>
+            <a:r>
+              <a:rPr lang="fr-FR" sz="2200" dirty="0"/>
+              <a:t>Utilisation des évènements pour récupérer la réponse </a:t>
+            </a:r>
+          </a:p>
+          <a:p>
+            <a:r>
+              <a:rPr lang="fr-FR" sz="2200" dirty="0"/>
+              <a:t>Comparaison de la réponse avec notre script de génération automatique de réponse</a:t>
+            </a:r>
+          </a:p>
+          <a:p>
+            <a:r>
+              <a:rPr lang="fr-FR" sz="2200" dirty="0"/>
+              <a:t>Enregistrement des résultats et affichage sur la tablette </a:t>
+            </a:r>
+          </a:p>
+          <a:p>
+            <a:r>
+              <a:rPr lang="fr-FR" sz="2200" dirty="0"/>
+              <a:t>Temporisation faible entre chaque question (&lt; 3s)</a:t>
+            </a:r>
+          </a:p>
+          <a:p>
+            <a:pPr lvl="1">
+              <a:buFont typeface="Wingdings" panose="05000000000000000000" pitchFamily="2" charset="2"/>
+              <a:buChar char="ü"/>
+            </a:pPr>
+            <a:r>
+              <a:rPr lang="fr-FR" sz="1800" dirty="0">
+                <a:hlinkClick r:id="rId2"/>
+              </a:rPr>
+              <a:t>Vidéo de Tests IHM Pepper</a:t>
+            </a:r>
+            <a:endParaRPr lang="fr-FR" sz="1800" dirty="0"/>
+          </a:p>
           <a:p>
             <a:endParaRPr lang="fr-FR" dirty="0"/>
           </a:p>
         </p:txBody>
       </p:sp>
-      <p:sp>
-        <p:nvSpPr>
-          <p:cNvPr id="5" name="Espace réservé du texte 4">
-            <a:extLst>
-              <a:ext uri="{FF2B5EF4-FFF2-40B4-BE49-F238E27FC236}">
-                <a16:creationId xmlns:a16="http://schemas.microsoft.com/office/drawing/2014/main" id="{8D52A8DD-5C61-4098-A25C-CF45E7F9BE7A}"/>
-              </a:ext>
-            </a:extLst>
-          </p:cNvPr>
-          <p:cNvSpPr>
-            <a:spLocks noGrp="1"/>
-          </p:cNvSpPr>
-          <p:nvPr>
-            <p:ph type="body" sz="quarter" idx="3"/>
-          </p:nvPr>
-        </p:nvSpPr>
-        <p:spPr>
-          <a:xfrm>
-            <a:off x="4026776" y="1269207"/>
-            <a:ext cx="4138448" cy="823912"/>
-          </a:xfrm>
-        </p:spPr>
-        <p:txBody>
-          <a:bodyPr/>
-          <a:lstStyle/>
-          <a:p>
-            <a:r>
-              <a:rPr lang="fr-FR" dirty="0"/>
-              <a:t>Répartition du temps de travail</a:t>
-            </a:r>
-          </a:p>
-        </p:txBody>
-      </p:sp>
-      <p:graphicFrame>
-        <p:nvGraphicFramePr>
-          <p:cNvPr id="11" name="Espace réservé du contenu 10">
-            <a:extLst>
-              <a:ext uri="{FF2B5EF4-FFF2-40B4-BE49-F238E27FC236}">
-                <a16:creationId xmlns:a16="http://schemas.microsoft.com/office/drawing/2014/main" id="{280206B7-FEB6-4209-81ED-4CFF05EEC113}"/>
-              </a:ext>
-            </a:extLst>
-          </p:cNvPr>
-          <p:cNvGraphicFramePr>
-            <a:graphicFrameLocks noGrp="1"/>
-          </p:cNvGraphicFramePr>
-          <p:nvPr>
-            <p:ph sz="quarter" idx="4"/>
-            <p:extLst>
-              <p:ext uri="{D42A27DB-BD31-4B8C-83A1-F6EECF244321}">
-                <p14:modId xmlns:p14="http://schemas.microsoft.com/office/powerpoint/2010/main" val="359520863"/>
-              </p:ext>
-            </p:extLst>
-          </p:nvPr>
-        </p:nvGraphicFramePr>
-        <p:xfrm>
-          <a:off x="3924419" y="2093119"/>
-          <a:ext cx="3981450" cy="3684587"/>
-        </p:xfrm>
-        <a:graphic>
-          <a:graphicData uri="http://schemas.openxmlformats.org/drawingml/2006/chart">
-            <c:chart xmlns:c="http://schemas.openxmlformats.org/drawingml/2006/chart" xmlns:r="http://schemas.openxmlformats.org/officeDocument/2006/relationships" r:id="rId2"/>
-          </a:graphicData>
-        </a:graphic>
-      </p:graphicFrame>
     </p:spTree>
     <p:extLst>
       <p:ext uri="{BB962C8B-B14F-4D97-AF65-F5344CB8AC3E}">
-        <p14:creationId xmlns:p14="http://schemas.microsoft.com/office/powerpoint/2010/main" val="511420779"/>
+        <p14:creationId xmlns:p14="http://schemas.microsoft.com/office/powerpoint/2010/main" val="554625126"/>
       </p:ext>
     </p:extLst>
   </p:cSld>
@@ -12450,7 +12440,7 @@
           <a:p>
             <a:r>
               <a:rPr lang="fr-FR" dirty="0"/>
-              <a:t>Bilan personnel – Antoine D’AURE</a:t>
+              <a:t>Bilan personnel – Guillaume BERTHELON </a:t>
             </a:r>
           </a:p>
         </p:txBody>
@@ -12511,56 +12501,8 @@
           </a:xfrm>
         </p:spPr>
         <p:txBody>
-          <a:bodyPr>
-            <a:normAutofit/>
-          </a:bodyPr>
+          <a:bodyPr/>
           <a:lstStyle/>
-          <a:p>
-            <a:r>
-              <a:rPr lang="fr-FR" sz="2000" dirty="0"/>
-              <a:t>Prise en main de l’environnement (</a:t>
-            </a:r>
-            <a:r>
-              <a:rPr lang="fr-FR" sz="2000" dirty="0" err="1"/>
-              <a:t>Qichat</a:t>
-            </a:r>
-            <a:r>
-              <a:rPr lang="fr-FR" sz="2000" dirty="0"/>
-              <a:t>, </a:t>
-            </a:r>
-            <a:r>
-              <a:rPr lang="fr-FR" sz="2000" dirty="0" err="1"/>
-              <a:t>naoqi</a:t>
-            </a:r>
-            <a:r>
-              <a:rPr lang="fr-FR" sz="2000" dirty="0"/>
-              <a:t>)</a:t>
-            </a:r>
-          </a:p>
-          <a:p>
-            <a:r>
-              <a:rPr lang="fr-FR" sz="2000" dirty="0"/>
-              <a:t>Exploration de l’ensembles des questions possibles</a:t>
-            </a:r>
-          </a:p>
-          <a:p>
-            <a:r>
-              <a:rPr lang="fr-FR" sz="2000" dirty="0"/>
-              <a:t>Approche par mots clefs (dont gestion tablette)</a:t>
-            </a:r>
-          </a:p>
-          <a:p>
-            <a:r>
-              <a:rPr lang="fr-FR" sz="2000" dirty="0"/>
-              <a:t>Test &amp; analyse</a:t>
-            </a:r>
-          </a:p>
-          <a:p>
-            <a:r>
-              <a:rPr lang="fr-FR" sz="2000" dirty="0"/>
-              <a:t>Présentation et montage vidéos</a:t>
-            </a:r>
-          </a:p>
           <a:p>
             <a:endParaRPr lang="fr-FR" dirty="0"/>
           </a:p>
@@ -12601,10 +12543,10 @@
       </p:sp>
       <p:graphicFrame>
         <p:nvGraphicFramePr>
-          <p:cNvPr id="10" name="Espace réservé du contenu 9">
-            <a:extLst>
-              <a:ext uri="{FF2B5EF4-FFF2-40B4-BE49-F238E27FC236}">
-                <a16:creationId xmlns:a16="http://schemas.microsoft.com/office/drawing/2014/main" id="{A0EB8D74-92A5-48C7-B915-962ACDA8ABEE}"/>
+          <p:cNvPr id="11" name="Espace réservé du contenu 10">
+            <a:extLst>
+              <a:ext uri="{FF2B5EF4-FFF2-40B4-BE49-F238E27FC236}">
+                <a16:creationId xmlns:a16="http://schemas.microsoft.com/office/drawing/2014/main" id="{280206B7-FEB6-4209-81ED-4CFF05EEC113}"/>
               </a:ext>
             </a:extLst>
           </p:cNvPr>
@@ -12615,14 +12557,14 @@
             <p:ph sz="quarter" idx="4"/>
             <p:extLst>
               <p:ext uri="{D42A27DB-BD31-4B8C-83A1-F6EECF244321}">
-                <p14:modId xmlns:p14="http://schemas.microsoft.com/office/powerpoint/2010/main" val="3406832117"/>
+                <p14:modId xmlns:p14="http://schemas.microsoft.com/office/powerpoint/2010/main" val="359520863"/>
               </p:ext>
             </p:extLst>
           </p:nvPr>
         </p:nvGraphicFramePr>
         <p:xfrm>
-          <a:off x="3571281" y="2325035"/>
-          <a:ext cx="5049438" cy="3883349"/>
+          <a:off x="3924419" y="2093119"/>
+          <a:ext cx="3981450" cy="3684587"/>
         </p:xfrm>
         <a:graphic>
           <a:graphicData uri="http://schemas.openxmlformats.org/drawingml/2006/chart">
@@ -12633,7 +12575,7 @@
     </p:spTree>
     <p:extLst>
       <p:ext uri="{BB962C8B-B14F-4D97-AF65-F5344CB8AC3E}">
-        <p14:creationId xmlns:p14="http://schemas.microsoft.com/office/powerpoint/2010/main" val="3790482036"/>
+        <p14:creationId xmlns:p14="http://schemas.microsoft.com/office/powerpoint/2010/main" val="511420779"/>
       </p:ext>
     </p:extLst>
   </p:cSld>
@@ -12676,19 +12618,14 @@
             <p:ph type="title"/>
           </p:nvPr>
         </p:nvSpPr>
-        <p:spPr>
-          <a:xfrm>
-            <a:off x="839788" y="378377"/>
-            <a:ext cx="10515600" cy="1325563"/>
-          </a:xfrm>
-        </p:spPr>
+        <p:spPr/>
         <p:txBody>
           <a:bodyPr/>
           <a:lstStyle/>
           <a:p>
             <a:r>
               <a:rPr lang="fr-FR" dirty="0"/>
-              <a:t>Bilan personnel – Alexis MAIRE</a:t>
+              <a:t>Bilan personnel – Antoine D’AURE</a:t>
             </a:r>
           </a:p>
         </p:txBody>
@@ -12756,37 +12693,47 @@
           <a:p>
             <a:r>
               <a:rPr lang="fr-FR" sz="2000" dirty="0"/>
-              <a:t>Prise en main de l’environnement</a:t>
-            </a:r>
-          </a:p>
-          <a:p>
+              <a:t>Prise en main de l’environnement (</a:t>
+            </a:r>
+            <a:r>
+              <a:rPr lang="fr-FR" sz="2000" dirty="0" err="1"/>
+              <a:t>Qichat</a:t>
+            </a:r>
             <a:r>
               <a:rPr lang="fr-FR" sz="2000" dirty="0"/>
-              <a:t>Exploration de l’ensemble de questions</a:t>
-            </a:r>
-          </a:p>
-          <a:p>
+              <a:t>, </a:t>
+            </a:r>
+            <a:r>
+              <a:rPr lang="fr-FR" sz="2000" dirty="0" err="1"/>
+              <a:t>naoqi</a:t>
+            </a:r>
             <a:r>
               <a:rPr lang="fr-FR" sz="2000" dirty="0"/>
-              <a:t>Génération de l’ensemble des questions</a:t>
+              <a:t>)</a:t>
             </a:r>
           </a:p>
           <a:p>
             <a:r>
               <a:rPr lang="fr-FR" sz="2000" dirty="0"/>
-              <a:t>Approche par mots clefs</a:t>
+              <a:t>Exploration de l’ensembles des questions possibles</a:t>
             </a:r>
           </a:p>
           <a:p>
             <a:r>
               <a:rPr lang="fr-FR" sz="2000" dirty="0"/>
-              <a:t>Tests et analyse de résultats</a:t>
+              <a:t>Approche par mots clefs (dont gestion tablette)</a:t>
             </a:r>
           </a:p>
           <a:p>
             <a:r>
               <a:rPr lang="fr-FR" sz="2000" dirty="0"/>
-              <a:t>Présentation finale</a:t>
+              <a:t>Test &amp; analyse</a:t>
+            </a:r>
+          </a:p>
+          <a:p>
+            <a:r>
+              <a:rPr lang="fr-FR" sz="2000" dirty="0"/>
+              <a:t>Présentation et montage vidéos</a:t>
             </a:r>
           </a:p>
           <a:p>
@@ -12829,10 +12776,10 @@
       </p:sp>
       <p:graphicFrame>
         <p:nvGraphicFramePr>
-          <p:cNvPr id="11" name="Espace réservé du contenu 10">
-            <a:extLst>
-              <a:ext uri="{FF2B5EF4-FFF2-40B4-BE49-F238E27FC236}">
-                <a16:creationId xmlns:a16="http://schemas.microsoft.com/office/drawing/2014/main" id="{280206B7-FEB6-4209-81ED-4CFF05EEC113}"/>
+          <p:cNvPr id="10" name="Espace réservé du contenu 9">
+            <a:extLst>
+              <a:ext uri="{FF2B5EF4-FFF2-40B4-BE49-F238E27FC236}">
+                <a16:creationId xmlns:a16="http://schemas.microsoft.com/office/drawing/2014/main" id="{A0EB8D74-92A5-48C7-B915-962ACDA8ABEE}"/>
               </a:ext>
             </a:extLst>
           </p:cNvPr>
@@ -12843,14 +12790,14 @@
             <p:ph sz="quarter" idx="4"/>
             <p:extLst>
               <p:ext uri="{D42A27DB-BD31-4B8C-83A1-F6EECF244321}">
-                <p14:modId xmlns:p14="http://schemas.microsoft.com/office/powerpoint/2010/main" val="501633345"/>
+                <p14:modId xmlns:p14="http://schemas.microsoft.com/office/powerpoint/2010/main" val="3406832117"/>
               </p:ext>
             </p:extLst>
           </p:nvPr>
         </p:nvGraphicFramePr>
         <p:xfrm>
-          <a:off x="3924418" y="2432370"/>
-          <a:ext cx="4472822" cy="3907470"/>
+          <a:off x="3571281" y="2325035"/>
+          <a:ext cx="5049438" cy="3883349"/>
         </p:xfrm>
         <a:graphic>
           <a:graphicData uri="http://schemas.openxmlformats.org/drawingml/2006/chart">
@@ -12861,7 +12808,7 @@
     </p:spTree>
     <p:extLst>
       <p:ext uri="{BB962C8B-B14F-4D97-AF65-F5344CB8AC3E}">
-        <p14:creationId xmlns:p14="http://schemas.microsoft.com/office/powerpoint/2010/main" val="281898874"/>
+        <p14:creationId xmlns:p14="http://schemas.microsoft.com/office/powerpoint/2010/main" val="3790482036"/>
       </p:ext>
     </p:extLst>
   </p:cSld>
@@ -13127,14 +13074,19 @@
             <p:ph type="title"/>
           </p:nvPr>
         </p:nvSpPr>
-        <p:spPr/>
+        <p:spPr>
+          <a:xfrm>
+            <a:off x="839788" y="378377"/>
+            <a:ext cx="10515600" cy="1325563"/>
+          </a:xfrm>
+        </p:spPr>
         <p:txBody>
           <a:bodyPr/>
           <a:lstStyle/>
           <a:p>
             <a:r>
               <a:rPr lang="fr-FR" dirty="0"/>
-              <a:t>Bilan personnel – Timothée OLIVES</a:t>
+              <a:t>Bilan personnel – Alexis MAIRE</a:t>
             </a:r>
           </a:p>
         </p:txBody>
@@ -13195,8 +13147,46 @@
           </a:xfrm>
         </p:spPr>
         <p:txBody>
-          <a:bodyPr/>
+          <a:bodyPr>
+            <a:normAutofit/>
+          </a:bodyPr>
           <a:lstStyle/>
+          <a:p>
+            <a:r>
+              <a:rPr lang="fr-FR" sz="2000" dirty="0"/>
+              <a:t>Prise en main de l’environnement</a:t>
+            </a:r>
+          </a:p>
+          <a:p>
+            <a:r>
+              <a:rPr lang="fr-FR" sz="2000" dirty="0"/>
+              <a:t>Exploration de l’ensemble de questions</a:t>
+            </a:r>
+          </a:p>
+          <a:p>
+            <a:r>
+              <a:rPr lang="fr-FR" sz="2000" dirty="0"/>
+              <a:t>Génération de l’ensemble des questions</a:t>
+            </a:r>
+          </a:p>
+          <a:p>
+            <a:r>
+              <a:rPr lang="fr-FR" sz="2000" dirty="0"/>
+              <a:t>Approche par mots clefs</a:t>
+            </a:r>
+          </a:p>
+          <a:p>
+            <a:r>
+              <a:rPr lang="fr-FR" sz="2000" dirty="0"/>
+              <a:t>Tests et analyse de résultats</a:t>
+            </a:r>
+          </a:p>
+          <a:p>
+            <a:r>
+              <a:rPr lang="fr-FR" sz="2000" dirty="0"/>
+              <a:t>Présentation finale</a:t>
+            </a:r>
+          </a:p>
           <a:p>
             <a:endParaRPr lang="fr-FR" dirty="0"/>
           </a:p>
@@ -13249,11 +13239,16 @@
           </p:cNvGraphicFramePr>
           <p:nvPr>
             <p:ph sz="quarter" idx="4"/>
+            <p:extLst>
+              <p:ext uri="{D42A27DB-BD31-4B8C-83A1-F6EECF244321}">
+                <p14:modId xmlns:p14="http://schemas.microsoft.com/office/powerpoint/2010/main" val="501633345"/>
+              </p:ext>
+            </p:extLst>
           </p:nvPr>
         </p:nvGraphicFramePr>
         <p:xfrm>
-          <a:off x="3924419" y="2093119"/>
-          <a:ext cx="3981450" cy="3684587"/>
+          <a:off x="3924418" y="2432370"/>
+          <a:ext cx="4472822" cy="3907470"/>
         </p:xfrm>
         <a:graphic>
           <a:graphicData uri="http://schemas.openxmlformats.org/drawingml/2006/chart">
@@ -13264,7 +13259,7 @@
     </p:spTree>
     <p:extLst>
       <p:ext uri="{BB962C8B-B14F-4D97-AF65-F5344CB8AC3E}">
-        <p14:creationId xmlns:p14="http://schemas.microsoft.com/office/powerpoint/2010/main" val="2001634516"/>
+        <p14:creationId xmlns:p14="http://schemas.microsoft.com/office/powerpoint/2010/main" val="281898874"/>
       </p:ext>
     </p:extLst>
   </p:cSld>
@@ -13314,7 +13309,7 @@
           <a:p>
             <a:r>
               <a:rPr lang="fr-FR" dirty="0"/>
-              <a:t>Bilan personnel – Tristan PARISELLE</a:t>
+              <a:t>Bilan personnel – Timothée OLIVES</a:t>
             </a:r>
           </a:p>
         </p:txBody>
@@ -13444,7 +13439,7 @@
     </p:spTree>
     <p:extLst>
       <p:ext uri="{BB962C8B-B14F-4D97-AF65-F5344CB8AC3E}">
-        <p14:creationId xmlns:p14="http://schemas.microsoft.com/office/powerpoint/2010/main" val="1102940249"/>
+        <p14:creationId xmlns:p14="http://schemas.microsoft.com/office/powerpoint/2010/main" val="2001634516"/>
       </p:ext>
     </p:extLst>
   </p:cSld>
@@ -13494,7 +13489,7 @@
           <a:p>
             <a:r>
               <a:rPr lang="fr-FR" dirty="0"/>
-              <a:t>Bilan personnel – Antoine PORTÉ</a:t>
+              <a:t>Bilan personnel – Tristan PARISELLE</a:t>
             </a:r>
           </a:p>
         </p:txBody>
@@ -13555,56 +13550,10 @@
           </a:xfrm>
         </p:spPr>
         <p:txBody>
-          <a:bodyPr>
-            <a:normAutofit/>
-          </a:bodyPr>
+          <a:bodyPr/>
           <a:lstStyle/>
           <a:p>
-            <a:r>
-              <a:rPr lang="fr-FR" sz="2000" dirty="0"/>
-              <a:t>Prise en main de l’environnement</a:t>
-            </a:r>
-          </a:p>
-          <a:p>
-            <a:r>
-              <a:rPr lang="fr-FR" sz="2000" dirty="0"/>
-              <a:t>Exploration de l’ensemble de questions</a:t>
-            </a:r>
-          </a:p>
-          <a:p>
-            <a:r>
-              <a:rPr lang="fr-FR" sz="2000" dirty="0"/>
-              <a:t>Création </a:t>
-            </a:r>
-            <a:r>
-              <a:rPr lang="fr-FR" sz="2000" dirty="0" err="1"/>
-              <a:t>Github</a:t>
-            </a:r>
-            <a:endParaRPr lang="fr-FR" sz="2000" dirty="0"/>
-          </a:p>
-          <a:p>
-            <a:r>
-              <a:rPr lang="fr-FR" sz="2000" dirty="0"/>
-              <a:t>Tablette</a:t>
-            </a:r>
-          </a:p>
-          <a:p>
-            <a:r>
-              <a:rPr lang="fr-FR" sz="2000" dirty="0"/>
-              <a:t>Mouvement du robot en fonction du son</a:t>
-            </a:r>
-          </a:p>
-          <a:p>
-            <a:r>
-              <a:rPr lang="fr-FR" sz="2000" dirty="0"/>
-              <a:t>Présentation finale</a:t>
-            </a:r>
-          </a:p>
-          <a:p>
-            <a:pPr marL="0" indent="0">
-              <a:buNone/>
-            </a:pPr>
-            <a:endParaRPr lang="fr-FR" sz="2000" dirty="0"/>
+            <a:endParaRPr lang="fr-FR" dirty="0"/>
           </a:p>
         </p:txBody>
       </p:sp>
@@ -13643,10 +13592,10 @@
       </p:sp>
       <p:graphicFrame>
         <p:nvGraphicFramePr>
-          <p:cNvPr id="9" name="Espace réservé du contenu 8">
-            <a:extLst>
-              <a:ext uri="{FF2B5EF4-FFF2-40B4-BE49-F238E27FC236}">
-                <a16:creationId xmlns:a16="http://schemas.microsoft.com/office/drawing/2014/main" id="{210E9348-331A-4D28-A85F-25FDC197CB73}"/>
+          <p:cNvPr id="11" name="Espace réservé du contenu 10">
+            <a:extLst>
+              <a:ext uri="{FF2B5EF4-FFF2-40B4-BE49-F238E27FC236}">
+                <a16:creationId xmlns:a16="http://schemas.microsoft.com/office/drawing/2014/main" id="{280206B7-FEB6-4209-81ED-4CFF05EEC113}"/>
               </a:ext>
             </a:extLst>
           </p:cNvPr>
@@ -13655,16 +13604,11 @@
           </p:cNvGraphicFramePr>
           <p:nvPr>
             <p:ph sz="quarter" idx="4"/>
-            <p:extLst>
-              <p:ext uri="{D42A27DB-BD31-4B8C-83A1-F6EECF244321}">
-                <p14:modId xmlns:p14="http://schemas.microsoft.com/office/powerpoint/2010/main" val="2108739031"/>
-              </p:ext>
-            </p:extLst>
           </p:nvPr>
         </p:nvGraphicFramePr>
         <p:xfrm>
-          <a:off x="3533503" y="2263393"/>
-          <a:ext cx="4137735" cy="3684587"/>
+          <a:off x="3924419" y="2093119"/>
+          <a:ext cx="3981450" cy="3684587"/>
         </p:xfrm>
         <a:graphic>
           <a:graphicData uri="http://schemas.openxmlformats.org/drawingml/2006/chart">
@@ -13675,7 +13619,7 @@
     </p:spTree>
     <p:extLst>
       <p:ext uri="{BB962C8B-B14F-4D97-AF65-F5344CB8AC3E}">
-        <p14:creationId xmlns:p14="http://schemas.microsoft.com/office/powerpoint/2010/main" val="848313315"/>
+        <p14:creationId xmlns:p14="http://schemas.microsoft.com/office/powerpoint/2010/main" val="1102940249"/>
       </p:ext>
     </p:extLst>
   </p:cSld>
@@ -13725,7 +13669,7 @@
           <a:p>
             <a:r>
               <a:rPr lang="fr-FR" dirty="0"/>
-              <a:t>Bilan personnel – Aurélien SAUNIER</a:t>
+              <a:t>Bilan personnel – Antoine PORTÉ</a:t>
             </a:r>
           </a:p>
         </p:txBody>
@@ -13781,8 +13725,8 @@
         </p:nvSpPr>
         <p:spPr>
           <a:xfrm>
-            <a:off x="293250" y="2093119"/>
-            <a:ext cx="3733525" cy="3684588"/>
+            <a:off x="293251" y="2107242"/>
+            <a:ext cx="3631168" cy="3684588"/>
           </a:xfrm>
         </p:spPr>
         <p:txBody>
@@ -13793,29 +13737,49 @@
           <a:p>
             <a:r>
               <a:rPr lang="fr-FR" sz="2000" dirty="0"/>
-              <a:t>Prise en main de l’environnement et notamment du fonctionnement des  évènements </a:t>
+              <a:t>Prise en main de l’environnement</a:t>
             </a:r>
           </a:p>
           <a:p>
             <a:r>
               <a:rPr lang="fr-FR" sz="2000" dirty="0"/>
-              <a:t>Développement du parseur CSV et des classes utilisées </a:t>
+              <a:t>Exploration de l’ensemble de questions</a:t>
             </a:r>
           </a:p>
           <a:p>
             <a:r>
               <a:rPr lang="fr-FR" sz="2000" dirty="0"/>
-              <a:t>Mise en place de la classe de test</a:t>
-            </a:r>
+              <a:t>Création </a:t>
+            </a:r>
+            <a:r>
+              <a:rPr lang="fr-FR" sz="2000" dirty="0" err="1"/>
+              <a:t>Github</a:t>
+            </a:r>
+            <a:endParaRPr lang="fr-FR" sz="2000" dirty="0"/>
           </a:p>
           <a:p>
             <a:r>
               <a:rPr lang="fr-FR" sz="2000" dirty="0"/>
-              <a:t>Test et récupération des résultats</a:t>
-            </a:r>
-          </a:p>
-          <a:p>
-            <a:endParaRPr lang="fr-FR" dirty="0"/>
+              <a:t>Tablette</a:t>
+            </a:r>
+          </a:p>
+          <a:p>
+            <a:r>
+              <a:rPr lang="fr-FR" sz="2000" dirty="0"/>
+              <a:t>Mouvement du robot en fonction du son</a:t>
+            </a:r>
+          </a:p>
+          <a:p>
+            <a:r>
+              <a:rPr lang="fr-FR" sz="2000" dirty="0"/>
+              <a:t>Présentation finale</a:t>
+            </a:r>
+          </a:p>
+          <a:p>
+            <a:pPr marL="0" indent="0">
+              <a:buNone/>
+            </a:pPr>
+            <a:endParaRPr lang="fr-FR" sz="2000" dirty="0"/>
           </a:p>
         </p:txBody>
       </p:sp>
@@ -13854,10 +13818,10 @@
       </p:sp>
       <p:graphicFrame>
         <p:nvGraphicFramePr>
-          <p:cNvPr id="11" name="Espace réservé du contenu 10">
-            <a:extLst>
-              <a:ext uri="{FF2B5EF4-FFF2-40B4-BE49-F238E27FC236}">
-                <a16:creationId xmlns:a16="http://schemas.microsoft.com/office/drawing/2014/main" id="{280206B7-FEB6-4209-81ED-4CFF05EEC113}"/>
+          <p:cNvPr id="9" name="Espace réservé du contenu 8">
+            <a:extLst>
+              <a:ext uri="{FF2B5EF4-FFF2-40B4-BE49-F238E27FC236}">
+                <a16:creationId xmlns:a16="http://schemas.microsoft.com/office/drawing/2014/main" id="{210E9348-331A-4D28-A85F-25FDC197CB73}"/>
               </a:ext>
             </a:extLst>
           </p:cNvPr>
@@ -13868,14 +13832,14 @@
             <p:ph sz="quarter" idx="4"/>
             <p:extLst>
               <p:ext uri="{D42A27DB-BD31-4B8C-83A1-F6EECF244321}">
-                <p14:modId xmlns:p14="http://schemas.microsoft.com/office/powerpoint/2010/main" val="2250247060"/>
+                <p14:modId xmlns:p14="http://schemas.microsoft.com/office/powerpoint/2010/main" val="2108739031"/>
               </p:ext>
             </p:extLst>
           </p:nvPr>
         </p:nvGraphicFramePr>
         <p:xfrm>
-          <a:off x="3924419" y="2093119"/>
-          <a:ext cx="3981450" cy="3684587"/>
+          <a:off x="3533503" y="2263393"/>
+          <a:ext cx="4137735" cy="3684587"/>
         </p:xfrm>
         <a:graphic>
           <a:graphicData uri="http://schemas.openxmlformats.org/drawingml/2006/chart">
@@ -13886,7 +13850,7 @@
     </p:spTree>
     <p:extLst>
       <p:ext uri="{BB962C8B-B14F-4D97-AF65-F5344CB8AC3E}">
-        <p14:creationId xmlns:p14="http://schemas.microsoft.com/office/powerpoint/2010/main" val="3762136781"/>
+        <p14:creationId xmlns:p14="http://schemas.microsoft.com/office/powerpoint/2010/main" val="848313315"/>
       </p:ext>
     </p:extLst>
   </p:cSld>
@@ -13936,7 +13900,7 @@
           <a:p>
             <a:r>
               <a:rPr lang="fr-FR" dirty="0"/>
-              <a:t>Bilan de groupe</a:t>
+              <a:t>Bilan personnel – Aurélien SAUNIER</a:t>
             </a:r>
           </a:p>
         </p:txBody>
@@ -13957,14 +13921,19 @@
             <p:ph type="body" idx="1"/>
           </p:nvPr>
         </p:nvSpPr>
-        <p:spPr/>
+        <p:spPr>
+          <a:xfrm>
+            <a:off x="293251" y="1574499"/>
+            <a:ext cx="3143633" cy="518620"/>
+          </a:xfrm>
+        </p:spPr>
         <p:txBody>
           <a:bodyPr/>
           <a:lstStyle/>
           <a:p>
             <a:r>
               <a:rPr lang="fr-FR" dirty="0"/>
-              <a:t>Mise en situation équipe d’ingénieur de développements</a:t>
+              <a:t>Tâches principales </a:t>
             </a:r>
           </a:p>
         </p:txBody>
@@ -13985,35 +13954,43 @@
             <p:ph sz="half" idx="2"/>
           </p:nvPr>
         </p:nvSpPr>
-        <p:spPr/>
+        <p:spPr>
+          <a:xfrm>
+            <a:off x="293250" y="2093119"/>
+            <a:ext cx="3733525" cy="3684588"/>
+          </a:xfrm>
+        </p:spPr>
         <p:txBody>
-          <a:bodyPr/>
+          <a:bodyPr>
+            <a:normAutofit/>
+          </a:bodyPr>
           <a:lstStyle/>
           <a:p>
             <a:r>
-              <a:rPr lang="fr-FR" dirty="0"/>
-              <a:t>Lundi : </a:t>
-            </a:r>
-          </a:p>
-          <a:p>
-            <a:pPr lvl="1"/>
-            <a:r>
-              <a:rPr lang="fr-FR" dirty="0"/>
-              <a:t>Compte rendu de la semaine passée</a:t>
-            </a:r>
-          </a:p>
-          <a:p>
-            <a:pPr lvl="1"/>
-            <a:r>
-              <a:rPr lang="fr-FR" dirty="0"/>
-              <a:t>Répartition des taches de la semaine à venir</a:t>
-            </a:r>
-          </a:p>
-          <a:p>
-            <a:r>
-              <a:rPr lang="fr-FR" dirty="0"/>
-              <a:t>Bonne entente et répartition des taches</a:t>
-            </a:r>
+              <a:rPr lang="fr-FR" sz="2000" dirty="0"/>
+              <a:t>Prise en main de l’environnement et notamment du fonctionnement des  évènements </a:t>
+            </a:r>
+          </a:p>
+          <a:p>
+            <a:r>
+              <a:rPr lang="fr-FR" sz="2000" dirty="0"/>
+              <a:t>Développement du parseur CSV et des classes utilisées </a:t>
+            </a:r>
+          </a:p>
+          <a:p>
+            <a:r>
+              <a:rPr lang="fr-FR" sz="2000" dirty="0"/>
+              <a:t>Mise en place de la classe de test</a:t>
+            </a:r>
+          </a:p>
+          <a:p>
+            <a:r>
+              <a:rPr lang="fr-FR" sz="2000" dirty="0"/>
+              <a:t>Test et récupération des résultats</a:t>
+            </a:r>
+          </a:p>
+          <a:p>
+            <a:endParaRPr lang="fr-FR" dirty="0"/>
           </a:p>
         </p:txBody>
       </p:sp>
@@ -14035,8 +14012,8 @@
         </p:nvSpPr>
         <p:spPr>
           <a:xfrm>
-            <a:off x="6169024" y="1304450"/>
-            <a:ext cx="5183188" cy="823912"/>
+            <a:off x="4026776" y="1269207"/>
+            <a:ext cx="4138448" cy="823912"/>
           </a:xfrm>
         </p:spPr>
         <p:txBody>
@@ -14052,10 +14029,10 @@
       </p:sp>
       <p:graphicFrame>
         <p:nvGraphicFramePr>
-          <p:cNvPr id="17" name="Espace réservé du contenu 16">
-            <a:extLst>
-              <a:ext uri="{FF2B5EF4-FFF2-40B4-BE49-F238E27FC236}">
-                <a16:creationId xmlns:a16="http://schemas.microsoft.com/office/drawing/2014/main" id="{BFEB7FF6-4568-4721-8025-E7738259AAAD}"/>
+          <p:cNvPr id="11" name="Espace réservé du contenu 10">
+            <a:extLst>
+              <a:ext uri="{FF2B5EF4-FFF2-40B4-BE49-F238E27FC236}">
+                <a16:creationId xmlns:a16="http://schemas.microsoft.com/office/drawing/2014/main" id="{280206B7-FEB6-4209-81ED-4CFF05EEC113}"/>
               </a:ext>
             </a:extLst>
           </p:cNvPr>
@@ -14066,14 +14043,14 @@
             <p:ph sz="quarter" idx="4"/>
             <p:extLst>
               <p:ext uri="{D42A27DB-BD31-4B8C-83A1-F6EECF244321}">
-                <p14:modId xmlns:p14="http://schemas.microsoft.com/office/powerpoint/2010/main" val="2359721463"/>
+                <p14:modId xmlns:p14="http://schemas.microsoft.com/office/powerpoint/2010/main" val="2250247060"/>
               </p:ext>
             </p:extLst>
           </p:nvPr>
         </p:nvGraphicFramePr>
         <p:xfrm>
-          <a:off x="5782791" y="2505075"/>
-          <a:ext cx="5357813" cy="3987800"/>
+          <a:off x="3924419" y="2093119"/>
+          <a:ext cx="3981450" cy="3684587"/>
         </p:xfrm>
         <a:graphic>
           <a:graphicData uri="http://schemas.openxmlformats.org/drawingml/2006/chart">
@@ -14084,7 +14061,7 @@
     </p:spTree>
     <p:extLst>
       <p:ext uri="{BB962C8B-B14F-4D97-AF65-F5344CB8AC3E}">
-        <p14:creationId xmlns:p14="http://schemas.microsoft.com/office/powerpoint/2010/main" val="2894810776"/>
+        <p14:creationId xmlns:p14="http://schemas.microsoft.com/office/powerpoint/2010/main" val="3762136781"/>
       </p:ext>
     </p:extLst>
   </p:cSld>
@@ -14134,7 +14111,35 @@
           <a:p>
             <a:r>
               <a:rPr lang="fr-FR" dirty="0"/>
-              <a:t>Conclusion</a:t>
+              <a:t>Bilan de groupe</a:t>
+            </a:r>
+          </a:p>
+        </p:txBody>
+      </p:sp>
+      <p:sp>
+        <p:nvSpPr>
+          <p:cNvPr id="3" name="Espace réservé du texte 2">
+            <a:extLst>
+              <a:ext uri="{FF2B5EF4-FFF2-40B4-BE49-F238E27FC236}">
+                <a16:creationId xmlns:a16="http://schemas.microsoft.com/office/drawing/2014/main" id="{C29F7321-27E5-4F26-A662-54F5D5FBFC88}"/>
+              </a:ext>
+            </a:extLst>
+          </p:cNvPr>
+          <p:cNvSpPr>
+            <a:spLocks noGrp="1"/>
+          </p:cNvSpPr>
+          <p:nvPr>
+            <p:ph type="body" idx="1"/>
+          </p:nvPr>
+        </p:nvSpPr>
+        <p:spPr/>
+        <p:txBody>
+          <a:bodyPr/>
+          <a:lstStyle/>
+          <a:p>
+            <a:r>
+              <a:rPr lang="fr-FR" dirty="0"/>
+              <a:t>Mise en situation équipe d’ingénieur de développements</a:t>
             </a:r>
           </a:p>
         </p:txBody>
@@ -14155,71 +14160,106 @@
             <p:ph sz="half" idx="2"/>
           </p:nvPr>
         </p:nvSpPr>
+        <p:spPr/>
+        <p:txBody>
+          <a:bodyPr/>
+          <a:lstStyle/>
+          <a:p>
+            <a:r>
+              <a:rPr lang="fr-FR" dirty="0"/>
+              <a:t>Lundi : </a:t>
+            </a:r>
+          </a:p>
+          <a:p>
+            <a:pPr lvl="1"/>
+            <a:r>
+              <a:rPr lang="fr-FR" dirty="0"/>
+              <a:t>Compte rendu de la semaine passée</a:t>
+            </a:r>
+          </a:p>
+          <a:p>
+            <a:pPr lvl="1"/>
+            <a:r>
+              <a:rPr lang="fr-FR" dirty="0"/>
+              <a:t>Répartition des taches de la semaine à venir</a:t>
+            </a:r>
+          </a:p>
+          <a:p>
+            <a:r>
+              <a:rPr lang="fr-FR" dirty="0"/>
+              <a:t>Bonne entente et répartition des taches</a:t>
+            </a:r>
+          </a:p>
+        </p:txBody>
+      </p:sp>
+      <p:sp>
+        <p:nvSpPr>
+          <p:cNvPr id="5" name="Espace réservé du texte 4">
+            <a:extLst>
+              <a:ext uri="{FF2B5EF4-FFF2-40B4-BE49-F238E27FC236}">
+                <a16:creationId xmlns:a16="http://schemas.microsoft.com/office/drawing/2014/main" id="{8D52A8DD-5C61-4098-A25C-CF45E7F9BE7A}"/>
+              </a:ext>
+            </a:extLst>
+          </p:cNvPr>
+          <p:cNvSpPr>
+            <a:spLocks noGrp="1"/>
+          </p:cNvSpPr>
+          <p:nvPr>
+            <p:ph type="body" sz="quarter" idx="3"/>
+          </p:nvPr>
+        </p:nvSpPr>
         <p:spPr>
           <a:xfrm>
-            <a:off x="839788" y="1690688"/>
-            <a:ext cx="5157787" cy="4498975"/>
+            <a:off x="6169024" y="1304450"/>
+            <a:ext cx="5183188" cy="823912"/>
           </a:xfrm>
         </p:spPr>
         <p:txBody>
-          <a:bodyPr>
-            <a:normAutofit/>
-          </a:bodyPr>
+          <a:bodyPr/>
           <a:lstStyle/>
           <a:p>
             <a:r>
               <a:rPr lang="fr-FR" dirty="0"/>
-              <a:t>Réponse au cahier des charges :</a:t>
-            </a:r>
-          </a:p>
-          <a:p>
-            <a:pPr lvl="1"/>
-            <a:r>
-              <a:rPr lang="fr-FR" dirty="0"/>
-              <a:t>Test de « speech recognition »</a:t>
-            </a:r>
-          </a:p>
-          <a:p>
-            <a:pPr lvl="1"/>
-            <a:endParaRPr lang="fr-FR" dirty="0"/>
-          </a:p>
-          <a:p>
-            <a:r>
-              <a:rPr lang="fr-FR" dirty="0"/>
-              <a:t>Résultats satisfaisants :</a:t>
-            </a:r>
-          </a:p>
-          <a:p>
-            <a:pPr lvl="1"/>
-            <a:r>
-              <a:rPr lang="fr-FR" dirty="0"/>
-              <a:t>10% d’erreur sur tests approche par mots clefs (1h de test/300 questions précises)</a:t>
-            </a:r>
-          </a:p>
-          <a:p>
-            <a:pPr lvl="1"/>
-            <a:r>
-              <a:rPr lang="fr-FR" dirty="0"/>
-              <a:t>Très bon résultats avec voix synthétique (</a:t>
-            </a:r>
-            <a:r>
-              <a:rPr lang="fr-FR" dirty="0" err="1"/>
-              <a:t>Zira</a:t>
-            </a:r>
-            <a:r>
-              <a:rPr lang="fr-FR" dirty="0"/>
-              <a:t>), plus complexe avec voix humaines</a:t>
-            </a:r>
-          </a:p>
-          <a:p>
-            <a:endParaRPr lang="fr-FR" dirty="0"/>
+              <a:t>Répartition du temps de travail</a:t>
+            </a:r>
           </a:p>
         </p:txBody>
       </p:sp>
+      <p:graphicFrame>
+        <p:nvGraphicFramePr>
+          <p:cNvPr id="17" name="Espace réservé du contenu 16">
+            <a:extLst>
+              <a:ext uri="{FF2B5EF4-FFF2-40B4-BE49-F238E27FC236}">
+                <a16:creationId xmlns:a16="http://schemas.microsoft.com/office/drawing/2014/main" id="{BFEB7FF6-4568-4721-8025-E7738259AAAD}"/>
+              </a:ext>
+            </a:extLst>
+          </p:cNvPr>
+          <p:cNvGraphicFramePr>
+            <a:graphicFrameLocks noGrp="1"/>
+          </p:cNvGraphicFramePr>
+          <p:nvPr>
+            <p:ph sz="quarter" idx="4"/>
+            <p:extLst>
+              <p:ext uri="{D42A27DB-BD31-4B8C-83A1-F6EECF244321}">
+                <p14:modId xmlns:p14="http://schemas.microsoft.com/office/powerpoint/2010/main" val="2359721463"/>
+              </p:ext>
+            </p:extLst>
+          </p:nvPr>
+        </p:nvGraphicFramePr>
+        <p:xfrm>
+          <a:off x="5782791" y="2505075"/>
+          <a:ext cx="5357813" cy="3987800"/>
+        </p:xfrm>
+        <a:graphic>
+          <a:graphicData uri="http://schemas.openxmlformats.org/drawingml/2006/chart">
+            <c:chart xmlns:c="http://schemas.openxmlformats.org/drawingml/2006/chart" xmlns:r="http://schemas.openxmlformats.org/officeDocument/2006/relationships" r:id="rId2"/>
+          </a:graphicData>
+        </a:graphic>
+      </p:graphicFrame>
     </p:spTree>
     <p:extLst>
       <p:ext uri="{BB962C8B-B14F-4D97-AF65-F5344CB8AC3E}">
-        <p14:creationId xmlns:p14="http://schemas.microsoft.com/office/powerpoint/2010/main" val="2992047838"/>
+        <p14:creationId xmlns:p14="http://schemas.microsoft.com/office/powerpoint/2010/main" val="2894810776"/>
       </p:ext>
     </p:extLst>
   </p:cSld>
@@ -14251,6 +14291,141 @@
           <p:cNvPr id="2" name="Titre 1">
             <a:extLst>
               <a:ext uri="{FF2B5EF4-FFF2-40B4-BE49-F238E27FC236}">
+                <a16:creationId xmlns:a16="http://schemas.microsoft.com/office/drawing/2014/main" id="{6CA294AB-36EE-442C-977C-ACC9BCD37340}"/>
+              </a:ext>
+            </a:extLst>
+          </p:cNvPr>
+          <p:cNvSpPr>
+            <a:spLocks noGrp="1"/>
+          </p:cNvSpPr>
+          <p:nvPr>
+            <p:ph type="title"/>
+          </p:nvPr>
+        </p:nvSpPr>
+        <p:spPr/>
+        <p:txBody>
+          <a:bodyPr/>
+          <a:lstStyle/>
+          <a:p>
+            <a:r>
+              <a:rPr lang="fr-FR" dirty="0"/>
+              <a:t>Conclusion</a:t>
+            </a:r>
+          </a:p>
+        </p:txBody>
+      </p:sp>
+      <p:sp>
+        <p:nvSpPr>
+          <p:cNvPr id="4" name="Espace réservé du contenu 3">
+            <a:extLst>
+              <a:ext uri="{FF2B5EF4-FFF2-40B4-BE49-F238E27FC236}">
+                <a16:creationId xmlns:a16="http://schemas.microsoft.com/office/drawing/2014/main" id="{1A1E2842-46BE-4FF8-89CB-BDFBD11FE6DA}"/>
+              </a:ext>
+            </a:extLst>
+          </p:cNvPr>
+          <p:cNvSpPr>
+            <a:spLocks noGrp="1"/>
+          </p:cNvSpPr>
+          <p:nvPr>
+            <p:ph sz="half" idx="2"/>
+          </p:nvPr>
+        </p:nvSpPr>
+        <p:spPr>
+          <a:xfrm>
+            <a:off x="839788" y="1690688"/>
+            <a:ext cx="5157787" cy="4498975"/>
+          </a:xfrm>
+        </p:spPr>
+        <p:txBody>
+          <a:bodyPr>
+            <a:normAutofit/>
+          </a:bodyPr>
+          <a:lstStyle/>
+          <a:p>
+            <a:r>
+              <a:rPr lang="fr-FR" dirty="0"/>
+              <a:t>Réponse au cahier des charges :</a:t>
+            </a:r>
+          </a:p>
+          <a:p>
+            <a:pPr lvl="1"/>
+            <a:r>
+              <a:rPr lang="fr-FR" dirty="0"/>
+              <a:t>Test de « speech recognition »</a:t>
+            </a:r>
+          </a:p>
+          <a:p>
+            <a:pPr lvl="1"/>
+            <a:endParaRPr lang="fr-FR" dirty="0"/>
+          </a:p>
+          <a:p>
+            <a:r>
+              <a:rPr lang="fr-FR" dirty="0"/>
+              <a:t>Résultats satisfaisants :</a:t>
+            </a:r>
+          </a:p>
+          <a:p>
+            <a:pPr lvl="1"/>
+            <a:r>
+              <a:rPr lang="fr-FR" dirty="0"/>
+              <a:t>10% d’erreur sur tests approche par mots clefs (1h de test/300 questions précises)</a:t>
+            </a:r>
+          </a:p>
+          <a:p>
+            <a:pPr lvl="1"/>
+            <a:r>
+              <a:rPr lang="fr-FR" dirty="0"/>
+              <a:t>Très bon résultats avec voix synthétique (</a:t>
+            </a:r>
+            <a:r>
+              <a:rPr lang="fr-FR" dirty="0" err="1"/>
+              <a:t>Zira</a:t>
+            </a:r>
+            <a:r>
+              <a:rPr lang="fr-FR" dirty="0"/>
+              <a:t>), plus complexe avec voix humaines</a:t>
+            </a:r>
+          </a:p>
+          <a:p>
+            <a:endParaRPr lang="fr-FR" dirty="0"/>
+          </a:p>
+        </p:txBody>
+      </p:sp>
+    </p:spTree>
+    <p:extLst>
+      <p:ext uri="{BB962C8B-B14F-4D97-AF65-F5344CB8AC3E}">
+        <p14:creationId xmlns:p14="http://schemas.microsoft.com/office/powerpoint/2010/main" val="2992047838"/>
+      </p:ext>
+    </p:extLst>
+  </p:cSld>
+  <p:clrMapOvr>
+    <a:masterClrMapping/>
+  </p:clrMapOvr>
+</p:sld>
+</file>
+
+<file path=ppt/slides/slide27.xml><?xml version="1.0" encoding="utf-8"?>
+<p:sld xmlns:a="http://schemas.openxmlformats.org/drawingml/2006/main" xmlns:r="http://schemas.openxmlformats.org/officeDocument/2006/relationships" xmlns:p="http://schemas.openxmlformats.org/presentationml/2006/main">
+  <p:cSld>
+    <p:spTree>
+      <p:nvGrpSpPr>
+        <p:cNvPr id="1" name=""/>
+        <p:cNvGrpSpPr/>
+        <p:nvPr/>
+      </p:nvGrpSpPr>
+      <p:grpSpPr>
+        <a:xfrm>
+          <a:off x="0" y="0"/>
+          <a:ext cx="0" cy="0"/>
+          <a:chOff x="0" y="0"/>
+          <a:chExt cx="0" cy="0"/>
+        </a:xfrm>
+      </p:grpSpPr>
+      <p:sp>
+        <p:nvSpPr>
+          <p:cNvPr id="2" name="Titre 1">
+            <a:extLst>
+              <a:ext uri="{FF2B5EF4-FFF2-40B4-BE49-F238E27FC236}">
                 <a16:creationId xmlns:a16="http://schemas.microsoft.com/office/drawing/2014/main" id="{98DF5D8C-8487-4A90-82EC-AE7F86B10B6F}"/>
               </a:ext>
             </a:extLst>
@@ -14387,7 +14562,7 @@
 </p:sld>
 </file>
 
-<file path=ppt/slides/slide27.xml><?xml version="1.0" encoding="utf-8"?>
+<file path=ppt/slides/slide28.xml><?xml version="1.0" encoding="utf-8"?>
 <p:sld xmlns:a="http://schemas.openxmlformats.org/drawingml/2006/main" xmlns:r="http://schemas.openxmlformats.org/officeDocument/2006/relationships" xmlns:p="http://schemas.openxmlformats.org/presentationml/2006/main">
   <p:cSld>
     <p:spTree>

--- a/Rapport/Diapo_ihm_pepper.pptx
+++ b/Rapport/Diapo_ihm_pepper.pptx
@@ -22,8 +22,8 @@
     <p:sldId id="283" r:id="rId10"/>
     <p:sldId id="284" r:id="rId11"/>
     <p:sldId id="285" r:id="rId12"/>
-    <p:sldId id="295" r:id="rId13"/>
-    <p:sldId id="296" r:id="rId14"/>
+    <p:sldId id="306" r:id="rId13"/>
+    <p:sldId id="305" r:id="rId14"/>
     <p:sldId id="297" r:id="rId15"/>
     <p:sldId id="292" r:id="rId16"/>
     <p:sldId id="293" r:id="rId17"/>
@@ -145,6 +145,9 @@
     <p:ext uri="{EFAFB233-063F-42B5-8137-9DF3F51BA10A}">
       <p15:sldGuideLst xmlns:p15="http://schemas.microsoft.com/office/powerpoint/2012/main"/>
     </p:ext>
+    <p:ext uri="{2D200454-40CA-4A62-9FC3-DE9A4176ACB9}">
+      <p15:notesGuideLst xmlns:p15="http://schemas.microsoft.com/office/powerpoint/2012/main"/>
+    </p:ext>
   </p:extLst>
 </p:presentation>
 </file>
@@ -174,8 +177,8 @@
           <c:layoutTarget val="inner"/>
           <c:xMode val="edge"/>
           <c:yMode val="edge"/>
-          <c:x val="0.26658218503937009"/>
-          <c:y val="0.19687498788908786"/>
+          <c:x val="0.18845017985077189"/>
+          <c:y val="0.15931596947529639"/>
           <c:w val="0.38558575295275588"/>
           <c:h val="0.578378593849742"/>
         </c:manualLayout>
@@ -203,13 +206,22 @@
               <a:solidFill>
                 <a:schemeClr val="accent1"/>
               </a:solidFill>
-              <a:ln w="19050">
-                <a:solidFill>
-                  <a:schemeClr val="lt1"/>
-                </a:solidFill>
+              <a:ln>
+                <a:noFill/>
               </a:ln>
-              <a:effectLst/>
+              <a:effectLst>
+                <a:outerShdw blurRad="63500" sx="102000" sy="102000" algn="ctr" rotWithShape="0">
+                  <a:prstClr val="black">
+                    <a:alpha val="20000"/>
+                  </a:prstClr>
+                </a:outerShdw>
+              </a:effectLst>
             </c:spPr>
+            <c:extLst>
+              <c:ext xmlns:c16="http://schemas.microsoft.com/office/drawing/2014/chart" uri="{C3380CC4-5D6E-409C-BE32-E72D297353CC}">
+                <c16:uniqueId val="{00000001-443F-4DC2-BEBF-D1F8B94C7366}"/>
+              </c:ext>
+            </c:extLst>
           </c:dPt>
           <c:dPt>
             <c:idx val="1"/>
@@ -218,13 +230,22 @@
               <a:solidFill>
                 <a:schemeClr val="accent2"/>
               </a:solidFill>
-              <a:ln w="19050">
-                <a:solidFill>
-                  <a:schemeClr val="lt1"/>
-                </a:solidFill>
+              <a:ln>
+                <a:noFill/>
               </a:ln>
-              <a:effectLst/>
+              <a:effectLst>
+                <a:outerShdw blurRad="63500" sx="102000" sy="102000" algn="ctr" rotWithShape="0">
+                  <a:prstClr val="black">
+                    <a:alpha val="20000"/>
+                  </a:prstClr>
+                </a:outerShdw>
+              </a:effectLst>
             </c:spPr>
+            <c:extLst>
+              <c:ext xmlns:c16="http://schemas.microsoft.com/office/drawing/2014/chart" uri="{C3380CC4-5D6E-409C-BE32-E72D297353CC}">
+                <c16:uniqueId val="{00000003-443F-4DC2-BEBF-D1F8B94C7366}"/>
+              </c:ext>
+            </c:extLst>
           </c:dPt>
           <c:dPt>
             <c:idx val="2"/>
@@ -233,13 +254,22 @@
               <a:solidFill>
                 <a:schemeClr val="accent3"/>
               </a:solidFill>
-              <a:ln w="19050">
-                <a:solidFill>
-                  <a:schemeClr val="lt1"/>
-                </a:solidFill>
+              <a:ln>
+                <a:noFill/>
               </a:ln>
-              <a:effectLst/>
+              <a:effectLst>
+                <a:outerShdw blurRad="63500" sx="102000" sy="102000" algn="ctr" rotWithShape="0">
+                  <a:prstClr val="black">
+                    <a:alpha val="20000"/>
+                  </a:prstClr>
+                </a:outerShdw>
+              </a:effectLst>
             </c:spPr>
+            <c:extLst>
+              <c:ext xmlns:c16="http://schemas.microsoft.com/office/drawing/2014/chart" uri="{C3380CC4-5D6E-409C-BE32-E72D297353CC}">
+                <c16:uniqueId val="{00000005-443F-4DC2-BEBF-D1F8B94C7366}"/>
+              </c:ext>
+            </c:extLst>
           </c:dPt>
           <c:dPt>
             <c:idx val="3"/>
@@ -248,13 +278,22 @@
               <a:solidFill>
                 <a:schemeClr val="accent4"/>
               </a:solidFill>
-              <a:ln w="19050">
-                <a:solidFill>
-                  <a:schemeClr val="lt1"/>
-                </a:solidFill>
+              <a:ln>
+                <a:noFill/>
               </a:ln>
-              <a:effectLst/>
+              <a:effectLst>
+                <a:outerShdw blurRad="63500" sx="102000" sy="102000" algn="ctr" rotWithShape="0">
+                  <a:prstClr val="black">
+                    <a:alpha val="20000"/>
+                  </a:prstClr>
+                </a:outerShdw>
+              </a:effectLst>
             </c:spPr>
+            <c:extLst>
+              <c:ext xmlns:c16="http://schemas.microsoft.com/office/drawing/2014/chart" uri="{C3380CC4-5D6E-409C-BE32-E72D297353CC}">
+                <c16:uniqueId val="{00000007-443F-4DC2-BEBF-D1F8B94C7366}"/>
+              </c:ext>
+            </c:extLst>
           </c:dPt>
           <c:dPt>
             <c:idx val="4"/>
@@ -263,13 +302,22 @@
               <a:solidFill>
                 <a:schemeClr val="accent5"/>
               </a:solidFill>
-              <a:ln w="19050">
-                <a:solidFill>
-                  <a:schemeClr val="lt1"/>
-                </a:solidFill>
+              <a:ln>
+                <a:noFill/>
               </a:ln>
-              <a:effectLst/>
+              <a:effectLst>
+                <a:outerShdw blurRad="63500" sx="102000" sy="102000" algn="ctr" rotWithShape="0">
+                  <a:prstClr val="black">
+                    <a:alpha val="20000"/>
+                  </a:prstClr>
+                </a:outerShdw>
+              </a:effectLst>
             </c:spPr>
+            <c:extLst>
+              <c:ext xmlns:c16="http://schemas.microsoft.com/office/drawing/2014/chart" uri="{C3380CC4-5D6E-409C-BE32-E72D297353CC}">
+                <c16:uniqueId val="{00000009-443F-4DC2-BEBF-D1F8B94C7366}"/>
+              </c:ext>
+            </c:extLst>
           </c:dPt>
           <c:dPt>
             <c:idx val="5"/>
@@ -278,14 +326,296 @@
               <a:solidFill>
                 <a:schemeClr val="accent6"/>
               </a:solidFill>
-              <a:ln w="19050">
-                <a:solidFill>
-                  <a:schemeClr val="lt1"/>
-                </a:solidFill>
+              <a:ln>
+                <a:noFill/>
               </a:ln>
-              <a:effectLst/>
+              <a:effectLst>
+                <a:outerShdw blurRad="63500" sx="102000" sy="102000" algn="ctr" rotWithShape="0">
+                  <a:prstClr val="black">
+                    <a:alpha val="20000"/>
+                  </a:prstClr>
+                </a:outerShdw>
+              </a:effectLst>
             </c:spPr>
+            <c:extLst>
+              <c:ext xmlns:c16="http://schemas.microsoft.com/office/drawing/2014/chart" uri="{C3380CC4-5D6E-409C-BE32-E72D297353CC}">
+                <c16:uniqueId val="{0000000B-443F-4DC2-BEBF-D1F8B94C7366}"/>
+              </c:ext>
+            </c:extLst>
           </c:dPt>
+          <c:dLbls>
+            <c:dLbl>
+              <c:idx val="0"/>
+              <c:spPr>
+                <a:noFill/>
+                <a:ln>
+                  <a:noFill/>
+                </a:ln>
+                <a:effectLst/>
+              </c:spPr>
+              <c:txPr>
+                <a:bodyPr rot="0" spcFirstLastPara="1" vertOverflow="ellipsis" vert="horz" wrap="square" lIns="38100" tIns="19050" rIns="38100" bIns="19050" anchor="ctr" anchorCtr="1">
+                  <a:spAutoFit/>
+                </a:bodyPr>
+                <a:lstStyle/>
+                <a:p>
+                  <a:pPr>
+                    <a:defRPr sz="1330" b="1" i="0" u="none" strike="noStrike" kern="1200" spc="0" baseline="0">
+                      <a:solidFill>
+                        <a:schemeClr val="accent1"/>
+                      </a:solidFill>
+                      <a:latin typeface="+mn-lt"/>
+                      <a:ea typeface="+mn-ea"/>
+                      <a:cs typeface="+mn-cs"/>
+                    </a:defRPr>
+                  </a:pPr>
+                  <a:endParaRPr lang="fr-FR"/>
+                </a:p>
+              </c:txPr>
+              <c:dLblPos val="outEnd"/>
+              <c:showLegendKey val="0"/>
+              <c:showVal val="0"/>
+              <c:showCatName val="1"/>
+              <c:showSerName val="0"/>
+              <c:showPercent val="0"/>
+              <c:showBubbleSize val="0"/>
+              <c:extLst>
+                <c:ext xmlns:c16="http://schemas.microsoft.com/office/drawing/2014/chart" uri="{C3380CC4-5D6E-409C-BE32-E72D297353CC}">
+                  <c16:uniqueId val="{00000001-443F-4DC2-BEBF-D1F8B94C7366}"/>
+                </c:ext>
+              </c:extLst>
+            </c:dLbl>
+            <c:dLbl>
+              <c:idx val="1"/>
+              <c:spPr>
+                <a:noFill/>
+                <a:ln>
+                  <a:noFill/>
+                </a:ln>
+                <a:effectLst/>
+              </c:spPr>
+              <c:txPr>
+                <a:bodyPr rot="0" spcFirstLastPara="1" vertOverflow="ellipsis" vert="horz" wrap="square" lIns="38100" tIns="19050" rIns="38100" bIns="19050" anchor="ctr" anchorCtr="1">
+                  <a:spAutoFit/>
+                </a:bodyPr>
+                <a:lstStyle/>
+                <a:p>
+                  <a:pPr>
+                    <a:defRPr sz="1330" b="1" i="0" u="none" strike="noStrike" kern="1200" spc="0" baseline="0">
+                      <a:solidFill>
+                        <a:schemeClr val="accent2"/>
+                      </a:solidFill>
+                      <a:latin typeface="+mn-lt"/>
+                      <a:ea typeface="+mn-ea"/>
+                      <a:cs typeface="+mn-cs"/>
+                    </a:defRPr>
+                  </a:pPr>
+                  <a:endParaRPr lang="fr-FR"/>
+                </a:p>
+              </c:txPr>
+              <c:dLblPos val="outEnd"/>
+              <c:showLegendKey val="0"/>
+              <c:showVal val="0"/>
+              <c:showCatName val="1"/>
+              <c:showSerName val="0"/>
+              <c:showPercent val="0"/>
+              <c:showBubbleSize val="0"/>
+              <c:extLst>
+                <c:ext xmlns:c16="http://schemas.microsoft.com/office/drawing/2014/chart" uri="{C3380CC4-5D6E-409C-BE32-E72D297353CC}">
+                  <c16:uniqueId val="{00000003-443F-4DC2-BEBF-D1F8B94C7366}"/>
+                </c:ext>
+              </c:extLst>
+            </c:dLbl>
+            <c:dLbl>
+              <c:idx val="2"/>
+              <c:spPr>
+                <a:noFill/>
+                <a:ln>
+                  <a:noFill/>
+                </a:ln>
+                <a:effectLst/>
+              </c:spPr>
+              <c:txPr>
+                <a:bodyPr rot="0" spcFirstLastPara="1" vertOverflow="ellipsis" vert="horz" wrap="square" lIns="38100" tIns="19050" rIns="38100" bIns="19050" anchor="ctr" anchorCtr="1">
+                  <a:spAutoFit/>
+                </a:bodyPr>
+                <a:lstStyle/>
+                <a:p>
+                  <a:pPr>
+                    <a:defRPr sz="1330" b="1" i="0" u="none" strike="noStrike" kern="1200" spc="0" baseline="0">
+                      <a:solidFill>
+                        <a:schemeClr val="accent3"/>
+                      </a:solidFill>
+                      <a:latin typeface="+mn-lt"/>
+                      <a:ea typeface="+mn-ea"/>
+                      <a:cs typeface="+mn-cs"/>
+                    </a:defRPr>
+                  </a:pPr>
+                  <a:endParaRPr lang="fr-FR"/>
+                </a:p>
+              </c:txPr>
+              <c:dLblPos val="outEnd"/>
+              <c:showLegendKey val="0"/>
+              <c:showVal val="0"/>
+              <c:showCatName val="1"/>
+              <c:showSerName val="0"/>
+              <c:showPercent val="0"/>
+              <c:showBubbleSize val="0"/>
+              <c:extLst>
+                <c:ext xmlns:c16="http://schemas.microsoft.com/office/drawing/2014/chart" uri="{C3380CC4-5D6E-409C-BE32-E72D297353CC}">
+                  <c16:uniqueId val="{00000005-443F-4DC2-BEBF-D1F8B94C7366}"/>
+                </c:ext>
+              </c:extLst>
+            </c:dLbl>
+            <c:dLbl>
+              <c:idx val="3"/>
+              <c:spPr>
+                <a:noFill/>
+                <a:ln>
+                  <a:noFill/>
+                </a:ln>
+                <a:effectLst/>
+              </c:spPr>
+              <c:txPr>
+                <a:bodyPr rot="0" spcFirstLastPara="1" vertOverflow="ellipsis" vert="horz" wrap="square" lIns="38100" tIns="19050" rIns="38100" bIns="19050" anchor="ctr" anchorCtr="1">
+                  <a:spAutoFit/>
+                </a:bodyPr>
+                <a:lstStyle/>
+                <a:p>
+                  <a:pPr>
+                    <a:defRPr sz="1330" b="1" i="0" u="none" strike="noStrike" kern="1200" spc="0" baseline="0">
+                      <a:solidFill>
+                        <a:schemeClr val="accent4"/>
+                      </a:solidFill>
+                      <a:latin typeface="+mn-lt"/>
+                      <a:ea typeface="+mn-ea"/>
+                      <a:cs typeface="+mn-cs"/>
+                    </a:defRPr>
+                  </a:pPr>
+                  <a:endParaRPr lang="fr-FR"/>
+                </a:p>
+              </c:txPr>
+              <c:dLblPos val="outEnd"/>
+              <c:showLegendKey val="0"/>
+              <c:showVal val="0"/>
+              <c:showCatName val="1"/>
+              <c:showSerName val="0"/>
+              <c:showPercent val="0"/>
+              <c:showBubbleSize val="0"/>
+              <c:extLst>
+                <c:ext xmlns:c16="http://schemas.microsoft.com/office/drawing/2014/chart" uri="{C3380CC4-5D6E-409C-BE32-E72D297353CC}">
+                  <c16:uniqueId val="{00000007-443F-4DC2-BEBF-D1F8B94C7366}"/>
+                </c:ext>
+              </c:extLst>
+            </c:dLbl>
+            <c:dLbl>
+              <c:idx val="4"/>
+              <c:spPr>
+                <a:noFill/>
+                <a:ln>
+                  <a:noFill/>
+                </a:ln>
+                <a:effectLst/>
+              </c:spPr>
+              <c:txPr>
+                <a:bodyPr rot="0" spcFirstLastPara="1" vertOverflow="ellipsis" vert="horz" wrap="square" lIns="38100" tIns="19050" rIns="38100" bIns="19050" anchor="ctr" anchorCtr="1">
+                  <a:spAutoFit/>
+                </a:bodyPr>
+                <a:lstStyle/>
+                <a:p>
+                  <a:pPr>
+                    <a:defRPr sz="1330" b="1" i="0" u="none" strike="noStrike" kern="1200" spc="0" baseline="0">
+                      <a:solidFill>
+                        <a:schemeClr val="accent5"/>
+                      </a:solidFill>
+                      <a:latin typeface="+mn-lt"/>
+                      <a:ea typeface="+mn-ea"/>
+                      <a:cs typeface="+mn-cs"/>
+                    </a:defRPr>
+                  </a:pPr>
+                  <a:endParaRPr lang="fr-FR"/>
+                </a:p>
+              </c:txPr>
+              <c:dLblPos val="outEnd"/>
+              <c:showLegendKey val="0"/>
+              <c:showVal val="0"/>
+              <c:showCatName val="1"/>
+              <c:showSerName val="0"/>
+              <c:showPercent val="0"/>
+              <c:showBubbleSize val="0"/>
+              <c:extLst>
+                <c:ext xmlns:c16="http://schemas.microsoft.com/office/drawing/2014/chart" uri="{C3380CC4-5D6E-409C-BE32-E72D297353CC}">
+                  <c16:uniqueId val="{00000009-443F-4DC2-BEBF-D1F8B94C7366}"/>
+                </c:ext>
+              </c:extLst>
+            </c:dLbl>
+            <c:dLbl>
+              <c:idx val="5"/>
+              <c:spPr>
+                <a:noFill/>
+                <a:ln>
+                  <a:noFill/>
+                </a:ln>
+                <a:effectLst/>
+              </c:spPr>
+              <c:txPr>
+                <a:bodyPr rot="0" spcFirstLastPara="1" vertOverflow="ellipsis" vert="horz" wrap="square" lIns="38100" tIns="19050" rIns="38100" bIns="19050" anchor="ctr" anchorCtr="1">
+                  <a:spAutoFit/>
+                </a:bodyPr>
+                <a:lstStyle/>
+                <a:p>
+                  <a:pPr>
+                    <a:defRPr sz="1330" b="1" i="0" u="none" strike="noStrike" kern="1200" spc="0" baseline="0">
+                      <a:solidFill>
+                        <a:schemeClr val="accent6"/>
+                      </a:solidFill>
+                      <a:latin typeface="+mn-lt"/>
+                      <a:ea typeface="+mn-ea"/>
+                      <a:cs typeface="+mn-cs"/>
+                    </a:defRPr>
+                  </a:pPr>
+                  <a:endParaRPr lang="fr-FR"/>
+                </a:p>
+              </c:txPr>
+              <c:dLblPos val="outEnd"/>
+              <c:showLegendKey val="0"/>
+              <c:showVal val="0"/>
+              <c:showCatName val="1"/>
+              <c:showSerName val="0"/>
+              <c:showPercent val="0"/>
+              <c:showBubbleSize val="0"/>
+              <c:extLst>
+                <c:ext xmlns:c16="http://schemas.microsoft.com/office/drawing/2014/chart" uri="{C3380CC4-5D6E-409C-BE32-E72D297353CC}">
+                  <c16:uniqueId val="{0000000B-443F-4DC2-BEBF-D1F8B94C7366}"/>
+                </c:ext>
+              </c:extLst>
+            </c:dLbl>
+            <c:dLblPos val="outEnd"/>
+            <c:showLegendKey val="0"/>
+            <c:showVal val="0"/>
+            <c:showCatName val="1"/>
+            <c:showSerName val="0"/>
+            <c:showPercent val="0"/>
+            <c:showBubbleSize val="0"/>
+            <c:showLeaderLines val="1"/>
+            <c:leaderLines>
+              <c:spPr>
+                <a:ln w="9525" cap="flat" cmpd="sng" algn="ctr">
+                  <a:solidFill>
+                    <a:schemeClr val="tx1">
+                      <a:lumMod val="35000"/>
+                      <a:lumOff val="65000"/>
+                    </a:schemeClr>
+                  </a:solidFill>
+                  <a:round/>
+                </a:ln>
+                <a:effectLst/>
+              </c:spPr>
+            </c:leaderLines>
+            <c:extLst>
+              <c:ext xmlns:c15="http://schemas.microsoft.com/office/drawing/2012/chart" uri="{CE6537A1-D6FC-4f65-9D91-7224C49458BB}"/>
+            </c:extLst>
+          </c:dLbls>
           <c:cat>
             <c:strRef>
               <c:f>Feuil1!$A$2:$A$7</c:f>
@@ -346,9 +676,10 @@
           </c:extLst>
         </c:ser>
         <c:dLbls>
+          <c:dLblPos val="outEnd"/>
           <c:showLegendKey val="0"/>
           <c:showVal val="0"/>
-          <c:showCatName val="0"/>
+          <c:showCatName val="1"/>
           <c:showSerName val="0"/>
           <c:showPercent val="0"/>
           <c:showBubbleSize val="0"/>
@@ -364,47 +695,6 @@
         <a:effectLst/>
       </c:spPr>
     </c:plotArea>
-    <c:legend>
-      <c:legendPos val="b"/>
-      <c:layout>
-        <c:manualLayout>
-          <c:xMode val="edge"/>
-          <c:yMode val="edge"/>
-          <c:x val="2.0875123031496055E-2"/>
-          <c:y val="0.78697233101794228"/>
-          <c:w val="0.4778123462106299"/>
-          <c:h val="0.2130278677587"/>
-        </c:manualLayout>
-      </c:layout>
-      <c:overlay val="0"/>
-      <c:spPr>
-        <a:noFill/>
-        <a:ln>
-          <a:noFill/>
-        </a:ln>
-        <a:effectLst/>
-      </c:spPr>
-      <c:txPr>
-        <a:bodyPr rot="0" spcFirstLastPara="1" vertOverflow="ellipsis" vert="horz" wrap="square" anchor="ctr" anchorCtr="1"/>
-        <a:lstStyle/>
-        <a:p>
-          <a:pPr>
-            <a:defRPr sz="1197" b="0" i="0" u="none" strike="noStrike" kern="1200" baseline="0">
-              <a:solidFill>
-                <a:schemeClr val="tx1">
-                  <a:lumMod val="65000"/>
-                  <a:lumOff val="35000"/>
-                </a:schemeClr>
-              </a:solidFill>
-              <a:latin typeface="+mn-lt"/>
-              <a:ea typeface="+mn-ea"/>
-              <a:cs typeface="+mn-cs"/>
-            </a:defRPr>
-          </a:pPr>
-          <a:endParaRPr lang="fr-FR"/>
-        </a:p>
-      </c:txPr>
-    </c:legend>
     <c:plotVisOnly val="1"/>
     <c:dispBlanksAs val="gap"/>
     <c:extLst>
@@ -455,7 +745,17 @@
   <c:chart>
     <c:autoTitleDeleted val="1"/>
     <c:plotArea>
-      <c:layout/>
+      <c:layout>
+        <c:manualLayout>
+          <c:layoutTarget val="inner"/>
+          <c:xMode val="edge"/>
+          <c:yMode val="edge"/>
+          <c:x val="0.20336084926678968"/>
+          <c:y val="0.15697790747110291"/>
+          <c:w val="0.54800613454408198"/>
+          <c:h val="0.71256098795137912"/>
+        </c:manualLayout>
+      </c:layout>
       <c:pieChart>
         <c:varyColors val="1"/>
         <c:ser>
@@ -479,12 +779,16 @@
               <a:solidFill>
                 <a:schemeClr val="accent1"/>
               </a:solidFill>
-              <a:ln w="19050">
-                <a:solidFill>
-                  <a:schemeClr val="lt1"/>
-                </a:solidFill>
+              <a:ln>
+                <a:noFill/>
               </a:ln>
-              <a:effectLst/>
+              <a:effectLst>
+                <a:outerShdw blurRad="63500" sx="102000" sy="102000" algn="ctr" rotWithShape="0">
+                  <a:prstClr val="black">
+                    <a:alpha val="20000"/>
+                  </a:prstClr>
+                </a:outerShdw>
+              </a:effectLst>
             </c:spPr>
             <c:extLst>
               <c:ext xmlns:c16="http://schemas.microsoft.com/office/drawing/2014/chart" uri="{C3380CC4-5D6E-409C-BE32-E72D297353CC}">
@@ -499,12 +803,16 @@
               <a:solidFill>
                 <a:schemeClr val="accent2"/>
               </a:solidFill>
-              <a:ln w="19050">
-                <a:solidFill>
-                  <a:schemeClr val="lt1"/>
-                </a:solidFill>
+              <a:ln>
+                <a:noFill/>
               </a:ln>
-              <a:effectLst/>
+              <a:effectLst>
+                <a:outerShdw blurRad="63500" sx="102000" sy="102000" algn="ctr" rotWithShape="0">
+                  <a:prstClr val="black">
+                    <a:alpha val="20000"/>
+                  </a:prstClr>
+                </a:outerShdw>
+              </a:effectLst>
             </c:spPr>
             <c:extLst>
               <c:ext xmlns:c16="http://schemas.microsoft.com/office/drawing/2014/chart" uri="{C3380CC4-5D6E-409C-BE32-E72D297353CC}">
@@ -519,12 +827,16 @@
               <a:solidFill>
                 <a:schemeClr val="accent3"/>
               </a:solidFill>
-              <a:ln w="19050">
-                <a:solidFill>
-                  <a:schemeClr val="lt1"/>
-                </a:solidFill>
+              <a:ln>
+                <a:noFill/>
               </a:ln>
-              <a:effectLst/>
+              <a:effectLst>
+                <a:outerShdw blurRad="63500" sx="102000" sy="102000" algn="ctr" rotWithShape="0">
+                  <a:prstClr val="black">
+                    <a:alpha val="20000"/>
+                  </a:prstClr>
+                </a:outerShdw>
+              </a:effectLst>
             </c:spPr>
             <c:extLst>
               <c:ext xmlns:c16="http://schemas.microsoft.com/office/drawing/2014/chart" uri="{C3380CC4-5D6E-409C-BE32-E72D297353CC}">
@@ -539,12 +851,16 @@
               <a:solidFill>
                 <a:schemeClr val="accent4"/>
               </a:solidFill>
-              <a:ln w="19050">
-                <a:solidFill>
-                  <a:schemeClr val="lt1"/>
-                </a:solidFill>
+              <a:ln>
+                <a:noFill/>
               </a:ln>
-              <a:effectLst/>
+              <a:effectLst>
+                <a:outerShdw blurRad="63500" sx="102000" sy="102000" algn="ctr" rotWithShape="0">
+                  <a:prstClr val="black">
+                    <a:alpha val="20000"/>
+                  </a:prstClr>
+                </a:outerShdw>
+              </a:effectLst>
             </c:spPr>
             <c:extLst>
               <c:ext xmlns:c16="http://schemas.microsoft.com/office/drawing/2014/chart" uri="{C3380CC4-5D6E-409C-BE32-E72D297353CC}">
@@ -559,12 +875,16 @@
               <a:solidFill>
                 <a:schemeClr val="accent5"/>
               </a:solidFill>
-              <a:ln w="19050">
-                <a:solidFill>
-                  <a:schemeClr val="lt1"/>
-                </a:solidFill>
+              <a:ln>
+                <a:noFill/>
               </a:ln>
-              <a:effectLst/>
+              <a:effectLst>
+                <a:outerShdw blurRad="63500" sx="102000" sy="102000" algn="ctr" rotWithShape="0">
+                  <a:prstClr val="black">
+                    <a:alpha val="20000"/>
+                  </a:prstClr>
+                </a:outerShdw>
+              </a:effectLst>
             </c:spPr>
             <c:extLst>
               <c:ext xmlns:c16="http://schemas.microsoft.com/office/drawing/2014/chart" uri="{C3380CC4-5D6E-409C-BE32-E72D297353CC}">
@@ -572,6 +892,245 @@
               </c:ext>
             </c:extLst>
           </c:dPt>
+          <c:dLbls>
+            <c:dLbl>
+              <c:idx val="0"/>
+              <c:spPr>
+                <a:noFill/>
+                <a:ln>
+                  <a:noFill/>
+                </a:ln>
+                <a:effectLst/>
+              </c:spPr>
+              <c:txPr>
+                <a:bodyPr rot="0" spcFirstLastPara="1" vertOverflow="ellipsis" vert="horz" wrap="square" lIns="38100" tIns="19050" rIns="38100" bIns="19050" anchor="ctr" anchorCtr="1">
+                  <a:spAutoFit/>
+                </a:bodyPr>
+                <a:lstStyle/>
+                <a:p>
+                  <a:pPr>
+                    <a:defRPr sz="1330" b="1" i="0" u="none" strike="noStrike" kern="1200" spc="0" baseline="0">
+                      <a:solidFill>
+                        <a:schemeClr val="accent1"/>
+                      </a:solidFill>
+                      <a:latin typeface="+mn-lt"/>
+                      <a:ea typeface="+mn-ea"/>
+                      <a:cs typeface="+mn-cs"/>
+                    </a:defRPr>
+                  </a:pPr>
+                  <a:endParaRPr lang="fr-FR"/>
+                </a:p>
+              </c:txPr>
+              <c:dLblPos val="outEnd"/>
+              <c:showLegendKey val="0"/>
+              <c:showVal val="0"/>
+              <c:showCatName val="1"/>
+              <c:showSerName val="0"/>
+              <c:showPercent val="0"/>
+              <c:showBubbleSize val="0"/>
+              <c:extLst>
+                <c:ext xmlns:c16="http://schemas.microsoft.com/office/drawing/2014/chart" uri="{C3380CC4-5D6E-409C-BE32-E72D297353CC}">
+                  <c16:uniqueId val="{00000001-068B-406B-B998-524B8417BAA3}"/>
+                </c:ext>
+              </c:extLst>
+            </c:dLbl>
+            <c:dLbl>
+              <c:idx val="1"/>
+              <c:spPr>
+                <a:noFill/>
+                <a:ln>
+                  <a:noFill/>
+                </a:ln>
+                <a:effectLst/>
+              </c:spPr>
+              <c:txPr>
+                <a:bodyPr rot="0" spcFirstLastPara="1" vertOverflow="ellipsis" vert="horz" wrap="square" lIns="38100" tIns="19050" rIns="38100" bIns="19050" anchor="ctr" anchorCtr="1">
+                  <a:spAutoFit/>
+                </a:bodyPr>
+                <a:lstStyle/>
+                <a:p>
+                  <a:pPr>
+                    <a:defRPr sz="1330" b="1" i="0" u="none" strike="noStrike" kern="1200" spc="0" baseline="0">
+                      <a:solidFill>
+                        <a:schemeClr val="accent2"/>
+                      </a:solidFill>
+                      <a:latin typeface="+mn-lt"/>
+                      <a:ea typeface="+mn-ea"/>
+                      <a:cs typeface="+mn-cs"/>
+                    </a:defRPr>
+                  </a:pPr>
+                  <a:endParaRPr lang="fr-FR"/>
+                </a:p>
+              </c:txPr>
+              <c:dLblPos val="outEnd"/>
+              <c:showLegendKey val="0"/>
+              <c:showVal val="0"/>
+              <c:showCatName val="1"/>
+              <c:showSerName val="0"/>
+              <c:showPercent val="0"/>
+              <c:showBubbleSize val="0"/>
+              <c:extLst>
+                <c:ext xmlns:c16="http://schemas.microsoft.com/office/drawing/2014/chart" uri="{C3380CC4-5D6E-409C-BE32-E72D297353CC}">
+                  <c16:uniqueId val="{00000003-068B-406B-B998-524B8417BAA3}"/>
+                </c:ext>
+              </c:extLst>
+            </c:dLbl>
+            <c:dLbl>
+              <c:idx val="2"/>
+              <c:spPr>
+                <a:noFill/>
+                <a:ln>
+                  <a:noFill/>
+                </a:ln>
+                <a:effectLst/>
+              </c:spPr>
+              <c:txPr>
+                <a:bodyPr rot="0" spcFirstLastPara="1" vertOverflow="ellipsis" vert="horz" wrap="square" lIns="38100" tIns="19050" rIns="38100" bIns="19050" anchor="ctr" anchorCtr="1">
+                  <a:spAutoFit/>
+                </a:bodyPr>
+                <a:lstStyle/>
+                <a:p>
+                  <a:pPr>
+                    <a:defRPr sz="1330" b="1" i="0" u="none" strike="noStrike" kern="1200" spc="0" baseline="0">
+                      <a:solidFill>
+                        <a:schemeClr val="accent3"/>
+                      </a:solidFill>
+                      <a:latin typeface="+mn-lt"/>
+                      <a:ea typeface="+mn-ea"/>
+                      <a:cs typeface="+mn-cs"/>
+                    </a:defRPr>
+                  </a:pPr>
+                  <a:endParaRPr lang="fr-FR"/>
+                </a:p>
+              </c:txPr>
+              <c:dLblPos val="outEnd"/>
+              <c:showLegendKey val="0"/>
+              <c:showVal val="0"/>
+              <c:showCatName val="1"/>
+              <c:showSerName val="0"/>
+              <c:showPercent val="0"/>
+              <c:showBubbleSize val="0"/>
+              <c:extLst>
+                <c:ext xmlns:c16="http://schemas.microsoft.com/office/drawing/2014/chart" uri="{C3380CC4-5D6E-409C-BE32-E72D297353CC}">
+                  <c16:uniqueId val="{00000005-068B-406B-B998-524B8417BAA3}"/>
+                </c:ext>
+              </c:extLst>
+            </c:dLbl>
+            <c:dLbl>
+              <c:idx val="3"/>
+              <c:spPr>
+                <a:noFill/>
+                <a:ln>
+                  <a:noFill/>
+                </a:ln>
+                <a:effectLst/>
+              </c:spPr>
+              <c:txPr>
+                <a:bodyPr rot="0" spcFirstLastPara="1" vertOverflow="ellipsis" vert="horz" wrap="square" lIns="38100" tIns="19050" rIns="38100" bIns="19050" anchor="ctr" anchorCtr="1">
+                  <a:spAutoFit/>
+                </a:bodyPr>
+                <a:lstStyle/>
+                <a:p>
+                  <a:pPr>
+                    <a:defRPr sz="1330" b="1" i="0" u="none" strike="noStrike" kern="1200" spc="0" baseline="0">
+                      <a:solidFill>
+                        <a:schemeClr val="accent4"/>
+                      </a:solidFill>
+                      <a:latin typeface="+mn-lt"/>
+                      <a:ea typeface="+mn-ea"/>
+                      <a:cs typeface="+mn-cs"/>
+                    </a:defRPr>
+                  </a:pPr>
+                  <a:endParaRPr lang="fr-FR"/>
+                </a:p>
+              </c:txPr>
+              <c:dLblPos val="outEnd"/>
+              <c:showLegendKey val="0"/>
+              <c:showVal val="0"/>
+              <c:showCatName val="1"/>
+              <c:showSerName val="0"/>
+              <c:showPercent val="0"/>
+              <c:showBubbleSize val="0"/>
+              <c:extLst>
+                <c:ext xmlns:c16="http://schemas.microsoft.com/office/drawing/2014/chart" uri="{C3380CC4-5D6E-409C-BE32-E72D297353CC}">
+                  <c16:uniqueId val="{00000007-068B-406B-B998-524B8417BAA3}"/>
+                </c:ext>
+              </c:extLst>
+            </c:dLbl>
+            <c:dLbl>
+              <c:idx val="4"/>
+              <c:layout>
+                <c:manualLayout>
+                  <c:x val="5.7848021898674662E-2"/>
+                  <c:y val="1.6351865361573219E-2"/>
+                </c:manualLayout>
+              </c:layout>
+              <c:spPr>
+                <a:noFill/>
+                <a:ln>
+                  <a:noFill/>
+                </a:ln>
+                <a:effectLst/>
+              </c:spPr>
+              <c:txPr>
+                <a:bodyPr rot="0" spcFirstLastPara="1" vertOverflow="ellipsis" vert="horz" wrap="square" lIns="38100" tIns="19050" rIns="38100" bIns="19050" anchor="ctr" anchorCtr="1">
+                  <a:spAutoFit/>
+                </a:bodyPr>
+                <a:lstStyle/>
+                <a:p>
+                  <a:pPr>
+                    <a:defRPr sz="1330" b="1" i="0" u="none" strike="noStrike" kern="1200" spc="0" baseline="0">
+                      <a:solidFill>
+                        <a:schemeClr val="accent5"/>
+                      </a:solidFill>
+                      <a:latin typeface="+mn-lt"/>
+                      <a:ea typeface="+mn-ea"/>
+                      <a:cs typeface="+mn-cs"/>
+                    </a:defRPr>
+                  </a:pPr>
+                  <a:endParaRPr lang="fr-FR"/>
+                </a:p>
+              </c:txPr>
+              <c:dLblPos val="bestFit"/>
+              <c:showLegendKey val="0"/>
+              <c:showVal val="0"/>
+              <c:showCatName val="1"/>
+              <c:showSerName val="0"/>
+              <c:showPercent val="0"/>
+              <c:showBubbleSize val="0"/>
+              <c:extLst>
+                <c:ext xmlns:c15="http://schemas.microsoft.com/office/drawing/2012/chart" uri="{CE6537A1-D6FC-4f65-9D91-7224C49458BB}"/>
+                <c:ext xmlns:c16="http://schemas.microsoft.com/office/drawing/2014/chart" uri="{C3380CC4-5D6E-409C-BE32-E72D297353CC}">
+                  <c16:uniqueId val="{00000009-068B-406B-B998-524B8417BAA3}"/>
+                </c:ext>
+              </c:extLst>
+            </c:dLbl>
+            <c:dLblPos val="outEnd"/>
+            <c:showLegendKey val="0"/>
+            <c:showVal val="0"/>
+            <c:showCatName val="1"/>
+            <c:showSerName val="0"/>
+            <c:showPercent val="0"/>
+            <c:showBubbleSize val="0"/>
+            <c:showLeaderLines val="1"/>
+            <c:leaderLines>
+              <c:spPr>
+                <a:ln w="9525" cap="flat" cmpd="sng" algn="ctr">
+                  <a:solidFill>
+                    <a:schemeClr val="tx1">
+                      <a:lumMod val="35000"/>
+                      <a:lumOff val="65000"/>
+                    </a:schemeClr>
+                  </a:solidFill>
+                  <a:round/>
+                </a:ln>
+                <a:effectLst/>
+              </c:spPr>
+            </c:leaderLines>
+            <c:extLst>
+              <c:ext xmlns:c15="http://schemas.microsoft.com/office/drawing/2012/chart" uri="{CE6537A1-D6FC-4f65-9D91-7224C49458BB}"/>
+            </c:extLst>
+          </c:dLbls>
           <c:cat>
             <c:strRef>
               <c:f>Feuil1!$A$2:$A$6</c:f>
@@ -626,9 +1185,10 @@
           </c:extLst>
         </c:ser>
         <c:dLbls>
+          <c:dLblPos val="outEnd"/>
           <c:showLegendKey val="0"/>
           <c:showVal val="0"/>
-          <c:showCatName val="0"/>
+          <c:showCatName val="1"/>
           <c:showSerName val="0"/>
           <c:showPercent val="0"/>
           <c:showBubbleSize val="0"/>
@@ -644,37 +1204,6 @@
         <a:effectLst/>
       </c:spPr>
     </c:plotArea>
-    <c:legend>
-      <c:legendPos val="b"/>
-      <c:overlay val="0"/>
-      <c:spPr>
-        <a:noFill/>
-        <a:ln>
-          <a:noFill/>
-        </a:ln>
-        <a:effectLst/>
-      </c:spPr>
-      <c:txPr>
-        <a:bodyPr rot="0" spcFirstLastPara="1" vertOverflow="ellipsis" vert="horz" wrap="square" anchor="ctr" anchorCtr="1"/>
-        <a:lstStyle/>
-        <a:p>
-          <a:pPr>
-            <a:defRPr sz="1197" b="0" i="0" u="none" strike="noStrike" kern="1200" baseline="0">
-              <a:solidFill>
-                <a:schemeClr val="tx1">
-                  <a:lumMod val="65000"/>
-                  <a:lumOff val="35000"/>
-                </a:schemeClr>
-              </a:solidFill>
-              <a:latin typeface="+mn-lt"/>
-              <a:ea typeface="+mn-ea"/>
-              <a:cs typeface="+mn-cs"/>
-            </a:defRPr>
-          </a:pPr>
-          <a:endParaRPr lang="fr-FR"/>
-        </a:p>
-      </c:txPr>
-    </c:legend>
     <c:plotVisOnly val="1"/>
     <c:dispBlanksAs val="gap"/>
     <c:extLst>
@@ -730,10 +1259,10 @@
           <c:layoutTarget val="inner"/>
           <c:xMode val="edge"/>
           <c:yMode val="edge"/>
-          <c:x val="0.17745921711939117"/>
-          <c:y val="3.1021115799409811E-2"/>
-          <c:w val="0.64508181692599431"/>
-          <c:h val="0.69705532804626402"/>
+          <c:x val="0.18524315302912606"/>
+          <c:y val="3.7521465295958768E-2"/>
+          <c:w val="0.55726950335129011"/>
+          <c:h val="0.76752308988282292"/>
         </c:manualLayout>
       </c:layout>
       <c:pieChart>
@@ -752,6 +1281,7 @@
               </c:strCache>
             </c:strRef>
           </c:tx>
+          <c:explosion val="3"/>
           <c:dPt>
             <c:idx val="0"/>
             <c:bubble3D val="0"/>
@@ -759,12 +1289,16 @@
               <a:solidFill>
                 <a:schemeClr val="accent6"/>
               </a:solidFill>
-              <a:ln w="19050">
-                <a:solidFill>
-                  <a:schemeClr val="lt1"/>
-                </a:solidFill>
+              <a:ln>
+                <a:noFill/>
               </a:ln>
-              <a:effectLst/>
+              <a:effectLst>
+                <a:outerShdw blurRad="63500" sx="102000" sy="102000" algn="ctr" rotWithShape="0">
+                  <a:prstClr val="black">
+                    <a:alpha val="20000"/>
+                  </a:prstClr>
+                </a:outerShdw>
+              </a:effectLst>
             </c:spPr>
             <c:extLst>
               <c:ext xmlns:c16="http://schemas.microsoft.com/office/drawing/2014/chart" uri="{C3380CC4-5D6E-409C-BE32-E72D297353CC}">
@@ -779,12 +1313,16 @@
               <a:solidFill>
                 <a:schemeClr val="accent5"/>
               </a:solidFill>
-              <a:ln w="19050">
-                <a:solidFill>
-                  <a:schemeClr val="lt1"/>
-                </a:solidFill>
+              <a:ln>
+                <a:noFill/>
               </a:ln>
-              <a:effectLst/>
+              <a:effectLst>
+                <a:outerShdw blurRad="63500" sx="102000" sy="102000" algn="ctr" rotWithShape="0">
+                  <a:prstClr val="black">
+                    <a:alpha val="20000"/>
+                  </a:prstClr>
+                </a:outerShdw>
+              </a:effectLst>
             </c:spPr>
             <c:extLst>
               <c:ext xmlns:c16="http://schemas.microsoft.com/office/drawing/2014/chart" uri="{C3380CC4-5D6E-409C-BE32-E72D297353CC}">
@@ -799,12 +1337,16 @@
               <a:solidFill>
                 <a:schemeClr val="accent4"/>
               </a:solidFill>
-              <a:ln w="19050">
-                <a:solidFill>
-                  <a:schemeClr val="lt1"/>
-                </a:solidFill>
+              <a:ln>
+                <a:noFill/>
               </a:ln>
-              <a:effectLst/>
+              <a:effectLst>
+                <a:outerShdw blurRad="63500" sx="102000" sy="102000" algn="ctr" rotWithShape="0">
+                  <a:prstClr val="black">
+                    <a:alpha val="20000"/>
+                  </a:prstClr>
+                </a:outerShdw>
+              </a:effectLst>
             </c:spPr>
             <c:extLst>
               <c:ext xmlns:c16="http://schemas.microsoft.com/office/drawing/2014/chart" uri="{C3380CC4-5D6E-409C-BE32-E72D297353CC}">
@@ -815,19 +1357,22 @@
           <c:dPt>
             <c:idx val="3"/>
             <c:bubble3D val="0"/>
-            <c:explosion val="4"/>
             <c:spPr>
               <a:solidFill>
                 <a:schemeClr val="accent6">
                   <a:lumMod val="60000"/>
                 </a:schemeClr>
               </a:solidFill>
-              <a:ln w="19050">
-                <a:solidFill>
-                  <a:schemeClr val="lt1"/>
-                </a:solidFill>
+              <a:ln>
+                <a:noFill/>
               </a:ln>
-              <a:effectLst/>
+              <a:effectLst>
+                <a:outerShdw blurRad="63500" sx="102000" sy="102000" algn="ctr" rotWithShape="0">
+                  <a:prstClr val="black">
+                    <a:alpha val="20000"/>
+                  </a:prstClr>
+                </a:outerShdw>
+              </a:effectLst>
             </c:spPr>
             <c:extLst>
               <c:ext xmlns:c16="http://schemas.microsoft.com/office/drawing/2014/chart" uri="{C3380CC4-5D6E-409C-BE32-E72D297353CC}">
@@ -844,12 +1389,16 @@
                   <a:lumMod val="60000"/>
                 </a:schemeClr>
               </a:solidFill>
-              <a:ln w="19050">
-                <a:solidFill>
-                  <a:schemeClr val="lt1"/>
-                </a:solidFill>
+              <a:ln>
+                <a:noFill/>
               </a:ln>
-              <a:effectLst/>
+              <a:effectLst>
+                <a:outerShdw blurRad="63500" sx="102000" sy="102000" algn="ctr" rotWithShape="0">
+                  <a:prstClr val="black">
+                    <a:alpha val="20000"/>
+                  </a:prstClr>
+                </a:outerShdw>
+              </a:effectLst>
             </c:spPr>
             <c:extLst>
               <c:ext xmlns:c16="http://schemas.microsoft.com/office/drawing/2014/chart" uri="{C3380CC4-5D6E-409C-BE32-E72D297353CC}">
@@ -866,12 +1415,16 @@
                   <a:lumMod val="60000"/>
                 </a:schemeClr>
               </a:solidFill>
-              <a:ln w="19050">
-                <a:solidFill>
-                  <a:schemeClr val="lt1"/>
-                </a:solidFill>
+              <a:ln>
+                <a:noFill/>
               </a:ln>
-              <a:effectLst/>
+              <a:effectLst>
+                <a:outerShdw blurRad="63500" sx="102000" sy="102000" algn="ctr" rotWithShape="0">
+                  <a:prstClr val="black">
+                    <a:alpha val="20000"/>
+                  </a:prstClr>
+                </a:outerShdw>
+              </a:effectLst>
             </c:spPr>
             <c:extLst>
               <c:ext xmlns:c16="http://schemas.microsoft.com/office/drawing/2014/chart" uri="{C3380CC4-5D6E-409C-BE32-E72D297353CC}">
@@ -879,6 +1432,293 @@
               </c:ext>
             </c:extLst>
           </c:dPt>
+          <c:dLbls>
+            <c:dLbl>
+              <c:idx val="0"/>
+              <c:spPr>
+                <a:noFill/>
+                <a:ln>
+                  <a:noFill/>
+                </a:ln>
+                <a:effectLst/>
+              </c:spPr>
+              <c:txPr>
+                <a:bodyPr rot="0" spcFirstLastPara="1" vertOverflow="ellipsis" vert="horz" wrap="square" lIns="38100" tIns="19050" rIns="38100" bIns="19050" anchor="ctr" anchorCtr="1">
+                  <a:spAutoFit/>
+                </a:bodyPr>
+                <a:lstStyle/>
+                <a:p>
+                  <a:pPr>
+                    <a:defRPr sz="1330" b="1" i="0" u="none" strike="noStrike" kern="1200" spc="0" baseline="0">
+                      <a:solidFill>
+                        <a:schemeClr val="accent6"/>
+                      </a:solidFill>
+                      <a:latin typeface="+mn-lt"/>
+                      <a:ea typeface="+mn-ea"/>
+                      <a:cs typeface="+mn-cs"/>
+                    </a:defRPr>
+                  </a:pPr>
+                  <a:endParaRPr lang="fr-FR"/>
+                </a:p>
+              </c:txPr>
+              <c:dLblPos val="outEnd"/>
+              <c:showLegendKey val="0"/>
+              <c:showVal val="0"/>
+              <c:showCatName val="1"/>
+              <c:showSerName val="0"/>
+              <c:showPercent val="0"/>
+              <c:showBubbleSize val="0"/>
+              <c:extLst>
+                <c:ext xmlns:c16="http://schemas.microsoft.com/office/drawing/2014/chart" uri="{C3380CC4-5D6E-409C-BE32-E72D297353CC}">
+                  <c16:uniqueId val="{00000001-37FE-4FB7-BFCC-4B2ED4D701B5}"/>
+                </c:ext>
+              </c:extLst>
+            </c:dLbl>
+            <c:dLbl>
+              <c:idx val="1"/>
+              <c:spPr>
+                <a:noFill/>
+                <a:ln>
+                  <a:noFill/>
+                </a:ln>
+                <a:effectLst/>
+              </c:spPr>
+              <c:txPr>
+                <a:bodyPr rot="0" spcFirstLastPara="1" vertOverflow="ellipsis" vert="horz" wrap="square" lIns="38100" tIns="19050" rIns="38100" bIns="19050" anchor="ctr" anchorCtr="1">
+                  <a:spAutoFit/>
+                </a:bodyPr>
+                <a:lstStyle/>
+                <a:p>
+                  <a:pPr>
+                    <a:defRPr sz="1330" b="1" i="0" u="none" strike="noStrike" kern="1200" spc="0" baseline="0">
+                      <a:solidFill>
+                        <a:schemeClr val="accent5"/>
+                      </a:solidFill>
+                      <a:latin typeface="+mn-lt"/>
+                      <a:ea typeface="+mn-ea"/>
+                      <a:cs typeface="+mn-cs"/>
+                    </a:defRPr>
+                  </a:pPr>
+                  <a:endParaRPr lang="fr-FR"/>
+                </a:p>
+              </c:txPr>
+              <c:dLblPos val="outEnd"/>
+              <c:showLegendKey val="0"/>
+              <c:showVal val="0"/>
+              <c:showCatName val="1"/>
+              <c:showSerName val="0"/>
+              <c:showPercent val="0"/>
+              <c:showBubbleSize val="0"/>
+              <c:extLst>
+                <c:ext xmlns:c16="http://schemas.microsoft.com/office/drawing/2014/chart" uri="{C3380CC4-5D6E-409C-BE32-E72D297353CC}">
+                  <c16:uniqueId val="{00000003-37FE-4FB7-BFCC-4B2ED4D701B5}"/>
+                </c:ext>
+              </c:extLst>
+            </c:dLbl>
+            <c:dLbl>
+              <c:idx val="2"/>
+              <c:spPr>
+                <a:noFill/>
+                <a:ln>
+                  <a:noFill/>
+                </a:ln>
+                <a:effectLst/>
+              </c:spPr>
+              <c:txPr>
+                <a:bodyPr rot="0" spcFirstLastPara="1" vertOverflow="ellipsis" vert="horz" wrap="square" lIns="38100" tIns="19050" rIns="38100" bIns="19050" anchor="ctr" anchorCtr="1">
+                  <a:noAutofit/>
+                </a:bodyPr>
+                <a:lstStyle/>
+                <a:p>
+                  <a:pPr>
+                    <a:defRPr sz="1330" b="1" i="0" u="none" strike="noStrike" kern="1200" spc="0" baseline="0">
+                      <a:solidFill>
+                        <a:schemeClr val="accent4"/>
+                      </a:solidFill>
+                      <a:latin typeface="+mn-lt"/>
+                      <a:ea typeface="+mn-ea"/>
+                      <a:cs typeface="+mn-cs"/>
+                    </a:defRPr>
+                  </a:pPr>
+                  <a:endParaRPr lang="fr-FR"/>
+                </a:p>
+              </c:txPr>
+              <c:dLblPos val="outEnd"/>
+              <c:showLegendKey val="0"/>
+              <c:showVal val="0"/>
+              <c:showCatName val="1"/>
+              <c:showSerName val="0"/>
+              <c:showPercent val="0"/>
+              <c:showBubbleSize val="0"/>
+              <c:extLst>
+                <c:ext xmlns:c15="http://schemas.microsoft.com/office/drawing/2012/chart" uri="{CE6537A1-D6FC-4f65-9D91-7224C49458BB}">
+                  <c15:layout>
+                    <c:manualLayout>
+                      <c:w val="0.19679678735259307"/>
+                      <c:h val="0.11203387358060331"/>
+                    </c:manualLayout>
+                  </c15:layout>
+                </c:ext>
+                <c:ext xmlns:c16="http://schemas.microsoft.com/office/drawing/2014/chart" uri="{C3380CC4-5D6E-409C-BE32-E72D297353CC}">
+                  <c16:uniqueId val="{00000005-37FE-4FB7-BFCC-4B2ED4D701B5}"/>
+                </c:ext>
+              </c:extLst>
+            </c:dLbl>
+            <c:dLbl>
+              <c:idx val="3"/>
+              <c:spPr>
+                <a:noFill/>
+                <a:ln>
+                  <a:noFill/>
+                </a:ln>
+                <a:effectLst/>
+              </c:spPr>
+              <c:txPr>
+                <a:bodyPr rot="0" spcFirstLastPara="1" vertOverflow="ellipsis" vert="horz" wrap="square" lIns="38100" tIns="19050" rIns="38100" bIns="19050" anchor="ctr" anchorCtr="1">
+                  <a:spAutoFit/>
+                </a:bodyPr>
+                <a:lstStyle/>
+                <a:p>
+                  <a:pPr>
+                    <a:defRPr sz="1330" b="1" i="0" u="none" strike="noStrike" kern="1200" spc="0" baseline="0">
+                      <a:solidFill>
+                        <a:schemeClr val="accent6">
+                          <a:lumMod val="60000"/>
+                        </a:schemeClr>
+                      </a:solidFill>
+                      <a:latin typeface="+mn-lt"/>
+                      <a:ea typeface="+mn-ea"/>
+                      <a:cs typeface="+mn-cs"/>
+                    </a:defRPr>
+                  </a:pPr>
+                  <a:endParaRPr lang="fr-FR"/>
+                </a:p>
+              </c:txPr>
+              <c:dLblPos val="outEnd"/>
+              <c:showLegendKey val="0"/>
+              <c:showVal val="0"/>
+              <c:showCatName val="1"/>
+              <c:showSerName val="0"/>
+              <c:showPercent val="0"/>
+              <c:showBubbleSize val="0"/>
+              <c:extLst>
+                <c:ext xmlns:c16="http://schemas.microsoft.com/office/drawing/2014/chart" uri="{C3380CC4-5D6E-409C-BE32-E72D297353CC}">
+                  <c16:uniqueId val="{00000001-F8A5-4FC6-BC5E-6064798AA75A}"/>
+                </c:ext>
+              </c:extLst>
+            </c:dLbl>
+            <c:dLbl>
+              <c:idx val="4"/>
+              <c:spPr>
+                <a:noFill/>
+                <a:ln>
+                  <a:noFill/>
+                </a:ln>
+                <a:effectLst/>
+              </c:spPr>
+              <c:txPr>
+                <a:bodyPr rot="0" spcFirstLastPara="1" vertOverflow="ellipsis" vert="horz" wrap="square" lIns="38100" tIns="19050" rIns="38100" bIns="19050" anchor="ctr" anchorCtr="1">
+                  <a:spAutoFit/>
+                </a:bodyPr>
+                <a:lstStyle/>
+                <a:p>
+                  <a:pPr>
+                    <a:defRPr sz="1330" b="1" i="0" u="none" strike="noStrike" kern="1200" spc="0" baseline="0">
+                      <a:solidFill>
+                        <a:schemeClr val="accent5">
+                          <a:lumMod val="60000"/>
+                        </a:schemeClr>
+                      </a:solidFill>
+                      <a:latin typeface="+mn-lt"/>
+                      <a:ea typeface="+mn-ea"/>
+                      <a:cs typeface="+mn-cs"/>
+                    </a:defRPr>
+                  </a:pPr>
+                  <a:endParaRPr lang="fr-FR"/>
+                </a:p>
+              </c:txPr>
+              <c:dLblPos val="outEnd"/>
+              <c:showLegendKey val="0"/>
+              <c:showVal val="0"/>
+              <c:showCatName val="1"/>
+              <c:showSerName val="0"/>
+              <c:showPercent val="0"/>
+              <c:showBubbleSize val="0"/>
+              <c:extLst>
+                <c:ext xmlns:c16="http://schemas.microsoft.com/office/drawing/2014/chart" uri="{C3380CC4-5D6E-409C-BE32-E72D297353CC}">
+                  <c16:uniqueId val="{00000009-1801-4E5A-AE2B-1748E3A380A9}"/>
+                </c:ext>
+              </c:extLst>
+            </c:dLbl>
+            <c:dLbl>
+              <c:idx val="5"/>
+              <c:spPr>
+                <a:noFill/>
+                <a:ln>
+                  <a:noFill/>
+                </a:ln>
+                <a:effectLst/>
+              </c:spPr>
+              <c:txPr>
+                <a:bodyPr rot="0" spcFirstLastPara="1" vertOverflow="ellipsis" vert="horz" wrap="square" lIns="38100" tIns="19050" rIns="38100" bIns="19050" anchor="ctr" anchorCtr="1">
+                  <a:spAutoFit/>
+                </a:bodyPr>
+                <a:lstStyle/>
+                <a:p>
+                  <a:pPr>
+                    <a:defRPr sz="1330" b="1" i="0" u="none" strike="noStrike" kern="1200" spc="0" baseline="0">
+                      <a:solidFill>
+                        <a:schemeClr val="accent4">
+                          <a:lumMod val="60000"/>
+                        </a:schemeClr>
+                      </a:solidFill>
+                      <a:latin typeface="+mn-lt"/>
+                      <a:ea typeface="+mn-ea"/>
+                      <a:cs typeface="+mn-cs"/>
+                    </a:defRPr>
+                  </a:pPr>
+                  <a:endParaRPr lang="fr-FR"/>
+                </a:p>
+              </c:txPr>
+              <c:dLblPos val="outEnd"/>
+              <c:showLegendKey val="0"/>
+              <c:showVal val="0"/>
+              <c:showCatName val="1"/>
+              <c:showSerName val="0"/>
+              <c:showPercent val="0"/>
+              <c:showBubbleSize val="0"/>
+              <c:extLst>
+                <c:ext xmlns:c16="http://schemas.microsoft.com/office/drawing/2014/chart" uri="{C3380CC4-5D6E-409C-BE32-E72D297353CC}">
+                  <c16:uniqueId val="{00000008-9735-406D-B950-116D2D703016}"/>
+                </c:ext>
+              </c:extLst>
+            </c:dLbl>
+            <c:dLblPos val="outEnd"/>
+            <c:showLegendKey val="0"/>
+            <c:showVal val="0"/>
+            <c:showCatName val="1"/>
+            <c:showSerName val="0"/>
+            <c:showPercent val="0"/>
+            <c:showBubbleSize val="0"/>
+            <c:showLeaderLines val="1"/>
+            <c:leaderLines>
+              <c:spPr>
+                <a:ln w="9525" cap="flat" cmpd="sng" algn="ctr">
+                  <a:solidFill>
+                    <a:schemeClr val="tx1">
+                      <a:lumMod val="35000"/>
+                      <a:lumOff val="65000"/>
+                    </a:schemeClr>
+                  </a:solidFill>
+                  <a:round/>
+                </a:ln>
+                <a:effectLst/>
+              </c:spPr>
+            </c:leaderLines>
+            <c:extLst>
+              <c:ext xmlns:c15="http://schemas.microsoft.com/office/drawing/2012/chart" uri="{CE6537A1-D6FC-4f65-9D91-7224C49458BB}"/>
+            </c:extLst>
+          </c:dLbls>
           <c:cat>
             <c:strRef>
               <c:f>Feuil1!$A$2:$A$7</c:f>
@@ -939,9 +1779,10 @@
           </c:extLst>
         </c:ser>
         <c:dLbls>
+          <c:dLblPos val="outEnd"/>
           <c:showLegendKey val="0"/>
           <c:showVal val="0"/>
-          <c:showCatName val="0"/>
+          <c:showCatName val="1"/>
           <c:showSerName val="0"/>
           <c:showPercent val="0"/>
           <c:showBubbleSize val="0"/>
@@ -957,37 +1798,6 @@
         <a:effectLst/>
       </c:spPr>
     </c:plotArea>
-    <c:legend>
-      <c:legendPos val="b"/>
-      <c:overlay val="0"/>
-      <c:spPr>
-        <a:noFill/>
-        <a:ln>
-          <a:noFill/>
-        </a:ln>
-        <a:effectLst/>
-      </c:spPr>
-      <c:txPr>
-        <a:bodyPr rot="0" spcFirstLastPara="1" vertOverflow="ellipsis" vert="horz" wrap="square" anchor="ctr" anchorCtr="1"/>
-        <a:lstStyle/>
-        <a:p>
-          <a:pPr>
-            <a:defRPr sz="1197" b="0" i="0" u="none" strike="noStrike" kern="1200" baseline="0">
-              <a:solidFill>
-                <a:schemeClr val="tx1">
-                  <a:lumMod val="65000"/>
-                  <a:lumOff val="35000"/>
-                </a:schemeClr>
-              </a:solidFill>
-              <a:latin typeface="+mn-lt"/>
-              <a:ea typeface="+mn-ea"/>
-              <a:cs typeface="+mn-cs"/>
-            </a:defRPr>
-          </a:pPr>
-          <a:endParaRPr lang="fr-FR"/>
-        </a:p>
-      </c:txPr>
-    </c:legend>
     <c:plotVisOnly val="1"/>
     <c:dispBlanksAs val="gap"/>
     <c:extLst>
@@ -1043,8 +1853,8 @@
           <c:layoutTarget val="inner"/>
           <c:xMode val="edge"/>
           <c:yMode val="edge"/>
-          <c:x val="0.14662065732028254"/>
-          <c:y val="2.3064876567166222E-2"/>
+          <c:x val="0.20881633876735292"/>
+          <c:y val="0.14754610398815429"/>
           <c:w val="0.63631262851314385"/>
           <c:h val="0.80966020037897524"/>
         </c:manualLayout>
@@ -1072,13 +1882,22 @@
               <a:solidFill>
                 <a:schemeClr val="accent1"/>
               </a:solidFill>
-              <a:ln w="19050">
-                <a:solidFill>
-                  <a:schemeClr val="lt1"/>
-                </a:solidFill>
+              <a:ln>
+                <a:noFill/>
               </a:ln>
-              <a:effectLst/>
+              <a:effectLst>
+                <a:outerShdw blurRad="63500" sx="102000" sy="102000" algn="ctr" rotWithShape="0">
+                  <a:prstClr val="black">
+                    <a:alpha val="20000"/>
+                  </a:prstClr>
+                </a:outerShdw>
+              </a:effectLst>
             </c:spPr>
+            <c:extLst>
+              <c:ext xmlns:c16="http://schemas.microsoft.com/office/drawing/2014/chart" uri="{C3380CC4-5D6E-409C-BE32-E72D297353CC}">
+                <c16:uniqueId val="{00000001-2EFA-4A21-84B4-5AA7AE1BBB6E}"/>
+              </c:ext>
+            </c:extLst>
           </c:dPt>
           <c:dPt>
             <c:idx val="1"/>
@@ -1087,13 +1906,22 @@
               <a:solidFill>
                 <a:schemeClr val="accent2"/>
               </a:solidFill>
-              <a:ln w="19050">
-                <a:solidFill>
-                  <a:schemeClr val="lt1"/>
-                </a:solidFill>
+              <a:ln>
+                <a:noFill/>
               </a:ln>
-              <a:effectLst/>
+              <a:effectLst>
+                <a:outerShdw blurRad="63500" sx="102000" sy="102000" algn="ctr" rotWithShape="0">
+                  <a:prstClr val="black">
+                    <a:alpha val="20000"/>
+                  </a:prstClr>
+                </a:outerShdw>
+              </a:effectLst>
             </c:spPr>
+            <c:extLst>
+              <c:ext xmlns:c16="http://schemas.microsoft.com/office/drawing/2014/chart" uri="{C3380CC4-5D6E-409C-BE32-E72D297353CC}">
+                <c16:uniqueId val="{00000003-2EFA-4A21-84B4-5AA7AE1BBB6E}"/>
+              </c:ext>
+            </c:extLst>
           </c:dPt>
           <c:dPt>
             <c:idx val="2"/>
@@ -1102,13 +1930,22 @@
               <a:solidFill>
                 <a:schemeClr val="accent3"/>
               </a:solidFill>
-              <a:ln w="19050">
-                <a:solidFill>
-                  <a:schemeClr val="lt1"/>
-                </a:solidFill>
+              <a:ln>
+                <a:noFill/>
               </a:ln>
-              <a:effectLst/>
+              <a:effectLst>
+                <a:outerShdw blurRad="63500" sx="102000" sy="102000" algn="ctr" rotWithShape="0">
+                  <a:prstClr val="black">
+                    <a:alpha val="20000"/>
+                  </a:prstClr>
+                </a:outerShdw>
+              </a:effectLst>
             </c:spPr>
+            <c:extLst>
+              <c:ext xmlns:c16="http://schemas.microsoft.com/office/drawing/2014/chart" uri="{C3380CC4-5D6E-409C-BE32-E72D297353CC}">
+                <c16:uniqueId val="{00000005-2EFA-4A21-84B4-5AA7AE1BBB6E}"/>
+              </c:ext>
+            </c:extLst>
           </c:dPt>
           <c:dPt>
             <c:idx val="3"/>
@@ -1117,13 +1954,22 @@
               <a:solidFill>
                 <a:schemeClr val="accent4"/>
               </a:solidFill>
-              <a:ln w="19050">
-                <a:solidFill>
-                  <a:schemeClr val="lt1"/>
-                </a:solidFill>
+              <a:ln>
+                <a:noFill/>
               </a:ln>
-              <a:effectLst/>
+              <a:effectLst>
+                <a:outerShdw blurRad="63500" sx="102000" sy="102000" algn="ctr" rotWithShape="0">
+                  <a:prstClr val="black">
+                    <a:alpha val="20000"/>
+                  </a:prstClr>
+                </a:outerShdw>
+              </a:effectLst>
             </c:spPr>
+            <c:extLst>
+              <c:ext xmlns:c16="http://schemas.microsoft.com/office/drawing/2014/chart" uri="{C3380CC4-5D6E-409C-BE32-E72D297353CC}">
+                <c16:uniqueId val="{00000007-2EFA-4A21-84B4-5AA7AE1BBB6E}"/>
+              </c:ext>
+            </c:extLst>
           </c:dPt>
           <c:dPt>
             <c:idx val="4"/>
@@ -1132,14 +1978,284 @@
               <a:solidFill>
                 <a:schemeClr val="accent5"/>
               </a:solidFill>
-              <a:ln w="19050">
-                <a:solidFill>
-                  <a:schemeClr val="lt1"/>
-                </a:solidFill>
+              <a:ln>
+                <a:noFill/>
               </a:ln>
-              <a:effectLst/>
+              <a:effectLst>
+                <a:outerShdw blurRad="63500" sx="102000" sy="102000" algn="ctr" rotWithShape="0">
+                  <a:prstClr val="black">
+                    <a:alpha val="20000"/>
+                  </a:prstClr>
+                </a:outerShdw>
+              </a:effectLst>
             </c:spPr>
+            <c:extLst>
+              <c:ext xmlns:c16="http://schemas.microsoft.com/office/drawing/2014/chart" uri="{C3380CC4-5D6E-409C-BE32-E72D297353CC}">
+                <c16:uniqueId val="{00000009-2EFA-4A21-84B4-5AA7AE1BBB6E}"/>
+              </c:ext>
+            </c:extLst>
           </c:dPt>
+          <c:dLbls>
+            <c:dLbl>
+              <c:idx val="0"/>
+              <c:spPr>
+                <a:noFill/>
+                <a:ln>
+                  <a:noFill/>
+                </a:ln>
+                <a:effectLst/>
+              </c:spPr>
+              <c:txPr>
+                <a:bodyPr rot="0" spcFirstLastPara="1" vertOverflow="ellipsis" vert="horz" wrap="square" lIns="38100" tIns="19050" rIns="38100" bIns="19050" anchor="ctr" anchorCtr="1">
+                  <a:spAutoFit/>
+                </a:bodyPr>
+                <a:lstStyle/>
+                <a:p>
+                  <a:pPr>
+                    <a:defRPr sz="1330" b="1" i="0" u="none" strike="noStrike" kern="1200" spc="0" baseline="0">
+                      <a:solidFill>
+                        <a:schemeClr val="accent1"/>
+                      </a:solidFill>
+                      <a:latin typeface="+mn-lt"/>
+                      <a:ea typeface="+mn-ea"/>
+                      <a:cs typeface="+mn-cs"/>
+                    </a:defRPr>
+                  </a:pPr>
+                  <a:endParaRPr lang="fr-FR"/>
+                </a:p>
+              </c:txPr>
+              <c:dLblPos val="outEnd"/>
+              <c:showLegendKey val="0"/>
+              <c:showVal val="0"/>
+              <c:showCatName val="1"/>
+              <c:showSerName val="0"/>
+              <c:showPercent val="0"/>
+              <c:showBubbleSize val="0"/>
+              <c:extLst>
+                <c:ext xmlns:c16="http://schemas.microsoft.com/office/drawing/2014/chart" uri="{C3380CC4-5D6E-409C-BE32-E72D297353CC}">
+                  <c16:uniqueId val="{00000001-2EFA-4A21-84B4-5AA7AE1BBB6E}"/>
+                </c:ext>
+              </c:extLst>
+            </c:dLbl>
+            <c:dLbl>
+              <c:idx val="1"/>
+              <c:spPr>
+                <a:noFill/>
+                <a:ln>
+                  <a:noFill/>
+                </a:ln>
+                <a:effectLst/>
+              </c:spPr>
+              <c:txPr>
+                <a:bodyPr rot="0" spcFirstLastPara="1" vertOverflow="ellipsis" vert="horz" wrap="square" lIns="38100" tIns="19050" rIns="38100" bIns="19050" anchor="ctr" anchorCtr="1">
+                  <a:spAutoFit/>
+                </a:bodyPr>
+                <a:lstStyle/>
+                <a:p>
+                  <a:pPr>
+                    <a:defRPr sz="1330" b="1" i="0" u="none" strike="noStrike" kern="1200" spc="0" baseline="0">
+                      <a:solidFill>
+                        <a:schemeClr val="accent2"/>
+                      </a:solidFill>
+                      <a:latin typeface="+mn-lt"/>
+                      <a:ea typeface="+mn-ea"/>
+                      <a:cs typeface="+mn-cs"/>
+                    </a:defRPr>
+                  </a:pPr>
+                  <a:endParaRPr lang="fr-FR"/>
+                </a:p>
+              </c:txPr>
+              <c:dLblPos val="outEnd"/>
+              <c:showLegendKey val="0"/>
+              <c:showVal val="0"/>
+              <c:showCatName val="1"/>
+              <c:showSerName val="0"/>
+              <c:showPercent val="0"/>
+              <c:showBubbleSize val="0"/>
+              <c:extLst>
+                <c:ext xmlns:c16="http://schemas.microsoft.com/office/drawing/2014/chart" uri="{C3380CC4-5D6E-409C-BE32-E72D297353CC}">
+                  <c16:uniqueId val="{00000003-2EFA-4A21-84B4-5AA7AE1BBB6E}"/>
+                </c:ext>
+              </c:extLst>
+            </c:dLbl>
+            <c:dLbl>
+              <c:idx val="2"/>
+              <c:layout>
+                <c:manualLayout>
+                  <c:x val="-2.7041632616211949E-2"/>
+                  <c:y val="-5.4463518853168989E-2"/>
+                </c:manualLayout>
+              </c:layout>
+              <c:spPr>
+                <a:noFill/>
+                <a:ln>
+                  <a:noFill/>
+                </a:ln>
+                <a:effectLst/>
+              </c:spPr>
+              <c:txPr>
+                <a:bodyPr rot="0" spcFirstLastPara="1" vertOverflow="ellipsis" vert="horz" wrap="square" lIns="38100" tIns="19050" rIns="38100" bIns="19050" anchor="ctr" anchorCtr="1">
+                  <a:spAutoFit/>
+                </a:bodyPr>
+                <a:lstStyle/>
+                <a:p>
+                  <a:pPr>
+                    <a:defRPr sz="1330" b="1" i="0" u="none" strike="noStrike" kern="1200" spc="0" baseline="0">
+                      <a:solidFill>
+                        <a:schemeClr val="accent3"/>
+                      </a:solidFill>
+                      <a:latin typeface="+mn-lt"/>
+                      <a:ea typeface="+mn-ea"/>
+                      <a:cs typeface="+mn-cs"/>
+                    </a:defRPr>
+                  </a:pPr>
+                  <a:endParaRPr lang="fr-FR"/>
+                </a:p>
+              </c:txPr>
+              <c:dLblPos val="bestFit"/>
+              <c:showLegendKey val="0"/>
+              <c:showVal val="0"/>
+              <c:showCatName val="1"/>
+              <c:showSerName val="0"/>
+              <c:showPercent val="0"/>
+              <c:showBubbleSize val="0"/>
+              <c:extLst>
+                <c:ext xmlns:c15="http://schemas.microsoft.com/office/drawing/2012/chart" uri="{CE6537A1-D6FC-4f65-9D91-7224C49458BB}"/>
+                <c:ext xmlns:c16="http://schemas.microsoft.com/office/drawing/2014/chart" uri="{C3380CC4-5D6E-409C-BE32-E72D297353CC}">
+                  <c16:uniqueId val="{00000005-2EFA-4A21-84B4-5AA7AE1BBB6E}"/>
+                </c:ext>
+              </c:extLst>
+            </c:dLbl>
+            <c:dLbl>
+              <c:idx val="3"/>
+              <c:layout>
+                <c:manualLayout>
+                  <c:x val="4.0562448924317922E-2"/>
+                  <c:y val="1.8154506284389627E-2"/>
+                </c:manualLayout>
+              </c:layout>
+              <c:spPr>
+                <a:noFill/>
+                <a:ln>
+                  <a:noFill/>
+                </a:ln>
+                <a:effectLst/>
+              </c:spPr>
+              <c:txPr>
+                <a:bodyPr rot="0" spcFirstLastPara="1" vertOverflow="ellipsis" vert="horz" wrap="square" lIns="38100" tIns="19050" rIns="38100" bIns="19050" anchor="ctr" anchorCtr="1">
+                  <a:noAutofit/>
+                </a:bodyPr>
+                <a:lstStyle/>
+                <a:p>
+                  <a:pPr>
+                    <a:defRPr sz="1330" b="1" i="0" u="none" strike="noStrike" kern="1200" spc="0" baseline="0">
+                      <a:solidFill>
+                        <a:schemeClr val="accent4"/>
+                      </a:solidFill>
+                      <a:latin typeface="+mn-lt"/>
+                      <a:ea typeface="+mn-ea"/>
+                      <a:cs typeface="+mn-cs"/>
+                    </a:defRPr>
+                  </a:pPr>
+                  <a:endParaRPr lang="fr-FR"/>
+                </a:p>
+              </c:txPr>
+              <c:dLblPos val="bestFit"/>
+              <c:showLegendKey val="0"/>
+              <c:showVal val="0"/>
+              <c:showCatName val="1"/>
+              <c:showSerName val="0"/>
+              <c:showPercent val="0"/>
+              <c:showBubbleSize val="0"/>
+              <c:extLst>
+                <c:ext xmlns:c15="http://schemas.microsoft.com/office/drawing/2012/chart" uri="{CE6537A1-D6FC-4f65-9D91-7224C49458BB}">
+                  <c15:layout>
+                    <c:manualLayout>
+                      <c:w val="0.29478083714932646"/>
+                      <c:h val="0.16854958121937766"/>
+                    </c:manualLayout>
+                  </c15:layout>
+                </c:ext>
+                <c:ext xmlns:c16="http://schemas.microsoft.com/office/drawing/2014/chart" uri="{C3380CC4-5D6E-409C-BE32-E72D297353CC}">
+                  <c16:uniqueId val="{00000007-2EFA-4A21-84B4-5AA7AE1BBB6E}"/>
+                </c:ext>
+              </c:extLst>
+            </c:dLbl>
+            <c:dLbl>
+              <c:idx val="4"/>
+              <c:spPr>
+                <a:noFill/>
+                <a:ln>
+                  <a:noFill/>
+                </a:ln>
+                <a:effectLst/>
+              </c:spPr>
+              <c:txPr>
+                <a:bodyPr rot="0" spcFirstLastPara="1" vertOverflow="ellipsis" vert="horz" wrap="square" lIns="38100" tIns="19050" rIns="38100" bIns="19050" anchor="ctr" anchorCtr="1">
+                  <a:spAutoFit/>
+                </a:bodyPr>
+                <a:lstStyle/>
+                <a:p>
+                  <a:pPr>
+                    <a:defRPr sz="1330" b="1" i="0" u="none" strike="noStrike" kern="1200" spc="0" baseline="0">
+                      <a:solidFill>
+                        <a:schemeClr val="accent5"/>
+                      </a:solidFill>
+                      <a:latin typeface="+mn-lt"/>
+                      <a:ea typeface="+mn-ea"/>
+                      <a:cs typeface="+mn-cs"/>
+                    </a:defRPr>
+                  </a:pPr>
+                  <a:endParaRPr lang="fr-FR"/>
+                </a:p>
+              </c:txPr>
+              <c:dLblPos val="outEnd"/>
+              <c:showLegendKey val="0"/>
+              <c:showVal val="0"/>
+              <c:showCatName val="1"/>
+              <c:showSerName val="0"/>
+              <c:showPercent val="0"/>
+              <c:showBubbleSize val="0"/>
+              <c:extLst>
+                <c:ext xmlns:c15="http://schemas.microsoft.com/office/drawing/2012/chart" uri="{CE6537A1-D6FC-4f65-9D91-7224C49458BB}">
+                  <c15:layout>
+                    <c:manualLayout>
+                      <c:w val="0.23880465763376771"/>
+                      <c:h val="0.10732338965121666"/>
+                    </c:manualLayout>
+                  </c15:layout>
+                </c:ext>
+                <c:ext xmlns:c16="http://schemas.microsoft.com/office/drawing/2014/chart" uri="{C3380CC4-5D6E-409C-BE32-E72D297353CC}">
+                  <c16:uniqueId val="{00000009-2EFA-4A21-84B4-5AA7AE1BBB6E}"/>
+                </c:ext>
+              </c:extLst>
+            </c:dLbl>
+            <c:dLblPos val="outEnd"/>
+            <c:showLegendKey val="0"/>
+            <c:showVal val="0"/>
+            <c:showCatName val="1"/>
+            <c:showSerName val="0"/>
+            <c:showPercent val="0"/>
+            <c:showBubbleSize val="0"/>
+            <c:showLeaderLines val="1"/>
+            <c:leaderLines>
+              <c:spPr>
+                <a:ln w="9525" cap="flat" cmpd="sng" algn="ctr">
+                  <a:solidFill>
+                    <a:schemeClr val="tx1">
+                      <a:lumMod val="35000"/>
+                      <a:lumOff val="65000"/>
+                    </a:schemeClr>
+                  </a:solidFill>
+                  <a:round/>
+                </a:ln>
+                <a:effectLst/>
+              </c:spPr>
+            </c:leaderLines>
+            <c:extLst>
+              <c:ext xmlns:c15="http://schemas.microsoft.com/office/drawing/2012/chart" uri="{CE6537A1-D6FC-4f65-9D91-7224C49458BB}"/>
+            </c:extLst>
+          </c:dLbls>
           <c:cat>
             <c:strRef>
               <c:f>Feuil1!$A$2:$A$6</c:f>
@@ -1194,9 +2310,10 @@
           </c:extLst>
         </c:ser>
         <c:dLbls>
+          <c:dLblPos val="outEnd"/>
           <c:showLegendKey val="0"/>
           <c:showVal val="0"/>
-          <c:showCatName val="0"/>
+          <c:showCatName val="1"/>
           <c:showSerName val="0"/>
           <c:showPercent val="0"/>
           <c:showBubbleSize val="0"/>
@@ -1212,37 +2329,6 @@
         <a:effectLst/>
       </c:spPr>
     </c:plotArea>
-    <c:legend>
-      <c:legendPos val="b"/>
-      <c:overlay val="0"/>
-      <c:spPr>
-        <a:noFill/>
-        <a:ln>
-          <a:noFill/>
-        </a:ln>
-        <a:effectLst/>
-      </c:spPr>
-      <c:txPr>
-        <a:bodyPr rot="0" spcFirstLastPara="1" vertOverflow="ellipsis" vert="horz" wrap="square" anchor="ctr" anchorCtr="1"/>
-        <a:lstStyle/>
-        <a:p>
-          <a:pPr>
-            <a:defRPr sz="1197" b="0" i="0" u="none" strike="noStrike" kern="1200" baseline="0">
-              <a:solidFill>
-                <a:schemeClr val="tx1">
-                  <a:lumMod val="65000"/>
-                  <a:lumOff val="35000"/>
-                </a:schemeClr>
-              </a:solidFill>
-              <a:latin typeface="+mn-lt"/>
-              <a:ea typeface="+mn-ea"/>
-              <a:cs typeface="+mn-cs"/>
-            </a:defRPr>
-          </a:pPr>
-          <a:endParaRPr lang="fr-FR"/>
-        </a:p>
-      </c:txPr>
-    </c:legend>
     <c:plotVisOnly val="1"/>
     <c:dispBlanksAs val="gap"/>
     <c:extLst>
@@ -1317,13 +2403,22 @@
               <a:solidFill>
                 <a:schemeClr val="accent1"/>
               </a:solidFill>
-              <a:ln w="19050">
-                <a:solidFill>
-                  <a:schemeClr val="lt1"/>
-                </a:solidFill>
+              <a:ln>
+                <a:noFill/>
               </a:ln>
-              <a:effectLst/>
+              <a:effectLst>
+                <a:outerShdw blurRad="63500" sx="102000" sy="102000" algn="ctr" rotWithShape="0">
+                  <a:prstClr val="black">
+                    <a:alpha val="20000"/>
+                  </a:prstClr>
+                </a:outerShdw>
+              </a:effectLst>
             </c:spPr>
+            <c:extLst>
+              <c:ext xmlns:c16="http://schemas.microsoft.com/office/drawing/2014/chart" uri="{C3380CC4-5D6E-409C-BE32-E72D297353CC}">
+                <c16:uniqueId val="{00000001-D406-49CC-B54A-494E71A0D887}"/>
+              </c:ext>
+            </c:extLst>
           </c:dPt>
           <c:dPt>
             <c:idx val="1"/>
@@ -1332,13 +2427,22 @@
               <a:solidFill>
                 <a:schemeClr val="accent2"/>
               </a:solidFill>
-              <a:ln w="19050">
-                <a:solidFill>
-                  <a:schemeClr val="lt1"/>
-                </a:solidFill>
+              <a:ln>
+                <a:noFill/>
               </a:ln>
-              <a:effectLst/>
+              <a:effectLst>
+                <a:outerShdw blurRad="63500" sx="102000" sy="102000" algn="ctr" rotWithShape="0">
+                  <a:prstClr val="black">
+                    <a:alpha val="20000"/>
+                  </a:prstClr>
+                </a:outerShdw>
+              </a:effectLst>
             </c:spPr>
+            <c:extLst>
+              <c:ext xmlns:c16="http://schemas.microsoft.com/office/drawing/2014/chart" uri="{C3380CC4-5D6E-409C-BE32-E72D297353CC}">
+                <c16:uniqueId val="{00000003-D406-49CC-B54A-494E71A0D887}"/>
+              </c:ext>
+            </c:extLst>
           </c:dPt>
           <c:dPt>
             <c:idx val="2"/>
@@ -1347,13 +2451,22 @@
               <a:solidFill>
                 <a:schemeClr val="accent3"/>
               </a:solidFill>
-              <a:ln w="19050">
-                <a:solidFill>
-                  <a:schemeClr val="lt1"/>
-                </a:solidFill>
+              <a:ln>
+                <a:noFill/>
               </a:ln>
-              <a:effectLst/>
+              <a:effectLst>
+                <a:outerShdw blurRad="63500" sx="102000" sy="102000" algn="ctr" rotWithShape="0">
+                  <a:prstClr val="black">
+                    <a:alpha val="20000"/>
+                  </a:prstClr>
+                </a:outerShdw>
+              </a:effectLst>
             </c:spPr>
+            <c:extLst>
+              <c:ext xmlns:c16="http://schemas.microsoft.com/office/drawing/2014/chart" uri="{C3380CC4-5D6E-409C-BE32-E72D297353CC}">
+                <c16:uniqueId val="{00000005-D406-49CC-B54A-494E71A0D887}"/>
+              </c:ext>
+            </c:extLst>
           </c:dPt>
           <c:dPt>
             <c:idx val="3"/>
@@ -1362,13 +2475,22 @@
               <a:solidFill>
                 <a:schemeClr val="accent4"/>
               </a:solidFill>
-              <a:ln w="19050">
-                <a:solidFill>
-                  <a:schemeClr val="lt1"/>
-                </a:solidFill>
+              <a:ln>
+                <a:noFill/>
               </a:ln>
-              <a:effectLst/>
+              <a:effectLst>
+                <a:outerShdw blurRad="63500" sx="102000" sy="102000" algn="ctr" rotWithShape="0">
+                  <a:prstClr val="black">
+                    <a:alpha val="20000"/>
+                  </a:prstClr>
+                </a:outerShdw>
+              </a:effectLst>
             </c:spPr>
+            <c:extLst>
+              <c:ext xmlns:c16="http://schemas.microsoft.com/office/drawing/2014/chart" uri="{C3380CC4-5D6E-409C-BE32-E72D297353CC}">
+                <c16:uniqueId val="{00000007-D406-49CC-B54A-494E71A0D887}"/>
+              </c:ext>
+            </c:extLst>
           </c:dPt>
           <c:dPt>
             <c:idx val="4"/>
@@ -1377,13 +2499,22 @@
               <a:solidFill>
                 <a:schemeClr val="accent5"/>
               </a:solidFill>
-              <a:ln w="19050">
-                <a:solidFill>
-                  <a:schemeClr val="lt1"/>
-                </a:solidFill>
+              <a:ln>
+                <a:noFill/>
               </a:ln>
-              <a:effectLst/>
+              <a:effectLst>
+                <a:outerShdw blurRad="63500" sx="102000" sy="102000" algn="ctr" rotWithShape="0">
+                  <a:prstClr val="black">
+                    <a:alpha val="20000"/>
+                  </a:prstClr>
+                </a:outerShdw>
+              </a:effectLst>
             </c:spPr>
+            <c:extLst>
+              <c:ext xmlns:c16="http://schemas.microsoft.com/office/drawing/2014/chart" uri="{C3380CC4-5D6E-409C-BE32-E72D297353CC}">
+                <c16:uniqueId val="{00000009-D406-49CC-B54A-494E71A0D887}"/>
+              </c:ext>
+            </c:extLst>
           </c:dPt>
           <c:dPt>
             <c:idx val="5"/>
@@ -1392,14 +2523,303 @@
               <a:solidFill>
                 <a:schemeClr val="accent6"/>
               </a:solidFill>
-              <a:ln w="19050">
-                <a:solidFill>
-                  <a:schemeClr val="lt1"/>
-                </a:solidFill>
+              <a:ln>
+                <a:noFill/>
               </a:ln>
-              <a:effectLst/>
+              <a:effectLst>
+                <a:outerShdw blurRad="63500" sx="102000" sy="102000" algn="ctr" rotWithShape="0">
+                  <a:prstClr val="black">
+                    <a:alpha val="20000"/>
+                  </a:prstClr>
+                </a:outerShdw>
+              </a:effectLst>
             </c:spPr>
+            <c:extLst>
+              <c:ext xmlns:c16="http://schemas.microsoft.com/office/drawing/2014/chart" uri="{C3380CC4-5D6E-409C-BE32-E72D297353CC}">
+                <c16:uniqueId val="{0000000B-D406-49CC-B54A-494E71A0D887}"/>
+              </c:ext>
+            </c:extLst>
           </c:dPt>
+          <c:dLbls>
+            <c:dLbl>
+              <c:idx val="0"/>
+              <c:spPr>
+                <a:noFill/>
+                <a:ln>
+                  <a:noFill/>
+                </a:ln>
+                <a:effectLst/>
+              </c:spPr>
+              <c:txPr>
+                <a:bodyPr rot="0" spcFirstLastPara="1" vertOverflow="ellipsis" vert="horz" wrap="square" lIns="38100" tIns="19050" rIns="38100" bIns="19050" anchor="ctr" anchorCtr="1">
+                  <a:spAutoFit/>
+                </a:bodyPr>
+                <a:lstStyle/>
+                <a:p>
+                  <a:pPr>
+                    <a:defRPr sz="1330" b="1" i="0" u="none" strike="noStrike" kern="1200" spc="0" baseline="0">
+                      <a:solidFill>
+                        <a:schemeClr val="accent1"/>
+                      </a:solidFill>
+                      <a:latin typeface="+mn-lt"/>
+                      <a:ea typeface="+mn-ea"/>
+                      <a:cs typeface="+mn-cs"/>
+                    </a:defRPr>
+                  </a:pPr>
+                  <a:endParaRPr lang="fr-FR"/>
+                </a:p>
+              </c:txPr>
+              <c:dLblPos val="outEnd"/>
+              <c:showLegendKey val="0"/>
+              <c:showVal val="0"/>
+              <c:showCatName val="1"/>
+              <c:showSerName val="0"/>
+              <c:showPercent val="0"/>
+              <c:showBubbleSize val="0"/>
+              <c:extLst>
+                <c:ext xmlns:c16="http://schemas.microsoft.com/office/drawing/2014/chart" uri="{C3380CC4-5D6E-409C-BE32-E72D297353CC}">
+                  <c16:uniqueId val="{00000001-D406-49CC-B54A-494E71A0D887}"/>
+                </c:ext>
+              </c:extLst>
+            </c:dLbl>
+            <c:dLbl>
+              <c:idx val="1"/>
+              <c:spPr>
+                <a:noFill/>
+                <a:ln>
+                  <a:noFill/>
+                </a:ln>
+                <a:effectLst/>
+              </c:spPr>
+              <c:txPr>
+                <a:bodyPr rot="0" spcFirstLastPara="1" vertOverflow="ellipsis" vert="horz" wrap="square" lIns="38100" tIns="19050" rIns="38100" bIns="19050" anchor="ctr" anchorCtr="1">
+                  <a:spAutoFit/>
+                </a:bodyPr>
+                <a:lstStyle/>
+                <a:p>
+                  <a:pPr>
+                    <a:defRPr sz="1330" b="1" i="0" u="none" strike="noStrike" kern="1200" spc="0" baseline="0">
+                      <a:solidFill>
+                        <a:schemeClr val="accent2"/>
+                      </a:solidFill>
+                      <a:latin typeface="+mn-lt"/>
+                      <a:ea typeface="+mn-ea"/>
+                      <a:cs typeface="+mn-cs"/>
+                    </a:defRPr>
+                  </a:pPr>
+                  <a:endParaRPr lang="fr-FR"/>
+                </a:p>
+              </c:txPr>
+              <c:dLblPos val="outEnd"/>
+              <c:showLegendKey val="0"/>
+              <c:showVal val="0"/>
+              <c:showCatName val="1"/>
+              <c:showSerName val="0"/>
+              <c:showPercent val="0"/>
+              <c:showBubbleSize val="0"/>
+              <c:extLst>
+                <c:ext xmlns:c16="http://schemas.microsoft.com/office/drawing/2014/chart" uri="{C3380CC4-5D6E-409C-BE32-E72D297353CC}">
+                  <c16:uniqueId val="{00000003-D406-49CC-B54A-494E71A0D887}"/>
+                </c:ext>
+              </c:extLst>
+            </c:dLbl>
+            <c:dLbl>
+              <c:idx val="2"/>
+              <c:spPr>
+                <a:noFill/>
+                <a:ln>
+                  <a:noFill/>
+                </a:ln>
+                <a:effectLst/>
+              </c:spPr>
+              <c:txPr>
+                <a:bodyPr rot="0" spcFirstLastPara="1" vertOverflow="ellipsis" vert="horz" wrap="square" lIns="38100" tIns="19050" rIns="38100" bIns="19050" anchor="ctr" anchorCtr="1">
+                  <a:spAutoFit/>
+                </a:bodyPr>
+                <a:lstStyle/>
+                <a:p>
+                  <a:pPr>
+                    <a:defRPr sz="1330" b="1" i="0" u="none" strike="noStrike" kern="1200" spc="0" baseline="0">
+                      <a:solidFill>
+                        <a:schemeClr val="accent3"/>
+                      </a:solidFill>
+                      <a:latin typeface="+mn-lt"/>
+                      <a:ea typeface="+mn-ea"/>
+                      <a:cs typeface="+mn-cs"/>
+                    </a:defRPr>
+                  </a:pPr>
+                  <a:endParaRPr lang="fr-FR"/>
+                </a:p>
+              </c:txPr>
+              <c:dLblPos val="outEnd"/>
+              <c:showLegendKey val="0"/>
+              <c:showVal val="0"/>
+              <c:showCatName val="1"/>
+              <c:showSerName val="0"/>
+              <c:showPercent val="0"/>
+              <c:showBubbleSize val="0"/>
+              <c:extLst>
+                <c:ext xmlns:c16="http://schemas.microsoft.com/office/drawing/2014/chart" uri="{C3380CC4-5D6E-409C-BE32-E72D297353CC}">
+                  <c16:uniqueId val="{00000005-D406-49CC-B54A-494E71A0D887}"/>
+                </c:ext>
+              </c:extLst>
+            </c:dLbl>
+            <c:dLbl>
+              <c:idx val="3"/>
+              <c:spPr>
+                <a:noFill/>
+                <a:ln>
+                  <a:noFill/>
+                </a:ln>
+                <a:effectLst/>
+              </c:spPr>
+              <c:txPr>
+                <a:bodyPr rot="0" spcFirstLastPara="1" vertOverflow="ellipsis" vert="horz" wrap="square" lIns="38100" tIns="19050" rIns="38100" bIns="19050" anchor="ctr" anchorCtr="1">
+                  <a:spAutoFit/>
+                </a:bodyPr>
+                <a:lstStyle/>
+                <a:p>
+                  <a:pPr>
+                    <a:defRPr sz="1330" b="1" i="0" u="none" strike="noStrike" kern="1200" spc="0" baseline="0">
+                      <a:solidFill>
+                        <a:schemeClr val="accent4"/>
+                      </a:solidFill>
+                      <a:latin typeface="+mn-lt"/>
+                      <a:ea typeface="+mn-ea"/>
+                      <a:cs typeface="+mn-cs"/>
+                    </a:defRPr>
+                  </a:pPr>
+                  <a:endParaRPr lang="fr-FR"/>
+                </a:p>
+              </c:txPr>
+              <c:dLblPos val="outEnd"/>
+              <c:showLegendKey val="0"/>
+              <c:showVal val="0"/>
+              <c:showCatName val="1"/>
+              <c:showSerName val="0"/>
+              <c:showPercent val="0"/>
+              <c:showBubbleSize val="0"/>
+              <c:extLst>
+                <c:ext xmlns:c16="http://schemas.microsoft.com/office/drawing/2014/chart" uri="{C3380CC4-5D6E-409C-BE32-E72D297353CC}">
+                  <c16:uniqueId val="{00000007-D406-49CC-B54A-494E71A0D887}"/>
+                </c:ext>
+              </c:extLst>
+            </c:dLbl>
+            <c:dLbl>
+              <c:idx val="4"/>
+              <c:layout>
+                <c:manualLayout>
+                  <c:x val="5.4237288135593219E-2"/>
+                  <c:y val="-5.6511225364096931E-2"/>
+                </c:manualLayout>
+              </c:layout>
+              <c:spPr>
+                <a:noFill/>
+                <a:ln>
+                  <a:noFill/>
+                </a:ln>
+                <a:effectLst/>
+              </c:spPr>
+              <c:txPr>
+                <a:bodyPr rot="0" spcFirstLastPara="1" vertOverflow="ellipsis" vert="horz" wrap="square" lIns="38100" tIns="19050" rIns="38100" bIns="19050" anchor="ctr" anchorCtr="1">
+                  <a:spAutoFit/>
+                </a:bodyPr>
+                <a:lstStyle/>
+                <a:p>
+                  <a:pPr>
+                    <a:defRPr sz="1330" b="1" i="0" u="none" strike="noStrike" kern="1200" spc="0" baseline="0">
+                      <a:solidFill>
+                        <a:schemeClr val="accent5"/>
+                      </a:solidFill>
+                      <a:latin typeface="+mn-lt"/>
+                      <a:ea typeface="+mn-ea"/>
+                      <a:cs typeface="+mn-cs"/>
+                    </a:defRPr>
+                  </a:pPr>
+                  <a:endParaRPr lang="fr-FR"/>
+                </a:p>
+              </c:txPr>
+              <c:dLblPos val="bestFit"/>
+              <c:showLegendKey val="0"/>
+              <c:showVal val="0"/>
+              <c:showCatName val="1"/>
+              <c:showSerName val="0"/>
+              <c:showPercent val="0"/>
+              <c:showBubbleSize val="0"/>
+              <c:extLst>
+                <c:ext xmlns:c15="http://schemas.microsoft.com/office/drawing/2012/chart" uri="{CE6537A1-D6FC-4f65-9D91-7224C49458BB}"/>
+                <c:ext xmlns:c16="http://schemas.microsoft.com/office/drawing/2014/chart" uri="{C3380CC4-5D6E-409C-BE32-E72D297353CC}">
+                  <c16:uniqueId val="{00000009-D406-49CC-B54A-494E71A0D887}"/>
+                </c:ext>
+              </c:extLst>
+            </c:dLbl>
+            <c:dLbl>
+              <c:idx val="5"/>
+              <c:spPr>
+                <a:noFill/>
+                <a:ln>
+                  <a:noFill/>
+                </a:ln>
+                <a:effectLst/>
+              </c:spPr>
+              <c:txPr>
+                <a:bodyPr rot="0" spcFirstLastPara="1" vertOverflow="ellipsis" vert="horz" wrap="square" lIns="38100" tIns="19050" rIns="38100" bIns="19050" anchor="ctr" anchorCtr="1">
+                  <a:spAutoFit/>
+                </a:bodyPr>
+                <a:lstStyle/>
+                <a:p>
+                  <a:pPr>
+                    <a:defRPr sz="1330" b="1" i="0" u="none" strike="noStrike" kern="1200" spc="0" baseline="0">
+                      <a:solidFill>
+                        <a:schemeClr val="accent6"/>
+                      </a:solidFill>
+                      <a:latin typeface="+mn-lt"/>
+                      <a:ea typeface="+mn-ea"/>
+                      <a:cs typeface="+mn-cs"/>
+                    </a:defRPr>
+                  </a:pPr>
+                  <a:endParaRPr lang="fr-FR"/>
+                </a:p>
+              </c:txPr>
+              <c:dLblPos val="outEnd"/>
+              <c:showLegendKey val="0"/>
+              <c:showVal val="0"/>
+              <c:showCatName val="1"/>
+              <c:showSerName val="0"/>
+              <c:showPercent val="0"/>
+              <c:showBubbleSize val="0"/>
+              <c:extLst>
+                <c:ext xmlns:c16="http://schemas.microsoft.com/office/drawing/2014/chart" uri="{C3380CC4-5D6E-409C-BE32-E72D297353CC}">
+                  <c16:uniqueId val="{0000000B-D406-49CC-B54A-494E71A0D887}"/>
+                </c:ext>
+              </c:extLst>
+            </c:dLbl>
+            <c:dLblPos val="outEnd"/>
+            <c:showLegendKey val="0"/>
+            <c:showVal val="0"/>
+            <c:showCatName val="1"/>
+            <c:showSerName val="0"/>
+            <c:showPercent val="0"/>
+            <c:showBubbleSize val="0"/>
+            <c:showLeaderLines val="1"/>
+            <c:leaderLines>
+              <c:spPr>
+                <a:ln w="9525" cap="flat" cmpd="sng" algn="ctr">
+                  <a:solidFill>
+                    <a:schemeClr val="tx1">
+                      <a:lumMod val="35000"/>
+                      <a:lumOff val="65000"/>
+                    </a:schemeClr>
+                  </a:solidFill>
+                  <a:round/>
+                </a:ln>
+                <a:effectLst/>
+              </c:spPr>
+            </c:leaderLines>
+            <c:extLst>
+              <c:ext xmlns:c15="http://schemas.microsoft.com/office/drawing/2012/chart" uri="{CE6537A1-D6FC-4f65-9D91-7224C49458BB}"/>
+            </c:extLst>
+          </c:dLbls>
           <c:cat>
             <c:strRef>
               <c:f>Feuil1!$A$2:$A$7</c:f>
@@ -1460,9 +2880,10 @@
           </c:extLst>
         </c:ser>
         <c:dLbls>
+          <c:dLblPos val="outEnd"/>
           <c:showLegendKey val="0"/>
           <c:showVal val="0"/>
-          <c:showCatName val="0"/>
+          <c:showCatName val="1"/>
           <c:showSerName val="0"/>
           <c:showPercent val="0"/>
           <c:showBubbleSize val="0"/>
@@ -1478,37 +2899,6 @@
         <a:effectLst/>
       </c:spPr>
     </c:plotArea>
-    <c:legend>
-      <c:legendPos val="b"/>
-      <c:overlay val="0"/>
-      <c:spPr>
-        <a:noFill/>
-        <a:ln>
-          <a:noFill/>
-        </a:ln>
-        <a:effectLst/>
-      </c:spPr>
-      <c:txPr>
-        <a:bodyPr rot="0" spcFirstLastPara="1" vertOverflow="ellipsis" vert="horz" wrap="square" anchor="ctr" anchorCtr="1"/>
-        <a:lstStyle/>
-        <a:p>
-          <a:pPr>
-            <a:defRPr sz="1197" b="0" i="0" u="none" strike="noStrike" kern="1200" baseline="0">
-              <a:solidFill>
-                <a:schemeClr val="tx1">
-                  <a:lumMod val="65000"/>
-                  <a:lumOff val="35000"/>
-                </a:schemeClr>
-              </a:solidFill>
-              <a:latin typeface="+mn-lt"/>
-              <a:ea typeface="+mn-ea"/>
-              <a:cs typeface="+mn-cs"/>
-            </a:defRPr>
-          </a:pPr>
-          <a:endParaRPr lang="fr-FR"/>
-        </a:p>
-      </c:txPr>
-    </c:legend>
     <c:plotVisOnly val="1"/>
     <c:dispBlanksAs val="gap"/>
     <c:extLst>
@@ -1593,12 +2983,16 @@
               <a:solidFill>
                 <a:schemeClr val="accent1"/>
               </a:solidFill>
-              <a:ln w="19050">
-                <a:solidFill>
-                  <a:schemeClr val="lt1"/>
-                </a:solidFill>
+              <a:ln>
+                <a:noFill/>
               </a:ln>
-              <a:effectLst/>
+              <a:effectLst>
+                <a:outerShdw blurRad="63500" sx="102000" sy="102000" algn="ctr" rotWithShape="0">
+                  <a:prstClr val="black">
+                    <a:alpha val="20000"/>
+                  </a:prstClr>
+                </a:outerShdw>
+              </a:effectLst>
             </c:spPr>
             <c:extLst>
               <c:ext xmlns:c16="http://schemas.microsoft.com/office/drawing/2014/chart" uri="{C3380CC4-5D6E-409C-BE32-E72D297353CC}">
@@ -1613,12 +3007,16 @@
               <a:solidFill>
                 <a:schemeClr val="accent2"/>
               </a:solidFill>
-              <a:ln w="19050">
-                <a:solidFill>
-                  <a:schemeClr val="lt1"/>
-                </a:solidFill>
+              <a:ln>
+                <a:noFill/>
               </a:ln>
-              <a:effectLst/>
+              <a:effectLst>
+                <a:outerShdw blurRad="63500" sx="102000" sy="102000" algn="ctr" rotWithShape="0">
+                  <a:prstClr val="black">
+                    <a:alpha val="20000"/>
+                  </a:prstClr>
+                </a:outerShdw>
+              </a:effectLst>
             </c:spPr>
             <c:extLst>
               <c:ext xmlns:c16="http://schemas.microsoft.com/office/drawing/2014/chart" uri="{C3380CC4-5D6E-409C-BE32-E72D297353CC}">
@@ -1633,12 +3031,16 @@
               <a:solidFill>
                 <a:schemeClr val="accent3"/>
               </a:solidFill>
-              <a:ln w="19050">
-                <a:solidFill>
-                  <a:schemeClr val="lt1"/>
-                </a:solidFill>
+              <a:ln>
+                <a:noFill/>
               </a:ln>
-              <a:effectLst/>
+              <a:effectLst>
+                <a:outerShdw blurRad="63500" sx="102000" sy="102000" algn="ctr" rotWithShape="0">
+                  <a:prstClr val="black">
+                    <a:alpha val="20000"/>
+                  </a:prstClr>
+                </a:outerShdw>
+              </a:effectLst>
             </c:spPr>
             <c:extLst>
               <c:ext xmlns:c16="http://schemas.microsoft.com/office/drawing/2014/chart" uri="{C3380CC4-5D6E-409C-BE32-E72D297353CC}">
@@ -1653,12 +3055,16 @@
               <a:solidFill>
                 <a:schemeClr val="accent4"/>
               </a:solidFill>
-              <a:ln w="19050">
-                <a:solidFill>
-                  <a:schemeClr val="lt1"/>
-                </a:solidFill>
+              <a:ln>
+                <a:noFill/>
               </a:ln>
-              <a:effectLst/>
+              <a:effectLst>
+                <a:outerShdw blurRad="63500" sx="102000" sy="102000" algn="ctr" rotWithShape="0">
+                  <a:prstClr val="black">
+                    <a:alpha val="20000"/>
+                  </a:prstClr>
+                </a:outerShdw>
+              </a:effectLst>
             </c:spPr>
             <c:extLst>
               <c:ext xmlns:c16="http://schemas.microsoft.com/office/drawing/2014/chart" uri="{C3380CC4-5D6E-409C-BE32-E72D297353CC}">
@@ -1673,12 +3079,16 @@
               <a:solidFill>
                 <a:schemeClr val="accent5"/>
               </a:solidFill>
-              <a:ln w="19050">
-                <a:solidFill>
-                  <a:schemeClr val="lt1"/>
-                </a:solidFill>
+              <a:ln>
+                <a:noFill/>
               </a:ln>
-              <a:effectLst/>
+              <a:effectLst>
+                <a:outerShdw blurRad="63500" sx="102000" sy="102000" algn="ctr" rotWithShape="0">
+                  <a:prstClr val="black">
+                    <a:alpha val="20000"/>
+                  </a:prstClr>
+                </a:outerShdw>
+              </a:effectLst>
             </c:spPr>
             <c:extLst>
               <c:ext xmlns:c16="http://schemas.microsoft.com/office/drawing/2014/chart" uri="{C3380CC4-5D6E-409C-BE32-E72D297353CC}">
@@ -1693,12 +3103,16 @@
               <a:solidFill>
                 <a:schemeClr val="accent6"/>
               </a:solidFill>
-              <a:ln w="19050">
-                <a:solidFill>
-                  <a:schemeClr val="lt1"/>
-                </a:solidFill>
+              <a:ln>
+                <a:noFill/>
               </a:ln>
-              <a:effectLst/>
+              <a:effectLst>
+                <a:outerShdw blurRad="63500" sx="102000" sy="102000" algn="ctr" rotWithShape="0">
+                  <a:prstClr val="black">
+                    <a:alpha val="20000"/>
+                  </a:prstClr>
+                </a:outerShdw>
+              </a:effectLst>
             </c:spPr>
             <c:extLst>
               <c:ext xmlns:c16="http://schemas.microsoft.com/office/drawing/2014/chart" uri="{C3380CC4-5D6E-409C-BE32-E72D297353CC}">
@@ -1706,6 +3120,357 @@
               </c:ext>
             </c:extLst>
           </c:dPt>
+          <c:dLbls>
+            <c:dLbl>
+              <c:idx val="0"/>
+              <c:spPr>
+                <a:noFill/>
+                <a:ln>
+                  <a:noFill/>
+                </a:ln>
+                <a:effectLst/>
+              </c:spPr>
+              <c:txPr>
+                <a:bodyPr rot="0" spcFirstLastPara="1" vertOverflow="ellipsis" vert="horz" wrap="square" lIns="38100" tIns="19050" rIns="38100" bIns="19050" anchor="ctr" anchorCtr="1">
+                  <a:spAutoFit/>
+                </a:bodyPr>
+                <a:lstStyle/>
+                <a:p>
+                  <a:pPr>
+                    <a:defRPr sz="1330" b="1" i="0" u="none" strike="noStrike" kern="1200" spc="0" baseline="0">
+                      <a:solidFill>
+                        <a:schemeClr val="accent1"/>
+                      </a:solidFill>
+                      <a:latin typeface="+mn-lt"/>
+                      <a:ea typeface="+mn-ea"/>
+                      <a:cs typeface="+mn-cs"/>
+                    </a:defRPr>
+                  </a:pPr>
+                  <a:endParaRPr lang="fr-FR"/>
+                </a:p>
+              </c:txPr>
+              <c:dLblPos val="outEnd"/>
+              <c:showLegendKey val="0"/>
+              <c:showVal val="0"/>
+              <c:showCatName val="1"/>
+              <c:showSerName val="0"/>
+              <c:showPercent val="0"/>
+              <c:showBubbleSize val="0"/>
+              <c:extLst>
+                <c:ext xmlns:c16="http://schemas.microsoft.com/office/drawing/2014/chart" uri="{C3380CC4-5D6E-409C-BE32-E72D297353CC}">
+                  <c16:uniqueId val="{00000001-1F24-4F4A-A905-6804C1C12B60}"/>
+                </c:ext>
+              </c:extLst>
+            </c:dLbl>
+            <c:dLbl>
+              <c:idx val="1"/>
+              <c:spPr>
+                <a:noFill/>
+                <a:ln>
+                  <a:noFill/>
+                </a:ln>
+                <a:effectLst/>
+              </c:spPr>
+              <c:txPr>
+                <a:bodyPr rot="0" spcFirstLastPara="1" vertOverflow="ellipsis" vert="horz" wrap="square" lIns="38100" tIns="19050" rIns="38100" bIns="19050" anchor="ctr" anchorCtr="1">
+                  <a:spAutoFit/>
+                </a:bodyPr>
+                <a:lstStyle/>
+                <a:p>
+                  <a:pPr>
+                    <a:defRPr sz="1330" b="1" i="0" u="none" strike="noStrike" kern="1200" spc="0" baseline="0">
+                      <a:solidFill>
+                        <a:schemeClr val="accent2"/>
+                      </a:solidFill>
+                      <a:latin typeface="+mn-lt"/>
+                      <a:ea typeface="+mn-ea"/>
+                      <a:cs typeface="+mn-cs"/>
+                    </a:defRPr>
+                  </a:pPr>
+                  <a:endParaRPr lang="fr-FR"/>
+                </a:p>
+              </c:txPr>
+              <c:dLblPos val="outEnd"/>
+              <c:showLegendKey val="0"/>
+              <c:showVal val="0"/>
+              <c:showCatName val="1"/>
+              <c:showSerName val="0"/>
+              <c:showPercent val="0"/>
+              <c:showBubbleSize val="0"/>
+              <c:extLst>
+                <c:ext xmlns:c16="http://schemas.microsoft.com/office/drawing/2014/chart" uri="{C3380CC4-5D6E-409C-BE32-E72D297353CC}">
+                  <c16:uniqueId val="{00000003-1F24-4F4A-A905-6804C1C12B60}"/>
+                </c:ext>
+              </c:extLst>
+            </c:dLbl>
+            <c:dLbl>
+              <c:idx val="2"/>
+              <c:spPr>
+                <a:noFill/>
+                <a:ln>
+                  <a:noFill/>
+                </a:ln>
+                <a:effectLst/>
+              </c:spPr>
+              <c:txPr>
+                <a:bodyPr rot="0" spcFirstLastPara="1" vertOverflow="ellipsis" vert="horz" wrap="square" lIns="38100" tIns="19050" rIns="38100" bIns="19050" anchor="ctr" anchorCtr="1">
+                  <a:spAutoFit/>
+                </a:bodyPr>
+                <a:lstStyle/>
+                <a:p>
+                  <a:pPr>
+                    <a:defRPr sz="1330" b="1" i="0" u="none" strike="noStrike" kern="1200" spc="0" baseline="0">
+                      <a:solidFill>
+                        <a:schemeClr val="accent3"/>
+                      </a:solidFill>
+                      <a:latin typeface="+mn-lt"/>
+                      <a:ea typeface="+mn-ea"/>
+                      <a:cs typeface="+mn-cs"/>
+                    </a:defRPr>
+                  </a:pPr>
+                  <a:endParaRPr lang="fr-FR"/>
+                </a:p>
+              </c:txPr>
+              <c:dLblPos val="outEnd"/>
+              <c:showLegendKey val="0"/>
+              <c:showVal val="0"/>
+              <c:showCatName val="1"/>
+              <c:showSerName val="0"/>
+              <c:showPercent val="0"/>
+              <c:showBubbleSize val="0"/>
+              <c:extLst>
+                <c:ext xmlns:c16="http://schemas.microsoft.com/office/drawing/2014/chart" uri="{C3380CC4-5D6E-409C-BE32-E72D297353CC}">
+                  <c16:uniqueId val="{00000005-1F24-4F4A-A905-6804C1C12B60}"/>
+                </c:ext>
+              </c:extLst>
+            </c:dLbl>
+            <c:dLbl>
+              <c:idx val="3"/>
+              <c:tx>
+                <c:rich>
+                  <a:bodyPr rot="0" spcFirstLastPara="1" vertOverflow="ellipsis" vert="horz" wrap="square" lIns="38100" tIns="19050" rIns="38100" bIns="19050" anchor="ctr" anchorCtr="1">
+                    <a:spAutoFit/>
+                  </a:bodyPr>
+                  <a:lstStyle/>
+                  <a:p>
+                    <a:pPr>
+                      <a:defRPr sz="1330" b="1" i="0" u="none" strike="noStrike" kern="1200" spc="0" baseline="0">
+                        <a:solidFill>
+                          <a:schemeClr val="accent1"/>
+                        </a:solidFill>
+                        <a:latin typeface="+mn-lt"/>
+                        <a:ea typeface="+mn-ea"/>
+                        <a:cs typeface="+mn-cs"/>
+                      </a:defRPr>
+                    </a:pPr>
+                    <a:r>
+                      <a:rPr lang="en-US" dirty="0" err="1"/>
+                      <a:t>Tablette</a:t>
+                    </a:r>
+                    <a:endParaRPr lang="en-US" dirty="0"/>
+                  </a:p>
+                </c:rich>
+              </c:tx>
+              <c:spPr>
+                <a:noFill/>
+                <a:ln>
+                  <a:noFill/>
+                </a:ln>
+                <a:effectLst/>
+              </c:spPr>
+              <c:txPr>
+                <a:bodyPr rot="0" spcFirstLastPara="1" vertOverflow="ellipsis" vert="horz" wrap="square" lIns="38100" tIns="19050" rIns="38100" bIns="19050" anchor="ctr" anchorCtr="1">
+                  <a:spAutoFit/>
+                </a:bodyPr>
+                <a:lstStyle/>
+                <a:p>
+                  <a:pPr>
+                    <a:defRPr sz="1330" b="1" i="0" u="none" strike="noStrike" kern="1200" spc="0" baseline="0">
+                      <a:solidFill>
+                        <a:schemeClr val="accent4"/>
+                      </a:solidFill>
+                      <a:latin typeface="+mn-lt"/>
+                      <a:ea typeface="+mn-ea"/>
+                      <a:cs typeface="+mn-cs"/>
+                    </a:defRPr>
+                  </a:pPr>
+                  <a:endParaRPr lang="fr-FR"/>
+                </a:p>
+              </c:txPr>
+              <c:dLblPos val="outEnd"/>
+              <c:showLegendKey val="0"/>
+              <c:showVal val="0"/>
+              <c:showCatName val="1"/>
+              <c:showSerName val="0"/>
+              <c:showPercent val="0"/>
+              <c:showBubbleSize val="0"/>
+              <c:extLst>
+                <c:ext xmlns:c15="http://schemas.microsoft.com/office/drawing/2012/chart" uri="{CE6537A1-D6FC-4f65-9D91-7224C49458BB}"/>
+                <c:ext xmlns:c16="http://schemas.microsoft.com/office/drawing/2014/chart" uri="{C3380CC4-5D6E-409C-BE32-E72D297353CC}">
+                  <c16:uniqueId val="{00000007-1F24-4F4A-A905-6804C1C12B60}"/>
+                </c:ext>
+              </c:extLst>
+            </c:dLbl>
+            <c:dLbl>
+              <c:idx val="4"/>
+              <c:tx>
+                <c:rich>
+                  <a:bodyPr rot="0" spcFirstLastPara="1" vertOverflow="ellipsis" vert="horz" wrap="square" lIns="38100" tIns="19050" rIns="38100" bIns="19050" anchor="ctr" anchorCtr="1">
+                    <a:spAutoFit/>
+                  </a:bodyPr>
+                  <a:lstStyle/>
+                  <a:p>
+                    <a:pPr>
+                      <a:defRPr sz="1330" b="1" i="0" u="none" strike="noStrike" kern="1200" spc="0" baseline="0">
+                        <a:solidFill>
+                          <a:schemeClr val="accent1"/>
+                        </a:solidFill>
+                        <a:latin typeface="+mn-lt"/>
+                        <a:ea typeface="+mn-ea"/>
+                        <a:cs typeface="+mn-cs"/>
+                      </a:defRPr>
+                    </a:pPr>
+                    <a:r>
+                      <a:rPr lang="en-US"/>
+                      <a:t>Mouvement</a:t>
+                    </a:r>
+                    <a:endParaRPr lang="en-US" dirty="0"/>
+                  </a:p>
+                </c:rich>
+              </c:tx>
+              <c:spPr>
+                <a:noFill/>
+                <a:ln>
+                  <a:noFill/>
+                </a:ln>
+                <a:effectLst/>
+              </c:spPr>
+              <c:txPr>
+                <a:bodyPr rot="0" spcFirstLastPara="1" vertOverflow="ellipsis" vert="horz" wrap="square" lIns="38100" tIns="19050" rIns="38100" bIns="19050" anchor="ctr" anchorCtr="1">
+                  <a:spAutoFit/>
+                </a:bodyPr>
+                <a:lstStyle/>
+                <a:p>
+                  <a:pPr>
+                    <a:defRPr sz="1330" b="1" i="0" u="none" strike="noStrike" kern="1200" spc="0" baseline="0">
+                      <a:solidFill>
+                        <a:schemeClr val="accent5"/>
+                      </a:solidFill>
+                      <a:latin typeface="+mn-lt"/>
+                      <a:ea typeface="+mn-ea"/>
+                      <a:cs typeface="+mn-cs"/>
+                    </a:defRPr>
+                  </a:pPr>
+                  <a:endParaRPr lang="fr-FR"/>
+                </a:p>
+              </c:txPr>
+              <c:dLblPos val="outEnd"/>
+              <c:showLegendKey val="0"/>
+              <c:showVal val="0"/>
+              <c:showCatName val="1"/>
+              <c:showSerName val="0"/>
+              <c:showPercent val="0"/>
+              <c:showBubbleSize val="0"/>
+              <c:extLst>
+                <c:ext xmlns:c15="http://schemas.microsoft.com/office/drawing/2012/chart" uri="{CE6537A1-D6FC-4f65-9D91-7224C49458BB}"/>
+                <c:ext xmlns:c16="http://schemas.microsoft.com/office/drawing/2014/chart" uri="{C3380CC4-5D6E-409C-BE32-E72D297353CC}">
+                  <c16:uniqueId val="{00000009-1F24-4F4A-A905-6804C1C12B60}"/>
+                </c:ext>
+              </c:extLst>
+            </c:dLbl>
+            <c:dLbl>
+              <c:idx val="5"/>
+              <c:tx>
+                <c:rich>
+                  <a:bodyPr rot="0" spcFirstLastPara="1" vertOverflow="ellipsis" vert="horz" wrap="square" lIns="38100" tIns="19050" rIns="38100" bIns="19050" anchor="ctr" anchorCtr="1">
+                    <a:spAutoFit/>
+                  </a:bodyPr>
+                  <a:lstStyle/>
+                  <a:p>
+                    <a:pPr>
+                      <a:defRPr sz="1330" b="1" i="0" u="none" strike="noStrike" kern="1200" spc="0" baseline="0">
+                        <a:solidFill>
+                          <a:schemeClr val="accent1"/>
+                        </a:solidFill>
+                        <a:latin typeface="+mn-lt"/>
+                        <a:ea typeface="+mn-ea"/>
+                        <a:cs typeface="+mn-cs"/>
+                      </a:defRPr>
+                    </a:pPr>
+                    <a:r>
+                      <a:rPr lang="en-US"/>
+                      <a:t>Présentation</a:t>
+                    </a:r>
+                    <a:endParaRPr lang="en-US" dirty="0"/>
+                  </a:p>
+                </c:rich>
+              </c:tx>
+              <c:spPr>
+                <a:noFill/>
+                <a:ln>
+                  <a:noFill/>
+                </a:ln>
+                <a:effectLst/>
+              </c:spPr>
+              <c:txPr>
+                <a:bodyPr rot="0" spcFirstLastPara="1" vertOverflow="ellipsis" vert="horz" wrap="square" lIns="38100" tIns="19050" rIns="38100" bIns="19050" anchor="ctr" anchorCtr="1">
+                  <a:spAutoFit/>
+                </a:bodyPr>
+                <a:lstStyle/>
+                <a:p>
+                  <a:pPr>
+                    <a:defRPr sz="1330" b="1" i="0" u="none" strike="noStrike" kern="1200" spc="0" baseline="0">
+                      <a:solidFill>
+                        <a:schemeClr val="accent6"/>
+                      </a:solidFill>
+                      <a:latin typeface="+mn-lt"/>
+                      <a:ea typeface="+mn-ea"/>
+                      <a:cs typeface="+mn-cs"/>
+                    </a:defRPr>
+                  </a:pPr>
+                  <a:endParaRPr lang="fr-FR"/>
+                </a:p>
+              </c:txPr>
+              <c:dLblPos val="outEnd"/>
+              <c:showLegendKey val="0"/>
+              <c:showVal val="0"/>
+              <c:showCatName val="1"/>
+              <c:showSerName val="0"/>
+              <c:showPercent val="0"/>
+              <c:showBubbleSize val="0"/>
+              <c:extLst>
+                <c:ext xmlns:c15="http://schemas.microsoft.com/office/drawing/2012/chart" uri="{CE6537A1-D6FC-4f65-9D91-7224C49458BB}"/>
+                <c:ext xmlns:c16="http://schemas.microsoft.com/office/drawing/2014/chart" uri="{C3380CC4-5D6E-409C-BE32-E72D297353CC}">
+                  <c16:uniqueId val="{0000000B-1F24-4F4A-A905-6804C1C12B60}"/>
+                </c:ext>
+              </c:extLst>
+            </c:dLbl>
+            <c:dLblPos val="outEnd"/>
+            <c:showLegendKey val="0"/>
+            <c:showVal val="0"/>
+            <c:showCatName val="1"/>
+            <c:showSerName val="0"/>
+            <c:showPercent val="0"/>
+            <c:showBubbleSize val="0"/>
+            <c:showLeaderLines val="1"/>
+            <c:leaderLines>
+              <c:spPr>
+                <a:ln w="9525" cap="flat" cmpd="sng" algn="ctr">
+                  <a:solidFill>
+                    <a:schemeClr val="tx1">
+                      <a:lumMod val="35000"/>
+                      <a:lumOff val="65000"/>
+                    </a:schemeClr>
+                  </a:solidFill>
+                  <a:round/>
+                </a:ln>
+                <a:effectLst/>
+              </c:spPr>
+            </c:leaderLines>
+            <c:extLst>
+              <c:ext xmlns:c15="http://schemas.microsoft.com/office/drawing/2012/chart" uri="{CE6537A1-D6FC-4f65-9D91-7224C49458BB}"/>
+            </c:extLst>
+          </c:dLbls>
           <c:cat>
             <c:strRef>
               <c:f>Feuil1!$A$2:$A$7</c:f>
@@ -1766,9 +3531,10 @@
           </c:extLst>
         </c:ser>
         <c:dLbls>
+          <c:dLblPos val="outEnd"/>
           <c:showLegendKey val="0"/>
           <c:showVal val="0"/>
-          <c:showCatName val="0"/>
+          <c:showCatName val="1"/>
           <c:showSerName val="0"/>
           <c:showPercent val="0"/>
           <c:showBubbleSize val="0"/>
@@ -1784,47 +3550,6 @@
         <a:effectLst/>
       </c:spPr>
     </c:plotArea>
-    <c:legend>
-      <c:legendPos val="b"/>
-      <c:layout>
-        <c:manualLayout>
-          <c:xMode val="edge"/>
-          <c:yMode val="edge"/>
-          <c:x val="2.0230875104374744E-2"/>
-          <c:y val="0.1023596403070412"/>
-          <c:w val="0.30577477774676243"/>
-          <c:h val="0.71151366489649992"/>
-        </c:manualLayout>
-      </c:layout>
-      <c:overlay val="0"/>
-      <c:spPr>
-        <a:noFill/>
-        <a:ln>
-          <a:noFill/>
-        </a:ln>
-        <a:effectLst/>
-      </c:spPr>
-      <c:txPr>
-        <a:bodyPr rot="0" spcFirstLastPara="1" vertOverflow="ellipsis" vert="horz" wrap="square" anchor="ctr" anchorCtr="1"/>
-        <a:lstStyle/>
-        <a:p>
-          <a:pPr>
-            <a:defRPr sz="1197" b="0" i="0" u="none" strike="noStrike" kern="1200" baseline="0">
-              <a:solidFill>
-                <a:schemeClr val="tx1">
-                  <a:lumMod val="65000"/>
-                  <a:lumOff val="35000"/>
-                </a:schemeClr>
-              </a:solidFill>
-              <a:latin typeface="+mn-lt"/>
-              <a:ea typeface="+mn-ea"/>
-              <a:cs typeface="+mn-cs"/>
-            </a:defRPr>
-          </a:pPr>
-          <a:endParaRPr lang="fr-FR"/>
-        </a:p>
-      </c:txPr>
-    </c:legend>
     <c:plotVisOnly val="1"/>
     <c:dispBlanksAs val="gap"/>
     <c:extLst>
@@ -1899,12 +3624,16 @@
               <a:solidFill>
                 <a:schemeClr val="accent1"/>
               </a:solidFill>
-              <a:ln w="19050">
-                <a:solidFill>
-                  <a:schemeClr val="lt1"/>
-                </a:solidFill>
+              <a:ln>
+                <a:noFill/>
               </a:ln>
-              <a:effectLst/>
+              <a:effectLst>
+                <a:outerShdw blurRad="63500" sx="102000" sy="102000" algn="ctr" rotWithShape="0">
+                  <a:prstClr val="black">
+                    <a:alpha val="20000"/>
+                  </a:prstClr>
+                </a:outerShdw>
+              </a:effectLst>
             </c:spPr>
             <c:extLst>
               <c:ext xmlns:c16="http://schemas.microsoft.com/office/drawing/2014/chart" uri="{C3380CC4-5D6E-409C-BE32-E72D297353CC}">
@@ -1919,12 +3648,16 @@
               <a:solidFill>
                 <a:schemeClr val="accent2"/>
               </a:solidFill>
-              <a:ln w="19050">
-                <a:solidFill>
-                  <a:schemeClr val="lt1"/>
-                </a:solidFill>
+              <a:ln>
+                <a:noFill/>
               </a:ln>
-              <a:effectLst/>
+              <a:effectLst>
+                <a:outerShdw blurRad="63500" sx="102000" sy="102000" algn="ctr" rotWithShape="0">
+                  <a:prstClr val="black">
+                    <a:alpha val="20000"/>
+                  </a:prstClr>
+                </a:outerShdw>
+              </a:effectLst>
             </c:spPr>
             <c:extLst>
               <c:ext xmlns:c16="http://schemas.microsoft.com/office/drawing/2014/chart" uri="{C3380CC4-5D6E-409C-BE32-E72D297353CC}">
@@ -1939,12 +3672,16 @@
               <a:solidFill>
                 <a:schemeClr val="accent3"/>
               </a:solidFill>
-              <a:ln w="19050">
-                <a:solidFill>
-                  <a:schemeClr val="lt1"/>
-                </a:solidFill>
+              <a:ln>
+                <a:noFill/>
               </a:ln>
-              <a:effectLst/>
+              <a:effectLst>
+                <a:outerShdw blurRad="63500" sx="102000" sy="102000" algn="ctr" rotWithShape="0">
+                  <a:prstClr val="black">
+                    <a:alpha val="20000"/>
+                  </a:prstClr>
+                </a:outerShdw>
+              </a:effectLst>
             </c:spPr>
             <c:extLst>
               <c:ext xmlns:c16="http://schemas.microsoft.com/office/drawing/2014/chart" uri="{C3380CC4-5D6E-409C-BE32-E72D297353CC}">
@@ -1955,17 +3692,20 @@
           <c:dPt>
             <c:idx val="3"/>
             <c:bubble3D val="0"/>
-            <c:explosion val="4"/>
             <c:spPr>
               <a:solidFill>
                 <a:schemeClr val="accent4"/>
               </a:solidFill>
-              <a:ln w="19050">
-                <a:solidFill>
-                  <a:schemeClr val="lt1"/>
-                </a:solidFill>
+              <a:ln>
+                <a:noFill/>
               </a:ln>
-              <a:effectLst/>
+              <a:effectLst>
+                <a:outerShdw blurRad="63500" sx="102000" sy="102000" algn="ctr" rotWithShape="0">
+                  <a:prstClr val="black">
+                    <a:alpha val="20000"/>
+                  </a:prstClr>
+                </a:outerShdw>
+              </a:effectLst>
             </c:spPr>
             <c:extLst>
               <c:ext xmlns:c16="http://schemas.microsoft.com/office/drawing/2014/chart" uri="{C3380CC4-5D6E-409C-BE32-E72D297353CC}">
@@ -1973,6 +3713,197 @@
               </c:ext>
             </c:extLst>
           </c:dPt>
+          <c:dLbls>
+            <c:dLbl>
+              <c:idx val="0"/>
+              <c:spPr>
+                <a:noFill/>
+                <a:ln>
+                  <a:noFill/>
+                </a:ln>
+                <a:effectLst/>
+              </c:spPr>
+              <c:txPr>
+                <a:bodyPr rot="0" spcFirstLastPara="1" vertOverflow="ellipsis" vert="horz" wrap="square" lIns="38100" tIns="19050" rIns="38100" bIns="19050" anchor="ctr" anchorCtr="1">
+                  <a:spAutoFit/>
+                </a:bodyPr>
+                <a:lstStyle/>
+                <a:p>
+                  <a:pPr>
+                    <a:defRPr sz="1330" b="1" i="0" u="none" strike="noStrike" kern="1200" spc="0" baseline="0">
+                      <a:solidFill>
+                        <a:schemeClr val="accent1"/>
+                      </a:solidFill>
+                      <a:latin typeface="+mn-lt"/>
+                      <a:ea typeface="+mn-ea"/>
+                      <a:cs typeface="+mn-cs"/>
+                    </a:defRPr>
+                  </a:pPr>
+                  <a:endParaRPr lang="fr-FR"/>
+                </a:p>
+              </c:txPr>
+              <c:dLblPos val="outEnd"/>
+              <c:showLegendKey val="0"/>
+              <c:showVal val="0"/>
+              <c:showCatName val="1"/>
+              <c:showSerName val="0"/>
+              <c:showPercent val="0"/>
+              <c:showBubbleSize val="0"/>
+              <c:extLst>
+                <c:ext xmlns:c16="http://schemas.microsoft.com/office/drawing/2014/chart" uri="{C3380CC4-5D6E-409C-BE32-E72D297353CC}">
+                  <c16:uniqueId val="{00000001-171C-4987-B850-CF517AFE4E3D}"/>
+                </c:ext>
+              </c:extLst>
+            </c:dLbl>
+            <c:dLbl>
+              <c:idx val="1"/>
+              <c:spPr>
+                <a:noFill/>
+                <a:ln>
+                  <a:noFill/>
+                </a:ln>
+                <a:effectLst/>
+              </c:spPr>
+              <c:txPr>
+                <a:bodyPr rot="0" spcFirstLastPara="1" vertOverflow="ellipsis" vert="horz" wrap="square" lIns="38100" tIns="19050" rIns="38100" bIns="19050" anchor="ctr" anchorCtr="1">
+                  <a:spAutoFit/>
+                </a:bodyPr>
+                <a:lstStyle/>
+                <a:p>
+                  <a:pPr>
+                    <a:defRPr sz="1330" b="1" i="0" u="none" strike="noStrike" kern="1200" spc="0" baseline="0">
+                      <a:solidFill>
+                        <a:schemeClr val="accent2"/>
+                      </a:solidFill>
+                      <a:latin typeface="+mn-lt"/>
+                      <a:ea typeface="+mn-ea"/>
+                      <a:cs typeface="+mn-cs"/>
+                    </a:defRPr>
+                  </a:pPr>
+                  <a:endParaRPr lang="fr-FR"/>
+                </a:p>
+              </c:txPr>
+              <c:dLblPos val="outEnd"/>
+              <c:showLegendKey val="0"/>
+              <c:showVal val="0"/>
+              <c:showCatName val="1"/>
+              <c:showSerName val="0"/>
+              <c:showPercent val="0"/>
+              <c:showBubbleSize val="0"/>
+              <c:extLst>
+                <c:ext xmlns:c16="http://schemas.microsoft.com/office/drawing/2014/chart" uri="{C3380CC4-5D6E-409C-BE32-E72D297353CC}">
+                  <c16:uniqueId val="{00000003-171C-4987-B850-CF517AFE4E3D}"/>
+                </c:ext>
+              </c:extLst>
+            </c:dLbl>
+            <c:dLbl>
+              <c:idx val="2"/>
+              <c:spPr>
+                <a:noFill/>
+                <a:ln>
+                  <a:noFill/>
+                </a:ln>
+                <a:effectLst/>
+              </c:spPr>
+              <c:txPr>
+                <a:bodyPr rot="0" spcFirstLastPara="1" vertOverflow="ellipsis" vert="horz" wrap="square" lIns="38100" tIns="19050" rIns="38100" bIns="19050" anchor="ctr" anchorCtr="1">
+                  <a:spAutoFit/>
+                </a:bodyPr>
+                <a:lstStyle/>
+                <a:p>
+                  <a:pPr>
+                    <a:defRPr sz="1330" b="1" i="0" u="none" strike="noStrike" kern="1200" spc="0" baseline="0">
+                      <a:solidFill>
+                        <a:schemeClr val="accent3"/>
+                      </a:solidFill>
+                      <a:latin typeface="+mn-lt"/>
+                      <a:ea typeface="+mn-ea"/>
+                      <a:cs typeface="+mn-cs"/>
+                    </a:defRPr>
+                  </a:pPr>
+                  <a:endParaRPr lang="fr-FR"/>
+                </a:p>
+              </c:txPr>
+              <c:dLblPos val="outEnd"/>
+              <c:showLegendKey val="0"/>
+              <c:showVal val="0"/>
+              <c:showCatName val="1"/>
+              <c:showSerName val="0"/>
+              <c:showPercent val="0"/>
+              <c:showBubbleSize val="0"/>
+              <c:extLst>
+                <c:ext xmlns:c16="http://schemas.microsoft.com/office/drawing/2014/chart" uri="{C3380CC4-5D6E-409C-BE32-E72D297353CC}">
+                  <c16:uniqueId val="{00000005-171C-4987-B850-CF517AFE4E3D}"/>
+                </c:ext>
+              </c:extLst>
+            </c:dLbl>
+            <c:dLbl>
+              <c:idx val="3"/>
+              <c:spPr>
+                <a:noFill/>
+                <a:ln>
+                  <a:noFill/>
+                </a:ln>
+                <a:effectLst/>
+              </c:spPr>
+              <c:txPr>
+                <a:bodyPr rot="0" spcFirstLastPara="1" vertOverflow="ellipsis" vert="horz" wrap="square" lIns="38100" tIns="19050" rIns="38100" bIns="19050" anchor="ctr" anchorCtr="1">
+                  <a:spAutoFit/>
+                </a:bodyPr>
+                <a:lstStyle/>
+                <a:p>
+                  <a:pPr>
+                    <a:defRPr sz="1330" b="1" i="0" u="none" strike="noStrike" kern="1200" spc="0" baseline="0">
+                      <a:solidFill>
+                        <a:schemeClr val="accent4"/>
+                      </a:solidFill>
+                      <a:latin typeface="+mn-lt"/>
+                      <a:ea typeface="+mn-ea"/>
+                      <a:cs typeface="+mn-cs"/>
+                    </a:defRPr>
+                  </a:pPr>
+                  <a:endParaRPr lang="fr-FR"/>
+                </a:p>
+              </c:txPr>
+              <c:dLblPos val="outEnd"/>
+              <c:showLegendKey val="0"/>
+              <c:showVal val="0"/>
+              <c:showCatName val="1"/>
+              <c:showSerName val="0"/>
+              <c:showPercent val="0"/>
+              <c:showBubbleSize val="0"/>
+              <c:extLst>
+                <c:ext xmlns:c16="http://schemas.microsoft.com/office/drawing/2014/chart" uri="{C3380CC4-5D6E-409C-BE32-E72D297353CC}">
+                  <c16:uniqueId val="{00000001-F8A5-4FC6-BC5E-6064798AA75A}"/>
+                </c:ext>
+              </c:extLst>
+            </c:dLbl>
+            <c:dLblPos val="outEnd"/>
+            <c:showLegendKey val="0"/>
+            <c:showVal val="0"/>
+            <c:showCatName val="1"/>
+            <c:showSerName val="0"/>
+            <c:showPercent val="0"/>
+            <c:showBubbleSize val="0"/>
+            <c:showLeaderLines val="1"/>
+            <c:leaderLines>
+              <c:spPr>
+                <a:ln w="9525" cap="flat" cmpd="sng" algn="ctr">
+                  <a:solidFill>
+                    <a:schemeClr val="tx1">
+                      <a:lumMod val="35000"/>
+                      <a:lumOff val="65000"/>
+                    </a:schemeClr>
+                  </a:solidFill>
+                  <a:round/>
+                </a:ln>
+                <a:effectLst/>
+              </c:spPr>
+            </c:leaderLines>
+            <c:extLst>
+              <c:ext xmlns:c15="http://schemas.microsoft.com/office/drawing/2012/chart" uri="{CE6537A1-D6FC-4f65-9D91-7224C49458BB}"/>
+            </c:extLst>
+          </c:dLbls>
           <c:cat>
             <c:strRef>
               <c:f>Feuil1!$A$2:$A$5</c:f>
@@ -2021,9 +3952,10 @@
           </c:extLst>
         </c:ser>
         <c:dLbls>
+          <c:dLblPos val="outEnd"/>
           <c:showLegendKey val="0"/>
           <c:showVal val="0"/>
-          <c:showCatName val="0"/>
+          <c:showCatName val="1"/>
           <c:showSerName val="0"/>
           <c:showPercent val="0"/>
           <c:showBubbleSize val="0"/>
@@ -2039,37 +3971,6 @@
         <a:effectLst/>
       </c:spPr>
     </c:plotArea>
-    <c:legend>
-      <c:legendPos val="b"/>
-      <c:overlay val="0"/>
-      <c:spPr>
-        <a:noFill/>
-        <a:ln>
-          <a:noFill/>
-        </a:ln>
-        <a:effectLst/>
-      </c:spPr>
-      <c:txPr>
-        <a:bodyPr rot="0" spcFirstLastPara="1" vertOverflow="ellipsis" vert="horz" wrap="square" anchor="ctr" anchorCtr="1"/>
-        <a:lstStyle/>
-        <a:p>
-          <a:pPr>
-            <a:defRPr sz="1197" b="0" i="0" u="none" strike="noStrike" kern="1200" baseline="0">
-              <a:solidFill>
-                <a:schemeClr val="tx1">
-                  <a:lumMod val="65000"/>
-                  <a:lumOff val="35000"/>
-                </a:schemeClr>
-              </a:solidFill>
-              <a:latin typeface="+mn-lt"/>
-              <a:ea typeface="+mn-ea"/>
-              <a:cs typeface="+mn-cs"/>
-            </a:defRPr>
-          </a:pPr>
-          <a:endParaRPr lang="fr-FR"/>
-        </a:p>
-      </c:txPr>
-    </c:legend>
     <c:plotVisOnly val="1"/>
     <c:dispBlanksAs val="gap"/>
     <c:extLst>
@@ -2147,17 +4048,13 @@
               <a:ln>
                 <a:noFill/>
               </a:ln>
-              <a:effectLst/>
-              <a:scene3d>
-                <a:camera prst="orthographicFront"/>
-                <a:lightRig rig="brightRoom" dir="t"/>
-              </a:scene3d>
-              <a:sp3d prstMaterial="flat">
-                <a:bevelT w="50800" h="101600" prst="angle"/>
-                <a:contourClr>
-                  <a:srgbClr val="000000"/>
-                </a:contourClr>
-              </a:sp3d>
+              <a:effectLst>
+                <a:outerShdw blurRad="63500" sx="102000" sy="102000" algn="ctr" rotWithShape="0">
+                  <a:prstClr val="black">
+                    <a:alpha val="20000"/>
+                  </a:prstClr>
+                </a:outerShdw>
+              </a:effectLst>
             </c:spPr>
             <c:extLst>
               <c:ext xmlns:c16="http://schemas.microsoft.com/office/drawing/2014/chart" uri="{C3380CC4-5D6E-409C-BE32-E72D297353CC}">
@@ -2175,17 +4072,13 @@
               <a:ln>
                 <a:noFill/>
               </a:ln>
-              <a:effectLst/>
-              <a:scene3d>
-                <a:camera prst="orthographicFront"/>
-                <a:lightRig rig="brightRoom" dir="t"/>
-              </a:scene3d>
-              <a:sp3d prstMaterial="flat">
-                <a:bevelT w="50800" h="101600" prst="angle"/>
-                <a:contourClr>
-                  <a:srgbClr val="000000"/>
-                </a:contourClr>
-              </a:sp3d>
+              <a:effectLst>
+                <a:outerShdw blurRad="63500" sx="102000" sy="102000" algn="ctr" rotWithShape="0">
+                  <a:prstClr val="black">
+                    <a:alpha val="20000"/>
+                  </a:prstClr>
+                </a:outerShdw>
+              </a:effectLst>
             </c:spPr>
             <c:extLst>
               <c:ext xmlns:c16="http://schemas.microsoft.com/office/drawing/2014/chart" uri="{C3380CC4-5D6E-409C-BE32-E72D297353CC}">
@@ -2203,17 +4096,13 @@
               <a:ln>
                 <a:noFill/>
               </a:ln>
-              <a:effectLst/>
-              <a:scene3d>
-                <a:camera prst="orthographicFront"/>
-                <a:lightRig rig="brightRoom" dir="t"/>
-              </a:scene3d>
-              <a:sp3d prstMaterial="flat">
-                <a:bevelT w="50800" h="101600" prst="angle"/>
-                <a:contourClr>
-                  <a:srgbClr val="000000"/>
-                </a:contourClr>
-              </a:sp3d>
+              <a:effectLst>
+                <a:outerShdw blurRad="63500" sx="102000" sy="102000" algn="ctr" rotWithShape="0">
+                  <a:prstClr val="black">
+                    <a:alpha val="20000"/>
+                  </a:prstClr>
+                </a:outerShdw>
+              </a:effectLst>
             </c:spPr>
             <c:extLst>
               <c:ext xmlns:c16="http://schemas.microsoft.com/office/drawing/2014/chart" uri="{C3380CC4-5D6E-409C-BE32-E72D297353CC}">
@@ -2231,17 +4120,13 @@
               <a:ln>
                 <a:noFill/>
               </a:ln>
-              <a:effectLst/>
-              <a:scene3d>
-                <a:camera prst="orthographicFront"/>
-                <a:lightRig rig="brightRoom" dir="t"/>
-              </a:scene3d>
-              <a:sp3d prstMaterial="flat">
-                <a:bevelT w="50800" h="101600" prst="angle"/>
-                <a:contourClr>
-                  <a:srgbClr val="000000"/>
-                </a:contourClr>
-              </a:sp3d>
+              <a:effectLst>
+                <a:outerShdw blurRad="63500" sx="102000" sy="102000" algn="ctr" rotWithShape="0">
+                  <a:prstClr val="black">
+                    <a:alpha val="20000"/>
+                  </a:prstClr>
+                </a:outerShdw>
+              </a:effectLst>
             </c:spPr>
             <c:extLst>
               <c:ext xmlns:c16="http://schemas.microsoft.com/office/drawing/2014/chart" uri="{C3380CC4-5D6E-409C-BE32-E72D297353CC}">
@@ -2250,36 +4135,174 @@
             </c:extLst>
           </c:dPt>
           <c:dLbls>
-            <c:spPr>
-              <a:noFill/>
-              <a:ln>
+            <c:dLbl>
+              <c:idx val="0"/>
+              <c:spPr>
                 <a:noFill/>
-              </a:ln>
-              <a:effectLst/>
-            </c:spPr>
-            <c:txPr>
-              <a:bodyPr rot="0" spcFirstLastPara="1" vertOverflow="ellipsis" vert="horz" wrap="square" lIns="38100" tIns="19050" rIns="38100" bIns="19050" anchor="ctr" anchorCtr="1">
-                <a:spAutoFit/>
-              </a:bodyPr>
-              <a:lstStyle/>
-              <a:p>
-                <a:pPr>
-                  <a:defRPr sz="1197" b="1" i="0" u="none" strike="noStrike" kern="1200" baseline="0">
-                    <a:solidFill>
-                      <a:schemeClr val="lt1"/>
-                    </a:solidFill>
-                    <a:latin typeface="+mn-lt"/>
-                    <a:ea typeface="+mn-ea"/>
-                    <a:cs typeface="+mn-cs"/>
-                  </a:defRPr>
-                </a:pPr>
-                <a:endParaRPr lang="fr-FR"/>
-              </a:p>
-            </c:txPr>
-            <c:dLblPos val="inEnd"/>
+                <a:ln>
+                  <a:noFill/>
+                </a:ln>
+                <a:effectLst/>
+              </c:spPr>
+              <c:txPr>
+                <a:bodyPr rot="0" spcFirstLastPara="1" vertOverflow="ellipsis" vert="horz" wrap="square" lIns="38100" tIns="19050" rIns="38100" bIns="19050" anchor="ctr" anchorCtr="1">
+                  <a:spAutoFit/>
+                </a:bodyPr>
+                <a:lstStyle/>
+                <a:p>
+                  <a:pPr>
+                    <a:defRPr sz="1330" b="1" i="0" u="none" strike="noStrike" kern="1200" spc="0" baseline="0">
+                      <a:solidFill>
+                        <a:schemeClr val="accent1"/>
+                      </a:solidFill>
+                      <a:latin typeface="+mn-lt"/>
+                      <a:ea typeface="+mn-ea"/>
+                      <a:cs typeface="+mn-cs"/>
+                    </a:defRPr>
+                  </a:pPr>
+                  <a:endParaRPr lang="fr-FR"/>
+                </a:p>
+              </c:txPr>
+              <c:dLblPos val="outEnd"/>
+              <c:showLegendKey val="0"/>
+              <c:showVal val="0"/>
+              <c:showCatName val="1"/>
+              <c:showSerName val="0"/>
+              <c:showPercent val="1"/>
+              <c:showBubbleSize val="0"/>
+              <c:extLst>
+                <c:ext xmlns:c16="http://schemas.microsoft.com/office/drawing/2014/chart" uri="{C3380CC4-5D6E-409C-BE32-E72D297353CC}">
+                  <c16:uniqueId val="{00000001-5725-43AE-AECB-78D7949DE719}"/>
+                </c:ext>
+              </c:extLst>
+            </c:dLbl>
+            <c:dLbl>
+              <c:idx val="1"/>
+              <c:spPr>
+                <a:noFill/>
+                <a:ln>
+                  <a:noFill/>
+                </a:ln>
+                <a:effectLst/>
+              </c:spPr>
+              <c:txPr>
+                <a:bodyPr rot="0" spcFirstLastPara="1" vertOverflow="ellipsis" vert="horz" wrap="square" lIns="38100" tIns="19050" rIns="38100" bIns="19050" anchor="ctr" anchorCtr="1">
+                  <a:spAutoFit/>
+                </a:bodyPr>
+                <a:lstStyle/>
+                <a:p>
+                  <a:pPr>
+                    <a:defRPr sz="1330" b="1" i="0" u="none" strike="noStrike" kern="1200" spc="0" baseline="0">
+                      <a:solidFill>
+                        <a:schemeClr val="accent2"/>
+                      </a:solidFill>
+                      <a:latin typeface="+mn-lt"/>
+                      <a:ea typeface="+mn-ea"/>
+                      <a:cs typeface="+mn-cs"/>
+                    </a:defRPr>
+                  </a:pPr>
+                  <a:endParaRPr lang="fr-FR"/>
+                </a:p>
+              </c:txPr>
+              <c:dLblPos val="outEnd"/>
+              <c:showLegendKey val="0"/>
+              <c:showVal val="0"/>
+              <c:showCatName val="1"/>
+              <c:showSerName val="0"/>
+              <c:showPercent val="1"/>
+              <c:showBubbleSize val="0"/>
+              <c:extLst>
+                <c:ext xmlns:c16="http://schemas.microsoft.com/office/drawing/2014/chart" uri="{C3380CC4-5D6E-409C-BE32-E72D297353CC}">
+                  <c16:uniqueId val="{00000003-5725-43AE-AECB-78D7949DE719}"/>
+                </c:ext>
+              </c:extLst>
+            </c:dLbl>
+            <c:dLbl>
+              <c:idx val="2"/>
+              <c:spPr>
+                <a:noFill/>
+                <a:ln>
+                  <a:noFill/>
+                </a:ln>
+                <a:effectLst/>
+              </c:spPr>
+              <c:txPr>
+                <a:bodyPr rot="0" spcFirstLastPara="1" vertOverflow="ellipsis" vert="horz" wrap="square" lIns="38100" tIns="19050" rIns="38100" bIns="19050" anchor="ctr" anchorCtr="1">
+                  <a:spAutoFit/>
+                </a:bodyPr>
+                <a:lstStyle/>
+                <a:p>
+                  <a:pPr>
+                    <a:defRPr sz="1330" b="1" i="0" u="none" strike="noStrike" kern="1200" spc="0" baseline="0">
+                      <a:solidFill>
+                        <a:schemeClr val="accent3"/>
+                      </a:solidFill>
+                      <a:latin typeface="+mn-lt"/>
+                      <a:ea typeface="+mn-ea"/>
+                      <a:cs typeface="+mn-cs"/>
+                    </a:defRPr>
+                  </a:pPr>
+                  <a:endParaRPr lang="fr-FR"/>
+                </a:p>
+              </c:txPr>
+              <c:dLblPos val="outEnd"/>
+              <c:showLegendKey val="0"/>
+              <c:showVal val="0"/>
+              <c:showCatName val="1"/>
+              <c:showSerName val="0"/>
+              <c:showPercent val="1"/>
+              <c:showBubbleSize val="0"/>
+              <c:extLst>
+                <c:ext xmlns:c16="http://schemas.microsoft.com/office/drawing/2014/chart" uri="{C3380CC4-5D6E-409C-BE32-E72D297353CC}">
+                  <c16:uniqueId val="{00000005-5725-43AE-AECB-78D7949DE719}"/>
+                </c:ext>
+              </c:extLst>
+            </c:dLbl>
+            <c:dLbl>
+              <c:idx val="3"/>
+              <c:spPr>
+                <a:noFill/>
+                <a:ln>
+                  <a:noFill/>
+                </a:ln>
+                <a:effectLst/>
+              </c:spPr>
+              <c:txPr>
+                <a:bodyPr rot="0" spcFirstLastPara="1" vertOverflow="ellipsis" vert="horz" wrap="square" lIns="38100" tIns="19050" rIns="38100" bIns="19050" anchor="ctr" anchorCtr="1">
+                  <a:spAutoFit/>
+                </a:bodyPr>
+                <a:lstStyle/>
+                <a:p>
+                  <a:pPr>
+                    <a:defRPr sz="1330" b="1" i="0" u="none" strike="noStrike" kern="1200" spc="0" baseline="0">
+                      <a:solidFill>
+                        <a:schemeClr val="accent4"/>
+                      </a:solidFill>
+                      <a:latin typeface="+mn-lt"/>
+                      <a:ea typeface="+mn-ea"/>
+                      <a:cs typeface="+mn-cs"/>
+                    </a:defRPr>
+                  </a:pPr>
+                  <a:endParaRPr lang="fr-FR"/>
+                </a:p>
+              </c:txPr>
+              <c:dLblPos val="outEnd"/>
+              <c:showLegendKey val="0"/>
+              <c:showVal val="0"/>
+              <c:showCatName val="1"/>
+              <c:showSerName val="0"/>
+              <c:showPercent val="1"/>
+              <c:showBubbleSize val="0"/>
+              <c:extLst>
+                <c:ext xmlns:c16="http://schemas.microsoft.com/office/drawing/2014/chart" uri="{C3380CC4-5D6E-409C-BE32-E72D297353CC}">
+                  <c16:uniqueId val="{00000007-5725-43AE-AECB-78D7949DE719}"/>
+                </c:ext>
+              </c:extLst>
+            </c:dLbl>
+            <c:dLblPos val="outEnd"/>
             <c:showLegendKey val="0"/>
             <c:showVal val="0"/>
-            <c:showCatName val="0"/>
+            <c:showCatName val="1"/>
             <c:showSerName val="0"/>
             <c:showPercent val="1"/>
             <c:showBubbleSize val="0"/>
@@ -2350,7 +4373,7 @@
           </c:extLst>
         </c:ser>
         <c:dLbls>
-          <c:dLblPos val="inEnd"/>
+          <c:dLblPos val="outEnd"/>
           <c:showLegendKey val="0"/>
           <c:showVal val="0"/>
           <c:showCatName val="0"/>
@@ -2369,47 +4392,6 @@
         <a:effectLst/>
       </c:spPr>
     </c:plotArea>
-    <c:legend>
-      <c:legendPos val="t"/>
-      <c:layout>
-        <c:manualLayout>
-          <c:xMode val="edge"/>
-          <c:yMode val="edge"/>
-          <c:x val="0.16494099364796794"/>
-          <c:y val="3.1847133757961783E-2"/>
-          <c:w val="0.6653772724057373"/>
-          <c:h val="6.5171773910426806E-2"/>
-        </c:manualLayout>
-      </c:layout>
-      <c:overlay val="0"/>
-      <c:spPr>
-        <a:noFill/>
-        <a:ln>
-          <a:noFill/>
-        </a:ln>
-        <a:effectLst/>
-      </c:spPr>
-      <c:txPr>
-        <a:bodyPr rot="0" spcFirstLastPara="1" vertOverflow="ellipsis" vert="horz" wrap="square" anchor="ctr" anchorCtr="1"/>
-        <a:lstStyle/>
-        <a:p>
-          <a:pPr>
-            <a:defRPr sz="1197" b="0" i="0" u="none" strike="noStrike" kern="1200" baseline="0">
-              <a:solidFill>
-                <a:schemeClr val="tx1">
-                  <a:lumMod val="65000"/>
-                  <a:lumOff val="35000"/>
-                </a:schemeClr>
-              </a:solidFill>
-              <a:latin typeface="+mn-lt"/>
-              <a:ea typeface="+mn-ea"/>
-              <a:cs typeface="+mn-cs"/>
-            </a:defRPr>
-          </a:pPr>
-          <a:endParaRPr lang="fr-FR"/>
-        </a:p>
-      </c:txPr>
-    </c:legend>
     <c:plotVisOnly val="1"/>
     <c:dispBlanksAs val="gap"/>
     <c:extLst>
@@ -2762,7 +4744,7 @@
 </file>
 
 <file path=ppt/charts/style1.xml><?xml version="1.0" encoding="utf-8"?>
-<cs:chartStyle xmlns:cs="http://schemas.microsoft.com/office/drawing/2012/chartStyle" xmlns:a="http://schemas.openxmlformats.org/drawingml/2006/main" id="251">
+<cs:chartStyle xmlns:cs="http://schemas.microsoft.com/office/drawing/2012/chartStyle" xmlns:a="http://schemas.openxmlformats.org/drawingml/2006/main" id="259">
   <cs:axisTitle>
     <cs:lnRef idx="0"/>
     <cs:fillRef idx="0"/>
@@ -2773,7 +4755,7 @@
         <a:lumOff val="35000"/>
       </a:schemeClr>
     </cs:fontRef>
-    <cs:defRPr sz="1330" kern="1200"/>
+    <cs:defRPr sz="1197" kern="1200" cap="all"/>
   </cs:axisTitle>
   <cs:categoryAxis>
     <cs:lnRef idx="0"/>
@@ -2785,17 +4767,6 @@
         <a:lumOff val="35000"/>
       </a:schemeClr>
     </cs:fontRef>
-    <cs:spPr>
-      <a:ln w="9525" cap="flat" cmpd="sng" algn="ctr">
-        <a:solidFill>
-          <a:schemeClr val="tx1">
-            <a:lumMod val="15000"/>
-            <a:lumOff val="85000"/>
-          </a:schemeClr>
-        </a:solidFill>
-        <a:round/>
-      </a:ln>
-    </cs:spPr>
     <cs:defRPr sz="1197" kern="1200"/>
   </cs:categoryAxis>
   <cs:chartArea mods="allowNoFillOverride allowNoLineOverride">
@@ -2819,29 +4790,25 @@
         <a:round/>
       </a:ln>
     </cs:spPr>
-    <cs:defRPr sz="1197" kern="1200"/>
+    <cs:defRPr sz="1330" kern="1200"/>
   </cs:chartArea>
   <cs:dataLabel>
     <cs:lnRef idx="0"/>
     <cs:fillRef idx="0"/>
     <cs:effectRef idx="0"/>
     <cs:fontRef idx="minor">
-      <a:schemeClr val="tx1">
-        <a:lumMod val="75000"/>
-        <a:lumOff val="25000"/>
-      </a:schemeClr>
+      <cs:styleClr val="auto"/>
     </cs:fontRef>
-    <cs:defRPr sz="1197" kern="1200"/>
+    <cs:defRPr sz="1330" b="1" i="0" u="none" strike="noStrike" kern="1200" spc="0" baseline="0"/>
   </cs:dataLabel>
   <cs:dataLabelCallout>
-    <cs:lnRef idx="0"/>
+    <cs:lnRef idx="0">
+      <cs:styleClr val="auto"/>
+    </cs:lnRef>
     <cs:fillRef idx="0"/>
     <cs:effectRef idx="0"/>
     <cs:fontRef idx="minor">
-      <a:schemeClr val="dk1">
-        <a:lumMod val="65000"/>
-        <a:lumOff val="35000"/>
-      </a:schemeClr>
+      <cs:styleClr val="auto"/>
     </cs:fontRef>
     <cs:spPr>
       <a:solidFill>
@@ -2849,50 +4816,65 @@
       </a:solidFill>
       <a:ln>
         <a:solidFill>
-          <a:schemeClr val="dk1">
-            <a:lumMod val="25000"/>
-            <a:lumOff val="75000"/>
-          </a:schemeClr>
+          <a:schemeClr val="phClr"/>
         </a:solidFill>
       </a:ln>
     </cs:spPr>
-    <cs:defRPr sz="1197" kern="1200"/>
+    <cs:defRPr sz="1330" b="1" kern="1200"/>
     <cs:bodyPr rot="0" spcFirstLastPara="1" vertOverflow="clip" horzOverflow="clip" vert="horz" wrap="square" lIns="36576" tIns="18288" rIns="36576" bIns="18288" anchor="ctr" anchorCtr="1">
       <a:spAutoFit/>
     </cs:bodyPr>
   </cs:dataLabelCallout>
   <cs:dataPoint>
     <cs:lnRef idx="0"/>
-    <cs:fillRef idx="1">
+    <cs:fillRef idx="0">
       <cs:styleClr val="auto"/>
     </cs:fillRef>
     <cs:effectRef idx="0"/>
     <cs:fontRef idx="minor">
-      <a:schemeClr val="tx1"/>
+      <a:schemeClr val="dk1"/>
     </cs:fontRef>
     <cs:spPr>
-      <a:ln w="19050">
-        <a:solidFill>
-          <a:schemeClr val="lt1"/>
-        </a:solidFill>
-      </a:ln>
+      <a:solidFill>
+        <a:schemeClr val="phClr"/>
+      </a:solidFill>
+      <a:effectLst>
+        <a:outerShdw blurRad="63500" sx="102000" sy="102000" algn="ctr" rotWithShape="0">
+          <a:prstClr val="black">
+            <a:alpha val="20000"/>
+          </a:prstClr>
+        </a:outerShdw>
+      </a:effectLst>
     </cs:spPr>
   </cs:dataPoint>
   <cs:dataPoint3D>
     <cs:lnRef idx="0"/>
-    <cs:fillRef idx="1">
+    <cs:fillRef idx="0">
       <cs:styleClr val="auto"/>
     </cs:fillRef>
     <cs:effectRef idx="0"/>
     <cs:fontRef idx="minor">
-      <a:schemeClr val="tx1"/>
+      <a:schemeClr val="dk1"/>
     </cs:fontRef>
     <cs:spPr>
-      <a:ln w="25400">
-        <a:solidFill>
-          <a:schemeClr val="lt1"/>
-        </a:solidFill>
-      </a:ln>
+      <a:solidFill>
+        <a:schemeClr val="phClr"/>
+      </a:solidFill>
+      <a:effectLst>
+        <a:outerShdw blurRad="88900" sx="102000" sy="102000" algn="ctr" rotWithShape="0">
+          <a:prstClr val="black">
+            <a:alpha val="10000"/>
+          </a:prstClr>
+        </a:outerShdw>
+      </a:effectLst>
+      <a:scene3d>
+        <a:camera prst="orthographicFront"/>
+        <a:lightRig rig="threePt" dir="t"/>
+      </a:scene3d>
+      <a:sp3d>
+        <a:bevelT w="127000" h="127000"/>
+        <a:bevelB w="127000" h="127000"/>
+      </a:sp3d>
     </cs:spPr>
   </cs:dataPoint3D>
   <cs:dataPointLine>
@@ -2902,7 +4884,7 @@
     <cs:fillRef idx="0"/>
     <cs:effectRef idx="0"/>
     <cs:fontRef idx="minor">
-      <a:schemeClr val="tx1"/>
+      <a:schemeClr val="dk1"/>
     </cs:fontRef>
     <cs:spPr>
       <a:ln w="28575" cap="rnd">
@@ -2914,25 +4896,26 @@
     </cs:spPr>
   </cs:dataPointLine>
   <cs:dataPointMarker>
-    <cs:lnRef idx="0">
-      <cs:styleClr val="auto"/>
-    </cs:lnRef>
-    <cs:fillRef idx="1">
+    <cs:lnRef idx="0"/>
+    <cs:fillRef idx="0">
       <cs:styleClr val="auto"/>
     </cs:fillRef>
     <cs:effectRef idx="0"/>
     <cs:fontRef idx="minor">
-      <a:schemeClr val="tx1"/>
+      <a:schemeClr val="dk1"/>
     </cs:fontRef>
     <cs:spPr>
+      <a:solidFill>
+        <a:schemeClr val="phClr"/>
+      </a:solidFill>
       <a:ln w="9525">
         <a:solidFill>
-          <a:schemeClr val="phClr"/>
+          <a:schemeClr val="lt1"/>
         </a:solidFill>
       </a:ln>
     </cs:spPr>
   </cs:dataPointMarker>
-  <cs:dataPointMarkerLayout symbol="circle" size="5"/>
+  <cs:dataPointMarkerLayout symbol="circle" size="6"/>
   <cs:dataPointWireframe>
     <cs:lnRef idx="0">
       <cs:styleClr val="auto"/>
@@ -2940,7 +4923,7 @@
     <cs:fillRef idx="0"/>
     <cs:effectRef idx="0"/>
     <cs:fontRef idx="minor">
-      <a:schemeClr val="tx1"/>
+      <a:schemeClr val="dk1"/>
     </cs:fontRef>
     <cs:spPr>
       <a:ln w="9525" cap="rnd">
@@ -3145,7 +5128,7 @@
     <cs:fillRef idx="0"/>
     <cs:effectRef idx="0"/>
     <cs:fontRef idx="minor">
-      <a:schemeClr val="tx1"/>
+      <a:schemeClr val="dk1"/>
     </cs:fontRef>
   </cs:plotArea>
   <cs:plotArea3D mods="allowNoFillOverride allowNoLineOverride">
@@ -3153,7 +5136,7 @@
     <cs:fillRef idx="0"/>
     <cs:effectRef idx="0"/>
     <cs:fontRef idx="minor">
-      <a:schemeClr val="tx1"/>
+      <a:schemeClr val="dk1"/>
     </cs:fontRef>
   </cs:plotArea3D>
   <cs:seriesAxis>
@@ -3197,7 +5180,7 @@
         <a:lumOff val="35000"/>
       </a:schemeClr>
     </cs:fontRef>
-    <cs:defRPr sz="1862" b="0" kern="1200" spc="0" baseline="0"/>
+    <cs:defRPr sz="2128" b="1" kern="1200" cap="all" baseline="0"/>
   </cs:title>
   <cs:trendline>
     <cs:lnRef idx="0">
@@ -3213,7 +5196,7 @@
         <a:solidFill>
           <a:schemeClr val="phClr"/>
         </a:solidFill>
-        <a:prstDash val="sysDot"/>
+        <a:prstDash val="sysDash"/>
       </a:ln>
     </cs:spPr>
   </cs:trendline>
@@ -3281,7 +5264,7 @@
 </file>
 
 <file path=ppt/charts/style2.xml><?xml version="1.0" encoding="utf-8"?>
-<cs:chartStyle xmlns:cs="http://schemas.microsoft.com/office/drawing/2012/chartStyle" xmlns:a="http://schemas.openxmlformats.org/drawingml/2006/main" id="251">
+<cs:chartStyle xmlns:cs="http://schemas.microsoft.com/office/drawing/2012/chartStyle" xmlns:a="http://schemas.openxmlformats.org/drawingml/2006/main" id="259">
   <cs:axisTitle>
     <cs:lnRef idx="0"/>
     <cs:fillRef idx="0"/>
@@ -3292,7 +5275,7 @@
         <a:lumOff val="35000"/>
       </a:schemeClr>
     </cs:fontRef>
-    <cs:defRPr sz="1330" kern="1200"/>
+    <cs:defRPr sz="1197" kern="1200" cap="all"/>
   </cs:axisTitle>
   <cs:categoryAxis>
     <cs:lnRef idx="0"/>
@@ -3304,17 +5287,6 @@
         <a:lumOff val="35000"/>
       </a:schemeClr>
     </cs:fontRef>
-    <cs:spPr>
-      <a:ln w="9525" cap="flat" cmpd="sng" algn="ctr">
-        <a:solidFill>
-          <a:schemeClr val="tx1">
-            <a:lumMod val="15000"/>
-            <a:lumOff val="85000"/>
-          </a:schemeClr>
-        </a:solidFill>
-        <a:round/>
-      </a:ln>
-    </cs:spPr>
     <cs:defRPr sz="1197" kern="1200"/>
   </cs:categoryAxis>
   <cs:chartArea mods="allowNoFillOverride allowNoLineOverride">
@@ -3338,29 +5310,25 @@
         <a:round/>
       </a:ln>
     </cs:spPr>
-    <cs:defRPr sz="1197" kern="1200"/>
+    <cs:defRPr sz="1330" kern="1200"/>
   </cs:chartArea>
   <cs:dataLabel>
     <cs:lnRef idx="0"/>
     <cs:fillRef idx="0"/>
     <cs:effectRef idx="0"/>
     <cs:fontRef idx="minor">
-      <a:schemeClr val="tx1">
-        <a:lumMod val="75000"/>
-        <a:lumOff val="25000"/>
-      </a:schemeClr>
+      <cs:styleClr val="auto"/>
     </cs:fontRef>
-    <cs:defRPr sz="1197" kern="1200"/>
+    <cs:defRPr sz="1330" b="1" i="0" u="none" strike="noStrike" kern="1200" spc="0" baseline="0"/>
   </cs:dataLabel>
   <cs:dataLabelCallout>
-    <cs:lnRef idx="0"/>
+    <cs:lnRef idx="0">
+      <cs:styleClr val="auto"/>
+    </cs:lnRef>
     <cs:fillRef idx="0"/>
     <cs:effectRef idx="0"/>
     <cs:fontRef idx="minor">
-      <a:schemeClr val="dk1">
-        <a:lumMod val="65000"/>
-        <a:lumOff val="35000"/>
-      </a:schemeClr>
+      <cs:styleClr val="auto"/>
     </cs:fontRef>
     <cs:spPr>
       <a:solidFill>
@@ -3368,50 +5336,65 @@
       </a:solidFill>
       <a:ln>
         <a:solidFill>
-          <a:schemeClr val="dk1">
-            <a:lumMod val="25000"/>
-            <a:lumOff val="75000"/>
-          </a:schemeClr>
+          <a:schemeClr val="phClr"/>
         </a:solidFill>
       </a:ln>
     </cs:spPr>
-    <cs:defRPr sz="1197" kern="1200"/>
+    <cs:defRPr sz="1330" b="1" kern="1200"/>
     <cs:bodyPr rot="0" spcFirstLastPara="1" vertOverflow="clip" horzOverflow="clip" vert="horz" wrap="square" lIns="36576" tIns="18288" rIns="36576" bIns="18288" anchor="ctr" anchorCtr="1">
       <a:spAutoFit/>
     </cs:bodyPr>
   </cs:dataLabelCallout>
   <cs:dataPoint>
     <cs:lnRef idx="0"/>
-    <cs:fillRef idx="1">
+    <cs:fillRef idx="0">
       <cs:styleClr val="auto"/>
     </cs:fillRef>
     <cs:effectRef idx="0"/>
     <cs:fontRef idx="minor">
-      <a:schemeClr val="tx1"/>
+      <a:schemeClr val="dk1"/>
     </cs:fontRef>
     <cs:spPr>
-      <a:ln w="19050">
-        <a:solidFill>
-          <a:schemeClr val="lt1"/>
-        </a:solidFill>
-      </a:ln>
+      <a:solidFill>
+        <a:schemeClr val="phClr"/>
+      </a:solidFill>
+      <a:effectLst>
+        <a:outerShdw blurRad="63500" sx="102000" sy="102000" algn="ctr" rotWithShape="0">
+          <a:prstClr val="black">
+            <a:alpha val="20000"/>
+          </a:prstClr>
+        </a:outerShdw>
+      </a:effectLst>
     </cs:spPr>
   </cs:dataPoint>
   <cs:dataPoint3D>
     <cs:lnRef idx="0"/>
-    <cs:fillRef idx="1">
+    <cs:fillRef idx="0">
       <cs:styleClr val="auto"/>
     </cs:fillRef>
     <cs:effectRef idx="0"/>
     <cs:fontRef idx="minor">
-      <a:schemeClr val="tx1"/>
+      <a:schemeClr val="dk1"/>
     </cs:fontRef>
     <cs:spPr>
-      <a:ln w="25400">
-        <a:solidFill>
-          <a:schemeClr val="lt1"/>
-        </a:solidFill>
-      </a:ln>
+      <a:solidFill>
+        <a:schemeClr val="phClr"/>
+      </a:solidFill>
+      <a:effectLst>
+        <a:outerShdw blurRad="88900" sx="102000" sy="102000" algn="ctr" rotWithShape="0">
+          <a:prstClr val="black">
+            <a:alpha val="10000"/>
+          </a:prstClr>
+        </a:outerShdw>
+      </a:effectLst>
+      <a:scene3d>
+        <a:camera prst="orthographicFront"/>
+        <a:lightRig rig="threePt" dir="t"/>
+      </a:scene3d>
+      <a:sp3d>
+        <a:bevelT w="127000" h="127000"/>
+        <a:bevelB w="127000" h="127000"/>
+      </a:sp3d>
     </cs:spPr>
   </cs:dataPoint3D>
   <cs:dataPointLine>
@@ -3421,7 +5404,7 @@
     <cs:fillRef idx="0"/>
     <cs:effectRef idx="0"/>
     <cs:fontRef idx="minor">
-      <a:schemeClr val="tx1"/>
+      <a:schemeClr val="dk1"/>
     </cs:fontRef>
     <cs:spPr>
       <a:ln w="28575" cap="rnd">
@@ -3433,25 +5416,26 @@
     </cs:spPr>
   </cs:dataPointLine>
   <cs:dataPointMarker>
-    <cs:lnRef idx="0">
-      <cs:styleClr val="auto"/>
-    </cs:lnRef>
-    <cs:fillRef idx="1">
+    <cs:lnRef idx="0"/>
+    <cs:fillRef idx="0">
       <cs:styleClr val="auto"/>
     </cs:fillRef>
     <cs:effectRef idx="0"/>
     <cs:fontRef idx="minor">
-      <a:schemeClr val="tx1"/>
+      <a:schemeClr val="dk1"/>
     </cs:fontRef>
     <cs:spPr>
+      <a:solidFill>
+        <a:schemeClr val="phClr"/>
+      </a:solidFill>
       <a:ln w="9525">
         <a:solidFill>
-          <a:schemeClr val="phClr"/>
+          <a:schemeClr val="lt1"/>
         </a:solidFill>
       </a:ln>
     </cs:spPr>
   </cs:dataPointMarker>
-  <cs:dataPointMarkerLayout symbol="circle" size="5"/>
+  <cs:dataPointMarkerLayout symbol="circle" size="6"/>
   <cs:dataPointWireframe>
     <cs:lnRef idx="0">
       <cs:styleClr val="auto"/>
@@ -3459,7 +5443,7 @@
     <cs:fillRef idx="0"/>
     <cs:effectRef idx="0"/>
     <cs:fontRef idx="minor">
-      <a:schemeClr val="tx1"/>
+      <a:schemeClr val="dk1"/>
     </cs:fontRef>
     <cs:spPr>
       <a:ln w="9525" cap="rnd">
@@ -3664,7 +5648,7 @@
     <cs:fillRef idx="0"/>
     <cs:effectRef idx="0"/>
     <cs:fontRef idx="minor">
-      <a:schemeClr val="tx1"/>
+      <a:schemeClr val="dk1"/>
     </cs:fontRef>
   </cs:plotArea>
   <cs:plotArea3D mods="allowNoFillOverride allowNoLineOverride">
@@ -3672,7 +5656,7 @@
     <cs:fillRef idx="0"/>
     <cs:effectRef idx="0"/>
     <cs:fontRef idx="minor">
-      <a:schemeClr val="tx1"/>
+      <a:schemeClr val="dk1"/>
     </cs:fontRef>
   </cs:plotArea3D>
   <cs:seriesAxis>
@@ -3716,7 +5700,7 @@
         <a:lumOff val="35000"/>
       </a:schemeClr>
     </cs:fontRef>
-    <cs:defRPr sz="1862" b="0" kern="1200" spc="0" baseline="0"/>
+    <cs:defRPr sz="2128" b="1" kern="1200" cap="all" baseline="0"/>
   </cs:title>
   <cs:trendline>
     <cs:lnRef idx="0">
@@ -3732,7 +5716,7 @@
         <a:solidFill>
           <a:schemeClr val="phClr"/>
         </a:solidFill>
-        <a:prstDash val="sysDot"/>
+        <a:prstDash val="sysDash"/>
       </a:ln>
     </cs:spPr>
   </cs:trendline>
@@ -3800,7 +5784,7 @@
 </file>
 
 <file path=ppt/charts/style3.xml><?xml version="1.0" encoding="utf-8"?>
-<cs:chartStyle xmlns:cs="http://schemas.microsoft.com/office/drawing/2012/chartStyle" xmlns:a="http://schemas.openxmlformats.org/drawingml/2006/main" id="251">
+<cs:chartStyle xmlns:cs="http://schemas.microsoft.com/office/drawing/2012/chartStyle" xmlns:a="http://schemas.openxmlformats.org/drawingml/2006/main" id="259">
   <cs:axisTitle>
     <cs:lnRef idx="0"/>
     <cs:fillRef idx="0"/>
@@ -3811,7 +5795,7 @@
         <a:lumOff val="35000"/>
       </a:schemeClr>
     </cs:fontRef>
-    <cs:defRPr sz="1330" kern="1200"/>
+    <cs:defRPr sz="1197" kern="1200" cap="all"/>
   </cs:axisTitle>
   <cs:categoryAxis>
     <cs:lnRef idx="0"/>
@@ -3823,17 +5807,6 @@
         <a:lumOff val="35000"/>
       </a:schemeClr>
     </cs:fontRef>
-    <cs:spPr>
-      <a:ln w="9525" cap="flat" cmpd="sng" algn="ctr">
-        <a:solidFill>
-          <a:schemeClr val="tx1">
-            <a:lumMod val="15000"/>
-            <a:lumOff val="85000"/>
-          </a:schemeClr>
-        </a:solidFill>
-        <a:round/>
-      </a:ln>
-    </cs:spPr>
     <cs:defRPr sz="1197" kern="1200"/>
   </cs:categoryAxis>
   <cs:chartArea mods="allowNoFillOverride allowNoLineOverride">
@@ -3857,29 +5830,25 @@
         <a:round/>
       </a:ln>
     </cs:spPr>
-    <cs:defRPr sz="1197" kern="1200"/>
+    <cs:defRPr sz="1330" kern="1200"/>
   </cs:chartArea>
   <cs:dataLabel>
     <cs:lnRef idx="0"/>
     <cs:fillRef idx="0"/>
     <cs:effectRef idx="0"/>
     <cs:fontRef idx="minor">
-      <a:schemeClr val="tx1">
-        <a:lumMod val="75000"/>
-        <a:lumOff val="25000"/>
-      </a:schemeClr>
+      <cs:styleClr val="auto"/>
     </cs:fontRef>
-    <cs:defRPr sz="1197" kern="1200"/>
+    <cs:defRPr sz="1330" b="1" i="0" u="none" strike="noStrike" kern="1200" spc="0" baseline="0"/>
   </cs:dataLabel>
   <cs:dataLabelCallout>
-    <cs:lnRef idx="0"/>
+    <cs:lnRef idx="0">
+      <cs:styleClr val="auto"/>
+    </cs:lnRef>
     <cs:fillRef idx="0"/>
     <cs:effectRef idx="0"/>
     <cs:fontRef idx="minor">
-      <a:schemeClr val="dk1">
-        <a:lumMod val="65000"/>
-        <a:lumOff val="35000"/>
-      </a:schemeClr>
+      <cs:styleClr val="auto"/>
     </cs:fontRef>
     <cs:spPr>
       <a:solidFill>
@@ -3887,50 +5856,65 @@
       </a:solidFill>
       <a:ln>
         <a:solidFill>
-          <a:schemeClr val="dk1">
-            <a:lumMod val="25000"/>
-            <a:lumOff val="75000"/>
-          </a:schemeClr>
+          <a:schemeClr val="phClr"/>
         </a:solidFill>
       </a:ln>
     </cs:spPr>
-    <cs:defRPr sz="1197" kern="1200"/>
+    <cs:defRPr sz="1330" b="1" kern="1200"/>
     <cs:bodyPr rot="0" spcFirstLastPara="1" vertOverflow="clip" horzOverflow="clip" vert="horz" wrap="square" lIns="36576" tIns="18288" rIns="36576" bIns="18288" anchor="ctr" anchorCtr="1">
       <a:spAutoFit/>
     </cs:bodyPr>
   </cs:dataLabelCallout>
   <cs:dataPoint>
     <cs:lnRef idx="0"/>
-    <cs:fillRef idx="1">
+    <cs:fillRef idx="0">
       <cs:styleClr val="auto"/>
     </cs:fillRef>
     <cs:effectRef idx="0"/>
     <cs:fontRef idx="minor">
-      <a:schemeClr val="tx1"/>
+      <a:schemeClr val="dk1"/>
     </cs:fontRef>
     <cs:spPr>
-      <a:ln w="19050">
-        <a:solidFill>
-          <a:schemeClr val="lt1"/>
-        </a:solidFill>
-      </a:ln>
+      <a:solidFill>
+        <a:schemeClr val="phClr"/>
+      </a:solidFill>
+      <a:effectLst>
+        <a:outerShdw blurRad="63500" sx="102000" sy="102000" algn="ctr" rotWithShape="0">
+          <a:prstClr val="black">
+            <a:alpha val="20000"/>
+          </a:prstClr>
+        </a:outerShdw>
+      </a:effectLst>
     </cs:spPr>
   </cs:dataPoint>
   <cs:dataPoint3D>
     <cs:lnRef idx="0"/>
-    <cs:fillRef idx="1">
+    <cs:fillRef idx="0">
       <cs:styleClr val="auto"/>
     </cs:fillRef>
     <cs:effectRef idx="0"/>
     <cs:fontRef idx="minor">
-      <a:schemeClr val="tx1"/>
+      <a:schemeClr val="dk1"/>
     </cs:fontRef>
     <cs:spPr>
-      <a:ln w="25400">
-        <a:solidFill>
-          <a:schemeClr val="lt1"/>
-        </a:solidFill>
-      </a:ln>
+      <a:solidFill>
+        <a:schemeClr val="phClr"/>
+      </a:solidFill>
+      <a:effectLst>
+        <a:outerShdw blurRad="88900" sx="102000" sy="102000" algn="ctr" rotWithShape="0">
+          <a:prstClr val="black">
+            <a:alpha val="10000"/>
+          </a:prstClr>
+        </a:outerShdw>
+      </a:effectLst>
+      <a:scene3d>
+        <a:camera prst="orthographicFront"/>
+        <a:lightRig rig="threePt" dir="t"/>
+      </a:scene3d>
+      <a:sp3d>
+        <a:bevelT w="127000" h="127000"/>
+        <a:bevelB w="127000" h="127000"/>
+      </a:sp3d>
     </cs:spPr>
   </cs:dataPoint3D>
   <cs:dataPointLine>
@@ -3940,7 +5924,7 @@
     <cs:fillRef idx="0"/>
     <cs:effectRef idx="0"/>
     <cs:fontRef idx="minor">
-      <a:schemeClr val="tx1"/>
+      <a:schemeClr val="dk1"/>
     </cs:fontRef>
     <cs:spPr>
       <a:ln w="28575" cap="rnd">
@@ -3952,25 +5936,26 @@
     </cs:spPr>
   </cs:dataPointLine>
   <cs:dataPointMarker>
-    <cs:lnRef idx="0">
-      <cs:styleClr val="auto"/>
-    </cs:lnRef>
-    <cs:fillRef idx="1">
+    <cs:lnRef idx="0"/>
+    <cs:fillRef idx="0">
       <cs:styleClr val="auto"/>
     </cs:fillRef>
     <cs:effectRef idx="0"/>
     <cs:fontRef idx="minor">
-      <a:schemeClr val="tx1"/>
+      <a:schemeClr val="dk1"/>
     </cs:fontRef>
     <cs:spPr>
+      <a:solidFill>
+        <a:schemeClr val="phClr"/>
+      </a:solidFill>
       <a:ln w="9525">
         <a:solidFill>
-          <a:schemeClr val="phClr"/>
+          <a:schemeClr val="lt1"/>
         </a:solidFill>
       </a:ln>
     </cs:spPr>
   </cs:dataPointMarker>
-  <cs:dataPointMarkerLayout symbol="circle" size="5"/>
+  <cs:dataPointMarkerLayout symbol="circle" size="6"/>
   <cs:dataPointWireframe>
     <cs:lnRef idx="0">
       <cs:styleClr val="auto"/>
@@ -3978,7 +5963,7 @@
     <cs:fillRef idx="0"/>
     <cs:effectRef idx="0"/>
     <cs:fontRef idx="minor">
-      <a:schemeClr val="tx1"/>
+      <a:schemeClr val="dk1"/>
     </cs:fontRef>
     <cs:spPr>
       <a:ln w="9525" cap="rnd">
@@ -4183,7 +6168,7 @@
     <cs:fillRef idx="0"/>
     <cs:effectRef idx="0"/>
     <cs:fontRef idx="minor">
-      <a:schemeClr val="tx1"/>
+      <a:schemeClr val="dk1"/>
     </cs:fontRef>
   </cs:plotArea>
   <cs:plotArea3D mods="allowNoFillOverride allowNoLineOverride">
@@ -4191,7 +6176,7 @@
     <cs:fillRef idx="0"/>
     <cs:effectRef idx="0"/>
     <cs:fontRef idx="minor">
-      <a:schemeClr val="tx1"/>
+      <a:schemeClr val="dk1"/>
     </cs:fontRef>
   </cs:plotArea3D>
   <cs:seriesAxis>
@@ -4235,7 +6220,7 @@
         <a:lumOff val="35000"/>
       </a:schemeClr>
     </cs:fontRef>
-    <cs:defRPr sz="1862" b="0" kern="1200" spc="0" baseline="0"/>
+    <cs:defRPr sz="2128" b="1" kern="1200" cap="all" baseline="0"/>
   </cs:title>
   <cs:trendline>
     <cs:lnRef idx="0">
@@ -4251,7 +6236,7 @@
         <a:solidFill>
           <a:schemeClr val="phClr"/>
         </a:solidFill>
-        <a:prstDash val="sysDot"/>
+        <a:prstDash val="sysDash"/>
       </a:ln>
     </cs:spPr>
   </cs:trendline>
@@ -4319,7 +6304,7 @@
 </file>
 
 <file path=ppt/charts/style4.xml><?xml version="1.0" encoding="utf-8"?>
-<cs:chartStyle xmlns:cs="http://schemas.microsoft.com/office/drawing/2012/chartStyle" xmlns:a="http://schemas.openxmlformats.org/drawingml/2006/main" id="251">
+<cs:chartStyle xmlns:cs="http://schemas.microsoft.com/office/drawing/2012/chartStyle" xmlns:a="http://schemas.openxmlformats.org/drawingml/2006/main" id="259">
   <cs:axisTitle>
     <cs:lnRef idx="0"/>
     <cs:fillRef idx="0"/>
@@ -4330,7 +6315,7 @@
         <a:lumOff val="35000"/>
       </a:schemeClr>
     </cs:fontRef>
-    <cs:defRPr sz="1330" kern="1200"/>
+    <cs:defRPr sz="1197" kern="1200" cap="all"/>
   </cs:axisTitle>
   <cs:categoryAxis>
     <cs:lnRef idx="0"/>
@@ -4342,17 +6327,6 @@
         <a:lumOff val="35000"/>
       </a:schemeClr>
     </cs:fontRef>
-    <cs:spPr>
-      <a:ln w="9525" cap="flat" cmpd="sng" algn="ctr">
-        <a:solidFill>
-          <a:schemeClr val="tx1">
-            <a:lumMod val="15000"/>
-            <a:lumOff val="85000"/>
-          </a:schemeClr>
-        </a:solidFill>
-        <a:round/>
-      </a:ln>
-    </cs:spPr>
     <cs:defRPr sz="1197" kern="1200"/>
   </cs:categoryAxis>
   <cs:chartArea mods="allowNoFillOverride allowNoLineOverride">
@@ -4376,29 +6350,25 @@
         <a:round/>
       </a:ln>
     </cs:spPr>
-    <cs:defRPr sz="1197" kern="1200"/>
+    <cs:defRPr sz="1330" kern="1200"/>
   </cs:chartArea>
   <cs:dataLabel>
     <cs:lnRef idx="0"/>
     <cs:fillRef idx="0"/>
     <cs:effectRef idx="0"/>
     <cs:fontRef idx="minor">
-      <a:schemeClr val="tx1">
-        <a:lumMod val="75000"/>
-        <a:lumOff val="25000"/>
-      </a:schemeClr>
+      <cs:styleClr val="auto"/>
     </cs:fontRef>
-    <cs:defRPr sz="1197" kern="1200"/>
+    <cs:defRPr sz="1330" b="1" i="0" u="none" strike="noStrike" kern="1200" spc="0" baseline="0"/>
   </cs:dataLabel>
   <cs:dataLabelCallout>
-    <cs:lnRef idx="0"/>
+    <cs:lnRef idx="0">
+      <cs:styleClr val="auto"/>
+    </cs:lnRef>
     <cs:fillRef idx="0"/>
     <cs:effectRef idx="0"/>
     <cs:fontRef idx="minor">
-      <a:schemeClr val="dk1">
-        <a:lumMod val="65000"/>
-        <a:lumOff val="35000"/>
-      </a:schemeClr>
+      <cs:styleClr val="auto"/>
     </cs:fontRef>
     <cs:spPr>
       <a:solidFill>
@@ -4406,50 +6376,65 @@
       </a:solidFill>
       <a:ln>
         <a:solidFill>
-          <a:schemeClr val="dk1">
-            <a:lumMod val="25000"/>
-            <a:lumOff val="75000"/>
-          </a:schemeClr>
+          <a:schemeClr val="phClr"/>
         </a:solidFill>
       </a:ln>
     </cs:spPr>
-    <cs:defRPr sz="1197" kern="1200"/>
+    <cs:defRPr sz="1330" b="1" kern="1200"/>
     <cs:bodyPr rot="0" spcFirstLastPara="1" vertOverflow="clip" horzOverflow="clip" vert="horz" wrap="square" lIns="36576" tIns="18288" rIns="36576" bIns="18288" anchor="ctr" anchorCtr="1">
       <a:spAutoFit/>
     </cs:bodyPr>
   </cs:dataLabelCallout>
   <cs:dataPoint>
     <cs:lnRef idx="0"/>
-    <cs:fillRef idx="1">
+    <cs:fillRef idx="0">
       <cs:styleClr val="auto"/>
     </cs:fillRef>
     <cs:effectRef idx="0"/>
     <cs:fontRef idx="minor">
-      <a:schemeClr val="tx1"/>
+      <a:schemeClr val="dk1"/>
     </cs:fontRef>
     <cs:spPr>
-      <a:ln w="19050">
-        <a:solidFill>
-          <a:schemeClr val="lt1"/>
-        </a:solidFill>
-      </a:ln>
+      <a:solidFill>
+        <a:schemeClr val="phClr"/>
+      </a:solidFill>
+      <a:effectLst>
+        <a:outerShdw blurRad="63500" sx="102000" sy="102000" algn="ctr" rotWithShape="0">
+          <a:prstClr val="black">
+            <a:alpha val="20000"/>
+          </a:prstClr>
+        </a:outerShdw>
+      </a:effectLst>
     </cs:spPr>
   </cs:dataPoint>
   <cs:dataPoint3D>
     <cs:lnRef idx="0"/>
-    <cs:fillRef idx="1">
+    <cs:fillRef idx="0">
       <cs:styleClr val="auto"/>
     </cs:fillRef>
     <cs:effectRef idx="0"/>
     <cs:fontRef idx="minor">
-      <a:schemeClr val="tx1"/>
+      <a:schemeClr val="dk1"/>
     </cs:fontRef>
     <cs:spPr>
-      <a:ln w="25400">
-        <a:solidFill>
-          <a:schemeClr val="lt1"/>
-        </a:solidFill>
-      </a:ln>
+      <a:solidFill>
+        <a:schemeClr val="phClr"/>
+      </a:solidFill>
+      <a:effectLst>
+        <a:outerShdw blurRad="88900" sx="102000" sy="102000" algn="ctr" rotWithShape="0">
+          <a:prstClr val="black">
+            <a:alpha val="10000"/>
+          </a:prstClr>
+        </a:outerShdw>
+      </a:effectLst>
+      <a:scene3d>
+        <a:camera prst="orthographicFront"/>
+        <a:lightRig rig="threePt" dir="t"/>
+      </a:scene3d>
+      <a:sp3d>
+        <a:bevelT w="127000" h="127000"/>
+        <a:bevelB w="127000" h="127000"/>
+      </a:sp3d>
     </cs:spPr>
   </cs:dataPoint3D>
   <cs:dataPointLine>
@@ -4459,7 +6444,7 @@
     <cs:fillRef idx="0"/>
     <cs:effectRef idx="0"/>
     <cs:fontRef idx="minor">
-      <a:schemeClr val="tx1"/>
+      <a:schemeClr val="dk1"/>
     </cs:fontRef>
     <cs:spPr>
       <a:ln w="28575" cap="rnd">
@@ -4471,25 +6456,26 @@
     </cs:spPr>
   </cs:dataPointLine>
   <cs:dataPointMarker>
-    <cs:lnRef idx="0">
-      <cs:styleClr val="auto"/>
-    </cs:lnRef>
-    <cs:fillRef idx="1">
+    <cs:lnRef idx="0"/>
+    <cs:fillRef idx="0">
       <cs:styleClr val="auto"/>
     </cs:fillRef>
     <cs:effectRef idx="0"/>
     <cs:fontRef idx="minor">
-      <a:schemeClr val="tx1"/>
+      <a:schemeClr val="dk1"/>
     </cs:fontRef>
     <cs:spPr>
+      <a:solidFill>
+        <a:schemeClr val="phClr"/>
+      </a:solidFill>
       <a:ln w="9525">
         <a:solidFill>
-          <a:schemeClr val="phClr"/>
+          <a:schemeClr val="lt1"/>
         </a:solidFill>
       </a:ln>
     </cs:spPr>
   </cs:dataPointMarker>
-  <cs:dataPointMarkerLayout symbol="circle" size="5"/>
+  <cs:dataPointMarkerLayout symbol="circle" size="6"/>
   <cs:dataPointWireframe>
     <cs:lnRef idx="0">
       <cs:styleClr val="auto"/>
@@ -4497,7 +6483,7 @@
     <cs:fillRef idx="0"/>
     <cs:effectRef idx="0"/>
     <cs:fontRef idx="minor">
-      <a:schemeClr val="tx1"/>
+      <a:schemeClr val="dk1"/>
     </cs:fontRef>
     <cs:spPr>
       <a:ln w="9525" cap="rnd">
@@ -4702,7 +6688,7 @@
     <cs:fillRef idx="0"/>
     <cs:effectRef idx="0"/>
     <cs:fontRef idx="minor">
-      <a:schemeClr val="tx1"/>
+      <a:schemeClr val="dk1"/>
     </cs:fontRef>
   </cs:plotArea>
   <cs:plotArea3D mods="allowNoFillOverride allowNoLineOverride">
@@ -4710,7 +6696,7 @@
     <cs:fillRef idx="0"/>
     <cs:effectRef idx="0"/>
     <cs:fontRef idx="minor">
-      <a:schemeClr val="tx1"/>
+      <a:schemeClr val="dk1"/>
     </cs:fontRef>
   </cs:plotArea3D>
   <cs:seriesAxis>
@@ -4754,7 +6740,7 @@
         <a:lumOff val="35000"/>
       </a:schemeClr>
     </cs:fontRef>
-    <cs:defRPr sz="1862" b="0" kern="1200" spc="0" baseline="0"/>
+    <cs:defRPr sz="2128" b="1" kern="1200" cap="all" baseline="0"/>
   </cs:title>
   <cs:trendline>
     <cs:lnRef idx="0">
@@ -4770,7 +6756,7 @@
         <a:solidFill>
           <a:schemeClr val="phClr"/>
         </a:solidFill>
-        <a:prstDash val="sysDot"/>
+        <a:prstDash val="sysDash"/>
       </a:ln>
     </cs:spPr>
   </cs:trendline>
@@ -4838,7 +6824,7 @@
 </file>
 
 <file path=ppt/charts/style5.xml><?xml version="1.0" encoding="utf-8"?>
-<cs:chartStyle xmlns:cs="http://schemas.microsoft.com/office/drawing/2012/chartStyle" xmlns:a="http://schemas.openxmlformats.org/drawingml/2006/main" id="251">
+<cs:chartStyle xmlns:cs="http://schemas.microsoft.com/office/drawing/2012/chartStyle" xmlns:a="http://schemas.openxmlformats.org/drawingml/2006/main" id="259">
   <cs:axisTitle>
     <cs:lnRef idx="0"/>
     <cs:fillRef idx="0"/>
@@ -4849,7 +6835,7 @@
         <a:lumOff val="35000"/>
       </a:schemeClr>
     </cs:fontRef>
-    <cs:defRPr sz="1330" kern="1200"/>
+    <cs:defRPr sz="1197" kern="1200" cap="all"/>
   </cs:axisTitle>
   <cs:categoryAxis>
     <cs:lnRef idx="0"/>
@@ -4861,17 +6847,6 @@
         <a:lumOff val="35000"/>
       </a:schemeClr>
     </cs:fontRef>
-    <cs:spPr>
-      <a:ln w="9525" cap="flat" cmpd="sng" algn="ctr">
-        <a:solidFill>
-          <a:schemeClr val="tx1">
-            <a:lumMod val="15000"/>
-            <a:lumOff val="85000"/>
-          </a:schemeClr>
-        </a:solidFill>
-        <a:round/>
-      </a:ln>
-    </cs:spPr>
     <cs:defRPr sz="1197" kern="1200"/>
   </cs:categoryAxis>
   <cs:chartArea mods="allowNoFillOverride allowNoLineOverride">
@@ -4895,29 +6870,25 @@
         <a:round/>
       </a:ln>
     </cs:spPr>
-    <cs:defRPr sz="1197" kern="1200"/>
+    <cs:defRPr sz="1330" kern="1200"/>
   </cs:chartArea>
   <cs:dataLabel>
     <cs:lnRef idx="0"/>
     <cs:fillRef idx="0"/>
     <cs:effectRef idx="0"/>
     <cs:fontRef idx="minor">
-      <a:schemeClr val="tx1">
-        <a:lumMod val="75000"/>
-        <a:lumOff val="25000"/>
-      </a:schemeClr>
+      <cs:styleClr val="auto"/>
     </cs:fontRef>
-    <cs:defRPr sz="1197" kern="1200"/>
+    <cs:defRPr sz="1330" b="1" i="0" u="none" strike="noStrike" kern="1200" spc="0" baseline="0"/>
   </cs:dataLabel>
   <cs:dataLabelCallout>
-    <cs:lnRef idx="0"/>
+    <cs:lnRef idx="0">
+      <cs:styleClr val="auto"/>
+    </cs:lnRef>
     <cs:fillRef idx="0"/>
     <cs:effectRef idx="0"/>
     <cs:fontRef idx="minor">
-      <a:schemeClr val="dk1">
-        <a:lumMod val="65000"/>
-        <a:lumOff val="35000"/>
-      </a:schemeClr>
+      <cs:styleClr val="auto"/>
     </cs:fontRef>
     <cs:spPr>
       <a:solidFill>
@@ -4925,50 +6896,65 @@
       </a:solidFill>
       <a:ln>
         <a:solidFill>
-          <a:schemeClr val="dk1">
-            <a:lumMod val="25000"/>
-            <a:lumOff val="75000"/>
-          </a:schemeClr>
+          <a:schemeClr val="phClr"/>
         </a:solidFill>
       </a:ln>
     </cs:spPr>
-    <cs:defRPr sz="1197" kern="1200"/>
+    <cs:defRPr sz="1330" b="1" kern="1200"/>
     <cs:bodyPr rot="0" spcFirstLastPara="1" vertOverflow="clip" horzOverflow="clip" vert="horz" wrap="square" lIns="36576" tIns="18288" rIns="36576" bIns="18288" anchor="ctr" anchorCtr="1">
       <a:spAutoFit/>
     </cs:bodyPr>
   </cs:dataLabelCallout>
   <cs:dataPoint>
     <cs:lnRef idx="0"/>
-    <cs:fillRef idx="1">
+    <cs:fillRef idx="0">
       <cs:styleClr val="auto"/>
     </cs:fillRef>
     <cs:effectRef idx="0"/>
     <cs:fontRef idx="minor">
-      <a:schemeClr val="tx1"/>
+      <a:schemeClr val="dk1"/>
     </cs:fontRef>
     <cs:spPr>
-      <a:ln w="19050">
-        <a:solidFill>
-          <a:schemeClr val="lt1"/>
-        </a:solidFill>
-      </a:ln>
+      <a:solidFill>
+        <a:schemeClr val="phClr"/>
+      </a:solidFill>
+      <a:effectLst>
+        <a:outerShdw blurRad="63500" sx="102000" sy="102000" algn="ctr" rotWithShape="0">
+          <a:prstClr val="black">
+            <a:alpha val="20000"/>
+          </a:prstClr>
+        </a:outerShdw>
+      </a:effectLst>
     </cs:spPr>
   </cs:dataPoint>
   <cs:dataPoint3D>
     <cs:lnRef idx="0"/>
-    <cs:fillRef idx="1">
+    <cs:fillRef idx="0">
       <cs:styleClr val="auto"/>
     </cs:fillRef>
     <cs:effectRef idx="0"/>
     <cs:fontRef idx="minor">
-      <a:schemeClr val="tx1"/>
+      <a:schemeClr val="dk1"/>
     </cs:fontRef>
     <cs:spPr>
-      <a:ln w="25400">
-        <a:solidFill>
-          <a:schemeClr val="lt1"/>
-        </a:solidFill>
-      </a:ln>
+      <a:solidFill>
+        <a:schemeClr val="phClr"/>
+      </a:solidFill>
+      <a:effectLst>
+        <a:outerShdw blurRad="88900" sx="102000" sy="102000" algn="ctr" rotWithShape="0">
+          <a:prstClr val="black">
+            <a:alpha val="10000"/>
+          </a:prstClr>
+        </a:outerShdw>
+      </a:effectLst>
+      <a:scene3d>
+        <a:camera prst="orthographicFront"/>
+        <a:lightRig rig="threePt" dir="t"/>
+      </a:scene3d>
+      <a:sp3d>
+        <a:bevelT w="127000" h="127000"/>
+        <a:bevelB w="127000" h="127000"/>
+      </a:sp3d>
     </cs:spPr>
   </cs:dataPoint3D>
   <cs:dataPointLine>
@@ -4978,7 +6964,7 @@
     <cs:fillRef idx="0"/>
     <cs:effectRef idx="0"/>
     <cs:fontRef idx="minor">
-      <a:schemeClr val="tx1"/>
+      <a:schemeClr val="dk1"/>
     </cs:fontRef>
     <cs:spPr>
       <a:ln w="28575" cap="rnd">
@@ -4990,25 +6976,26 @@
     </cs:spPr>
   </cs:dataPointLine>
   <cs:dataPointMarker>
-    <cs:lnRef idx="0">
-      <cs:styleClr val="auto"/>
-    </cs:lnRef>
-    <cs:fillRef idx="1">
+    <cs:lnRef idx="0"/>
+    <cs:fillRef idx="0">
       <cs:styleClr val="auto"/>
     </cs:fillRef>
     <cs:effectRef idx="0"/>
     <cs:fontRef idx="minor">
-      <a:schemeClr val="tx1"/>
+      <a:schemeClr val="dk1"/>
     </cs:fontRef>
     <cs:spPr>
+      <a:solidFill>
+        <a:schemeClr val="phClr"/>
+      </a:solidFill>
       <a:ln w="9525">
         <a:solidFill>
-          <a:schemeClr val="phClr"/>
+          <a:schemeClr val="lt1"/>
         </a:solidFill>
       </a:ln>
     </cs:spPr>
   </cs:dataPointMarker>
-  <cs:dataPointMarkerLayout symbol="circle" size="5"/>
+  <cs:dataPointMarkerLayout symbol="circle" size="6"/>
   <cs:dataPointWireframe>
     <cs:lnRef idx="0">
       <cs:styleClr val="auto"/>
@@ -5016,7 +7003,7 @@
     <cs:fillRef idx="0"/>
     <cs:effectRef idx="0"/>
     <cs:fontRef idx="minor">
-      <a:schemeClr val="tx1"/>
+      <a:schemeClr val="dk1"/>
     </cs:fontRef>
     <cs:spPr>
       <a:ln w="9525" cap="rnd">
@@ -5221,7 +7208,7 @@
     <cs:fillRef idx="0"/>
     <cs:effectRef idx="0"/>
     <cs:fontRef idx="minor">
-      <a:schemeClr val="tx1"/>
+      <a:schemeClr val="dk1"/>
     </cs:fontRef>
   </cs:plotArea>
   <cs:plotArea3D mods="allowNoFillOverride allowNoLineOverride">
@@ -5229,7 +7216,7 @@
     <cs:fillRef idx="0"/>
     <cs:effectRef idx="0"/>
     <cs:fontRef idx="minor">
-      <a:schemeClr val="tx1"/>
+      <a:schemeClr val="dk1"/>
     </cs:fontRef>
   </cs:plotArea3D>
   <cs:seriesAxis>
@@ -5273,7 +7260,7 @@
         <a:lumOff val="35000"/>
       </a:schemeClr>
     </cs:fontRef>
-    <cs:defRPr sz="1862" b="0" kern="1200" spc="0" baseline="0"/>
+    <cs:defRPr sz="2128" b="1" kern="1200" cap="all" baseline="0"/>
   </cs:title>
   <cs:trendline>
     <cs:lnRef idx="0">
@@ -5289,7 +7276,7 @@
         <a:solidFill>
           <a:schemeClr val="phClr"/>
         </a:solidFill>
-        <a:prstDash val="sysDot"/>
+        <a:prstDash val="sysDash"/>
       </a:ln>
     </cs:spPr>
   </cs:trendline>
@@ -5357,7 +7344,7 @@
 </file>
 
 <file path=ppt/charts/style6.xml><?xml version="1.0" encoding="utf-8"?>
-<cs:chartStyle xmlns:cs="http://schemas.microsoft.com/office/drawing/2012/chartStyle" xmlns:a="http://schemas.openxmlformats.org/drawingml/2006/main" id="251">
+<cs:chartStyle xmlns:cs="http://schemas.microsoft.com/office/drawing/2012/chartStyle" xmlns:a="http://schemas.openxmlformats.org/drawingml/2006/main" id="259">
   <cs:axisTitle>
     <cs:lnRef idx="0"/>
     <cs:fillRef idx="0"/>
@@ -5368,7 +7355,7 @@
         <a:lumOff val="35000"/>
       </a:schemeClr>
     </cs:fontRef>
-    <cs:defRPr sz="1330" kern="1200"/>
+    <cs:defRPr sz="1197" kern="1200" cap="all"/>
   </cs:axisTitle>
   <cs:categoryAxis>
     <cs:lnRef idx="0"/>
@@ -5380,17 +7367,6 @@
         <a:lumOff val="35000"/>
       </a:schemeClr>
     </cs:fontRef>
-    <cs:spPr>
-      <a:ln w="9525" cap="flat" cmpd="sng" algn="ctr">
-        <a:solidFill>
-          <a:schemeClr val="tx1">
-            <a:lumMod val="15000"/>
-            <a:lumOff val="85000"/>
-          </a:schemeClr>
-        </a:solidFill>
-        <a:round/>
-      </a:ln>
-    </cs:spPr>
     <cs:defRPr sz="1197" kern="1200"/>
   </cs:categoryAxis>
   <cs:chartArea mods="allowNoFillOverride allowNoLineOverride">
@@ -5414,29 +7390,25 @@
         <a:round/>
       </a:ln>
     </cs:spPr>
-    <cs:defRPr sz="1197" kern="1200"/>
+    <cs:defRPr sz="1330" kern="1200"/>
   </cs:chartArea>
   <cs:dataLabel>
     <cs:lnRef idx="0"/>
     <cs:fillRef idx="0"/>
     <cs:effectRef idx="0"/>
     <cs:fontRef idx="minor">
-      <a:schemeClr val="tx1">
-        <a:lumMod val="75000"/>
-        <a:lumOff val="25000"/>
-      </a:schemeClr>
+      <cs:styleClr val="auto"/>
     </cs:fontRef>
-    <cs:defRPr sz="1197" kern="1200"/>
+    <cs:defRPr sz="1330" b="1" i="0" u="none" strike="noStrike" kern="1200" spc="0" baseline="0"/>
   </cs:dataLabel>
   <cs:dataLabelCallout>
-    <cs:lnRef idx="0"/>
+    <cs:lnRef idx="0">
+      <cs:styleClr val="auto"/>
+    </cs:lnRef>
     <cs:fillRef idx="0"/>
     <cs:effectRef idx="0"/>
     <cs:fontRef idx="minor">
-      <a:schemeClr val="dk1">
-        <a:lumMod val="65000"/>
-        <a:lumOff val="35000"/>
-      </a:schemeClr>
+      <cs:styleClr val="auto"/>
     </cs:fontRef>
     <cs:spPr>
       <a:solidFill>
@@ -5444,50 +7416,65 @@
       </a:solidFill>
       <a:ln>
         <a:solidFill>
-          <a:schemeClr val="dk1">
-            <a:lumMod val="25000"/>
-            <a:lumOff val="75000"/>
-          </a:schemeClr>
+          <a:schemeClr val="phClr"/>
         </a:solidFill>
       </a:ln>
     </cs:spPr>
-    <cs:defRPr sz="1197" kern="1200"/>
+    <cs:defRPr sz="1330" b="1" kern="1200"/>
     <cs:bodyPr rot="0" spcFirstLastPara="1" vertOverflow="clip" horzOverflow="clip" vert="horz" wrap="square" lIns="36576" tIns="18288" rIns="36576" bIns="18288" anchor="ctr" anchorCtr="1">
       <a:spAutoFit/>
     </cs:bodyPr>
   </cs:dataLabelCallout>
   <cs:dataPoint>
     <cs:lnRef idx="0"/>
-    <cs:fillRef idx="1">
+    <cs:fillRef idx="0">
       <cs:styleClr val="auto"/>
     </cs:fillRef>
     <cs:effectRef idx="0"/>
     <cs:fontRef idx="minor">
-      <a:schemeClr val="tx1"/>
+      <a:schemeClr val="dk1"/>
     </cs:fontRef>
     <cs:spPr>
-      <a:ln w="19050">
-        <a:solidFill>
-          <a:schemeClr val="lt1"/>
-        </a:solidFill>
-      </a:ln>
+      <a:solidFill>
+        <a:schemeClr val="phClr"/>
+      </a:solidFill>
+      <a:effectLst>
+        <a:outerShdw blurRad="63500" sx="102000" sy="102000" algn="ctr" rotWithShape="0">
+          <a:prstClr val="black">
+            <a:alpha val="20000"/>
+          </a:prstClr>
+        </a:outerShdw>
+      </a:effectLst>
     </cs:spPr>
   </cs:dataPoint>
   <cs:dataPoint3D>
     <cs:lnRef idx="0"/>
-    <cs:fillRef idx="1">
+    <cs:fillRef idx="0">
       <cs:styleClr val="auto"/>
     </cs:fillRef>
     <cs:effectRef idx="0"/>
     <cs:fontRef idx="minor">
-      <a:schemeClr val="tx1"/>
+      <a:schemeClr val="dk1"/>
     </cs:fontRef>
     <cs:spPr>
-      <a:ln w="25400">
-        <a:solidFill>
-          <a:schemeClr val="lt1"/>
-        </a:solidFill>
-      </a:ln>
+      <a:solidFill>
+        <a:schemeClr val="phClr"/>
+      </a:solidFill>
+      <a:effectLst>
+        <a:outerShdw blurRad="88900" sx="102000" sy="102000" algn="ctr" rotWithShape="0">
+          <a:prstClr val="black">
+            <a:alpha val="10000"/>
+          </a:prstClr>
+        </a:outerShdw>
+      </a:effectLst>
+      <a:scene3d>
+        <a:camera prst="orthographicFront"/>
+        <a:lightRig rig="threePt" dir="t"/>
+      </a:scene3d>
+      <a:sp3d>
+        <a:bevelT w="127000" h="127000"/>
+        <a:bevelB w="127000" h="127000"/>
+      </a:sp3d>
     </cs:spPr>
   </cs:dataPoint3D>
   <cs:dataPointLine>
@@ -5497,7 +7484,7 @@
     <cs:fillRef idx="0"/>
     <cs:effectRef idx="0"/>
     <cs:fontRef idx="minor">
-      <a:schemeClr val="tx1"/>
+      <a:schemeClr val="dk1"/>
     </cs:fontRef>
     <cs:spPr>
       <a:ln w="28575" cap="rnd">
@@ -5509,25 +7496,26 @@
     </cs:spPr>
   </cs:dataPointLine>
   <cs:dataPointMarker>
-    <cs:lnRef idx="0">
-      <cs:styleClr val="auto"/>
-    </cs:lnRef>
-    <cs:fillRef idx="1">
+    <cs:lnRef idx="0"/>
+    <cs:fillRef idx="0">
       <cs:styleClr val="auto"/>
     </cs:fillRef>
     <cs:effectRef idx="0"/>
     <cs:fontRef idx="minor">
-      <a:schemeClr val="tx1"/>
+      <a:schemeClr val="dk1"/>
     </cs:fontRef>
     <cs:spPr>
+      <a:solidFill>
+        <a:schemeClr val="phClr"/>
+      </a:solidFill>
       <a:ln w="9525">
         <a:solidFill>
-          <a:schemeClr val="phClr"/>
+          <a:schemeClr val="lt1"/>
         </a:solidFill>
       </a:ln>
     </cs:spPr>
   </cs:dataPointMarker>
-  <cs:dataPointMarkerLayout symbol="circle" size="5"/>
+  <cs:dataPointMarkerLayout symbol="circle" size="6"/>
   <cs:dataPointWireframe>
     <cs:lnRef idx="0">
       <cs:styleClr val="auto"/>
@@ -5535,7 +7523,7 @@
     <cs:fillRef idx="0"/>
     <cs:effectRef idx="0"/>
     <cs:fontRef idx="minor">
-      <a:schemeClr val="tx1"/>
+      <a:schemeClr val="dk1"/>
     </cs:fontRef>
     <cs:spPr>
       <a:ln w="9525" cap="rnd">
@@ -5740,7 +7728,7 @@
     <cs:fillRef idx="0"/>
     <cs:effectRef idx="0"/>
     <cs:fontRef idx="minor">
-      <a:schemeClr val="tx1"/>
+      <a:schemeClr val="dk1"/>
     </cs:fontRef>
   </cs:plotArea>
   <cs:plotArea3D mods="allowNoFillOverride allowNoLineOverride">
@@ -5748,7 +7736,7 @@
     <cs:fillRef idx="0"/>
     <cs:effectRef idx="0"/>
     <cs:fontRef idx="minor">
-      <a:schemeClr val="tx1"/>
+      <a:schemeClr val="dk1"/>
     </cs:fontRef>
   </cs:plotArea3D>
   <cs:seriesAxis>
@@ -5792,7 +7780,7 @@
         <a:lumOff val="35000"/>
       </a:schemeClr>
     </cs:fontRef>
-    <cs:defRPr sz="1862" b="0" kern="1200" spc="0" baseline="0"/>
+    <cs:defRPr sz="2128" b="1" kern="1200" cap="all" baseline="0"/>
   </cs:title>
   <cs:trendline>
     <cs:lnRef idx="0">
@@ -5808,7 +7796,7 @@
         <a:solidFill>
           <a:schemeClr val="phClr"/>
         </a:solidFill>
-        <a:prstDash val="sysDot"/>
+        <a:prstDash val="sysDash"/>
       </a:ln>
     </cs:spPr>
   </cs:trendline>
@@ -5876,7 +7864,7 @@
 </file>
 
 <file path=ppt/charts/style7.xml><?xml version="1.0" encoding="utf-8"?>
-<cs:chartStyle xmlns:cs="http://schemas.microsoft.com/office/drawing/2012/chartStyle" xmlns:a="http://schemas.openxmlformats.org/drawingml/2006/main" id="251">
+<cs:chartStyle xmlns:cs="http://schemas.microsoft.com/office/drawing/2012/chartStyle" xmlns:a="http://schemas.openxmlformats.org/drawingml/2006/main" id="259">
   <cs:axisTitle>
     <cs:lnRef idx="0"/>
     <cs:fillRef idx="0"/>
@@ -5887,7 +7875,7 @@
         <a:lumOff val="35000"/>
       </a:schemeClr>
     </cs:fontRef>
-    <cs:defRPr sz="1330" kern="1200"/>
+    <cs:defRPr sz="1197" kern="1200" cap="all"/>
   </cs:axisTitle>
   <cs:categoryAxis>
     <cs:lnRef idx="0"/>
@@ -5899,17 +7887,6 @@
         <a:lumOff val="35000"/>
       </a:schemeClr>
     </cs:fontRef>
-    <cs:spPr>
-      <a:ln w="9525" cap="flat" cmpd="sng" algn="ctr">
-        <a:solidFill>
-          <a:schemeClr val="tx1">
-            <a:lumMod val="15000"/>
-            <a:lumOff val="85000"/>
-          </a:schemeClr>
-        </a:solidFill>
-        <a:round/>
-      </a:ln>
-    </cs:spPr>
     <cs:defRPr sz="1197" kern="1200"/>
   </cs:categoryAxis>
   <cs:chartArea mods="allowNoFillOverride allowNoLineOverride">
@@ -5933,29 +7910,25 @@
         <a:round/>
       </a:ln>
     </cs:spPr>
-    <cs:defRPr sz="1197" kern="1200"/>
+    <cs:defRPr sz="1330" kern="1200"/>
   </cs:chartArea>
   <cs:dataLabel>
     <cs:lnRef idx="0"/>
     <cs:fillRef idx="0"/>
     <cs:effectRef idx="0"/>
     <cs:fontRef idx="minor">
-      <a:schemeClr val="tx1">
-        <a:lumMod val="75000"/>
-        <a:lumOff val="25000"/>
-      </a:schemeClr>
+      <cs:styleClr val="auto"/>
     </cs:fontRef>
-    <cs:defRPr sz="1197" kern="1200"/>
+    <cs:defRPr sz="1330" b="1" i="0" u="none" strike="noStrike" kern="1200" spc="0" baseline="0"/>
   </cs:dataLabel>
   <cs:dataLabelCallout>
-    <cs:lnRef idx="0"/>
+    <cs:lnRef idx="0">
+      <cs:styleClr val="auto"/>
+    </cs:lnRef>
     <cs:fillRef idx="0"/>
     <cs:effectRef idx="0"/>
     <cs:fontRef idx="minor">
-      <a:schemeClr val="dk1">
-        <a:lumMod val="65000"/>
-        <a:lumOff val="35000"/>
-      </a:schemeClr>
+      <cs:styleClr val="auto"/>
     </cs:fontRef>
     <cs:spPr>
       <a:solidFill>
@@ -5963,50 +7936,65 @@
       </a:solidFill>
       <a:ln>
         <a:solidFill>
-          <a:schemeClr val="dk1">
-            <a:lumMod val="25000"/>
-            <a:lumOff val="75000"/>
-          </a:schemeClr>
+          <a:schemeClr val="phClr"/>
         </a:solidFill>
       </a:ln>
     </cs:spPr>
-    <cs:defRPr sz="1197" kern="1200"/>
+    <cs:defRPr sz="1330" b="1" kern="1200"/>
     <cs:bodyPr rot="0" spcFirstLastPara="1" vertOverflow="clip" horzOverflow="clip" vert="horz" wrap="square" lIns="36576" tIns="18288" rIns="36576" bIns="18288" anchor="ctr" anchorCtr="1">
       <a:spAutoFit/>
     </cs:bodyPr>
   </cs:dataLabelCallout>
   <cs:dataPoint>
     <cs:lnRef idx="0"/>
-    <cs:fillRef idx="1">
+    <cs:fillRef idx="0">
       <cs:styleClr val="auto"/>
     </cs:fillRef>
     <cs:effectRef idx="0"/>
     <cs:fontRef idx="minor">
-      <a:schemeClr val="tx1"/>
+      <a:schemeClr val="dk1"/>
     </cs:fontRef>
     <cs:spPr>
-      <a:ln w="19050">
-        <a:solidFill>
-          <a:schemeClr val="lt1"/>
-        </a:solidFill>
-      </a:ln>
+      <a:solidFill>
+        <a:schemeClr val="phClr"/>
+      </a:solidFill>
+      <a:effectLst>
+        <a:outerShdw blurRad="63500" sx="102000" sy="102000" algn="ctr" rotWithShape="0">
+          <a:prstClr val="black">
+            <a:alpha val="20000"/>
+          </a:prstClr>
+        </a:outerShdw>
+      </a:effectLst>
     </cs:spPr>
   </cs:dataPoint>
   <cs:dataPoint3D>
     <cs:lnRef idx="0"/>
-    <cs:fillRef idx="1">
+    <cs:fillRef idx="0">
       <cs:styleClr val="auto"/>
     </cs:fillRef>
     <cs:effectRef idx="0"/>
     <cs:fontRef idx="minor">
-      <a:schemeClr val="tx1"/>
+      <a:schemeClr val="dk1"/>
     </cs:fontRef>
     <cs:spPr>
-      <a:ln w="25400">
-        <a:solidFill>
-          <a:schemeClr val="lt1"/>
-        </a:solidFill>
-      </a:ln>
+      <a:solidFill>
+        <a:schemeClr val="phClr"/>
+      </a:solidFill>
+      <a:effectLst>
+        <a:outerShdw blurRad="88900" sx="102000" sy="102000" algn="ctr" rotWithShape="0">
+          <a:prstClr val="black">
+            <a:alpha val="10000"/>
+          </a:prstClr>
+        </a:outerShdw>
+      </a:effectLst>
+      <a:scene3d>
+        <a:camera prst="orthographicFront"/>
+        <a:lightRig rig="threePt" dir="t"/>
+      </a:scene3d>
+      <a:sp3d>
+        <a:bevelT w="127000" h="127000"/>
+        <a:bevelB w="127000" h="127000"/>
+      </a:sp3d>
     </cs:spPr>
   </cs:dataPoint3D>
   <cs:dataPointLine>
@@ -6016,7 +8004,7 @@
     <cs:fillRef idx="0"/>
     <cs:effectRef idx="0"/>
     <cs:fontRef idx="minor">
-      <a:schemeClr val="tx1"/>
+      <a:schemeClr val="dk1"/>
     </cs:fontRef>
     <cs:spPr>
       <a:ln w="28575" cap="rnd">
@@ -6028,25 +8016,26 @@
     </cs:spPr>
   </cs:dataPointLine>
   <cs:dataPointMarker>
-    <cs:lnRef idx="0">
-      <cs:styleClr val="auto"/>
-    </cs:lnRef>
-    <cs:fillRef idx="1">
+    <cs:lnRef idx="0"/>
+    <cs:fillRef idx="0">
       <cs:styleClr val="auto"/>
     </cs:fillRef>
     <cs:effectRef idx="0"/>
     <cs:fontRef idx="minor">
-      <a:schemeClr val="tx1"/>
+      <a:schemeClr val="dk1"/>
     </cs:fontRef>
     <cs:spPr>
+      <a:solidFill>
+        <a:schemeClr val="phClr"/>
+      </a:solidFill>
       <a:ln w="9525">
         <a:solidFill>
-          <a:schemeClr val="phClr"/>
+          <a:schemeClr val="lt1"/>
         </a:solidFill>
       </a:ln>
     </cs:spPr>
   </cs:dataPointMarker>
-  <cs:dataPointMarkerLayout symbol="circle" size="5"/>
+  <cs:dataPointMarkerLayout symbol="circle" size="6"/>
   <cs:dataPointWireframe>
     <cs:lnRef idx="0">
       <cs:styleClr val="auto"/>
@@ -6054,7 +8043,7 @@
     <cs:fillRef idx="0"/>
     <cs:effectRef idx="0"/>
     <cs:fontRef idx="minor">
-      <a:schemeClr val="tx1"/>
+      <a:schemeClr val="dk1"/>
     </cs:fontRef>
     <cs:spPr>
       <a:ln w="9525" cap="rnd">
@@ -6259,7 +8248,7 @@
     <cs:fillRef idx="0"/>
     <cs:effectRef idx="0"/>
     <cs:fontRef idx="minor">
-      <a:schemeClr val="tx1"/>
+      <a:schemeClr val="dk1"/>
     </cs:fontRef>
   </cs:plotArea>
   <cs:plotArea3D mods="allowNoFillOverride allowNoLineOverride">
@@ -6267,7 +8256,7 @@
     <cs:fillRef idx="0"/>
     <cs:effectRef idx="0"/>
     <cs:fontRef idx="minor">
-      <a:schemeClr val="tx1"/>
+      <a:schemeClr val="dk1"/>
     </cs:fontRef>
   </cs:plotArea3D>
   <cs:seriesAxis>
@@ -6311,7 +8300,7 @@
         <a:lumOff val="35000"/>
       </a:schemeClr>
     </cs:fontRef>
-    <cs:defRPr sz="1862" b="0" kern="1200" spc="0" baseline="0"/>
+    <cs:defRPr sz="2128" b="1" kern="1200" cap="all" baseline="0"/>
   </cs:title>
   <cs:trendline>
     <cs:lnRef idx="0">
@@ -6327,7 +8316,7 @@
         <a:solidFill>
           <a:schemeClr val="phClr"/>
         </a:solidFill>
-        <a:prstDash val="sysDot"/>
+        <a:prstDash val="sysDash"/>
       </a:ln>
     </cs:spPr>
   </cs:trendline>
@@ -6395,7 +8384,7 @@
 </file>
 
 <file path=ppt/charts/style8.xml><?xml version="1.0" encoding="utf-8"?>
-<cs:chartStyle xmlns:cs="http://schemas.microsoft.com/office/drawing/2012/chartStyle" xmlns:a="http://schemas.openxmlformats.org/drawingml/2006/main" id="258">
+<cs:chartStyle xmlns:cs="http://schemas.microsoft.com/office/drawing/2012/chartStyle" xmlns:a="http://schemas.openxmlformats.org/drawingml/2006/main" id="259">
   <cs:axisTitle>
     <cs:lnRef idx="0"/>
     <cs:fillRef idx="0"/>
@@ -6406,7 +8395,7 @@
         <a:lumOff val="35000"/>
       </a:schemeClr>
     </cs:fontRef>
-    <cs:defRPr sz="1197" kern="1200"/>
+    <cs:defRPr sz="1197" kern="1200" cap="all"/>
   </cs:axisTitle>
   <cs:categoryAxis>
     <cs:lnRef idx="0"/>
@@ -6441,26 +8430,25 @@
         <a:round/>
       </a:ln>
     </cs:spPr>
-    <cs:defRPr sz="1197" kern="1200"/>
+    <cs:defRPr sz="1330" kern="1200"/>
   </cs:chartArea>
   <cs:dataLabel>
     <cs:lnRef idx="0"/>
     <cs:fillRef idx="0"/>
     <cs:effectRef idx="0"/>
     <cs:fontRef idx="minor">
-      <a:schemeClr val="lt1"/>
+      <cs:styleClr val="auto"/>
     </cs:fontRef>
-    <cs:defRPr sz="1197" b="1" kern="1200"/>
+    <cs:defRPr sz="1330" b="1" i="0" u="none" strike="noStrike" kern="1200" spc="0" baseline="0"/>
   </cs:dataLabel>
   <cs:dataLabelCallout>
-    <cs:lnRef idx="0"/>
+    <cs:lnRef idx="0">
+      <cs:styleClr val="auto"/>
+    </cs:lnRef>
     <cs:fillRef idx="0"/>
     <cs:effectRef idx="0"/>
     <cs:fontRef idx="minor">
-      <a:schemeClr val="dk1">
-        <a:lumMod val="65000"/>
-        <a:lumOff val="35000"/>
-      </a:schemeClr>
+      <cs:styleClr val="auto"/>
     </cs:fontRef>
     <cs:spPr>
       <a:solidFill>
@@ -6468,14 +8456,11 @@
       </a:solidFill>
       <a:ln>
         <a:solidFill>
-          <a:schemeClr val="dk1">
-            <a:lumMod val="25000"/>
-            <a:lumOff val="75000"/>
-          </a:schemeClr>
+          <a:schemeClr val="phClr"/>
         </a:solidFill>
       </a:ln>
     </cs:spPr>
-    <cs:defRPr sz="1197" kern="1200"/>
+    <cs:defRPr sz="1330" b="1" kern="1200"/>
     <cs:bodyPr rot="0" spcFirstLastPara="1" vertOverflow="clip" horzOverflow="clip" vert="horz" wrap="square" lIns="36576" tIns="18288" rIns="36576" bIns="18288" anchor="ctr" anchorCtr="1">
       <a:spAutoFit/>
     </cs:bodyPr>
@@ -6487,22 +8472,19 @@
     </cs:fillRef>
     <cs:effectRef idx="0"/>
     <cs:fontRef idx="minor">
-      <a:schemeClr val="tx1"/>
+      <a:schemeClr val="dk1"/>
     </cs:fontRef>
     <cs:spPr>
       <a:solidFill>
         <a:schemeClr val="phClr"/>
       </a:solidFill>
-      <a:scene3d>
-        <a:camera prst="orthographicFront"/>
-        <a:lightRig rig="brightRoom" dir="t"/>
-      </a:scene3d>
-      <a:sp3d prstMaterial="flat">
-        <a:bevelT w="50800" h="101600" prst="angle"/>
-        <a:contourClr>
-          <a:srgbClr val="000000"/>
-        </a:contourClr>
-      </a:sp3d>
+      <a:effectLst>
+        <a:outerShdw blurRad="63500" sx="102000" sy="102000" algn="ctr" rotWithShape="0">
+          <a:prstClr val="black">
+            <a:alpha val="20000"/>
+          </a:prstClr>
+        </a:outerShdw>
+      </a:effectLst>
     </cs:spPr>
   </cs:dataPoint>
   <cs:dataPoint3D>
@@ -6512,17 +8494,27 @@
     </cs:fillRef>
     <cs:effectRef idx="0"/>
     <cs:fontRef idx="minor">
-      <a:schemeClr val="tx1"/>
+      <a:schemeClr val="dk1"/>
     </cs:fontRef>
     <cs:spPr>
       <a:solidFill>
         <a:schemeClr val="phClr"/>
       </a:solidFill>
-      <a:ln w="19050">
-        <a:solidFill>
-          <a:schemeClr val="lt1"/>
-        </a:solidFill>
-      </a:ln>
+      <a:effectLst>
+        <a:outerShdw blurRad="88900" sx="102000" sy="102000" algn="ctr" rotWithShape="0">
+          <a:prstClr val="black">
+            <a:alpha val="10000"/>
+          </a:prstClr>
+        </a:outerShdw>
+      </a:effectLst>
+      <a:scene3d>
+        <a:camera prst="orthographicFront"/>
+        <a:lightRig rig="threePt" dir="t"/>
+      </a:scene3d>
+      <a:sp3d>
+        <a:bevelT w="127000" h="127000"/>
+        <a:bevelB w="127000" h="127000"/>
+      </a:sp3d>
     </cs:spPr>
   </cs:dataPoint3D>
   <cs:dataPointLine>
@@ -6532,7 +8524,7 @@
     <cs:fillRef idx="0"/>
     <cs:effectRef idx="0"/>
     <cs:fontRef idx="minor">
-      <a:schemeClr val="tx1"/>
+      <a:schemeClr val="dk1"/>
     </cs:fontRef>
     <cs:spPr>
       <a:ln w="28575" cap="rnd">
@@ -6550,7 +8542,7 @@
     </cs:fillRef>
     <cs:effectRef idx="0"/>
     <cs:fontRef idx="minor">
-      <a:schemeClr val="tx1"/>
+      <a:schemeClr val="dk1"/>
     </cs:fontRef>
     <cs:spPr>
       <a:solidFill>
@@ -6571,7 +8563,7 @@
     <cs:fillRef idx="0"/>
     <cs:effectRef idx="0"/>
     <cs:fontRef idx="minor">
-      <a:schemeClr val="tx1"/>
+      <a:schemeClr val="dk1"/>
     </cs:fontRef>
     <cs:spPr>
       <a:ln w="9525" cap="rnd">
@@ -6776,7 +8768,7 @@
     <cs:fillRef idx="0"/>
     <cs:effectRef idx="0"/>
     <cs:fontRef idx="minor">
-      <a:schemeClr val="tx1"/>
+      <a:schemeClr val="dk1"/>
     </cs:fontRef>
   </cs:plotArea>
   <cs:plotArea3D mods="allowNoFillOverride allowNoLineOverride">
@@ -6784,7 +8776,7 @@
     <cs:fillRef idx="0"/>
     <cs:effectRef idx="0"/>
     <cs:fontRef idx="minor">
-      <a:schemeClr val="tx1"/>
+      <a:schemeClr val="dk1"/>
     </cs:fontRef>
   </cs:plotArea3D>
   <cs:seriesAxis>
@@ -6828,7 +8820,7 @@
         <a:lumOff val="35000"/>
       </a:schemeClr>
     </cs:fontRef>
-    <cs:defRPr sz="1862" b="1" i="0" kern="1200" cap="all" spc="50" baseline="0"/>
+    <cs:defRPr sz="2128" b="1" kern="1200" cap="all" baseline="0"/>
   </cs:title>
   <cs:trendline>
     <cs:lnRef idx="0">
@@ -9106,7 +11098,7 @@
       <dgm:spPr/>
     </dgm:pt>
     <dgm:pt modelId="{F782329D-7AF0-46E4-B627-EA59668E76B5}" type="pres">
-      <dgm:prSet presAssocID="{C9D86BC9-EECE-4680-9DCB-92B9D44401DC}" presName="sibTrans" presStyleLbl="sibTrans2D1" presStyleIdx="1" presStyleCnt="2" custScaleX="150275" custScaleY="138118" custLinFactNeighborX="-11644" custLinFactNeighborY="7442"/>
+      <dgm:prSet presAssocID="{C9D86BC9-EECE-4680-9DCB-92B9D44401DC}" presName="sibTrans" presStyleLbl="sibTrans2D1" presStyleIdx="1" presStyleCnt="2" custScaleX="170427" custScaleY="138118" custLinFactNeighborX="-3884" custLinFactNeighborY="-1743"/>
       <dgm:spPr/>
     </dgm:pt>
     <dgm:pt modelId="{A8643ACE-5F7F-4F92-BA32-AD247D12E6A1}" type="pres">
@@ -9727,9 +11719,9 @@
         <dsp:cNvSpPr/>
       </dsp:nvSpPr>
       <dsp:spPr>
-        <a:xfrm rot="32504">
-          <a:off x="2131481" y="466617"/>
-          <a:ext cx="596586" cy="659709"/>
+        <a:xfrm rot="32232">
+          <a:off x="2132648" y="466620"/>
+          <a:ext cx="618088" cy="659709"/>
         </a:xfrm>
         <a:prstGeom prst="rightArrow">
           <a:avLst>
@@ -9790,8 +11782,8 @@
         </a:p>
       </dsp:txBody>
       <dsp:txXfrm>
-        <a:off x="2131485" y="597713"/>
-        <a:ext cx="417610" cy="395825"/>
+        <a:off x="2132652" y="597693"/>
+        <a:ext cx="432662" cy="395825"/>
       </dsp:txXfrm>
     </dsp:sp>
     <dsp:sp modelId="{557B8999-381B-4530-A652-B718195B8323}">
@@ -9801,7 +11793,7 @@
       </dsp:nvSpPr>
       <dsp:spPr>
         <a:xfrm>
-          <a:off x="2741176" y="180988"/>
+          <a:off x="2764317" y="180988"/>
           <a:ext cx="2094432" cy="1256659"/>
         </a:xfrm>
         <a:prstGeom prst="roundRect">
@@ -9871,7 +11863,7 @@
         </a:p>
       </dsp:txBody>
       <dsp:txXfrm>
-        <a:off x="2777982" y="217794"/>
+        <a:off x="2801123" y="217794"/>
         <a:ext cx="2020820" cy="1183047"/>
       </dsp:txXfrm>
     </dsp:sp>
@@ -9881,9 +11873,9 @@
         <dsp:cNvSpPr/>
       </dsp:nvSpPr>
       <dsp:spPr>
-        <a:xfrm rot="21572882">
-          <a:off x="4886891" y="477222"/>
-          <a:ext cx="742055" cy="717411"/>
+        <a:xfrm rot="21572779">
+          <a:off x="4898121" y="429513"/>
+          <a:ext cx="831537" cy="717411"/>
         </a:xfrm>
         <a:prstGeom prst="rightArrow">
           <a:avLst>
@@ -9944,8 +11936,8 @@
         </a:p>
       </dsp:txBody>
       <dsp:txXfrm>
-        <a:off x="4886894" y="621553"/>
-        <a:ext cx="526832" cy="430447"/>
+        <a:off x="4898124" y="573847"/>
+        <a:ext cx="616314" cy="430447"/>
       </dsp:txXfrm>
     </dsp:sp>
     <dsp:sp modelId="{A69C3CED-0636-45F4-96D4-992767568A1A}">
@@ -9955,7 +11947,7 @@
       </dsp:nvSpPr>
       <dsp:spPr>
         <a:xfrm>
-          <a:off x="5767274" y="157841"/>
+          <a:off x="5779313" y="157841"/>
           <a:ext cx="1910980" cy="1256659"/>
         </a:xfrm>
         <a:prstGeom prst="roundRect">
@@ -10025,7 +12017,7 @@
         </a:p>
       </dsp:txBody>
       <dsp:txXfrm>
-        <a:off x="5804080" y="194647"/>
+        <a:off x="5816119" y="194647"/>
         <a:ext cx="1837368" cy="1183047"/>
       </dsp:txXfrm>
     </dsp:sp>
@@ -13095,67 +15087,6 @@
 </file>
 
 <file path=ppt/notesSlides/notesSlide10.xml><?xml version="1.0" encoding="utf-8"?>
-<p:notes xmlns:a="http://schemas.openxmlformats.org/drawingml/2006/main" xmlns:r="http://schemas.openxmlformats.org/officeDocument/2006/relationships" xmlns:p="http://schemas.openxmlformats.org/presentationml/2006/main">
-  <p:cSld>
-    <p:spTree>
-      <p:nvGrpSpPr>
-        <p:cNvPr id="1" name=""/>
-        <p:cNvGrpSpPr/>
-        <p:nvPr/>
-      </p:nvGrpSpPr>
-      <p:grpSpPr>
-        <a:xfrm>
-          <a:off x="0" y="0"/>
-          <a:ext cx="0" cy="0"/>
-          <a:chOff x="0" y="0"/>
-          <a:chExt cx="0" cy="0"/>
-        </a:xfrm>
-      </p:grpSpPr>
-      <p:sp>
-        <p:nvSpPr>
-          <p:cNvPr id="2" name="Espace réservé de l'image des diapositives 1"/>
-          <p:cNvSpPr>
-            <a:spLocks noGrp="1" noRot="1" noChangeAspect="1"/>
-          </p:cNvSpPr>
-          <p:nvPr>
-            <p:ph type="sldImg"/>
-          </p:nvPr>
-        </p:nvSpPr>
-        <p:spPr/>
-      </p:sp>
-      <p:sp>
-        <p:nvSpPr>
-          <p:cNvPr id="3" name="Espace réservé des notes 2"/>
-          <p:cNvSpPr>
-            <a:spLocks noGrp="1"/>
-          </p:cNvSpPr>
-          <p:nvPr>
-            <p:ph type="body" idx="1"/>
-          </p:nvPr>
-        </p:nvSpPr>
-        <p:spPr/>
-        <p:txBody>
-          <a:bodyPr/>
-          <a:lstStyle/>
-          <a:p>
-            <a:endParaRPr lang="fr-FR" dirty="0"/>
-          </a:p>
-        </p:txBody>
-      </p:sp>
-    </p:spTree>
-    <p:extLst>
-      <p:ext uri="{BB962C8B-B14F-4D97-AF65-F5344CB8AC3E}">
-        <p14:creationId xmlns:p14="http://schemas.microsoft.com/office/powerpoint/2010/main" val="4094013929"/>
-      </p:ext>
-    </p:extLst>
-  </p:cSld>
-  <p:clrMapOvr>
-    <a:masterClrMapping/>
-  </p:clrMapOvr>
-</p:notes>
-</file>
-
-<file path=ppt/notesSlides/notesSlide11.xml><?xml version="1.0" encoding="utf-8"?>
 <p:notes xmlns:a="http://schemas.openxmlformats.org/drawingml/2006/main" xmlns:r="http://schemas.openxmlformats.org/officeDocument/2006/relationships" xmlns:p="http://schemas.openxmlformats.org/presentationml/2006/main" showMasterSp="0" showMasterPhAnim="0">
   <p:cSld>
     <p:spTree>
@@ -13206,7 +15137,7 @@
               </a:spcAft>
               <a:buNone/>
             </a:pPr>
-            <a:endParaRPr/>
+            <a:endParaRPr dirty="0"/>
           </a:p>
         </p:txBody>
       </p:sp>
@@ -13264,6 +15195,67 @@
 </p:notes>
 </file>
 
+<file path=ppt/notesSlides/notesSlide11.xml><?xml version="1.0" encoding="utf-8"?>
+<p:notes xmlns:a="http://schemas.openxmlformats.org/drawingml/2006/main" xmlns:r="http://schemas.openxmlformats.org/officeDocument/2006/relationships" xmlns:p="http://schemas.openxmlformats.org/presentationml/2006/main">
+  <p:cSld>
+    <p:spTree>
+      <p:nvGrpSpPr>
+        <p:cNvPr id="1" name=""/>
+        <p:cNvGrpSpPr/>
+        <p:nvPr/>
+      </p:nvGrpSpPr>
+      <p:grpSpPr>
+        <a:xfrm>
+          <a:off x="0" y="0"/>
+          <a:ext cx="0" cy="0"/>
+          <a:chOff x="0" y="0"/>
+          <a:chExt cx="0" cy="0"/>
+        </a:xfrm>
+      </p:grpSpPr>
+      <p:sp>
+        <p:nvSpPr>
+          <p:cNvPr id="2" name="Espace réservé de l'image des diapositives 1"/>
+          <p:cNvSpPr>
+            <a:spLocks noGrp="1" noRot="1" noChangeAspect="1"/>
+          </p:cNvSpPr>
+          <p:nvPr>
+            <p:ph type="sldImg"/>
+          </p:nvPr>
+        </p:nvSpPr>
+        <p:spPr/>
+      </p:sp>
+      <p:sp>
+        <p:nvSpPr>
+          <p:cNvPr id="3" name="Espace réservé des notes 2"/>
+          <p:cNvSpPr>
+            <a:spLocks noGrp="1"/>
+          </p:cNvSpPr>
+          <p:nvPr>
+            <p:ph type="body" idx="1"/>
+          </p:nvPr>
+        </p:nvSpPr>
+        <p:spPr/>
+        <p:txBody>
+          <a:bodyPr/>
+          <a:lstStyle/>
+          <a:p>
+            <a:endParaRPr lang="fr-FR" dirty="0"/>
+          </a:p>
+        </p:txBody>
+      </p:sp>
+    </p:spTree>
+    <p:extLst>
+      <p:ext uri="{BB962C8B-B14F-4D97-AF65-F5344CB8AC3E}">
+        <p14:creationId xmlns:p14="http://schemas.microsoft.com/office/powerpoint/2010/main" val="1040666159"/>
+      </p:ext>
+    </p:extLst>
+  </p:cSld>
+  <p:clrMapOvr>
+    <a:masterClrMapping/>
+  </p:clrMapOvr>
+</p:notes>
+</file>
+
 <file path=ppt/notesSlides/notesSlide12.xml><?xml version="1.0" encoding="utf-8"?>
 <p:notes xmlns:a="http://schemas.openxmlformats.org/drawingml/2006/main" xmlns:r="http://schemas.openxmlformats.org/officeDocument/2006/relationships" xmlns:p="http://schemas.openxmlformats.org/presentationml/2006/main">
   <p:cSld>
@@ -13315,6 +15307,121 @@
     </p:spTree>
     <p:extLst>
       <p:ext uri="{BB962C8B-B14F-4D97-AF65-F5344CB8AC3E}">
+        <p14:creationId xmlns:p14="http://schemas.microsoft.com/office/powerpoint/2010/main" val="460509660"/>
+      </p:ext>
+    </p:extLst>
+  </p:cSld>
+  <p:clrMapOvr>
+    <a:masterClrMapping/>
+  </p:clrMapOvr>
+</p:notes>
+</file>
+
+<file path=ppt/notesSlides/notesSlide13.xml><?xml version="1.0" encoding="utf-8"?>
+<p:notes xmlns:a="http://schemas.openxmlformats.org/drawingml/2006/main" xmlns:r="http://schemas.openxmlformats.org/officeDocument/2006/relationships" xmlns:p="http://schemas.openxmlformats.org/presentationml/2006/main">
+  <p:cSld>
+    <p:spTree>
+      <p:nvGrpSpPr>
+        <p:cNvPr id="1" name=""/>
+        <p:cNvGrpSpPr/>
+        <p:nvPr/>
+      </p:nvGrpSpPr>
+      <p:grpSpPr>
+        <a:xfrm>
+          <a:off x="0" y="0"/>
+          <a:ext cx="0" cy="0"/>
+          <a:chOff x="0" y="0"/>
+          <a:chExt cx="0" cy="0"/>
+        </a:xfrm>
+      </p:grpSpPr>
+      <p:sp>
+        <p:nvSpPr>
+          <p:cNvPr id="2" name="Espace réservé de l'image des diapositives 1"/>
+          <p:cNvSpPr>
+            <a:spLocks noGrp="1" noRot="1" noChangeAspect="1"/>
+          </p:cNvSpPr>
+          <p:nvPr>
+            <p:ph type="sldImg"/>
+          </p:nvPr>
+        </p:nvSpPr>
+        <p:spPr/>
+      </p:sp>
+      <p:sp>
+        <p:nvSpPr>
+          <p:cNvPr id="3" name="Espace réservé des notes 2"/>
+          <p:cNvSpPr>
+            <a:spLocks noGrp="1"/>
+          </p:cNvSpPr>
+          <p:nvPr>
+            <p:ph type="body" idx="1"/>
+          </p:nvPr>
+        </p:nvSpPr>
+        <p:spPr/>
+        <p:txBody>
+          <a:bodyPr/>
+          <a:lstStyle/>
+          <a:p>
+            <a:pPr marL="171450" indent="-171450">
+              <a:buFontTx/>
+              <a:buChar char="-"/>
+            </a:pPr>
+            <a:r>
+              <a:rPr lang="fr-FR" dirty="0" err="1"/>
+              <a:t>Riddle</a:t>
+            </a:r>
+            <a:r>
+              <a:rPr lang="fr-FR" dirty="0"/>
+              <a:t> </a:t>
+            </a:r>
+            <a:r>
+              <a:rPr lang="fr-FR" dirty="0" err="1"/>
+              <a:t>game</a:t>
+            </a:r>
+            <a:r>
+              <a:rPr lang="fr-FR" dirty="0"/>
+              <a:t> « devinette »</a:t>
+            </a:r>
+          </a:p>
+          <a:p>
+            <a:pPr marL="171450" indent="-171450">
+              <a:buFontTx/>
+              <a:buChar char="-"/>
+            </a:pPr>
+            <a:r>
+              <a:rPr lang="fr-FR" dirty="0" err="1"/>
+              <a:t>Crowd</a:t>
+            </a:r>
+            <a:r>
+              <a:rPr lang="fr-FR" dirty="0"/>
+              <a:t> personnes</a:t>
+            </a:r>
+          </a:p>
+          <a:p>
+            <a:pPr marL="171450" indent="-171450">
+              <a:buFontTx/>
+              <a:buChar char="-"/>
+            </a:pPr>
+            <a:r>
+              <a:rPr lang="fr-FR" dirty="0"/>
+              <a:t>Réponses aux </a:t>
+            </a:r>
+            <a:r>
+              <a:rPr lang="fr-FR"/>
+              <a:t>questions prédéfinies</a:t>
+            </a:r>
+          </a:p>
+          <a:p>
+            <a:pPr marL="171450" indent="-171450">
+              <a:buFontTx/>
+              <a:buChar char="-"/>
+            </a:pPr>
+            <a:endParaRPr lang="fr-FR" dirty="0"/>
+          </a:p>
+        </p:txBody>
+      </p:sp>
+    </p:spTree>
+    <p:extLst>
+      <p:ext uri="{BB962C8B-B14F-4D97-AF65-F5344CB8AC3E}">
         <p14:creationId xmlns:p14="http://schemas.microsoft.com/office/powerpoint/2010/main" val="3706026535"/>
       </p:ext>
     </p:extLst>
@@ -13325,7 +15432,7 @@
 </p:notes>
 </file>
 
-<file path=ppt/notesSlides/notesSlide13.xml><?xml version="1.0" encoding="utf-8"?>
+<file path=ppt/notesSlides/notesSlide14.xml><?xml version="1.0" encoding="utf-8"?>
 <p:notes xmlns:a="http://schemas.openxmlformats.org/drawingml/2006/main" xmlns:r="http://schemas.openxmlformats.org/officeDocument/2006/relationships" xmlns:p="http://schemas.openxmlformats.org/presentationml/2006/main">
   <p:cSld>
     <p:spTree>
@@ -13465,270 +15572,6 @@
 </file>
 
 <file path=ppt/notesSlides/notesSlide3.xml><?xml version="1.0" encoding="utf-8"?>
-<p:notes xmlns:a="http://schemas.openxmlformats.org/drawingml/2006/main" xmlns:r="http://schemas.openxmlformats.org/officeDocument/2006/relationships" xmlns:p="http://schemas.openxmlformats.org/presentationml/2006/main" showMasterSp="0" showMasterPhAnim="0">
-  <p:cSld>
-    <p:spTree>
-      <p:nvGrpSpPr>
-        <p:cNvPr id="1" name="Shape 171"/>
-        <p:cNvGrpSpPr/>
-        <p:nvPr/>
-      </p:nvGrpSpPr>
-      <p:grpSpPr>
-        <a:xfrm>
-          <a:off x="0" y="0"/>
-          <a:ext cx="0" cy="0"/>
-          <a:chOff x="0" y="0"/>
-          <a:chExt cx="0" cy="0"/>
-        </a:xfrm>
-      </p:grpSpPr>
-      <p:sp>
-        <p:nvSpPr>
-          <p:cNvPr id="172" name="Shape 172"/>
-          <p:cNvSpPr txBox="1">
-            <a:spLocks noGrp="1"/>
-          </p:cNvSpPr>
-          <p:nvPr>
-            <p:ph type="body" idx="1"/>
-          </p:nvPr>
-        </p:nvSpPr>
-        <p:spPr>
-          <a:xfrm>
-            <a:off x="685800" y="4400550"/>
-            <a:ext cx="5486400" cy="3600450"/>
-          </a:xfrm>
-          <a:prstGeom prst="rect">
-            <a:avLst/>
-          </a:prstGeom>
-        </p:spPr>
-        <p:txBody>
-          <a:bodyPr spcFirstLastPara="1" wrap="square" lIns="91425" tIns="91425" rIns="91425" bIns="91425" anchor="t" anchorCtr="0">
-            <a:noAutofit/>
-          </a:bodyPr>
-          <a:lstStyle/>
-          <a:p>
-            <a:pPr marL="0" lvl="0" indent="0">
-              <a:spcBef>
-                <a:spcPts val="0"/>
-              </a:spcBef>
-              <a:spcAft>
-                <a:spcPts val="0"/>
-              </a:spcAft>
-              <a:buNone/>
-            </a:pPr>
-            <a:endParaRPr/>
-          </a:p>
-        </p:txBody>
-      </p:sp>
-      <p:sp>
-        <p:nvSpPr>
-          <p:cNvPr id="173" name="Shape 173"/>
-          <p:cNvSpPr>
-            <a:spLocks noGrp="1" noRot="1" noChangeAspect="1"/>
-          </p:cNvSpPr>
-          <p:nvPr>
-            <p:ph type="sldImg" idx="2"/>
-          </p:nvPr>
-        </p:nvSpPr>
-        <p:spPr>
-          <a:xfrm>
-            <a:off x="685800" y="1143000"/>
-            <a:ext cx="5486400" cy="3086100"/>
-          </a:xfrm>
-          <a:custGeom>
-            <a:avLst/>
-            <a:gdLst/>
-            <a:ahLst/>
-            <a:cxnLst/>
-            <a:rect l="0" t="0" r="0" b="0"/>
-            <a:pathLst>
-              <a:path w="120000" h="120000" extrusionOk="0">
-                <a:moveTo>
-                  <a:pt x="0" y="0"/>
-                </a:moveTo>
-                <a:lnTo>
-                  <a:pt x="120000" y="0"/>
-                </a:lnTo>
-                <a:lnTo>
-                  <a:pt x="120000" y="120000"/>
-                </a:lnTo>
-                <a:lnTo>
-                  <a:pt x="0" y="120000"/>
-                </a:lnTo>
-                <a:close/>
-              </a:path>
-            </a:pathLst>
-          </a:custGeom>
-        </p:spPr>
-      </p:sp>
-    </p:spTree>
-    <p:extLst>
-      <p:ext uri="{BB962C8B-B14F-4D97-AF65-F5344CB8AC3E}">
-        <p14:creationId xmlns:p14="http://schemas.microsoft.com/office/powerpoint/2010/main" val="1227039462"/>
-      </p:ext>
-    </p:extLst>
-  </p:cSld>
-  <p:clrMapOvr>
-    <a:masterClrMapping/>
-  </p:clrMapOvr>
-</p:notes>
-</file>
-
-<file path=ppt/notesSlides/notesSlide4.xml><?xml version="1.0" encoding="utf-8"?>
-<p:notes xmlns:a="http://schemas.openxmlformats.org/drawingml/2006/main" xmlns:r="http://schemas.openxmlformats.org/officeDocument/2006/relationships" xmlns:p="http://schemas.openxmlformats.org/presentationml/2006/main" showMasterSp="0" showMasterPhAnim="0">
-  <p:cSld>
-    <p:spTree>
-      <p:nvGrpSpPr>
-        <p:cNvPr id="1" name="Shape 178"/>
-        <p:cNvGrpSpPr/>
-        <p:nvPr/>
-      </p:nvGrpSpPr>
-      <p:grpSpPr>
-        <a:xfrm>
-          <a:off x="0" y="0"/>
-          <a:ext cx="0" cy="0"/>
-          <a:chOff x="0" y="0"/>
-          <a:chExt cx="0" cy="0"/>
-        </a:xfrm>
-      </p:grpSpPr>
-      <p:sp>
-        <p:nvSpPr>
-          <p:cNvPr id="179" name="Shape 179"/>
-          <p:cNvSpPr>
-            <a:spLocks noGrp="1" noRot="1" noChangeAspect="1"/>
-          </p:cNvSpPr>
-          <p:nvPr>
-            <p:ph type="sldImg" idx="2"/>
-          </p:nvPr>
-        </p:nvSpPr>
-        <p:spPr>
-          <a:xfrm>
-            <a:off x="685800" y="1143000"/>
-            <a:ext cx="5486400" cy="3086100"/>
-          </a:xfrm>
-          <a:custGeom>
-            <a:avLst/>
-            <a:gdLst/>
-            <a:ahLst/>
-            <a:cxnLst/>
-            <a:rect l="0" t="0" r="0" b="0"/>
-            <a:pathLst>
-              <a:path w="120000" h="120000" extrusionOk="0">
-                <a:moveTo>
-                  <a:pt x="0" y="0"/>
-                </a:moveTo>
-                <a:lnTo>
-                  <a:pt x="120000" y="0"/>
-                </a:lnTo>
-                <a:lnTo>
-                  <a:pt x="120000" y="120000"/>
-                </a:lnTo>
-                <a:lnTo>
-                  <a:pt x="0" y="120000"/>
-                </a:lnTo>
-                <a:close/>
-              </a:path>
-            </a:pathLst>
-          </a:custGeom>
-        </p:spPr>
-      </p:sp>
-      <p:sp>
-        <p:nvSpPr>
-          <p:cNvPr id="180" name="Shape 180"/>
-          <p:cNvSpPr txBox="1">
-            <a:spLocks noGrp="1"/>
-          </p:cNvSpPr>
-          <p:nvPr>
-            <p:ph type="body" idx="1"/>
-          </p:nvPr>
-        </p:nvSpPr>
-        <p:spPr>
-          <a:xfrm>
-            <a:off x="685800" y="4400550"/>
-            <a:ext cx="5486400" cy="3600600"/>
-          </a:xfrm>
-          <a:prstGeom prst="rect">
-            <a:avLst/>
-          </a:prstGeom>
-        </p:spPr>
-        <p:txBody>
-          <a:bodyPr spcFirstLastPara="1" wrap="square" lIns="91425" tIns="91425" rIns="91425" bIns="91425" anchor="t" anchorCtr="0">
-            <a:noAutofit/>
-          </a:bodyPr>
-          <a:lstStyle/>
-          <a:p>
-            <a:pPr marL="0" lvl="0" indent="0">
-              <a:spcBef>
-                <a:spcPts val="0"/>
-              </a:spcBef>
-              <a:spcAft>
-                <a:spcPts val="0"/>
-              </a:spcAft>
-              <a:buNone/>
-            </a:pPr>
-            <a:endParaRPr/>
-          </a:p>
-        </p:txBody>
-      </p:sp>
-      <p:sp>
-        <p:nvSpPr>
-          <p:cNvPr id="181" name="Shape 181"/>
-          <p:cNvSpPr txBox="1">
-            <a:spLocks noGrp="1"/>
-          </p:cNvSpPr>
-          <p:nvPr>
-            <p:ph type="sldNum" idx="12"/>
-          </p:nvPr>
-        </p:nvSpPr>
-        <p:spPr>
-          <a:xfrm>
-            <a:off x="3884613" y="8685213"/>
-            <a:ext cx="2971800" cy="458700"/>
-          </a:xfrm>
-          <a:prstGeom prst="rect">
-            <a:avLst/>
-          </a:prstGeom>
-        </p:spPr>
-        <p:txBody>
-          <a:bodyPr spcFirstLastPara="1" wrap="square" lIns="91425" tIns="45700" rIns="91425" bIns="45700" anchor="b" anchorCtr="0">
-            <a:noAutofit/>
-          </a:bodyPr>
-          <a:lstStyle/>
-          <a:p>
-            <a:pPr marL="0" lvl="0" indent="0">
-              <a:spcBef>
-                <a:spcPts val="0"/>
-              </a:spcBef>
-              <a:spcAft>
-                <a:spcPts val="0"/>
-              </a:spcAft>
-              <a:buClr>
-                <a:srgbClr val="000000"/>
-              </a:buClr>
-              <a:buFont typeface="Arial"/>
-              <a:buNone/>
-            </a:pPr>
-            <a:fld id="{00000000-1234-1234-1234-123412341234}" type="slidenum">
-              <a:rPr lang="fr-FR"/>
-              <a:t>13</a:t>
-            </a:fld>
-            <a:endParaRPr/>
-          </a:p>
-        </p:txBody>
-      </p:sp>
-    </p:spTree>
-    <p:extLst>
-      <p:ext uri="{BB962C8B-B14F-4D97-AF65-F5344CB8AC3E}">
-        <p14:creationId xmlns:p14="http://schemas.microsoft.com/office/powerpoint/2010/main" val="850731771"/>
-      </p:ext>
-    </p:extLst>
-  </p:cSld>
-  <p:clrMapOvr>
-    <a:masterClrMapping/>
-  </p:clrMapOvr>
-</p:notes>
-</file>
-
-<file path=ppt/notesSlides/notesSlide5.xml><?xml version="1.0" encoding="utf-8"?>
 <p:notes xmlns:a="http://schemas.openxmlformats.org/drawingml/2006/main" xmlns:r="http://schemas.openxmlformats.org/officeDocument/2006/relationships" xmlns:p="http://schemas.openxmlformats.org/presentationml/2006/main" showMasterSp="0" showMasterPhAnim="0">
   <p:cSld>
     <p:spTree>
@@ -13883,7 +15726,7 @@
 </p:notes>
 </file>
 
-<file path=ppt/notesSlides/notesSlide6.xml><?xml version="1.0" encoding="utf-8"?>
+<file path=ppt/notesSlides/notesSlide4.xml><?xml version="1.0" encoding="utf-8"?>
 <p:notes xmlns:a="http://schemas.openxmlformats.org/drawingml/2006/main" xmlns:r="http://schemas.openxmlformats.org/officeDocument/2006/relationships" xmlns:p="http://schemas.openxmlformats.org/presentationml/2006/main" showMasterSp="0" showMasterPhAnim="0">
   <p:cSld>
     <p:spTree>
@@ -13992,7 +15835,7 @@
 </p:notes>
 </file>
 
-<file path=ppt/notesSlides/notesSlide7.xml><?xml version="1.0" encoding="utf-8"?>
+<file path=ppt/notesSlides/notesSlide5.xml><?xml version="1.0" encoding="utf-8"?>
 <p:notes xmlns:a="http://schemas.openxmlformats.org/drawingml/2006/main" xmlns:r="http://schemas.openxmlformats.org/officeDocument/2006/relationships" xmlns:p="http://schemas.openxmlformats.org/presentationml/2006/main" showMasterSp="0" showMasterPhAnim="0">
   <p:cSld>
     <p:spTree>
@@ -14101,7 +15944,7 @@
 </p:notes>
 </file>
 
-<file path=ppt/notesSlides/notesSlide8.xml><?xml version="1.0" encoding="utf-8"?>
+<file path=ppt/notesSlides/notesSlide6.xml><?xml version="1.0" encoding="utf-8"?>
 <p:notes xmlns:a="http://schemas.openxmlformats.org/drawingml/2006/main" xmlns:r="http://schemas.openxmlformats.org/officeDocument/2006/relationships" xmlns:p="http://schemas.openxmlformats.org/presentationml/2006/main" showMasterSp="0" showMasterPhAnim="0">
   <p:cSld>
     <p:spTree>
@@ -14210,7 +16053,7 @@
 </p:notes>
 </file>
 
-<file path=ppt/notesSlides/notesSlide9.xml><?xml version="1.0" encoding="utf-8"?>
+<file path=ppt/notesSlides/notesSlide7.xml><?xml version="1.0" encoding="utf-8"?>
 <p:notes xmlns:a="http://schemas.openxmlformats.org/drawingml/2006/main" xmlns:r="http://schemas.openxmlformats.org/officeDocument/2006/relationships" xmlns:p="http://schemas.openxmlformats.org/presentationml/2006/main" showMasterSp="0" showMasterPhAnim="0">
   <p:cSld>
     <p:spTree>
@@ -14310,6 +16153,128 @@
     <p:extLst>
       <p:ext uri="{BB962C8B-B14F-4D97-AF65-F5344CB8AC3E}">
         <p14:creationId xmlns:p14="http://schemas.microsoft.com/office/powerpoint/2010/main" val="274340933"/>
+      </p:ext>
+    </p:extLst>
+  </p:cSld>
+  <p:clrMapOvr>
+    <a:masterClrMapping/>
+  </p:clrMapOvr>
+</p:notes>
+</file>
+
+<file path=ppt/notesSlides/notesSlide8.xml><?xml version="1.0" encoding="utf-8"?>
+<p:notes xmlns:a="http://schemas.openxmlformats.org/drawingml/2006/main" xmlns:r="http://schemas.openxmlformats.org/officeDocument/2006/relationships" xmlns:p="http://schemas.openxmlformats.org/presentationml/2006/main">
+  <p:cSld>
+    <p:spTree>
+      <p:nvGrpSpPr>
+        <p:cNvPr id="1" name=""/>
+        <p:cNvGrpSpPr/>
+        <p:nvPr/>
+      </p:nvGrpSpPr>
+      <p:grpSpPr>
+        <a:xfrm>
+          <a:off x="0" y="0"/>
+          <a:ext cx="0" cy="0"/>
+          <a:chOff x="0" y="0"/>
+          <a:chExt cx="0" cy="0"/>
+        </a:xfrm>
+      </p:grpSpPr>
+      <p:sp>
+        <p:nvSpPr>
+          <p:cNvPr id="2" name="Espace réservé de l'image des diapositives 1"/>
+          <p:cNvSpPr>
+            <a:spLocks noGrp="1" noRot="1" noChangeAspect="1"/>
+          </p:cNvSpPr>
+          <p:nvPr>
+            <p:ph type="sldImg"/>
+          </p:nvPr>
+        </p:nvSpPr>
+        <p:spPr/>
+      </p:sp>
+      <p:sp>
+        <p:nvSpPr>
+          <p:cNvPr id="3" name="Espace réservé des notes 2"/>
+          <p:cNvSpPr>
+            <a:spLocks noGrp="1"/>
+          </p:cNvSpPr>
+          <p:nvPr>
+            <p:ph type="body" idx="1"/>
+          </p:nvPr>
+        </p:nvSpPr>
+        <p:spPr/>
+        <p:txBody>
+          <a:bodyPr/>
+          <a:lstStyle/>
+          <a:p>
+            <a:endParaRPr lang="fr-FR" dirty="0"/>
+          </a:p>
+        </p:txBody>
+      </p:sp>
+    </p:spTree>
+    <p:extLst>
+      <p:ext uri="{BB962C8B-B14F-4D97-AF65-F5344CB8AC3E}">
+        <p14:creationId xmlns:p14="http://schemas.microsoft.com/office/powerpoint/2010/main" val="4094013929"/>
+      </p:ext>
+    </p:extLst>
+  </p:cSld>
+  <p:clrMapOvr>
+    <a:masterClrMapping/>
+  </p:clrMapOvr>
+</p:notes>
+</file>
+
+<file path=ppt/notesSlides/notesSlide9.xml><?xml version="1.0" encoding="utf-8"?>
+<p:notes xmlns:a="http://schemas.openxmlformats.org/drawingml/2006/main" xmlns:r="http://schemas.openxmlformats.org/officeDocument/2006/relationships" xmlns:p="http://schemas.openxmlformats.org/presentationml/2006/main">
+  <p:cSld>
+    <p:spTree>
+      <p:nvGrpSpPr>
+        <p:cNvPr id="1" name=""/>
+        <p:cNvGrpSpPr/>
+        <p:nvPr/>
+      </p:nvGrpSpPr>
+      <p:grpSpPr>
+        <a:xfrm>
+          <a:off x="0" y="0"/>
+          <a:ext cx="0" cy="0"/>
+          <a:chOff x="0" y="0"/>
+          <a:chExt cx="0" cy="0"/>
+        </a:xfrm>
+      </p:grpSpPr>
+      <p:sp>
+        <p:nvSpPr>
+          <p:cNvPr id="2" name="Espace réservé de l'image des diapositives 1"/>
+          <p:cNvSpPr>
+            <a:spLocks noGrp="1" noRot="1" noChangeAspect="1"/>
+          </p:cNvSpPr>
+          <p:nvPr>
+            <p:ph type="sldImg"/>
+          </p:nvPr>
+        </p:nvSpPr>
+        <p:spPr/>
+      </p:sp>
+      <p:sp>
+        <p:nvSpPr>
+          <p:cNvPr id="3" name="Espace réservé des notes 2"/>
+          <p:cNvSpPr>
+            <a:spLocks noGrp="1"/>
+          </p:cNvSpPr>
+          <p:nvPr>
+            <p:ph type="body" idx="1"/>
+          </p:nvPr>
+        </p:nvSpPr>
+        <p:spPr/>
+        <p:txBody>
+          <a:bodyPr/>
+          <a:lstStyle/>
+          <a:p>
+            <a:endParaRPr lang="fr-FR" dirty="0"/>
+          </a:p>
+        </p:txBody>
+      </p:sp>
+    </p:spTree>
+    <p:extLst>
+      <p:ext uri="{BB962C8B-B14F-4D97-AF65-F5344CB8AC3E}">
+        <p14:creationId xmlns:p14="http://schemas.microsoft.com/office/powerpoint/2010/main" val="3489730530"/>
       </p:ext>
     </p:extLst>
   </p:cSld>
@@ -17790,7 +19755,15 @@
           <a:p>
             <a:r>
               <a:rPr lang="fr-FR" dirty="0"/>
-              <a:t>Approche par mots clefs</a:t>
+              <a:t>1</a:t>
+            </a:r>
+            <a:r>
+              <a:rPr lang="fr-FR" baseline="30000" dirty="0"/>
+              <a:t>ère</a:t>
+            </a:r>
+            <a:r>
+              <a:rPr lang="fr-FR" dirty="0"/>
+              <a:t> approche : mots clefs</a:t>
             </a:r>
           </a:p>
         </p:txBody>
@@ -17872,13 +19845,8 @@
             </a:r>
             <a:r>
               <a:rPr lang="fr-FR" sz="2000" dirty="0"/>
-              <a:t> via script </a:t>
-            </a:r>
-            <a:r>
-              <a:rPr lang="fr-FR" sz="2000" dirty="0" err="1"/>
-              <a:t>pyton</a:t>
-            </a:r>
-            <a:endParaRPr lang="fr-FR" sz="2000" dirty="0"/>
+              <a:t> via script python</a:t>
+            </a:r>
           </a:p>
           <a:p>
             <a:pPr marL="0" indent="0">
@@ -18101,7 +20069,15 @@
           <a:p>
             <a:r>
               <a:rPr lang="fr-FR" dirty="0"/>
-              <a:t>Approche par mots clefs</a:t>
+              <a:t>1</a:t>
+            </a:r>
+            <a:r>
+              <a:rPr lang="fr-FR" baseline="30000" dirty="0"/>
+              <a:t>ère</a:t>
+            </a:r>
+            <a:r>
+              <a:rPr lang="fr-FR" dirty="0"/>
+              <a:t> approche : mots clefs</a:t>
             </a:r>
           </a:p>
         </p:txBody>
@@ -18504,7 +20480,7 @@
   <p:cSld>
     <p:spTree>
       <p:nvGrpSpPr>
-        <p:cNvPr id="1" name="Shape 174"/>
+        <p:cNvPr id="1" name=""/>
         <p:cNvGrpSpPr/>
         <p:nvPr/>
       </p:nvGrpSpPr>
@@ -18518,166 +20494,118 @@
       </p:grpSpPr>
       <p:sp>
         <p:nvSpPr>
-          <p:cNvPr id="175" name="Shape 175"/>
-          <p:cNvSpPr txBox="1">
+          <p:cNvPr id="2" name="Titre 1">
+            <a:extLst>
+              <a:ext uri="{FF2B5EF4-FFF2-40B4-BE49-F238E27FC236}">
+                <a16:creationId xmlns:a16="http://schemas.microsoft.com/office/drawing/2014/main" id="{A9315397-CE8C-4C38-B8AB-2A9784946335}"/>
+              </a:ext>
+            </a:extLst>
+          </p:cNvPr>
+          <p:cNvSpPr>
             <a:spLocks noGrp="1"/>
           </p:cNvSpPr>
           <p:nvPr>
             <p:ph type="title"/>
           </p:nvPr>
         </p:nvSpPr>
-        <p:spPr>
-          <a:xfrm>
-            <a:off x="839788" y="365125"/>
-            <a:ext cx="10515600" cy="1325563"/>
-          </a:xfrm>
-          <a:prstGeom prst="rect">
-            <a:avLst/>
-          </a:prstGeom>
-          <a:noFill/>
-          <a:ln>
-            <a:noFill/>
-          </a:ln>
-        </p:spPr>
+        <p:spPr/>
         <p:txBody>
-          <a:bodyPr spcFirstLastPara="1" wrap="square" lIns="91425" tIns="45700" rIns="91425" bIns="45700" anchor="ctr" anchorCtr="0">
-            <a:noAutofit/>
-          </a:bodyPr>
+          <a:bodyPr/>
           <a:lstStyle/>
           <a:p>
-            <a:pPr marL="0" marR="0" lvl="0" indent="0" algn="l" rtl="0">
-              <a:lnSpc>
-                <a:spcPct val="90000"/>
-              </a:lnSpc>
-              <a:spcBef>
-                <a:spcPts val="0"/>
-              </a:spcBef>
-              <a:spcAft>
-                <a:spcPts val="0"/>
-              </a:spcAft>
-              <a:buClr>
-                <a:schemeClr val="dk1"/>
-              </a:buClr>
-              <a:buSzPts val="4400"/>
-              <a:buFont typeface="Calibri"/>
-              <a:buNone/>
-            </a:pPr>
-            <a:r>
-              <a:rPr lang="fr-FR" sz="4400" b="0" i="0" u="none" strike="noStrike" cap="none" dirty="0">
-                <a:solidFill>
-                  <a:schemeClr val="dk1"/>
-                </a:solidFill>
-                <a:latin typeface="Calibri"/>
-                <a:ea typeface="Calibri"/>
-                <a:cs typeface="Calibri"/>
-                <a:sym typeface="Calibri"/>
-              </a:rPr>
-              <a:t>Approche dynamique</a:t>
-            </a:r>
-            <a:endParaRPr dirty="0"/>
+            <a:r>
+              <a:rPr lang="fr-FR" dirty="0"/>
+              <a:t>2</a:t>
+            </a:r>
+            <a:r>
+              <a:rPr lang="fr-FR" baseline="30000" dirty="0"/>
+              <a:t>ème</a:t>
+            </a:r>
+            <a:r>
+              <a:rPr lang="fr-FR" dirty="0"/>
+              <a:t> approche : dynamique</a:t>
+            </a:r>
           </a:p>
         </p:txBody>
       </p:sp>
-      <p:pic>
-        <p:nvPicPr>
-          <p:cNvPr id="176" name="Shape 176"/>
-          <p:cNvPicPr preferRelativeResize="0"/>
-          <p:nvPr/>
-        </p:nvPicPr>
-        <p:blipFill>
-          <a:blip r:embed="rId3">
-            <a:alphaModFix/>
-          </a:blip>
-          <a:stretch>
-            <a:fillRect/>
-          </a:stretch>
-        </p:blipFill>
-        <p:spPr>
-          <a:xfrm>
-            <a:off x="152400" y="1690688"/>
-            <a:ext cx="9324975" cy="1857375"/>
-          </a:xfrm>
-          <a:prstGeom prst="rect">
-            <a:avLst/>
-          </a:prstGeom>
-          <a:noFill/>
-          <a:ln>
-            <a:noFill/>
-          </a:ln>
-        </p:spPr>
-      </p:pic>
       <p:sp>
         <p:nvSpPr>
-          <p:cNvPr id="177" name="Shape 177"/>
-          <p:cNvSpPr txBox="1">
+          <p:cNvPr id="3" name="Espace réservé du texte 2">
+            <a:extLst>
+              <a:ext uri="{FF2B5EF4-FFF2-40B4-BE49-F238E27FC236}">
+                <a16:creationId xmlns:a16="http://schemas.microsoft.com/office/drawing/2014/main" id="{B46EF18F-B2F6-408E-A76D-B356F65B40FC}"/>
+              </a:ext>
+            </a:extLst>
+          </p:cNvPr>
+          <p:cNvSpPr>
             <a:spLocks noGrp="1"/>
           </p:cNvSpPr>
           <p:nvPr>
-            <p:ph type="body" idx="2"/>
+            <p:ph type="body" idx="1"/>
           </p:nvPr>
         </p:nvSpPr>
         <p:spPr>
           <a:xfrm>
-            <a:off x="459625" y="3671450"/>
-            <a:ext cx="8128200" cy="1945500"/>
+            <a:off x="839788" y="3443288"/>
+            <a:ext cx="5157787" cy="823912"/>
           </a:xfrm>
-          <a:prstGeom prst="rect">
-            <a:avLst/>
-          </a:prstGeom>
         </p:spPr>
         <p:txBody>
-          <a:bodyPr spcFirstLastPara="1" wrap="square" lIns="91425" tIns="91425" rIns="91425" bIns="91425" anchor="t" anchorCtr="0">
-            <a:noAutofit/>
+          <a:bodyPr/>
+          <a:lstStyle/>
+          <a:p>
+            <a:r>
+              <a:rPr lang="fr-FR" dirty="0"/>
+              <a:t>Parseur CSV</a:t>
+            </a:r>
+          </a:p>
+        </p:txBody>
+      </p:sp>
+      <p:sp>
+        <p:nvSpPr>
+          <p:cNvPr id="4" name="Espace réservé du contenu 3">
+            <a:extLst>
+              <a:ext uri="{FF2B5EF4-FFF2-40B4-BE49-F238E27FC236}">
+                <a16:creationId xmlns:a16="http://schemas.microsoft.com/office/drawing/2014/main" id="{9B80EEFE-BE90-4600-88A7-9A6D47030F31}"/>
+              </a:ext>
+            </a:extLst>
+          </p:cNvPr>
+          <p:cNvSpPr>
+            <a:spLocks noGrp="1"/>
+          </p:cNvSpPr>
+          <p:nvPr>
+            <p:ph sz="half" idx="2"/>
+          </p:nvPr>
+        </p:nvSpPr>
+        <p:spPr>
+          <a:xfrm>
+            <a:off x="839788" y="4365624"/>
+            <a:ext cx="7770812" cy="1622425"/>
+          </a:xfrm>
+        </p:spPr>
+        <p:txBody>
+          <a:bodyPr>
+            <a:normAutofit/>
           </a:bodyPr>
           <a:lstStyle/>
           <a:p>
-            <a:pPr marL="0" lvl="0" indent="0" rtl="0">
-              <a:spcBef>
-                <a:spcPts val="1000"/>
-              </a:spcBef>
-              <a:spcAft>
-                <a:spcPts val="0"/>
-              </a:spcAft>
-              <a:buNone/>
-            </a:pPr>
-            <a:r>
-              <a:rPr lang="fr-FR" sz="2400" b="1" dirty="0"/>
-              <a:t>Parseur CSV : </a:t>
-            </a:r>
-            <a:endParaRPr sz="2400" b="1" dirty="0"/>
-          </a:p>
-          <a:p>
-            <a:pPr marL="228600" lvl="0" indent="-228600" rtl="0">
+            <a:pPr lvl="0">
               <a:spcBef>
                 <a:spcPts val="0"/>
               </a:spcBef>
-              <a:spcAft>
-                <a:spcPts val="0"/>
-              </a:spcAft>
               <a:buSzPts val="2000"/>
-              <a:buChar char="•"/>
             </a:pPr>
             <a:r>
               <a:rPr lang="fr-FR" sz="2000" dirty="0"/>
               <a:t>Récupération de chaque entrée du tableau</a:t>
             </a:r>
-            <a:endParaRPr dirty="0"/>
-          </a:p>
-          <a:p>
-            <a:pPr marL="228600" lvl="0" indent="-101600" rtl="0">
-              <a:spcBef>
-                <a:spcPts val="1000"/>
-              </a:spcBef>
-              <a:spcAft>
-                <a:spcPts val="0"/>
-              </a:spcAft>
+          </a:p>
+          <a:p>
+            <a:pPr lvl="0" indent="-101600">
               <a:buNone/>
             </a:pPr>
             <a:r>
-              <a:rPr lang="fr-FR" sz="1100" dirty="0">
-                <a:highlight>
-                  <a:srgbClr val="FFFFFF"/>
-                </a:highlight>
+              <a:rPr lang="fr-FR" sz="1200" dirty="0">
                 <a:latin typeface="Courier New"/>
                 <a:ea typeface="Courier New"/>
                 <a:cs typeface="Courier New"/>
@@ -18686,13 +20614,10 @@
               <a:t>parseur = CSV_PARSEUR(</a:t>
             </a:r>
             <a:r>
-              <a:rPr lang="fr-FR" sz="1100" b="1" dirty="0">
+              <a:rPr lang="fr-FR" sz="1200" b="1" dirty="0">
                 <a:solidFill>
                   <a:srgbClr val="008000"/>
                 </a:solidFill>
-                <a:highlight>
-                  <a:srgbClr val="FFFFFF"/>
-                </a:highlight>
                 <a:latin typeface="Courier New"/>
                 <a:ea typeface="Courier New"/>
                 <a:cs typeface="Courier New"/>
@@ -18701,13 +20626,10 @@
               <a:t>"</a:t>
             </a:r>
             <a:r>
-              <a:rPr lang="fr-FR" sz="1100" b="1" dirty="0" err="1">
+              <a:rPr lang="fr-FR" sz="1200" b="1" dirty="0" err="1">
                 <a:solidFill>
                   <a:srgbClr val="008000"/>
                 </a:solidFill>
-                <a:highlight>
-                  <a:srgbClr val="FFFFFF"/>
-                </a:highlight>
                 <a:latin typeface="Courier New"/>
                 <a:ea typeface="Courier New"/>
                 <a:cs typeface="Courier New"/>
@@ -18716,10 +20638,7 @@
               <a:t>list_objects.csv"</a:t>
             </a:r>
             <a:r>
-              <a:rPr lang="fr-FR" sz="1100" dirty="0" err="1">
-                <a:highlight>
-                  <a:srgbClr val="FFFFFF"/>
-                </a:highlight>
+              <a:rPr lang="fr-FR" sz="1200" dirty="0" err="1">
                 <a:latin typeface="Courier New"/>
                 <a:ea typeface="Courier New"/>
                 <a:cs typeface="Courier New"/>
@@ -18728,13 +20647,10 @@
               <a:t>,</a:t>
             </a:r>
             <a:r>
-              <a:rPr lang="fr-FR" sz="1100" b="1" dirty="0" err="1">
+              <a:rPr lang="fr-FR" sz="1200" b="1" dirty="0" err="1">
                 <a:solidFill>
                   <a:srgbClr val="008000"/>
                 </a:solidFill>
-                <a:highlight>
-                  <a:srgbClr val="FFFFFF"/>
-                </a:highlight>
                 <a:latin typeface="Courier New"/>
                 <a:ea typeface="Courier New"/>
                 <a:cs typeface="Courier New"/>
@@ -18743,10 +20659,7 @@
               <a:t>"list_person.csv"</a:t>
             </a:r>
             <a:r>
-              <a:rPr lang="fr-FR" sz="1100" dirty="0" err="1">
-                <a:highlight>
-                  <a:srgbClr val="FFFFFF"/>
-                </a:highlight>
+              <a:rPr lang="fr-FR" sz="1200" dirty="0" err="1">
                 <a:latin typeface="Courier New"/>
                 <a:ea typeface="Courier New"/>
                 <a:cs typeface="Courier New"/>
@@ -18755,13 +20668,10 @@
               <a:t>,</a:t>
             </a:r>
             <a:r>
-              <a:rPr lang="fr-FR" sz="1100" b="1" dirty="0" err="1">
+              <a:rPr lang="fr-FR" sz="1200" b="1" dirty="0" err="1">
                 <a:solidFill>
                   <a:srgbClr val="008000"/>
                 </a:solidFill>
-                <a:highlight>
-                  <a:srgbClr val="FFFFFF"/>
-                </a:highlight>
                 <a:latin typeface="Courier New"/>
                 <a:ea typeface="Courier New"/>
                 <a:cs typeface="Courier New"/>
@@ -18770,13 +20680,10 @@
               <a:t>"list_locations.csv</a:t>
             </a:r>
             <a:r>
-              <a:rPr lang="fr-FR" sz="1100" b="1" dirty="0">
+              <a:rPr lang="fr-FR" sz="1200" b="1" dirty="0">
                 <a:solidFill>
                   <a:srgbClr val="008000"/>
                 </a:solidFill>
-                <a:highlight>
-                  <a:srgbClr val="FFFFFF"/>
-                </a:highlight>
                 <a:latin typeface="Courier New"/>
                 <a:ea typeface="Courier New"/>
                 <a:cs typeface="Courier New"/>
@@ -18785,10 +20692,7 @@
               <a:t>"</a:t>
             </a:r>
             <a:r>
-              <a:rPr lang="fr-FR" sz="1100" dirty="0">
-                <a:highlight>
-                  <a:srgbClr val="FFFFFF"/>
-                </a:highlight>
+              <a:rPr lang="fr-FR" sz="1200" dirty="0">
                 <a:latin typeface="Courier New"/>
                 <a:ea typeface="Courier New"/>
                 <a:cs typeface="Courier New"/>
@@ -18796,34 +20700,16 @@
               </a:rPr>
               <a:t>)</a:t>
             </a:r>
-            <a:endParaRPr sz="1100" dirty="0">
-              <a:highlight>
-                <a:srgbClr val="FFFFFF"/>
-              </a:highlight>
-              <a:latin typeface="Courier New"/>
-              <a:ea typeface="Courier New"/>
-              <a:cs typeface="Courier New"/>
-              <a:sym typeface="Courier New"/>
-            </a:endParaRPr>
-          </a:p>
-          <a:p>
-            <a:pPr marL="228600" lvl="0" indent="-101600" rtl="0">
-              <a:spcBef>
-                <a:spcPts val="1000"/>
-              </a:spcBef>
-              <a:spcAft>
-                <a:spcPts val="0"/>
-              </a:spcAft>
+          </a:p>
+          <a:p>
+            <a:pPr lvl="0" indent="-101600">
               <a:buNone/>
             </a:pPr>
             <a:r>
-              <a:rPr lang="fr-FR" sz="1100" b="1" dirty="0">
+              <a:rPr lang="fr-FR" sz="1200" b="1" dirty="0">
                 <a:solidFill>
                   <a:srgbClr val="000080"/>
                 </a:solidFill>
-                <a:highlight>
-                  <a:srgbClr val="FFFFFF"/>
-                </a:highlight>
                 <a:latin typeface="Courier New"/>
                 <a:ea typeface="Courier New"/>
                 <a:cs typeface="Courier New"/>
@@ -18832,10 +20718,7 @@
               <a:t>for </a:t>
             </a:r>
             <a:r>
-              <a:rPr lang="fr-FR" sz="1100" dirty="0" err="1">
-                <a:highlight>
-                  <a:srgbClr val="FFFFFF"/>
-                </a:highlight>
+              <a:rPr lang="fr-FR" sz="1200" dirty="0" err="1">
                 <a:latin typeface="Courier New"/>
                 <a:ea typeface="Courier New"/>
                 <a:cs typeface="Courier New"/>
@@ -18844,10 +20727,7 @@
               <a:t>object</a:t>
             </a:r>
             <a:r>
-              <a:rPr lang="fr-FR" sz="1100" dirty="0">
-                <a:highlight>
-                  <a:srgbClr val="FFFFFF"/>
-                </a:highlight>
+              <a:rPr lang="fr-FR" sz="1200" dirty="0">
                 <a:latin typeface="Courier New"/>
                 <a:ea typeface="Courier New"/>
                 <a:cs typeface="Courier New"/>
@@ -18856,13 +20736,10 @@
               <a:t> </a:t>
             </a:r>
             <a:r>
-              <a:rPr lang="fr-FR" sz="1100" b="1" dirty="0">
+              <a:rPr lang="fr-FR" sz="1200" b="1" dirty="0">
                 <a:solidFill>
                   <a:srgbClr val="000080"/>
                 </a:solidFill>
-                <a:highlight>
-                  <a:srgbClr val="FFFFFF"/>
-                </a:highlight>
                 <a:latin typeface="Courier New"/>
                 <a:ea typeface="Courier New"/>
                 <a:cs typeface="Courier New"/>
@@ -18871,10 +20748,7 @@
               <a:t>in </a:t>
             </a:r>
             <a:r>
-              <a:rPr lang="fr-FR" sz="1100" dirty="0" err="1">
-                <a:highlight>
-                  <a:srgbClr val="FFFFFF"/>
-                </a:highlight>
+              <a:rPr lang="fr-FR" sz="1200" dirty="0" err="1">
                 <a:latin typeface="Courier New"/>
                 <a:ea typeface="Courier New"/>
                 <a:cs typeface="Courier New"/>
@@ -18883,10 +20757,7 @@
               <a:t>parseur.objects</a:t>
             </a:r>
             <a:r>
-              <a:rPr lang="fr-FR" sz="1100" dirty="0">
-                <a:highlight>
-                  <a:srgbClr val="FFFFFF"/>
-                </a:highlight>
+              <a:rPr lang="fr-FR" sz="1200" dirty="0">
                 <a:latin typeface="Courier New"/>
                 <a:ea typeface="Courier New"/>
                 <a:cs typeface="Courier New"/>
@@ -18894,31 +20765,13 @@
               </a:rPr>
               <a:t>:</a:t>
             </a:r>
-            <a:endParaRPr sz="1100" dirty="0">
-              <a:highlight>
-                <a:srgbClr val="FFFFFF"/>
-              </a:highlight>
-              <a:latin typeface="Courier New"/>
-              <a:ea typeface="Courier New"/>
-              <a:cs typeface="Courier New"/>
-              <a:sym typeface="Courier New"/>
-            </a:endParaRPr>
-          </a:p>
-          <a:p>
-            <a:pPr marL="685800" lvl="0" indent="-101600" rtl="0">
-              <a:spcBef>
-                <a:spcPts val="1000"/>
-              </a:spcBef>
-              <a:spcAft>
-                <a:spcPts val="0"/>
-              </a:spcAft>
+          </a:p>
+          <a:p>
+            <a:pPr marL="685800" lvl="0" indent="-101600">
               <a:buNone/>
             </a:pPr>
             <a:r>
-              <a:rPr lang="fr-FR" sz="1100" dirty="0" err="1">
-                <a:highlight>
-                  <a:srgbClr val="FFFFFF"/>
-                </a:highlight>
+              <a:rPr lang="fr-FR" sz="1200" dirty="0" err="1">
                 <a:latin typeface="Courier New"/>
                 <a:ea typeface="Courier New"/>
                 <a:cs typeface="Courier New"/>
@@ -18927,10 +20780,7 @@
               <a:t>objects.append</a:t>
             </a:r>
             <a:r>
-              <a:rPr lang="fr-FR" sz="1100" dirty="0">
-                <a:highlight>
-                  <a:srgbClr val="FFFFFF"/>
-                </a:highlight>
+              <a:rPr lang="fr-FR" sz="1200" dirty="0">
                 <a:latin typeface="Courier New"/>
                 <a:ea typeface="Courier New"/>
                 <a:cs typeface="Courier New"/>
@@ -18938,52 +20788,19 @@
               </a:rPr>
               <a:t>(object.name)</a:t>
             </a:r>
-            <a:endParaRPr sz="2000" dirty="0"/>
-          </a:p>
-          <a:p>
-            <a:pPr marL="685800" lvl="0" indent="-101600" rtl="0">
-              <a:spcBef>
-                <a:spcPts val="1000"/>
-              </a:spcBef>
-              <a:spcAft>
-                <a:spcPts val="0"/>
-              </a:spcAft>
-              <a:buNone/>
-            </a:pPr>
-            <a:endParaRPr sz="2000" dirty="0"/>
-          </a:p>
-          <a:p>
-            <a:pPr marL="0" lvl="0" indent="0" rtl="0">
-              <a:spcBef>
-                <a:spcPts val="1000"/>
-              </a:spcBef>
-              <a:spcAft>
-                <a:spcPts val="0"/>
-              </a:spcAft>
-              <a:buNone/>
-            </a:pPr>
-            <a:endParaRPr sz="2000" dirty="0"/>
-          </a:p>
-          <a:p>
-            <a:pPr marL="0" lvl="0" indent="0" rtl="0">
-              <a:spcBef>
-                <a:spcPts val="1000"/>
-              </a:spcBef>
-              <a:spcAft>
-                <a:spcPts val="0"/>
-              </a:spcAft>
-              <a:buNone/>
-            </a:pPr>
-            <a:endParaRPr sz="2400" b="1" dirty="0"/>
+            <a:endParaRPr lang="fr-FR" sz="2000" dirty="0"/>
+          </a:p>
+          <a:p>
+            <a:endParaRPr lang="fr-FR" dirty="0"/>
           </a:p>
         </p:txBody>
       </p:sp>
       <p:sp>
         <p:nvSpPr>
-          <p:cNvPr id="2" name="Espace réservé du numéro de diapositive 1">
+          <p:cNvPr id="7" name="Espace réservé du numéro de diapositive 6">
             <a:extLst>
               <a:ext uri="{FF2B5EF4-FFF2-40B4-BE49-F238E27FC236}">
-                <a16:creationId xmlns:a16="http://schemas.microsoft.com/office/drawing/2014/main" id="{B483D51B-B06D-40FC-A1E3-72B68402BC06}"/>
+                <a16:creationId xmlns:a16="http://schemas.microsoft.com/office/drawing/2014/main" id="{0627C6C3-6F5F-4A7C-9AAB-E6B21570F6BD}"/>
               </a:ext>
             </a:extLst>
           </p:cNvPr>
@@ -19015,10 +20832,44 @@
           </a:p>
         </p:txBody>
       </p:sp>
+      <p:pic>
+        <p:nvPicPr>
+          <p:cNvPr id="8" name="Shape 176">
+            <a:extLst>
+              <a:ext uri="{FF2B5EF4-FFF2-40B4-BE49-F238E27FC236}">
+                <a16:creationId xmlns:a16="http://schemas.microsoft.com/office/drawing/2014/main" id="{B54F0932-54DE-44CA-AAEB-B6AD0B2A9379}"/>
+              </a:ext>
+            </a:extLst>
+          </p:cNvPr>
+          <p:cNvPicPr preferRelativeResize="0"/>
+          <p:nvPr/>
+        </p:nvPicPr>
+        <p:blipFill>
+          <a:blip r:embed="rId2">
+            <a:alphaModFix/>
+          </a:blip>
+          <a:stretch>
+            <a:fillRect/>
+          </a:stretch>
+        </p:blipFill>
+        <p:spPr>
+          <a:xfrm>
+            <a:off x="836612" y="1530350"/>
+            <a:ext cx="9324975" cy="1857375"/>
+          </a:xfrm>
+          <a:prstGeom prst="rect">
+            <a:avLst/>
+          </a:prstGeom>
+          <a:noFill/>
+          <a:ln>
+            <a:noFill/>
+          </a:ln>
+        </p:spPr>
+      </p:pic>
     </p:spTree>
     <p:extLst>
       <p:ext uri="{BB962C8B-B14F-4D97-AF65-F5344CB8AC3E}">
-        <p14:creationId xmlns:p14="http://schemas.microsoft.com/office/powerpoint/2010/main" val="2226281950"/>
+        <p14:creationId xmlns:p14="http://schemas.microsoft.com/office/powerpoint/2010/main" val="624494025"/>
       </p:ext>
     </p:extLst>
   </p:cSld>
@@ -19033,7 +20884,7 @@
   <p:cSld>
     <p:spTree>
       <p:nvGrpSpPr>
-        <p:cNvPr id="1" name="Shape 182"/>
+        <p:cNvPr id="1" name=""/>
         <p:cNvGrpSpPr/>
         <p:nvPr/>
       </p:nvGrpSpPr>
@@ -19047,122 +20898,120 @@
       </p:grpSpPr>
       <p:sp>
         <p:nvSpPr>
-          <p:cNvPr id="183" name="Shape 183"/>
-          <p:cNvSpPr txBox="1">
+          <p:cNvPr id="2" name="Titre 1">
+            <a:extLst>
+              <a:ext uri="{FF2B5EF4-FFF2-40B4-BE49-F238E27FC236}">
+                <a16:creationId xmlns:a16="http://schemas.microsoft.com/office/drawing/2014/main" id="{2E7B196B-7345-42A9-9C80-E2B9CB364165}"/>
+              </a:ext>
+            </a:extLst>
+          </p:cNvPr>
+          <p:cNvSpPr>
             <a:spLocks noGrp="1"/>
           </p:cNvSpPr>
           <p:nvPr>
             <p:ph type="title"/>
           </p:nvPr>
         </p:nvSpPr>
-        <p:spPr>
-          <a:xfrm>
-            <a:off x="839788" y="365125"/>
-            <a:ext cx="10515600" cy="1325700"/>
-          </a:xfrm>
-          <a:prstGeom prst="rect">
-            <a:avLst/>
-          </a:prstGeom>
-        </p:spPr>
+        <p:spPr/>
         <p:txBody>
-          <a:bodyPr spcFirstLastPara="1" wrap="square" lIns="91425" tIns="91425" rIns="91425" bIns="91425" anchor="ctr" anchorCtr="0">
-            <a:noAutofit/>
-          </a:bodyPr>
+          <a:bodyPr/>
           <a:lstStyle/>
           <a:p>
-            <a:pPr marL="0" lvl="0" indent="0" rtl="0">
-              <a:spcBef>
-                <a:spcPts val="0"/>
-              </a:spcBef>
-              <a:spcAft>
-                <a:spcPts val="0"/>
-              </a:spcAft>
-              <a:buNone/>
-            </a:pPr>
-            <a:r>
-              <a:rPr lang="fr-FR"/>
-              <a:t>Approche dynamique</a:t>
-            </a:r>
-            <a:endParaRPr/>
+            <a:r>
+              <a:rPr lang="fr-FR" dirty="0"/>
+              <a:t>2</a:t>
+            </a:r>
+            <a:r>
+              <a:rPr lang="fr-FR" baseline="30000" dirty="0"/>
+              <a:t>ème</a:t>
+            </a:r>
+            <a:r>
+              <a:rPr lang="fr-FR" dirty="0"/>
+              <a:t> approche : dynamique</a:t>
+            </a:r>
           </a:p>
         </p:txBody>
       </p:sp>
       <p:sp>
         <p:nvSpPr>
-          <p:cNvPr id="184" name="Shape 184"/>
-          <p:cNvSpPr txBox="1">
+          <p:cNvPr id="3" name="Espace réservé du texte 2">
+            <a:extLst>
+              <a:ext uri="{FF2B5EF4-FFF2-40B4-BE49-F238E27FC236}">
+                <a16:creationId xmlns:a16="http://schemas.microsoft.com/office/drawing/2014/main" id="{5510B5AF-F62C-4736-8143-41DEC1E8CF53}"/>
+              </a:ext>
+            </a:extLst>
+          </p:cNvPr>
+          <p:cNvSpPr>
             <a:spLocks noGrp="1"/>
           </p:cNvSpPr>
           <p:nvPr>
-            <p:ph type="body" idx="2"/>
+            <p:ph type="body" idx="1"/>
+          </p:nvPr>
+        </p:nvSpPr>
+        <p:spPr/>
+        <p:txBody>
+          <a:bodyPr/>
+          <a:lstStyle/>
+          <a:p>
+            <a:r>
+              <a:rPr lang="fr-FR" dirty="0"/>
+              <a:t>Concept</a:t>
+            </a:r>
+          </a:p>
+        </p:txBody>
+      </p:sp>
+      <p:sp>
+        <p:nvSpPr>
+          <p:cNvPr id="4" name="Espace réservé du contenu 3">
+            <a:extLst>
+              <a:ext uri="{FF2B5EF4-FFF2-40B4-BE49-F238E27FC236}">
+                <a16:creationId xmlns:a16="http://schemas.microsoft.com/office/drawing/2014/main" id="{6C8210D6-D496-4D3F-BEE2-BC7040213F95}"/>
+              </a:ext>
+            </a:extLst>
+          </p:cNvPr>
+          <p:cNvSpPr>
+            <a:spLocks noGrp="1"/>
+          </p:cNvSpPr>
+          <p:nvPr>
+            <p:ph sz="half" idx="2"/>
           </p:nvPr>
         </p:nvSpPr>
         <p:spPr>
           <a:xfrm>
-            <a:off x="839807" y="1855400"/>
-            <a:ext cx="8231700" cy="4334400"/>
+            <a:off x="839788" y="2505075"/>
+            <a:ext cx="5802312" cy="3684588"/>
           </a:xfrm>
-          <a:prstGeom prst="rect">
-            <a:avLst/>
-          </a:prstGeom>
         </p:spPr>
         <p:txBody>
-          <a:bodyPr spcFirstLastPara="1" wrap="square" lIns="91425" tIns="91425" rIns="91425" bIns="91425" anchor="t" anchorCtr="0">
-            <a:noAutofit/>
+          <a:bodyPr>
+            <a:normAutofit/>
           </a:bodyPr>
           <a:lstStyle/>
           <a:p>
-            <a:pPr marL="0" lvl="0" indent="0">
-              <a:spcBef>
-                <a:spcPts val="1000"/>
-              </a:spcBef>
-              <a:spcAft>
-                <a:spcPts val="0"/>
-              </a:spcAft>
-              <a:buNone/>
-            </a:pPr>
-            <a:r>
-              <a:rPr lang="fr-FR" sz="2400" b="1" dirty="0"/>
-              <a:t>Dynamic concepts : </a:t>
-            </a:r>
-            <a:endParaRPr sz="2400" b="1" dirty="0"/>
-          </a:p>
-          <a:p>
-            <a:pPr marL="228600" lvl="0" indent="-228600" rtl="0">
+            <a:pPr lvl="0">
               <a:spcBef>
                 <a:spcPts val="0"/>
               </a:spcBef>
-              <a:spcAft>
-                <a:spcPts val="0"/>
-              </a:spcAft>
               <a:buSzPts val="2000"/>
-              <a:buChar char="•"/>
             </a:pPr>
             <a:r>
               <a:rPr lang="fr-FR" sz="2000" dirty="0"/>
               <a:t>Déclaration et utilisation dans le fichier .top</a:t>
             </a:r>
-            <a:endParaRPr sz="2000" dirty="0"/>
-          </a:p>
-          <a:p>
-            <a:pPr marL="0" lvl="0" indent="0" rtl="0">
+          </a:p>
+          <a:p>
+            <a:pPr marL="0" lvl="0" indent="0">
               <a:spcBef>
                 <a:spcPts val="0"/>
               </a:spcBef>
-              <a:spcAft>
-                <a:spcPts val="0"/>
-              </a:spcAft>
               <a:buNone/>
             </a:pPr>
             <a:r>
-              <a:rPr lang="fr-FR" sz="2000" dirty="0"/>
+              <a:rPr lang="fr-FR" dirty="0"/>
               <a:t>    </a:t>
             </a:r>
             <a:r>
-              <a:rPr lang="fr-FR" sz="1100" dirty="0" err="1">
-                <a:highlight>
-                  <a:srgbClr val="FFFFFF"/>
-                </a:highlight>
+              <a:rPr lang="fr-FR" sz="1400" dirty="0" err="1">
                 <a:latin typeface="Courier New"/>
                 <a:ea typeface="Courier New"/>
                 <a:cs typeface="Courier New"/>
@@ -19171,10 +21020,7 @@
               <a:t>dynamic</a:t>
             </a:r>
             <a:r>
-              <a:rPr lang="fr-FR" sz="1100" dirty="0">
-                <a:highlight>
-                  <a:srgbClr val="FFFFFF"/>
-                </a:highlight>
+              <a:rPr lang="fr-FR" sz="1400" dirty="0">
                 <a:latin typeface="Courier New"/>
                 <a:ea typeface="Courier New"/>
                 <a:cs typeface="Courier New"/>
@@ -19183,10 +21029,7 @@
               <a:t>: </a:t>
             </a:r>
             <a:r>
-              <a:rPr lang="fr-FR" sz="1100" dirty="0" err="1">
-                <a:highlight>
-                  <a:srgbClr val="FFFFFF"/>
-                </a:highlight>
+              <a:rPr lang="fr-FR" sz="1400" dirty="0" err="1">
                 <a:latin typeface="Courier New"/>
                 <a:ea typeface="Courier New"/>
                 <a:cs typeface="Courier New"/>
@@ -19194,10 +21037,7 @@
               </a:rPr>
               <a:t>object</a:t>
             </a:r>
-            <a:endParaRPr sz="1100" dirty="0">
-              <a:highlight>
-                <a:srgbClr val="FFFFFF"/>
-              </a:highlight>
+            <a:endParaRPr lang="fr-FR" sz="1400" dirty="0">
               <a:latin typeface="Courier New"/>
               <a:ea typeface="Courier New"/>
               <a:cs typeface="Courier New"/>
@@ -19205,24 +21045,18 @@
             </a:endParaRPr>
           </a:p>
           <a:p>
-            <a:pPr marL="0" lvl="0" indent="0" rtl="0">
+            <a:pPr marL="0" lvl="0" indent="0">
               <a:spcBef>
                 <a:spcPts val="0"/>
               </a:spcBef>
-              <a:spcAft>
-                <a:spcPts val="0"/>
-              </a:spcAft>
               <a:buNone/>
             </a:pPr>
             <a:r>
-              <a:rPr lang="fr-FR" sz="2000" dirty="0"/>
+              <a:rPr lang="fr-FR" dirty="0"/>
               <a:t>    </a:t>
             </a:r>
             <a:r>
-              <a:rPr lang="fr-FR" sz="1100" dirty="0">
-                <a:highlight>
-                  <a:srgbClr val="FFFFFF"/>
-                </a:highlight>
+              <a:rPr lang="fr-FR" sz="1400" dirty="0">
                 <a:latin typeface="Courier New"/>
                 <a:ea typeface="Courier New"/>
                 <a:cs typeface="Courier New"/>
@@ -19231,10 +21065,7 @@
               <a:t>u: (~</a:t>
             </a:r>
             <a:r>
-              <a:rPr lang="fr-FR" sz="1100" dirty="0" err="1">
-                <a:highlight>
-                  <a:srgbClr val="FFFFFF"/>
-                </a:highlight>
+              <a:rPr lang="fr-FR" sz="1400" dirty="0" err="1">
                 <a:latin typeface="Courier New"/>
                 <a:ea typeface="Courier New"/>
                 <a:cs typeface="Courier New"/>
@@ -19243,10 +21074,7 @@
               <a:t>what_is</a:t>
             </a:r>
             <a:r>
-              <a:rPr lang="fr-FR" sz="1100" dirty="0">
-                <a:highlight>
-                  <a:srgbClr val="FFFFFF"/>
-                </a:highlight>
+              <a:rPr lang="fr-FR" sz="1400" dirty="0">
                 <a:latin typeface="Courier New"/>
                 <a:ea typeface="Courier New"/>
                 <a:cs typeface="Courier New"/>
@@ -19255,10 +21083,7 @@
               <a:t> {the} </a:t>
             </a:r>
             <a:r>
-              <a:rPr lang="fr-FR" sz="1100" dirty="0" err="1">
-                <a:highlight>
-                  <a:srgbClr val="FFFFFF"/>
-                </a:highlight>
+              <a:rPr lang="fr-FR" sz="1400" dirty="0" err="1">
                 <a:latin typeface="Courier New"/>
                 <a:ea typeface="Courier New"/>
                 <a:cs typeface="Courier New"/>
@@ -19267,10 +21092,7 @@
               <a:t>color</a:t>
             </a:r>
             <a:r>
-              <a:rPr lang="fr-FR" sz="1100" dirty="0">
-                <a:highlight>
-                  <a:srgbClr val="FFFFFF"/>
-                </a:highlight>
+              <a:rPr lang="fr-FR" sz="1400" dirty="0">
                 <a:latin typeface="Courier New"/>
                 <a:ea typeface="Courier New"/>
                 <a:cs typeface="Courier New"/>
@@ -19279,10 +21101,7 @@
               <a:t> {of} {the} _~</a:t>
             </a:r>
             <a:r>
-              <a:rPr lang="fr-FR" sz="1100" dirty="0" err="1">
-                <a:highlight>
-                  <a:srgbClr val="FFFFFF"/>
-                </a:highlight>
+              <a:rPr lang="fr-FR" sz="1400" dirty="0" err="1">
                 <a:latin typeface="Courier New"/>
                 <a:ea typeface="Courier New"/>
                 <a:cs typeface="Courier New"/>
@@ -19291,10 +21110,7 @@
               <a:t>object</a:t>
             </a:r>
             <a:r>
-              <a:rPr lang="fr-FR" sz="1100" dirty="0">
-                <a:highlight>
-                  <a:srgbClr val="FFFFFF"/>
-                </a:highlight>
+              <a:rPr lang="fr-FR" sz="1400" dirty="0">
                 <a:latin typeface="Courier New"/>
                 <a:ea typeface="Courier New"/>
                 <a:cs typeface="Courier New"/>
@@ -19302,56 +21118,39 @@
               </a:rPr>
               <a:t>)</a:t>
             </a:r>
-            <a:endParaRPr sz="2000" dirty="0"/>
-          </a:p>
-          <a:p>
-            <a:pPr marL="0" lvl="0" indent="0" rtl="0">
+            <a:endParaRPr lang="fr-FR" dirty="0"/>
+          </a:p>
+          <a:p>
+            <a:pPr marL="0" lvl="0" indent="0">
               <a:spcBef>
                 <a:spcPts val="0"/>
               </a:spcBef>
-              <a:spcAft>
-                <a:spcPts val="0"/>
-              </a:spcAft>
               <a:buNone/>
             </a:pPr>
-            <a:endParaRPr sz="2000" dirty="0"/>
-          </a:p>
-          <a:p>
-            <a:pPr marL="228600" lvl="0" indent="-228600" rtl="0">
+            <a:endParaRPr lang="fr-FR" sz="2000" dirty="0"/>
+          </a:p>
+          <a:p>
+            <a:pPr lvl="0">
               <a:spcBef>
                 <a:spcPts val="0"/>
               </a:spcBef>
-              <a:spcAft>
-                <a:spcPts val="0"/>
-              </a:spcAft>
               <a:buSzPts val="2000"/>
-              <a:buChar char="•"/>
             </a:pPr>
             <a:r>
               <a:rPr lang="fr-FR" sz="2000" dirty="0"/>
               <a:t>Initialisation dans le fichier python</a:t>
             </a:r>
-            <a:endParaRPr sz="2000" dirty="0"/>
-          </a:p>
-          <a:p>
-            <a:pPr marL="0" lvl="0" indent="0" rtl="0">
-              <a:spcBef>
-                <a:spcPts val="1000"/>
-              </a:spcBef>
-              <a:spcAft>
-                <a:spcPts val="0"/>
-              </a:spcAft>
+          </a:p>
+          <a:p>
+            <a:pPr marL="0" lvl="0" indent="0">
               <a:buNone/>
             </a:pPr>
             <a:r>
-              <a:rPr lang="fr-FR" sz="2000" dirty="0"/>
+              <a:rPr lang="fr-FR" dirty="0"/>
               <a:t>   </a:t>
             </a:r>
             <a:r>
-              <a:rPr lang="fr-FR" sz="1100" dirty="0" err="1">
-                <a:highlight>
-                  <a:srgbClr val="FFFFFF"/>
-                </a:highlight>
+              <a:rPr lang="fr-FR" sz="1400" dirty="0" err="1">
                 <a:latin typeface="Courier New"/>
                 <a:ea typeface="Courier New"/>
                 <a:cs typeface="Courier New"/>
@@ -19360,10 +21159,7 @@
               <a:t>ALDialog.setConcept</a:t>
             </a:r>
             <a:r>
-              <a:rPr lang="fr-FR" sz="1100" dirty="0">
-                <a:highlight>
-                  <a:srgbClr val="FFFFFF"/>
-                </a:highlight>
+              <a:rPr lang="fr-FR" sz="1400" dirty="0">
                 <a:latin typeface="Courier New"/>
                 <a:ea typeface="Courier New"/>
                 <a:cs typeface="Courier New"/>
@@ -19372,13 +21168,10 @@
               <a:t>(</a:t>
             </a:r>
             <a:r>
-              <a:rPr lang="fr-FR" sz="1100" b="1" dirty="0">
+              <a:rPr lang="fr-FR" sz="1400" b="1" dirty="0">
                 <a:solidFill>
                   <a:srgbClr val="008000"/>
                 </a:solidFill>
-                <a:highlight>
-                  <a:srgbClr val="FFFFFF"/>
-                </a:highlight>
                 <a:latin typeface="Courier New"/>
                 <a:ea typeface="Courier New"/>
                 <a:cs typeface="Courier New"/>
@@ -19387,13 +21180,10 @@
               <a:t>"</a:t>
             </a:r>
             <a:r>
-              <a:rPr lang="fr-FR" sz="1100" b="1" dirty="0" err="1">
+              <a:rPr lang="fr-FR" sz="1400" b="1" dirty="0" err="1">
                 <a:solidFill>
                   <a:srgbClr val="008000"/>
                 </a:solidFill>
-                <a:highlight>
-                  <a:srgbClr val="FFFFFF"/>
-                </a:highlight>
                 <a:latin typeface="Courier New"/>
                 <a:ea typeface="Courier New"/>
                 <a:cs typeface="Courier New"/>
@@ -19402,13 +21192,10 @@
               <a:t>object</a:t>
             </a:r>
             <a:r>
-              <a:rPr lang="fr-FR" sz="1100" b="1" dirty="0">
+              <a:rPr lang="fr-FR" sz="1400" b="1" dirty="0">
                 <a:solidFill>
                   <a:srgbClr val="008000"/>
                 </a:solidFill>
-                <a:highlight>
-                  <a:srgbClr val="FFFFFF"/>
-                </a:highlight>
                 <a:latin typeface="Courier New"/>
                 <a:ea typeface="Courier New"/>
                 <a:cs typeface="Courier New"/>
@@ -19417,10 +21204,7 @@
               <a:t>"</a:t>
             </a:r>
             <a:r>
-              <a:rPr lang="fr-FR" sz="1100" dirty="0">
-                <a:highlight>
-                  <a:srgbClr val="FFFFFF"/>
-                </a:highlight>
+              <a:rPr lang="fr-FR" sz="1400" dirty="0">
                 <a:latin typeface="Courier New"/>
                 <a:ea typeface="Courier New"/>
                 <a:cs typeface="Courier New"/>
@@ -19429,13 +21213,10 @@
               <a:t>, </a:t>
             </a:r>
             <a:r>
-              <a:rPr lang="fr-FR" sz="1100" b="1" dirty="0">
+              <a:rPr lang="fr-FR" sz="1400" b="1" dirty="0">
                 <a:solidFill>
                   <a:srgbClr val="008000"/>
                 </a:solidFill>
-                <a:highlight>
-                  <a:srgbClr val="FFFFFF"/>
-                </a:highlight>
                 <a:latin typeface="Courier New"/>
                 <a:ea typeface="Courier New"/>
                 <a:cs typeface="Courier New"/>
@@ -19444,10 +21225,7 @@
               <a:t>"English"</a:t>
             </a:r>
             <a:r>
-              <a:rPr lang="fr-FR" sz="1100" dirty="0">
-                <a:highlight>
-                  <a:srgbClr val="FFFFFF"/>
-                </a:highlight>
+              <a:rPr lang="fr-FR" sz="1400" dirty="0">
                 <a:latin typeface="Courier New"/>
                 <a:ea typeface="Courier New"/>
                 <a:cs typeface="Courier New"/>
@@ -19456,10 +21234,7 @@
               <a:t>, </a:t>
             </a:r>
             <a:r>
-              <a:rPr lang="fr-FR" sz="1100" dirty="0" err="1">
-                <a:highlight>
-                  <a:srgbClr val="FFFFFF"/>
-                </a:highlight>
+              <a:rPr lang="fr-FR" sz="1400" dirty="0" err="1">
                 <a:latin typeface="Courier New"/>
                 <a:ea typeface="Courier New"/>
                 <a:cs typeface="Courier New"/>
@@ -19468,10 +21243,7 @@
               <a:t>objects</a:t>
             </a:r>
             <a:r>
-              <a:rPr lang="fr-FR" sz="1100" dirty="0">
-                <a:highlight>
-                  <a:srgbClr val="FFFFFF"/>
-                </a:highlight>
+              <a:rPr lang="fr-FR" sz="1400" dirty="0">
                 <a:latin typeface="Courier New"/>
                 <a:ea typeface="Courier New"/>
                 <a:cs typeface="Courier New"/>
@@ -19479,31 +21251,13 @@
               </a:rPr>
               <a:t>)</a:t>
             </a:r>
-            <a:endParaRPr sz="1100" dirty="0">
-              <a:highlight>
-                <a:srgbClr val="FFFFFF"/>
-              </a:highlight>
-              <a:latin typeface="Courier New"/>
-              <a:ea typeface="Courier New"/>
-              <a:cs typeface="Courier New"/>
-              <a:sym typeface="Courier New"/>
-            </a:endParaRPr>
-          </a:p>
-          <a:p>
-            <a:pPr marL="0" lvl="0" indent="0" rtl="0">
-              <a:spcBef>
-                <a:spcPts val="1000"/>
-              </a:spcBef>
-              <a:spcAft>
-                <a:spcPts val="0"/>
-              </a:spcAft>
+          </a:p>
+          <a:p>
+            <a:pPr marL="0" lvl="0" indent="0">
               <a:buNone/>
             </a:pPr>
             <a:r>
-              <a:rPr lang="fr-FR" sz="1100" dirty="0">
-                <a:highlight>
-                  <a:srgbClr val="FFFFFF"/>
-                </a:highlight>
+              <a:rPr lang="fr-FR" sz="1400" dirty="0">
                 <a:latin typeface="Courier New"/>
                 <a:ea typeface="Courier New"/>
                 <a:cs typeface="Courier New"/>
@@ -19512,10 +21266,7 @@
               <a:t>  </a:t>
             </a:r>
             <a:r>
-              <a:rPr lang="fr-FR" sz="1100" dirty="0" err="1">
-                <a:highlight>
-                  <a:srgbClr val="FFFFFF"/>
-                </a:highlight>
+              <a:rPr lang="fr-FR" sz="1400" dirty="0" err="1">
                 <a:latin typeface="Courier New"/>
                 <a:ea typeface="Courier New"/>
                 <a:cs typeface="Courier New"/>
@@ -19524,10 +21275,7 @@
               <a:t>ALDialog.addToConcept</a:t>
             </a:r>
             <a:r>
-              <a:rPr lang="fr-FR" sz="1100" dirty="0">
-                <a:highlight>
-                  <a:srgbClr val="FFFFFF"/>
-                </a:highlight>
+              <a:rPr lang="fr-FR" sz="1400" dirty="0">
                 <a:latin typeface="Courier New"/>
                 <a:ea typeface="Courier New"/>
                 <a:cs typeface="Courier New"/>
@@ -19536,13 +21284,10 @@
               <a:t>(</a:t>
             </a:r>
             <a:r>
-              <a:rPr lang="fr-FR" sz="1100" b="1" dirty="0">
+              <a:rPr lang="fr-FR" sz="1400" b="1" dirty="0">
                 <a:solidFill>
                   <a:srgbClr val="008000"/>
                 </a:solidFill>
-                <a:highlight>
-                  <a:srgbClr val="FFFFFF"/>
-                </a:highlight>
                 <a:latin typeface="Courier New"/>
                 <a:ea typeface="Courier New"/>
                 <a:cs typeface="Courier New"/>
@@ -19551,13 +21296,10 @@
               <a:t>"</a:t>
             </a:r>
             <a:r>
-              <a:rPr lang="fr-FR" sz="1100" b="1" dirty="0" err="1">
+              <a:rPr lang="fr-FR" sz="1400" b="1" dirty="0" err="1">
                 <a:solidFill>
                   <a:srgbClr val="008000"/>
                 </a:solidFill>
-                <a:highlight>
-                  <a:srgbClr val="FFFFFF"/>
-                </a:highlight>
                 <a:latin typeface="Courier New"/>
                 <a:ea typeface="Courier New"/>
                 <a:cs typeface="Courier New"/>
@@ -19566,13 +21308,10 @@
               <a:t>object</a:t>
             </a:r>
             <a:r>
-              <a:rPr lang="fr-FR" sz="1100" b="1" dirty="0">
+              <a:rPr lang="fr-FR" sz="1400" b="1" dirty="0">
                 <a:solidFill>
                   <a:srgbClr val="008000"/>
                 </a:solidFill>
-                <a:highlight>
-                  <a:srgbClr val="FFFFFF"/>
-                </a:highlight>
                 <a:latin typeface="Courier New"/>
                 <a:ea typeface="Courier New"/>
                 <a:cs typeface="Courier New"/>
@@ -19581,25 +21320,19 @@
               <a:t>"</a:t>
             </a:r>
             <a:r>
-              <a:rPr lang="fr-FR" sz="1100" dirty="0">
-                <a:highlight>
-                  <a:srgbClr val="FFFFFF"/>
-                </a:highlight>
+              <a:rPr lang="fr-FR" sz="1400" dirty="0">
                 <a:latin typeface="Courier New"/>
                 <a:ea typeface="Courier New"/>
                 <a:cs typeface="Courier New"/>
                 <a:sym typeface="Courier New"/>
               </a:rPr>
-              <a:t>, </a:t>
-            </a:r>
-            <a:r>
-              <a:rPr lang="fr-FR" sz="1100" b="1" dirty="0">
+              <a:t>,           				</a:t>
+            </a:r>
+            <a:r>
+              <a:rPr lang="fr-FR" sz="1400" b="1" dirty="0">
                 <a:solidFill>
                   <a:srgbClr val="008000"/>
                 </a:solidFill>
-                <a:highlight>
-                  <a:srgbClr val="FFFFFF"/>
-                </a:highlight>
                 <a:latin typeface="Courier New"/>
                 <a:ea typeface="Courier New"/>
                 <a:cs typeface="Courier New"/>
@@ -19608,10 +21341,7 @@
               <a:t>"English"</a:t>
             </a:r>
             <a:r>
-              <a:rPr lang="fr-FR" sz="1100" dirty="0">
-                <a:highlight>
-                  <a:srgbClr val="FFFFFF"/>
-                </a:highlight>
+              <a:rPr lang="fr-FR" sz="1400" dirty="0">
                 <a:latin typeface="Courier New"/>
                 <a:ea typeface="Courier New"/>
                 <a:cs typeface="Courier New"/>
@@ -19620,13 +21350,10 @@
               <a:t>,</a:t>
             </a:r>
             <a:r>
-              <a:rPr lang="fr-FR" sz="1100" b="1" dirty="0">
+              <a:rPr lang="fr-FR" sz="1400" b="1" dirty="0">
                 <a:solidFill>
                   <a:srgbClr val="008000"/>
                 </a:solidFill>
-                <a:highlight>
-                  <a:srgbClr val="FFFFFF"/>
-                </a:highlight>
                 <a:latin typeface="Courier New"/>
                 <a:ea typeface="Courier New"/>
                 <a:cs typeface="Courier New"/>
@@ -19635,13 +21362,10 @@
               <a:t>"</a:t>
             </a:r>
             <a:r>
-              <a:rPr lang="fr-FR" sz="1100" b="1" dirty="0" err="1">
+              <a:rPr lang="fr-FR" sz="1400" b="1" dirty="0" err="1">
                 <a:solidFill>
                   <a:srgbClr val="008000"/>
                 </a:solidFill>
-                <a:highlight>
-                  <a:srgbClr val="FFFFFF"/>
-                </a:highlight>
                 <a:latin typeface="Courier New"/>
                 <a:ea typeface="Courier New"/>
                 <a:cs typeface="Courier New"/>
@@ -19650,13 +21374,10 @@
               <a:t>newObject</a:t>
             </a:r>
             <a:r>
-              <a:rPr lang="fr-FR" sz="1100" b="1" dirty="0">
+              <a:rPr lang="fr-FR" sz="1400" b="1" dirty="0">
                 <a:solidFill>
                   <a:srgbClr val="008000"/>
                 </a:solidFill>
-                <a:highlight>
-                  <a:srgbClr val="FFFFFF"/>
-                </a:highlight>
                 <a:latin typeface="Courier New"/>
                 <a:ea typeface="Courier New"/>
                 <a:cs typeface="Courier New"/>
@@ -19665,10 +21386,7 @@
               <a:t>"</a:t>
             </a:r>
             <a:r>
-              <a:rPr lang="fr-FR" sz="1100" dirty="0">
-                <a:highlight>
-                  <a:srgbClr val="FFFFFF"/>
-                </a:highlight>
+              <a:rPr lang="fr-FR" sz="1400" dirty="0">
                 <a:latin typeface="Courier New"/>
                 <a:ea typeface="Courier New"/>
                 <a:cs typeface="Courier New"/>
@@ -19676,77 +21394,18 @@
               </a:rPr>
               <a:t>)</a:t>
             </a:r>
-            <a:endParaRPr sz="1100" dirty="0">
-              <a:highlight>
-                <a:srgbClr val="FFFFFF"/>
-              </a:highlight>
-              <a:latin typeface="Courier New"/>
-              <a:ea typeface="Courier New"/>
-              <a:cs typeface="Courier New"/>
-              <a:sym typeface="Courier New"/>
-            </a:endParaRPr>
-          </a:p>
-          <a:p>
-            <a:pPr marL="0" lvl="0" indent="0" rtl="0">
-              <a:spcBef>
-                <a:spcPts val="1000"/>
-              </a:spcBef>
-              <a:spcAft>
-                <a:spcPts val="0"/>
-              </a:spcAft>
-              <a:buNone/>
-            </a:pPr>
-            <a:endParaRPr sz="2000" dirty="0"/>
-          </a:p>
-          <a:p>
-            <a:pPr marL="685800" lvl="0" indent="-101600" rtl="0">
-              <a:spcBef>
-                <a:spcPts val="1000"/>
-              </a:spcBef>
-              <a:spcAft>
-                <a:spcPts val="0"/>
-              </a:spcAft>
-              <a:buNone/>
-            </a:pPr>
-            <a:endParaRPr sz="2000" dirty="0"/>
-          </a:p>
-          <a:p>
-            <a:pPr marL="0" lvl="0" indent="0" rtl="0">
-              <a:spcBef>
-                <a:spcPts val="1000"/>
-              </a:spcBef>
-              <a:spcAft>
-                <a:spcPts val="0"/>
-              </a:spcAft>
-              <a:buNone/>
-            </a:pPr>
-            <a:endParaRPr sz="2000" dirty="0"/>
-          </a:p>
-          <a:p>
-            <a:pPr marL="0" lvl="0" indent="0" rtl="0">
-              <a:spcBef>
-                <a:spcPts val="1000"/>
-              </a:spcBef>
-              <a:spcAft>
-                <a:spcPts val="0"/>
-              </a:spcAft>
-              <a:buClr>
-                <a:schemeClr val="dk1"/>
-              </a:buClr>
-              <a:buSzPts val="1100"/>
-              <a:buFont typeface="Arial"/>
-              <a:buNone/>
-            </a:pPr>
-            <a:endParaRPr sz="2400" b="1" dirty="0"/>
+          </a:p>
+          <a:p>
+            <a:endParaRPr lang="fr-FR" dirty="0"/>
           </a:p>
         </p:txBody>
       </p:sp>
       <p:sp>
         <p:nvSpPr>
-          <p:cNvPr id="2" name="Espace réservé du numéro de diapositive 1">
+          <p:cNvPr id="7" name="Espace réservé du numéro de diapositive 6">
             <a:extLst>
               <a:ext uri="{FF2B5EF4-FFF2-40B4-BE49-F238E27FC236}">
-                <a16:creationId xmlns:a16="http://schemas.microsoft.com/office/drawing/2014/main" id="{32D30AC7-74D7-475D-92E9-2A6EA5CEC6ED}"/>
+                <a16:creationId xmlns:a16="http://schemas.microsoft.com/office/drawing/2014/main" id="{09358E46-D4B5-43B2-80EE-F1343AB9057E}"/>
               </a:ext>
             </a:extLst>
           </p:cNvPr>
@@ -19781,7 +21440,7 @@
     </p:spTree>
     <p:extLst>
       <p:ext uri="{BB962C8B-B14F-4D97-AF65-F5344CB8AC3E}">
-        <p14:creationId xmlns:p14="http://schemas.microsoft.com/office/powerpoint/2010/main" val="1187270480"/>
+        <p14:creationId xmlns:p14="http://schemas.microsoft.com/office/powerpoint/2010/main" val="2917845017"/>
       </p:ext>
     </p:extLst>
   </p:cSld>
@@ -19833,25 +21492,28 @@
           </a:bodyPr>
           <a:lstStyle/>
           <a:p>
-            <a:pPr marL="0" lvl="0" indent="0">
+            <a:pPr lvl="0">
               <a:spcBef>
                 <a:spcPts val="0"/>
               </a:spcBef>
-              <a:spcAft>
-                <a:spcPts val="0"/>
-              </a:spcAft>
               <a:buClr>
                 <a:schemeClr val="dk1"/>
               </a:buClr>
               <a:buSzPts val="4400"/>
-              <a:buFont typeface="Calibri"/>
-              <a:buNone/>
             </a:pPr>
             <a:r>
-              <a:rPr lang="fr-FR"/>
-              <a:t>Approche dynamique</a:t>
-            </a:r>
-            <a:endParaRPr/>
+              <a:rPr lang="fr-FR" dirty="0"/>
+              <a:t>2</a:t>
+            </a:r>
+            <a:r>
+              <a:rPr lang="fr-FR" baseline="30000" dirty="0"/>
+              <a:t>ème</a:t>
+            </a:r>
+            <a:r>
+              <a:rPr lang="fr-FR" dirty="0"/>
+              <a:t> approche : dynamique</a:t>
+            </a:r>
+            <a:endParaRPr dirty="0"/>
           </a:p>
         </p:txBody>
       </p:sp>
@@ -19890,10 +21552,10 @@
               <a:buNone/>
             </a:pPr>
             <a:r>
-              <a:rPr lang="fr-FR"/>
+              <a:rPr lang="fr-FR" dirty="0" err="1"/>
               <a:t>ALKnowledge</a:t>
             </a:r>
-            <a:endParaRPr/>
+            <a:endParaRPr dirty="0"/>
           </a:p>
         </p:txBody>
       </p:sp>
@@ -20876,36 +22538,28 @@
           </a:bodyPr>
           <a:lstStyle/>
           <a:p>
-            <a:pPr marL="0" marR="0" lvl="0" indent="0" algn="l" rtl="0">
-              <a:lnSpc>
-                <a:spcPct val="90000"/>
-              </a:lnSpc>
+            <a:pPr lvl="0">
               <a:spcBef>
                 <a:spcPts val="0"/>
               </a:spcBef>
-              <a:spcAft>
-                <a:spcPts val="0"/>
-              </a:spcAft>
               <a:buClr>
                 <a:schemeClr val="dk1"/>
               </a:buClr>
               <a:buSzPts val="4400"/>
-              <a:buFont typeface="Calibri"/>
-              <a:buNone/>
             </a:pPr>
             <a:r>
-              <a:rPr lang="fr-FR" sz="4400" b="0" i="0" u="none" strike="noStrike" cap="none">
-                <a:solidFill>
-                  <a:schemeClr val="dk1"/>
-                </a:solidFill>
-                <a:latin typeface="Calibri"/>
-                <a:ea typeface="Calibri"/>
-                <a:cs typeface="Calibri"/>
-                <a:sym typeface="Calibri"/>
-              </a:rPr>
-              <a:t>Approche dynamique</a:t>
-            </a:r>
-            <a:endParaRPr/>
+              <a:rPr lang="fr-FR" dirty="0"/>
+              <a:t>2</a:t>
+            </a:r>
+            <a:r>
+              <a:rPr lang="fr-FR" baseline="30000" dirty="0"/>
+              <a:t>ème</a:t>
+            </a:r>
+            <a:r>
+              <a:rPr lang="fr-FR" dirty="0"/>
+              <a:t> approche : dynamique</a:t>
+            </a:r>
+            <a:endParaRPr dirty="0"/>
           </a:p>
         </p:txBody>
       </p:sp>
@@ -21273,36 +22927,28 @@
           </a:bodyPr>
           <a:lstStyle/>
           <a:p>
-            <a:pPr marL="0" marR="0" lvl="0" indent="0" algn="l" rtl="0">
-              <a:lnSpc>
-                <a:spcPct val="90000"/>
-              </a:lnSpc>
+            <a:pPr>
               <a:spcBef>
                 <a:spcPts val="0"/>
               </a:spcBef>
-              <a:spcAft>
-                <a:spcPts val="0"/>
-              </a:spcAft>
               <a:buClr>
                 <a:schemeClr val="dk1"/>
               </a:buClr>
               <a:buSzPts val="4400"/>
-              <a:buFont typeface="Calibri"/>
-              <a:buNone/>
             </a:pPr>
             <a:r>
-              <a:rPr lang="fr-FR" sz="4400" b="0" i="0" u="none" strike="noStrike" cap="none">
-                <a:solidFill>
-                  <a:schemeClr val="dk1"/>
-                </a:solidFill>
-                <a:latin typeface="Calibri"/>
-                <a:ea typeface="Calibri"/>
-                <a:cs typeface="Calibri"/>
-                <a:sym typeface="Calibri"/>
-              </a:rPr>
-              <a:t>Approche dynamique</a:t>
-            </a:r>
-            <a:endParaRPr/>
+              <a:rPr lang="fr-FR" dirty="0"/>
+              <a:t>2</a:t>
+            </a:r>
+            <a:r>
+              <a:rPr lang="fr-FR" baseline="30000" dirty="0"/>
+              <a:t>ème</a:t>
+            </a:r>
+            <a:r>
+              <a:rPr lang="fr-FR" dirty="0"/>
+              <a:t> approche : dynamique</a:t>
+            </a:r>
+            <a:endParaRPr dirty="0"/>
           </a:p>
         </p:txBody>
       </p:sp>
@@ -21613,7 +23259,7 @@
           <p:nvPr>
             <p:extLst>
               <p:ext uri="{D42A27DB-BD31-4B8C-83A1-F6EECF244321}">
-                <p14:modId xmlns:p14="http://schemas.microsoft.com/office/powerpoint/2010/main" val="2102946037"/>
+                <p14:modId xmlns:p14="http://schemas.microsoft.com/office/powerpoint/2010/main" val="4070921836"/>
               </p:ext>
             </p:extLst>
           </p:nvPr>
@@ -21729,7 +23375,7 @@
           </a:bodyPr>
           <a:lstStyle/>
           <a:p>
-            <a:pPr marL="0" marR="0" lvl="0" indent="0" algn="ctr" rtl="0">
+            <a:pPr marL="0" marR="0" lvl="0" indent="0" rtl="0">
               <a:lnSpc>
                 <a:spcPct val="90000"/>
               </a:lnSpc>
@@ -21747,16 +23393,10 @@
               <a:buNone/>
             </a:pPr>
             <a:r>
-              <a:rPr lang="fr-FR" sz="4400" b="0" i="0" u="none" strike="noStrike" cap="none" dirty="0">
-                <a:solidFill>
-                  <a:schemeClr val="dk1"/>
-                </a:solidFill>
-                <a:latin typeface="Calibri"/>
-                <a:ea typeface="Calibri"/>
-                <a:cs typeface="Calibri"/>
+              <a:rPr lang="fr-FR" dirty="0">
                 <a:sym typeface="Calibri"/>
               </a:rPr>
-              <a:t>Récupération de la réponse à partir question posée</a:t>
+              <a:t>Récupération de la réponse à partir d’une question</a:t>
             </a:r>
             <a:endParaRPr dirty="0"/>
           </a:p>
@@ -21807,7 +23447,7 @@
             </a:pPr>
             <a:r>
               <a:rPr lang="fr-FR" dirty="0"/>
-              <a:t>Unique fonction pour interpréter et répondre</a:t>
+              <a:t>Création d’une seule fonction pour interpréter et répondre</a:t>
             </a:r>
             <a:endParaRPr sz="2400" b="1" i="0" u="none" strike="noStrike" cap="none" dirty="0">
               <a:solidFill>
@@ -21915,26 +23555,21 @@
               <a:rPr lang="fr-FR" sz="2000" dirty="0"/>
               <a:t>Entrée : une question</a:t>
             </a:r>
-            <a:endParaRPr sz="2000" dirty="0"/>
-          </a:p>
-          <a:p>
-            <a:pPr marL="0" lvl="0" indent="0" rtl="0">
+          </a:p>
+          <a:p>
+            <a:pPr marL="228600" lvl="0" indent="-228600" rtl="0">
               <a:spcBef>
                 <a:spcPts val="1000"/>
               </a:spcBef>
               <a:spcAft>
                 <a:spcPts val="0"/>
               </a:spcAft>
-              <a:buClr>
-                <a:schemeClr val="dk1"/>
-              </a:buClr>
-              <a:buSzPts val="1100"/>
-              <a:buFont typeface="Arial"/>
-              <a:buNone/>
+              <a:buSzPts val="2800"/>
+              <a:buChar char="•"/>
             </a:pPr>
             <a:r>
               <a:rPr lang="fr-FR" sz="2000" dirty="0"/>
-              <a:t>    Sortie : une réponse</a:t>
+              <a:t> Sortie : une réponse</a:t>
             </a:r>
             <a:endParaRPr sz="2000" dirty="0"/>
           </a:p>
@@ -22171,8 +23806,8 @@
         </p:blipFill>
         <p:spPr>
           <a:xfrm>
-            <a:off x="4573904" y="1543764"/>
-            <a:ext cx="6389371" cy="4723685"/>
+            <a:off x="3733800" y="1282701"/>
+            <a:ext cx="7493000" cy="4648200"/>
           </a:xfrm>
           <a:prstGeom prst="rect">
             <a:avLst/>
@@ -22616,7 +24251,15 @@
             </a:pPr>
             <a:r>
               <a:rPr lang="fr-FR" dirty="0"/>
-              <a:t>Approche par mots clefs</a:t>
+              <a:t>1</a:t>
+            </a:r>
+            <a:r>
+              <a:rPr lang="fr-FR" baseline="30000" dirty="0"/>
+              <a:t>ère</a:t>
+            </a:r>
+            <a:r>
+              <a:rPr lang="fr-FR" dirty="0"/>
+              <a:t> approche : mots clefs</a:t>
             </a:r>
           </a:p>
           <a:p>
@@ -22626,7 +24269,15 @@
             </a:pPr>
             <a:r>
               <a:rPr lang="fr-FR" dirty="0"/>
-              <a:t>Approche dynamique</a:t>
+              <a:t>2</a:t>
+            </a:r>
+            <a:r>
+              <a:rPr lang="fr-FR" baseline="30000" dirty="0"/>
+              <a:t>ème</a:t>
+            </a:r>
+            <a:r>
+              <a:rPr lang="fr-FR" dirty="0"/>
+              <a:t> approche : dynamique</a:t>
             </a:r>
           </a:p>
           <a:p>
@@ -22636,7 +24287,7 @@
             </a:pPr>
             <a:r>
               <a:rPr lang="fr-FR" dirty="0"/>
-              <a:t>Récupération de la réponse à partir question posée</a:t>
+              <a:t>Récupération de la réponse à partir d’une question </a:t>
             </a:r>
           </a:p>
           <a:p>
@@ -22838,7 +24489,7 @@
           <a:p>
             <a:r>
               <a:rPr lang="fr-FR" sz="2400" dirty="0"/>
-              <a:t>Chargement d’un fichier .top de test généré par une des deux approches (mots clefs ou dynamique)</a:t>
+              <a:t>Chargement d’un topic (.top) de test généré par une des deux approches (mots clefs ou dynamique)</a:t>
             </a:r>
           </a:p>
           <a:p>
@@ -22967,7 +24618,7 @@
           <a:p>
             <a:r>
               <a:rPr lang="fr-FR" dirty="0"/>
-              <a:t>Phase de Test – Algorithme </a:t>
+              <a:t>Phase de test – Algorithme </a:t>
             </a:r>
           </a:p>
         </p:txBody>
@@ -23361,11 +25012,7 @@
             </a:pPr>
             <a:r>
               <a:rPr lang="fr-FR" sz="2000" dirty="0"/>
-              <a:t>Travail sur les concept </a:t>
-            </a:r>
-            <a:r>
-              <a:rPr lang="fr-FR" sz="2000" dirty="0" err="1"/>
-              <a:t>dynamic</a:t>
+              <a:t>Travail sur les concept dynamiques</a:t>
             </a:r>
             <a:endParaRPr sz="2000" dirty="0"/>
           </a:p>
@@ -23539,14 +25186,14 @@
           <p:nvPr>
             <p:extLst>
               <p:ext uri="{D42A27DB-BD31-4B8C-83A1-F6EECF244321}">
-                <p14:modId xmlns:p14="http://schemas.microsoft.com/office/powerpoint/2010/main" val="1521476466"/>
+                <p14:modId xmlns:p14="http://schemas.microsoft.com/office/powerpoint/2010/main" val="2111993788"/>
               </p:ext>
             </p:extLst>
           </p:nvPr>
         </p:nvGraphicFramePr>
         <p:xfrm>
-          <a:off x="3860919" y="1574499"/>
-          <a:ext cx="6502400" cy="4055798"/>
+          <a:off x="3924419" y="1913922"/>
+          <a:ext cx="6934082" cy="4918377"/>
         </p:xfrm>
         <a:graphic>
           <a:graphicData uri="http://schemas.openxmlformats.org/drawingml/2006/chart">
@@ -23718,7 +25365,7 @@
           <a:p>
             <a:r>
               <a:rPr lang="fr-FR" sz="2000" dirty="0"/>
-              <a:t>Exploration de l’ensembles des questions possibles</a:t>
+              <a:t>Exploration de l’ensemble des questions possibles</a:t>
             </a:r>
           </a:p>
           <a:p>
@@ -23793,13 +25440,13 @@
             <p:ph sz="quarter" idx="4"/>
             <p:extLst>
               <p:ext uri="{D42A27DB-BD31-4B8C-83A1-F6EECF244321}">
-                <p14:modId xmlns:p14="http://schemas.microsoft.com/office/powerpoint/2010/main" val="3406832117"/>
+                <p14:modId xmlns:p14="http://schemas.microsoft.com/office/powerpoint/2010/main" val="322750846"/>
               </p:ext>
             </p:extLst>
           </p:nvPr>
         </p:nvGraphicFramePr>
         <p:xfrm>
-          <a:off x="3571281" y="2325035"/>
+          <a:off x="3835519" y="2210735"/>
           <a:ext cx="5049438" cy="3883349"/>
         </p:xfrm>
         <a:graphic>
@@ -24058,14 +25705,14 @@
             <p:ph sz="quarter" idx="4"/>
             <p:extLst>
               <p:ext uri="{D42A27DB-BD31-4B8C-83A1-F6EECF244321}">
-                <p14:modId xmlns:p14="http://schemas.microsoft.com/office/powerpoint/2010/main" val="501633345"/>
+                <p14:modId xmlns:p14="http://schemas.microsoft.com/office/powerpoint/2010/main" val="3272066443"/>
               </p:ext>
             </p:extLst>
           </p:nvPr>
         </p:nvGraphicFramePr>
         <p:xfrm>
-          <a:off x="3924418" y="2432370"/>
-          <a:ext cx="4472822" cy="3907470"/>
+          <a:off x="3784718" y="2391410"/>
+          <a:ext cx="5460882" cy="3964940"/>
         </p:xfrm>
         <a:graphic>
           <a:graphicData uri="http://schemas.openxmlformats.org/drawingml/2006/chart">
@@ -24219,88 +25866,88 @@
         </p:nvSpPr>
         <p:spPr>
           <a:xfrm>
-            <a:off x="293251" y="2107242"/>
+            <a:off x="395608" y="2079460"/>
             <a:ext cx="3631168" cy="3684588"/>
           </a:xfrm>
         </p:spPr>
         <p:txBody>
           <a:bodyPr>
-            <a:normAutofit fontScale="85000" lnSpcReduction="10000"/>
+            <a:normAutofit fontScale="92500"/>
           </a:bodyPr>
           <a:lstStyle/>
           <a:p>
-            <a:pPr marL="635000" indent="-457200">
-              <a:spcBef>
-                <a:spcPts val="0"/>
-              </a:spcBef>
+            <a:pPr>
+              <a:lnSpc>
+                <a:spcPct val="100000"/>
+              </a:lnSpc>
               <a:buClr>
                 <a:schemeClr val="dk1"/>
               </a:buClr>
               <a:buSzPts val="2800"/>
             </a:pPr>
             <a:r>
-              <a:rPr lang="fr-FR" dirty="0"/>
-              <a:t>Prise en main de l’environnement 20%</a:t>
-            </a:r>
-          </a:p>
-          <a:p>
-            <a:pPr marL="635000" indent="-457200">
-              <a:spcBef>
-                <a:spcPts val="0"/>
-              </a:spcBef>
+              <a:rPr lang="fr-FR" sz="2400" dirty="0"/>
+              <a:t>Prise en main de l’environnement</a:t>
+            </a:r>
+          </a:p>
+          <a:p>
+            <a:pPr>
+              <a:lnSpc>
+                <a:spcPct val="100000"/>
+              </a:lnSpc>
               <a:buClr>
                 <a:schemeClr val="dk1"/>
               </a:buClr>
               <a:buSzPts val="2800"/>
             </a:pPr>
             <a:r>
-              <a:rPr lang="fr-FR" dirty="0"/>
-              <a:t>Exploration du champ lexical -8%</a:t>
-            </a:r>
-          </a:p>
-          <a:p>
-            <a:pPr marL="635000" indent="-457200">
-              <a:spcBef>
-                <a:spcPts val="0"/>
-              </a:spcBef>
+              <a:rPr lang="fr-FR" sz="2400" dirty="0"/>
+              <a:t>Exploration du champ lexical</a:t>
+            </a:r>
+          </a:p>
+          <a:p>
+            <a:pPr>
+              <a:lnSpc>
+                <a:spcPct val="100000"/>
+              </a:lnSpc>
               <a:buClr>
                 <a:schemeClr val="dk1"/>
               </a:buClr>
               <a:buSzPts val="2800"/>
             </a:pPr>
             <a:r>
-              <a:rPr lang="fr-FR" dirty="0"/>
-              <a:t>Elaboration d’un script de réponse 56%</a:t>
-            </a:r>
-          </a:p>
-          <a:p>
-            <a:pPr marL="635000" indent="-457200">
-              <a:spcBef>
-                <a:spcPts val="0"/>
-              </a:spcBef>
+              <a:rPr lang="fr-FR" sz="2400" dirty="0"/>
+              <a:t>Elaboration d’un script de réponse</a:t>
+            </a:r>
+          </a:p>
+          <a:p>
+            <a:pPr>
+              <a:lnSpc>
+                <a:spcPct val="100000"/>
+              </a:lnSpc>
               <a:buClr>
                 <a:schemeClr val="dk1"/>
               </a:buClr>
               <a:buSzPts val="2800"/>
             </a:pPr>
             <a:r>
-              <a:rPr lang="fr-FR" dirty="0"/>
-              <a:t>script d’automatisation de création du fichier topic 8%</a:t>
-            </a:r>
-          </a:p>
-          <a:p>
-            <a:pPr marL="635000" indent="-457200">
-              <a:spcBef>
-                <a:spcPts val="0"/>
-              </a:spcBef>
+              <a:rPr lang="fr-FR" sz="2400" dirty="0"/>
+              <a:t>Script d’automatisation de création du fichier topic</a:t>
+            </a:r>
+          </a:p>
+          <a:p>
+            <a:pPr>
+              <a:lnSpc>
+                <a:spcPct val="100000"/>
+              </a:lnSpc>
               <a:buClr>
                 <a:schemeClr val="dk1"/>
               </a:buClr>
               <a:buSzPts val="2800"/>
             </a:pPr>
             <a:r>
-              <a:rPr lang="fr-FR" dirty="0"/>
-              <a:t>présentation 8%</a:t>
+              <a:rPr lang="fr-FR" sz="2400" dirty="0"/>
+              <a:t>Présentation</a:t>
             </a:r>
           </a:p>
           <a:p>
@@ -24357,18 +26004,18 @@
             <p:ph sz="quarter" idx="4"/>
             <p:extLst>
               <p:ext uri="{D42A27DB-BD31-4B8C-83A1-F6EECF244321}">
-                <p14:modId xmlns:p14="http://schemas.microsoft.com/office/powerpoint/2010/main" val="2873953647"/>
+                <p14:modId xmlns:p14="http://schemas.microsoft.com/office/powerpoint/2010/main" val="962306537"/>
               </p:ext>
             </p:extLst>
           </p:nvPr>
         </p:nvGraphicFramePr>
         <p:xfrm>
-          <a:off x="4026776" y="2107241"/>
+          <a:off x="3822307" y="2079460"/>
           <a:ext cx="4696462" cy="4197305"/>
         </p:xfrm>
         <a:graphic>
           <a:graphicData uri="http://schemas.openxmlformats.org/drawingml/2006/chart">
-            <c:chart xmlns:c="http://schemas.openxmlformats.org/drawingml/2006/chart" xmlns:r="http://schemas.openxmlformats.org/officeDocument/2006/relationships" r:id="rId2"/>
+            <c:chart xmlns:c="http://schemas.openxmlformats.org/drawingml/2006/chart" xmlns:r="http://schemas.openxmlformats.org/officeDocument/2006/relationships" r:id="rId3"/>
           </a:graphicData>
         </a:graphic>
       </p:graphicFrame>
@@ -24486,7 +26133,7 @@
               <a:buNone/>
             </a:pPr>
             <a:r>
-              <a:rPr lang="fr-FR" sz="4400" b="0" i="0" u="none" strike="noStrike" cap="none">
+              <a:rPr lang="fr-FR" sz="4400" b="0" i="0" u="none" strike="noStrike" cap="none" dirty="0">
                 <a:solidFill>
                   <a:schemeClr val="dk1"/>
                 </a:solidFill>
@@ -24497,7 +26144,7 @@
               </a:rPr>
               <a:t>Bilan personnel – Tristan PARISELLE</a:t>
             </a:r>
-            <a:endParaRPr/>
+            <a:endParaRPr dirty="0"/>
           </a:p>
         </p:txBody>
       </p:sp>
@@ -24575,8 +26222,8 @@
         </p:nvSpPr>
         <p:spPr>
           <a:xfrm>
-            <a:off x="293251" y="2107242"/>
-            <a:ext cx="3631168" cy="3684588"/>
+            <a:off x="293250" y="2107242"/>
+            <a:ext cx="3733525" cy="3861758"/>
           </a:xfrm>
           <a:prstGeom prst="rect">
             <a:avLst/>
@@ -24592,13 +26239,7 @@
           </a:bodyPr>
           <a:lstStyle/>
           <a:p>
-            <a:pPr marL="463550" marR="0" lvl="0" indent="-285750" algn="l" rtl="0">
-              <a:lnSpc>
-                <a:spcPct val="90000"/>
-              </a:lnSpc>
-              <a:spcBef>
-                <a:spcPts val="0"/>
-              </a:spcBef>
+            <a:pPr marR="0" lvl="0">
               <a:spcAft>
                 <a:spcPts val="0"/>
               </a:spcAft>
@@ -24614,13 +26255,7 @@
             <a:endParaRPr sz="2000" dirty="0"/>
           </a:p>
           <a:p>
-            <a:pPr marL="463550" marR="0" lvl="0" indent="-285750" algn="l" rtl="0">
-              <a:lnSpc>
-                <a:spcPct val="90000"/>
-              </a:lnSpc>
-              <a:spcBef>
-                <a:spcPts val="0"/>
-              </a:spcBef>
+            <a:pPr marR="0" lvl="0">
               <a:spcAft>
                 <a:spcPts val="0"/>
               </a:spcAft>
@@ -24636,13 +26271,7 @@
             <a:endParaRPr sz="2000" dirty="0"/>
           </a:p>
           <a:p>
-            <a:pPr marL="463550" marR="0" lvl="0" indent="-285750" algn="l" rtl="0">
-              <a:lnSpc>
-                <a:spcPct val="90000"/>
-              </a:lnSpc>
-              <a:spcBef>
-                <a:spcPts val="0"/>
-              </a:spcBef>
+            <a:pPr marR="0" lvl="0">
               <a:spcAft>
                 <a:spcPts val="0"/>
               </a:spcAft>
@@ -24658,13 +26287,7 @@
             <a:endParaRPr sz="2000" dirty="0"/>
           </a:p>
           <a:p>
-            <a:pPr marL="463550" marR="0" lvl="0" indent="-285750" algn="l" rtl="0">
-              <a:lnSpc>
-                <a:spcPct val="90000"/>
-              </a:lnSpc>
-              <a:spcBef>
-                <a:spcPts val="0"/>
-              </a:spcBef>
+            <a:pPr marR="0" lvl="0">
               <a:spcAft>
                 <a:spcPts val="0"/>
               </a:spcAft>
@@ -24684,13 +26307,7 @@
             <a:endParaRPr sz="2000" dirty="0"/>
           </a:p>
           <a:p>
-            <a:pPr marL="463550" marR="0" lvl="0" indent="-285750" algn="l" rtl="0">
-              <a:lnSpc>
-                <a:spcPct val="90000"/>
-              </a:lnSpc>
-              <a:spcBef>
-                <a:spcPts val="0"/>
-              </a:spcBef>
+            <a:pPr marR="0" lvl="0">
               <a:spcAft>
                 <a:spcPts val="0"/>
               </a:spcAft>
@@ -24701,18 +26318,11 @@
             </a:pPr>
             <a:r>
               <a:rPr lang="fr-FR" sz="2000" dirty="0"/>
-              <a:t>Conception des fonctions de traitement de réponse en python</a:t>
-            </a:r>
-            <a:endParaRPr sz="2000" dirty="0"/>
-          </a:p>
-          <a:p>
-            <a:pPr marL="463550" marR="0" lvl="0" indent="-285750" algn="l" rtl="0">
-              <a:lnSpc>
-                <a:spcPct val="90000"/>
-              </a:lnSpc>
-              <a:spcBef>
-                <a:spcPts val="0"/>
-              </a:spcBef>
+              <a:t>Conception des fonctions de traitement de réponse</a:t>
+            </a:r>
+          </a:p>
+          <a:p>
+            <a:pPr marR="0" lvl="0">
               <a:spcAft>
                 <a:spcPts val="0"/>
               </a:spcAft>
@@ -24723,28 +26333,8 @@
             </a:pPr>
             <a:r>
               <a:rPr lang="fr-FR" sz="2000" dirty="0"/>
-              <a:t>Formulation des questions dans le fichier topic</a:t>
-            </a:r>
-            <a:endParaRPr sz="2000" dirty="0"/>
-          </a:p>
-          <a:p>
-            <a:pPr marL="228600" marR="0" lvl="0" indent="-50800" algn="l" rtl="0">
-              <a:lnSpc>
-                <a:spcPct val="90000"/>
-              </a:lnSpc>
-              <a:spcBef>
-                <a:spcPts val="0"/>
-              </a:spcBef>
-              <a:spcAft>
-                <a:spcPts val="0"/>
-              </a:spcAft>
-              <a:buClr>
-                <a:schemeClr val="dk1"/>
-              </a:buClr>
-              <a:buSzPts val="2800"/>
-              <a:buFont typeface="Arial"/>
-              <a:buNone/>
-            </a:pPr>
+              <a:t>Formulation des questions</a:t>
+            </a:r>
             <a:endParaRPr dirty="0"/>
           </a:p>
           <a:p>
@@ -24864,7 +26454,7 @@
           <p:nvPr>
             <p:extLst>
               <p:ext uri="{D42A27DB-BD31-4B8C-83A1-F6EECF244321}">
-                <p14:modId xmlns:p14="http://schemas.microsoft.com/office/powerpoint/2010/main" val="2562105182"/>
+                <p14:modId xmlns:p14="http://schemas.microsoft.com/office/powerpoint/2010/main" val="2530314076"/>
               </p:ext>
             </p:extLst>
           </p:nvPr>
@@ -25132,18 +26722,18 @@
             <p:ph sz="quarter" idx="4"/>
             <p:extLst>
               <p:ext uri="{D42A27DB-BD31-4B8C-83A1-F6EECF244321}">
-                <p14:modId xmlns:p14="http://schemas.microsoft.com/office/powerpoint/2010/main" val="2108739031"/>
+                <p14:modId xmlns:p14="http://schemas.microsoft.com/office/powerpoint/2010/main" val="4215121777"/>
               </p:ext>
             </p:extLst>
           </p:nvPr>
         </p:nvGraphicFramePr>
         <p:xfrm>
-          <a:off x="3533503" y="2263393"/>
-          <a:ext cx="4137735" cy="3684587"/>
+          <a:off x="2413119" y="2295525"/>
+          <a:ext cx="6032381" cy="3684587"/>
         </p:xfrm>
         <a:graphic>
           <a:graphicData uri="http://schemas.openxmlformats.org/drawingml/2006/chart">
-            <c:chart xmlns:c="http://schemas.openxmlformats.org/drawingml/2006/chart" xmlns:r="http://schemas.openxmlformats.org/officeDocument/2006/relationships" r:id="rId2"/>
+            <c:chart xmlns:c="http://schemas.openxmlformats.org/drawingml/2006/chart" xmlns:r="http://schemas.openxmlformats.org/officeDocument/2006/relationships" r:id="rId3"/>
           </a:graphicData>
         </a:graphic>
       </p:graphicFrame>
@@ -25380,14 +26970,14 @@
             <p:ph sz="quarter" idx="4"/>
             <p:extLst>
               <p:ext uri="{D42A27DB-BD31-4B8C-83A1-F6EECF244321}">
-                <p14:modId xmlns:p14="http://schemas.microsoft.com/office/powerpoint/2010/main" val="2250247060"/>
+                <p14:modId xmlns:p14="http://schemas.microsoft.com/office/powerpoint/2010/main" val="2187251882"/>
               </p:ext>
             </p:extLst>
           </p:nvPr>
         </p:nvGraphicFramePr>
         <p:xfrm>
           <a:off x="3924419" y="2093119"/>
-          <a:ext cx="3981450" cy="3684587"/>
+          <a:ext cx="4240806" cy="3812381"/>
         </p:xfrm>
         <a:graphic>
           <a:graphicData uri="http://schemas.openxmlformats.org/drawingml/2006/chart">
@@ -25541,32 +27131,33 @@
         </p:nvSpPr>
         <p:spPr/>
         <p:txBody>
-          <a:bodyPr/>
+          <a:bodyPr>
+            <a:normAutofit/>
+          </a:bodyPr>
           <a:lstStyle/>
           <a:p>
             <a:r>
-              <a:rPr lang="fr-FR" dirty="0"/>
-              <a:t>Lundi : </a:t>
+              <a:rPr lang="fr-FR" sz="2400" dirty="0"/>
+              <a:t>Cohésion d’équipe</a:t>
             </a:r>
           </a:p>
           <a:p>
             <a:pPr lvl="1"/>
             <a:r>
-              <a:rPr lang="fr-FR" dirty="0"/>
-              <a:t>Compte rendu de la semaine passée</a:t>
-            </a:r>
-          </a:p>
-          <a:p>
-            <a:pPr lvl="1"/>
-            <a:r>
-              <a:rPr lang="fr-FR" dirty="0"/>
-              <a:t>Répartition des taches de la semaine à venir</a:t>
-            </a:r>
-          </a:p>
-          <a:p>
-            <a:r>
-              <a:rPr lang="fr-FR" dirty="0"/>
-              <a:t>Bonne entente et répartition des taches</a:t>
+              <a:rPr lang="fr-FR" sz="2000" dirty="0"/>
+              <a:t>Lundi : Réunion hebdomadaire et répartition des tâches de la semaine à venir</a:t>
+            </a:r>
+          </a:p>
+          <a:p>
+            <a:r>
+              <a:rPr lang="fr-FR" sz="2400" dirty="0"/>
+              <a:t>Prises de décisions en groupe</a:t>
+            </a:r>
+          </a:p>
+          <a:p>
+            <a:r>
+              <a:rPr lang="fr-FR" sz="2400" dirty="0"/>
+              <a:t>Ecoute et entraide</a:t>
             </a:r>
           </a:p>
         </p:txBody>
@@ -25620,18 +27211,18 @@
             <p:ph sz="quarter" idx="4"/>
             <p:extLst>
               <p:ext uri="{D42A27DB-BD31-4B8C-83A1-F6EECF244321}">
-                <p14:modId xmlns:p14="http://schemas.microsoft.com/office/powerpoint/2010/main" val="2359721463"/>
+                <p14:modId xmlns:p14="http://schemas.microsoft.com/office/powerpoint/2010/main" val="1228952629"/>
               </p:ext>
             </p:extLst>
           </p:nvPr>
         </p:nvGraphicFramePr>
         <p:xfrm>
-          <a:off x="5782791" y="2505075"/>
-          <a:ext cx="5357813" cy="3987800"/>
+          <a:off x="5357811" y="2453643"/>
+          <a:ext cx="5994401" cy="4085269"/>
         </p:xfrm>
         <a:graphic>
           <a:graphicData uri="http://schemas.openxmlformats.org/drawingml/2006/chart">
-            <c:chart xmlns:c="http://schemas.openxmlformats.org/drawingml/2006/chart" xmlns:r="http://schemas.openxmlformats.org/officeDocument/2006/relationships" r:id="rId2"/>
+            <c:chart xmlns:c="http://schemas.openxmlformats.org/drawingml/2006/chart" xmlns:r="http://schemas.openxmlformats.org/officeDocument/2006/relationships" r:id="rId3"/>
           </a:graphicData>
         </a:graphic>
       </p:graphicFrame>
@@ -25996,7 +27587,7 @@
             <a:pPr lvl="2"/>
             <a:r>
               <a:rPr lang="fr-FR" dirty="0"/>
-              <a:t>10% d’erreur (1h de test/300 questions précises)</a:t>
+              <a:t>10% d’erreur (1h de test/300 questions posées)</a:t>
             </a:r>
           </a:p>
           <a:p>
@@ -26029,7 +27620,7 @@
             <a:pPr lvl="2"/>
             <a:r>
               <a:rPr lang="fr-FR" dirty="0"/>
-              <a:t>&lt; 10% d’erreur (1h de test/300 questions précises)</a:t>
+              <a:t>&lt; 10% d’erreur (1h de test/300 questions posées)</a:t>
             </a:r>
           </a:p>
           <a:p>
@@ -26632,7 +28223,7 @@
         <p:spPr>
           <a:xfrm>
             <a:off x="839788" y="2505075"/>
-            <a:ext cx="5157787" cy="1171575"/>
+            <a:ext cx="5815012" cy="1520825"/>
           </a:xfrm>
         </p:spPr>
         <p:txBody>
@@ -26653,7 +28244,7 @@
           <a:p>
             <a:r>
               <a:rPr lang="fr-FR" sz="2000" dirty="0"/>
-              <a:t>Définition axes de travail</a:t>
+              <a:t>Définition axes de travail et des deux approches</a:t>
             </a:r>
           </a:p>
           <a:p>
@@ -27131,7 +28722,15 @@
           <a:p>
             <a:r>
               <a:rPr lang="fr-FR" dirty="0"/>
-              <a:t>Approche par mots clefs</a:t>
+              <a:t>1</a:t>
+            </a:r>
+            <a:r>
+              <a:rPr lang="fr-FR" baseline="30000" dirty="0"/>
+              <a:t>ère</a:t>
+            </a:r>
+            <a:r>
+              <a:rPr lang="fr-FR" dirty="0"/>
+              <a:t> approche : mots clefs</a:t>
             </a:r>
           </a:p>
         </p:txBody>
@@ -27164,7 +28763,15 @@
           <a:p>
             <a:r>
               <a:rPr lang="fr-FR" dirty="0"/>
-              <a:t>Fonctionnement de Qi Chat - </a:t>
+              <a:t>Fonctionnement de </a:t>
+            </a:r>
+            <a:r>
+              <a:rPr lang="fr-FR" dirty="0" err="1"/>
+              <a:t>QiChat</a:t>
+            </a:r>
+            <a:r>
+              <a:rPr lang="fr-FR" dirty="0"/>
+              <a:t> - </a:t>
             </a:r>
             <a:r>
               <a:rPr lang="fr-FR" dirty="0" err="1"/>
@@ -27429,7 +29036,15 @@
           <a:p>
             <a:r>
               <a:rPr lang="fr-FR" dirty="0"/>
-              <a:t>Approche par mots clefs</a:t>
+              <a:t>1</a:t>
+            </a:r>
+            <a:r>
+              <a:rPr lang="fr-FR" baseline="30000" dirty="0"/>
+              <a:t>ère</a:t>
+            </a:r>
+            <a:r>
+              <a:rPr lang="fr-FR" dirty="0"/>
+              <a:t> approche : mots clefs</a:t>
             </a:r>
           </a:p>
         </p:txBody>
@@ -27509,7 +29124,7 @@
           <a:p>
             <a:r>
               <a:rPr lang="fr-FR" sz="2000" dirty="0"/>
-              <a:t>Définition des concepts objets , personne et localisation</a:t>
+              <a:t>Définition des concepts objets , personnes et localisation</a:t>
             </a:r>
           </a:p>
           <a:p>

--- a/Rapport/Diapo_ihm_pepper.pptx
+++ b/Rapport/Diapo_ihm_pepper.pptx
@@ -590,6 +590,13 @@
                 </c:ext>
               </c:extLst>
             </c:dLbl>
+            <c:spPr>
+              <a:noFill/>
+              <a:ln>
+                <a:noFill/>
+              </a:ln>
+              <a:effectLst/>
+            </c:spPr>
             <c:dLblPos val="outEnd"/>
             <c:showLegendKey val="0"/>
             <c:showVal val="0"/>
@@ -1105,6 +1112,13 @@
                 </c:ext>
               </c:extLst>
             </c:dLbl>
+            <c:spPr>
+              <a:noFill/>
+              <a:ln>
+                <a:noFill/>
+              </a:ln>
+              <a:effectLst/>
+            </c:spPr>
             <c:dLblPos val="outEnd"/>
             <c:showLegendKey val="0"/>
             <c:showVal val="0"/>
@@ -1552,12 +1566,11 @@
               <c:showBubbleSize val="0"/>
               <c:extLst>
                 <c:ext xmlns:c15="http://schemas.microsoft.com/office/drawing/2012/chart" uri="{CE6537A1-D6FC-4f65-9D91-7224C49458BB}">
-                  <c15:layout>
-                    <c:manualLayout>
-                      <c:w val="0.19679678735259307"/>
-                      <c:h val="0.11203387358060331"/>
-                    </c:manualLayout>
-                  </c15:layout>
+                  <c15:spPr xmlns:c15="http://schemas.microsoft.com/office/drawing/2012/chart">
+                    <a:prstGeom prst="rect">
+                      <a:avLst/>
+                    </a:prstGeom>
+                  </c15:spPr>
                 </c:ext>
                 <c:ext xmlns:c16="http://schemas.microsoft.com/office/drawing/2014/chart" uri="{C3380CC4-5D6E-409C-BE32-E72D297353CC}">
                   <c16:uniqueId val="{00000005-37FE-4FB7-BFCC-4B2ED4D701B5}"/>
@@ -1693,6 +1706,13 @@
                 </c:ext>
               </c:extLst>
             </c:dLbl>
+            <c:spPr>
+              <a:noFill/>
+              <a:ln>
+                <a:noFill/>
+              </a:ln>
+              <a:effectLst/>
+            </c:spPr>
             <c:dLblPos val="outEnd"/>
             <c:showLegendKey val="0"/>
             <c:showVal val="0"/>
@@ -1826,7 +1846,7 @@
       <a:endParaRPr lang="fr-FR"/>
     </a:p>
   </c:txPr>
-  <c:externalData r:id="rId3">
+  <c:externalData r:id="rId1">
     <c:autoUpdate val="0"/>
   </c:externalData>
 </c:chartSpace>
@@ -2192,7 +2212,7 @@
               </c:spPr>
               <c:txPr>
                 <a:bodyPr rot="0" spcFirstLastPara="1" vertOverflow="ellipsis" vert="horz" wrap="square" lIns="38100" tIns="19050" rIns="38100" bIns="19050" anchor="ctr" anchorCtr="1">
-                  <a:spAutoFit/>
+                  <a:noAutofit/>
                 </a:bodyPr>
                 <a:lstStyle/>
                 <a:p>
@@ -2220,8 +2240,8 @@
                 <c:ext xmlns:c15="http://schemas.microsoft.com/office/drawing/2012/chart" uri="{CE6537A1-D6FC-4f65-9D91-7224C49458BB}">
                   <c15:layout>
                     <c:manualLayout>
-                      <c:w val="0.23880465763376771"/>
-                      <c:h val="0.10732338965121666"/>
+                      <c:w val="0.26855045351160084"/>
+                      <c:h val="0.10127188755642014"/>
                     </c:manualLayout>
                   </c15:layout>
                 </c:ext>
@@ -2230,6 +2250,13 @@
                 </c:ext>
               </c:extLst>
             </c:dLbl>
+            <c:spPr>
+              <a:noFill/>
+              <a:ln>
+                <a:noFill/>
+              </a:ln>
+              <a:effectLst/>
+            </c:spPr>
             <c:dLblPos val="outEnd"/>
             <c:showLegendKey val="0"/>
             <c:showVal val="0"/>
@@ -2794,6 +2821,13 @@
                 </c:ext>
               </c:extLst>
             </c:dLbl>
+            <c:spPr>
+              <a:noFill/>
+              <a:ln>
+                <a:noFill/>
+              </a:ln>
+              <a:effectLst/>
+            </c:spPr>
             <c:dLblPos val="outEnd"/>
             <c:showLegendKey val="0"/>
             <c:showVal val="0"/>
@@ -3287,7 +3321,7 @@
                   <a:pPr>
                     <a:defRPr sz="1330" b="1" i="0" u="none" strike="noStrike" kern="1200" spc="0" baseline="0">
                       <a:solidFill>
-                        <a:schemeClr val="accent4"/>
+                        <a:schemeClr val="accent1"/>
                       </a:solidFill>
                       <a:latin typeface="+mn-lt"/>
                       <a:ea typeface="+mn-ea"/>
@@ -3354,7 +3388,7 @@
                   <a:pPr>
                     <a:defRPr sz="1330" b="1" i="0" u="none" strike="noStrike" kern="1200" spc="0" baseline="0">
                       <a:solidFill>
-                        <a:schemeClr val="accent5"/>
+                        <a:schemeClr val="accent1"/>
                       </a:solidFill>
                       <a:latin typeface="+mn-lt"/>
                       <a:ea typeface="+mn-ea"/>
@@ -3421,7 +3455,7 @@
                   <a:pPr>
                     <a:defRPr sz="1330" b="1" i="0" u="none" strike="noStrike" kern="1200" spc="0" baseline="0">
                       <a:solidFill>
-                        <a:schemeClr val="accent6"/>
+                        <a:schemeClr val="accent1"/>
                       </a:solidFill>
                       <a:latin typeface="+mn-lt"/>
                       <a:ea typeface="+mn-ea"/>
@@ -3445,6 +3479,13 @@
                 </c:ext>
               </c:extLst>
             </c:dLbl>
+            <c:spPr>
+              <a:noFill/>
+              <a:ln>
+                <a:noFill/>
+              </a:ln>
+              <a:effectLst/>
+            </c:spPr>
             <c:dLblPos val="outEnd"/>
             <c:showLegendKey val="0"/>
             <c:showVal val="0"/>
@@ -3878,6 +3919,13 @@
                 </c:ext>
               </c:extLst>
             </c:dLbl>
+            <c:spPr>
+              <a:noFill/>
+              <a:ln>
+                <a:noFill/>
+              </a:ln>
+              <a:effectLst/>
+            </c:spPr>
             <c:dLblPos val="outEnd"/>
             <c:showLegendKey val="0"/>
             <c:showVal val="0"/>
@@ -4260,6 +4308,12 @@
             </c:dLbl>
             <c:dLbl>
               <c:idx val="3"/>
+              <c:layout>
+                <c:manualLayout>
+                  <c:x val="-5.7203380287705219E-2"/>
+                  <c:y val="6.2174608330565258E-3"/>
+                </c:manualLayout>
+              </c:layout>
               <c:spPr>
                 <a:noFill/>
                 <a:ln>
@@ -4286,7 +4340,7 @@
                   <a:endParaRPr lang="fr-FR"/>
                 </a:p>
               </c:txPr>
-              <c:dLblPos val="outEnd"/>
+              <c:dLblPos val="bestFit"/>
               <c:showLegendKey val="0"/>
               <c:showVal val="0"/>
               <c:showCatName val="1"/>
@@ -4294,11 +4348,19 @@
               <c:showPercent val="1"/>
               <c:showBubbleSize val="0"/>
               <c:extLst>
+                <c:ext xmlns:c15="http://schemas.microsoft.com/office/drawing/2012/chart" uri="{CE6537A1-D6FC-4f65-9D91-7224C49458BB}"/>
                 <c:ext xmlns:c16="http://schemas.microsoft.com/office/drawing/2014/chart" uri="{C3380CC4-5D6E-409C-BE32-E72D297353CC}">
                   <c16:uniqueId val="{00000007-5725-43AE-AECB-78D7949DE719}"/>
                 </c:ext>
               </c:extLst>
             </c:dLbl>
+            <c:spPr>
+              <a:noFill/>
+              <a:ln>
+                <a:noFill/>
+              </a:ln>
+              <a:effectLst/>
+            </c:spPr>
             <c:dLblPos val="outEnd"/>
             <c:showLegendKey val="0"/>
             <c:showVal val="0"/>
@@ -4507,10 +4569,13 @@
 </file>
 
 <file path=ppt/charts/colors3.xml><?xml version="1.0" encoding="utf-8"?>
-<cs:colorStyle xmlns:cs="http://schemas.microsoft.com/office/drawing/2012/chartStyle" xmlns:a="http://schemas.openxmlformats.org/drawingml/2006/main" meth="cycle" id="13">
+<cs:colorStyle xmlns:cs="http://schemas.microsoft.com/office/drawing/2012/chartStyle" xmlns:a="http://schemas.openxmlformats.org/drawingml/2006/main" meth="cycle" id="10">
+  <a:schemeClr val="accent1"/>
+  <a:schemeClr val="accent2"/>
+  <a:schemeClr val="accent3"/>
+  <a:schemeClr val="accent4"/>
+  <a:schemeClr val="accent5"/>
   <a:schemeClr val="accent6"/>
-  <a:schemeClr val="accent5"/>
-  <a:schemeClr val="accent4"/>
   <cs:variation/>
   <cs:variation>
     <a:lumMod val="60000"/>
@@ -4664,46 +4729,6 @@
 </file>
 
 <file path=ppt/charts/colors7.xml><?xml version="1.0" encoding="utf-8"?>
-<cs:colorStyle xmlns:cs="http://schemas.microsoft.com/office/drawing/2012/chartStyle" xmlns:a="http://schemas.openxmlformats.org/drawingml/2006/main" meth="cycle" id="10">
-  <a:schemeClr val="accent1"/>
-  <a:schemeClr val="accent2"/>
-  <a:schemeClr val="accent3"/>
-  <a:schemeClr val="accent4"/>
-  <a:schemeClr val="accent5"/>
-  <a:schemeClr val="accent6"/>
-  <cs:variation/>
-  <cs:variation>
-    <a:lumMod val="60000"/>
-  </cs:variation>
-  <cs:variation>
-    <a:lumMod val="80000"/>
-    <a:lumOff val="20000"/>
-  </cs:variation>
-  <cs:variation>
-    <a:lumMod val="80000"/>
-  </cs:variation>
-  <cs:variation>
-    <a:lumMod val="60000"/>
-    <a:lumOff val="40000"/>
-  </cs:variation>
-  <cs:variation>
-    <a:lumMod val="50000"/>
-  </cs:variation>
-  <cs:variation>
-    <a:lumMod val="70000"/>
-    <a:lumOff val="30000"/>
-  </cs:variation>
-  <cs:variation>
-    <a:lumMod val="70000"/>
-  </cs:variation>
-  <cs:variation>
-    <a:lumMod val="50000"/>
-    <a:lumOff val="50000"/>
-  </cs:variation>
-</cs:colorStyle>
-</file>
-
-<file path=ppt/charts/colors8.xml><?xml version="1.0" encoding="utf-8"?>
 <cs:colorStyle xmlns:cs="http://schemas.microsoft.com/office/drawing/2012/chartStyle" xmlns:a="http://schemas.openxmlformats.org/drawingml/2006/main" meth="cycle" id="10">
   <a:schemeClr val="accent1"/>
   <a:schemeClr val="accent2"/>
@@ -7864,526 +7889,6 @@
 </file>
 
 <file path=ppt/charts/style7.xml><?xml version="1.0" encoding="utf-8"?>
-<cs:chartStyle xmlns:cs="http://schemas.microsoft.com/office/drawing/2012/chartStyle" xmlns:a="http://schemas.openxmlformats.org/drawingml/2006/main" id="259">
-  <cs:axisTitle>
-    <cs:lnRef idx="0"/>
-    <cs:fillRef idx="0"/>
-    <cs:effectRef idx="0"/>
-    <cs:fontRef idx="minor">
-      <a:schemeClr val="tx1">
-        <a:lumMod val="65000"/>
-        <a:lumOff val="35000"/>
-      </a:schemeClr>
-    </cs:fontRef>
-    <cs:defRPr sz="1197" kern="1200" cap="all"/>
-  </cs:axisTitle>
-  <cs:categoryAxis>
-    <cs:lnRef idx="0"/>
-    <cs:fillRef idx="0"/>
-    <cs:effectRef idx="0"/>
-    <cs:fontRef idx="minor">
-      <a:schemeClr val="tx1">
-        <a:lumMod val="65000"/>
-        <a:lumOff val="35000"/>
-      </a:schemeClr>
-    </cs:fontRef>
-    <cs:defRPr sz="1197" kern="1200"/>
-  </cs:categoryAxis>
-  <cs:chartArea mods="allowNoFillOverride allowNoLineOverride">
-    <cs:lnRef idx="0"/>
-    <cs:fillRef idx="0"/>
-    <cs:effectRef idx="0"/>
-    <cs:fontRef idx="minor">
-      <a:schemeClr val="tx1"/>
-    </cs:fontRef>
-    <cs:spPr>
-      <a:solidFill>
-        <a:schemeClr val="bg1"/>
-      </a:solidFill>
-      <a:ln w="9525" cap="flat" cmpd="sng" algn="ctr">
-        <a:solidFill>
-          <a:schemeClr val="tx1">
-            <a:lumMod val="15000"/>
-            <a:lumOff val="85000"/>
-          </a:schemeClr>
-        </a:solidFill>
-        <a:round/>
-      </a:ln>
-    </cs:spPr>
-    <cs:defRPr sz="1330" kern="1200"/>
-  </cs:chartArea>
-  <cs:dataLabel>
-    <cs:lnRef idx="0"/>
-    <cs:fillRef idx="0"/>
-    <cs:effectRef idx="0"/>
-    <cs:fontRef idx="minor">
-      <cs:styleClr val="auto"/>
-    </cs:fontRef>
-    <cs:defRPr sz="1330" b="1" i="0" u="none" strike="noStrike" kern="1200" spc="0" baseline="0"/>
-  </cs:dataLabel>
-  <cs:dataLabelCallout>
-    <cs:lnRef idx="0">
-      <cs:styleClr val="auto"/>
-    </cs:lnRef>
-    <cs:fillRef idx="0"/>
-    <cs:effectRef idx="0"/>
-    <cs:fontRef idx="minor">
-      <cs:styleClr val="auto"/>
-    </cs:fontRef>
-    <cs:spPr>
-      <a:solidFill>
-        <a:schemeClr val="lt1"/>
-      </a:solidFill>
-      <a:ln>
-        <a:solidFill>
-          <a:schemeClr val="phClr"/>
-        </a:solidFill>
-      </a:ln>
-    </cs:spPr>
-    <cs:defRPr sz="1330" b="1" kern="1200"/>
-    <cs:bodyPr rot="0" spcFirstLastPara="1" vertOverflow="clip" horzOverflow="clip" vert="horz" wrap="square" lIns="36576" tIns="18288" rIns="36576" bIns="18288" anchor="ctr" anchorCtr="1">
-      <a:spAutoFit/>
-    </cs:bodyPr>
-  </cs:dataLabelCallout>
-  <cs:dataPoint>
-    <cs:lnRef idx="0"/>
-    <cs:fillRef idx="0">
-      <cs:styleClr val="auto"/>
-    </cs:fillRef>
-    <cs:effectRef idx="0"/>
-    <cs:fontRef idx="minor">
-      <a:schemeClr val="dk1"/>
-    </cs:fontRef>
-    <cs:spPr>
-      <a:solidFill>
-        <a:schemeClr val="phClr"/>
-      </a:solidFill>
-      <a:effectLst>
-        <a:outerShdw blurRad="63500" sx="102000" sy="102000" algn="ctr" rotWithShape="0">
-          <a:prstClr val="black">
-            <a:alpha val="20000"/>
-          </a:prstClr>
-        </a:outerShdw>
-      </a:effectLst>
-    </cs:spPr>
-  </cs:dataPoint>
-  <cs:dataPoint3D>
-    <cs:lnRef idx="0"/>
-    <cs:fillRef idx="0">
-      <cs:styleClr val="auto"/>
-    </cs:fillRef>
-    <cs:effectRef idx="0"/>
-    <cs:fontRef idx="minor">
-      <a:schemeClr val="dk1"/>
-    </cs:fontRef>
-    <cs:spPr>
-      <a:solidFill>
-        <a:schemeClr val="phClr"/>
-      </a:solidFill>
-      <a:effectLst>
-        <a:outerShdw blurRad="88900" sx="102000" sy="102000" algn="ctr" rotWithShape="0">
-          <a:prstClr val="black">
-            <a:alpha val="10000"/>
-          </a:prstClr>
-        </a:outerShdw>
-      </a:effectLst>
-      <a:scene3d>
-        <a:camera prst="orthographicFront"/>
-        <a:lightRig rig="threePt" dir="t"/>
-      </a:scene3d>
-      <a:sp3d>
-        <a:bevelT w="127000" h="127000"/>
-        <a:bevelB w="127000" h="127000"/>
-      </a:sp3d>
-    </cs:spPr>
-  </cs:dataPoint3D>
-  <cs:dataPointLine>
-    <cs:lnRef idx="0">
-      <cs:styleClr val="auto"/>
-    </cs:lnRef>
-    <cs:fillRef idx="0"/>
-    <cs:effectRef idx="0"/>
-    <cs:fontRef idx="minor">
-      <a:schemeClr val="dk1"/>
-    </cs:fontRef>
-    <cs:spPr>
-      <a:ln w="28575" cap="rnd">
-        <a:solidFill>
-          <a:schemeClr val="phClr"/>
-        </a:solidFill>
-        <a:round/>
-      </a:ln>
-    </cs:spPr>
-  </cs:dataPointLine>
-  <cs:dataPointMarker>
-    <cs:lnRef idx="0"/>
-    <cs:fillRef idx="0">
-      <cs:styleClr val="auto"/>
-    </cs:fillRef>
-    <cs:effectRef idx="0"/>
-    <cs:fontRef idx="minor">
-      <a:schemeClr val="dk1"/>
-    </cs:fontRef>
-    <cs:spPr>
-      <a:solidFill>
-        <a:schemeClr val="phClr"/>
-      </a:solidFill>
-      <a:ln w="9525">
-        <a:solidFill>
-          <a:schemeClr val="lt1"/>
-        </a:solidFill>
-      </a:ln>
-    </cs:spPr>
-  </cs:dataPointMarker>
-  <cs:dataPointMarkerLayout symbol="circle" size="6"/>
-  <cs:dataPointWireframe>
-    <cs:lnRef idx="0">
-      <cs:styleClr val="auto"/>
-    </cs:lnRef>
-    <cs:fillRef idx="0"/>
-    <cs:effectRef idx="0"/>
-    <cs:fontRef idx="minor">
-      <a:schemeClr val="dk1"/>
-    </cs:fontRef>
-    <cs:spPr>
-      <a:ln w="9525" cap="rnd">
-        <a:solidFill>
-          <a:schemeClr val="phClr"/>
-        </a:solidFill>
-        <a:round/>
-      </a:ln>
-    </cs:spPr>
-  </cs:dataPointWireframe>
-  <cs:dataTable>
-    <cs:lnRef idx="0"/>
-    <cs:fillRef idx="0"/>
-    <cs:effectRef idx="0"/>
-    <cs:fontRef idx="minor">
-      <a:schemeClr val="tx1">
-        <a:lumMod val="65000"/>
-        <a:lumOff val="35000"/>
-      </a:schemeClr>
-    </cs:fontRef>
-    <cs:spPr>
-      <a:noFill/>
-      <a:ln w="9525" cap="flat" cmpd="sng" algn="ctr">
-        <a:solidFill>
-          <a:schemeClr val="tx1">
-            <a:lumMod val="15000"/>
-            <a:lumOff val="85000"/>
-          </a:schemeClr>
-        </a:solidFill>
-        <a:round/>
-      </a:ln>
-    </cs:spPr>
-    <cs:defRPr sz="1197" kern="1200"/>
-  </cs:dataTable>
-  <cs:downBar>
-    <cs:lnRef idx="0"/>
-    <cs:fillRef idx="0"/>
-    <cs:effectRef idx="0"/>
-    <cs:fontRef idx="minor">
-      <a:schemeClr val="tx1"/>
-    </cs:fontRef>
-    <cs:spPr>
-      <a:solidFill>
-        <a:schemeClr val="dk1">
-          <a:lumMod val="75000"/>
-          <a:lumOff val="25000"/>
-        </a:schemeClr>
-      </a:solidFill>
-      <a:ln w="9525" cap="flat" cmpd="sng" algn="ctr">
-        <a:solidFill>
-          <a:schemeClr val="tx1">
-            <a:lumMod val="65000"/>
-            <a:lumOff val="35000"/>
-          </a:schemeClr>
-        </a:solidFill>
-        <a:round/>
-      </a:ln>
-    </cs:spPr>
-  </cs:downBar>
-  <cs:dropLine>
-    <cs:lnRef idx="0"/>
-    <cs:fillRef idx="0"/>
-    <cs:effectRef idx="0"/>
-    <cs:fontRef idx="minor">
-      <a:schemeClr val="tx1"/>
-    </cs:fontRef>
-    <cs:spPr>
-      <a:ln w="9525" cap="flat" cmpd="sng" algn="ctr">
-        <a:solidFill>
-          <a:schemeClr val="tx1">
-            <a:lumMod val="35000"/>
-            <a:lumOff val="65000"/>
-          </a:schemeClr>
-        </a:solidFill>
-        <a:round/>
-      </a:ln>
-    </cs:spPr>
-  </cs:dropLine>
-  <cs:errorBar>
-    <cs:lnRef idx="0"/>
-    <cs:fillRef idx="0"/>
-    <cs:effectRef idx="0"/>
-    <cs:fontRef idx="minor">
-      <a:schemeClr val="tx1"/>
-    </cs:fontRef>
-    <cs:spPr>
-      <a:ln w="9525" cap="flat" cmpd="sng" algn="ctr">
-        <a:solidFill>
-          <a:schemeClr val="tx1">
-            <a:lumMod val="65000"/>
-            <a:lumOff val="35000"/>
-          </a:schemeClr>
-        </a:solidFill>
-        <a:round/>
-      </a:ln>
-    </cs:spPr>
-  </cs:errorBar>
-  <cs:floor>
-    <cs:lnRef idx="0"/>
-    <cs:fillRef idx="0"/>
-    <cs:effectRef idx="0"/>
-    <cs:fontRef idx="minor">
-      <a:schemeClr val="tx1"/>
-    </cs:fontRef>
-    <cs:spPr>
-      <a:noFill/>
-      <a:ln>
-        <a:noFill/>
-      </a:ln>
-    </cs:spPr>
-  </cs:floor>
-  <cs:gridlineMajor>
-    <cs:lnRef idx="0"/>
-    <cs:fillRef idx="0"/>
-    <cs:effectRef idx="0"/>
-    <cs:fontRef idx="minor">
-      <a:schemeClr val="tx1"/>
-    </cs:fontRef>
-    <cs:spPr>
-      <a:ln w="9525" cap="flat" cmpd="sng" algn="ctr">
-        <a:solidFill>
-          <a:schemeClr val="tx1">
-            <a:lumMod val="15000"/>
-            <a:lumOff val="85000"/>
-          </a:schemeClr>
-        </a:solidFill>
-        <a:round/>
-      </a:ln>
-    </cs:spPr>
-  </cs:gridlineMajor>
-  <cs:gridlineMinor>
-    <cs:lnRef idx="0"/>
-    <cs:fillRef idx="0"/>
-    <cs:effectRef idx="0"/>
-    <cs:fontRef idx="minor">
-      <a:schemeClr val="tx1"/>
-    </cs:fontRef>
-    <cs:spPr>
-      <a:ln w="9525" cap="flat" cmpd="sng" algn="ctr">
-        <a:solidFill>
-          <a:schemeClr val="tx1">
-            <a:lumMod val="5000"/>
-            <a:lumOff val="95000"/>
-          </a:schemeClr>
-        </a:solidFill>
-        <a:round/>
-      </a:ln>
-    </cs:spPr>
-  </cs:gridlineMinor>
-  <cs:hiLoLine>
-    <cs:lnRef idx="0"/>
-    <cs:fillRef idx="0"/>
-    <cs:effectRef idx="0"/>
-    <cs:fontRef idx="minor">
-      <a:schemeClr val="tx1"/>
-    </cs:fontRef>
-    <cs:spPr>
-      <a:ln w="9525" cap="flat" cmpd="sng" algn="ctr">
-        <a:solidFill>
-          <a:schemeClr val="tx1">
-            <a:lumMod val="50000"/>
-            <a:lumOff val="50000"/>
-          </a:schemeClr>
-        </a:solidFill>
-        <a:round/>
-      </a:ln>
-    </cs:spPr>
-  </cs:hiLoLine>
-  <cs:leaderLine>
-    <cs:lnRef idx="0"/>
-    <cs:fillRef idx="0"/>
-    <cs:effectRef idx="0"/>
-    <cs:fontRef idx="minor">
-      <a:schemeClr val="tx1"/>
-    </cs:fontRef>
-    <cs:spPr>
-      <a:ln w="9525" cap="flat" cmpd="sng" algn="ctr">
-        <a:solidFill>
-          <a:schemeClr val="tx1">
-            <a:lumMod val="35000"/>
-            <a:lumOff val="65000"/>
-          </a:schemeClr>
-        </a:solidFill>
-        <a:round/>
-      </a:ln>
-    </cs:spPr>
-  </cs:leaderLine>
-  <cs:legend>
-    <cs:lnRef idx="0"/>
-    <cs:fillRef idx="0"/>
-    <cs:effectRef idx="0"/>
-    <cs:fontRef idx="minor">
-      <a:schemeClr val="tx1">
-        <a:lumMod val="65000"/>
-        <a:lumOff val="35000"/>
-      </a:schemeClr>
-    </cs:fontRef>
-    <cs:defRPr sz="1197" kern="1200"/>
-  </cs:legend>
-  <cs:plotArea mods="allowNoFillOverride allowNoLineOverride">
-    <cs:lnRef idx="0"/>
-    <cs:fillRef idx="0"/>
-    <cs:effectRef idx="0"/>
-    <cs:fontRef idx="minor">
-      <a:schemeClr val="dk1"/>
-    </cs:fontRef>
-  </cs:plotArea>
-  <cs:plotArea3D mods="allowNoFillOverride allowNoLineOverride">
-    <cs:lnRef idx="0"/>
-    <cs:fillRef idx="0"/>
-    <cs:effectRef idx="0"/>
-    <cs:fontRef idx="minor">
-      <a:schemeClr val="dk1"/>
-    </cs:fontRef>
-  </cs:plotArea3D>
-  <cs:seriesAxis>
-    <cs:lnRef idx="0"/>
-    <cs:fillRef idx="0"/>
-    <cs:effectRef idx="0"/>
-    <cs:fontRef idx="minor">
-      <a:schemeClr val="tx1">
-        <a:lumMod val="65000"/>
-        <a:lumOff val="35000"/>
-      </a:schemeClr>
-    </cs:fontRef>
-    <cs:defRPr sz="1197" kern="1200"/>
-  </cs:seriesAxis>
-  <cs:seriesLine>
-    <cs:lnRef idx="0"/>
-    <cs:fillRef idx="0"/>
-    <cs:effectRef idx="0"/>
-    <cs:fontRef idx="minor">
-      <a:schemeClr val="tx1"/>
-    </cs:fontRef>
-    <cs:spPr>
-      <a:ln w="9525" cap="flat" cmpd="sng" algn="ctr">
-        <a:solidFill>
-          <a:schemeClr val="tx1">
-            <a:lumMod val="35000"/>
-            <a:lumOff val="65000"/>
-          </a:schemeClr>
-        </a:solidFill>
-        <a:round/>
-      </a:ln>
-    </cs:spPr>
-  </cs:seriesLine>
-  <cs:title>
-    <cs:lnRef idx="0"/>
-    <cs:fillRef idx="0"/>
-    <cs:effectRef idx="0"/>
-    <cs:fontRef idx="minor">
-      <a:schemeClr val="tx1">
-        <a:lumMod val="65000"/>
-        <a:lumOff val="35000"/>
-      </a:schemeClr>
-    </cs:fontRef>
-    <cs:defRPr sz="2128" b="1" kern="1200" cap="all" baseline="0"/>
-  </cs:title>
-  <cs:trendline>
-    <cs:lnRef idx="0">
-      <cs:styleClr val="auto"/>
-    </cs:lnRef>
-    <cs:fillRef idx="0"/>
-    <cs:effectRef idx="0"/>
-    <cs:fontRef idx="minor">
-      <a:schemeClr val="tx1"/>
-    </cs:fontRef>
-    <cs:spPr>
-      <a:ln w="19050" cap="rnd">
-        <a:solidFill>
-          <a:schemeClr val="phClr"/>
-        </a:solidFill>
-        <a:prstDash val="sysDash"/>
-      </a:ln>
-    </cs:spPr>
-  </cs:trendline>
-  <cs:trendlineLabel>
-    <cs:lnRef idx="0"/>
-    <cs:fillRef idx="0"/>
-    <cs:effectRef idx="0"/>
-    <cs:fontRef idx="minor">
-      <a:schemeClr val="tx1">
-        <a:lumMod val="65000"/>
-        <a:lumOff val="35000"/>
-      </a:schemeClr>
-    </cs:fontRef>
-    <cs:defRPr sz="1197" kern="1200"/>
-  </cs:trendlineLabel>
-  <cs:upBar>
-    <cs:lnRef idx="0"/>
-    <cs:fillRef idx="0"/>
-    <cs:effectRef idx="0"/>
-    <cs:fontRef idx="minor">
-      <a:schemeClr val="tx1"/>
-    </cs:fontRef>
-    <cs:spPr>
-      <a:solidFill>
-        <a:schemeClr val="lt1"/>
-      </a:solidFill>
-      <a:ln w="9525" cap="flat" cmpd="sng" algn="ctr">
-        <a:solidFill>
-          <a:schemeClr val="tx1">
-            <a:lumMod val="65000"/>
-            <a:lumOff val="35000"/>
-          </a:schemeClr>
-        </a:solidFill>
-        <a:round/>
-      </a:ln>
-    </cs:spPr>
-  </cs:upBar>
-  <cs:valueAxis>
-    <cs:lnRef idx="0"/>
-    <cs:fillRef idx="0"/>
-    <cs:effectRef idx="0"/>
-    <cs:fontRef idx="minor">
-      <a:schemeClr val="tx1">
-        <a:lumMod val="65000"/>
-        <a:lumOff val="35000"/>
-      </a:schemeClr>
-    </cs:fontRef>
-    <cs:defRPr sz="1197" kern="1200"/>
-  </cs:valueAxis>
-  <cs:wall>
-    <cs:lnRef idx="0"/>
-    <cs:fillRef idx="0"/>
-    <cs:effectRef idx="0"/>
-    <cs:fontRef idx="minor">
-      <a:schemeClr val="tx1"/>
-    </cs:fontRef>
-    <cs:spPr>
-      <a:noFill/>
-      <a:ln>
-        <a:noFill/>
-      </a:ln>
-    </cs:spPr>
-  </cs:wall>
-</cs:chartStyle>
-</file>
-
-<file path=ppt/charts/style8.xml><?xml version="1.0" encoding="utf-8"?>
 <cs:chartStyle xmlns:cs="http://schemas.microsoft.com/office/drawing/2012/chartStyle" xmlns:a="http://schemas.openxmlformats.org/drawingml/2006/main" id="259">
   <cs:axisTitle>
     <cs:lnRef idx="0"/>
@@ -14531,7 +14036,7 @@
           <a:p>
             <a:fld id="{8FA2943A-AC94-4CEE-B91C-78448377FFF2}" type="datetimeFigureOut">
               <a:rPr lang="fr-FR" smtClean="0"/>
-              <a:t>24/01/2018</a:t>
+              <a:t>25/01/2018</a:t>
             </a:fld>
             <a:endParaRPr lang="fr-FR"/>
           </a:p>
@@ -14717,7 +14222,7 @@
           <a:p>
             <a:fld id="{D9721108-C943-4C15-AE31-2A8185D95072}" type="datetimeFigureOut">
               <a:rPr lang="fr-FR" smtClean="0"/>
-              <a:t>24/01/2018</a:t>
+              <a:t>25/01/2018</a:t>
             </a:fld>
             <a:endParaRPr lang="fr-FR"/>
           </a:p>
@@ -16431,7 +15936,7 @@
           <a:p>
             <a:fld id="{3516DF1E-42C1-4FA5-87E5-EC49F0D9F84F}" type="datetime1">
               <a:rPr lang="fr-FR" smtClean="0"/>
-              <a:t>24/01/2018</a:t>
+              <a:t>25/01/2018</a:t>
             </a:fld>
             <a:endParaRPr lang="fr-FR" dirty="0"/>
           </a:p>
@@ -16634,7 +16139,7 @@
           <a:p>
             <a:fld id="{C1A4EAFE-58B7-4CE2-A899-2E160D9D9EAE}" type="datetime1">
               <a:rPr lang="fr-FR" smtClean="0"/>
-              <a:t>24/01/2018</a:t>
+              <a:t>25/01/2018</a:t>
             </a:fld>
             <a:endParaRPr lang="fr-FR"/>
           </a:p>
@@ -16842,7 +16347,7 @@
           <a:p>
             <a:fld id="{DF70C280-9FF4-4B48-86EE-DFA3E30A36CA}" type="datetime1">
               <a:rPr lang="fr-FR" smtClean="0"/>
-              <a:t>24/01/2018</a:t>
+              <a:t>25/01/2018</a:t>
             </a:fld>
             <a:endParaRPr lang="fr-FR"/>
           </a:p>
@@ -17045,7 +16550,7 @@
           <a:p>
             <a:fld id="{FDEE4D58-CCBD-4B5A-A300-87CCD60D5AEE}" type="datetime1">
               <a:rPr lang="fr-FR" smtClean="0"/>
-              <a:t>24/01/2018</a:t>
+              <a:t>25/01/2018</a:t>
             </a:fld>
             <a:endParaRPr lang="fr-FR"/>
           </a:p>
@@ -17334,7 +16839,7 @@
           <a:p>
             <a:fld id="{7C1EE095-BB92-4FF6-8C8D-E080D5923909}" type="datetime1">
               <a:rPr lang="fr-FR" smtClean="0"/>
-              <a:t>24/01/2018</a:t>
+              <a:t>25/01/2018</a:t>
             </a:fld>
             <a:endParaRPr lang="fr-FR" dirty="0"/>
           </a:p>
@@ -17608,7 +17113,7 @@
           <a:p>
             <a:fld id="{DA841A51-8D72-4819-99BF-11D1BDF392BE}" type="datetime1">
               <a:rPr lang="fr-FR" smtClean="0"/>
-              <a:t>24/01/2018</a:t>
+              <a:t>25/01/2018</a:t>
             </a:fld>
             <a:endParaRPr lang="fr-FR"/>
           </a:p>
@@ -18020,7 +17525,7 @@
           <a:p>
             <a:fld id="{3B3AEC5C-178A-4240-82C5-CA123D6C5C31}" type="datetime1">
               <a:rPr lang="fr-FR" smtClean="0"/>
-              <a:t>24/01/2018</a:t>
+              <a:t>25/01/2018</a:t>
             </a:fld>
             <a:endParaRPr lang="fr-FR"/>
           </a:p>
@@ -18161,7 +17666,7 @@
           <a:p>
             <a:fld id="{F0EA0112-338B-49F1-B0F2-C6E2B98C0FD4}" type="datetime1">
               <a:rPr lang="fr-FR" smtClean="0"/>
-              <a:t>24/01/2018</a:t>
+              <a:t>25/01/2018</a:t>
             </a:fld>
             <a:endParaRPr lang="fr-FR"/>
           </a:p>
@@ -18274,7 +17779,7 @@
           <a:p>
             <a:fld id="{753B88CB-2C36-4BE5-9F83-95229F3D13D2}" type="datetime1">
               <a:rPr lang="fr-FR" smtClean="0"/>
-              <a:t>24/01/2018</a:t>
+              <a:t>25/01/2018</a:t>
             </a:fld>
             <a:endParaRPr lang="fr-FR"/>
           </a:p>
@@ -18585,7 +18090,7 @@
           <a:p>
             <a:fld id="{5F124E54-9BF4-4DAD-BB10-3D6F4BB6B525}" type="datetime1">
               <a:rPr lang="fr-FR" smtClean="0"/>
-              <a:t>24/01/2018</a:t>
+              <a:t>25/01/2018</a:t>
             </a:fld>
             <a:endParaRPr lang="fr-FR"/>
           </a:p>
@@ -18873,7 +18378,7 @@
           <a:p>
             <a:fld id="{D2CC138A-53C6-4739-9B6C-2E1D13D7E87B}" type="datetime1">
               <a:rPr lang="fr-FR" smtClean="0"/>
-              <a:t>24/01/2018</a:t>
+              <a:t>25/01/2018</a:t>
             </a:fld>
             <a:endParaRPr lang="fr-FR"/>
           </a:p>
@@ -19123,7 +18628,7 @@
           <a:p>
             <a:fld id="{826453BC-1D5C-40C3-80E4-EB1874391DDB}" type="datetime1">
               <a:rPr lang="fr-FR" smtClean="0"/>
-              <a:t>24/01/2018</a:t>
+              <a:t>25/01/2018</a:t>
             </a:fld>
             <a:endParaRPr lang="fr-FR"/>
           </a:p>
@@ -20377,7 +19882,7 @@
           <a:p>
             <a:r>
               <a:rPr lang="fr-FR" sz="2000" dirty="0"/>
-              <a:t>Insérer le topic général dans Pepper</a:t>
+              <a:t>Insérer les topics (général et concepts d’environnements) dans Pepper</a:t>
             </a:r>
           </a:p>
           <a:p>
@@ -20447,13 +19952,13 @@
           <p:nvPr>
             <p:extLst>
               <p:ext uri="{D42A27DB-BD31-4B8C-83A1-F6EECF244321}">
-                <p14:modId xmlns:p14="http://schemas.microsoft.com/office/powerpoint/2010/main" val="889170110"/>
+                <p14:modId xmlns:p14="http://schemas.microsoft.com/office/powerpoint/2010/main" val="4024141044"/>
               </p:ext>
             </p:extLst>
           </p:nvPr>
         </p:nvGraphicFramePr>
         <p:xfrm>
-          <a:off x="1647825" y="3688820"/>
+          <a:off x="1647825" y="3881967"/>
           <a:ext cx="4349750" cy="2976033"/>
         </p:xfrm>
         <a:graphic>
@@ -23396,7 +22901,7 @@
               <a:rPr lang="fr-FR" dirty="0">
                 <a:sym typeface="Calibri"/>
               </a:rPr>
-              <a:t>Récupération de la réponse à partir d’une question</a:t>
+              <a:t>Interprétation de la question et réponse</a:t>
             </a:r>
             <a:endParaRPr dirty="0"/>
           </a:p>
@@ -24287,7 +23792,7 @@
             </a:pPr>
             <a:r>
               <a:rPr lang="fr-FR" dirty="0"/>
-              <a:t>Récupération de la réponse à partir d’une question </a:t>
+              <a:t>Interprétation de la question et réponse</a:t>
             </a:r>
           </a:p>
           <a:p>
@@ -25872,81 +25377,66 @@
         </p:spPr>
         <p:txBody>
           <a:bodyPr>
-            <a:normAutofit fontScale="92500"/>
+            <a:normAutofit/>
           </a:bodyPr>
           <a:lstStyle/>
           <a:p>
             <a:pPr>
-              <a:lnSpc>
-                <a:spcPct val="100000"/>
-              </a:lnSpc>
               <a:buClr>
                 <a:schemeClr val="dk1"/>
               </a:buClr>
               <a:buSzPts val="2800"/>
             </a:pPr>
             <a:r>
-              <a:rPr lang="fr-FR" sz="2400" dirty="0"/>
+              <a:rPr lang="fr-FR" sz="2200" dirty="0"/>
               <a:t>Prise en main de l’environnement</a:t>
             </a:r>
           </a:p>
           <a:p>
             <a:pPr>
-              <a:lnSpc>
-                <a:spcPct val="100000"/>
-              </a:lnSpc>
               <a:buClr>
                 <a:schemeClr val="dk1"/>
               </a:buClr>
               <a:buSzPts val="2800"/>
             </a:pPr>
             <a:r>
-              <a:rPr lang="fr-FR" sz="2400" dirty="0"/>
+              <a:rPr lang="fr-FR" sz="2200" dirty="0"/>
               <a:t>Exploration du champ lexical</a:t>
             </a:r>
           </a:p>
           <a:p>
             <a:pPr>
-              <a:lnSpc>
-                <a:spcPct val="100000"/>
-              </a:lnSpc>
               <a:buClr>
                 <a:schemeClr val="dk1"/>
               </a:buClr>
               <a:buSzPts val="2800"/>
             </a:pPr>
             <a:r>
-              <a:rPr lang="fr-FR" sz="2400" dirty="0"/>
+              <a:rPr lang="fr-FR" sz="2200" dirty="0"/>
               <a:t>Elaboration d’un script de réponse</a:t>
             </a:r>
           </a:p>
           <a:p>
             <a:pPr>
-              <a:lnSpc>
-                <a:spcPct val="100000"/>
-              </a:lnSpc>
               <a:buClr>
                 <a:schemeClr val="dk1"/>
               </a:buClr>
               <a:buSzPts val="2800"/>
             </a:pPr>
             <a:r>
-              <a:rPr lang="fr-FR" sz="2400" dirty="0"/>
+              <a:rPr lang="fr-FR" sz="2200" dirty="0"/>
               <a:t>Script d’automatisation de création du fichier topic</a:t>
             </a:r>
           </a:p>
           <a:p>
             <a:pPr>
-              <a:lnSpc>
-                <a:spcPct val="100000"/>
-              </a:lnSpc>
               <a:buClr>
                 <a:schemeClr val="dk1"/>
               </a:buClr>
               <a:buSzPts val="2800"/>
             </a:pPr>
             <a:r>
-              <a:rPr lang="fr-FR" sz="2400" dirty="0"/>
+              <a:rPr lang="fr-FR" sz="2200" dirty="0"/>
               <a:t>Présentation</a:t>
             </a:r>
           </a:p>
@@ -26004,7 +25494,7 @@
             <p:ph sz="quarter" idx="4"/>
             <p:extLst>
               <p:ext uri="{D42A27DB-BD31-4B8C-83A1-F6EECF244321}">
-                <p14:modId xmlns:p14="http://schemas.microsoft.com/office/powerpoint/2010/main" val="962306537"/>
+                <p14:modId xmlns:p14="http://schemas.microsoft.com/office/powerpoint/2010/main" val="1508243427"/>
               </p:ext>
             </p:extLst>
           </p:nvPr>
@@ -26115,13 +25605,7 @@
           </a:bodyPr>
           <a:lstStyle/>
           <a:p>
-            <a:pPr marL="0" marR="0" lvl="0" indent="0" algn="l" rtl="0">
-              <a:lnSpc>
-                <a:spcPct val="90000"/>
-              </a:lnSpc>
-              <a:spcBef>
-                <a:spcPts val="0"/>
-              </a:spcBef>
+            <a:pPr marL="0" marR="0" lvl="0" indent="0">
               <a:spcAft>
                 <a:spcPts val="0"/>
               </a:spcAft>
@@ -26129,17 +25613,9 @@
                 <a:schemeClr val="dk1"/>
               </a:buClr>
               <a:buSzPts val="4400"/>
-              <a:buFont typeface="Calibri"/>
-              <a:buNone/>
             </a:pPr>
             <a:r>
-              <a:rPr lang="fr-FR" sz="4400" b="0" i="0" u="none" strike="noStrike" cap="none" dirty="0">
-                <a:solidFill>
-                  <a:schemeClr val="dk1"/>
-                </a:solidFill>
-                <a:latin typeface="Calibri"/>
-                <a:ea typeface="Calibri"/>
-                <a:cs typeface="Calibri"/>
+              <a:rPr lang="fr-FR" dirty="0">
                 <a:sym typeface="Calibri"/>
               </a:rPr>
               <a:t>Bilan personnel – Tristan PARISELLE</a:t>
@@ -27155,6 +26631,16 @@
             </a:r>
           </a:p>
           <a:p>
+            <a:pPr lvl="1">
+              <a:buFont typeface="Wingdings" panose="05000000000000000000" pitchFamily="2" charset="2"/>
+              <a:buChar char="Ø"/>
+            </a:pPr>
+            <a:r>
+              <a:rPr lang="fr-FR" sz="2000" dirty="0"/>
+              <a:t> Management horizontal</a:t>
+            </a:r>
+          </a:p>
+          <a:p>
             <a:r>
               <a:rPr lang="fr-FR" sz="2400" dirty="0"/>
               <a:t>Ecoute et entraide</a:t>
@@ -27211,7 +26697,7 @@
             <p:ph sz="quarter" idx="4"/>
             <p:extLst>
               <p:ext uri="{D42A27DB-BD31-4B8C-83A1-F6EECF244321}">
-                <p14:modId xmlns:p14="http://schemas.microsoft.com/office/powerpoint/2010/main" val="1228952629"/>
+                <p14:modId xmlns:p14="http://schemas.microsoft.com/office/powerpoint/2010/main" val="1862316630"/>
               </p:ext>
             </p:extLst>
           </p:nvPr>
@@ -27550,7 +27036,7 @@
         </p:spPr>
         <p:txBody>
           <a:bodyPr>
-            <a:normAutofit fontScale="85000" lnSpcReduction="20000"/>
+            <a:normAutofit fontScale="77500" lnSpcReduction="20000"/>
           </a:bodyPr>
           <a:lstStyle/>
           <a:p>
@@ -27606,6 +27092,13 @@
             </a:r>
           </a:p>
           <a:p>
+            <a:pPr lvl="2"/>
+            <a:r>
+              <a:rPr lang="fr-FR" dirty="0"/>
+              <a:t>Relativement rapide à mettre en place</a:t>
+            </a:r>
+          </a:p>
+          <a:p>
             <a:pPr lvl="1"/>
             <a:endParaRPr lang="fr-FR" dirty="0"/>
           </a:p>
@@ -27635,6 +27128,13 @@
             <a:r>
               <a:rPr lang="fr-FR" dirty="0"/>
               <a:t>Excellents résultat avec la voix synthétique</a:t>
+            </a:r>
+          </a:p>
+          <a:p>
+            <a:pPr lvl="2"/>
+            <a:r>
+              <a:rPr lang="fr-FR" dirty="0"/>
+              <a:t>Long à mettre en place</a:t>
             </a:r>
           </a:p>
         </p:txBody>
@@ -28610,6 +28110,10 @@
           </a:bodyPr>
           <a:lstStyle/>
           <a:p>
+            <a:pPr>
+              <a:buFont typeface="Wingdings" panose="05000000000000000000" pitchFamily="2" charset="2"/>
+              <a:buChar char="ü"/>
+            </a:pPr>
             <a:r>
               <a:rPr lang="fr-FR" sz="4000" u="sng" dirty="0">
                 <a:solidFill>
